--- a/FSharp2.pptx
+++ b/FSharp2.pptx
@@ -6514,7 +6514,35 @@
                 <a:ea typeface="DejaVu Sans" pitchFamily="2"/>
                 <a:cs typeface="DejaVu Sans" pitchFamily="2"/>
               </a:rPr>
-              <a:t>Introduction to functional programming with F#</a:t>
+              <a:t>Introduction to functional programming </a:t>
+            </a:r>
+            <a:r>
+              <a:rPr lang="sv-SE" sz="4400" b="0" i="0" u="none" strike="noStrike" kern="1200" spc="0" dirty="0" smtClean="0">
+                <a:ln>
+                  <a:noFill/>
+                </a:ln>
+                <a:solidFill>
+                  <a:srgbClr val="000000"/>
+                </a:solidFill>
+                <a:latin typeface="Calibri" pitchFamily="18"/>
+                <a:ea typeface="DejaVu Sans" pitchFamily="2"/>
+                <a:cs typeface="DejaVu Sans" pitchFamily="2"/>
+              </a:rPr>
+              <a:t>and </a:t>
+            </a:r>
+            <a:r>
+              <a:rPr lang="sv-SE" sz="4400" b="0" i="0" u="none" strike="noStrike" kern="1200" spc="0" dirty="0" smtClean="0">
+                <a:ln>
+                  <a:noFill/>
+                </a:ln>
+                <a:solidFill>
+                  <a:srgbClr val="000000"/>
+                </a:solidFill>
+                <a:latin typeface="Calibri" pitchFamily="18"/>
+                <a:ea typeface="DejaVu Sans" pitchFamily="2"/>
+                <a:cs typeface="DejaVu Sans" pitchFamily="2"/>
+              </a:rPr>
+              <a:t>F#</a:t>
             </a:r>
             <a:endParaRPr lang="sv-SE" sz="4400" b="0" i="0" u="none" strike="noStrike" kern="1200" spc="0" dirty="0">
               <a:ln>
@@ -6757,7 +6785,7 @@
               <a:tabLst/>
             </a:pPr>
             <a:r>
-              <a:rPr lang="sv-SE" sz="1800" b="0" i="0" u="none" strike="noStrike" kern="1200" spc="0">
+              <a:rPr lang="sv-SE" sz="1800" b="0" i="0" u="none" strike="noStrike" kern="1200" spc="0" dirty="0">
                 <a:ln>
                   <a:noFill/>
                 </a:ln>
@@ -6783,7 +6811,7 @@
               <a:tabLst/>
             </a:pPr>
             <a:r>
-              <a:rPr lang="sv-SE" sz="1800" b="0" i="0" u="none" strike="noStrike" kern="1200" spc="0">
+              <a:rPr lang="sv-SE" sz="1800" b="0" i="0" u="none" strike="noStrike" kern="1200" spc="0" dirty="0">
                 <a:ln>
                   <a:noFill/>
                 </a:ln>
@@ -6809,7 +6837,7 @@
               <a:tabLst/>
             </a:pPr>
             <a:r>
-              <a:rPr lang="sv-SE" sz="1800" b="0" i="0" u="none" strike="noStrike" kern="1200" spc="0">
+              <a:rPr lang="sv-SE" sz="1800" b="0" i="0" u="none" strike="noStrike" kern="1200" spc="0" dirty="0">
                 <a:ln>
                   <a:noFill/>
                 </a:ln>
@@ -6835,7 +6863,7 @@
               <a:tabLst/>
             </a:pPr>
             <a:r>
-              <a:rPr lang="sv-SE" sz="1800" b="0" i="0" u="none" strike="noStrike" kern="1200" spc="0">
+              <a:rPr lang="sv-SE" sz="1800" b="0" i="0" u="none" strike="noStrike" kern="1200" spc="0" dirty="0">
                 <a:ln>
                   <a:noFill/>
                 </a:ln>
@@ -6861,7 +6889,7 @@
               <a:tabLst/>
             </a:pPr>
             <a:r>
-              <a:rPr lang="sv-SE" sz="1800" b="0" i="0" u="none" strike="noStrike" kern="1200" spc="0">
+              <a:rPr lang="sv-SE" sz="1800" b="0" i="0" u="none" strike="noStrike" kern="1200" spc="0" dirty="0">
                 <a:ln>
                   <a:noFill/>
                 </a:ln>
@@ -6887,7 +6915,7 @@
               <a:tabLst/>
             </a:pPr>
             <a:r>
-              <a:rPr lang="sv-SE" sz="1800" b="0" i="0" u="none" strike="noStrike" kern="1200" spc="0">
+              <a:rPr lang="sv-SE" sz="1800" b="0" i="0" u="none" strike="noStrike" kern="1200" spc="0" dirty="0">
                 <a:ln>
                   <a:noFill/>
                 </a:ln>
@@ -6913,7 +6941,7 @@
               <a:tabLst/>
             </a:pPr>
             <a:r>
-              <a:rPr lang="sv-SE" sz="1800" b="0" i="0" u="none" strike="noStrike" kern="1200" spc="0">
+              <a:rPr lang="sv-SE" sz="1800" b="0" i="0" u="none" strike="noStrike" kern="1200" spc="0" dirty="0">
                 <a:ln>
                   <a:noFill/>
                 </a:ln>
@@ -6939,7 +6967,7 @@
               <a:tabLst/>
             </a:pPr>
             <a:r>
-              <a:rPr lang="sv-SE" sz="1800" b="0" i="0" u="none" strike="noStrike" kern="1200" spc="0">
+              <a:rPr lang="sv-SE" sz="1800" b="0" i="0" u="none" strike="noStrike" kern="1200" spc="0" dirty="0">
                 <a:ln>
                   <a:noFill/>
                 </a:ln>
@@ -6965,7 +6993,7 @@
               <a:tabLst/>
             </a:pPr>
             <a:r>
-              <a:rPr lang="sv-SE" sz="1800" b="0" i="0" u="none" strike="noStrike" kern="1200" spc="0">
+              <a:rPr lang="sv-SE" sz="1800" b="0" i="0" u="none" strike="noStrike" kern="1200" spc="0" dirty="0">
                 <a:ln>
                   <a:noFill/>
                 </a:ln>
@@ -8619,8 +8647,8 @@
         </p:nvSpPr>
         <p:spPr>
           <a:xfrm>
-            <a:off x="457200" y="1357200"/>
-            <a:ext cx="8228880" cy="3428280"/>
+            <a:off x="539552" y="1365854"/>
+            <a:ext cx="8228880" cy="5303506"/>
           </a:xfrm>
           <a:custGeom>
             <a:avLst/>
@@ -8903,6 +8931,35 @@
                 <a:cs typeface="DejaVu Sans" pitchFamily="2"/>
               </a:rPr>
               <a:t>CQS</a:t>
+            </a:r>
+          </a:p>
+          <a:p>
+            <a:pPr marL="0" marR="0" lvl="0" indent="0" rtl="0" hangingPunct="0">
+              <a:lnSpc>
+                <a:spcPct val="100000"/>
+              </a:lnSpc>
+              <a:spcBef>
+                <a:spcPts val="0"/>
+              </a:spcBef>
+              <a:spcAft>
+                <a:spcPts val="0"/>
+              </a:spcAft>
+              <a:buNone/>
+              <a:tabLst/>
+            </a:pPr>
+            <a:r>
+              <a:rPr lang="sv-SE" sz="2000" b="0" i="0" u="none" strike="noStrike" kern="1200" spc="0" dirty="0" smtClean="0">
+                <a:ln>
+                  <a:noFill/>
+                </a:ln>
+                <a:solidFill>
+                  <a:srgbClr val="1F497D"/>
+                </a:solidFill>
+                <a:latin typeface="Arial" pitchFamily="18"/>
+                <a:ea typeface="DejaVu Sans" pitchFamily="2"/>
+                <a:cs typeface="DejaVu Sans" pitchFamily="2"/>
+              </a:rPr>
+              <a:t>First class functions</a:t>
             </a:r>
             <a:endParaRPr lang="sv-SE" sz="2000" b="0" i="0" u="none" strike="noStrike" kern="1200" spc="0" dirty="0">
               <a:ln>
@@ -10444,6 +10501,109 @@
                       </p:childTnLst>
                     </p:cTn>
                   </p:par>
+                  <p:par>
+                    <p:cTn id="75" fill="hold">
+                      <p:stCondLst>
+                        <p:cond delay="indefinite"/>
+                      </p:stCondLst>
+                      <p:childTnLst>
+                        <p:par>
+                          <p:cTn id="76" fill="hold">
+                            <p:stCondLst>
+                              <p:cond delay="0"/>
+                            </p:stCondLst>
+                            <p:childTnLst>
+                              <p:par>
+                                <p:cTn id="77" presetID="2" presetClass="entr" presetSubtype="4" fill="hold" nodeType="clickEffect">
+                                  <p:stCondLst>
+                                    <p:cond delay="0"/>
+                                  </p:stCondLst>
+                                  <p:childTnLst>
+                                    <p:set>
+                                      <p:cBhvr>
+                                        <p:cTn id="78" dur="1" fill="hold">
+                                          <p:stCondLst>
+                                            <p:cond delay="0"/>
+                                          </p:stCondLst>
+                                        </p:cTn>
+                                        <p:tgtEl>
+                                          <p:spTgt spid="3">
+                                            <p:txEl>
+                                              <p:pRg st="12" end="12"/>
+                                            </p:txEl>
+                                          </p:spTgt>
+                                        </p:tgtEl>
+                                        <p:attrNameLst>
+                                          <p:attrName>style.visibility</p:attrName>
+                                        </p:attrNameLst>
+                                      </p:cBhvr>
+                                      <p:to>
+                                        <p:strVal val="visible"/>
+                                      </p:to>
+                                    </p:set>
+                                    <p:anim calcmode="lin" valueType="num">
+                                      <p:cBhvr additive="base">
+                                        <p:cTn id="79" dur="500" fill="hold"/>
+                                        <p:tgtEl>
+                                          <p:spTgt spid="3">
+                                            <p:txEl>
+                                              <p:pRg st="12" end="12"/>
+                                            </p:txEl>
+                                          </p:spTgt>
+                                        </p:tgtEl>
+                                        <p:attrNameLst>
+                                          <p:attrName>ppt_x</p:attrName>
+                                        </p:attrNameLst>
+                                      </p:cBhvr>
+                                      <p:tavLst>
+                                        <p:tav tm="0">
+                                          <p:val>
+                                            <p:strVal val="#ppt_x"/>
+                                          </p:val>
+                                        </p:tav>
+                                        <p:tav tm="100000">
+                                          <p:val>
+                                            <p:strVal val="#ppt_x"/>
+                                          </p:val>
+                                        </p:tav>
+                                      </p:tavLst>
+                                    </p:anim>
+                                    <p:anim calcmode="lin" valueType="num">
+                                      <p:cBhvr additive="base">
+                                        <p:cTn id="80" dur="500" fill="hold"/>
+                                        <p:tgtEl>
+                                          <p:spTgt spid="3">
+                                            <p:txEl>
+                                              <p:pRg st="12" end="12"/>
+                                            </p:txEl>
+                                          </p:spTgt>
+                                        </p:tgtEl>
+                                        <p:attrNameLst>
+                                          <p:attrName>ppt_y</p:attrName>
+                                        </p:attrNameLst>
+                                      </p:cBhvr>
+                                      <p:tavLst>
+                                        <p:tav tm="0">
+                                          <p:val>
+                                            <p:strVal val="1+#ppt_h/2"/>
+                                          </p:val>
+                                        </p:tav>
+                                        <p:tav tm="100000">
+                                          <p:val>
+                                            <p:strVal val="#ppt_y"/>
+                                          </p:val>
+                                        </p:tav>
+                                      </p:tavLst>
+                                    </p:anim>
+                                  </p:childTnLst>
+                                </p:cTn>
+                              </p:par>
+                            </p:childTnLst>
+                          </p:cTn>
+                        </p:par>
+                      </p:childTnLst>
+                    </p:cTn>
+                  </p:par>
                 </p:childTnLst>
               </p:cTn>
               <p:prevCondLst>
@@ -10470,7 +10630,7 @@
 </file>
 
 <file path=ppt/slides/slide4.xml><?xml version="1.0" encoding="utf-8"?>
-<p:sld xmlns:a="http://schemas.openxmlformats.org/drawingml/2006/main" xmlns:r="http://schemas.openxmlformats.org/officeDocument/2006/relationships" xmlns:p="http://schemas.openxmlformats.org/presentationml/2006/main" show="0">
+<p:sld xmlns:a="http://schemas.openxmlformats.org/drawingml/2006/main" xmlns:r="http://schemas.openxmlformats.org/officeDocument/2006/relationships" xmlns:p="http://schemas.openxmlformats.org/presentationml/2006/main">
   <p:cSld name="page3">
     <p:spTree>
       <p:nvGrpSpPr>
@@ -10831,11 +10991,11 @@
   <p:clrMapOvr>
     <a:masterClrMapping/>
   </p:clrMapOvr>
-  <mc:AlternateContent xmlns:mc="http://schemas.openxmlformats.org/markup-compatibility/2006" xmlns:p14="http://schemas.microsoft.com/office/powerpoint/2010/main">
-    <mc:Choice Requires="p14">
+  <mc:AlternateContent xmlns:mc="http://schemas.openxmlformats.org/markup-compatibility/2006">
+    <mc:Choice xmlns:p14="http://schemas.microsoft.com/office/powerpoint/2010/main" Requires="p14">
       <p:transition spd="slow" p14:dur="2000"/>
     </mc:Choice>
-    <mc:Fallback xmlns="">
+    <mc:Fallback>
       <p:transition spd="slow"/>
     </mc:Fallback>
   </mc:AlternateContent>
@@ -12461,8 +12621,8 @@
         </p:nvSpPr>
         <p:spPr>
           <a:xfrm>
-            <a:off x="457200" y="274680"/>
-            <a:ext cx="8228880" cy="1430640"/>
+            <a:off x="457200" y="169560"/>
+            <a:ext cx="8228880" cy="1027192"/>
           </a:xfrm>
           <a:custGeom>
             <a:avLst/>
@@ -12517,24 +12677,9 @@
           <a:bodyPr vert="horz" wrap="square" lIns="90000" tIns="45000" rIns="90000" bIns="45000" anchor="t" compatLnSpc="0"/>
           <a:lstStyle/>
           <a:p>
-            <a:pPr marL="0" marR="0" lvl="0" indent="0" algn="ctr" rtl="0" hangingPunct="0">
-              <a:lnSpc>
-                <a:spcPct val="100000"/>
-              </a:lnSpc>
-              <a:spcBef>
-                <a:spcPts val="0"/>
-              </a:spcBef>
-              <a:spcAft>
-                <a:spcPts val="0"/>
-              </a:spcAft>
-              <a:buNone/>
-              <a:tabLst/>
-            </a:pPr>
-            <a:r>
-              <a:rPr lang="sv-SE" sz="4400" b="0" i="0" u="none" strike="noStrike" kern="1200" spc="0" dirty="0">
-                <a:ln>
-                  <a:noFill/>
-                </a:ln>
+            <a:pPr lvl="0" algn="ctr" hangingPunct="0"/>
+            <a:r>
+              <a:rPr lang="sv-SE" sz="4400" dirty="0">
                 <a:solidFill>
                   <a:srgbClr val="000000"/>
                 </a:solidFill>
@@ -12542,8 +12687,19 @@
                 <a:ea typeface="DejaVu Sans" pitchFamily="2"/>
                 <a:cs typeface="DejaVu Sans" pitchFamily="2"/>
               </a:rPr>
-              <a:t>So how is that relevant to C# coders?</a:t>
-            </a:r>
+              <a:t>Linq is Functional Programming</a:t>
+            </a:r>
+            <a:endParaRPr lang="sv-SE" sz="4400" b="0" i="0" u="none" strike="noStrike" kern="1200" spc="0" dirty="0">
+              <a:ln>
+                <a:noFill/>
+              </a:ln>
+              <a:solidFill>
+                <a:srgbClr val="000000"/>
+              </a:solidFill>
+              <a:latin typeface="Calibri" pitchFamily="18"/>
+              <a:ea typeface="DejaVu Sans" pitchFamily="2"/>
+              <a:cs typeface="DejaVu Sans" pitchFamily="2"/>
+            </a:endParaRPr>
           </a:p>
         </p:txBody>
       </p:sp>

--- a/FSharp2.pptx
+++ b/FSharp2.pptx
@@ -1074,8 +1074,8 @@
         </p:nvSpPr>
         <p:spPr>
           <a:xfrm>
-            <a:off x="1143000" y="694800"/>
-            <a:ext cx="4571640" cy="3428639"/>
+            <a:off x="1144588" y="695325"/>
+            <a:ext cx="4568825" cy="3427413"/>
           </a:xfrm>
           <a:solidFill>
             <a:schemeClr val="accent1"/>
@@ -6514,35 +6514,7 @@
                 <a:ea typeface="DejaVu Sans" pitchFamily="2"/>
                 <a:cs typeface="DejaVu Sans" pitchFamily="2"/>
               </a:rPr>
-              <a:t>Introduction to functional programming </a:t>
-            </a:r>
-            <a:r>
-              <a:rPr lang="sv-SE" sz="4400" b="0" i="0" u="none" strike="noStrike" kern="1200" spc="0" dirty="0" smtClean="0">
-                <a:ln>
-                  <a:noFill/>
-                </a:ln>
-                <a:solidFill>
-                  <a:srgbClr val="000000"/>
-                </a:solidFill>
-                <a:latin typeface="Calibri" pitchFamily="18"/>
-                <a:ea typeface="DejaVu Sans" pitchFamily="2"/>
-                <a:cs typeface="DejaVu Sans" pitchFamily="2"/>
-              </a:rPr>
-              <a:t>and </a:t>
-            </a:r>
-            <a:r>
-              <a:rPr lang="sv-SE" sz="4400" b="0" i="0" u="none" strike="noStrike" kern="1200" spc="0" dirty="0" smtClean="0">
-                <a:ln>
-                  <a:noFill/>
-                </a:ln>
-                <a:solidFill>
-                  <a:srgbClr val="000000"/>
-                </a:solidFill>
-                <a:latin typeface="Calibri" pitchFamily="18"/>
-                <a:ea typeface="DejaVu Sans" pitchFamily="2"/>
-                <a:cs typeface="DejaVu Sans" pitchFamily="2"/>
-              </a:rPr>
-              <a:t>F#</a:t>
+              <a:t>Introduction to functional programming and F#</a:t>
             </a:r>
             <a:endParaRPr lang="sv-SE" sz="4400" b="0" i="0" u="none" strike="noStrike" kern="1200" spc="0" dirty="0">
               <a:ln>
@@ -8382,7 +8354,12 @@
             <p:ph type="title"/>
           </p:nvPr>
         </p:nvSpPr>
-        <p:spPr/>
+        <p:spPr>
+          <a:xfrm>
+            <a:off x="457200" y="274638"/>
+            <a:ext cx="8229600" cy="1282154"/>
+          </a:xfrm>
+        </p:spPr>
         <p:txBody>
           <a:bodyPr/>
           <a:lstStyle/>
@@ -8392,7 +8369,18 @@
             </a:pPr>
             <a:r>
               <a:rPr lang="sv-SE" dirty="0" smtClean="0"/>
-              <a:t>What, Not How</a:t>
+              <a:t>Functional vs Imperative</a:t>
+            </a:r>
+            <a:br>
+              <a:rPr lang="sv-SE" dirty="0" smtClean="0"/>
+            </a:br>
+            <a:r>
+              <a:rPr lang="sv-SE" dirty="0" smtClean="0"/>
+              <a:t>What</a:t>
+            </a:r>
+            <a:r>
+              <a:rPr lang="sv-SE" dirty="0" smtClean="0"/>
+              <a:t>, Not How</a:t>
             </a:r>
             <a:endParaRPr lang="sv-SE" dirty="0"/>
           </a:p>
@@ -8715,57 +8703,87 @@
               </a:rPr>
               <a:t>Immutability</a:t>
             </a:r>
+          </a:p>
+          <a:p>
+            <a:pPr lvl="0" hangingPunct="0"/>
+            <a:r>
+              <a:rPr lang="sv-SE" sz="2000" b="0" i="0" u="none" strike="noStrike" kern="1200" spc="0" dirty="0" smtClean="0">
+                <a:ln>
+                  <a:noFill/>
+                </a:ln>
+                <a:solidFill>
+                  <a:srgbClr val="1F497D"/>
+                </a:solidFill>
+                <a:latin typeface="Arial" pitchFamily="18"/>
+                <a:ea typeface="DejaVu Sans" pitchFamily="2"/>
+                <a:cs typeface="DejaVu Sans" pitchFamily="2"/>
+              </a:rPr>
+              <a:t>	Values never </a:t>
+            </a:r>
+            <a:r>
+              <a:rPr lang="sv-SE" sz="2000" b="0" i="0" u="none" strike="noStrike" kern="1200" spc="0" dirty="0">
+                <a:ln>
+                  <a:noFill/>
+                </a:ln>
+                <a:solidFill>
+                  <a:srgbClr val="1F497D"/>
+                </a:solidFill>
+                <a:latin typeface="Arial" pitchFamily="18"/>
+                <a:ea typeface="DejaVu Sans" pitchFamily="2"/>
+                <a:cs typeface="DejaVu Sans" pitchFamily="2"/>
+              </a:rPr>
+              <a:t>change, instead new values are </a:t>
+            </a:r>
+            <a:r>
+              <a:rPr lang="sv-SE" sz="2000" b="0" i="0" u="none" strike="noStrike" kern="1200" spc="0" dirty="0" smtClean="0">
+                <a:ln>
+                  <a:noFill/>
+                </a:ln>
+                <a:solidFill>
+                  <a:srgbClr val="1F497D"/>
+                </a:solidFill>
+                <a:latin typeface="Arial" pitchFamily="18"/>
+                <a:ea typeface="DejaVu Sans" pitchFamily="2"/>
+                <a:cs typeface="DejaVu Sans" pitchFamily="2"/>
+              </a:rPr>
+              <a:t>created</a:t>
+            </a:r>
+          </a:p>
+          <a:p>
+            <a:pPr lvl="0" hangingPunct="0"/>
+            <a:r>
+              <a:rPr lang="sv-SE" sz="2000" dirty="0">
+                <a:solidFill>
+                  <a:srgbClr val="1F497D"/>
+                </a:solidFill>
+                <a:latin typeface="Arial" pitchFamily="18"/>
+                <a:ea typeface="DejaVu Sans" pitchFamily="2"/>
+                <a:cs typeface="DejaVu Sans" pitchFamily="2"/>
+              </a:rPr>
+              <a:t>	</a:t>
+            </a:r>
+            <a:r>
+              <a:rPr lang="sv-SE" sz="2000" dirty="0" smtClean="0">
+                <a:solidFill>
+                  <a:srgbClr val="1F497D"/>
+                </a:solidFill>
+                <a:latin typeface="Arial" pitchFamily="18"/>
+                <a:ea typeface="DejaVu Sans" pitchFamily="2"/>
+                <a:cs typeface="DejaVu Sans" pitchFamily="2"/>
+              </a:rPr>
+              <a:t>A value is not a varible</a:t>
+            </a:r>
             <a:endParaRPr lang="sv-SE" sz="2000" b="0" i="0" u="none" strike="noStrike" kern="1200" spc="0" dirty="0">
               <a:ln>
                 <a:noFill/>
               </a:ln>
+              <a:solidFill>
+                <a:srgbClr val="1F497D"/>
+              </a:solidFill>
               <a:latin typeface="Arial" pitchFamily="18"/>
               <a:ea typeface="DejaVu Sans" pitchFamily="2"/>
               <a:cs typeface="DejaVu Sans" pitchFamily="2"/>
             </a:endParaRPr>
-          </a:p>
-          <a:p>
-            <a:pPr marL="0" marR="0" lvl="0" indent="0" rtl="0" hangingPunct="0">
-              <a:lnSpc>
-                <a:spcPct val="100000"/>
-              </a:lnSpc>
-              <a:spcBef>
-                <a:spcPts val="0"/>
-              </a:spcBef>
-              <a:spcAft>
-                <a:spcPts val="0"/>
-              </a:spcAft>
-              <a:buNone/>
-              <a:tabLst/>
-            </a:pPr>
-            <a:r>
-              <a:rPr lang="sv-SE" sz="2000" b="0" i="0" u="none" strike="noStrike" kern="1200" spc="0" dirty="0" smtClean="0">
-                <a:ln>
-                  <a:noFill/>
-                </a:ln>
-                <a:solidFill>
-                  <a:srgbClr val="1F497D"/>
-                </a:solidFill>
-                <a:latin typeface="Arial" pitchFamily="18"/>
-                <a:ea typeface="DejaVu Sans" pitchFamily="2"/>
-                <a:cs typeface="DejaVu Sans" pitchFamily="2"/>
-              </a:rPr>
-              <a:t>	Values never </a:t>
-            </a:r>
-            <a:r>
-              <a:rPr lang="sv-SE" sz="2000" b="0" i="0" u="none" strike="noStrike" kern="1200" spc="0" dirty="0">
-                <a:ln>
-                  <a:noFill/>
-                </a:ln>
-                <a:solidFill>
-                  <a:srgbClr val="1F497D"/>
-                </a:solidFill>
-                <a:latin typeface="Arial" pitchFamily="18"/>
-                <a:ea typeface="DejaVu Sans" pitchFamily="2"/>
-                <a:cs typeface="DejaVu Sans" pitchFamily="2"/>
-              </a:rPr>
-              <a:t>change, instead new values are created</a:t>
-            </a:r>
           </a:p>
           <a:p>
             <a:pPr marL="0" marR="0" lvl="0" indent="0" rtl="0" hangingPunct="0">
@@ -10604,6 +10622,109 @@
                       </p:childTnLst>
                     </p:cTn>
                   </p:par>
+                  <p:par>
+                    <p:cTn id="81" fill="hold">
+                      <p:stCondLst>
+                        <p:cond delay="indefinite"/>
+                      </p:stCondLst>
+                      <p:childTnLst>
+                        <p:par>
+                          <p:cTn id="82" fill="hold">
+                            <p:stCondLst>
+                              <p:cond delay="0"/>
+                            </p:stCondLst>
+                            <p:childTnLst>
+                              <p:par>
+                                <p:cTn id="83" presetID="2" presetClass="entr" presetSubtype="4" fill="hold" nodeType="clickEffect">
+                                  <p:stCondLst>
+                                    <p:cond delay="0"/>
+                                  </p:stCondLst>
+                                  <p:childTnLst>
+                                    <p:set>
+                                      <p:cBhvr>
+                                        <p:cTn id="84" dur="1" fill="hold">
+                                          <p:stCondLst>
+                                            <p:cond delay="0"/>
+                                          </p:stCondLst>
+                                        </p:cTn>
+                                        <p:tgtEl>
+                                          <p:spTgt spid="3">
+                                            <p:txEl>
+                                              <p:pRg st="13" end="13"/>
+                                            </p:txEl>
+                                          </p:spTgt>
+                                        </p:tgtEl>
+                                        <p:attrNameLst>
+                                          <p:attrName>style.visibility</p:attrName>
+                                        </p:attrNameLst>
+                                      </p:cBhvr>
+                                      <p:to>
+                                        <p:strVal val="visible"/>
+                                      </p:to>
+                                    </p:set>
+                                    <p:anim calcmode="lin" valueType="num">
+                                      <p:cBhvr additive="base">
+                                        <p:cTn id="85" dur="500" fill="hold"/>
+                                        <p:tgtEl>
+                                          <p:spTgt spid="3">
+                                            <p:txEl>
+                                              <p:pRg st="13" end="13"/>
+                                            </p:txEl>
+                                          </p:spTgt>
+                                        </p:tgtEl>
+                                        <p:attrNameLst>
+                                          <p:attrName>ppt_x</p:attrName>
+                                        </p:attrNameLst>
+                                      </p:cBhvr>
+                                      <p:tavLst>
+                                        <p:tav tm="0">
+                                          <p:val>
+                                            <p:strVal val="#ppt_x"/>
+                                          </p:val>
+                                        </p:tav>
+                                        <p:tav tm="100000">
+                                          <p:val>
+                                            <p:strVal val="#ppt_x"/>
+                                          </p:val>
+                                        </p:tav>
+                                      </p:tavLst>
+                                    </p:anim>
+                                    <p:anim calcmode="lin" valueType="num">
+                                      <p:cBhvr additive="base">
+                                        <p:cTn id="86" dur="500" fill="hold"/>
+                                        <p:tgtEl>
+                                          <p:spTgt spid="3">
+                                            <p:txEl>
+                                              <p:pRg st="13" end="13"/>
+                                            </p:txEl>
+                                          </p:spTgt>
+                                        </p:tgtEl>
+                                        <p:attrNameLst>
+                                          <p:attrName>ppt_y</p:attrName>
+                                        </p:attrNameLst>
+                                      </p:cBhvr>
+                                      <p:tavLst>
+                                        <p:tav tm="0">
+                                          <p:val>
+                                            <p:strVal val="1+#ppt_h/2"/>
+                                          </p:val>
+                                        </p:tav>
+                                        <p:tav tm="100000">
+                                          <p:val>
+                                            <p:strVal val="#ppt_y"/>
+                                          </p:val>
+                                        </p:tav>
+                                      </p:tavLst>
+                                    </p:anim>
+                                  </p:childTnLst>
+                                </p:cTn>
+                              </p:par>
+                            </p:childTnLst>
+                          </p:cTn>
+                        </p:par>
+                      </p:childTnLst>
+                    </p:cTn>
+                  </p:par>
                 </p:childTnLst>
               </p:cTn>
               <p:prevCondLst>
@@ -10818,7 +10939,7 @@
               <a:tabLst/>
             </a:pPr>
             <a:r>
-              <a:rPr lang="sv-SE" sz="2000" b="0" i="0" u="none" strike="noStrike" kern="1200" spc="0">
+              <a:rPr lang="sv-SE" sz="2000" b="0" i="0" u="none" strike="noStrike" kern="1200" spc="0" dirty="0">
                 <a:ln>
                   <a:noFill/>
                 </a:ln>
@@ -10844,15 +10965,26 @@
               <a:tabLst/>
             </a:pPr>
             <a:r>
-              <a:rPr lang="sv-SE" sz="1600" b="0" i="0" u="none" strike="noStrike" kern="1200" spc="0">
-                <a:ln>
-                  <a:noFill/>
-                </a:ln>
-                <a:latin typeface="Arial" pitchFamily="18"/>
-                <a:ea typeface="DejaVu Sans" pitchFamily="2"/>
-                <a:cs typeface="DejaVu Sans" pitchFamily="2"/>
-              </a:rPr>
-              <a:t>Safe sharing of data</a:t>
+              <a:rPr lang="sv-SE" sz="1600" b="0" i="0" u="none" strike="noStrike" kern="1200" spc="0" dirty="0" smtClean="0">
+                <a:ln>
+                  <a:noFill/>
+                </a:ln>
+                <a:latin typeface="Arial" pitchFamily="18"/>
+                <a:ea typeface="DejaVu Sans" pitchFamily="2"/>
+                <a:cs typeface="DejaVu Sans" pitchFamily="2"/>
+              </a:rPr>
+              <a:t>	Safe </a:t>
+            </a:r>
+            <a:r>
+              <a:rPr lang="sv-SE" sz="1600" b="0" i="0" u="none" strike="noStrike" kern="1200" spc="0" dirty="0">
+                <a:ln>
+                  <a:noFill/>
+                </a:ln>
+                <a:latin typeface="Arial" pitchFamily="18"/>
+                <a:ea typeface="DejaVu Sans" pitchFamily="2"/>
+                <a:cs typeface="DejaVu Sans" pitchFamily="2"/>
+              </a:rPr>
+              <a:t>sharing of data</a:t>
             </a:r>
           </a:p>
           <a:p>
@@ -10870,15 +11002,26 @@
               <a:tabLst/>
             </a:pPr>
             <a:r>
-              <a:rPr lang="sv-SE" sz="1600" b="0" i="0" u="none" strike="noStrike" kern="1200" spc="0">
-                <a:ln>
-                  <a:noFill/>
-                </a:ln>
-                <a:latin typeface="Arial" pitchFamily="18"/>
-                <a:ea typeface="DejaVu Sans" pitchFamily="2"/>
-                <a:cs typeface="DejaVu Sans" pitchFamily="2"/>
-              </a:rPr>
-              <a:t>Safe and simple multithreading</a:t>
+              <a:rPr lang="sv-SE" sz="1600" b="0" i="0" u="none" strike="noStrike" kern="1200" spc="0" dirty="0" smtClean="0">
+                <a:ln>
+                  <a:noFill/>
+                </a:ln>
+                <a:latin typeface="Arial" pitchFamily="18"/>
+                <a:ea typeface="DejaVu Sans" pitchFamily="2"/>
+                <a:cs typeface="DejaVu Sans" pitchFamily="2"/>
+              </a:rPr>
+              <a:t>	Safe </a:t>
+            </a:r>
+            <a:r>
+              <a:rPr lang="sv-SE" sz="1600" b="0" i="0" u="none" strike="noStrike" kern="1200" spc="0" dirty="0">
+                <a:ln>
+                  <a:noFill/>
+                </a:ln>
+                <a:latin typeface="Arial" pitchFamily="18"/>
+                <a:ea typeface="DejaVu Sans" pitchFamily="2"/>
+                <a:cs typeface="DejaVu Sans" pitchFamily="2"/>
+              </a:rPr>
+              <a:t>and simple multithreading</a:t>
             </a:r>
           </a:p>
           <a:p>
@@ -10896,7 +11039,7 @@
               <a:tabLst/>
             </a:pPr>
             <a:r>
-              <a:rPr lang="sv-SE" sz="2000" b="0" i="0" u="none" strike="noStrike" kern="1200" spc="0">
+              <a:rPr lang="sv-SE" sz="2000" b="0" i="0" u="none" strike="noStrike" kern="1200" spc="0" dirty="0">
                 <a:ln>
                   <a:noFill/>
                 </a:ln>
@@ -10922,44 +11065,29 @@
               <a:tabLst/>
             </a:pPr>
             <a:r>
-              <a:rPr lang="sv-SE" sz="1600" b="0" i="0" u="none" strike="noStrike" kern="1200" spc="0">
-                <a:ln>
-                  <a:noFill/>
-                </a:ln>
-                <a:latin typeface="Arial" pitchFamily="18"/>
-                <a:ea typeface="DejaVu Sans" pitchFamily="2"/>
-                <a:cs typeface="DejaVu Sans" pitchFamily="2"/>
-              </a:rPr>
-              <a:t>Composable algorithms</a:t>
-            </a:r>
-          </a:p>
-          <a:p>
-            <a:pPr marL="0" marR="0" lvl="1" indent="0" rtl="0" hangingPunct="0">
-              <a:lnSpc>
-                <a:spcPct val="100000"/>
-              </a:lnSpc>
-              <a:spcBef>
-                <a:spcPts val="0"/>
-              </a:spcBef>
-              <a:spcAft>
-                <a:spcPts val="0"/>
-              </a:spcAft>
-              <a:buSzPct val="45000"/>
-              <a:buFont typeface="StarSymbol"/>
-              <a:buChar char=""/>
-              <a:tabLst/>
-            </a:pPr>
-            <a:r>
-              <a:rPr lang="sv-SE" sz="1200" b="0" i="0" u="none" strike="noStrike" kern="1200" spc="0">
-                <a:ln>
-                  <a:noFill/>
-                </a:ln>
-                <a:latin typeface="Arial" pitchFamily="18"/>
-                <a:ea typeface="DejaVu Sans" pitchFamily="2"/>
-                <a:cs typeface="DejaVu Sans" pitchFamily="2"/>
-              </a:rPr>
-              <a:t>Clean separation of algorithmic concerns (SRP,OCP)</a:t>
-            </a:r>
+              <a:rPr lang="sv-SE" sz="1600" dirty="0" smtClean="0">
+                <a:latin typeface="Arial" pitchFamily="18"/>
+                <a:ea typeface="DejaVu Sans" pitchFamily="2"/>
+                <a:cs typeface="DejaVu Sans" pitchFamily="2"/>
+              </a:rPr>
+              <a:t>	C</a:t>
+            </a:r>
+            <a:r>
+              <a:rPr lang="sv-SE" sz="1600" b="0" i="0" u="none" strike="noStrike" kern="1200" spc="0" dirty="0" smtClean="0">
+                <a:ln>
+                  <a:noFill/>
+                </a:ln>
+                <a:latin typeface="Arial" pitchFamily="18"/>
+                <a:ea typeface="DejaVu Sans" pitchFamily="2"/>
+                <a:cs typeface="DejaVu Sans" pitchFamily="2"/>
+              </a:rPr>
+              <a:t>omposable algorithms</a:t>
+            </a:r>
+            <a:endParaRPr lang="sv-SE" sz="1200" dirty="0">
+              <a:latin typeface="Arial" pitchFamily="18"/>
+              <a:ea typeface="DejaVu Sans" pitchFamily="2"/>
+              <a:cs typeface="DejaVu Sans" pitchFamily="2"/>
+            </a:endParaRPr>
           </a:p>
           <a:p>
             <a:pPr marL="0" marR="0" lvl="0" indent="0" rtl="0" hangingPunct="0">
@@ -10975,7 +11103,29 @@
               <a:buNone/>
               <a:tabLst/>
             </a:pPr>
-            <a:endParaRPr lang="sv-SE" sz="1200" b="0" i="0" u="none" strike="noStrike" kern="1200" spc="0">
+            <a:r>
+              <a:rPr lang="sv-SE" sz="1200" b="0" i="0" u="none" strike="noStrike" kern="1200" spc="0" dirty="0">
+                <a:ln>
+                  <a:noFill/>
+                </a:ln>
+                <a:latin typeface="Arial" pitchFamily="18"/>
+                <a:ea typeface="DejaVu Sans" pitchFamily="2"/>
+                <a:cs typeface="DejaVu Sans" pitchFamily="2"/>
+              </a:rPr>
+              <a:t>	</a:t>
+            </a:r>
+            <a:r>
+              <a:rPr lang="sv-SE" sz="1200" b="0" i="0" u="none" strike="noStrike" kern="1200" spc="0" dirty="0" smtClean="0">
+                <a:ln>
+                  <a:noFill/>
+                </a:ln>
+                <a:latin typeface="Arial" pitchFamily="18"/>
+                <a:ea typeface="DejaVu Sans" pitchFamily="2"/>
+                <a:cs typeface="DejaVu Sans" pitchFamily="2"/>
+              </a:rPr>
+              <a:t>Clean separation of alorithmic concerns</a:t>
+            </a:r>
+            <a:endParaRPr lang="sv-SE" sz="1600" b="0" i="0" u="none" strike="noStrike" kern="1200" spc="0" dirty="0">
               <a:ln>
                 <a:noFill/>
               </a:ln>
@@ -10991,11 +11141,11 @@
   <p:clrMapOvr>
     <a:masterClrMapping/>
   </p:clrMapOvr>
-  <mc:AlternateContent xmlns:mc="http://schemas.openxmlformats.org/markup-compatibility/2006">
-    <mc:Choice xmlns:p14="http://schemas.microsoft.com/office/powerpoint/2010/main" Requires="p14">
+  <mc:AlternateContent xmlns:mc="http://schemas.openxmlformats.org/markup-compatibility/2006" xmlns:p14="http://schemas.microsoft.com/office/powerpoint/2010/main">
+    <mc:Choice Requires="p14">
       <p:transition spd="slow" p14:dur="2000"/>
     </mc:Choice>
-    <mc:Fallback>
+    <mc:Fallback xmlns="">
       <p:transition spd="slow"/>
     </mc:Fallback>
   </mc:AlternateContent>

--- a/FSharp2.pptx
+++ b/FSharp2.pptx
@@ -6,10 +6,10 @@
     <p:sldMasterId id="2147483660" r:id="rId2"/>
   </p:sldMasterIdLst>
   <p:notesMasterIdLst>
-    <p:notesMasterId r:id="rId15"/>
+    <p:notesMasterId r:id="rId17"/>
   </p:notesMasterIdLst>
   <p:handoutMasterIdLst>
-    <p:handoutMasterId r:id="rId16"/>
+    <p:handoutMasterId r:id="rId18"/>
   </p:handoutMasterIdLst>
   <p:sldIdLst>
     <p:sldId id="256" r:id="rId3"/>
@@ -24,6 +24,8 @@
     <p:sldId id="264" r:id="rId12"/>
     <p:sldId id="265" r:id="rId13"/>
     <p:sldId id="266" r:id="rId14"/>
+    <p:sldId id="269" r:id="rId15"/>
+    <p:sldId id="270" r:id="rId16"/>
   </p:sldIdLst>
   <p:sldSz cx="9144000" cy="6858000" type="screen4x3"/>
   <p:notesSz cx="6858000" cy="9144000"/>
@@ -8327,6 +8329,810 @@
 </p:sld>
 </file>
 
+<file path=ppt/slides/slide13.xml><?xml version="1.0" encoding="utf-8"?>
+<p:sld xmlns:a="http://schemas.openxmlformats.org/drawingml/2006/main" xmlns:r="http://schemas.openxmlformats.org/officeDocument/2006/relationships" xmlns:p="http://schemas.openxmlformats.org/presentationml/2006/main">
+  <p:cSld>
+    <p:spTree>
+      <p:nvGrpSpPr>
+        <p:cNvPr id="1" name=""/>
+        <p:cNvGrpSpPr/>
+        <p:nvPr/>
+      </p:nvGrpSpPr>
+      <p:grpSpPr>
+        <a:xfrm>
+          <a:off x="0" y="0"/>
+          <a:ext cx="0" cy="0"/>
+          <a:chOff x="0" y="0"/>
+          <a:chExt cx="0" cy="0"/>
+        </a:xfrm>
+      </p:grpSpPr>
+      <p:sp>
+        <p:nvSpPr>
+          <p:cNvPr id="2" name="Title 1"/>
+          <p:cNvSpPr>
+            <a:spLocks noGrp="1"/>
+          </p:cNvSpPr>
+          <p:nvPr>
+            <p:ph type="title"/>
+          </p:nvPr>
+        </p:nvSpPr>
+        <p:spPr/>
+        <p:txBody>
+          <a:bodyPr/>
+          <a:lstStyle/>
+          <a:p>
+            <a:pPr>
+              <a:buNone/>
+            </a:pPr>
+            <a:r>
+              <a:rPr lang="sv-SE" dirty="0" smtClean="0"/>
+              <a:t>Functions</a:t>
+            </a:r>
+            <a:endParaRPr lang="sv-SE" dirty="0"/>
+          </a:p>
+        </p:txBody>
+      </p:sp>
+      <p:sp>
+        <p:nvSpPr>
+          <p:cNvPr id="3" name="Content Placeholder 2"/>
+          <p:cNvSpPr>
+            <a:spLocks noGrp="1"/>
+          </p:cNvSpPr>
+          <p:nvPr>
+            <p:ph idx="1"/>
+          </p:nvPr>
+        </p:nvSpPr>
+        <p:spPr>
+          <a:xfrm>
+            <a:off x="457200" y="1604520"/>
+            <a:ext cx="8507288" cy="4525920"/>
+          </a:xfrm>
+        </p:spPr>
+        <p:txBody>
+          <a:bodyPr/>
+          <a:lstStyle/>
+          <a:p>
+            <a:pPr marL="108000" indent="0">
+              <a:buNone/>
+            </a:pPr>
+            <a:r>
+              <a:rPr lang="es-ES" dirty="0" smtClean="0">
+                <a:solidFill>
+                  <a:srgbClr val="0000FF"/>
+                </a:solidFill>
+                <a:latin typeface="Consolas"/>
+              </a:rPr>
+              <a:t>No (, ) </a:t>
+            </a:r>
+            <a:r>
+              <a:rPr lang="es-ES" dirty="0" err="1" smtClean="0">
+                <a:solidFill>
+                  <a:srgbClr val="0000FF"/>
+                </a:solidFill>
+                <a:latin typeface="Consolas"/>
+              </a:rPr>
+              <a:t>or</a:t>
+            </a:r>
+            <a:r>
+              <a:rPr lang="es-ES" dirty="0" smtClean="0">
+                <a:solidFill>
+                  <a:srgbClr val="0000FF"/>
+                </a:solidFill>
+                <a:latin typeface="Consolas"/>
+              </a:rPr>
+              <a:t> ,.</a:t>
+            </a:r>
+          </a:p>
+          <a:p>
+            <a:pPr marL="108000" indent="0">
+              <a:buNone/>
+            </a:pPr>
+            <a:r>
+              <a:rPr lang="es-ES" dirty="0" err="1" smtClean="0">
+                <a:solidFill>
+                  <a:srgbClr val="0000FF"/>
+                </a:solidFill>
+                <a:latin typeface="Consolas"/>
+              </a:rPr>
+              <a:t>let</a:t>
+            </a:r>
+            <a:r>
+              <a:rPr lang="es-ES" dirty="0" smtClean="0">
+                <a:solidFill>
+                  <a:prstClr val="black"/>
+                </a:solidFill>
+                <a:latin typeface="Consolas"/>
+              </a:rPr>
+              <a:t> </a:t>
+            </a:r>
+            <a:r>
+              <a:rPr lang="es-ES" dirty="0" err="1" smtClean="0">
+                <a:solidFill>
+                  <a:prstClr val="black"/>
+                </a:solidFill>
+                <a:latin typeface="Consolas"/>
+              </a:rPr>
+              <a:t>add</a:t>
+            </a:r>
+            <a:r>
+              <a:rPr lang="es-ES" dirty="0" smtClean="0">
+                <a:solidFill>
+                  <a:prstClr val="black"/>
+                </a:solidFill>
+                <a:latin typeface="Consolas"/>
+              </a:rPr>
+              <a:t> x y = x + y</a:t>
+            </a:r>
+          </a:p>
+          <a:p>
+            <a:pPr marL="108000" indent="0">
+              <a:buNone/>
+            </a:pPr>
+            <a:r>
+              <a:rPr lang="sv-SE" dirty="0" smtClean="0">
+                <a:solidFill>
+                  <a:srgbClr val="0000FF"/>
+                </a:solidFill>
+                <a:latin typeface="Consolas"/>
+              </a:rPr>
+              <a:t>let</a:t>
+            </a:r>
+            <a:r>
+              <a:rPr lang="sv-SE" dirty="0" smtClean="0">
+                <a:solidFill>
+                  <a:prstClr val="black"/>
+                </a:solidFill>
+                <a:latin typeface="Consolas"/>
+              </a:rPr>
+              <a:t> </a:t>
+            </a:r>
+            <a:r>
+              <a:rPr lang="sv-SE" dirty="0">
+                <a:solidFill>
+                  <a:prstClr val="black"/>
+                </a:solidFill>
+                <a:latin typeface="Consolas"/>
+              </a:rPr>
+              <a:t>four = </a:t>
+            </a:r>
+            <a:r>
+              <a:rPr lang="sv-SE" dirty="0" smtClean="0">
+                <a:solidFill>
+                  <a:prstClr val="black"/>
+                </a:solidFill>
+                <a:latin typeface="Consolas"/>
+              </a:rPr>
+              <a:t>add 2 </a:t>
+            </a:r>
+            <a:r>
+              <a:rPr lang="sv-SE" dirty="0">
+                <a:solidFill>
+                  <a:prstClr val="black"/>
+                </a:solidFill>
+                <a:latin typeface="Consolas"/>
+              </a:rPr>
+              <a:t>2</a:t>
+            </a:r>
+          </a:p>
+          <a:p>
+            <a:pPr marL="108000" indent="0">
+              <a:buNone/>
+            </a:pPr>
+            <a:endParaRPr lang="sv-SE" dirty="0">
+              <a:solidFill>
+                <a:prstClr val="black"/>
+              </a:solidFill>
+              <a:latin typeface="Consolas"/>
+            </a:endParaRPr>
+          </a:p>
+          <a:p>
+            <a:pPr marL="108000" indent="0">
+              <a:buNone/>
+            </a:pPr>
+            <a:endParaRPr lang="es-ES" dirty="0" smtClean="0"/>
+          </a:p>
+        </p:txBody>
+      </p:sp>
+    </p:spTree>
+    <p:extLst>
+      <p:ext uri="{BB962C8B-B14F-4D97-AF65-F5344CB8AC3E}">
+        <p14:creationId xmlns:p14="http://schemas.microsoft.com/office/powerpoint/2010/main" val="3826616327"/>
+      </p:ext>
+    </p:extLst>
+  </p:cSld>
+  <p:clrMapOvr>
+    <a:masterClrMapping/>
+  </p:clrMapOvr>
+  <mc:AlternateContent xmlns:mc="http://schemas.openxmlformats.org/markup-compatibility/2006" xmlns:p14="http://schemas.microsoft.com/office/powerpoint/2010/main">
+    <mc:Choice Requires="p14">
+      <p:transition spd="slow" p14:dur="2000"/>
+    </mc:Choice>
+    <mc:Fallback xmlns="">
+      <p:transition spd="slow"/>
+    </mc:Fallback>
+  </mc:AlternateContent>
+  <p:timing>
+    <p:tnLst>
+      <p:par>
+        <p:cTn id="1" dur="indefinite" restart="never" nodeType="tmRoot">
+          <p:childTnLst>
+            <p:seq concurrent="1" nextAc="seek">
+              <p:cTn id="2" dur="indefinite" nodeType="mainSeq">
+                <p:childTnLst>
+                  <p:par>
+                    <p:cTn id="3" fill="hold">
+                      <p:stCondLst>
+                        <p:cond delay="indefinite"/>
+                      </p:stCondLst>
+                      <p:childTnLst>
+                        <p:par>
+                          <p:cTn id="4" fill="hold">
+                            <p:stCondLst>
+                              <p:cond delay="0"/>
+                            </p:stCondLst>
+                            <p:childTnLst>
+                              <p:par>
+                                <p:cTn id="5" presetID="2" presetClass="entr" presetSubtype="4" fill="hold" nodeType="clickEffect">
+                                  <p:stCondLst>
+                                    <p:cond delay="0"/>
+                                  </p:stCondLst>
+                                  <p:childTnLst>
+                                    <p:set>
+                                      <p:cBhvr>
+                                        <p:cTn id="6" dur="1" fill="hold">
+                                          <p:stCondLst>
+                                            <p:cond delay="0"/>
+                                          </p:stCondLst>
+                                        </p:cTn>
+                                        <p:tgtEl>
+                                          <p:spTgt spid="3">
+                                            <p:txEl>
+                                              <p:pRg st="0" end="0"/>
+                                            </p:txEl>
+                                          </p:spTgt>
+                                        </p:tgtEl>
+                                        <p:attrNameLst>
+                                          <p:attrName>style.visibility</p:attrName>
+                                        </p:attrNameLst>
+                                      </p:cBhvr>
+                                      <p:to>
+                                        <p:strVal val="visible"/>
+                                      </p:to>
+                                    </p:set>
+                                    <p:anim calcmode="lin" valueType="num">
+                                      <p:cBhvr additive="base">
+                                        <p:cTn id="7" dur="500" fill="hold"/>
+                                        <p:tgtEl>
+                                          <p:spTgt spid="3">
+                                            <p:txEl>
+                                              <p:pRg st="0" end="0"/>
+                                            </p:txEl>
+                                          </p:spTgt>
+                                        </p:tgtEl>
+                                        <p:attrNameLst>
+                                          <p:attrName>ppt_x</p:attrName>
+                                        </p:attrNameLst>
+                                      </p:cBhvr>
+                                      <p:tavLst>
+                                        <p:tav tm="0">
+                                          <p:val>
+                                            <p:strVal val="#ppt_x"/>
+                                          </p:val>
+                                        </p:tav>
+                                        <p:tav tm="100000">
+                                          <p:val>
+                                            <p:strVal val="#ppt_x"/>
+                                          </p:val>
+                                        </p:tav>
+                                      </p:tavLst>
+                                    </p:anim>
+                                    <p:anim calcmode="lin" valueType="num">
+                                      <p:cBhvr additive="base">
+                                        <p:cTn id="8" dur="500" fill="hold"/>
+                                        <p:tgtEl>
+                                          <p:spTgt spid="3">
+                                            <p:txEl>
+                                              <p:pRg st="0" end="0"/>
+                                            </p:txEl>
+                                          </p:spTgt>
+                                        </p:tgtEl>
+                                        <p:attrNameLst>
+                                          <p:attrName>ppt_y</p:attrName>
+                                        </p:attrNameLst>
+                                      </p:cBhvr>
+                                      <p:tavLst>
+                                        <p:tav tm="0">
+                                          <p:val>
+                                            <p:strVal val="1+#ppt_h/2"/>
+                                          </p:val>
+                                        </p:tav>
+                                        <p:tav tm="100000">
+                                          <p:val>
+                                            <p:strVal val="#ppt_y"/>
+                                          </p:val>
+                                        </p:tav>
+                                      </p:tavLst>
+                                    </p:anim>
+                                  </p:childTnLst>
+                                </p:cTn>
+                              </p:par>
+                              <p:par>
+                                <p:cTn id="9" presetID="2" presetClass="entr" presetSubtype="4" fill="hold" nodeType="withEffect">
+                                  <p:stCondLst>
+                                    <p:cond delay="0"/>
+                                  </p:stCondLst>
+                                  <p:childTnLst>
+                                    <p:set>
+                                      <p:cBhvr>
+                                        <p:cTn id="10" dur="1" fill="hold">
+                                          <p:stCondLst>
+                                            <p:cond delay="0"/>
+                                          </p:stCondLst>
+                                        </p:cTn>
+                                        <p:tgtEl>
+                                          <p:spTgt spid="3">
+                                            <p:txEl>
+                                              <p:pRg st="1" end="1"/>
+                                            </p:txEl>
+                                          </p:spTgt>
+                                        </p:tgtEl>
+                                        <p:attrNameLst>
+                                          <p:attrName>style.visibility</p:attrName>
+                                        </p:attrNameLst>
+                                      </p:cBhvr>
+                                      <p:to>
+                                        <p:strVal val="visible"/>
+                                      </p:to>
+                                    </p:set>
+                                    <p:anim calcmode="lin" valueType="num">
+                                      <p:cBhvr additive="base">
+                                        <p:cTn id="11" dur="500" fill="hold"/>
+                                        <p:tgtEl>
+                                          <p:spTgt spid="3">
+                                            <p:txEl>
+                                              <p:pRg st="1" end="1"/>
+                                            </p:txEl>
+                                          </p:spTgt>
+                                        </p:tgtEl>
+                                        <p:attrNameLst>
+                                          <p:attrName>ppt_x</p:attrName>
+                                        </p:attrNameLst>
+                                      </p:cBhvr>
+                                      <p:tavLst>
+                                        <p:tav tm="0">
+                                          <p:val>
+                                            <p:strVal val="#ppt_x"/>
+                                          </p:val>
+                                        </p:tav>
+                                        <p:tav tm="100000">
+                                          <p:val>
+                                            <p:strVal val="#ppt_x"/>
+                                          </p:val>
+                                        </p:tav>
+                                      </p:tavLst>
+                                    </p:anim>
+                                    <p:anim calcmode="lin" valueType="num">
+                                      <p:cBhvr additive="base">
+                                        <p:cTn id="12" dur="500" fill="hold"/>
+                                        <p:tgtEl>
+                                          <p:spTgt spid="3">
+                                            <p:txEl>
+                                              <p:pRg st="1" end="1"/>
+                                            </p:txEl>
+                                          </p:spTgt>
+                                        </p:tgtEl>
+                                        <p:attrNameLst>
+                                          <p:attrName>ppt_y</p:attrName>
+                                        </p:attrNameLst>
+                                      </p:cBhvr>
+                                      <p:tavLst>
+                                        <p:tav tm="0">
+                                          <p:val>
+                                            <p:strVal val="1+#ppt_h/2"/>
+                                          </p:val>
+                                        </p:tav>
+                                        <p:tav tm="100000">
+                                          <p:val>
+                                            <p:strVal val="#ppt_y"/>
+                                          </p:val>
+                                        </p:tav>
+                                      </p:tavLst>
+                                    </p:anim>
+                                  </p:childTnLst>
+                                </p:cTn>
+                              </p:par>
+                              <p:par>
+                                <p:cTn id="13" presetID="2" presetClass="entr" presetSubtype="4" fill="hold" nodeType="withEffect">
+                                  <p:stCondLst>
+                                    <p:cond delay="0"/>
+                                  </p:stCondLst>
+                                  <p:childTnLst>
+                                    <p:set>
+                                      <p:cBhvr>
+                                        <p:cTn id="14" dur="1" fill="hold">
+                                          <p:stCondLst>
+                                            <p:cond delay="0"/>
+                                          </p:stCondLst>
+                                        </p:cTn>
+                                        <p:tgtEl>
+                                          <p:spTgt spid="3">
+                                            <p:txEl>
+                                              <p:pRg st="2" end="2"/>
+                                            </p:txEl>
+                                          </p:spTgt>
+                                        </p:tgtEl>
+                                        <p:attrNameLst>
+                                          <p:attrName>style.visibility</p:attrName>
+                                        </p:attrNameLst>
+                                      </p:cBhvr>
+                                      <p:to>
+                                        <p:strVal val="visible"/>
+                                      </p:to>
+                                    </p:set>
+                                    <p:anim calcmode="lin" valueType="num">
+                                      <p:cBhvr additive="base">
+                                        <p:cTn id="15" dur="500" fill="hold"/>
+                                        <p:tgtEl>
+                                          <p:spTgt spid="3">
+                                            <p:txEl>
+                                              <p:pRg st="2" end="2"/>
+                                            </p:txEl>
+                                          </p:spTgt>
+                                        </p:tgtEl>
+                                        <p:attrNameLst>
+                                          <p:attrName>ppt_x</p:attrName>
+                                        </p:attrNameLst>
+                                      </p:cBhvr>
+                                      <p:tavLst>
+                                        <p:tav tm="0">
+                                          <p:val>
+                                            <p:strVal val="#ppt_x"/>
+                                          </p:val>
+                                        </p:tav>
+                                        <p:tav tm="100000">
+                                          <p:val>
+                                            <p:strVal val="#ppt_x"/>
+                                          </p:val>
+                                        </p:tav>
+                                      </p:tavLst>
+                                    </p:anim>
+                                    <p:anim calcmode="lin" valueType="num">
+                                      <p:cBhvr additive="base">
+                                        <p:cTn id="16" dur="500" fill="hold"/>
+                                        <p:tgtEl>
+                                          <p:spTgt spid="3">
+                                            <p:txEl>
+                                              <p:pRg st="2" end="2"/>
+                                            </p:txEl>
+                                          </p:spTgt>
+                                        </p:tgtEl>
+                                        <p:attrNameLst>
+                                          <p:attrName>ppt_y</p:attrName>
+                                        </p:attrNameLst>
+                                      </p:cBhvr>
+                                      <p:tavLst>
+                                        <p:tav tm="0">
+                                          <p:val>
+                                            <p:strVal val="1+#ppt_h/2"/>
+                                          </p:val>
+                                        </p:tav>
+                                        <p:tav tm="100000">
+                                          <p:val>
+                                            <p:strVal val="#ppt_y"/>
+                                          </p:val>
+                                        </p:tav>
+                                      </p:tavLst>
+                                    </p:anim>
+                                  </p:childTnLst>
+                                </p:cTn>
+                              </p:par>
+                            </p:childTnLst>
+                          </p:cTn>
+                        </p:par>
+                      </p:childTnLst>
+                    </p:cTn>
+                  </p:par>
+                </p:childTnLst>
+              </p:cTn>
+              <p:prevCondLst>
+                <p:cond evt="onPrev" delay="0">
+                  <p:tgtEl>
+                    <p:sldTgt/>
+                  </p:tgtEl>
+                </p:cond>
+              </p:prevCondLst>
+              <p:nextCondLst>
+                <p:cond evt="onNext" delay="0">
+                  <p:tgtEl>
+                    <p:sldTgt/>
+                  </p:tgtEl>
+                </p:cond>
+              </p:nextCondLst>
+            </p:seq>
+          </p:childTnLst>
+        </p:cTn>
+      </p:par>
+    </p:tnLst>
+  </p:timing>
+</p:sld>
+</file>
+
+<file path=ppt/slides/slide14.xml><?xml version="1.0" encoding="utf-8"?>
+<p:sld xmlns:a="http://schemas.openxmlformats.org/drawingml/2006/main" xmlns:r="http://schemas.openxmlformats.org/officeDocument/2006/relationships" xmlns:p="http://schemas.openxmlformats.org/presentationml/2006/main">
+  <p:cSld>
+    <p:spTree>
+      <p:nvGrpSpPr>
+        <p:cNvPr id="1" name=""/>
+        <p:cNvGrpSpPr/>
+        <p:nvPr/>
+      </p:nvGrpSpPr>
+      <p:grpSpPr>
+        <a:xfrm>
+          <a:off x="0" y="0"/>
+          <a:ext cx="0" cy="0"/>
+          <a:chOff x="0" y="0"/>
+          <a:chExt cx="0" cy="0"/>
+        </a:xfrm>
+      </p:grpSpPr>
+      <p:sp>
+        <p:nvSpPr>
+          <p:cNvPr id="2" name="Title 1"/>
+          <p:cNvSpPr>
+            <a:spLocks noGrp="1"/>
+          </p:cNvSpPr>
+          <p:nvPr>
+            <p:ph type="title"/>
+          </p:nvPr>
+        </p:nvSpPr>
+        <p:spPr/>
+        <p:txBody>
+          <a:bodyPr/>
+          <a:lstStyle/>
+          <a:p>
+            <a:pPr>
+              <a:buNone/>
+            </a:pPr>
+            <a:r>
+              <a:rPr lang="sv-SE" dirty="0" smtClean="0"/>
+              <a:t>Partial application</a:t>
+            </a:r>
+            <a:endParaRPr lang="sv-SE" dirty="0"/>
+          </a:p>
+        </p:txBody>
+      </p:sp>
+      <p:sp>
+        <p:nvSpPr>
+          <p:cNvPr id="3" name="Content Placeholder 2"/>
+          <p:cNvSpPr>
+            <a:spLocks noGrp="1"/>
+          </p:cNvSpPr>
+          <p:nvPr>
+            <p:ph idx="1"/>
+          </p:nvPr>
+        </p:nvSpPr>
+        <p:spPr>
+          <a:xfrm>
+            <a:off x="323528" y="1556792"/>
+            <a:ext cx="8568952" cy="4525920"/>
+          </a:xfrm>
+        </p:spPr>
+        <p:txBody>
+          <a:bodyPr/>
+          <a:lstStyle/>
+          <a:p>
+            <a:pPr marL="108000" indent="0">
+              <a:buNone/>
+            </a:pPr>
+            <a:r>
+              <a:rPr lang="es-ES" dirty="0" err="1">
+                <a:solidFill>
+                  <a:srgbClr val="0000FF"/>
+                </a:solidFill>
+                <a:latin typeface="Consolas"/>
+              </a:rPr>
+              <a:t>let</a:t>
+            </a:r>
+            <a:r>
+              <a:rPr lang="es-ES" dirty="0">
+                <a:solidFill>
+                  <a:prstClr val="black"/>
+                </a:solidFill>
+                <a:latin typeface="Consolas"/>
+              </a:rPr>
+              <a:t> </a:t>
+            </a:r>
+            <a:r>
+              <a:rPr lang="es-ES" dirty="0" err="1">
+                <a:solidFill>
+                  <a:prstClr val="black"/>
+                </a:solidFill>
+                <a:latin typeface="Consolas"/>
+              </a:rPr>
+              <a:t>add</a:t>
+            </a:r>
+            <a:r>
+              <a:rPr lang="es-ES" dirty="0">
+                <a:solidFill>
+                  <a:prstClr val="black"/>
+                </a:solidFill>
+                <a:latin typeface="Consolas"/>
+              </a:rPr>
+              <a:t> x y = x + </a:t>
+            </a:r>
+            <a:r>
+              <a:rPr lang="es-ES" dirty="0" smtClean="0">
+                <a:solidFill>
+                  <a:prstClr val="black"/>
+                </a:solidFill>
+                <a:latin typeface="Consolas"/>
+              </a:rPr>
+              <a:t>y</a:t>
+            </a:r>
+            <a:endParaRPr lang="es-ES" dirty="0" smtClean="0">
+              <a:solidFill>
+                <a:srgbClr val="0000FF"/>
+              </a:solidFill>
+              <a:latin typeface="Consolas"/>
+            </a:endParaRPr>
+          </a:p>
+          <a:p>
+            <a:pPr marL="108000" indent="0">
+              <a:buNone/>
+            </a:pPr>
+            <a:r>
+              <a:rPr lang="es-ES" dirty="0" err="1" smtClean="0">
+                <a:solidFill>
+                  <a:srgbClr val="0000FF"/>
+                </a:solidFill>
+                <a:latin typeface="Consolas"/>
+              </a:rPr>
+              <a:t>let</a:t>
+            </a:r>
+            <a:r>
+              <a:rPr lang="es-ES" dirty="0" smtClean="0">
+                <a:solidFill>
+                  <a:prstClr val="black"/>
+                </a:solidFill>
+                <a:latin typeface="Consolas"/>
+              </a:rPr>
+              <a:t> </a:t>
+            </a:r>
+            <a:r>
+              <a:rPr lang="es-ES" dirty="0" err="1" smtClean="0">
+                <a:solidFill>
+                  <a:prstClr val="black"/>
+                </a:solidFill>
+                <a:latin typeface="Consolas"/>
+              </a:rPr>
+              <a:t>add</a:t>
+            </a:r>
+            <a:r>
+              <a:rPr lang="es-ES" dirty="0" smtClean="0">
+                <a:solidFill>
+                  <a:prstClr val="black"/>
+                </a:solidFill>
+                <a:latin typeface="Consolas"/>
+              </a:rPr>
+              <a:t> </a:t>
+            </a:r>
+            <a:r>
+              <a:rPr lang="es-ES" dirty="0">
+                <a:solidFill>
+                  <a:prstClr val="black"/>
+                </a:solidFill>
+                <a:latin typeface="Consolas"/>
+              </a:rPr>
+              <a:t>= </a:t>
+            </a:r>
+            <a:r>
+              <a:rPr lang="es-ES" dirty="0" err="1">
+                <a:solidFill>
+                  <a:srgbClr val="0000FF"/>
+                </a:solidFill>
+                <a:latin typeface="Consolas"/>
+              </a:rPr>
+              <a:t>fun</a:t>
+            </a:r>
+            <a:r>
+              <a:rPr lang="es-ES" dirty="0">
+                <a:solidFill>
+                  <a:prstClr val="black"/>
+                </a:solidFill>
+                <a:latin typeface="Consolas"/>
+              </a:rPr>
+              <a:t> x </a:t>
+            </a:r>
+            <a:r>
+              <a:rPr lang="es-ES" dirty="0">
+                <a:solidFill>
+                  <a:srgbClr val="0000FF"/>
+                </a:solidFill>
+                <a:latin typeface="Consolas"/>
+              </a:rPr>
+              <a:t>-&gt;</a:t>
+            </a:r>
+            <a:r>
+              <a:rPr lang="es-ES" dirty="0">
+                <a:solidFill>
+                  <a:prstClr val="black"/>
+                </a:solidFill>
+                <a:latin typeface="Consolas"/>
+              </a:rPr>
+              <a:t> </a:t>
+            </a:r>
+            <a:r>
+              <a:rPr lang="es-ES" dirty="0" err="1">
+                <a:solidFill>
+                  <a:srgbClr val="0000FF"/>
+                </a:solidFill>
+                <a:latin typeface="Consolas"/>
+              </a:rPr>
+              <a:t>fun</a:t>
+            </a:r>
+            <a:r>
+              <a:rPr lang="es-ES" dirty="0">
+                <a:solidFill>
+                  <a:prstClr val="black"/>
+                </a:solidFill>
+                <a:latin typeface="Consolas"/>
+              </a:rPr>
+              <a:t> y </a:t>
+            </a:r>
+            <a:r>
+              <a:rPr lang="es-ES" dirty="0">
+                <a:solidFill>
+                  <a:srgbClr val="0000FF"/>
+                </a:solidFill>
+                <a:latin typeface="Consolas"/>
+              </a:rPr>
+              <a:t>-&gt;</a:t>
+            </a:r>
+            <a:r>
+              <a:rPr lang="es-ES" dirty="0">
+                <a:solidFill>
+                  <a:prstClr val="black"/>
+                </a:solidFill>
+                <a:latin typeface="Consolas"/>
+              </a:rPr>
+              <a:t> x + y</a:t>
+            </a:r>
+          </a:p>
+          <a:p>
+            <a:pPr marL="108000" indent="0">
+              <a:buNone/>
+            </a:pPr>
+            <a:endParaRPr lang="sv-SE" dirty="0"/>
+          </a:p>
+        </p:txBody>
+      </p:sp>
+    </p:spTree>
+    <p:extLst>
+      <p:ext uri="{BB962C8B-B14F-4D97-AF65-F5344CB8AC3E}">
+        <p14:creationId xmlns:p14="http://schemas.microsoft.com/office/powerpoint/2010/main" val="2993492193"/>
+      </p:ext>
+    </p:extLst>
+  </p:cSld>
+  <p:clrMapOvr>
+    <a:masterClrMapping/>
+  </p:clrMapOvr>
+  <mc:AlternateContent xmlns:mc="http://schemas.openxmlformats.org/markup-compatibility/2006" xmlns:p14="http://schemas.microsoft.com/office/powerpoint/2010/main">
+    <mc:Choice Requires="p14">
+      <p:transition spd="slow" p14:dur="2000"/>
+    </mc:Choice>
+    <mc:Fallback xmlns="">
+      <p:transition spd="slow"/>
+    </mc:Fallback>
+  </mc:AlternateContent>
+  <p:timing>
+    <p:tnLst>
+      <p:par>
+        <p:cTn id="1" dur="indefinite" restart="never" nodeType="tmRoot"/>
+      </p:par>
+    </p:tnLst>
+  </p:timing>
+</p:sld>
+</file>
+
 <file path=ppt/slides/slide2.xml><?xml version="1.0" encoding="utf-8"?>
 <p:sld xmlns:a="http://schemas.openxmlformats.org/drawingml/2006/main" xmlns:r="http://schemas.openxmlformats.org/officeDocument/2006/relationships" xmlns:p="http://schemas.openxmlformats.org/presentationml/2006/main">
   <p:cSld>
@@ -8376,11 +9182,11 @@
             </a:br>
             <a:r>
               <a:rPr lang="sv-SE" dirty="0" smtClean="0"/>
-              <a:t>What</a:t>
+              <a:t>What vs </a:t>
             </a:r>
             <a:r>
               <a:rPr lang="sv-SE" dirty="0" smtClean="0"/>
-              <a:t>, Not How</a:t>
+              <a:t>How</a:t>
             </a:r>
             <a:endParaRPr lang="sv-SE" dirty="0"/>
           </a:p>

--- a/FSharp2.pptx
+++ b/FSharp2.pptx
@@ -6,26 +6,24 @@
     <p:sldMasterId id="2147483660" r:id="rId2"/>
   </p:sldMasterIdLst>
   <p:notesMasterIdLst>
-    <p:notesMasterId r:id="rId17"/>
+    <p:notesMasterId r:id="rId15"/>
   </p:notesMasterIdLst>
   <p:handoutMasterIdLst>
-    <p:handoutMasterId r:id="rId18"/>
+    <p:handoutMasterId r:id="rId16"/>
   </p:handoutMasterIdLst>
   <p:sldIdLst>
     <p:sldId id="256" r:id="rId3"/>
     <p:sldId id="267" r:id="rId4"/>
-    <p:sldId id="257" r:id="rId5"/>
-    <p:sldId id="258" r:id="rId6"/>
-    <p:sldId id="259" r:id="rId7"/>
-    <p:sldId id="260" r:id="rId8"/>
-    <p:sldId id="261" r:id="rId9"/>
-    <p:sldId id="262" r:id="rId10"/>
-    <p:sldId id="263" r:id="rId11"/>
-    <p:sldId id="264" r:id="rId12"/>
-    <p:sldId id="265" r:id="rId13"/>
-    <p:sldId id="266" r:id="rId14"/>
-    <p:sldId id="269" r:id="rId15"/>
-    <p:sldId id="270" r:id="rId16"/>
+    <p:sldId id="271" r:id="rId5"/>
+    <p:sldId id="257" r:id="rId6"/>
+    <p:sldId id="258" r:id="rId7"/>
+    <p:sldId id="259" r:id="rId8"/>
+    <p:sldId id="260" r:id="rId9"/>
+    <p:sldId id="263" r:id="rId10"/>
+    <p:sldId id="264" r:id="rId11"/>
+    <p:sldId id="265" r:id="rId12"/>
+    <p:sldId id="269" r:id="rId13"/>
+    <p:sldId id="270" r:id="rId14"/>
   </p:sldIdLst>
   <p:sldSz cx="9144000" cy="6858000" type="screen4x3"/>
   <p:notesSz cx="6858000" cy="9144000"/>
@@ -816,160 +814,6 @@
 </p:notes>
 </file>
 
-<file path=ppt/notesSlides/notesSlide10.xml><?xml version="1.0" encoding="utf-8"?>
-<p:notes xmlns:a="http://schemas.openxmlformats.org/drawingml/2006/main" xmlns:r="http://schemas.openxmlformats.org/officeDocument/2006/relationships" xmlns:p="http://schemas.openxmlformats.org/presentationml/2006/main">
-  <p:cSld>
-    <p:spTree>
-      <p:nvGrpSpPr>
-        <p:cNvPr id="1" name=""/>
-        <p:cNvGrpSpPr/>
-        <p:nvPr/>
-      </p:nvGrpSpPr>
-      <p:grpSpPr>
-        <a:xfrm>
-          <a:off x="0" y="0"/>
-          <a:ext cx="0" cy="0"/>
-          <a:chOff x="0" y="0"/>
-          <a:chExt cx="0" cy="0"/>
-        </a:xfrm>
-      </p:grpSpPr>
-      <p:sp>
-        <p:nvSpPr>
-          <p:cNvPr id="2" name="Slide Image Placeholder 1"/>
-          <p:cNvSpPr>
-            <a:spLocks noGrp="1" noRot="1" noChangeAspect="1" noResize="1"/>
-          </p:cNvSpPr>
-          <p:nvPr>
-            <p:ph type="sldImg"/>
-          </p:nvPr>
-        </p:nvSpPr>
-        <p:spPr>
-          <a:xfrm>
-            <a:off x="1143000" y="694800"/>
-            <a:ext cx="4571640" cy="3428639"/>
-          </a:xfrm>
-          <a:solidFill>
-            <a:schemeClr val="accent1"/>
-          </a:solidFill>
-          <a:ln w="25400">
-            <a:solidFill>
-              <a:schemeClr val="accent1">
-                <a:shade val="50000"/>
-              </a:schemeClr>
-            </a:solidFill>
-            <a:prstDash val="solid"/>
-          </a:ln>
-        </p:spPr>
-      </p:sp>
-      <p:sp>
-        <p:nvSpPr>
-          <p:cNvPr id="3" name="Notes Placeholder 2"/>
-          <p:cNvSpPr txBox="1">
-            <a:spLocks noGrp="1"/>
-          </p:cNvSpPr>
-          <p:nvPr>
-            <p:ph type="body" sz="quarter" idx="1"/>
-          </p:nvPr>
-        </p:nvSpPr>
-        <p:spPr>
-          <a:xfrm>
-            <a:off x="685799" y="4343400"/>
-            <a:ext cx="5486040" cy="4114800"/>
-          </a:xfrm>
-        </p:spPr>
-        <p:txBody>
-          <a:bodyPr/>
-          <a:lstStyle/>
-          <a:p>
-            <a:endParaRPr lang="sv-SE"/>
-          </a:p>
-        </p:txBody>
-      </p:sp>
-    </p:spTree>
-  </p:cSld>
-  <p:clrMapOvr>
-    <a:masterClrMapping/>
-  </p:clrMapOvr>
-</p:notes>
-</file>
-
-<file path=ppt/notesSlides/notesSlide11.xml><?xml version="1.0" encoding="utf-8"?>
-<p:notes xmlns:a="http://schemas.openxmlformats.org/drawingml/2006/main" xmlns:r="http://schemas.openxmlformats.org/officeDocument/2006/relationships" xmlns:p="http://schemas.openxmlformats.org/presentationml/2006/main">
-  <p:cSld>
-    <p:spTree>
-      <p:nvGrpSpPr>
-        <p:cNvPr id="1" name=""/>
-        <p:cNvGrpSpPr/>
-        <p:nvPr/>
-      </p:nvGrpSpPr>
-      <p:grpSpPr>
-        <a:xfrm>
-          <a:off x="0" y="0"/>
-          <a:ext cx="0" cy="0"/>
-          <a:chOff x="0" y="0"/>
-          <a:chExt cx="0" cy="0"/>
-        </a:xfrm>
-      </p:grpSpPr>
-      <p:sp>
-        <p:nvSpPr>
-          <p:cNvPr id="2" name="Slide Image Placeholder 1"/>
-          <p:cNvSpPr>
-            <a:spLocks noGrp="1" noRot="1" noChangeAspect="1" noResize="1"/>
-          </p:cNvSpPr>
-          <p:nvPr>
-            <p:ph type="sldImg"/>
-          </p:nvPr>
-        </p:nvSpPr>
-        <p:spPr>
-          <a:xfrm>
-            <a:off x="1143000" y="694800"/>
-            <a:ext cx="4571640" cy="3428639"/>
-          </a:xfrm>
-          <a:solidFill>
-            <a:schemeClr val="accent1"/>
-          </a:solidFill>
-          <a:ln w="25400">
-            <a:solidFill>
-              <a:schemeClr val="accent1">
-                <a:shade val="50000"/>
-              </a:schemeClr>
-            </a:solidFill>
-            <a:prstDash val="solid"/>
-          </a:ln>
-        </p:spPr>
-      </p:sp>
-      <p:sp>
-        <p:nvSpPr>
-          <p:cNvPr id="3" name="Notes Placeholder 2"/>
-          <p:cNvSpPr txBox="1">
-            <a:spLocks noGrp="1"/>
-          </p:cNvSpPr>
-          <p:nvPr>
-            <p:ph type="body" sz="quarter" idx="1"/>
-          </p:nvPr>
-        </p:nvSpPr>
-        <p:spPr>
-          <a:xfrm>
-            <a:off x="685799" y="4343400"/>
-            <a:ext cx="5486040" cy="4114800"/>
-          </a:xfrm>
-        </p:spPr>
-        <p:txBody>
-          <a:bodyPr/>
-          <a:lstStyle/>
-          <a:p>
-            <a:endParaRPr lang="sv-SE"/>
-          </a:p>
-        </p:txBody>
-      </p:sp>
-    </p:spTree>
-  </p:cSld>
-  <p:clrMapOvr>
-    <a:masterClrMapping/>
-  </p:clrMapOvr>
-</p:notes>
-</file>
-
 <file path=ppt/notesSlides/notesSlide2.xml><?xml version="1.0" encoding="utf-8"?>
 <p:notes xmlns:a="http://schemas.openxmlformats.org/drawingml/2006/main" xmlns:r="http://schemas.openxmlformats.org/officeDocument/2006/relationships" xmlns:p="http://schemas.openxmlformats.org/presentationml/2006/main">
   <p:cSld>
@@ -1396,8 +1240,8 @@
               <a:buNone/>
               <a:tabLst/>
             </a:pPr>
-            <a:fld id="{AFE5CC61-F685-424A-A74C-BB9D6F6ABC98}" type="slidenum">
-              <a:t>7</a:t>
+            <a:fld id="{FCA4BF4E-6373-420E-A126-13CB492A8AC1}" type="slidenum">
+              <a:t>8</a:t>
             </a:fld>
             <a:endParaRPr lang="sv-SE" sz="1800" b="0" i="0" u="none" strike="noStrike" kern="1200" spc="0">
               <a:ln>
@@ -1499,149 +1343,6 @@
 </file>
 
 <file path=ppt/notesSlides/notesSlide8.xml><?xml version="1.0" encoding="utf-8"?>
-<p:notes xmlns:a="http://schemas.openxmlformats.org/drawingml/2006/main" xmlns:r="http://schemas.openxmlformats.org/officeDocument/2006/relationships" xmlns:p="http://schemas.openxmlformats.org/presentationml/2006/main">
-  <p:cSld>
-    <p:spTree>
-      <p:nvGrpSpPr>
-        <p:cNvPr id="1" name=""/>
-        <p:cNvGrpSpPr/>
-        <p:nvPr/>
-      </p:nvGrpSpPr>
-      <p:grpSpPr>
-        <a:xfrm>
-          <a:off x="0" y="0"/>
-          <a:ext cx="0" cy="0"/>
-          <a:chOff x="0" y="0"/>
-          <a:chExt cx="0" cy="0"/>
-        </a:xfrm>
-      </p:grpSpPr>
-      <p:sp>
-        <p:nvSpPr>
-          <p:cNvPr id="2" name="PlaceHolder 1"/>
-          <p:cNvSpPr txBox="1">
-            <a:spLocks noGrp="1"/>
-          </p:cNvSpPr>
-          <p:nvPr>
-            <p:ph type="body" sz="quarter" idx="1"/>
-          </p:nvPr>
-        </p:nvSpPr>
-        <p:spPr>
-          <a:xfrm>
-            <a:off x="0" y="0"/>
-            <a:ext cx="360" cy="4204440"/>
-          </a:xfrm>
-        </p:spPr>
-        <p:txBody>
-          <a:bodyPr wrap="square" lIns="90000" tIns="45000" rIns="90000" bIns="45000"/>
-          <a:lstStyle/>
-          <a:p>
-            <a:endParaRPr lang="sv-SE"/>
-          </a:p>
-        </p:txBody>
-      </p:sp>
-      <p:sp>
-        <p:nvSpPr>
-          <p:cNvPr id="3" name="TextShape 2"/>
-          <p:cNvSpPr/>
-          <p:nvPr/>
-        </p:nvSpPr>
-        <p:spPr>
-          <a:xfrm>
-            <a:off x="0" y="0"/>
-            <a:ext cx="360" cy="360"/>
-          </a:xfrm>
-          <a:custGeom>
-            <a:avLst/>
-            <a:gdLst>
-              <a:gd name="f0" fmla="val 0"/>
-              <a:gd name="f1" fmla="val 21600"/>
-            </a:gdLst>
-            <a:ahLst/>
-            <a:cxnLst>
-              <a:cxn ang="3cd4">
-                <a:pos x="hc" y="t"/>
-              </a:cxn>
-              <a:cxn ang="0">
-                <a:pos x="r" y="vc"/>
-              </a:cxn>
-              <a:cxn ang="cd4">
-                <a:pos x="hc" y="b"/>
-              </a:cxn>
-              <a:cxn ang="cd2">
-                <a:pos x="l" y="vc"/>
-              </a:cxn>
-            </a:cxnLst>
-            <a:rect l="l" t="t" r="r" b="b"/>
-            <a:pathLst>
-              <a:path w="21600" h="21600">
-                <a:moveTo>
-                  <a:pt x="f0" y="f0"/>
-                </a:moveTo>
-                <a:lnTo>
-                  <a:pt x="f1" y="f0"/>
-                </a:lnTo>
-                <a:lnTo>
-                  <a:pt x="f1" y="f1"/>
-                </a:lnTo>
-                <a:lnTo>
-                  <a:pt x="f0" y="f1"/>
-                </a:lnTo>
-                <a:lnTo>
-                  <a:pt x="f0" y="f0"/>
-                </a:lnTo>
-                <a:close/>
-              </a:path>
-            </a:pathLst>
-          </a:custGeom>
-          <a:noFill/>
-          <a:ln>
-            <a:noFill/>
-            <a:prstDash val="solid"/>
-          </a:ln>
-        </p:spPr>
-        <p:txBody>
-          <a:bodyPr vert="horz" wrap="square" lIns="90000" tIns="45000" rIns="90000" bIns="45000" anchor="t" compatLnSpc="0"/>
-          <a:lstStyle/>
-          <a:p>
-            <a:pPr marL="0" marR="0" lvl="0" indent="0" rtl="0" hangingPunct="0">
-              <a:lnSpc>
-                <a:spcPct val="100000"/>
-              </a:lnSpc>
-              <a:spcBef>
-                <a:spcPts val="0"/>
-              </a:spcBef>
-              <a:spcAft>
-                <a:spcPts val="0"/>
-              </a:spcAft>
-              <a:buNone/>
-              <a:tabLst/>
-            </a:pPr>
-            <a:fld id="{FCA4BF4E-6373-420E-A126-13CB492A8AC1}" type="slidenum">
-              <a:t>9</a:t>
-            </a:fld>
-            <a:endParaRPr lang="sv-SE" sz="1800" b="0" i="0" u="none" strike="noStrike" kern="1200" spc="0">
-              <a:ln>
-                <a:noFill/>
-              </a:ln>
-              <a:solidFill>
-                <a:srgbClr val="000000"/>
-              </a:solidFill>
-              <a:latin typeface="+mn-lt" pitchFamily="18"/>
-              <a:ea typeface="+mn-ea" pitchFamily="2"/>
-              <a:cs typeface="DejaVu Sans" pitchFamily="2"/>
-            </a:endParaRPr>
-          </a:p>
-        </p:txBody>
-      </p:sp>
-    </p:spTree>
-  </p:cSld>
-  <p:clrMapOvr>
-    <a:masterClrMapping/>
-  </p:clrMapOvr>
-</p:notes>
-</file>
-
-<file path=ppt/notesSlides/notesSlide9.xml><?xml version="1.0" encoding="utf-8"?>
 <p:notes xmlns:a="http://schemas.openxmlformats.org/drawingml/2006/main" xmlns:r="http://schemas.openxmlformats.org/officeDocument/2006/relationships" xmlns:p="http://schemas.openxmlformats.org/presentationml/2006/main">
   <p:cSld>
     <p:spTree>
@@ -6572,565 +6273,6 @@
 
 <file path=ppt/slides/slide10.xml><?xml version="1.0" encoding="utf-8"?>
 <p:sld xmlns:a="http://schemas.openxmlformats.org/drawingml/2006/main" xmlns:r="http://schemas.openxmlformats.org/officeDocument/2006/relationships" xmlns:p="http://schemas.openxmlformats.org/presentationml/2006/main">
-  <p:cSld name="page9">
-    <p:spTree>
-      <p:nvGrpSpPr>
-        <p:cNvPr id="1" name=""/>
-        <p:cNvGrpSpPr/>
-        <p:nvPr/>
-      </p:nvGrpSpPr>
-      <p:grpSpPr>
-        <a:xfrm>
-          <a:off x="0" y="0"/>
-          <a:ext cx="0" cy="0"/>
-          <a:chOff x="0" y="0"/>
-          <a:chExt cx="0" cy="0"/>
-        </a:xfrm>
-      </p:grpSpPr>
-      <p:sp>
-        <p:nvSpPr>
-          <p:cNvPr id="2" name="TextShape 1"/>
-          <p:cNvSpPr/>
-          <p:nvPr/>
-        </p:nvSpPr>
-        <p:spPr>
-          <a:xfrm>
-            <a:off x="457200" y="274680"/>
-            <a:ext cx="8228880" cy="1142280"/>
-          </a:xfrm>
-          <a:custGeom>
-            <a:avLst/>
-            <a:gdLst>
-              <a:gd name="f0" fmla="val 0"/>
-              <a:gd name="f1" fmla="val 21600"/>
-            </a:gdLst>
-            <a:ahLst/>
-            <a:cxnLst>
-              <a:cxn ang="3cd4">
-                <a:pos x="hc" y="t"/>
-              </a:cxn>
-              <a:cxn ang="0">
-                <a:pos x="r" y="vc"/>
-              </a:cxn>
-              <a:cxn ang="cd4">
-                <a:pos x="hc" y="b"/>
-              </a:cxn>
-              <a:cxn ang="cd2">
-                <a:pos x="l" y="vc"/>
-              </a:cxn>
-            </a:cxnLst>
-            <a:rect l="l" t="t" r="r" b="b"/>
-            <a:pathLst>
-              <a:path w="21600" h="21600">
-                <a:moveTo>
-                  <a:pt x="f0" y="f0"/>
-                </a:moveTo>
-                <a:lnTo>
-                  <a:pt x="f1" y="f0"/>
-                </a:lnTo>
-                <a:lnTo>
-                  <a:pt x="f1" y="f1"/>
-                </a:lnTo>
-                <a:lnTo>
-                  <a:pt x="f0" y="f1"/>
-                </a:lnTo>
-                <a:lnTo>
-                  <a:pt x="f0" y="f0"/>
-                </a:lnTo>
-                <a:close/>
-              </a:path>
-            </a:pathLst>
-          </a:custGeom>
-          <a:noFill/>
-          <a:ln>
-            <a:noFill/>
-            <a:prstDash val="solid"/>
-          </a:ln>
-        </p:spPr>
-        <p:txBody>
-          <a:bodyPr vert="horz" wrap="square" lIns="90000" tIns="45000" rIns="90000" bIns="45000" anchor="t" compatLnSpc="0"/>
-          <a:lstStyle/>
-          <a:p>
-            <a:pPr marL="0" marR="0" lvl="0" indent="0" algn="ctr" rtl="0" hangingPunct="0">
-              <a:lnSpc>
-                <a:spcPct val="100000"/>
-              </a:lnSpc>
-              <a:spcBef>
-                <a:spcPts val="0"/>
-              </a:spcBef>
-              <a:spcAft>
-                <a:spcPts val="0"/>
-              </a:spcAft>
-              <a:buNone/>
-              <a:tabLst/>
-            </a:pPr>
-            <a:r>
-              <a:rPr lang="sv-SE" sz="4400" b="0" i="0" u="none" strike="noStrike" kern="1200" spc="0">
-                <a:ln>
-                  <a:noFill/>
-                </a:ln>
-                <a:solidFill>
-                  <a:srgbClr val="000000"/>
-                </a:solidFill>
-                <a:latin typeface="Calibri" pitchFamily="18"/>
-                <a:ea typeface="DejaVu Sans" pitchFamily="2"/>
-                <a:cs typeface="DejaVu Sans" pitchFamily="2"/>
-              </a:rPr>
-              <a:t>Composability, OO, FP, Generics</a:t>
-            </a:r>
-          </a:p>
-        </p:txBody>
-      </p:sp>
-      <p:sp>
-        <p:nvSpPr>
-          <p:cNvPr id="3" name="TextShape 2"/>
-          <p:cNvSpPr/>
-          <p:nvPr/>
-        </p:nvSpPr>
-        <p:spPr>
-          <a:xfrm>
-            <a:off x="457200" y="1600200"/>
-            <a:ext cx="8228880" cy="8841600"/>
-          </a:xfrm>
-          <a:custGeom>
-            <a:avLst/>
-            <a:gdLst>
-              <a:gd name="f0" fmla="val 0"/>
-              <a:gd name="f1" fmla="val 21600"/>
-            </a:gdLst>
-            <a:ahLst/>
-            <a:cxnLst>
-              <a:cxn ang="3cd4">
-                <a:pos x="hc" y="t"/>
-              </a:cxn>
-              <a:cxn ang="0">
-                <a:pos x="r" y="vc"/>
-              </a:cxn>
-              <a:cxn ang="cd4">
-                <a:pos x="hc" y="b"/>
-              </a:cxn>
-              <a:cxn ang="cd2">
-                <a:pos x="l" y="vc"/>
-              </a:cxn>
-            </a:cxnLst>
-            <a:rect l="l" t="t" r="r" b="b"/>
-            <a:pathLst>
-              <a:path w="21600" h="21600">
-                <a:moveTo>
-                  <a:pt x="f0" y="f0"/>
-                </a:moveTo>
-                <a:lnTo>
-                  <a:pt x="f1" y="f0"/>
-                </a:lnTo>
-                <a:lnTo>
-                  <a:pt x="f1" y="f1"/>
-                </a:lnTo>
-                <a:lnTo>
-                  <a:pt x="f0" y="f1"/>
-                </a:lnTo>
-                <a:lnTo>
-                  <a:pt x="f0" y="f0"/>
-                </a:lnTo>
-                <a:close/>
-              </a:path>
-            </a:pathLst>
-          </a:custGeom>
-          <a:noFill/>
-          <a:ln>
-            <a:noFill/>
-            <a:prstDash val="solid"/>
-          </a:ln>
-        </p:spPr>
-        <p:txBody>
-          <a:bodyPr vert="horz" wrap="square" lIns="90000" tIns="45000" rIns="90000" bIns="45000" anchor="t" compatLnSpc="0"/>
-          <a:lstStyle/>
-          <a:p>
-            <a:pPr marL="0" marR="0" lvl="0" indent="0" rtl="0" hangingPunct="0">
-              <a:lnSpc>
-                <a:spcPct val="100000"/>
-              </a:lnSpc>
-              <a:spcBef>
-                <a:spcPts val="0"/>
-              </a:spcBef>
-              <a:spcAft>
-                <a:spcPts val="0"/>
-              </a:spcAft>
-              <a:buNone/>
-              <a:tabLst/>
-            </a:pPr>
-            <a:r>
-              <a:rPr lang="sv-SE" sz="1800" b="0" i="0" u="none" strike="noStrike" kern="1200" spc="0" dirty="0">
-                <a:ln>
-                  <a:noFill/>
-                </a:ln>
-                <a:latin typeface="Arial" pitchFamily="18"/>
-                <a:ea typeface="DejaVu Sans" pitchFamily="2"/>
-                <a:cs typeface="DejaVu Sans" pitchFamily="2"/>
-              </a:rPr>
-              <a:t>Composability</a:t>
-            </a:r>
-          </a:p>
-          <a:p>
-            <a:pPr marL="0" marR="0" lvl="0" indent="0" rtl="0" hangingPunct="0">
-              <a:lnSpc>
-                <a:spcPct val="100000"/>
-              </a:lnSpc>
-              <a:spcBef>
-                <a:spcPts val="0"/>
-              </a:spcBef>
-              <a:spcAft>
-                <a:spcPts val="0"/>
-              </a:spcAft>
-              <a:buNone/>
-              <a:tabLst/>
-            </a:pPr>
-            <a:r>
-              <a:rPr lang="sv-SE" sz="1800" b="0" i="0" u="none" strike="noStrike" kern="1200" spc="0" dirty="0">
-                <a:ln>
-                  <a:noFill/>
-                </a:ln>
-                <a:latin typeface="Arial" pitchFamily="18"/>
-                <a:ea typeface="DejaVu Sans" pitchFamily="2"/>
-                <a:cs typeface="DejaVu Sans" pitchFamily="2"/>
-              </a:rPr>
-              <a:t>The ability for software entities to be easily reused without violating the SOLID principles.</a:t>
-            </a:r>
-          </a:p>
-          <a:p>
-            <a:pPr marL="0" marR="0" lvl="0" indent="0" rtl="0" hangingPunct="0">
-              <a:lnSpc>
-                <a:spcPct val="100000"/>
-              </a:lnSpc>
-              <a:spcBef>
-                <a:spcPts val="0"/>
-              </a:spcBef>
-              <a:spcAft>
-                <a:spcPts val="0"/>
-              </a:spcAft>
-              <a:buNone/>
-              <a:tabLst/>
-            </a:pPr>
-            <a:r>
-              <a:rPr lang="sv-SE" sz="1800" b="0" i="0" u="none" strike="noStrike" kern="1200" spc="0" dirty="0">
-                <a:ln>
-                  <a:noFill/>
-                </a:ln>
-                <a:latin typeface="Arial" pitchFamily="18"/>
-                <a:ea typeface="DejaVu Sans" pitchFamily="2"/>
-                <a:cs typeface="DejaVu Sans" pitchFamily="2"/>
-              </a:rPr>
-              <a:t>Object oriented programming</a:t>
-            </a:r>
-          </a:p>
-          <a:p>
-            <a:pPr marL="0" marR="0" lvl="0" indent="0" rtl="0" hangingPunct="0">
-              <a:lnSpc>
-                <a:spcPct val="100000"/>
-              </a:lnSpc>
-              <a:spcBef>
-                <a:spcPts val="0"/>
-              </a:spcBef>
-              <a:spcAft>
-                <a:spcPts val="0"/>
-              </a:spcAft>
-              <a:buNone/>
-              <a:tabLst/>
-            </a:pPr>
-            <a:r>
-              <a:rPr lang="sv-SE" sz="1800" b="0" i="0" u="none" strike="noStrike" kern="1200" spc="0" dirty="0">
-                <a:ln>
-                  <a:noFill/>
-                </a:ln>
-                <a:latin typeface="Arial" pitchFamily="18"/>
-                <a:ea typeface="DejaVu Sans" pitchFamily="2"/>
-                <a:cs typeface="DejaVu Sans" pitchFamily="2"/>
-              </a:rPr>
-              <a:t>Composable datastructures</a:t>
-            </a:r>
-          </a:p>
-          <a:p>
-            <a:pPr marL="0" marR="0" lvl="0" indent="0" rtl="0" hangingPunct="0">
-              <a:lnSpc>
-                <a:spcPct val="100000"/>
-              </a:lnSpc>
-              <a:spcBef>
-                <a:spcPts val="0"/>
-              </a:spcBef>
-              <a:spcAft>
-                <a:spcPts val="0"/>
-              </a:spcAft>
-              <a:buNone/>
-              <a:tabLst/>
-            </a:pPr>
-            <a:r>
-              <a:rPr lang="sv-SE" sz="1800" b="0" i="0" u="none" strike="noStrike" kern="1200" spc="0" dirty="0">
-                <a:ln>
-                  <a:noFill/>
-                </a:ln>
-                <a:latin typeface="Arial" pitchFamily="18"/>
-                <a:ea typeface="DejaVu Sans" pitchFamily="2"/>
-                <a:cs typeface="DejaVu Sans" pitchFamily="2"/>
-              </a:rPr>
-              <a:t>Functional programming</a:t>
-            </a:r>
-          </a:p>
-          <a:p>
-            <a:pPr marL="0" marR="0" lvl="0" indent="0" rtl="0" hangingPunct="0">
-              <a:lnSpc>
-                <a:spcPct val="100000"/>
-              </a:lnSpc>
-              <a:spcBef>
-                <a:spcPts val="0"/>
-              </a:spcBef>
-              <a:spcAft>
-                <a:spcPts val="0"/>
-              </a:spcAft>
-              <a:buNone/>
-              <a:tabLst/>
-            </a:pPr>
-            <a:r>
-              <a:rPr lang="sv-SE" sz="1800" b="0" i="0" u="none" strike="noStrike" kern="1200" spc="0" dirty="0">
-                <a:ln>
-                  <a:noFill/>
-                </a:ln>
-                <a:latin typeface="Arial" pitchFamily="18"/>
-                <a:ea typeface="DejaVu Sans" pitchFamily="2"/>
-                <a:cs typeface="DejaVu Sans" pitchFamily="2"/>
-              </a:rPr>
-              <a:t>Composable algorithms</a:t>
-            </a:r>
-          </a:p>
-          <a:p>
-            <a:pPr marL="0" marR="0" lvl="0" indent="0" rtl="0" hangingPunct="0">
-              <a:lnSpc>
-                <a:spcPct val="100000"/>
-              </a:lnSpc>
-              <a:spcBef>
-                <a:spcPts val="0"/>
-              </a:spcBef>
-              <a:spcAft>
-                <a:spcPts val="0"/>
-              </a:spcAft>
-              <a:buNone/>
-              <a:tabLst/>
-            </a:pPr>
-            <a:r>
-              <a:rPr lang="sv-SE" sz="1800" b="0" i="0" u="none" strike="noStrike" kern="1200" spc="0" dirty="0">
-                <a:ln>
-                  <a:noFill/>
-                </a:ln>
-                <a:latin typeface="Arial" pitchFamily="18"/>
-                <a:ea typeface="DejaVu Sans" pitchFamily="2"/>
-                <a:cs typeface="DejaVu Sans" pitchFamily="2"/>
-              </a:rPr>
-              <a:t>Generic programming</a:t>
-            </a:r>
-          </a:p>
-          <a:p>
-            <a:pPr marL="0" marR="0" lvl="0" indent="0" rtl="0" hangingPunct="0">
-              <a:lnSpc>
-                <a:spcPct val="100000"/>
-              </a:lnSpc>
-              <a:spcBef>
-                <a:spcPts val="0"/>
-              </a:spcBef>
-              <a:spcAft>
-                <a:spcPts val="0"/>
-              </a:spcAft>
-              <a:buNone/>
-              <a:tabLst/>
-            </a:pPr>
-            <a:r>
-              <a:rPr lang="sv-SE" sz="1800" b="0" i="0" u="none" strike="noStrike" kern="1200" spc="0" dirty="0">
-                <a:ln>
-                  <a:noFill/>
-                </a:ln>
-                <a:latin typeface="Arial" pitchFamily="18"/>
-                <a:ea typeface="DejaVu Sans" pitchFamily="2"/>
-                <a:cs typeface="DejaVu Sans" pitchFamily="2"/>
-              </a:rPr>
-              <a:t>Enables SOLID FP and OO abstractions even when needing more concrete types than the abstraction knows about.</a:t>
-            </a:r>
-          </a:p>
-          <a:p>
-            <a:pPr marL="0" marR="0" lvl="0" indent="0" rtl="0" hangingPunct="0">
-              <a:lnSpc>
-                <a:spcPct val="100000"/>
-              </a:lnSpc>
-              <a:spcBef>
-                <a:spcPts val="0"/>
-              </a:spcBef>
-              <a:spcAft>
-                <a:spcPts val="0"/>
-              </a:spcAft>
-              <a:buNone/>
-              <a:tabLst/>
-            </a:pPr>
-            <a:r>
-              <a:rPr lang="sv-SE" sz="1800" b="0" i="0" u="none" strike="noStrike" kern="1200" spc="0" dirty="0">
-                <a:ln>
-                  <a:noFill/>
-                </a:ln>
-                <a:latin typeface="Arial" pitchFamily="18"/>
-                <a:ea typeface="DejaVu Sans" pitchFamily="2"/>
-                <a:cs typeface="DejaVu Sans" pitchFamily="2"/>
-              </a:rPr>
-              <a:t>SOLID without contortionism requires all three.</a:t>
-            </a:r>
-          </a:p>
-        </p:txBody>
-      </p:sp>
-    </p:spTree>
-  </p:cSld>
-  <p:clrMapOvr>
-    <a:masterClrMapping/>
-  </p:clrMapOvr>
-  <mc:AlternateContent xmlns:mc="http://schemas.openxmlformats.org/markup-compatibility/2006" xmlns:p14="http://schemas.microsoft.com/office/powerpoint/2010/main">
-    <mc:Choice Requires="p14">
-      <p:transition spd="slow" p14:dur="2000"/>
-    </mc:Choice>
-    <mc:Fallback xmlns="">
-      <p:transition spd="slow"/>
-    </mc:Fallback>
-  </mc:AlternateContent>
-  <p:timing>
-    <p:tnLst>
-      <p:par>
-        <p:cTn id="1" dur="indefinite" restart="never" nodeType="tmRoot">
-          <p:childTnLst>
-            <p:seq concurrent="1" nextAc="seek">
-              <p:cTn id="2" dur="indefinite" nodeType="mainSeq">
-                <p:childTnLst>
-                  <p:par>
-                    <p:cTn id="3" fill="hold">
-                      <p:stCondLst>
-                        <p:cond delay="indefinite"/>
-                      </p:stCondLst>
-                      <p:childTnLst>
-                        <p:par>
-                          <p:cTn id="4" fill="hold">
-                            <p:stCondLst>
-                              <p:cond delay="0"/>
-                            </p:stCondLst>
-                            <p:childTnLst>
-                              <p:par>
-                                <p:cTn id="5" presetClass="entr" fill="hold" nodeType="clickEffect">
-                                  <p:stCondLst>
-                                    <p:cond delay="0"/>
-                                  </p:stCondLst>
-                                  <p:childTnLst>
-                                    <p:set>
-                                      <p:cBhvr>
-                                        <p:cTn id="6" dur="1" fill="hold">
-                                          <p:stCondLst>
-                                            <p:cond delay="0"/>
-                                          </p:stCondLst>
-                                        </p:cTn>
-                                        <p:tgtEl>
-                                          <p:spTgt spid="3">
-                                            <p:txEl>
-                                              <p:pRg st="0" end="0"/>
-                                            </p:txEl>
-                                          </p:spTgt>
-                                        </p:tgtEl>
-                                        <p:attrNameLst>
-                                          <p:attrName>style.visibility</p:attrName>
-                                        </p:attrNameLst>
-                                      </p:cBhvr>
-                                      <p:to>
-                                        <p:strVal val="visible"/>
-                                      </p:to>
-                                    </p:set>
-                                    <p:anim calcmode="lin" valueType="num">
-                                      <p:cBhvr>
-                                        <p:cTn id="7" dur="500" fill="hold"/>
-                                        <p:tgtEl>
-                                          <p:spTgt spid="3">
-                                            <p:txEl>
-                                              <p:pRg st="0" end="0"/>
-                                            </p:txEl>
-                                          </p:spTgt>
-                                        </p:tgtEl>
-                                        <p:attrNameLst>
-                                          <p:attrName>ppt_x</p:attrName>
-                                        </p:attrNameLst>
-                                      </p:cBhvr>
-                                      <p:tavLst>
-                                        <p:tav tm="0">
-                                          <p:val>
-                                            <p:strVal val="#ppt_x"/>
-                                          </p:val>
-                                        </p:tav>
-                                        <p:tav tm="100000">
-                                          <p:val>
-                                            <p:strVal val="#ppt_x"/>
-                                          </p:val>
-                                        </p:tav>
-                                      </p:tavLst>
-                                    </p:anim>
-                                    <p:anim calcmode="lin" valueType="num">
-                                      <p:cBhvr>
-                                        <p:cTn id="8" dur="500" fill="hold"/>
-                                        <p:tgtEl>
-                                          <p:spTgt spid="3">
-                                            <p:txEl>
-                                              <p:pRg st="0" end="0"/>
-                                            </p:txEl>
-                                          </p:spTgt>
-                                        </p:tgtEl>
-                                        <p:attrNameLst>
-                                          <p:attrName>ppt_y</p:attrName>
-                                        </p:attrNameLst>
-                                      </p:cBhvr>
-                                      <p:tavLst>
-                                        <p:tav tm="0">
-                                          <p:val>
-                                            <p:strVal val="1+#ppt_h/2"/>
-                                          </p:val>
-                                        </p:tav>
-                                        <p:tav tm="100000">
-                                          <p:val>
-                                            <p:strVal val="#ppt_y"/>
-                                          </p:val>
-                                        </p:tav>
-                                      </p:tavLst>
-                                    </p:anim>
-                                  </p:childTnLst>
-                                </p:cTn>
-                              </p:par>
-                            </p:childTnLst>
-                          </p:cTn>
-                        </p:par>
-                      </p:childTnLst>
-                    </p:cTn>
-                  </p:par>
-                </p:childTnLst>
-              </p:cTn>
-              <p:prevCondLst>
-                <p:cond evt="onPrev" delay="0">
-                  <p:tgtEl>
-                    <p:sldTgt/>
-                  </p:tgtEl>
-                </p:cond>
-              </p:prevCondLst>
-              <p:nextCondLst>
-                <p:cond evt="onNext" delay="0">
-                  <p:tgtEl>
-                    <p:sldTgt/>
-                  </p:tgtEl>
-                </p:cond>
-              </p:nextCondLst>
-            </p:seq>
-          </p:childTnLst>
-        </p:cTn>
-      </p:par>
-    </p:tnLst>
-  </p:timing>
-</p:sld>
-</file>
-
-<file path=ppt/slides/slide11.xml><?xml version="1.0" encoding="utf-8"?>
-<p:sld xmlns:a="http://schemas.openxmlformats.org/drawingml/2006/main" xmlns:r="http://schemas.openxmlformats.org/officeDocument/2006/relationships" xmlns:p="http://schemas.openxmlformats.org/presentationml/2006/main">
   <p:cSld name="page10">
     <p:spTree>
       <p:nvGrpSpPr>
@@ -7263,1073 +6405,7 @@
 </p:sld>
 </file>
 
-<file path=ppt/slides/slide12.xml><?xml version="1.0" encoding="utf-8"?>
-<p:sld xmlns:a="http://schemas.openxmlformats.org/drawingml/2006/main" xmlns:r="http://schemas.openxmlformats.org/officeDocument/2006/relationships" xmlns:p="http://schemas.openxmlformats.org/presentationml/2006/main">
-  <p:cSld name="page11">
-    <p:spTree>
-      <p:nvGrpSpPr>
-        <p:cNvPr id="1" name=""/>
-        <p:cNvGrpSpPr/>
-        <p:nvPr/>
-      </p:nvGrpSpPr>
-      <p:grpSpPr>
-        <a:xfrm>
-          <a:off x="0" y="0"/>
-          <a:ext cx="0" cy="0"/>
-          <a:chOff x="0" y="0"/>
-          <a:chExt cx="0" cy="0"/>
-        </a:xfrm>
-      </p:grpSpPr>
-      <p:sp>
-        <p:nvSpPr>
-          <p:cNvPr id="2" name="TextShape 1"/>
-          <p:cNvSpPr/>
-          <p:nvPr/>
-        </p:nvSpPr>
-        <p:spPr>
-          <a:xfrm>
-            <a:off x="457200" y="274680"/>
-            <a:ext cx="8228880" cy="1917359"/>
-          </a:xfrm>
-          <a:custGeom>
-            <a:avLst/>
-            <a:gdLst>
-              <a:gd name="f0" fmla="val 0"/>
-              <a:gd name="f1" fmla="val 21600"/>
-            </a:gdLst>
-            <a:ahLst/>
-            <a:cxnLst>
-              <a:cxn ang="3cd4">
-                <a:pos x="hc" y="t"/>
-              </a:cxn>
-              <a:cxn ang="0">
-                <a:pos x="r" y="vc"/>
-              </a:cxn>
-              <a:cxn ang="cd4">
-                <a:pos x="hc" y="b"/>
-              </a:cxn>
-              <a:cxn ang="cd2">
-                <a:pos x="l" y="vc"/>
-              </a:cxn>
-            </a:cxnLst>
-            <a:rect l="l" t="t" r="r" b="b"/>
-            <a:pathLst>
-              <a:path w="21600" h="21600">
-                <a:moveTo>
-                  <a:pt x="f0" y="f0"/>
-                </a:moveTo>
-                <a:lnTo>
-                  <a:pt x="f1" y="f0"/>
-                </a:lnTo>
-                <a:lnTo>
-                  <a:pt x="f1" y="f1"/>
-                </a:lnTo>
-                <a:lnTo>
-                  <a:pt x="f0" y="f1"/>
-                </a:lnTo>
-                <a:lnTo>
-                  <a:pt x="f0" y="f0"/>
-                </a:lnTo>
-                <a:close/>
-              </a:path>
-            </a:pathLst>
-          </a:custGeom>
-          <a:noFill/>
-          <a:ln>
-            <a:noFill/>
-            <a:prstDash val="solid"/>
-          </a:ln>
-        </p:spPr>
-        <p:txBody>
-          <a:bodyPr vert="horz" wrap="square" lIns="90000" tIns="45000" rIns="90000" bIns="45000" anchor="t" compatLnSpc="0"/>
-          <a:lstStyle/>
-          <a:p>
-            <a:pPr marL="0" marR="0" lvl="0" indent="0" rtl="0" hangingPunct="0">
-              <a:lnSpc>
-                <a:spcPct val="100000"/>
-              </a:lnSpc>
-              <a:spcBef>
-                <a:spcPts val="0"/>
-              </a:spcBef>
-              <a:spcAft>
-                <a:spcPts val="0"/>
-              </a:spcAft>
-              <a:buNone/>
-              <a:tabLst/>
-            </a:pPr>
-            <a:r>
-              <a:rPr lang="sv-SE" sz="4400" b="0" i="0" u="none" strike="noStrike" kern="1200" spc="0">
-                <a:ln>
-                  <a:noFill/>
-                </a:ln>
-                <a:solidFill>
-                  <a:srgbClr val="000000"/>
-                </a:solidFill>
-                <a:latin typeface="Calibri" pitchFamily="18"/>
-                <a:ea typeface="DejaVu Sans" pitchFamily="2"/>
-                <a:cs typeface="DejaVu Sans" pitchFamily="2"/>
-              </a:rPr>
-              <a:t>Principles &amp; extension vs member</a:t>
-            </a:r>
-          </a:p>
-          <a:p>
-            <a:pPr marL="0" marR="0" lvl="0" indent="0" algn="ctr" rtl="0" hangingPunct="0">
-              <a:lnSpc>
-                <a:spcPct val="100000"/>
-              </a:lnSpc>
-              <a:spcBef>
-                <a:spcPts val="0"/>
-              </a:spcBef>
-              <a:spcAft>
-                <a:spcPts val="0"/>
-              </a:spcAft>
-              <a:buNone/>
-              <a:tabLst/>
-            </a:pPr>
-            <a:r>
-              <a:rPr lang="sv-SE" sz="1600" b="0" i="0" u="none" strike="noStrike" kern="1200" spc="0">
-                <a:ln>
-                  <a:noFill/>
-                </a:ln>
-                <a:solidFill>
-                  <a:srgbClr val="000000"/>
-                </a:solidFill>
-                <a:latin typeface="Calibri" pitchFamily="18"/>
-                <a:ea typeface="DejaVu Sans" pitchFamily="2"/>
-                <a:cs typeface="DejaVu Sans" pitchFamily="2"/>
-              </a:rPr>
-              <a:t>(context: Given a method that could be a member of an interface or an extension of the interface)</a:t>
-            </a:r>
-          </a:p>
-        </p:txBody>
-      </p:sp>
-      <p:sp>
-        <p:nvSpPr>
-          <p:cNvPr id="3" name="TextShape 2"/>
-          <p:cNvSpPr/>
-          <p:nvPr/>
-        </p:nvSpPr>
-        <p:spPr>
-          <a:xfrm>
-            <a:off x="457200" y="1600200"/>
-            <a:ext cx="8228880" cy="11486880"/>
-          </a:xfrm>
-          <a:custGeom>
-            <a:avLst/>
-            <a:gdLst>
-              <a:gd name="f0" fmla="val 0"/>
-              <a:gd name="f1" fmla="val 21600"/>
-            </a:gdLst>
-            <a:ahLst/>
-            <a:cxnLst>
-              <a:cxn ang="3cd4">
-                <a:pos x="hc" y="t"/>
-              </a:cxn>
-              <a:cxn ang="0">
-                <a:pos x="r" y="vc"/>
-              </a:cxn>
-              <a:cxn ang="cd4">
-                <a:pos x="hc" y="b"/>
-              </a:cxn>
-              <a:cxn ang="cd2">
-                <a:pos x="l" y="vc"/>
-              </a:cxn>
-            </a:cxnLst>
-            <a:rect l="l" t="t" r="r" b="b"/>
-            <a:pathLst>
-              <a:path w="21600" h="21600">
-                <a:moveTo>
-                  <a:pt x="f0" y="f0"/>
-                </a:moveTo>
-                <a:lnTo>
-                  <a:pt x="f1" y="f0"/>
-                </a:lnTo>
-                <a:lnTo>
-                  <a:pt x="f1" y="f1"/>
-                </a:lnTo>
-                <a:lnTo>
-                  <a:pt x="f0" y="f1"/>
-                </a:lnTo>
-                <a:lnTo>
-                  <a:pt x="f0" y="f0"/>
-                </a:lnTo>
-                <a:close/>
-              </a:path>
-            </a:pathLst>
-          </a:custGeom>
-          <a:noFill/>
-          <a:ln>
-            <a:noFill/>
-            <a:prstDash val="solid"/>
-          </a:ln>
-        </p:spPr>
-        <p:txBody>
-          <a:bodyPr vert="horz" wrap="square" lIns="90000" tIns="45000" rIns="90000" bIns="45000" anchor="t" compatLnSpc="0"/>
-          <a:lstStyle/>
-          <a:p>
-            <a:pPr marL="0" marR="0" lvl="0" indent="0" rtl="0" hangingPunct="0">
-              <a:lnSpc>
-                <a:spcPct val="100000"/>
-              </a:lnSpc>
-              <a:spcBef>
-                <a:spcPts val="0"/>
-              </a:spcBef>
-              <a:spcAft>
-                <a:spcPts val="0"/>
-              </a:spcAft>
-              <a:buNone/>
-              <a:tabLst/>
-            </a:pPr>
-            <a:r>
-              <a:rPr lang="sv-SE" sz="2000" b="0" i="0" u="none" strike="noStrike" kern="1200" spc="0">
-                <a:ln>
-                  <a:noFill/>
-                </a:ln>
-                <a:latin typeface="Arial" pitchFamily="18"/>
-                <a:ea typeface="DejaVu Sans" pitchFamily="2"/>
-                <a:cs typeface="DejaVu Sans" pitchFamily="2"/>
-              </a:rPr>
-              <a:t>SRP</a:t>
-            </a:r>
-          </a:p>
-          <a:p>
-            <a:pPr marL="0" marR="0" lvl="0" indent="0" rtl="0" hangingPunct="0">
-              <a:lnSpc>
-                <a:spcPct val="100000"/>
-              </a:lnSpc>
-              <a:spcBef>
-                <a:spcPts val="0"/>
-              </a:spcBef>
-              <a:spcAft>
-                <a:spcPts val="0"/>
-              </a:spcAft>
-              <a:buNone/>
-              <a:tabLst/>
-            </a:pPr>
-            <a:r>
-              <a:rPr lang="sv-SE" sz="2000" b="0" i="0" u="none" strike="noStrike" kern="1200" spc="0">
-                <a:ln>
-                  <a:noFill/>
-                </a:ln>
-                <a:latin typeface="Arial" pitchFamily="18"/>
-                <a:ea typeface="DejaVu Sans" pitchFamily="2"/>
-                <a:cs typeface="DejaVu Sans" pitchFamily="2"/>
-              </a:rPr>
-              <a:t>Extensions lets interfaces and implementors stay minimal and cohesive</a:t>
-            </a:r>
-          </a:p>
-          <a:p>
-            <a:pPr marL="0" marR="0" lvl="0" indent="0" rtl="0" hangingPunct="0">
-              <a:lnSpc>
-                <a:spcPct val="100000"/>
-              </a:lnSpc>
-              <a:spcBef>
-                <a:spcPts val="0"/>
-              </a:spcBef>
-              <a:spcAft>
-                <a:spcPts val="0"/>
-              </a:spcAft>
-              <a:buNone/>
-              <a:tabLst/>
-            </a:pPr>
-            <a:r>
-              <a:rPr lang="sv-SE" sz="1400" b="0" i="0" u="none" strike="noStrike" kern="1200" spc="0">
-                <a:ln>
-                  <a:noFill/>
-                </a:ln>
-                <a:latin typeface="Arial" pitchFamily="18"/>
-                <a:ea typeface="DejaVu Sans" pitchFamily="2"/>
-                <a:cs typeface="DejaVu Sans" pitchFamily="2"/>
-              </a:rPr>
-              <a:t>Formatting, Conversions, Projections etc is not something that IEnumerable&lt;T&gt; </a:t>
-            </a:r>
-            <a:r>
-              <a:rPr lang="sv-SE" sz="1400" b="1" i="0" u="none" strike="noStrike" kern="1200" spc="0">
-                <a:ln>
-                  <a:noFill/>
-                </a:ln>
-                <a:latin typeface="Arial" pitchFamily="18"/>
-                <a:ea typeface="DejaVu Sans" pitchFamily="2"/>
-                <a:cs typeface="DejaVu Sans" pitchFamily="2"/>
-              </a:rPr>
-              <a:t>does</a:t>
-            </a:r>
-            <a:r>
-              <a:rPr lang="sv-SE" sz="1400" b="0" i="0" u="none" strike="noStrike" kern="1200" spc="0">
-                <a:ln>
-                  <a:noFill/>
-                </a:ln>
-                <a:latin typeface="Arial" pitchFamily="18"/>
-                <a:ea typeface="DejaVu Sans" pitchFamily="2"/>
-                <a:cs typeface="DejaVu Sans" pitchFamily="2"/>
-              </a:rPr>
-              <a:t>.</a:t>
-            </a:r>
-          </a:p>
-          <a:p>
-            <a:pPr marL="0" marR="0" lvl="1" indent="0" rtl="0" hangingPunct="0">
-              <a:lnSpc>
-                <a:spcPct val="100000"/>
-              </a:lnSpc>
-              <a:spcBef>
-                <a:spcPts val="0"/>
-              </a:spcBef>
-              <a:spcAft>
-                <a:spcPts val="0"/>
-              </a:spcAft>
-              <a:buSzPct val="45000"/>
-              <a:buFont typeface="StarSymbol"/>
-              <a:buChar char=""/>
-              <a:tabLst/>
-            </a:pPr>
-            <a:r>
-              <a:rPr lang="sv-SE" sz="1400" b="0" i="0" u="none" strike="noStrike" kern="1200" spc="0">
-                <a:ln>
-                  <a:noFill/>
-                </a:ln>
-                <a:latin typeface="Arial" pitchFamily="18"/>
-                <a:ea typeface="DejaVu Sans" pitchFamily="2"/>
-                <a:cs typeface="DejaVu Sans" pitchFamily="2"/>
-              </a:rPr>
-              <a:t>It’s something that is </a:t>
-            </a:r>
-            <a:r>
-              <a:rPr lang="sv-SE" sz="1400" b="1" i="0" u="none" strike="noStrike" kern="1200" spc="0">
-                <a:ln>
-                  <a:noFill/>
-                </a:ln>
-                <a:latin typeface="Arial" pitchFamily="18"/>
-                <a:ea typeface="DejaVu Sans" pitchFamily="2"/>
-                <a:cs typeface="DejaVu Sans" pitchFamily="2"/>
-              </a:rPr>
-              <a:t>done with</a:t>
-            </a:r>
-            <a:r>
-              <a:rPr lang="sv-SE" sz="1400" b="0" i="0" u="none" strike="noStrike" kern="1200" spc="0">
-                <a:ln>
-                  <a:noFill/>
-                </a:ln>
-                <a:latin typeface="Arial" pitchFamily="18"/>
-                <a:ea typeface="DejaVu Sans" pitchFamily="2"/>
-                <a:cs typeface="DejaVu Sans" pitchFamily="2"/>
-              </a:rPr>
-              <a:t> an IEnumerable&lt;T&gt;.</a:t>
-            </a:r>
-          </a:p>
-          <a:p>
-            <a:pPr marL="0" marR="0" lvl="0" indent="0" rtl="0" hangingPunct="0">
-              <a:lnSpc>
-                <a:spcPct val="100000"/>
-              </a:lnSpc>
-              <a:spcBef>
-                <a:spcPts val="0"/>
-              </a:spcBef>
-              <a:spcAft>
-                <a:spcPts val="0"/>
-              </a:spcAft>
-              <a:buNone/>
-              <a:tabLst/>
-            </a:pPr>
-            <a:r>
-              <a:rPr lang="sv-SE" sz="2000" b="0" i="0" u="none" strike="noStrike" kern="1200" spc="0">
-                <a:ln>
-                  <a:noFill/>
-                </a:ln>
-                <a:latin typeface="Arial" pitchFamily="18"/>
-                <a:ea typeface="DejaVu Sans" pitchFamily="2"/>
-                <a:cs typeface="DejaVu Sans" pitchFamily="2"/>
-              </a:rPr>
-              <a:t>OCP</a:t>
-            </a:r>
-          </a:p>
-          <a:p>
-            <a:pPr marL="0" marR="0" lvl="0" indent="0" rtl="0" hangingPunct="0">
-              <a:lnSpc>
-                <a:spcPct val="100000"/>
-              </a:lnSpc>
-              <a:spcBef>
-                <a:spcPts val="0"/>
-              </a:spcBef>
-              <a:spcAft>
-                <a:spcPts val="0"/>
-              </a:spcAft>
-              <a:buNone/>
-              <a:tabLst/>
-            </a:pPr>
-            <a:r>
-              <a:rPr lang="sv-SE" sz="2000" b="0" i="0" u="none" strike="noStrike" kern="1200" spc="0">
-                <a:ln>
-                  <a:noFill/>
-                </a:ln>
-                <a:latin typeface="Arial" pitchFamily="18"/>
-                <a:ea typeface="DejaVu Sans" pitchFamily="2"/>
-                <a:cs typeface="DejaVu Sans" pitchFamily="2"/>
-              </a:rPr>
-              <a:t>Extensions add functionality without modifying interfaces or implementors</a:t>
-            </a:r>
-          </a:p>
-          <a:p>
-            <a:pPr marL="0" marR="0" lvl="1" indent="0" rtl="0" hangingPunct="0">
-              <a:lnSpc>
-                <a:spcPct val="100000"/>
-              </a:lnSpc>
-              <a:spcBef>
-                <a:spcPts val="0"/>
-              </a:spcBef>
-              <a:spcAft>
-                <a:spcPts val="0"/>
-              </a:spcAft>
-              <a:buSzPct val="45000"/>
-              <a:buFont typeface="StarSymbol"/>
-              <a:buChar char=""/>
-              <a:tabLst/>
-            </a:pPr>
-            <a:r>
-              <a:rPr lang="sv-SE" sz="1400" b="0" i="0" u="none" strike="noStrike" kern="1200" spc="0">
-                <a:ln>
-                  <a:noFill/>
-                </a:ln>
-                <a:latin typeface="Arial" pitchFamily="18"/>
-                <a:ea typeface="DejaVu Sans" pitchFamily="2"/>
-                <a:cs typeface="DejaVu Sans" pitchFamily="2"/>
-              </a:rPr>
-              <a:t>You can add an Linq operator that will work with all others without changing IEnumerable&lt;T&gt;</a:t>
-            </a:r>
-          </a:p>
-          <a:p>
-            <a:pPr marL="0" marR="0" lvl="0" indent="0" rtl="0" hangingPunct="0">
-              <a:lnSpc>
-                <a:spcPct val="100000"/>
-              </a:lnSpc>
-              <a:spcBef>
-                <a:spcPts val="0"/>
-              </a:spcBef>
-              <a:spcAft>
-                <a:spcPts val="0"/>
-              </a:spcAft>
-              <a:buNone/>
-              <a:tabLst/>
-            </a:pPr>
-            <a:r>
-              <a:rPr lang="sv-SE" sz="2200" b="0" i="0" u="none" strike="noStrike" kern="1200" spc="0">
-                <a:ln>
-                  <a:noFill/>
-                </a:ln>
-                <a:latin typeface="Arial" pitchFamily="18"/>
-                <a:ea typeface="DejaVu Sans" pitchFamily="2"/>
-                <a:cs typeface="DejaVu Sans" pitchFamily="2"/>
-              </a:rPr>
-              <a:t>LSP</a:t>
-            </a:r>
-          </a:p>
-          <a:p>
-            <a:pPr marL="0" marR="0" lvl="0" indent="0" rtl="0" hangingPunct="0">
-              <a:lnSpc>
-                <a:spcPct val="100000"/>
-              </a:lnSpc>
-              <a:spcBef>
-                <a:spcPts val="0"/>
-              </a:spcBef>
-              <a:spcAft>
-                <a:spcPts val="0"/>
-              </a:spcAft>
-              <a:buNone/>
-              <a:tabLst/>
-            </a:pPr>
-            <a:r>
-              <a:rPr lang="sv-SE" sz="2200" b="0" i="0" u="none" strike="noStrike" kern="1200" spc="0">
-                <a:ln>
-                  <a:noFill/>
-                </a:ln>
-                <a:latin typeface="Arial" pitchFamily="18"/>
-                <a:ea typeface="DejaVu Sans" pitchFamily="2"/>
-                <a:cs typeface="DejaVu Sans" pitchFamily="2"/>
-              </a:rPr>
-              <a:t>Minimal interfaces make implementation simpler and less likely to violate LSP</a:t>
-            </a:r>
-          </a:p>
-          <a:p>
-            <a:pPr marL="0" marR="0" lvl="1" indent="0" rtl="0" hangingPunct="0">
-              <a:lnSpc>
-                <a:spcPct val="100000"/>
-              </a:lnSpc>
-              <a:spcBef>
-                <a:spcPts val="0"/>
-              </a:spcBef>
-              <a:spcAft>
-                <a:spcPts val="0"/>
-              </a:spcAft>
-              <a:buSzPct val="45000"/>
-              <a:buFont typeface="StarSymbol"/>
-              <a:buChar char=""/>
-              <a:tabLst/>
-            </a:pPr>
-            <a:r>
-              <a:rPr lang="sv-SE" sz="1400" b="0" i="0" u="none" strike="noStrike" kern="1200" spc="0">
-                <a:ln>
-                  <a:noFill/>
-                </a:ln>
-                <a:latin typeface="Arial" pitchFamily="18"/>
-                <a:ea typeface="DejaVu Sans" pitchFamily="2"/>
-                <a:cs typeface="DejaVu Sans" pitchFamily="2"/>
-              </a:rPr>
-              <a:t>Implementing IEnumerable&lt;T&gt; is trivial but the power you get for free is huge.</a:t>
-            </a:r>
-          </a:p>
-          <a:p>
-            <a:pPr marL="0" marR="0" lvl="0" indent="0" rtl="0" hangingPunct="0">
-              <a:lnSpc>
-                <a:spcPct val="100000"/>
-              </a:lnSpc>
-              <a:spcBef>
-                <a:spcPts val="0"/>
-              </a:spcBef>
-              <a:spcAft>
-                <a:spcPts val="0"/>
-              </a:spcAft>
-              <a:buNone/>
-              <a:tabLst/>
-            </a:pPr>
-            <a:r>
-              <a:rPr lang="sv-SE" sz="2200" b="0" i="0" u="none" strike="noStrike" kern="1200" spc="0">
-                <a:ln>
-                  <a:noFill/>
-                </a:ln>
-                <a:latin typeface="Arial" pitchFamily="18"/>
-                <a:ea typeface="DejaVu Sans" pitchFamily="2"/>
-                <a:cs typeface="DejaVu Sans" pitchFamily="2"/>
-              </a:rPr>
-              <a:t>ISP</a:t>
-            </a:r>
-          </a:p>
-          <a:p>
-            <a:pPr marL="0" marR="0" lvl="0" indent="0" rtl="0" hangingPunct="0">
-              <a:lnSpc>
-                <a:spcPct val="100000"/>
-              </a:lnSpc>
-              <a:spcBef>
-                <a:spcPts val="0"/>
-              </a:spcBef>
-              <a:spcAft>
-                <a:spcPts val="0"/>
-              </a:spcAft>
-              <a:buNone/>
-              <a:tabLst/>
-            </a:pPr>
-            <a:r>
-              <a:rPr lang="sv-SE" sz="2200" b="0" i="0" u="none" strike="noStrike" kern="1200" spc="0">
-                <a:ln>
-                  <a:noFill/>
-                </a:ln>
-                <a:latin typeface="Arial" pitchFamily="18"/>
-                <a:ea typeface="DejaVu Sans" pitchFamily="2"/>
-                <a:cs typeface="DejaVu Sans" pitchFamily="2"/>
-              </a:rPr>
-              <a:t>A method operating on a type is a client.</a:t>
-            </a:r>
-          </a:p>
-          <a:p>
-            <a:pPr marL="0" marR="0" lvl="1" indent="0" rtl="0" hangingPunct="0">
-              <a:lnSpc>
-                <a:spcPct val="100000"/>
-              </a:lnSpc>
-              <a:spcBef>
-                <a:spcPts val="0"/>
-              </a:spcBef>
-              <a:spcAft>
-                <a:spcPts val="0"/>
-              </a:spcAft>
-              <a:buSzPct val="45000"/>
-              <a:buFont typeface="StarSymbol"/>
-              <a:buChar char=""/>
-              <a:tabLst/>
-            </a:pPr>
-            <a:r>
-              <a:rPr lang="sv-SE" sz="1400" b="0" i="0" u="none" strike="noStrike" kern="1200" spc="0">
-                <a:ln>
-                  <a:noFill/>
-                </a:ln>
-                <a:latin typeface="Arial" pitchFamily="18"/>
-                <a:ea typeface="DejaVu Sans" pitchFamily="2"/>
-                <a:cs typeface="DejaVu Sans" pitchFamily="2"/>
-              </a:rPr>
-              <a:t>A member is forced to depend on the fattest existing interface to a class. The private view.</a:t>
-            </a:r>
-          </a:p>
-          <a:p>
-            <a:pPr marL="0" marR="0" lvl="0" indent="0" rtl="0" hangingPunct="0">
-              <a:lnSpc>
-                <a:spcPct val="100000"/>
-              </a:lnSpc>
-              <a:spcBef>
-                <a:spcPts val="0"/>
-              </a:spcBef>
-              <a:spcAft>
-                <a:spcPts val="0"/>
-              </a:spcAft>
-              <a:buNone/>
-              <a:tabLst/>
-            </a:pPr>
-            <a:r>
-              <a:rPr lang="sv-SE" sz="1400" b="0" i="0" u="none" strike="noStrike" kern="1200" spc="0">
-                <a:ln>
-                  <a:noFill/>
-                </a:ln>
-                <a:latin typeface="Arial" pitchFamily="18"/>
-                <a:ea typeface="DejaVu Sans" pitchFamily="2"/>
-                <a:cs typeface="DejaVu Sans" pitchFamily="2"/>
-              </a:rPr>
-              <a:t>Implementors are clients</a:t>
-            </a:r>
-          </a:p>
-          <a:p>
-            <a:pPr marL="0" marR="0" lvl="1" indent="0" rtl="0" hangingPunct="0">
-              <a:lnSpc>
-                <a:spcPct val="100000"/>
-              </a:lnSpc>
-              <a:spcBef>
-                <a:spcPts val="0"/>
-              </a:spcBef>
-              <a:spcAft>
-                <a:spcPts val="0"/>
-              </a:spcAft>
-              <a:buSzPct val="45000"/>
-              <a:buFont typeface="StarSymbol"/>
-              <a:buChar char=""/>
-              <a:tabLst/>
-            </a:pPr>
-            <a:r>
-              <a:rPr lang="sv-SE" sz="1400" b="0" i="0" u="none" strike="noStrike" kern="1200" spc="0">
-                <a:ln>
-                  <a:noFill/>
-                </a:ln>
-                <a:latin typeface="Arial" pitchFamily="18"/>
-                <a:ea typeface="DejaVu Sans" pitchFamily="2"/>
-                <a:cs typeface="DejaVu Sans" pitchFamily="2"/>
-              </a:rPr>
-              <a:t>Implementors cannot possibly need to reimplement something that can be an extension</a:t>
-            </a:r>
-          </a:p>
-          <a:p>
-            <a:pPr marL="0" marR="0" lvl="0" indent="0" rtl="0" hangingPunct="0">
-              <a:lnSpc>
-                <a:spcPct val="100000"/>
-              </a:lnSpc>
-              <a:spcBef>
-                <a:spcPts val="0"/>
-              </a:spcBef>
-              <a:spcAft>
-                <a:spcPts val="0"/>
-              </a:spcAft>
-              <a:buNone/>
-              <a:tabLst/>
-            </a:pPr>
-            <a:r>
-              <a:rPr lang="sv-SE" sz="2200" b="0" i="0" u="none" strike="noStrike" kern="1200" spc="0">
-                <a:ln>
-                  <a:noFill/>
-                </a:ln>
-                <a:latin typeface="Arial" pitchFamily="18"/>
-                <a:ea typeface="DejaVu Sans" pitchFamily="2"/>
-                <a:cs typeface="DejaVu Sans" pitchFamily="2"/>
-              </a:rPr>
-              <a:t>DIP</a:t>
-            </a:r>
-          </a:p>
-          <a:p>
-            <a:pPr marL="0" marR="0" lvl="0" indent="0" rtl="0" hangingPunct="0">
-              <a:lnSpc>
-                <a:spcPct val="100000"/>
-              </a:lnSpc>
-              <a:spcBef>
-                <a:spcPts val="0"/>
-              </a:spcBef>
-              <a:spcAft>
-                <a:spcPts val="0"/>
-              </a:spcAft>
-              <a:buNone/>
-              <a:tabLst/>
-            </a:pPr>
-            <a:r>
-              <a:rPr lang="sv-SE" sz="2200" b="0" i="0" u="none" strike="noStrike" kern="1200" spc="0">
-                <a:ln>
-                  <a:noFill/>
-                </a:ln>
-                <a:latin typeface="Arial" pitchFamily="18"/>
-                <a:ea typeface="DejaVu Sans" pitchFamily="2"/>
-                <a:cs typeface="DejaVu Sans" pitchFamily="2"/>
-              </a:rPr>
-              <a:t>Rather than depend on an abstraction members depend on implementation details.</a:t>
-            </a:r>
-          </a:p>
-          <a:p>
-            <a:pPr marL="0" marR="0" lvl="0" indent="0" rtl="0" hangingPunct="0">
-              <a:lnSpc>
-                <a:spcPct val="100000"/>
-              </a:lnSpc>
-              <a:spcBef>
-                <a:spcPts val="0"/>
-              </a:spcBef>
-              <a:spcAft>
-                <a:spcPts val="0"/>
-              </a:spcAft>
-              <a:buNone/>
-              <a:tabLst/>
-            </a:pPr>
-            <a:endParaRPr lang="sv-SE" sz="2200" b="0" i="0" u="none" strike="noStrike" kern="1200" spc="0">
-              <a:ln>
-                <a:noFill/>
-              </a:ln>
-              <a:latin typeface="Arial" pitchFamily="18"/>
-              <a:ea typeface="DejaVu Sans" pitchFamily="2"/>
-              <a:cs typeface="DejaVu Sans" pitchFamily="2"/>
-            </a:endParaRPr>
-          </a:p>
-          <a:p>
-            <a:pPr marL="0" marR="0" lvl="0" indent="0" rtl="0" hangingPunct="0">
-              <a:lnSpc>
-                <a:spcPct val="100000"/>
-              </a:lnSpc>
-              <a:spcBef>
-                <a:spcPts val="0"/>
-              </a:spcBef>
-              <a:spcAft>
-                <a:spcPts val="0"/>
-              </a:spcAft>
-              <a:buNone/>
-              <a:tabLst/>
-            </a:pPr>
-            <a:r>
-              <a:rPr lang="sv-SE" sz="2200" b="0" i="0" u="none" strike="noStrike" kern="1200" spc="0">
-                <a:ln>
-                  <a:noFill/>
-                </a:ln>
-                <a:latin typeface="Arial" pitchFamily="18"/>
-                <a:ea typeface="DejaVu Sans" pitchFamily="2"/>
-                <a:cs typeface="DejaVu Sans" pitchFamily="2"/>
-              </a:rPr>
-              <a:t>DRY</a:t>
-            </a:r>
-          </a:p>
-          <a:p>
-            <a:pPr marL="0" marR="0" lvl="0" indent="0" rtl="0" hangingPunct="0">
-              <a:lnSpc>
-                <a:spcPct val="100000"/>
-              </a:lnSpc>
-              <a:spcBef>
-                <a:spcPts val="0"/>
-              </a:spcBef>
-              <a:spcAft>
-                <a:spcPts val="0"/>
-              </a:spcAft>
-              <a:buNone/>
-              <a:tabLst/>
-            </a:pPr>
-            <a:r>
-              <a:rPr lang="sv-SE" sz="2200" b="0" i="0" u="none" strike="noStrike" kern="1200" spc="0">
-                <a:ln>
-                  <a:noFill/>
-                </a:ln>
-                <a:latin typeface="Arial" pitchFamily="18"/>
-                <a:ea typeface="DejaVu Sans" pitchFamily="2"/>
-                <a:cs typeface="DejaVu Sans" pitchFamily="2"/>
-              </a:rPr>
-              <a:t>Members forces multiple implementors to rewrite identical logic</a:t>
-            </a:r>
-          </a:p>
-          <a:p>
-            <a:pPr marL="0" marR="0" lvl="1" indent="0" rtl="0" hangingPunct="0">
-              <a:lnSpc>
-                <a:spcPct val="100000"/>
-              </a:lnSpc>
-              <a:spcBef>
-                <a:spcPts val="0"/>
-              </a:spcBef>
-              <a:spcAft>
-                <a:spcPts val="0"/>
-              </a:spcAft>
-              <a:buSzPct val="45000"/>
-              <a:buFont typeface="StarSymbol"/>
-              <a:buChar char=""/>
-              <a:tabLst/>
-            </a:pPr>
-            <a:r>
-              <a:rPr lang="sv-SE" sz="1400" b="0" i="0" u="none" strike="noStrike" kern="1200" spc="0">
-                <a:ln>
-                  <a:noFill/>
-                </a:ln>
-                <a:latin typeface="Arial" pitchFamily="18"/>
-                <a:ea typeface="DejaVu Sans" pitchFamily="2"/>
-                <a:cs typeface="DejaVu Sans" pitchFamily="2"/>
-              </a:rPr>
-              <a:t>Extensions enable multiple inheritance of functionality</a:t>
-            </a:r>
-          </a:p>
-          <a:p>
-            <a:pPr marL="0" marR="0" lvl="1" indent="0" rtl="0" hangingPunct="0">
-              <a:lnSpc>
-                <a:spcPct val="100000"/>
-              </a:lnSpc>
-              <a:spcBef>
-                <a:spcPts val="0"/>
-              </a:spcBef>
-              <a:spcAft>
-                <a:spcPts val="0"/>
-              </a:spcAft>
-              <a:buSzPct val="45000"/>
-              <a:buFont typeface="StarSymbol"/>
-              <a:buChar char=""/>
-              <a:tabLst/>
-            </a:pPr>
-            <a:r>
-              <a:rPr lang="sv-SE" sz="1400" b="0" i="0" u="none" strike="noStrike" kern="1200" spc="0">
-                <a:ln>
-                  <a:noFill/>
-                </a:ln>
-                <a:latin typeface="Arial" pitchFamily="18"/>
-                <a:ea typeface="DejaVu Sans" pitchFamily="2"/>
-                <a:cs typeface="DejaVu Sans" pitchFamily="2"/>
-              </a:rPr>
-              <a:t>Duplicate methods avoided with extensions  =  (methods * implementors) - methods</a:t>
-            </a:r>
-          </a:p>
-        </p:txBody>
-      </p:sp>
-    </p:spTree>
-  </p:cSld>
-  <p:clrMapOvr>
-    <a:masterClrMapping/>
-  </p:clrMapOvr>
-  <mc:AlternateContent xmlns:mc="http://schemas.openxmlformats.org/markup-compatibility/2006" xmlns:p14="http://schemas.microsoft.com/office/powerpoint/2010/main">
-    <mc:Choice Requires="p14">
-      <p:transition spd="slow" p14:dur="2000"/>
-    </mc:Choice>
-    <mc:Fallback xmlns="">
-      <p:transition spd="slow"/>
-    </mc:Fallback>
-  </mc:AlternateContent>
-  <p:timing>
-    <p:tnLst>
-      <p:par>
-        <p:cTn id="1" dur="indefinite" restart="never" nodeType="tmRoot">
-          <p:childTnLst>
-            <p:seq concurrent="1" nextAc="seek">
-              <p:cTn id="2" dur="indefinite" nodeType="mainSeq">
-                <p:childTnLst>
-                  <p:par>
-                    <p:cTn id="3" fill="hold">
-                      <p:stCondLst>
-                        <p:cond delay="indefinite"/>
-                      </p:stCondLst>
-                      <p:childTnLst>
-                        <p:par>
-                          <p:cTn id="4" fill="hold">
-                            <p:stCondLst>
-                              <p:cond delay="0"/>
-                            </p:stCondLst>
-                            <p:childTnLst>
-                              <p:par>
-                                <p:cTn id="5" presetClass="entr" fill="hold" nodeType="clickEffect">
-                                  <p:stCondLst>
-                                    <p:cond delay="0"/>
-                                  </p:stCondLst>
-                                  <p:childTnLst>
-                                    <p:set>
-                                      <p:cBhvr>
-                                        <p:cTn id="6" dur="1" fill="hold">
-                                          <p:stCondLst>
-                                            <p:cond delay="0"/>
-                                          </p:stCondLst>
-                                        </p:cTn>
-                                        <p:tgtEl>
-                                          <p:spTgt spid="3">
-                                            <p:txEl>
-                                              <p:pRg st="0" end="0"/>
-                                            </p:txEl>
-                                          </p:spTgt>
-                                        </p:tgtEl>
-                                        <p:attrNameLst>
-                                          <p:attrName>style.visibility</p:attrName>
-                                        </p:attrNameLst>
-                                      </p:cBhvr>
-                                      <p:to>
-                                        <p:strVal val="visible"/>
-                                      </p:to>
-                                    </p:set>
-                                    <p:anim calcmode="lin" valueType="num">
-                                      <p:cBhvr>
-                                        <p:cTn id="7" dur="500" fill="hold"/>
-                                        <p:tgtEl>
-                                          <p:spTgt spid="3">
-                                            <p:txEl>
-                                              <p:pRg st="0" end="0"/>
-                                            </p:txEl>
-                                          </p:spTgt>
-                                        </p:tgtEl>
-                                        <p:attrNameLst>
-                                          <p:attrName>ppt_x</p:attrName>
-                                        </p:attrNameLst>
-                                      </p:cBhvr>
-                                      <p:tavLst>
-                                        <p:tav tm="0">
-                                          <p:val>
-                                            <p:strVal val="#ppt_x"/>
-                                          </p:val>
-                                        </p:tav>
-                                        <p:tav tm="100000">
-                                          <p:val>
-                                            <p:strVal val="#ppt_x"/>
-                                          </p:val>
-                                        </p:tav>
-                                      </p:tavLst>
-                                    </p:anim>
-                                    <p:anim calcmode="lin" valueType="num">
-                                      <p:cBhvr>
-                                        <p:cTn id="8" dur="500" fill="hold"/>
-                                        <p:tgtEl>
-                                          <p:spTgt spid="3">
-                                            <p:txEl>
-                                              <p:pRg st="0" end="0"/>
-                                            </p:txEl>
-                                          </p:spTgt>
-                                        </p:tgtEl>
-                                        <p:attrNameLst>
-                                          <p:attrName>ppt_y</p:attrName>
-                                        </p:attrNameLst>
-                                      </p:cBhvr>
-                                      <p:tavLst>
-                                        <p:tav tm="0">
-                                          <p:val>
-                                            <p:strVal val="1+#ppt_h/2"/>
-                                          </p:val>
-                                        </p:tav>
-                                        <p:tav tm="100000">
-                                          <p:val>
-                                            <p:strVal val="#ppt_y"/>
-                                          </p:val>
-                                        </p:tav>
-                                      </p:tavLst>
-                                    </p:anim>
-                                  </p:childTnLst>
-                                </p:cTn>
-                              </p:par>
-                              <p:par>
-                                <p:cTn id="9" presetClass="entr" fill="hold" nodeType="withEffect">
-                                  <p:stCondLst>
-                                    <p:cond delay="0"/>
-                                  </p:stCondLst>
-                                  <p:childTnLst>
-                                    <p:set>
-                                      <p:cBhvr>
-                                        <p:cTn id="10" dur="1" fill="hold">
-                                          <p:stCondLst>
-                                            <p:cond delay="0"/>
-                                          </p:stCondLst>
-                                        </p:cTn>
-                                        <p:tgtEl>
-                                          <p:spTgt spid="3">
-                                            <p:txEl>
-                                              <p:pRg st="4" end="4"/>
-                                            </p:txEl>
-                                          </p:spTgt>
-                                        </p:tgtEl>
-                                        <p:attrNameLst>
-                                          <p:attrName>style.visibility</p:attrName>
-                                        </p:attrNameLst>
-                                      </p:cBhvr>
-                                      <p:to>
-                                        <p:strVal val="visible"/>
-                                      </p:to>
-                                    </p:set>
-                                    <p:anim calcmode="lin" valueType="num">
-                                      <p:cBhvr>
-                                        <p:cTn id="11" dur="500" fill="hold"/>
-                                        <p:tgtEl>
-                                          <p:spTgt spid="3">
-                                            <p:txEl>
-                                              <p:pRg st="4" end="4"/>
-                                            </p:txEl>
-                                          </p:spTgt>
-                                        </p:tgtEl>
-                                        <p:attrNameLst>
-                                          <p:attrName>ppt_x</p:attrName>
-                                        </p:attrNameLst>
-                                      </p:cBhvr>
-                                      <p:tavLst>
-                                        <p:tav tm="0">
-                                          <p:val>
-                                            <p:strVal val="#ppt_x"/>
-                                          </p:val>
-                                        </p:tav>
-                                        <p:tav tm="100000">
-                                          <p:val>
-                                            <p:strVal val="#ppt_x"/>
-                                          </p:val>
-                                        </p:tav>
-                                      </p:tavLst>
-                                    </p:anim>
-                                    <p:anim calcmode="lin" valueType="num">
-                                      <p:cBhvr>
-                                        <p:cTn id="12" dur="500" fill="hold"/>
-                                        <p:tgtEl>
-                                          <p:spTgt spid="3">
-                                            <p:txEl>
-                                              <p:pRg st="4" end="4"/>
-                                            </p:txEl>
-                                          </p:spTgt>
-                                        </p:tgtEl>
-                                        <p:attrNameLst>
-                                          <p:attrName>ppt_y</p:attrName>
-                                        </p:attrNameLst>
-                                      </p:cBhvr>
-                                      <p:tavLst>
-                                        <p:tav tm="0">
-                                          <p:val>
-                                            <p:strVal val="1+#ppt_h/2"/>
-                                          </p:val>
-                                        </p:tav>
-                                        <p:tav tm="100000">
-                                          <p:val>
-                                            <p:strVal val="#ppt_y"/>
-                                          </p:val>
-                                        </p:tav>
-                                      </p:tavLst>
-                                    </p:anim>
-                                  </p:childTnLst>
-                                </p:cTn>
-                              </p:par>
-                            </p:childTnLst>
-                          </p:cTn>
-                        </p:par>
-                      </p:childTnLst>
-                    </p:cTn>
-                  </p:par>
-                </p:childTnLst>
-              </p:cTn>
-              <p:prevCondLst>
-                <p:cond evt="onPrev" delay="0">
-                  <p:tgtEl>
-                    <p:sldTgt/>
-                  </p:tgtEl>
-                </p:cond>
-              </p:prevCondLst>
-              <p:nextCondLst>
-                <p:cond evt="onNext" delay="0">
-                  <p:tgtEl>
-                    <p:sldTgt/>
-                  </p:tgtEl>
-                </p:cond>
-              </p:nextCondLst>
-            </p:seq>
-          </p:childTnLst>
-        </p:cTn>
-      </p:par>
-    </p:tnLst>
-  </p:timing>
-</p:sld>
-</file>
-
-<file path=ppt/slides/slide13.xml><?xml version="1.0" encoding="utf-8"?>
+<file path=ppt/slides/slide11.xml><?xml version="1.0" encoding="utf-8"?>
 <p:sld xmlns:a="http://schemas.openxmlformats.org/drawingml/2006/main" xmlns:r="http://schemas.openxmlformats.org/officeDocument/2006/relationships" xmlns:p="http://schemas.openxmlformats.org/presentationml/2006/main">
   <p:cSld>
     <p:spTree>
@@ -8857,7 +6933,7 @@
 </p:sld>
 </file>
 
-<file path=ppt/slides/slide14.xml><?xml version="1.0" encoding="utf-8"?>
+<file path=ppt/slides/slide12.xml><?xml version="1.0" encoding="utf-8"?>
 <p:sld xmlns:a="http://schemas.openxmlformats.org/drawingml/2006/main" xmlns:r="http://schemas.openxmlformats.org/officeDocument/2006/relationships" xmlns:p="http://schemas.openxmlformats.org/presentationml/2006/main">
   <p:cSld>
     <p:spTree>
@@ -9182,11 +7258,7 @@
             </a:br>
             <a:r>
               <a:rPr lang="sv-SE" dirty="0" smtClean="0"/>
-              <a:t>What vs </a:t>
-            </a:r>
-            <a:r>
-              <a:rPr lang="sv-SE" dirty="0" smtClean="0"/>
-              <a:t>How</a:t>
+              <a:t>What vs How</a:t>
             </a:r>
             <a:endParaRPr lang="sv-SE" dirty="0"/>
           </a:p>
@@ -9323,6 +7395,78 @@
 </file>
 
 <file path=ppt/slides/slide3.xml><?xml version="1.0" encoding="utf-8"?>
+<p:sld xmlns:a="http://schemas.openxmlformats.org/drawingml/2006/main" xmlns:r="http://schemas.openxmlformats.org/officeDocument/2006/relationships" xmlns:p="http://schemas.openxmlformats.org/presentationml/2006/main">
+  <p:cSld>
+    <p:spTree>
+      <p:nvGrpSpPr>
+        <p:cNvPr id="1" name=""/>
+        <p:cNvGrpSpPr/>
+        <p:nvPr/>
+      </p:nvGrpSpPr>
+      <p:grpSpPr>
+        <a:xfrm>
+          <a:off x="0" y="0"/>
+          <a:ext cx="0" cy="0"/>
+          <a:chOff x="0" y="0"/>
+          <a:chExt cx="0" cy="0"/>
+        </a:xfrm>
+      </p:grpSpPr>
+      <p:sp>
+        <p:nvSpPr>
+          <p:cNvPr id="2" name="Title 1"/>
+          <p:cNvSpPr>
+            <a:spLocks noGrp="1"/>
+          </p:cNvSpPr>
+          <p:nvPr>
+            <p:ph type="title"/>
+          </p:nvPr>
+        </p:nvSpPr>
+        <p:spPr/>
+        <p:txBody>
+          <a:bodyPr/>
+          <a:lstStyle/>
+          <a:p>
+            <a:pPr>
+              <a:buNone/>
+            </a:pPr>
+            <a:r>
+              <a:rPr lang="sv-SE" dirty="0" smtClean="0"/>
+              <a:t>The </a:t>
+            </a:r>
+            <a:r>
+              <a:rPr lang="sv-SE" dirty="0" err="1" smtClean="0"/>
+              <a:t>free</a:t>
+            </a:r>
+            <a:r>
+              <a:rPr lang="sv-SE" dirty="0" smtClean="0"/>
+              <a:t> lunch is over</a:t>
+            </a:r>
+            <a:endParaRPr lang="sv-SE" dirty="0"/>
+          </a:p>
+        </p:txBody>
+      </p:sp>
+    </p:spTree>
+    <p:extLst>
+      <p:ext uri="{BB962C8B-B14F-4D97-AF65-F5344CB8AC3E}">
+        <p14:creationId xmlns:p14="http://schemas.microsoft.com/office/powerpoint/2010/main" val="2221407887"/>
+      </p:ext>
+    </p:extLst>
+  </p:cSld>
+  <p:clrMapOvr>
+    <a:masterClrMapping/>
+  </p:clrMapOvr>
+  <mc:AlternateContent xmlns:mc="http://schemas.openxmlformats.org/markup-compatibility/2006" xmlns:p14="http://schemas.microsoft.com/office/powerpoint/2010/main">
+    <mc:Choice Requires="p14">
+      <p:transition spd="slow" p14:dur="2000"/>
+    </mc:Choice>
+    <mc:Fallback xmlns="">
+      <p:transition spd="slow"/>
+    </mc:Fallback>
+  </mc:AlternateContent>
+</p:sld>
+</file>
+
+<file path=ppt/slides/slide4.xml><?xml version="1.0" encoding="utf-8"?>
 <p:sld xmlns:a="http://schemas.openxmlformats.org/drawingml/2006/main" xmlns:r="http://schemas.openxmlformats.org/officeDocument/2006/relationships" xmlns:p="http://schemas.openxmlformats.org/presentationml/2006/main">
   <p:cSld name="page2">
     <p:spTree>
@@ -11556,7 +9700,7 @@
 </p:sld>
 </file>
 
-<file path=ppt/slides/slide4.xml><?xml version="1.0" encoding="utf-8"?>
+<file path=ppt/slides/slide5.xml><?xml version="1.0" encoding="utf-8"?>
 <p:sld xmlns:a="http://schemas.openxmlformats.org/drawingml/2006/main" xmlns:r="http://schemas.openxmlformats.org/officeDocument/2006/relationships" xmlns:p="http://schemas.openxmlformats.org/presentationml/2006/main">
   <p:cSld name="page3">
     <p:spTree>
@@ -11965,7 +10109,7 @@
 </p:sld>
 </file>
 
-<file path=ppt/slides/slide5.xml><?xml version="1.0" encoding="utf-8"?>
+<file path=ppt/slides/slide6.xml><?xml version="1.0" encoding="utf-8"?>
 <p:sld xmlns:a="http://schemas.openxmlformats.org/drawingml/2006/main" xmlns:r="http://schemas.openxmlformats.org/officeDocument/2006/relationships" xmlns:p="http://schemas.openxmlformats.org/presentationml/2006/main">
   <p:cSld name="page4">
     <p:spTree>
@@ -13552,7 +11696,7 @@
 </p:sld>
 </file>
 
-<file path=ppt/slides/slide6.xml><?xml version="1.0" encoding="utf-8"?>
+<file path=ppt/slides/slide7.xml><?xml version="1.0" encoding="utf-8"?>
 <p:sld xmlns:a="http://schemas.openxmlformats.org/drawingml/2006/main" xmlns:r="http://schemas.openxmlformats.org/officeDocument/2006/relationships" xmlns:p="http://schemas.openxmlformats.org/presentationml/2006/main">
   <p:cSld name="page5">
     <p:spTree>
@@ -14056,9 +12200,9 @@
 </p:sld>
 </file>
 
-<file path=ppt/slides/slide7.xml><?xml version="1.0" encoding="utf-8"?>
+<file path=ppt/slides/slide8.xml><?xml version="1.0" encoding="utf-8"?>
 <p:sld xmlns:a="http://schemas.openxmlformats.org/drawingml/2006/main" xmlns:r="http://schemas.openxmlformats.org/officeDocument/2006/relationships" xmlns:p="http://schemas.openxmlformats.org/presentationml/2006/main">
-  <p:cSld name="page6">
+  <p:cSld name="page8">
     <p:spTree>
       <p:nvGrpSpPr>
         <p:cNvPr id="1" name=""/>
@@ -14162,7 +12306,7 @@
                 <a:ea typeface="DejaVu Sans" pitchFamily="2"/>
                 <a:cs typeface="DejaVu Sans" pitchFamily="2"/>
               </a:rPr>
-              <a:t>YOU could write Linq</a:t>
+              <a:t>SOLID</a:t>
             </a:r>
           </a:p>
         </p:txBody>
@@ -14176,7 +12320,7 @@
         <p:spPr>
           <a:xfrm>
             <a:off x="457200" y="1600200"/>
-            <a:ext cx="8228880" cy="4615920"/>
+            <a:ext cx="8228880" cy="7360559"/>
           </a:xfrm>
           <a:custGeom>
             <a:avLst/>
@@ -14245,7 +12389,7 @@
               <a:tabLst/>
             </a:pPr>
             <a:r>
-              <a:rPr lang="sv-SE" sz="2000" b="0" i="0" u="none" strike="noStrike" kern="1200" spc="0">
+              <a:rPr lang="sv-SE" sz="1800" b="0" i="0" u="none" strike="noStrike" kern="1200" spc="0">
                 <a:ln>
                   <a:noFill/>
                 </a:ln>
@@ -14253,25 +12397,22 @@
                 <a:ea typeface="DejaVu Sans" pitchFamily="2"/>
                 <a:cs typeface="DejaVu Sans" pitchFamily="2"/>
               </a:rPr>
-              <a:t>Linq is NOT a new language feature</a:t>
-            </a:r>
-          </a:p>
-          <a:p>
-            <a:pPr marL="0" marR="0" lvl="0" indent="0" rtl="0" hangingPunct="0">
-              <a:lnSpc>
-                <a:spcPct val="100000"/>
-              </a:lnSpc>
-              <a:spcBef>
-                <a:spcPts val="0"/>
-              </a:spcBef>
-              <a:spcAft>
-                <a:spcPts val="0"/>
-              </a:spcAft>
-              <a:buNone/>
-              <a:tabLst/>
-            </a:pPr>
-            <a:r>
-              <a:rPr lang="sv-SE" sz="2000" b="0" i="0" u="none" strike="noStrike" kern="1200" spc="0">
+              <a:t>The </a:t>
+            </a:r>
+            <a:r>
+              <a:rPr lang="sv-SE" sz="1800" b="0" i="0" u="sng" strike="noStrike" kern="1200" spc="0">
+                <a:ln>
+                  <a:noFill/>
+                </a:ln>
+                <a:uFillTx/>
+                <a:latin typeface="Arial" pitchFamily="18"/>
+                <a:ea typeface="DejaVu Sans" pitchFamily="2"/>
+                <a:cs typeface="DejaVu Sans" pitchFamily="2"/>
+              </a:rPr>
+              <a:t>S</a:t>
+            </a:r>
+            <a:r>
+              <a:rPr lang="sv-SE" sz="1800" b="0" i="0" u="none" strike="noStrike" kern="1200" spc="0">
                 <a:ln>
                   <a:noFill/>
                 </a:ln>
@@ -14279,7 +12420,7 @@
                 <a:ea typeface="DejaVu Sans" pitchFamily="2"/>
                 <a:cs typeface="DejaVu Sans" pitchFamily="2"/>
               </a:rPr>
-              <a:t>Linq is a library written on top of new language features</a:t>
+              <a:t>ingle Responsibility Principle</a:t>
             </a:r>
           </a:p>
           <a:p>
@@ -14297,15 +12438,18 @@
               <a:tabLst/>
             </a:pPr>
             <a:r>
-              <a:rPr lang="sv-SE" sz="2000" b="0" i="0" u="none" strike="noStrike" kern="1200" spc="0">
+              <a:rPr lang="sv-SE" sz="1800" b="0" i="0" u="none" strike="noStrike" kern="1200" spc="0">
                 <a:ln>
                   <a:noFill/>
                 </a:ln>
+                <a:solidFill>
+                  <a:srgbClr val="1F497D"/>
+                </a:solidFill>
                 <a:latin typeface="Arial" pitchFamily="18"/>
                 <a:ea typeface="DejaVu Sans" pitchFamily="2"/>
                 <a:cs typeface="DejaVu Sans" pitchFamily="2"/>
               </a:rPr>
-              <a:t>These language features are available to all C# developers</a:t>
+              <a:t>Software entities* should have only one reason to change</a:t>
             </a:r>
           </a:p>
           <a:p>
@@ -14323,15 +12467,32 @@
               <a:tabLst/>
             </a:pPr>
             <a:r>
-              <a:rPr lang="sv-SE" sz="2000" b="0" i="0" u="none" strike="noStrike" kern="1200" spc="0">
+              <a:rPr lang="sv-SE" sz="2600" b="0" i="0" u="none" strike="noStrike" kern="1200" spc="0">
                 <a:ln>
                   <a:noFill/>
                 </a:ln>
+                <a:solidFill>
+                  <a:srgbClr val="1F497D"/>
+                </a:solidFill>
                 <a:latin typeface="Arial" pitchFamily="18"/>
                 <a:ea typeface="DejaVu Sans" pitchFamily="2"/>
                 <a:cs typeface="DejaVu Sans" pitchFamily="2"/>
               </a:rPr>
-              <a:t>There’s more than one Linq implementation</a:t>
+              <a:t>*</a:t>
+            </a:r>
+            <a:r>
+              <a:rPr lang="sv-SE" sz="2200" b="0" i="0" u="none" strike="noStrike" kern="1200" spc="0">
+                <a:ln>
+                  <a:noFill/>
+                </a:ln>
+                <a:solidFill>
+                  <a:srgbClr val="1F497D"/>
+                </a:solidFill>
+                <a:latin typeface="Arial" pitchFamily="18"/>
+                <a:ea typeface="DejaVu Sans" pitchFamily="2"/>
+                <a:cs typeface="DejaVu Sans" pitchFamily="2"/>
+              </a:rPr>
+              <a:t>classes, interfaces, functions, etc</a:t>
             </a:r>
           </a:p>
           <a:p>
@@ -14349,15 +12510,47 @@
               <a:tabLst/>
             </a:pPr>
             <a:r>
-              <a:rPr lang="sv-SE" sz="2000" b="0" i="0" u="none" strike="noStrike" kern="1200" spc="0">
+              <a:rPr lang="sv-SE" sz="2200" b="0" i="0" u="none" strike="noStrike" kern="1200" spc="0">
                 <a:ln>
                   <a:noFill/>
                 </a:ln>
+                <a:solidFill>
+                  <a:srgbClr val="1F497D"/>
+                </a:solidFill>
                 <a:latin typeface="Arial" pitchFamily="18"/>
                 <a:ea typeface="DejaVu Sans" pitchFamily="2"/>
                 <a:cs typeface="DejaVu Sans" pitchFamily="2"/>
               </a:rPr>
-              <a:t>(Linqbridge for targeting .Net 2.0)</a:t>
+              <a:t>The </a:t>
+            </a:r>
+            <a:r>
+              <a:rPr lang="sv-SE" sz="2200" b="0" i="0" u="sng" strike="noStrike" kern="1200" spc="0">
+                <a:ln>
+                  <a:noFill/>
+                </a:ln>
+                <a:solidFill>
+                  <a:srgbClr val="1F497D"/>
+                </a:solidFill>
+                <a:uFillTx/>
+                <a:latin typeface="Arial" pitchFamily="18"/>
+                <a:ea typeface="DejaVu Sans" pitchFamily="2"/>
+                <a:cs typeface="DejaVu Sans" pitchFamily="2"/>
+              </a:rPr>
+              <a:t>O</a:t>
+            </a:r>
+            <a:r>
+              <a:rPr lang="sv-SE" sz="2200" b="0" i="0" u="none" strike="noStrike" kern="1200" spc="0">
+                <a:ln>
+                  <a:noFill/>
+                </a:ln>
+                <a:solidFill>
+                  <a:srgbClr val="1F497D"/>
+                </a:solidFill>
+                <a:latin typeface="Arial" pitchFamily="18"/>
+                <a:ea typeface="DejaVu Sans" pitchFamily="2"/>
+                <a:cs typeface="DejaVu Sans" pitchFamily="2"/>
+              </a:rPr>
+              <a:t>pen Closed Principle</a:t>
             </a:r>
           </a:p>
           <a:p>
@@ -14375,15 +12568,18 @@
               <a:tabLst/>
             </a:pPr>
             <a:r>
-              <a:rPr lang="sv-SE" sz="2000" b="0" i="0" u="none" strike="noStrike" kern="1200" spc="0">
+              <a:rPr lang="sv-SE" sz="2200" b="0" i="0" u="none" strike="noStrike" kern="1200" spc="0">
                 <a:ln>
                   <a:noFill/>
                 </a:ln>
+                <a:solidFill>
+                  <a:srgbClr val="1F497D"/>
+                </a:solidFill>
                 <a:latin typeface="Arial" pitchFamily="18"/>
                 <a:ea typeface="DejaVu Sans" pitchFamily="2"/>
                 <a:cs typeface="DejaVu Sans" pitchFamily="2"/>
               </a:rPr>
-              <a:t>There’s more than one Linq styled library</a:t>
+              <a:t>Software entities should be open for extension but closed for modification</a:t>
             </a:r>
           </a:p>
           <a:p>
@@ -14401,15 +12597,47 @@
               <a:tabLst/>
             </a:pPr>
             <a:r>
-              <a:rPr lang="sv-SE" sz="2000" b="0" i="0" u="none" strike="noStrike" kern="1200" spc="0">
+              <a:rPr lang="sv-SE" sz="2200" b="0" i="0" u="none" strike="noStrike" kern="1200" spc="0">
                 <a:ln>
                   <a:noFill/>
                 </a:ln>
+                <a:solidFill>
+                  <a:srgbClr val="1F497D"/>
+                </a:solidFill>
                 <a:latin typeface="Arial" pitchFamily="18"/>
                 <a:ea typeface="DejaVu Sans" pitchFamily="2"/>
                 <a:cs typeface="DejaVu Sans" pitchFamily="2"/>
               </a:rPr>
-              <a:t>(Reactive Extensions)</a:t>
+              <a:t>The </a:t>
+            </a:r>
+            <a:r>
+              <a:rPr lang="sv-SE" sz="2200" b="0" i="0" u="sng" strike="noStrike" kern="1200" spc="0">
+                <a:ln>
+                  <a:noFill/>
+                </a:ln>
+                <a:solidFill>
+                  <a:srgbClr val="1F497D"/>
+                </a:solidFill>
+                <a:uFillTx/>
+                <a:latin typeface="Arial" pitchFamily="18"/>
+                <a:ea typeface="DejaVu Sans" pitchFamily="2"/>
+                <a:cs typeface="DejaVu Sans" pitchFamily="2"/>
+              </a:rPr>
+              <a:t>L</a:t>
+            </a:r>
+            <a:r>
+              <a:rPr lang="sv-SE" sz="2200" b="0" i="0" u="none" strike="noStrike" kern="1200" spc="0">
+                <a:ln>
+                  <a:noFill/>
+                </a:ln>
+                <a:solidFill>
+                  <a:srgbClr val="1F497D"/>
+                </a:solidFill>
+                <a:latin typeface="Arial" pitchFamily="18"/>
+                <a:ea typeface="DejaVu Sans" pitchFamily="2"/>
+                <a:cs typeface="DejaVu Sans" pitchFamily="2"/>
+              </a:rPr>
+              <a:t>iskov Substitution Principle</a:t>
             </a:r>
           </a:p>
           <a:p>
@@ -14426,14 +12654,223 @@
               <a:buNone/>
               <a:tabLst/>
             </a:pPr>
-            <a:endParaRPr lang="sv-SE" sz="2000" b="0" i="0" u="none" strike="noStrike" kern="1200" spc="0">
-              <a:ln>
-                <a:noFill/>
-              </a:ln>
-              <a:latin typeface="Arial" pitchFamily="18"/>
-              <a:ea typeface="DejaVu Sans" pitchFamily="2"/>
-              <a:cs typeface="DejaVu Sans" pitchFamily="2"/>
-            </a:endParaRPr>
+            <a:r>
+              <a:rPr lang="sv-SE" sz="2200" b="0" i="0" u="none" strike="noStrike" kern="1200" spc="0">
+                <a:ln>
+                  <a:noFill/>
+                </a:ln>
+                <a:solidFill>
+                  <a:srgbClr val="1F497D"/>
+                </a:solidFill>
+                <a:latin typeface="Arial" pitchFamily="18"/>
+                <a:ea typeface="DejaVu Sans" pitchFamily="2"/>
+                <a:cs typeface="DejaVu Sans" pitchFamily="2"/>
+              </a:rPr>
+              <a:t>Derived classes must be substitutable for their base classes/interfaces</a:t>
+            </a:r>
+          </a:p>
+          <a:p>
+            <a:pPr marL="0" marR="0" lvl="0" indent="0" rtl="0" hangingPunct="0">
+              <a:lnSpc>
+                <a:spcPct val="100000"/>
+              </a:lnSpc>
+              <a:spcBef>
+                <a:spcPts val="0"/>
+              </a:spcBef>
+              <a:spcAft>
+                <a:spcPts val="0"/>
+              </a:spcAft>
+              <a:buNone/>
+              <a:tabLst/>
+            </a:pPr>
+            <a:r>
+              <a:rPr lang="sv-SE" sz="2200" b="0" i="0" u="none" strike="noStrike" kern="1200" spc="0">
+                <a:ln>
+                  <a:noFill/>
+                </a:ln>
+                <a:solidFill>
+                  <a:srgbClr val="1F497D"/>
+                </a:solidFill>
+                <a:latin typeface="Arial" pitchFamily="18"/>
+                <a:ea typeface="DejaVu Sans" pitchFamily="2"/>
+                <a:cs typeface="DejaVu Sans" pitchFamily="2"/>
+              </a:rPr>
+              <a:t>The </a:t>
+            </a:r>
+            <a:r>
+              <a:rPr lang="sv-SE" sz="2200" b="0" i="0" u="sng" strike="noStrike" kern="1200" spc="0">
+                <a:ln>
+                  <a:noFill/>
+                </a:ln>
+                <a:solidFill>
+                  <a:srgbClr val="1F497D"/>
+                </a:solidFill>
+                <a:uFillTx/>
+                <a:latin typeface="Arial" pitchFamily="18"/>
+                <a:ea typeface="DejaVu Sans" pitchFamily="2"/>
+                <a:cs typeface="DejaVu Sans" pitchFamily="2"/>
+              </a:rPr>
+              <a:t>I</a:t>
+            </a:r>
+            <a:r>
+              <a:rPr lang="sv-SE" sz="2200" b="0" i="0" u="none" strike="noStrike" kern="1200" spc="0">
+                <a:ln>
+                  <a:noFill/>
+                </a:ln>
+                <a:solidFill>
+                  <a:srgbClr val="1F497D"/>
+                </a:solidFill>
+                <a:latin typeface="Arial" pitchFamily="18"/>
+                <a:ea typeface="DejaVu Sans" pitchFamily="2"/>
+                <a:cs typeface="DejaVu Sans" pitchFamily="2"/>
+              </a:rPr>
+              <a:t>nterface Segregation Principle</a:t>
+            </a:r>
+          </a:p>
+          <a:p>
+            <a:pPr marL="0" marR="0" lvl="0" indent="0" rtl="0" hangingPunct="0">
+              <a:lnSpc>
+                <a:spcPct val="100000"/>
+              </a:lnSpc>
+              <a:spcBef>
+                <a:spcPts val="0"/>
+              </a:spcBef>
+              <a:spcAft>
+                <a:spcPts val="0"/>
+              </a:spcAft>
+              <a:buNone/>
+              <a:tabLst/>
+            </a:pPr>
+            <a:r>
+              <a:rPr lang="sv-SE" sz="2200" b="0" i="0" u="none" strike="noStrike" kern="1200" spc="0">
+                <a:ln>
+                  <a:noFill/>
+                </a:ln>
+                <a:solidFill>
+                  <a:srgbClr val="1F497D"/>
+                </a:solidFill>
+                <a:latin typeface="Arial" pitchFamily="18"/>
+                <a:ea typeface="DejaVu Sans" pitchFamily="2"/>
+                <a:cs typeface="DejaVu Sans" pitchFamily="2"/>
+              </a:rPr>
+              <a:t>Clients should not be forced to depend on methods they do not use</a:t>
+            </a:r>
+          </a:p>
+          <a:p>
+            <a:pPr marL="0" marR="0" lvl="0" indent="0" rtl="0" hangingPunct="0">
+              <a:lnSpc>
+                <a:spcPct val="100000"/>
+              </a:lnSpc>
+              <a:spcBef>
+                <a:spcPts val="0"/>
+              </a:spcBef>
+              <a:spcAft>
+                <a:spcPts val="0"/>
+              </a:spcAft>
+              <a:buNone/>
+              <a:tabLst/>
+            </a:pPr>
+            <a:r>
+              <a:rPr lang="sv-SE" sz="2200" b="0" i="0" u="none" strike="noStrike" kern="1200" spc="0">
+                <a:ln>
+                  <a:noFill/>
+                </a:ln>
+                <a:solidFill>
+                  <a:srgbClr val="1F497D"/>
+                </a:solidFill>
+                <a:latin typeface="Arial" pitchFamily="18"/>
+                <a:ea typeface="DejaVu Sans" pitchFamily="2"/>
+                <a:cs typeface="DejaVu Sans" pitchFamily="2"/>
+              </a:rPr>
+              <a:t>The </a:t>
+            </a:r>
+            <a:r>
+              <a:rPr lang="sv-SE" sz="2200" b="0" i="0" u="sng" strike="noStrike" kern="1200" spc="0">
+                <a:ln>
+                  <a:noFill/>
+                </a:ln>
+                <a:solidFill>
+                  <a:srgbClr val="1F497D"/>
+                </a:solidFill>
+                <a:uFillTx/>
+                <a:latin typeface="Arial" pitchFamily="18"/>
+                <a:ea typeface="DejaVu Sans" pitchFamily="2"/>
+                <a:cs typeface="DejaVu Sans" pitchFamily="2"/>
+              </a:rPr>
+              <a:t>D</a:t>
+            </a:r>
+            <a:r>
+              <a:rPr lang="sv-SE" sz="2200" b="0" i="0" u="none" strike="noStrike" kern="1200" spc="0">
+                <a:ln>
+                  <a:noFill/>
+                </a:ln>
+                <a:solidFill>
+                  <a:srgbClr val="1F497D"/>
+                </a:solidFill>
+                <a:latin typeface="Arial" pitchFamily="18"/>
+                <a:ea typeface="DejaVu Sans" pitchFamily="2"/>
+                <a:cs typeface="DejaVu Sans" pitchFamily="2"/>
+              </a:rPr>
+              <a:t>ependency Inversion Principle</a:t>
+            </a:r>
+          </a:p>
+          <a:p>
+            <a:pPr marL="0" marR="0" lvl="0" indent="0" rtl="0" hangingPunct="0">
+              <a:lnSpc>
+                <a:spcPct val="100000"/>
+              </a:lnSpc>
+              <a:spcBef>
+                <a:spcPts val="0"/>
+              </a:spcBef>
+              <a:spcAft>
+                <a:spcPts val="0"/>
+              </a:spcAft>
+              <a:buNone/>
+              <a:tabLst/>
+            </a:pPr>
+            <a:r>
+              <a:rPr lang="sv-SE" sz="2200" b="0" i="0" u="none" strike="noStrike" kern="1200" spc="0">
+                <a:ln>
+                  <a:noFill/>
+                </a:ln>
+                <a:solidFill>
+                  <a:srgbClr val="1F497D"/>
+                </a:solidFill>
+                <a:latin typeface="Arial" pitchFamily="18"/>
+                <a:ea typeface="DejaVu Sans" pitchFamily="2"/>
+                <a:cs typeface="DejaVu Sans" pitchFamily="2"/>
+              </a:rPr>
+              <a:t>High level modules should not depend on low level modules. Both should depend on abstractions.</a:t>
+            </a:r>
+          </a:p>
+          <a:p>
+            <a:pPr marL="0" marR="0" lvl="0" indent="0" rtl="0" hangingPunct="0">
+              <a:lnSpc>
+                <a:spcPct val="100000"/>
+              </a:lnSpc>
+              <a:spcBef>
+                <a:spcPts val="0"/>
+              </a:spcBef>
+              <a:spcAft>
+                <a:spcPts val="0"/>
+              </a:spcAft>
+              <a:buNone/>
+              <a:tabLst/>
+            </a:pPr>
+            <a:r>
+              <a:rPr lang="sv-SE" sz="2200" b="0" i="0" u="none" strike="noStrike" kern="1200" spc="0">
+                <a:ln>
+                  <a:noFill/>
+                </a:ln>
+                <a:solidFill>
+                  <a:srgbClr val="1F497D"/>
+                </a:solidFill>
+                <a:latin typeface="Arial" pitchFamily="18"/>
+                <a:ea typeface="DejaVu Sans" pitchFamily="2"/>
+                <a:cs typeface="DejaVu Sans" pitchFamily="2"/>
+              </a:rPr>
+              <a:t>Abstractions should not depend on details. Details should depend on abstractions</a:t>
+            </a:r>
           </a:p>
         </p:txBody>
       </p:sp>
@@ -14581,9 +13018,9 @@
 </p:sld>
 </file>
 
-<file path=ppt/slides/slide8.xml><?xml version="1.0" encoding="utf-8"?>
+<file path=ppt/slides/slide9.xml><?xml version="1.0" encoding="utf-8"?>
 <p:sld xmlns:a="http://schemas.openxmlformats.org/drawingml/2006/main" xmlns:r="http://schemas.openxmlformats.org/officeDocument/2006/relationships" xmlns:p="http://schemas.openxmlformats.org/presentationml/2006/main">
-  <p:cSld name="page7">
+  <p:cSld name="page9">
     <p:spTree>
       <p:nvGrpSpPr>
         <p:cNvPr id="1" name=""/>
@@ -14687,7 +13124,7 @@
                 <a:ea typeface="DejaVu Sans" pitchFamily="2"/>
                 <a:cs typeface="DejaVu Sans" pitchFamily="2"/>
               </a:rPr>
-              <a:t>Language features enabling Linq</a:t>
+              <a:t>Composability, OO, FP, Generics</a:t>
             </a:r>
           </a:p>
         </p:txBody>
@@ -14701,7 +13138,7 @@
         <p:spPr>
           <a:xfrm>
             <a:off x="457200" y="1600200"/>
-            <a:ext cx="8228880" cy="4977720"/>
+            <a:ext cx="8228880" cy="8841600"/>
           </a:xfrm>
           <a:custGeom>
             <a:avLst/>
@@ -14770,7 +13207,7 @@
               <a:tabLst/>
             </a:pPr>
             <a:r>
-              <a:rPr lang="sv-SE" sz="2000" b="0" i="0" u="none" strike="noStrike" kern="1200" spc="0">
+              <a:rPr lang="sv-SE" sz="1800" b="0" i="0" u="none" strike="noStrike" kern="1200" spc="0" dirty="0">
                 <a:ln>
                   <a:noFill/>
                 </a:ln>
@@ -14778,7 +13215,7 @@
                 <a:ea typeface="DejaVu Sans" pitchFamily="2"/>
                 <a:cs typeface="DejaVu Sans" pitchFamily="2"/>
               </a:rPr>
-              <a:t>Class and collection initializer expressions</a:t>
+              <a:t>Composability</a:t>
             </a:r>
           </a:p>
           <a:p>
@@ -14796,60 +13233,15 @@
               <a:tabLst/>
             </a:pPr>
             <a:r>
-              <a:rPr lang="sv-SE" sz="1200" b="0" i="0" u="none" strike="noStrike" kern="1200" spc="0">
+              <a:rPr lang="sv-SE" sz="1800" b="0" i="0" u="none" strike="noStrike" kern="1200" spc="0" dirty="0">
                 <a:ln>
                   <a:noFill/>
                 </a:ln>
-                <a:solidFill>
-                  <a:srgbClr val="2B91AF"/>
-                </a:solidFill>
                 <a:latin typeface="Arial" pitchFamily="18"/>
                 <a:ea typeface="DejaVu Sans" pitchFamily="2"/>
                 <a:cs typeface="DejaVu Sans" pitchFamily="2"/>
               </a:rPr>
-              <a:t>Person magnus = </a:t>
-            </a:r>
-            <a:r>
-              <a:rPr lang="sv-SE" sz="1200" b="0" i="0" u="none" strike="noStrike" kern="1200" spc="0">
-                <a:ln>
-                  <a:noFill/>
-                </a:ln>
-                <a:solidFill>
-                  <a:srgbClr val="0000FF"/>
-                </a:solidFill>
-                <a:latin typeface="Arial" pitchFamily="18"/>
-                <a:ea typeface="DejaVu Sans" pitchFamily="2"/>
-                <a:cs typeface="DejaVu Sans" pitchFamily="2"/>
-              </a:rPr>
-              <a:t>new </a:t>
-            </a:r>
-            <a:r>
-              <a:rPr lang="sv-SE" sz="1200" b="0" i="0" u="none" strike="noStrike" kern="1200" spc="0">
-                <a:ln>
-                  <a:noFill/>
-                </a:ln>
-                <a:solidFill>
-                  <a:srgbClr val="2B91AF"/>
-                </a:solidFill>
-                <a:latin typeface="Arial" pitchFamily="18"/>
-                <a:ea typeface="DejaVu Sans" pitchFamily="2"/>
-                <a:cs typeface="DejaVu Sans" pitchFamily="2"/>
-              </a:rPr>
-              <a:t>Person {Name = </a:t>
-            </a:r>
-            <a:r>
-              <a:rPr lang="sv-SE" sz="1200" b="0" i="0" u="none" strike="noStrike" kern="1200" spc="0">
-                <a:ln>
-                  <a:noFill/>
-                </a:ln>
-                <a:solidFill>
-                  <a:srgbClr val="A31515"/>
-                </a:solidFill>
-                <a:latin typeface="Arial" pitchFamily="18"/>
-                <a:ea typeface="DejaVu Sans" pitchFamily="2"/>
-                <a:cs typeface="DejaVu Sans" pitchFamily="2"/>
-              </a:rPr>
-              <a:t>"Magnus Lidbom"};</a:t>
+              <a:t>The ability for software entities to be easily reused without violating the SOLID principles.</a:t>
             </a:r>
           </a:p>
           <a:p>
@@ -14867,46 +13259,15 @@
               <a:tabLst/>
             </a:pPr>
             <a:r>
-              <a:rPr lang="sv-SE" sz="1200" b="0" i="0" u="none" strike="noStrike" kern="1200" spc="0">
+              <a:rPr lang="sv-SE" sz="1800" b="0" i="0" u="none" strike="noStrike" kern="1200" spc="0" dirty="0">
                 <a:ln>
                   <a:noFill/>
                 </a:ln>
-                <a:solidFill>
-                  <a:srgbClr val="2B91AF"/>
-                </a:solidFill>
                 <a:latin typeface="Arial" pitchFamily="18"/>
                 <a:ea typeface="DejaVu Sans" pitchFamily="2"/>
                 <a:cs typeface="DejaVu Sans" pitchFamily="2"/>
               </a:rPr>
-              <a:t>IEnumerable&lt;</a:t>
-            </a:r>
-            <a:r>
-              <a:rPr lang="sv-SE" sz="1200" b="0" i="0" u="none" strike="noStrike" kern="1200" spc="0">
-                <a:ln>
-                  <a:noFill/>
-                </a:ln>
-                <a:solidFill>
-                  <a:srgbClr val="0000FF"/>
-                </a:solidFill>
-                <a:latin typeface="Arial" pitchFamily="18"/>
-                <a:ea typeface="DejaVu Sans" pitchFamily="2"/>
-                <a:cs typeface="DejaVu Sans" pitchFamily="2"/>
-              </a:rPr>
-              <a:t>string&gt; names = new string[] {</a:t>
-            </a:r>
-            <a:r>
-              <a:rPr lang="sv-SE" sz="1200" b="0" i="0" u="none" strike="noStrike" kern="1200" spc="0">
-                <a:ln>
-                  <a:noFill/>
-                </a:ln>
-                <a:solidFill>
-                  <a:srgbClr val="A31515"/>
-                </a:solidFill>
-                <a:latin typeface="Arial" pitchFamily="18"/>
-                <a:ea typeface="DejaVu Sans" pitchFamily="2"/>
-                <a:cs typeface="DejaVu Sans" pitchFamily="2"/>
-              </a:rPr>
-              <a:t>"Calle", "Oscar"};</a:t>
+              <a:t>Object oriented programming</a:t>
             </a:r>
           </a:p>
           <a:p>
@@ -14924,18 +13285,15 @@
               <a:tabLst/>
             </a:pPr>
             <a:r>
-              <a:rPr lang="sv-SE" sz="2000" b="0" i="0" u="none" strike="noStrike" kern="1200" spc="0">
+              <a:rPr lang="sv-SE" sz="1800" b="0" i="0" u="none" strike="noStrike" kern="1200" spc="0" dirty="0">
                 <a:ln>
                   <a:noFill/>
                 </a:ln>
-                <a:solidFill>
-                  <a:srgbClr val="A31515"/>
-                </a:solidFill>
                 <a:latin typeface="Arial" pitchFamily="18"/>
                 <a:ea typeface="DejaVu Sans" pitchFamily="2"/>
                 <a:cs typeface="DejaVu Sans" pitchFamily="2"/>
               </a:rPr>
-              <a:t>Extension methods</a:t>
+              <a:t>Composable datastructures</a:t>
             </a:r>
           </a:p>
           <a:p>
@@ -14953,18 +13311,15 @@
               <a:tabLst/>
             </a:pPr>
             <a:r>
-              <a:rPr lang="sv-SE" sz="1400" b="0" i="0" u="none" strike="noStrike" kern="1200" spc="0">
+              <a:rPr lang="sv-SE" sz="1800" b="0" i="0" u="none" strike="noStrike" kern="1200" spc="0" dirty="0">
                 <a:ln>
                   <a:noFill/>
                 </a:ln>
-                <a:solidFill>
-                  <a:srgbClr val="0000FF"/>
-                </a:solidFill>
                 <a:latin typeface="Arial" pitchFamily="18"/>
                 <a:ea typeface="DejaVu Sans" pitchFamily="2"/>
                 <a:cs typeface="DejaVu Sans" pitchFamily="2"/>
               </a:rPr>
-              <a:t>string first = names.First();</a:t>
+              <a:t>Functional programming</a:t>
             </a:r>
           </a:p>
           <a:p>
@@ -14982,18 +13337,15 @@
               <a:tabLst/>
             </a:pPr>
             <a:r>
-              <a:rPr lang="sv-SE" sz="2000" b="0" i="0" u="none" strike="noStrike" kern="1200" spc="0">
+              <a:rPr lang="sv-SE" sz="1800" b="0" i="0" u="none" strike="noStrike" kern="1200" spc="0" dirty="0">
                 <a:ln>
                   <a:noFill/>
                 </a:ln>
-                <a:solidFill>
-                  <a:srgbClr val="0000FF"/>
-                </a:solidFill>
                 <a:latin typeface="Arial" pitchFamily="18"/>
                 <a:ea typeface="DejaVu Sans" pitchFamily="2"/>
                 <a:cs typeface="DejaVu Sans" pitchFamily="2"/>
               </a:rPr>
-              <a:t>Type inference and the var keyword</a:t>
+              <a:t>Composable algorithms</a:t>
             </a:r>
           </a:p>
           <a:p>
@@ -15011,18 +13363,15 @@
               <a:tabLst/>
             </a:pPr>
             <a:r>
-              <a:rPr lang="sv-SE" sz="1200" b="0" i="0" u="none" strike="noStrike" kern="1200" spc="0">
+              <a:rPr lang="sv-SE" sz="1800" b="0" i="0" u="none" strike="noStrike" kern="1200" spc="0" dirty="0">
                 <a:ln>
                   <a:noFill/>
                 </a:ln>
-                <a:solidFill>
-                  <a:srgbClr val="0000FF"/>
-                </a:solidFill>
                 <a:latin typeface="Arial" pitchFamily="18"/>
                 <a:ea typeface="DejaVu Sans" pitchFamily="2"/>
                 <a:cs typeface="DejaVu Sans" pitchFamily="2"/>
               </a:rPr>
-              <a:t>var alsoNames = names;</a:t>
+              <a:t>Generic programming</a:t>
             </a:r>
           </a:p>
           <a:p>
@@ -15040,18 +13389,15 @@
               <a:tabLst/>
             </a:pPr>
             <a:r>
-              <a:rPr lang="sv-SE" sz="2000" b="0" i="0" u="none" strike="noStrike" kern="1200" spc="0">
+              <a:rPr lang="sv-SE" sz="1800" b="0" i="0" u="none" strike="noStrike" kern="1200" spc="0" dirty="0">
                 <a:ln>
                   <a:noFill/>
                 </a:ln>
-                <a:solidFill>
-                  <a:srgbClr val="0000FF"/>
-                </a:solidFill>
                 <a:latin typeface="Arial" pitchFamily="18"/>
                 <a:ea typeface="DejaVu Sans" pitchFamily="2"/>
                 <a:cs typeface="DejaVu Sans" pitchFamily="2"/>
               </a:rPr>
-              <a:t>Anonymous types</a:t>
+              <a:t>Enables SOLID FP and OO abstractions even when needing more concrete types than the abstraction knows about.</a:t>
             </a:r>
           </a:p>
           <a:p>
@@ -15069,249 +13415,15 @@
               <a:tabLst/>
             </a:pPr>
             <a:r>
-              <a:rPr lang="sv-SE" sz="1200" b="0" i="0" u="none" strike="noStrike" kern="1200" spc="0">
+              <a:rPr lang="sv-SE" sz="1800" b="0" i="0" u="none" strike="noStrike" kern="1200" spc="0" dirty="0">
                 <a:ln>
                   <a:noFill/>
                 </a:ln>
-                <a:solidFill>
-                  <a:srgbClr val="0000FF"/>
-                </a:solidFill>
                 <a:latin typeface="Arial" pitchFamily="18"/>
                 <a:ea typeface="DejaVu Sans" pitchFamily="2"/>
                 <a:cs typeface="DejaVu Sans" pitchFamily="2"/>
               </a:rPr>
-              <a:t>var address = new {Street = </a:t>
-            </a:r>
-            <a:r>
-              <a:rPr lang="sv-SE" sz="1200" b="0" i="0" u="none" strike="noStrike" kern="1200" spc="0">
-                <a:ln>
-                  <a:noFill/>
-                </a:ln>
-                <a:solidFill>
-                  <a:srgbClr val="A31515"/>
-                </a:solidFill>
-                <a:latin typeface="Arial" pitchFamily="18"/>
-                <a:ea typeface="DejaVu Sans" pitchFamily="2"/>
-                <a:cs typeface="DejaVu Sans" pitchFamily="2"/>
-              </a:rPr>
-              <a:t>"AStreet", Zip = "111111"};</a:t>
-            </a:r>
-          </a:p>
-          <a:p>
-            <a:pPr marL="0" marR="0" lvl="0" indent="0" rtl="0" hangingPunct="0">
-              <a:lnSpc>
-                <a:spcPct val="100000"/>
-              </a:lnSpc>
-              <a:spcBef>
-                <a:spcPts val="0"/>
-              </a:spcBef>
-              <a:spcAft>
-                <a:spcPts val="0"/>
-              </a:spcAft>
-              <a:buNone/>
-              <a:tabLst/>
-            </a:pPr>
-            <a:r>
-              <a:rPr lang="sv-SE" sz="2000" b="0" i="0" u="none" strike="noStrike" kern="1200" spc="0">
-                <a:ln>
-                  <a:noFill/>
-                </a:ln>
-                <a:solidFill>
-                  <a:srgbClr val="A31515"/>
-                </a:solidFill>
-                <a:latin typeface="Arial" pitchFamily="18"/>
-                <a:ea typeface="DejaVu Sans" pitchFamily="2"/>
-                <a:cs typeface="DejaVu Sans" pitchFamily="2"/>
-              </a:rPr>
-              <a:t>Lamda expressions</a:t>
-            </a:r>
-          </a:p>
-          <a:p>
-            <a:pPr marL="0" marR="0" lvl="0" indent="0" rtl="0" hangingPunct="0">
-              <a:lnSpc>
-                <a:spcPct val="100000"/>
-              </a:lnSpc>
-              <a:spcBef>
-                <a:spcPts val="0"/>
-              </a:spcBef>
-              <a:spcAft>
-                <a:spcPts val="0"/>
-              </a:spcAft>
-              <a:buNone/>
-              <a:tabLst/>
-            </a:pPr>
-            <a:r>
-              <a:rPr lang="sv-SE" sz="1200" b="0" i="0" u="none" strike="noStrike" kern="1200" spc="0">
-                <a:ln>
-                  <a:noFill/>
-                </a:ln>
-                <a:solidFill>
-                  <a:srgbClr val="0000FF"/>
-                </a:solidFill>
-                <a:latin typeface="Arial" pitchFamily="18"/>
-                <a:ea typeface="DejaVu Sans" pitchFamily="2"/>
-                <a:cs typeface="DejaVu Sans" pitchFamily="2"/>
-              </a:rPr>
-              <a:t>var upperCaseNames = names.Select(name =&gt; name.ToUpper());</a:t>
-            </a:r>
-          </a:p>
-          <a:p>
-            <a:pPr marL="0" marR="0" lvl="0" indent="0" rtl="0" hangingPunct="0">
-              <a:lnSpc>
-                <a:spcPct val="100000"/>
-              </a:lnSpc>
-              <a:spcBef>
-                <a:spcPts val="0"/>
-              </a:spcBef>
-              <a:spcAft>
-                <a:spcPts val="0"/>
-              </a:spcAft>
-              <a:buNone/>
-              <a:tabLst/>
-            </a:pPr>
-            <a:r>
-              <a:rPr lang="sv-SE" sz="2000" b="0" i="0" u="none" strike="noStrike" kern="1200" spc="0">
-                <a:ln>
-                  <a:noFill/>
-                </a:ln>
-                <a:solidFill>
-                  <a:srgbClr val="0000FF"/>
-                </a:solidFill>
-                <a:latin typeface="Arial" pitchFamily="18"/>
-                <a:ea typeface="DejaVu Sans" pitchFamily="2"/>
-                <a:cs typeface="DejaVu Sans" pitchFamily="2"/>
-              </a:rPr>
-              <a:t>Expression&lt;T&gt;</a:t>
-            </a:r>
-          </a:p>
-          <a:p>
-            <a:pPr marL="0" marR="0" lvl="0" indent="0" rtl="0" hangingPunct="0">
-              <a:lnSpc>
-                <a:spcPct val="100000"/>
-              </a:lnSpc>
-              <a:spcBef>
-                <a:spcPts val="0"/>
-              </a:spcBef>
-              <a:spcAft>
-                <a:spcPts val="0"/>
-              </a:spcAft>
-              <a:buNone/>
-              <a:tabLst/>
-            </a:pPr>
-            <a:r>
-              <a:rPr lang="sv-SE" sz="1200" b="0" i="0" u="none" strike="noStrike" kern="1200" spc="0">
-                <a:ln>
-                  <a:noFill/>
-                </a:ln>
-                <a:solidFill>
-                  <a:srgbClr val="2B91AF"/>
-                </a:solidFill>
-                <a:latin typeface="Arial" pitchFamily="18"/>
-                <a:ea typeface="DejaVu Sans" pitchFamily="2"/>
-                <a:cs typeface="DejaVu Sans" pitchFamily="2"/>
-              </a:rPr>
-              <a:t>Expression&lt;Func&lt;</a:t>
-            </a:r>
-            <a:r>
-              <a:rPr lang="sv-SE" sz="1200" b="0" i="0" u="none" strike="noStrike" kern="1200" spc="0">
-                <a:ln>
-                  <a:noFill/>
-                </a:ln>
-                <a:solidFill>
-                  <a:srgbClr val="0000FF"/>
-                </a:solidFill>
-                <a:latin typeface="Arial" pitchFamily="18"/>
-                <a:ea typeface="DejaVu Sans" pitchFamily="2"/>
-                <a:cs typeface="DejaVu Sans" pitchFamily="2"/>
-              </a:rPr>
-              <a:t>string, bool&gt;&gt; isUpperCased = test =&gt; test == test.ToUpper();</a:t>
-            </a:r>
-          </a:p>
-          <a:p>
-            <a:pPr marL="0" marR="0" lvl="0" indent="0" rtl="0" hangingPunct="0">
-              <a:lnSpc>
-                <a:spcPct val="100000"/>
-              </a:lnSpc>
-              <a:spcBef>
-                <a:spcPts val="0"/>
-              </a:spcBef>
-              <a:spcAft>
-                <a:spcPts val="0"/>
-              </a:spcAft>
-              <a:buNone/>
-              <a:tabLst/>
-            </a:pPr>
-            <a:r>
-              <a:rPr lang="sv-SE" sz="2000" b="0" i="0" u="none" strike="noStrike" kern="1200" spc="0">
-                <a:ln>
-                  <a:noFill/>
-                </a:ln>
-                <a:solidFill>
-                  <a:srgbClr val="0000FF"/>
-                </a:solidFill>
-                <a:latin typeface="Arial" pitchFamily="18"/>
-                <a:ea typeface="DejaVu Sans" pitchFamily="2"/>
-                <a:cs typeface="DejaVu Sans" pitchFamily="2"/>
-              </a:rPr>
-              <a:t>Comprehension syntax</a:t>
-            </a:r>
-          </a:p>
-          <a:p>
-            <a:pPr marL="0" marR="0" lvl="0" indent="0" rtl="0" hangingPunct="0">
-              <a:lnSpc>
-                <a:spcPct val="100000"/>
-              </a:lnSpc>
-              <a:spcBef>
-                <a:spcPts val="0"/>
-              </a:spcBef>
-              <a:spcAft>
-                <a:spcPts val="0"/>
-              </a:spcAft>
-              <a:buNone/>
-              <a:tabLst/>
-            </a:pPr>
-            <a:r>
-              <a:rPr lang="sv-SE" sz="1200" b="0" i="0" u="none" strike="noStrike" kern="1200" spc="0">
-                <a:ln>
-                  <a:noFill/>
-                </a:ln>
-                <a:solidFill>
-                  <a:srgbClr val="0000FF"/>
-                </a:solidFill>
-                <a:latin typeface="Arial" pitchFamily="18"/>
-                <a:ea typeface="DejaVu Sans" pitchFamily="2"/>
-                <a:cs typeface="DejaVu Sans" pitchFamily="2"/>
-              </a:rPr>
-              <a:t>var lowerCaseNames =  from name in names</a:t>
-            </a:r>
-          </a:p>
-          <a:p>
-            <a:pPr marL="0" marR="0" lvl="0" indent="0" rtl="0" hangingPunct="0">
-              <a:lnSpc>
-                <a:spcPct val="100000"/>
-              </a:lnSpc>
-              <a:spcBef>
-                <a:spcPts val="0"/>
-              </a:spcBef>
-              <a:spcAft>
-                <a:spcPts val="0"/>
-              </a:spcAft>
-              <a:buNone/>
-              <a:tabLst/>
-            </a:pPr>
-            <a:r>
-              <a:rPr lang="sv-SE" sz="1200" b="0" i="0" u="none" strike="noStrike" kern="1200" spc="0">
-                <a:ln>
-                  <a:noFill/>
-                </a:ln>
-                <a:solidFill>
-                  <a:srgbClr val="0000FF"/>
-                </a:solidFill>
-                <a:latin typeface="Arial" pitchFamily="18"/>
-                <a:ea typeface="DejaVu Sans" pitchFamily="2"/>
-                <a:cs typeface="DejaVu Sans" pitchFamily="2"/>
-              </a:rPr>
-              <a:t>		select name.ToLower();</a:t>
+              <a:t>SOLID without contortionism requires all three.</a:t>
             </a:r>
           </a:p>
         </p:txBody>
@@ -15329,824 +13441,6 @@
       <p:transition spd="slow"/>
     </mc:Fallback>
   </mc:AlternateContent>
-  <p:timing>
-    <p:tnLst>
-      <p:par>
-        <p:cTn id="1" dur="indefinite" restart="never" nodeType="tmRoot">
-          <p:childTnLst>
-            <p:seq concurrent="1" nextAc="seek">
-              <p:cTn id="2" dur="indefinite" nodeType="mainSeq">
-                <p:childTnLst>
-                  <p:par>
-                    <p:cTn id="3" fill="hold">
-                      <p:stCondLst>
-                        <p:cond delay="indefinite"/>
-                      </p:stCondLst>
-                      <p:childTnLst>
-                        <p:par>
-                          <p:cTn id="4" fill="hold">
-                            <p:stCondLst>
-                              <p:cond delay="0"/>
-                            </p:stCondLst>
-                            <p:childTnLst>
-                              <p:par>
-                                <p:cTn id="5" presetClass="entr" fill="hold" nodeType="clickEffect">
-                                  <p:stCondLst>
-                                    <p:cond delay="0"/>
-                                  </p:stCondLst>
-                                  <p:childTnLst>
-                                    <p:set>
-                                      <p:cBhvr>
-                                        <p:cTn id="6" dur="1" fill="hold">
-                                          <p:stCondLst>
-                                            <p:cond delay="0"/>
-                                          </p:stCondLst>
-                                        </p:cTn>
-                                        <p:tgtEl>
-                                          <p:spTgt spid="3">
-                                            <p:txEl>
-                                              <p:pRg st="0" end="0"/>
-                                            </p:txEl>
-                                          </p:spTgt>
-                                        </p:tgtEl>
-                                        <p:attrNameLst>
-                                          <p:attrName>style.visibility</p:attrName>
-                                        </p:attrNameLst>
-                                      </p:cBhvr>
-                                      <p:to>
-                                        <p:strVal val="visible"/>
-                                      </p:to>
-                                    </p:set>
-                                    <p:anim calcmode="lin" valueType="num">
-                                      <p:cBhvr>
-                                        <p:cTn id="7" dur="500" fill="hold"/>
-                                        <p:tgtEl>
-                                          <p:spTgt spid="3">
-                                            <p:txEl>
-                                              <p:pRg st="0" end="0"/>
-                                            </p:txEl>
-                                          </p:spTgt>
-                                        </p:tgtEl>
-                                        <p:attrNameLst>
-                                          <p:attrName>ppt_x</p:attrName>
-                                        </p:attrNameLst>
-                                      </p:cBhvr>
-                                      <p:tavLst>
-                                        <p:tav tm="0">
-                                          <p:val>
-                                            <p:strVal val="#ppt_x"/>
-                                          </p:val>
-                                        </p:tav>
-                                        <p:tav tm="100000">
-                                          <p:val>
-                                            <p:strVal val="#ppt_x"/>
-                                          </p:val>
-                                        </p:tav>
-                                      </p:tavLst>
-                                    </p:anim>
-                                    <p:anim calcmode="lin" valueType="num">
-                                      <p:cBhvr>
-                                        <p:cTn id="8" dur="500" fill="hold"/>
-                                        <p:tgtEl>
-                                          <p:spTgt spid="3">
-                                            <p:txEl>
-                                              <p:pRg st="0" end="0"/>
-                                            </p:txEl>
-                                          </p:spTgt>
-                                        </p:tgtEl>
-                                        <p:attrNameLst>
-                                          <p:attrName>ppt_y</p:attrName>
-                                        </p:attrNameLst>
-                                      </p:cBhvr>
-                                      <p:tavLst>
-                                        <p:tav tm="0">
-                                          <p:val>
-                                            <p:strVal val="1+#ppt_h/2"/>
-                                          </p:val>
-                                        </p:tav>
-                                        <p:tav tm="100000">
-                                          <p:val>
-                                            <p:strVal val="#ppt_y"/>
-                                          </p:val>
-                                        </p:tav>
-                                      </p:tavLst>
-                                    </p:anim>
-                                  </p:childTnLst>
-                                </p:cTn>
-                              </p:par>
-                            </p:childTnLst>
-                          </p:cTn>
-                        </p:par>
-                      </p:childTnLst>
-                    </p:cTn>
-                  </p:par>
-                </p:childTnLst>
-              </p:cTn>
-              <p:prevCondLst>
-                <p:cond evt="onPrev" delay="0">
-                  <p:tgtEl>
-                    <p:sldTgt/>
-                  </p:tgtEl>
-                </p:cond>
-              </p:prevCondLst>
-              <p:nextCondLst>
-                <p:cond evt="onNext" delay="0">
-                  <p:tgtEl>
-                    <p:sldTgt/>
-                  </p:tgtEl>
-                </p:cond>
-              </p:nextCondLst>
-            </p:seq>
-          </p:childTnLst>
-        </p:cTn>
-      </p:par>
-    </p:tnLst>
-  </p:timing>
-</p:sld>
-</file>
-
-<file path=ppt/slides/slide9.xml><?xml version="1.0" encoding="utf-8"?>
-<p:sld xmlns:a="http://schemas.openxmlformats.org/drawingml/2006/main" xmlns:r="http://schemas.openxmlformats.org/officeDocument/2006/relationships" xmlns:p="http://schemas.openxmlformats.org/presentationml/2006/main">
-  <p:cSld name="page8">
-    <p:spTree>
-      <p:nvGrpSpPr>
-        <p:cNvPr id="1" name=""/>
-        <p:cNvGrpSpPr/>
-        <p:nvPr/>
-      </p:nvGrpSpPr>
-      <p:grpSpPr>
-        <a:xfrm>
-          <a:off x="0" y="0"/>
-          <a:ext cx="0" cy="0"/>
-          <a:chOff x="0" y="0"/>
-          <a:chExt cx="0" cy="0"/>
-        </a:xfrm>
-      </p:grpSpPr>
-      <p:sp>
-        <p:nvSpPr>
-          <p:cNvPr id="2" name="TextShape 1"/>
-          <p:cNvSpPr/>
-          <p:nvPr/>
-        </p:nvSpPr>
-        <p:spPr>
-          <a:xfrm>
-            <a:off x="457200" y="274680"/>
-            <a:ext cx="8228880" cy="1142280"/>
-          </a:xfrm>
-          <a:custGeom>
-            <a:avLst/>
-            <a:gdLst>
-              <a:gd name="f0" fmla="val 0"/>
-              <a:gd name="f1" fmla="val 21600"/>
-            </a:gdLst>
-            <a:ahLst/>
-            <a:cxnLst>
-              <a:cxn ang="3cd4">
-                <a:pos x="hc" y="t"/>
-              </a:cxn>
-              <a:cxn ang="0">
-                <a:pos x="r" y="vc"/>
-              </a:cxn>
-              <a:cxn ang="cd4">
-                <a:pos x="hc" y="b"/>
-              </a:cxn>
-              <a:cxn ang="cd2">
-                <a:pos x="l" y="vc"/>
-              </a:cxn>
-            </a:cxnLst>
-            <a:rect l="l" t="t" r="r" b="b"/>
-            <a:pathLst>
-              <a:path w="21600" h="21600">
-                <a:moveTo>
-                  <a:pt x="f0" y="f0"/>
-                </a:moveTo>
-                <a:lnTo>
-                  <a:pt x="f1" y="f0"/>
-                </a:lnTo>
-                <a:lnTo>
-                  <a:pt x="f1" y="f1"/>
-                </a:lnTo>
-                <a:lnTo>
-                  <a:pt x="f0" y="f1"/>
-                </a:lnTo>
-                <a:lnTo>
-                  <a:pt x="f0" y="f0"/>
-                </a:lnTo>
-                <a:close/>
-              </a:path>
-            </a:pathLst>
-          </a:custGeom>
-          <a:noFill/>
-          <a:ln>
-            <a:noFill/>
-            <a:prstDash val="solid"/>
-          </a:ln>
-        </p:spPr>
-        <p:txBody>
-          <a:bodyPr vert="horz" wrap="square" lIns="90000" tIns="45000" rIns="90000" bIns="45000" anchor="t" compatLnSpc="0"/>
-          <a:lstStyle/>
-          <a:p>
-            <a:pPr marL="0" marR="0" lvl="0" indent="0" algn="ctr" rtl="0" hangingPunct="0">
-              <a:lnSpc>
-                <a:spcPct val="100000"/>
-              </a:lnSpc>
-              <a:spcBef>
-                <a:spcPts val="0"/>
-              </a:spcBef>
-              <a:spcAft>
-                <a:spcPts val="0"/>
-              </a:spcAft>
-              <a:buNone/>
-              <a:tabLst/>
-            </a:pPr>
-            <a:r>
-              <a:rPr lang="sv-SE" sz="4400" b="0" i="0" u="none" strike="noStrike" kern="1200" spc="0">
-                <a:ln>
-                  <a:noFill/>
-                </a:ln>
-                <a:solidFill>
-                  <a:srgbClr val="000000"/>
-                </a:solidFill>
-                <a:latin typeface="Calibri" pitchFamily="18"/>
-                <a:ea typeface="DejaVu Sans" pitchFamily="2"/>
-                <a:cs typeface="DejaVu Sans" pitchFamily="2"/>
-              </a:rPr>
-              <a:t>SOLID</a:t>
-            </a:r>
-          </a:p>
-        </p:txBody>
-      </p:sp>
-      <p:sp>
-        <p:nvSpPr>
-          <p:cNvPr id="3" name="TextShape 2"/>
-          <p:cNvSpPr/>
-          <p:nvPr/>
-        </p:nvSpPr>
-        <p:spPr>
-          <a:xfrm>
-            <a:off x="457200" y="1600200"/>
-            <a:ext cx="8228880" cy="7360559"/>
-          </a:xfrm>
-          <a:custGeom>
-            <a:avLst/>
-            <a:gdLst>
-              <a:gd name="f0" fmla="val 0"/>
-              <a:gd name="f1" fmla="val 21600"/>
-            </a:gdLst>
-            <a:ahLst/>
-            <a:cxnLst>
-              <a:cxn ang="3cd4">
-                <a:pos x="hc" y="t"/>
-              </a:cxn>
-              <a:cxn ang="0">
-                <a:pos x="r" y="vc"/>
-              </a:cxn>
-              <a:cxn ang="cd4">
-                <a:pos x="hc" y="b"/>
-              </a:cxn>
-              <a:cxn ang="cd2">
-                <a:pos x="l" y="vc"/>
-              </a:cxn>
-            </a:cxnLst>
-            <a:rect l="l" t="t" r="r" b="b"/>
-            <a:pathLst>
-              <a:path w="21600" h="21600">
-                <a:moveTo>
-                  <a:pt x="f0" y="f0"/>
-                </a:moveTo>
-                <a:lnTo>
-                  <a:pt x="f1" y="f0"/>
-                </a:lnTo>
-                <a:lnTo>
-                  <a:pt x="f1" y="f1"/>
-                </a:lnTo>
-                <a:lnTo>
-                  <a:pt x="f0" y="f1"/>
-                </a:lnTo>
-                <a:lnTo>
-                  <a:pt x="f0" y="f0"/>
-                </a:lnTo>
-                <a:close/>
-              </a:path>
-            </a:pathLst>
-          </a:custGeom>
-          <a:noFill/>
-          <a:ln>
-            <a:noFill/>
-            <a:prstDash val="solid"/>
-          </a:ln>
-        </p:spPr>
-        <p:txBody>
-          <a:bodyPr vert="horz" wrap="square" lIns="90000" tIns="45000" rIns="90000" bIns="45000" anchor="t" compatLnSpc="0"/>
-          <a:lstStyle/>
-          <a:p>
-            <a:pPr marL="0" marR="0" lvl="0" indent="0" rtl="0" hangingPunct="0">
-              <a:lnSpc>
-                <a:spcPct val="100000"/>
-              </a:lnSpc>
-              <a:spcBef>
-                <a:spcPts val="0"/>
-              </a:spcBef>
-              <a:spcAft>
-                <a:spcPts val="0"/>
-              </a:spcAft>
-              <a:buNone/>
-              <a:tabLst/>
-            </a:pPr>
-            <a:r>
-              <a:rPr lang="sv-SE" sz="1800" b="0" i="0" u="none" strike="noStrike" kern="1200" spc="0">
-                <a:ln>
-                  <a:noFill/>
-                </a:ln>
-                <a:latin typeface="Arial" pitchFamily="18"/>
-                <a:ea typeface="DejaVu Sans" pitchFamily="2"/>
-                <a:cs typeface="DejaVu Sans" pitchFamily="2"/>
-              </a:rPr>
-              <a:t>The </a:t>
-            </a:r>
-            <a:r>
-              <a:rPr lang="sv-SE" sz="1800" b="0" i="0" u="sng" strike="noStrike" kern="1200" spc="0">
-                <a:ln>
-                  <a:noFill/>
-                </a:ln>
-                <a:uFillTx/>
-                <a:latin typeface="Arial" pitchFamily="18"/>
-                <a:ea typeface="DejaVu Sans" pitchFamily="2"/>
-                <a:cs typeface="DejaVu Sans" pitchFamily="2"/>
-              </a:rPr>
-              <a:t>S</a:t>
-            </a:r>
-            <a:r>
-              <a:rPr lang="sv-SE" sz="1800" b="0" i="0" u="none" strike="noStrike" kern="1200" spc="0">
-                <a:ln>
-                  <a:noFill/>
-                </a:ln>
-                <a:latin typeface="Arial" pitchFamily="18"/>
-                <a:ea typeface="DejaVu Sans" pitchFamily="2"/>
-                <a:cs typeface="DejaVu Sans" pitchFamily="2"/>
-              </a:rPr>
-              <a:t>ingle Responsibility Principle</a:t>
-            </a:r>
-          </a:p>
-          <a:p>
-            <a:pPr marL="0" marR="0" lvl="0" indent="0" rtl="0" hangingPunct="0">
-              <a:lnSpc>
-                <a:spcPct val="100000"/>
-              </a:lnSpc>
-              <a:spcBef>
-                <a:spcPts val="0"/>
-              </a:spcBef>
-              <a:spcAft>
-                <a:spcPts val="0"/>
-              </a:spcAft>
-              <a:buNone/>
-              <a:tabLst/>
-            </a:pPr>
-            <a:r>
-              <a:rPr lang="sv-SE" sz="1800" b="0" i="0" u="none" strike="noStrike" kern="1200" spc="0">
-                <a:ln>
-                  <a:noFill/>
-                </a:ln>
-                <a:solidFill>
-                  <a:srgbClr val="1F497D"/>
-                </a:solidFill>
-                <a:latin typeface="Arial" pitchFamily="18"/>
-                <a:ea typeface="DejaVu Sans" pitchFamily="2"/>
-                <a:cs typeface="DejaVu Sans" pitchFamily="2"/>
-              </a:rPr>
-              <a:t>Software entities* should have only one reason to change</a:t>
-            </a:r>
-          </a:p>
-          <a:p>
-            <a:pPr marL="0" marR="0" lvl="0" indent="0" rtl="0" hangingPunct="0">
-              <a:lnSpc>
-                <a:spcPct val="100000"/>
-              </a:lnSpc>
-              <a:spcBef>
-                <a:spcPts val="0"/>
-              </a:spcBef>
-              <a:spcAft>
-                <a:spcPts val="0"/>
-              </a:spcAft>
-              <a:buNone/>
-              <a:tabLst/>
-            </a:pPr>
-            <a:r>
-              <a:rPr lang="sv-SE" sz="2600" b="0" i="0" u="none" strike="noStrike" kern="1200" spc="0">
-                <a:ln>
-                  <a:noFill/>
-                </a:ln>
-                <a:solidFill>
-                  <a:srgbClr val="1F497D"/>
-                </a:solidFill>
-                <a:latin typeface="Arial" pitchFamily="18"/>
-                <a:ea typeface="DejaVu Sans" pitchFamily="2"/>
-                <a:cs typeface="DejaVu Sans" pitchFamily="2"/>
-              </a:rPr>
-              <a:t>*</a:t>
-            </a:r>
-            <a:r>
-              <a:rPr lang="sv-SE" sz="2200" b="0" i="0" u="none" strike="noStrike" kern="1200" spc="0">
-                <a:ln>
-                  <a:noFill/>
-                </a:ln>
-                <a:solidFill>
-                  <a:srgbClr val="1F497D"/>
-                </a:solidFill>
-                <a:latin typeface="Arial" pitchFamily="18"/>
-                <a:ea typeface="DejaVu Sans" pitchFamily="2"/>
-                <a:cs typeface="DejaVu Sans" pitchFamily="2"/>
-              </a:rPr>
-              <a:t>classes, interfaces, functions, etc</a:t>
-            </a:r>
-          </a:p>
-          <a:p>
-            <a:pPr marL="0" marR="0" lvl="0" indent="0" rtl="0" hangingPunct="0">
-              <a:lnSpc>
-                <a:spcPct val="100000"/>
-              </a:lnSpc>
-              <a:spcBef>
-                <a:spcPts val="0"/>
-              </a:spcBef>
-              <a:spcAft>
-                <a:spcPts val="0"/>
-              </a:spcAft>
-              <a:buNone/>
-              <a:tabLst/>
-            </a:pPr>
-            <a:r>
-              <a:rPr lang="sv-SE" sz="2200" b="0" i="0" u="none" strike="noStrike" kern="1200" spc="0">
-                <a:ln>
-                  <a:noFill/>
-                </a:ln>
-                <a:solidFill>
-                  <a:srgbClr val="1F497D"/>
-                </a:solidFill>
-                <a:latin typeface="Arial" pitchFamily="18"/>
-                <a:ea typeface="DejaVu Sans" pitchFamily="2"/>
-                <a:cs typeface="DejaVu Sans" pitchFamily="2"/>
-              </a:rPr>
-              <a:t>The </a:t>
-            </a:r>
-            <a:r>
-              <a:rPr lang="sv-SE" sz="2200" b="0" i="0" u="sng" strike="noStrike" kern="1200" spc="0">
-                <a:ln>
-                  <a:noFill/>
-                </a:ln>
-                <a:solidFill>
-                  <a:srgbClr val="1F497D"/>
-                </a:solidFill>
-                <a:uFillTx/>
-                <a:latin typeface="Arial" pitchFamily="18"/>
-                <a:ea typeface="DejaVu Sans" pitchFamily="2"/>
-                <a:cs typeface="DejaVu Sans" pitchFamily="2"/>
-              </a:rPr>
-              <a:t>O</a:t>
-            </a:r>
-            <a:r>
-              <a:rPr lang="sv-SE" sz="2200" b="0" i="0" u="none" strike="noStrike" kern="1200" spc="0">
-                <a:ln>
-                  <a:noFill/>
-                </a:ln>
-                <a:solidFill>
-                  <a:srgbClr val="1F497D"/>
-                </a:solidFill>
-                <a:latin typeface="Arial" pitchFamily="18"/>
-                <a:ea typeface="DejaVu Sans" pitchFamily="2"/>
-                <a:cs typeface="DejaVu Sans" pitchFamily="2"/>
-              </a:rPr>
-              <a:t>pen Closed Principle</a:t>
-            </a:r>
-          </a:p>
-          <a:p>
-            <a:pPr marL="0" marR="0" lvl="0" indent="0" rtl="0" hangingPunct="0">
-              <a:lnSpc>
-                <a:spcPct val="100000"/>
-              </a:lnSpc>
-              <a:spcBef>
-                <a:spcPts val="0"/>
-              </a:spcBef>
-              <a:spcAft>
-                <a:spcPts val="0"/>
-              </a:spcAft>
-              <a:buNone/>
-              <a:tabLst/>
-            </a:pPr>
-            <a:r>
-              <a:rPr lang="sv-SE" sz="2200" b="0" i="0" u="none" strike="noStrike" kern="1200" spc="0">
-                <a:ln>
-                  <a:noFill/>
-                </a:ln>
-                <a:solidFill>
-                  <a:srgbClr val="1F497D"/>
-                </a:solidFill>
-                <a:latin typeface="Arial" pitchFamily="18"/>
-                <a:ea typeface="DejaVu Sans" pitchFamily="2"/>
-                <a:cs typeface="DejaVu Sans" pitchFamily="2"/>
-              </a:rPr>
-              <a:t>Software entities should be open for extension but closed for modification</a:t>
-            </a:r>
-          </a:p>
-          <a:p>
-            <a:pPr marL="0" marR="0" lvl="0" indent="0" rtl="0" hangingPunct="0">
-              <a:lnSpc>
-                <a:spcPct val="100000"/>
-              </a:lnSpc>
-              <a:spcBef>
-                <a:spcPts val="0"/>
-              </a:spcBef>
-              <a:spcAft>
-                <a:spcPts val="0"/>
-              </a:spcAft>
-              <a:buNone/>
-              <a:tabLst/>
-            </a:pPr>
-            <a:r>
-              <a:rPr lang="sv-SE" sz="2200" b="0" i="0" u="none" strike="noStrike" kern="1200" spc="0">
-                <a:ln>
-                  <a:noFill/>
-                </a:ln>
-                <a:solidFill>
-                  <a:srgbClr val="1F497D"/>
-                </a:solidFill>
-                <a:latin typeface="Arial" pitchFamily="18"/>
-                <a:ea typeface="DejaVu Sans" pitchFamily="2"/>
-                <a:cs typeface="DejaVu Sans" pitchFamily="2"/>
-              </a:rPr>
-              <a:t>The </a:t>
-            </a:r>
-            <a:r>
-              <a:rPr lang="sv-SE" sz="2200" b="0" i="0" u="sng" strike="noStrike" kern="1200" spc="0">
-                <a:ln>
-                  <a:noFill/>
-                </a:ln>
-                <a:solidFill>
-                  <a:srgbClr val="1F497D"/>
-                </a:solidFill>
-                <a:uFillTx/>
-                <a:latin typeface="Arial" pitchFamily="18"/>
-                <a:ea typeface="DejaVu Sans" pitchFamily="2"/>
-                <a:cs typeface="DejaVu Sans" pitchFamily="2"/>
-              </a:rPr>
-              <a:t>L</a:t>
-            </a:r>
-            <a:r>
-              <a:rPr lang="sv-SE" sz="2200" b="0" i="0" u="none" strike="noStrike" kern="1200" spc="0">
-                <a:ln>
-                  <a:noFill/>
-                </a:ln>
-                <a:solidFill>
-                  <a:srgbClr val="1F497D"/>
-                </a:solidFill>
-                <a:latin typeface="Arial" pitchFamily="18"/>
-                <a:ea typeface="DejaVu Sans" pitchFamily="2"/>
-                <a:cs typeface="DejaVu Sans" pitchFamily="2"/>
-              </a:rPr>
-              <a:t>iskov Substitution Principle</a:t>
-            </a:r>
-          </a:p>
-          <a:p>
-            <a:pPr marL="0" marR="0" lvl="0" indent="0" rtl="0" hangingPunct="0">
-              <a:lnSpc>
-                <a:spcPct val="100000"/>
-              </a:lnSpc>
-              <a:spcBef>
-                <a:spcPts val="0"/>
-              </a:spcBef>
-              <a:spcAft>
-                <a:spcPts val="0"/>
-              </a:spcAft>
-              <a:buNone/>
-              <a:tabLst/>
-            </a:pPr>
-            <a:r>
-              <a:rPr lang="sv-SE" sz="2200" b="0" i="0" u="none" strike="noStrike" kern="1200" spc="0">
-                <a:ln>
-                  <a:noFill/>
-                </a:ln>
-                <a:solidFill>
-                  <a:srgbClr val="1F497D"/>
-                </a:solidFill>
-                <a:latin typeface="Arial" pitchFamily="18"/>
-                <a:ea typeface="DejaVu Sans" pitchFamily="2"/>
-                <a:cs typeface="DejaVu Sans" pitchFamily="2"/>
-              </a:rPr>
-              <a:t>Derived classes must be substitutable for their base classes/interfaces</a:t>
-            </a:r>
-          </a:p>
-          <a:p>
-            <a:pPr marL="0" marR="0" lvl="0" indent="0" rtl="0" hangingPunct="0">
-              <a:lnSpc>
-                <a:spcPct val="100000"/>
-              </a:lnSpc>
-              <a:spcBef>
-                <a:spcPts val="0"/>
-              </a:spcBef>
-              <a:spcAft>
-                <a:spcPts val="0"/>
-              </a:spcAft>
-              <a:buNone/>
-              <a:tabLst/>
-            </a:pPr>
-            <a:r>
-              <a:rPr lang="sv-SE" sz="2200" b="0" i="0" u="none" strike="noStrike" kern="1200" spc="0">
-                <a:ln>
-                  <a:noFill/>
-                </a:ln>
-                <a:solidFill>
-                  <a:srgbClr val="1F497D"/>
-                </a:solidFill>
-                <a:latin typeface="Arial" pitchFamily="18"/>
-                <a:ea typeface="DejaVu Sans" pitchFamily="2"/>
-                <a:cs typeface="DejaVu Sans" pitchFamily="2"/>
-              </a:rPr>
-              <a:t>The </a:t>
-            </a:r>
-            <a:r>
-              <a:rPr lang="sv-SE" sz="2200" b="0" i="0" u="sng" strike="noStrike" kern="1200" spc="0">
-                <a:ln>
-                  <a:noFill/>
-                </a:ln>
-                <a:solidFill>
-                  <a:srgbClr val="1F497D"/>
-                </a:solidFill>
-                <a:uFillTx/>
-                <a:latin typeface="Arial" pitchFamily="18"/>
-                <a:ea typeface="DejaVu Sans" pitchFamily="2"/>
-                <a:cs typeface="DejaVu Sans" pitchFamily="2"/>
-              </a:rPr>
-              <a:t>I</a:t>
-            </a:r>
-            <a:r>
-              <a:rPr lang="sv-SE" sz="2200" b="0" i="0" u="none" strike="noStrike" kern="1200" spc="0">
-                <a:ln>
-                  <a:noFill/>
-                </a:ln>
-                <a:solidFill>
-                  <a:srgbClr val="1F497D"/>
-                </a:solidFill>
-                <a:latin typeface="Arial" pitchFamily="18"/>
-                <a:ea typeface="DejaVu Sans" pitchFamily="2"/>
-                <a:cs typeface="DejaVu Sans" pitchFamily="2"/>
-              </a:rPr>
-              <a:t>nterface Segregation Principle</a:t>
-            </a:r>
-          </a:p>
-          <a:p>
-            <a:pPr marL="0" marR="0" lvl="0" indent="0" rtl="0" hangingPunct="0">
-              <a:lnSpc>
-                <a:spcPct val="100000"/>
-              </a:lnSpc>
-              <a:spcBef>
-                <a:spcPts val="0"/>
-              </a:spcBef>
-              <a:spcAft>
-                <a:spcPts val="0"/>
-              </a:spcAft>
-              <a:buNone/>
-              <a:tabLst/>
-            </a:pPr>
-            <a:r>
-              <a:rPr lang="sv-SE" sz="2200" b="0" i="0" u="none" strike="noStrike" kern="1200" spc="0">
-                <a:ln>
-                  <a:noFill/>
-                </a:ln>
-                <a:solidFill>
-                  <a:srgbClr val="1F497D"/>
-                </a:solidFill>
-                <a:latin typeface="Arial" pitchFamily="18"/>
-                <a:ea typeface="DejaVu Sans" pitchFamily="2"/>
-                <a:cs typeface="DejaVu Sans" pitchFamily="2"/>
-              </a:rPr>
-              <a:t>Clients should not be forced to depend on methods they do not use</a:t>
-            </a:r>
-          </a:p>
-          <a:p>
-            <a:pPr marL="0" marR="0" lvl="0" indent="0" rtl="0" hangingPunct="0">
-              <a:lnSpc>
-                <a:spcPct val="100000"/>
-              </a:lnSpc>
-              <a:spcBef>
-                <a:spcPts val="0"/>
-              </a:spcBef>
-              <a:spcAft>
-                <a:spcPts val="0"/>
-              </a:spcAft>
-              <a:buNone/>
-              <a:tabLst/>
-            </a:pPr>
-            <a:r>
-              <a:rPr lang="sv-SE" sz="2200" b="0" i="0" u="none" strike="noStrike" kern="1200" spc="0">
-                <a:ln>
-                  <a:noFill/>
-                </a:ln>
-                <a:solidFill>
-                  <a:srgbClr val="1F497D"/>
-                </a:solidFill>
-                <a:latin typeface="Arial" pitchFamily="18"/>
-                <a:ea typeface="DejaVu Sans" pitchFamily="2"/>
-                <a:cs typeface="DejaVu Sans" pitchFamily="2"/>
-              </a:rPr>
-              <a:t>The </a:t>
-            </a:r>
-            <a:r>
-              <a:rPr lang="sv-SE" sz="2200" b="0" i="0" u="sng" strike="noStrike" kern="1200" spc="0">
-                <a:ln>
-                  <a:noFill/>
-                </a:ln>
-                <a:solidFill>
-                  <a:srgbClr val="1F497D"/>
-                </a:solidFill>
-                <a:uFillTx/>
-                <a:latin typeface="Arial" pitchFamily="18"/>
-                <a:ea typeface="DejaVu Sans" pitchFamily="2"/>
-                <a:cs typeface="DejaVu Sans" pitchFamily="2"/>
-              </a:rPr>
-              <a:t>D</a:t>
-            </a:r>
-            <a:r>
-              <a:rPr lang="sv-SE" sz="2200" b="0" i="0" u="none" strike="noStrike" kern="1200" spc="0">
-                <a:ln>
-                  <a:noFill/>
-                </a:ln>
-                <a:solidFill>
-                  <a:srgbClr val="1F497D"/>
-                </a:solidFill>
-                <a:latin typeface="Arial" pitchFamily="18"/>
-                <a:ea typeface="DejaVu Sans" pitchFamily="2"/>
-                <a:cs typeface="DejaVu Sans" pitchFamily="2"/>
-              </a:rPr>
-              <a:t>ependency Inversion Principle</a:t>
-            </a:r>
-          </a:p>
-          <a:p>
-            <a:pPr marL="0" marR="0" lvl="0" indent="0" rtl="0" hangingPunct="0">
-              <a:lnSpc>
-                <a:spcPct val="100000"/>
-              </a:lnSpc>
-              <a:spcBef>
-                <a:spcPts val="0"/>
-              </a:spcBef>
-              <a:spcAft>
-                <a:spcPts val="0"/>
-              </a:spcAft>
-              <a:buNone/>
-              <a:tabLst/>
-            </a:pPr>
-            <a:r>
-              <a:rPr lang="sv-SE" sz="2200" b="0" i="0" u="none" strike="noStrike" kern="1200" spc="0">
-                <a:ln>
-                  <a:noFill/>
-                </a:ln>
-                <a:solidFill>
-                  <a:srgbClr val="1F497D"/>
-                </a:solidFill>
-                <a:latin typeface="Arial" pitchFamily="18"/>
-                <a:ea typeface="DejaVu Sans" pitchFamily="2"/>
-                <a:cs typeface="DejaVu Sans" pitchFamily="2"/>
-              </a:rPr>
-              <a:t>High level modules should not depend on low level modules. Both should depend on abstractions.</a:t>
-            </a:r>
-          </a:p>
-          <a:p>
-            <a:pPr marL="0" marR="0" lvl="0" indent="0" rtl="0" hangingPunct="0">
-              <a:lnSpc>
-                <a:spcPct val="100000"/>
-              </a:lnSpc>
-              <a:spcBef>
-                <a:spcPts val="0"/>
-              </a:spcBef>
-              <a:spcAft>
-                <a:spcPts val="0"/>
-              </a:spcAft>
-              <a:buNone/>
-              <a:tabLst/>
-            </a:pPr>
-            <a:r>
-              <a:rPr lang="sv-SE" sz="2200" b="0" i="0" u="none" strike="noStrike" kern="1200" spc="0">
-                <a:ln>
-                  <a:noFill/>
-                </a:ln>
-                <a:solidFill>
-                  <a:srgbClr val="1F497D"/>
-                </a:solidFill>
-                <a:latin typeface="Arial" pitchFamily="18"/>
-                <a:ea typeface="DejaVu Sans" pitchFamily="2"/>
-                <a:cs typeface="DejaVu Sans" pitchFamily="2"/>
-              </a:rPr>
-              <a:t>Abstractions should not depend on details. Details should depend on abstractions</a:t>
-            </a:r>
-          </a:p>
-        </p:txBody>
-      </p:sp>
-    </p:spTree>
-  </p:cSld>
-  <p:clrMapOvr>
-    <a:masterClrMapping/>
-  </p:clrMapOvr>
-  <p:transition>
-    <p:wipe/>
-  </p:transition>
   <p:timing>
     <p:tnLst>
       <p:par>

--- a/FSharp2.pptx
+++ b/FSharp2.pptx
@@ -6,24 +6,25 @@
     <p:sldMasterId id="2147483660" r:id="rId2"/>
   </p:sldMasterIdLst>
   <p:notesMasterIdLst>
-    <p:notesMasterId r:id="rId15"/>
+    <p:notesMasterId r:id="rId16"/>
   </p:notesMasterIdLst>
   <p:handoutMasterIdLst>
-    <p:handoutMasterId r:id="rId16"/>
+    <p:handoutMasterId r:id="rId17"/>
   </p:handoutMasterIdLst>
   <p:sldIdLst>
     <p:sldId id="256" r:id="rId3"/>
-    <p:sldId id="267" r:id="rId4"/>
-    <p:sldId id="271" r:id="rId5"/>
-    <p:sldId id="257" r:id="rId6"/>
-    <p:sldId id="258" r:id="rId7"/>
-    <p:sldId id="259" r:id="rId8"/>
-    <p:sldId id="260" r:id="rId9"/>
-    <p:sldId id="263" r:id="rId10"/>
-    <p:sldId id="264" r:id="rId11"/>
-    <p:sldId id="265" r:id="rId12"/>
-    <p:sldId id="269" r:id="rId13"/>
-    <p:sldId id="270" r:id="rId14"/>
+    <p:sldId id="257" r:id="rId4"/>
+    <p:sldId id="267" r:id="rId5"/>
+    <p:sldId id="274" r:id="rId6"/>
+    <p:sldId id="275" r:id="rId7"/>
+    <p:sldId id="272" r:id="rId8"/>
+    <p:sldId id="273" r:id="rId9"/>
+    <p:sldId id="260" r:id="rId10"/>
+    <p:sldId id="263" r:id="rId11"/>
+    <p:sldId id="264" r:id="rId12"/>
+    <p:sldId id="265" r:id="rId13"/>
+    <p:sldId id="269" r:id="rId14"/>
+    <p:sldId id="270" r:id="rId15"/>
   </p:sldIdLst>
   <p:sldSz cx="9144000" cy="6858000" type="screen4x3"/>
   <p:notesSz cx="6858000" cy="9144000"/>
@@ -987,160 +988,6 @@
       </p:grpSpPr>
       <p:sp>
         <p:nvSpPr>
-          <p:cNvPr id="2" name="Slide Image Placeholder 1"/>
-          <p:cNvSpPr>
-            <a:spLocks noGrp="1" noRot="1" noChangeAspect="1" noResize="1"/>
-          </p:cNvSpPr>
-          <p:nvPr>
-            <p:ph type="sldImg"/>
-          </p:nvPr>
-        </p:nvSpPr>
-        <p:spPr>
-          <a:xfrm>
-            <a:off x="1144588" y="695325"/>
-            <a:ext cx="4568825" cy="3427413"/>
-          </a:xfrm>
-          <a:solidFill>
-            <a:schemeClr val="accent1"/>
-          </a:solidFill>
-          <a:ln w="25400">
-            <a:solidFill>
-              <a:schemeClr val="accent1">
-                <a:shade val="50000"/>
-              </a:schemeClr>
-            </a:solidFill>
-            <a:prstDash val="solid"/>
-          </a:ln>
-        </p:spPr>
-      </p:sp>
-      <p:sp>
-        <p:nvSpPr>
-          <p:cNvPr id="3" name="Notes Placeholder 2"/>
-          <p:cNvSpPr txBox="1">
-            <a:spLocks noGrp="1"/>
-          </p:cNvSpPr>
-          <p:nvPr>
-            <p:ph type="body" sz="quarter" idx="1"/>
-          </p:nvPr>
-        </p:nvSpPr>
-        <p:spPr>
-          <a:xfrm>
-            <a:off x="685799" y="4343400"/>
-            <a:ext cx="5486040" cy="4114800"/>
-          </a:xfrm>
-        </p:spPr>
-        <p:txBody>
-          <a:bodyPr/>
-          <a:lstStyle/>
-          <a:p>
-            <a:endParaRPr lang="sv-SE"/>
-          </a:p>
-        </p:txBody>
-      </p:sp>
-    </p:spTree>
-  </p:cSld>
-  <p:clrMapOvr>
-    <a:masterClrMapping/>
-  </p:clrMapOvr>
-</p:notes>
-</file>
-
-<file path=ppt/notesSlides/notesSlide5.xml><?xml version="1.0" encoding="utf-8"?>
-<p:notes xmlns:a="http://schemas.openxmlformats.org/drawingml/2006/main" xmlns:r="http://schemas.openxmlformats.org/officeDocument/2006/relationships" xmlns:p="http://schemas.openxmlformats.org/presentationml/2006/main">
-  <p:cSld>
-    <p:spTree>
-      <p:nvGrpSpPr>
-        <p:cNvPr id="1" name=""/>
-        <p:cNvGrpSpPr/>
-        <p:nvPr/>
-      </p:nvGrpSpPr>
-      <p:grpSpPr>
-        <a:xfrm>
-          <a:off x="0" y="0"/>
-          <a:ext cx="0" cy="0"/>
-          <a:chOff x="0" y="0"/>
-          <a:chExt cx="0" cy="0"/>
-        </a:xfrm>
-      </p:grpSpPr>
-      <p:sp>
-        <p:nvSpPr>
-          <p:cNvPr id="2" name="Slide Image Placeholder 1"/>
-          <p:cNvSpPr>
-            <a:spLocks noGrp="1" noRot="1" noChangeAspect="1" noResize="1"/>
-          </p:cNvSpPr>
-          <p:nvPr>
-            <p:ph type="sldImg"/>
-          </p:nvPr>
-        </p:nvSpPr>
-        <p:spPr>
-          <a:xfrm>
-            <a:off x="1144588" y="695325"/>
-            <a:ext cx="4568825" cy="3427413"/>
-          </a:xfrm>
-          <a:solidFill>
-            <a:schemeClr val="accent1"/>
-          </a:solidFill>
-          <a:ln w="25400">
-            <a:solidFill>
-              <a:schemeClr val="accent1">
-                <a:shade val="50000"/>
-              </a:schemeClr>
-            </a:solidFill>
-            <a:prstDash val="solid"/>
-          </a:ln>
-        </p:spPr>
-      </p:sp>
-      <p:sp>
-        <p:nvSpPr>
-          <p:cNvPr id="3" name="Notes Placeholder 2"/>
-          <p:cNvSpPr txBox="1">
-            <a:spLocks noGrp="1"/>
-          </p:cNvSpPr>
-          <p:nvPr>
-            <p:ph type="body" sz="quarter" idx="1"/>
-          </p:nvPr>
-        </p:nvSpPr>
-        <p:spPr>
-          <a:xfrm>
-            <a:off x="685799" y="4343400"/>
-            <a:ext cx="5486040" cy="4114800"/>
-          </a:xfrm>
-        </p:spPr>
-        <p:txBody>
-          <a:bodyPr/>
-          <a:lstStyle/>
-          <a:p>
-            <a:endParaRPr lang="sv-SE"/>
-          </a:p>
-        </p:txBody>
-      </p:sp>
-    </p:spTree>
-  </p:cSld>
-  <p:clrMapOvr>
-    <a:masterClrMapping/>
-  </p:clrMapOvr>
-</p:notes>
-</file>
-
-<file path=ppt/notesSlides/notesSlide6.xml><?xml version="1.0" encoding="utf-8"?>
-<p:notes xmlns:a="http://schemas.openxmlformats.org/drawingml/2006/main" xmlns:r="http://schemas.openxmlformats.org/officeDocument/2006/relationships" xmlns:p="http://schemas.openxmlformats.org/presentationml/2006/main">
-  <p:cSld>
-    <p:spTree>
-      <p:nvGrpSpPr>
-        <p:cNvPr id="1" name=""/>
-        <p:cNvGrpSpPr/>
-        <p:nvPr/>
-      </p:nvGrpSpPr>
-      <p:grpSpPr>
-        <a:xfrm>
-          <a:off x="0" y="0"/>
-          <a:ext cx="0" cy="0"/>
-          <a:chOff x="0" y="0"/>
-          <a:chExt cx="0" cy="0"/>
-        </a:xfrm>
-      </p:grpSpPr>
-      <p:sp>
-        <p:nvSpPr>
           <p:cNvPr id="2" name="PlaceHolder 1"/>
           <p:cNvSpPr txBox="1">
             <a:spLocks noGrp="1"/>
@@ -1241,7 +1088,7 @@
               <a:tabLst/>
             </a:pPr>
             <a:fld id="{FCA4BF4E-6373-420E-A126-13CB492A8AC1}" type="slidenum">
-              <a:t>8</a:t>
+              <a:t>9</a:t>
             </a:fld>
             <a:endParaRPr lang="sv-SE" sz="1800" b="0" i="0" u="none" strike="noStrike" kern="1200" spc="0">
               <a:ln>
@@ -1265,7 +1112,7 @@
 </p:notes>
 </file>
 
-<file path=ppt/notesSlides/notesSlide7.xml><?xml version="1.0" encoding="utf-8"?>
+<file path=ppt/notesSlides/notesSlide5.xml><?xml version="1.0" encoding="utf-8"?>
 <p:notes xmlns:a="http://schemas.openxmlformats.org/drawingml/2006/main" xmlns:r="http://schemas.openxmlformats.org/officeDocument/2006/relationships" xmlns:p="http://schemas.openxmlformats.org/presentationml/2006/main">
   <p:cSld>
     <p:spTree>
@@ -1342,7 +1189,7 @@
 </p:notes>
 </file>
 
-<file path=ppt/notesSlides/notesSlide8.xml><?xml version="1.0" encoding="utf-8"?>
+<file path=ppt/notesSlides/notesSlide6.xml><?xml version="1.0" encoding="utf-8"?>
 <p:notes xmlns:a="http://schemas.openxmlformats.org/drawingml/2006/main" xmlns:r="http://schemas.openxmlformats.org/officeDocument/2006/relationships" xmlns:p="http://schemas.openxmlformats.org/presentationml/2006/main">
   <p:cSld>
     <p:spTree>
@@ -6273,6 +6120,565 @@
 
 <file path=ppt/slides/slide10.xml><?xml version="1.0" encoding="utf-8"?>
 <p:sld xmlns:a="http://schemas.openxmlformats.org/drawingml/2006/main" xmlns:r="http://schemas.openxmlformats.org/officeDocument/2006/relationships" xmlns:p="http://schemas.openxmlformats.org/presentationml/2006/main">
+  <p:cSld name="page9">
+    <p:spTree>
+      <p:nvGrpSpPr>
+        <p:cNvPr id="1" name=""/>
+        <p:cNvGrpSpPr/>
+        <p:nvPr/>
+      </p:nvGrpSpPr>
+      <p:grpSpPr>
+        <a:xfrm>
+          <a:off x="0" y="0"/>
+          <a:ext cx="0" cy="0"/>
+          <a:chOff x="0" y="0"/>
+          <a:chExt cx="0" cy="0"/>
+        </a:xfrm>
+      </p:grpSpPr>
+      <p:sp>
+        <p:nvSpPr>
+          <p:cNvPr id="2" name="TextShape 1"/>
+          <p:cNvSpPr/>
+          <p:nvPr/>
+        </p:nvSpPr>
+        <p:spPr>
+          <a:xfrm>
+            <a:off x="457200" y="274680"/>
+            <a:ext cx="8228880" cy="1142280"/>
+          </a:xfrm>
+          <a:custGeom>
+            <a:avLst/>
+            <a:gdLst>
+              <a:gd name="f0" fmla="val 0"/>
+              <a:gd name="f1" fmla="val 21600"/>
+            </a:gdLst>
+            <a:ahLst/>
+            <a:cxnLst>
+              <a:cxn ang="3cd4">
+                <a:pos x="hc" y="t"/>
+              </a:cxn>
+              <a:cxn ang="0">
+                <a:pos x="r" y="vc"/>
+              </a:cxn>
+              <a:cxn ang="cd4">
+                <a:pos x="hc" y="b"/>
+              </a:cxn>
+              <a:cxn ang="cd2">
+                <a:pos x="l" y="vc"/>
+              </a:cxn>
+            </a:cxnLst>
+            <a:rect l="l" t="t" r="r" b="b"/>
+            <a:pathLst>
+              <a:path w="21600" h="21600">
+                <a:moveTo>
+                  <a:pt x="f0" y="f0"/>
+                </a:moveTo>
+                <a:lnTo>
+                  <a:pt x="f1" y="f0"/>
+                </a:lnTo>
+                <a:lnTo>
+                  <a:pt x="f1" y="f1"/>
+                </a:lnTo>
+                <a:lnTo>
+                  <a:pt x="f0" y="f1"/>
+                </a:lnTo>
+                <a:lnTo>
+                  <a:pt x="f0" y="f0"/>
+                </a:lnTo>
+                <a:close/>
+              </a:path>
+            </a:pathLst>
+          </a:custGeom>
+          <a:noFill/>
+          <a:ln>
+            <a:noFill/>
+            <a:prstDash val="solid"/>
+          </a:ln>
+        </p:spPr>
+        <p:txBody>
+          <a:bodyPr vert="horz" wrap="square" lIns="90000" tIns="45000" rIns="90000" bIns="45000" anchor="t" compatLnSpc="0"/>
+          <a:lstStyle/>
+          <a:p>
+            <a:pPr marL="0" marR="0" lvl="0" indent="0" algn="ctr" rtl="0" hangingPunct="0">
+              <a:lnSpc>
+                <a:spcPct val="100000"/>
+              </a:lnSpc>
+              <a:spcBef>
+                <a:spcPts val="0"/>
+              </a:spcBef>
+              <a:spcAft>
+                <a:spcPts val="0"/>
+              </a:spcAft>
+              <a:buNone/>
+              <a:tabLst/>
+            </a:pPr>
+            <a:r>
+              <a:rPr lang="sv-SE" sz="4400" b="0" i="0" u="none" strike="noStrike" kern="1200" spc="0">
+                <a:ln>
+                  <a:noFill/>
+                </a:ln>
+                <a:solidFill>
+                  <a:srgbClr val="000000"/>
+                </a:solidFill>
+                <a:latin typeface="Calibri" pitchFamily="18"/>
+                <a:ea typeface="DejaVu Sans" pitchFamily="2"/>
+                <a:cs typeface="DejaVu Sans" pitchFamily="2"/>
+              </a:rPr>
+              <a:t>Composability, OO, FP, Generics</a:t>
+            </a:r>
+          </a:p>
+        </p:txBody>
+      </p:sp>
+      <p:sp>
+        <p:nvSpPr>
+          <p:cNvPr id="3" name="TextShape 2"/>
+          <p:cNvSpPr/>
+          <p:nvPr/>
+        </p:nvSpPr>
+        <p:spPr>
+          <a:xfrm>
+            <a:off x="457200" y="1600200"/>
+            <a:ext cx="8228880" cy="8841600"/>
+          </a:xfrm>
+          <a:custGeom>
+            <a:avLst/>
+            <a:gdLst>
+              <a:gd name="f0" fmla="val 0"/>
+              <a:gd name="f1" fmla="val 21600"/>
+            </a:gdLst>
+            <a:ahLst/>
+            <a:cxnLst>
+              <a:cxn ang="3cd4">
+                <a:pos x="hc" y="t"/>
+              </a:cxn>
+              <a:cxn ang="0">
+                <a:pos x="r" y="vc"/>
+              </a:cxn>
+              <a:cxn ang="cd4">
+                <a:pos x="hc" y="b"/>
+              </a:cxn>
+              <a:cxn ang="cd2">
+                <a:pos x="l" y="vc"/>
+              </a:cxn>
+            </a:cxnLst>
+            <a:rect l="l" t="t" r="r" b="b"/>
+            <a:pathLst>
+              <a:path w="21600" h="21600">
+                <a:moveTo>
+                  <a:pt x="f0" y="f0"/>
+                </a:moveTo>
+                <a:lnTo>
+                  <a:pt x="f1" y="f0"/>
+                </a:lnTo>
+                <a:lnTo>
+                  <a:pt x="f1" y="f1"/>
+                </a:lnTo>
+                <a:lnTo>
+                  <a:pt x="f0" y="f1"/>
+                </a:lnTo>
+                <a:lnTo>
+                  <a:pt x="f0" y="f0"/>
+                </a:lnTo>
+                <a:close/>
+              </a:path>
+            </a:pathLst>
+          </a:custGeom>
+          <a:noFill/>
+          <a:ln>
+            <a:noFill/>
+            <a:prstDash val="solid"/>
+          </a:ln>
+        </p:spPr>
+        <p:txBody>
+          <a:bodyPr vert="horz" wrap="square" lIns="90000" tIns="45000" rIns="90000" bIns="45000" anchor="t" compatLnSpc="0"/>
+          <a:lstStyle/>
+          <a:p>
+            <a:pPr marL="0" marR="0" lvl="0" indent="0" rtl="0" hangingPunct="0">
+              <a:lnSpc>
+                <a:spcPct val="100000"/>
+              </a:lnSpc>
+              <a:spcBef>
+                <a:spcPts val="0"/>
+              </a:spcBef>
+              <a:spcAft>
+                <a:spcPts val="0"/>
+              </a:spcAft>
+              <a:buNone/>
+              <a:tabLst/>
+            </a:pPr>
+            <a:r>
+              <a:rPr lang="sv-SE" sz="1800" b="0" i="0" u="none" strike="noStrike" kern="1200" spc="0" dirty="0">
+                <a:ln>
+                  <a:noFill/>
+                </a:ln>
+                <a:latin typeface="Arial" pitchFamily="18"/>
+                <a:ea typeface="DejaVu Sans" pitchFamily="2"/>
+                <a:cs typeface="DejaVu Sans" pitchFamily="2"/>
+              </a:rPr>
+              <a:t>Composability</a:t>
+            </a:r>
+          </a:p>
+          <a:p>
+            <a:pPr marL="0" marR="0" lvl="0" indent="0" rtl="0" hangingPunct="0">
+              <a:lnSpc>
+                <a:spcPct val="100000"/>
+              </a:lnSpc>
+              <a:spcBef>
+                <a:spcPts val="0"/>
+              </a:spcBef>
+              <a:spcAft>
+                <a:spcPts val="0"/>
+              </a:spcAft>
+              <a:buNone/>
+              <a:tabLst/>
+            </a:pPr>
+            <a:r>
+              <a:rPr lang="sv-SE" sz="1800" b="0" i="0" u="none" strike="noStrike" kern="1200" spc="0" dirty="0">
+                <a:ln>
+                  <a:noFill/>
+                </a:ln>
+                <a:latin typeface="Arial" pitchFamily="18"/>
+                <a:ea typeface="DejaVu Sans" pitchFamily="2"/>
+                <a:cs typeface="DejaVu Sans" pitchFamily="2"/>
+              </a:rPr>
+              <a:t>The ability for software entities to be easily reused without violating the SOLID principles.</a:t>
+            </a:r>
+          </a:p>
+          <a:p>
+            <a:pPr marL="0" marR="0" lvl="0" indent="0" rtl="0" hangingPunct="0">
+              <a:lnSpc>
+                <a:spcPct val="100000"/>
+              </a:lnSpc>
+              <a:spcBef>
+                <a:spcPts val="0"/>
+              </a:spcBef>
+              <a:spcAft>
+                <a:spcPts val="0"/>
+              </a:spcAft>
+              <a:buNone/>
+              <a:tabLst/>
+            </a:pPr>
+            <a:r>
+              <a:rPr lang="sv-SE" sz="1800" b="0" i="0" u="none" strike="noStrike" kern="1200" spc="0" dirty="0">
+                <a:ln>
+                  <a:noFill/>
+                </a:ln>
+                <a:latin typeface="Arial" pitchFamily="18"/>
+                <a:ea typeface="DejaVu Sans" pitchFamily="2"/>
+                <a:cs typeface="DejaVu Sans" pitchFamily="2"/>
+              </a:rPr>
+              <a:t>Object oriented programming</a:t>
+            </a:r>
+          </a:p>
+          <a:p>
+            <a:pPr marL="0" marR="0" lvl="0" indent="0" rtl="0" hangingPunct="0">
+              <a:lnSpc>
+                <a:spcPct val="100000"/>
+              </a:lnSpc>
+              <a:spcBef>
+                <a:spcPts val="0"/>
+              </a:spcBef>
+              <a:spcAft>
+                <a:spcPts val="0"/>
+              </a:spcAft>
+              <a:buNone/>
+              <a:tabLst/>
+            </a:pPr>
+            <a:r>
+              <a:rPr lang="sv-SE" sz="1800" b="0" i="0" u="none" strike="noStrike" kern="1200" spc="0" dirty="0">
+                <a:ln>
+                  <a:noFill/>
+                </a:ln>
+                <a:latin typeface="Arial" pitchFamily="18"/>
+                <a:ea typeface="DejaVu Sans" pitchFamily="2"/>
+                <a:cs typeface="DejaVu Sans" pitchFamily="2"/>
+              </a:rPr>
+              <a:t>Composable datastructures</a:t>
+            </a:r>
+          </a:p>
+          <a:p>
+            <a:pPr marL="0" marR="0" lvl="0" indent="0" rtl="0" hangingPunct="0">
+              <a:lnSpc>
+                <a:spcPct val="100000"/>
+              </a:lnSpc>
+              <a:spcBef>
+                <a:spcPts val="0"/>
+              </a:spcBef>
+              <a:spcAft>
+                <a:spcPts val="0"/>
+              </a:spcAft>
+              <a:buNone/>
+              <a:tabLst/>
+            </a:pPr>
+            <a:r>
+              <a:rPr lang="sv-SE" sz="1800" b="0" i="0" u="none" strike="noStrike" kern="1200" spc="0" dirty="0">
+                <a:ln>
+                  <a:noFill/>
+                </a:ln>
+                <a:latin typeface="Arial" pitchFamily="18"/>
+                <a:ea typeface="DejaVu Sans" pitchFamily="2"/>
+                <a:cs typeface="DejaVu Sans" pitchFamily="2"/>
+              </a:rPr>
+              <a:t>Functional programming</a:t>
+            </a:r>
+          </a:p>
+          <a:p>
+            <a:pPr marL="0" marR="0" lvl="0" indent="0" rtl="0" hangingPunct="0">
+              <a:lnSpc>
+                <a:spcPct val="100000"/>
+              </a:lnSpc>
+              <a:spcBef>
+                <a:spcPts val="0"/>
+              </a:spcBef>
+              <a:spcAft>
+                <a:spcPts val="0"/>
+              </a:spcAft>
+              <a:buNone/>
+              <a:tabLst/>
+            </a:pPr>
+            <a:r>
+              <a:rPr lang="sv-SE" sz="1800" b="0" i="0" u="none" strike="noStrike" kern="1200" spc="0" dirty="0">
+                <a:ln>
+                  <a:noFill/>
+                </a:ln>
+                <a:latin typeface="Arial" pitchFamily="18"/>
+                <a:ea typeface="DejaVu Sans" pitchFamily="2"/>
+                <a:cs typeface="DejaVu Sans" pitchFamily="2"/>
+              </a:rPr>
+              <a:t>Composable algorithms</a:t>
+            </a:r>
+          </a:p>
+          <a:p>
+            <a:pPr marL="0" marR="0" lvl="0" indent="0" rtl="0" hangingPunct="0">
+              <a:lnSpc>
+                <a:spcPct val="100000"/>
+              </a:lnSpc>
+              <a:spcBef>
+                <a:spcPts val="0"/>
+              </a:spcBef>
+              <a:spcAft>
+                <a:spcPts val="0"/>
+              </a:spcAft>
+              <a:buNone/>
+              <a:tabLst/>
+            </a:pPr>
+            <a:r>
+              <a:rPr lang="sv-SE" sz="1800" b="0" i="0" u="none" strike="noStrike" kern="1200" spc="0" dirty="0">
+                <a:ln>
+                  <a:noFill/>
+                </a:ln>
+                <a:latin typeface="Arial" pitchFamily="18"/>
+                <a:ea typeface="DejaVu Sans" pitchFamily="2"/>
+                <a:cs typeface="DejaVu Sans" pitchFamily="2"/>
+              </a:rPr>
+              <a:t>Generic programming</a:t>
+            </a:r>
+          </a:p>
+          <a:p>
+            <a:pPr marL="0" marR="0" lvl="0" indent="0" rtl="0" hangingPunct="0">
+              <a:lnSpc>
+                <a:spcPct val="100000"/>
+              </a:lnSpc>
+              <a:spcBef>
+                <a:spcPts val="0"/>
+              </a:spcBef>
+              <a:spcAft>
+                <a:spcPts val="0"/>
+              </a:spcAft>
+              <a:buNone/>
+              <a:tabLst/>
+            </a:pPr>
+            <a:r>
+              <a:rPr lang="sv-SE" sz="1800" b="0" i="0" u="none" strike="noStrike" kern="1200" spc="0" dirty="0">
+                <a:ln>
+                  <a:noFill/>
+                </a:ln>
+                <a:latin typeface="Arial" pitchFamily="18"/>
+                <a:ea typeface="DejaVu Sans" pitchFamily="2"/>
+                <a:cs typeface="DejaVu Sans" pitchFamily="2"/>
+              </a:rPr>
+              <a:t>Enables SOLID FP and OO abstractions even when needing more concrete types than the abstraction knows about.</a:t>
+            </a:r>
+          </a:p>
+          <a:p>
+            <a:pPr marL="0" marR="0" lvl="0" indent="0" rtl="0" hangingPunct="0">
+              <a:lnSpc>
+                <a:spcPct val="100000"/>
+              </a:lnSpc>
+              <a:spcBef>
+                <a:spcPts val="0"/>
+              </a:spcBef>
+              <a:spcAft>
+                <a:spcPts val="0"/>
+              </a:spcAft>
+              <a:buNone/>
+              <a:tabLst/>
+            </a:pPr>
+            <a:r>
+              <a:rPr lang="sv-SE" sz="1800" b="0" i="0" u="none" strike="noStrike" kern="1200" spc="0" dirty="0">
+                <a:ln>
+                  <a:noFill/>
+                </a:ln>
+                <a:latin typeface="Arial" pitchFamily="18"/>
+                <a:ea typeface="DejaVu Sans" pitchFamily="2"/>
+                <a:cs typeface="DejaVu Sans" pitchFamily="2"/>
+              </a:rPr>
+              <a:t>SOLID without contortionism requires all three.</a:t>
+            </a:r>
+          </a:p>
+        </p:txBody>
+      </p:sp>
+    </p:spTree>
+  </p:cSld>
+  <p:clrMapOvr>
+    <a:masterClrMapping/>
+  </p:clrMapOvr>
+  <mc:AlternateContent xmlns:mc="http://schemas.openxmlformats.org/markup-compatibility/2006" xmlns:p14="http://schemas.microsoft.com/office/powerpoint/2010/main">
+    <mc:Choice Requires="p14">
+      <p:transition spd="slow" p14:dur="2000"/>
+    </mc:Choice>
+    <mc:Fallback xmlns="">
+      <p:transition spd="slow"/>
+    </mc:Fallback>
+  </mc:AlternateContent>
+  <p:timing>
+    <p:tnLst>
+      <p:par>
+        <p:cTn id="1" dur="indefinite" restart="never" nodeType="tmRoot">
+          <p:childTnLst>
+            <p:seq concurrent="1" nextAc="seek">
+              <p:cTn id="2" dur="indefinite" nodeType="mainSeq">
+                <p:childTnLst>
+                  <p:par>
+                    <p:cTn id="3" fill="hold">
+                      <p:stCondLst>
+                        <p:cond delay="indefinite"/>
+                      </p:stCondLst>
+                      <p:childTnLst>
+                        <p:par>
+                          <p:cTn id="4" fill="hold">
+                            <p:stCondLst>
+                              <p:cond delay="0"/>
+                            </p:stCondLst>
+                            <p:childTnLst>
+                              <p:par>
+                                <p:cTn id="5" presetClass="entr" fill="hold" nodeType="clickEffect">
+                                  <p:stCondLst>
+                                    <p:cond delay="0"/>
+                                  </p:stCondLst>
+                                  <p:childTnLst>
+                                    <p:set>
+                                      <p:cBhvr>
+                                        <p:cTn id="6" dur="1" fill="hold">
+                                          <p:stCondLst>
+                                            <p:cond delay="0"/>
+                                          </p:stCondLst>
+                                        </p:cTn>
+                                        <p:tgtEl>
+                                          <p:spTgt spid="3">
+                                            <p:txEl>
+                                              <p:pRg st="0" end="0"/>
+                                            </p:txEl>
+                                          </p:spTgt>
+                                        </p:tgtEl>
+                                        <p:attrNameLst>
+                                          <p:attrName>style.visibility</p:attrName>
+                                        </p:attrNameLst>
+                                      </p:cBhvr>
+                                      <p:to>
+                                        <p:strVal val="visible"/>
+                                      </p:to>
+                                    </p:set>
+                                    <p:anim calcmode="lin" valueType="num">
+                                      <p:cBhvr>
+                                        <p:cTn id="7" dur="500" fill="hold"/>
+                                        <p:tgtEl>
+                                          <p:spTgt spid="3">
+                                            <p:txEl>
+                                              <p:pRg st="0" end="0"/>
+                                            </p:txEl>
+                                          </p:spTgt>
+                                        </p:tgtEl>
+                                        <p:attrNameLst>
+                                          <p:attrName>ppt_x</p:attrName>
+                                        </p:attrNameLst>
+                                      </p:cBhvr>
+                                      <p:tavLst>
+                                        <p:tav tm="0">
+                                          <p:val>
+                                            <p:strVal val="#ppt_x"/>
+                                          </p:val>
+                                        </p:tav>
+                                        <p:tav tm="100000">
+                                          <p:val>
+                                            <p:strVal val="#ppt_x"/>
+                                          </p:val>
+                                        </p:tav>
+                                      </p:tavLst>
+                                    </p:anim>
+                                    <p:anim calcmode="lin" valueType="num">
+                                      <p:cBhvr>
+                                        <p:cTn id="8" dur="500" fill="hold"/>
+                                        <p:tgtEl>
+                                          <p:spTgt spid="3">
+                                            <p:txEl>
+                                              <p:pRg st="0" end="0"/>
+                                            </p:txEl>
+                                          </p:spTgt>
+                                        </p:tgtEl>
+                                        <p:attrNameLst>
+                                          <p:attrName>ppt_y</p:attrName>
+                                        </p:attrNameLst>
+                                      </p:cBhvr>
+                                      <p:tavLst>
+                                        <p:tav tm="0">
+                                          <p:val>
+                                            <p:strVal val="1+#ppt_h/2"/>
+                                          </p:val>
+                                        </p:tav>
+                                        <p:tav tm="100000">
+                                          <p:val>
+                                            <p:strVal val="#ppt_y"/>
+                                          </p:val>
+                                        </p:tav>
+                                      </p:tavLst>
+                                    </p:anim>
+                                  </p:childTnLst>
+                                </p:cTn>
+                              </p:par>
+                            </p:childTnLst>
+                          </p:cTn>
+                        </p:par>
+                      </p:childTnLst>
+                    </p:cTn>
+                  </p:par>
+                </p:childTnLst>
+              </p:cTn>
+              <p:prevCondLst>
+                <p:cond evt="onPrev" delay="0">
+                  <p:tgtEl>
+                    <p:sldTgt/>
+                  </p:tgtEl>
+                </p:cond>
+              </p:prevCondLst>
+              <p:nextCondLst>
+                <p:cond evt="onNext" delay="0">
+                  <p:tgtEl>
+                    <p:sldTgt/>
+                  </p:tgtEl>
+                </p:cond>
+              </p:nextCondLst>
+            </p:seq>
+          </p:childTnLst>
+        </p:cTn>
+      </p:par>
+    </p:tnLst>
+  </p:timing>
+</p:sld>
+</file>
+
+<file path=ppt/slides/slide11.xml><?xml version="1.0" encoding="utf-8"?>
+<p:sld xmlns:a="http://schemas.openxmlformats.org/drawingml/2006/main" xmlns:r="http://schemas.openxmlformats.org/officeDocument/2006/relationships" xmlns:p="http://schemas.openxmlformats.org/presentationml/2006/main">
   <p:cSld name="page10">
     <p:spTree>
       <p:nvGrpSpPr>
@@ -6405,7 +6811,7 @@
 </p:sld>
 </file>
 
-<file path=ppt/slides/slide11.xml><?xml version="1.0" encoding="utf-8"?>
+<file path=ppt/slides/slide12.xml><?xml version="1.0" encoding="utf-8"?>
 <p:sld xmlns:a="http://schemas.openxmlformats.org/drawingml/2006/main" xmlns:r="http://schemas.openxmlformats.org/officeDocument/2006/relationships" xmlns:p="http://schemas.openxmlformats.org/presentationml/2006/main">
   <p:cSld>
     <p:spTree>
@@ -6933,7 +7339,7 @@
 </p:sld>
 </file>
 
-<file path=ppt/slides/slide12.xml><?xml version="1.0" encoding="utf-8"?>
+<file path=ppt/slides/slide13.xml><?xml version="1.0" encoding="utf-8"?>
 <p:sld xmlns:a="http://schemas.openxmlformats.org/drawingml/2006/main" xmlns:r="http://schemas.openxmlformats.org/officeDocument/2006/relationships" xmlns:p="http://schemas.openxmlformats.org/presentationml/2006/main">
   <p:cSld>
     <p:spTree>
@@ -7210,263 +7616,6 @@
 </file>
 
 <file path=ppt/slides/slide2.xml><?xml version="1.0" encoding="utf-8"?>
-<p:sld xmlns:a="http://schemas.openxmlformats.org/drawingml/2006/main" xmlns:r="http://schemas.openxmlformats.org/officeDocument/2006/relationships" xmlns:p="http://schemas.openxmlformats.org/presentationml/2006/main">
-  <p:cSld>
-    <p:spTree>
-      <p:nvGrpSpPr>
-        <p:cNvPr id="1" name=""/>
-        <p:cNvGrpSpPr/>
-        <p:nvPr/>
-      </p:nvGrpSpPr>
-      <p:grpSpPr>
-        <a:xfrm>
-          <a:off x="0" y="0"/>
-          <a:ext cx="0" cy="0"/>
-          <a:chOff x="0" y="0"/>
-          <a:chExt cx="0" cy="0"/>
-        </a:xfrm>
-      </p:grpSpPr>
-      <p:sp>
-        <p:nvSpPr>
-          <p:cNvPr id="2" name="Title 1"/>
-          <p:cNvSpPr>
-            <a:spLocks noGrp="1"/>
-          </p:cNvSpPr>
-          <p:nvPr>
-            <p:ph type="title"/>
-          </p:nvPr>
-        </p:nvSpPr>
-        <p:spPr>
-          <a:xfrm>
-            <a:off x="457200" y="274638"/>
-            <a:ext cx="8229600" cy="1282154"/>
-          </a:xfrm>
-        </p:spPr>
-        <p:txBody>
-          <a:bodyPr/>
-          <a:lstStyle/>
-          <a:p>
-            <a:pPr>
-              <a:buNone/>
-            </a:pPr>
-            <a:r>
-              <a:rPr lang="sv-SE" dirty="0" smtClean="0"/>
-              <a:t>Functional vs Imperative</a:t>
-            </a:r>
-            <a:br>
-              <a:rPr lang="sv-SE" dirty="0" smtClean="0"/>
-            </a:br>
-            <a:r>
-              <a:rPr lang="sv-SE" dirty="0" smtClean="0"/>
-              <a:t>What vs How</a:t>
-            </a:r>
-            <a:endParaRPr lang="sv-SE" dirty="0"/>
-          </a:p>
-        </p:txBody>
-      </p:sp>
-      <p:sp>
-        <p:nvSpPr>
-          <p:cNvPr id="3" name="Text Placeholder 2"/>
-          <p:cNvSpPr>
-            <a:spLocks noGrp="1"/>
-          </p:cNvSpPr>
-          <p:nvPr>
-            <p:ph type="body" idx="1"/>
-          </p:nvPr>
-        </p:nvSpPr>
-        <p:spPr/>
-        <p:txBody>
-          <a:bodyPr/>
-          <a:lstStyle/>
-          <a:p>
-            <a:r>
-              <a:rPr lang="sv-SE" dirty="0" smtClean="0"/>
-              <a:t>Imperative</a:t>
-            </a:r>
-            <a:endParaRPr lang="sv-SE" dirty="0"/>
-          </a:p>
-        </p:txBody>
-      </p:sp>
-      <p:sp>
-        <p:nvSpPr>
-          <p:cNvPr id="4" name="Content Placeholder 3"/>
-          <p:cNvSpPr>
-            <a:spLocks noGrp="1"/>
-          </p:cNvSpPr>
-          <p:nvPr>
-            <p:ph sz="half" idx="2"/>
-          </p:nvPr>
-        </p:nvSpPr>
-        <p:spPr/>
-        <p:txBody>
-          <a:bodyPr/>
-          <a:lstStyle/>
-          <a:p>
-            <a:pPr marL="108000" indent="0">
-              <a:buNone/>
-            </a:pPr>
-            <a:r>
-              <a:rPr lang="sv-SE" dirty="0" smtClean="0"/>
-              <a:t>void printManagers()</a:t>
-            </a:r>
-            <a:endParaRPr lang="sv-SE" dirty="0"/>
-          </a:p>
-        </p:txBody>
-      </p:sp>
-      <p:sp>
-        <p:nvSpPr>
-          <p:cNvPr id="5" name="Text Placeholder 4"/>
-          <p:cNvSpPr>
-            <a:spLocks noGrp="1"/>
-          </p:cNvSpPr>
-          <p:nvPr>
-            <p:ph type="body" sz="quarter" idx="3"/>
-          </p:nvPr>
-        </p:nvSpPr>
-        <p:spPr/>
-        <p:txBody>
-          <a:bodyPr/>
-          <a:lstStyle/>
-          <a:p>
-            <a:r>
-              <a:rPr lang="sv-SE" dirty="0" smtClean="0"/>
-              <a:t>Functional</a:t>
-            </a:r>
-            <a:endParaRPr lang="sv-SE" dirty="0"/>
-          </a:p>
-        </p:txBody>
-      </p:sp>
-      <p:sp>
-        <p:nvSpPr>
-          <p:cNvPr id="6" name="Content Placeholder 5"/>
-          <p:cNvSpPr>
-            <a:spLocks noGrp="1"/>
-          </p:cNvSpPr>
-          <p:nvPr>
-            <p:ph sz="quarter" idx="4"/>
-          </p:nvPr>
-        </p:nvSpPr>
-        <p:spPr/>
-        <p:txBody>
-          <a:bodyPr/>
-          <a:lstStyle/>
-          <a:p>
-            <a:pPr marL="108000" indent="0">
-              <a:buNone/>
-            </a:pPr>
-            <a:r>
-              <a:rPr lang="sv-SE" smtClean="0"/>
-              <a:t>Employees -&gt; printMatching isManager </a:t>
-            </a:r>
-            <a:r>
-              <a:rPr lang="sv-SE" dirty="0" smtClean="0"/>
-              <a:t>	</a:t>
-            </a:r>
-            <a:endParaRPr lang="sv-SE" dirty="0"/>
-          </a:p>
-        </p:txBody>
-      </p:sp>
-    </p:spTree>
-    <p:extLst>
-      <p:ext uri="{BB962C8B-B14F-4D97-AF65-F5344CB8AC3E}">
-        <p14:creationId xmlns:p14="http://schemas.microsoft.com/office/powerpoint/2010/main" val="1587520631"/>
-      </p:ext>
-    </p:extLst>
-  </p:cSld>
-  <p:clrMapOvr>
-    <a:masterClrMapping/>
-  </p:clrMapOvr>
-  <mc:AlternateContent xmlns:mc="http://schemas.openxmlformats.org/markup-compatibility/2006" xmlns:p14="http://schemas.microsoft.com/office/powerpoint/2010/main">
-    <mc:Choice Requires="p14">
-      <p:transition spd="slow" p14:dur="2000"/>
-    </mc:Choice>
-    <mc:Fallback xmlns="">
-      <p:transition spd="slow"/>
-    </mc:Fallback>
-  </mc:AlternateContent>
-  <p:timing>
-    <p:tnLst>
-      <p:par>
-        <p:cTn id="1" dur="indefinite" restart="never" nodeType="tmRoot"/>
-      </p:par>
-    </p:tnLst>
-  </p:timing>
-</p:sld>
-</file>
-
-<file path=ppt/slides/slide3.xml><?xml version="1.0" encoding="utf-8"?>
-<p:sld xmlns:a="http://schemas.openxmlformats.org/drawingml/2006/main" xmlns:r="http://schemas.openxmlformats.org/officeDocument/2006/relationships" xmlns:p="http://schemas.openxmlformats.org/presentationml/2006/main">
-  <p:cSld>
-    <p:spTree>
-      <p:nvGrpSpPr>
-        <p:cNvPr id="1" name=""/>
-        <p:cNvGrpSpPr/>
-        <p:nvPr/>
-      </p:nvGrpSpPr>
-      <p:grpSpPr>
-        <a:xfrm>
-          <a:off x="0" y="0"/>
-          <a:ext cx="0" cy="0"/>
-          <a:chOff x="0" y="0"/>
-          <a:chExt cx="0" cy="0"/>
-        </a:xfrm>
-      </p:grpSpPr>
-      <p:sp>
-        <p:nvSpPr>
-          <p:cNvPr id="2" name="Title 1"/>
-          <p:cNvSpPr>
-            <a:spLocks noGrp="1"/>
-          </p:cNvSpPr>
-          <p:nvPr>
-            <p:ph type="title"/>
-          </p:nvPr>
-        </p:nvSpPr>
-        <p:spPr/>
-        <p:txBody>
-          <a:bodyPr/>
-          <a:lstStyle/>
-          <a:p>
-            <a:pPr>
-              <a:buNone/>
-            </a:pPr>
-            <a:r>
-              <a:rPr lang="sv-SE" dirty="0" smtClean="0"/>
-              <a:t>The </a:t>
-            </a:r>
-            <a:r>
-              <a:rPr lang="sv-SE" dirty="0" err="1" smtClean="0"/>
-              <a:t>free</a:t>
-            </a:r>
-            <a:r>
-              <a:rPr lang="sv-SE" dirty="0" smtClean="0"/>
-              <a:t> lunch is over</a:t>
-            </a:r>
-            <a:endParaRPr lang="sv-SE" dirty="0"/>
-          </a:p>
-        </p:txBody>
-      </p:sp>
-    </p:spTree>
-    <p:extLst>
-      <p:ext uri="{BB962C8B-B14F-4D97-AF65-F5344CB8AC3E}">
-        <p14:creationId xmlns:p14="http://schemas.microsoft.com/office/powerpoint/2010/main" val="2221407887"/>
-      </p:ext>
-    </p:extLst>
-  </p:cSld>
-  <p:clrMapOvr>
-    <a:masterClrMapping/>
-  </p:clrMapOvr>
-  <mc:AlternateContent xmlns:mc="http://schemas.openxmlformats.org/markup-compatibility/2006" xmlns:p14="http://schemas.microsoft.com/office/powerpoint/2010/main">
-    <mc:Choice Requires="p14">
-      <p:transition spd="slow" p14:dur="2000"/>
-    </mc:Choice>
-    <mc:Fallback xmlns="">
-      <p:transition spd="slow"/>
-    </mc:Fallback>
-  </mc:AlternateContent>
-</p:sld>
-</file>
-
-<file path=ppt/slides/slide4.xml><?xml version="1.0" encoding="utf-8"?>
 <p:sld xmlns:a="http://schemas.openxmlformats.org/drawingml/2006/main" xmlns:r="http://schemas.openxmlformats.org/officeDocument/2006/relationships" xmlns:p="http://schemas.openxmlformats.org/presentationml/2006/main">
   <p:cSld name="page2">
     <p:spTree>
@@ -7643,7 +7792,7 @@
           <a:p>
             <a:pPr lvl="0" hangingPunct="0"/>
             <a:r>
-              <a:rPr lang="sv-SE" sz="2000" dirty="0" smtClean="0">
+              <a:rPr lang="sv-SE" sz="2000" dirty="0" err="1" smtClean="0">
                 <a:solidFill>
                   <a:srgbClr val="1F497D"/>
                 </a:solidFill>
@@ -7653,6 +7802,80 @@
               </a:rPr>
               <a:t>Immutability</a:t>
             </a:r>
+            <a:endParaRPr lang="sv-SE" sz="2000" dirty="0" smtClean="0">
+              <a:solidFill>
+                <a:srgbClr val="1F497D"/>
+              </a:solidFill>
+              <a:latin typeface="Arial" pitchFamily="18"/>
+              <a:ea typeface="DejaVu Sans" pitchFamily="2"/>
+              <a:cs typeface="DejaVu Sans" pitchFamily="2"/>
+            </a:endParaRPr>
+          </a:p>
+          <a:p>
+            <a:pPr hangingPunct="0"/>
+            <a:r>
+              <a:rPr lang="sv-SE" sz="2000" dirty="0">
+                <a:solidFill>
+                  <a:srgbClr val="1F497D"/>
+                </a:solidFill>
+                <a:latin typeface="Arial" pitchFamily="18"/>
+                <a:ea typeface="DejaVu Sans" pitchFamily="2"/>
+                <a:cs typeface="DejaVu Sans" pitchFamily="2"/>
+              </a:rPr>
+              <a:t>	</a:t>
+            </a:r>
+            <a:r>
+              <a:rPr lang="sv-SE" sz="2000" dirty="0" err="1" smtClean="0">
+                <a:solidFill>
+                  <a:srgbClr val="1F497D"/>
+                </a:solidFill>
+                <a:latin typeface="Arial" pitchFamily="18"/>
+                <a:ea typeface="DejaVu Sans" pitchFamily="2"/>
+                <a:cs typeface="DejaVu Sans" pitchFamily="2"/>
+              </a:rPr>
+              <a:t>Values</a:t>
+            </a:r>
+            <a:r>
+              <a:rPr lang="sv-SE" sz="2000" dirty="0">
+                <a:solidFill>
+                  <a:srgbClr val="1F497D"/>
+                </a:solidFill>
+                <a:latin typeface="Arial" pitchFamily="18"/>
+                <a:ea typeface="DejaVu Sans" pitchFamily="2"/>
+                <a:cs typeface="DejaVu Sans" pitchFamily="2"/>
+              </a:rPr>
+              <a:t>,</a:t>
+            </a:r>
+            <a:r>
+              <a:rPr lang="sv-SE" sz="2000" dirty="0" smtClean="0">
+                <a:solidFill>
+                  <a:srgbClr val="1F497D"/>
+                </a:solidFill>
+                <a:latin typeface="Arial" pitchFamily="18"/>
+                <a:ea typeface="DejaVu Sans" pitchFamily="2"/>
+                <a:cs typeface="DejaVu Sans" pitchFamily="2"/>
+              </a:rPr>
+              <a:t> not </a:t>
+            </a:r>
+            <a:r>
+              <a:rPr lang="sv-SE" sz="2000" dirty="0" err="1" smtClean="0">
+                <a:solidFill>
+                  <a:srgbClr val="1F497D"/>
+                </a:solidFill>
+                <a:latin typeface="Arial" pitchFamily="18"/>
+                <a:ea typeface="DejaVu Sans" pitchFamily="2"/>
+                <a:cs typeface="DejaVu Sans" pitchFamily="2"/>
+              </a:rPr>
+              <a:t>variables</a:t>
+            </a:r>
+            <a:endParaRPr lang="sv-SE" sz="2000" dirty="0" smtClean="0">
+              <a:solidFill>
+                <a:srgbClr val="1F497D"/>
+              </a:solidFill>
+              <a:latin typeface="Arial" pitchFamily="18"/>
+              <a:ea typeface="DejaVu Sans" pitchFamily="2"/>
+              <a:cs typeface="DejaVu Sans" pitchFamily="2"/>
+            </a:endParaRPr>
           </a:p>
           <a:p>
             <a:pPr lvl="0" hangingPunct="0"/>
@@ -7700,9 +7923,24 @@
             </a:r>
           </a:p>
           <a:p>
-            <a:pPr lvl="0" hangingPunct="0"/>
-            <a:r>
-              <a:rPr lang="sv-SE" sz="2000" dirty="0">
+            <a:pPr marL="0" marR="0" lvl="0" indent="0" rtl="0" hangingPunct="0">
+              <a:lnSpc>
+                <a:spcPct val="100000"/>
+              </a:lnSpc>
+              <a:spcBef>
+                <a:spcPts val="0"/>
+              </a:spcBef>
+              <a:spcAft>
+                <a:spcPts val="0"/>
+              </a:spcAft>
+              <a:buNone/>
+              <a:tabLst/>
+            </a:pPr>
+            <a:r>
+              <a:rPr lang="sv-SE" sz="2000" b="0" i="0" u="none" strike="noStrike" kern="1200" spc="0" dirty="0" smtClean="0">
+                <a:ln>
+                  <a:noFill/>
+                </a:ln>
                 <a:solidFill>
                   <a:srgbClr val="1F497D"/>
                 </a:solidFill>
@@ -7710,10 +7948,13 @@
                 <a:ea typeface="DejaVu Sans" pitchFamily="2"/>
                 <a:cs typeface="DejaVu Sans" pitchFamily="2"/>
               </a:rPr>
-              <a:t>	</a:t>
-            </a:r>
-            <a:r>
-              <a:rPr lang="sv-SE" sz="2000" dirty="0" smtClean="0">
+              <a:t>Pure </a:t>
+            </a:r>
+            <a:r>
+              <a:rPr lang="sv-SE" sz="2000" b="0" i="0" u="none" strike="noStrike" kern="1200" spc="0" dirty="0">
+                <a:ln>
+                  <a:noFill/>
+                </a:ln>
                 <a:solidFill>
                   <a:srgbClr val="1F497D"/>
                 </a:solidFill>
@@ -7721,9 +7962,137 @@
                 <a:ea typeface="DejaVu Sans" pitchFamily="2"/>
                 <a:cs typeface="DejaVu Sans" pitchFamily="2"/>
               </a:rPr>
-              <a:t>A value is not a varible</a:t>
-            </a:r>
-            <a:endParaRPr lang="sv-SE" sz="2000" b="0" i="0" u="none" strike="noStrike" kern="1200" spc="0" dirty="0">
+              <a:t>Functions</a:t>
+            </a:r>
+          </a:p>
+          <a:p>
+            <a:pPr marL="0" marR="0" lvl="0" indent="0" rtl="0" hangingPunct="0">
+              <a:lnSpc>
+                <a:spcPct val="100000"/>
+              </a:lnSpc>
+              <a:spcBef>
+                <a:spcPts val="0"/>
+              </a:spcBef>
+              <a:spcAft>
+                <a:spcPts val="0"/>
+              </a:spcAft>
+              <a:buNone/>
+              <a:tabLst/>
+            </a:pPr>
+            <a:r>
+              <a:rPr lang="sv-SE" sz="2000" b="0" i="0" u="none" strike="noStrike" kern="1200" spc="0" dirty="0" smtClean="0">
+                <a:ln>
+                  <a:noFill/>
+                </a:ln>
+                <a:solidFill>
+                  <a:srgbClr val="1F497D"/>
+                </a:solidFill>
+                <a:latin typeface="Arial" pitchFamily="18"/>
+                <a:ea typeface="DejaVu Sans" pitchFamily="2"/>
+                <a:cs typeface="DejaVu Sans" pitchFamily="2"/>
+              </a:rPr>
+              <a:t>	Functions </a:t>
+            </a:r>
+            <a:r>
+              <a:rPr lang="sv-SE" sz="2000" b="0" i="0" u="none" strike="noStrike" kern="1200" spc="0" dirty="0">
+                <a:ln>
+                  <a:noFill/>
+                </a:ln>
+                <a:solidFill>
+                  <a:srgbClr val="1F497D"/>
+                </a:solidFill>
+                <a:latin typeface="Arial" pitchFamily="18"/>
+                <a:ea typeface="DejaVu Sans" pitchFamily="2"/>
+                <a:cs typeface="DejaVu Sans" pitchFamily="2"/>
+              </a:rPr>
+              <a:t>are dependent only on their parameters</a:t>
+            </a:r>
+          </a:p>
+          <a:p>
+            <a:pPr marL="0" marR="0" lvl="0" indent="0" rtl="0" hangingPunct="0">
+              <a:lnSpc>
+                <a:spcPct val="100000"/>
+              </a:lnSpc>
+              <a:spcBef>
+                <a:spcPts val="0"/>
+              </a:spcBef>
+              <a:spcAft>
+                <a:spcPts val="0"/>
+              </a:spcAft>
+              <a:buNone/>
+              <a:tabLst/>
+            </a:pPr>
+            <a:r>
+              <a:rPr lang="sv-SE" sz="2000" b="0" i="0" u="none" strike="noStrike" kern="1200" spc="0" dirty="0" smtClean="0">
+                <a:ln>
+                  <a:noFill/>
+                </a:ln>
+                <a:solidFill>
+                  <a:srgbClr val="1F497D"/>
+                </a:solidFill>
+                <a:latin typeface="Arial" pitchFamily="18"/>
+                <a:ea typeface="DejaVu Sans" pitchFamily="2"/>
+                <a:cs typeface="DejaVu Sans" pitchFamily="2"/>
+              </a:rPr>
+              <a:t>	Given </a:t>
+            </a:r>
+            <a:r>
+              <a:rPr lang="sv-SE" sz="2000" b="0" i="0" u="none" strike="noStrike" kern="1200" spc="0" dirty="0">
+                <a:ln>
+                  <a:noFill/>
+                </a:ln>
+                <a:solidFill>
+                  <a:srgbClr val="1F497D"/>
+                </a:solidFill>
+                <a:latin typeface="Arial" pitchFamily="18"/>
+                <a:ea typeface="DejaVu Sans" pitchFamily="2"/>
+                <a:cs typeface="DejaVu Sans" pitchFamily="2"/>
+              </a:rPr>
+              <a:t>identical inputs identical results </a:t>
+            </a:r>
+            <a:r>
+              <a:rPr lang="sv-SE" sz="2000" b="0" i="0" u="none" strike="noStrike" kern="1200" spc="0" dirty="0" err="1">
+                <a:ln>
+                  <a:noFill/>
+                </a:ln>
+                <a:solidFill>
+                  <a:srgbClr val="1F497D"/>
+                </a:solidFill>
+                <a:latin typeface="Arial" pitchFamily="18"/>
+                <a:ea typeface="DejaVu Sans" pitchFamily="2"/>
+                <a:cs typeface="DejaVu Sans" pitchFamily="2"/>
+              </a:rPr>
+              <a:t>are</a:t>
+            </a:r>
+            <a:r>
+              <a:rPr lang="sv-SE" sz="2000" b="0" i="0" u="none" strike="noStrike" kern="1200" spc="0" dirty="0">
+                <a:ln>
+                  <a:noFill/>
+                </a:ln>
+                <a:solidFill>
+                  <a:srgbClr val="1F497D"/>
+                </a:solidFill>
+                <a:latin typeface="Arial" pitchFamily="18"/>
+                <a:ea typeface="DejaVu Sans" pitchFamily="2"/>
+                <a:cs typeface="DejaVu Sans" pitchFamily="2"/>
+              </a:rPr>
+              <a:t> </a:t>
+            </a:r>
+            <a:r>
+              <a:rPr lang="sv-SE" sz="2000" b="0" i="0" u="none" strike="noStrike" kern="1200" spc="0" dirty="0" err="1" smtClean="0">
+                <a:ln>
+                  <a:noFill/>
+                </a:ln>
+                <a:solidFill>
+                  <a:srgbClr val="1F497D"/>
+                </a:solidFill>
+                <a:latin typeface="Arial" pitchFamily="18"/>
+                <a:ea typeface="DejaVu Sans" pitchFamily="2"/>
+                <a:cs typeface="DejaVu Sans" pitchFamily="2"/>
+              </a:rPr>
+              <a:t>guaranteed</a:t>
+            </a:r>
+            <a:endParaRPr lang="sv-SE" sz="2000" b="0" i="0" u="none" strike="noStrike" kern="1200" spc="0" dirty="0" smtClean="0">
               <a:ln>
                 <a:noFill/>
               </a:ln>
@@ -7750,7 +8119,7 @@
               <a:tabLst/>
             </a:pPr>
             <a:r>
-              <a:rPr lang="sv-SE" sz="2000" b="0" i="0" u="none" strike="noStrike" kern="1200" spc="0" dirty="0">
+              <a:rPr lang="sv-SE" sz="2000" b="0" i="0" u="none" strike="noStrike" kern="1200" spc="0" dirty="0" err="1" smtClean="0">
                 <a:ln>
                   <a:noFill/>
                 </a:ln>
@@ -7761,23 +8130,8 @@
                 <a:ea typeface="DejaVu Sans" pitchFamily="2"/>
                 <a:cs typeface="DejaVu Sans" pitchFamily="2"/>
               </a:rPr>
-              <a:t>Pure Functions</a:t>
-            </a:r>
-          </a:p>
-          <a:p>
-            <a:pPr marL="0" marR="0" lvl="0" indent="0" rtl="0" hangingPunct="0">
-              <a:lnSpc>
-                <a:spcPct val="100000"/>
-              </a:lnSpc>
-              <a:spcBef>
-                <a:spcPts val="0"/>
-              </a:spcBef>
-              <a:spcAft>
-                <a:spcPts val="0"/>
-              </a:spcAft>
-              <a:buNone/>
-              <a:tabLst/>
-            </a:pPr>
+              <a:t>Higher</a:t>
+            </a:r>
             <a:r>
               <a:rPr lang="sv-SE" sz="2000" b="0" i="0" u="none" strike="noStrike" kern="1200" spc="0" dirty="0" smtClean="0">
                 <a:ln>
@@ -7790,184 +8144,7 @@
                 <a:ea typeface="DejaVu Sans" pitchFamily="2"/>
                 <a:cs typeface="DejaVu Sans" pitchFamily="2"/>
               </a:rPr>
-              <a:t>	Functions </a:t>
-            </a:r>
-            <a:r>
-              <a:rPr lang="sv-SE" sz="2000" b="0" i="0" u="none" strike="noStrike" kern="1200" spc="0" dirty="0">
-                <a:ln>
-                  <a:noFill/>
-                </a:ln>
-                <a:solidFill>
-                  <a:srgbClr val="1F497D"/>
-                </a:solidFill>
-                <a:latin typeface="Arial" pitchFamily="18"/>
-                <a:ea typeface="DejaVu Sans" pitchFamily="2"/>
-                <a:cs typeface="DejaVu Sans" pitchFamily="2"/>
-              </a:rPr>
-              <a:t>are dependent only on their parameters</a:t>
-            </a:r>
-          </a:p>
-          <a:p>
-            <a:pPr marL="0" marR="0" lvl="0" indent="0" rtl="0" hangingPunct="0">
-              <a:lnSpc>
-                <a:spcPct val="100000"/>
-              </a:lnSpc>
-              <a:spcBef>
-                <a:spcPts val="0"/>
-              </a:spcBef>
-              <a:spcAft>
-                <a:spcPts val="0"/>
-              </a:spcAft>
-              <a:buNone/>
-              <a:tabLst/>
-            </a:pPr>
-            <a:r>
-              <a:rPr lang="sv-SE" sz="2000" b="0" i="0" u="none" strike="noStrike" kern="1200" spc="0" dirty="0" smtClean="0">
-                <a:ln>
-                  <a:noFill/>
-                </a:ln>
-                <a:solidFill>
-                  <a:srgbClr val="1F497D"/>
-                </a:solidFill>
-                <a:latin typeface="Arial" pitchFamily="18"/>
-                <a:ea typeface="DejaVu Sans" pitchFamily="2"/>
-                <a:cs typeface="DejaVu Sans" pitchFamily="2"/>
-              </a:rPr>
-              <a:t>	Given </a:t>
-            </a:r>
-            <a:r>
-              <a:rPr lang="sv-SE" sz="2000" b="0" i="0" u="none" strike="noStrike" kern="1200" spc="0" dirty="0">
-                <a:ln>
-                  <a:noFill/>
-                </a:ln>
-                <a:solidFill>
-                  <a:srgbClr val="1F497D"/>
-                </a:solidFill>
-                <a:latin typeface="Arial" pitchFamily="18"/>
-                <a:ea typeface="DejaVu Sans" pitchFamily="2"/>
-                <a:cs typeface="DejaVu Sans" pitchFamily="2"/>
-              </a:rPr>
-              <a:t>identical inputs identical results are </a:t>
-            </a:r>
-            <a:r>
-              <a:rPr lang="sv-SE" sz="2000" b="0" i="0" u="none" strike="noStrike" kern="1200" spc="0" dirty="0" smtClean="0">
-                <a:ln>
-                  <a:noFill/>
-                </a:ln>
-                <a:solidFill>
-                  <a:srgbClr val="1F497D"/>
-                </a:solidFill>
-                <a:latin typeface="Arial" pitchFamily="18"/>
-                <a:ea typeface="DejaVu Sans" pitchFamily="2"/>
-                <a:cs typeface="DejaVu Sans" pitchFamily="2"/>
-              </a:rPr>
-              <a:t>guaranteed</a:t>
-            </a:r>
-          </a:p>
-          <a:p>
-            <a:pPr marL="0" marR="0" lvl="0" indent="0" rtl="0" hangingPunct="0">
-              <a:lnSpc>
-                <a:spcPct val="100000"/>
-              </a:lnSpc>
-              <a:spcBef>
-                <a:spcPts val="0"/>
-              </a:spcBef>
-              <a:spcAft>
-                <a:spcPts val="0"/>
-              </a:spcAft>
-              <a:buNone/>
-              <a:tabLst/>
-            </a:pPr>
-            <a:r>
-              <a:rPr lang="sv-SE" sz="2000" dirty="0">
-                <a:solidFill>
-                  <a:srgbClr val="1F497D"/>
-                </a:solidFill>
-                <a:latin typeface="Arial" pitchFamily="18"/>
-                <a:ea typeface="DejaVu Sans" pitchFamily="2"/>
-                <a:cs typeface="DejaVu Sans" pitchFamily="2"/>
-              </a:rPr>
-              <a:t>	</a:t>
-            </a:r>
-            <a:r>
-              <a:rPr lang="sv-SE" sz="2000" dirty="0" smtClean="0">
-                <a:solidFill>
-                  <a:srgbClr val="1F497D"/>
-                </a:solidFill>
-                <a:latin typeface="Arial" pitchFamily="18"/>
-                <a:ea typeface="DejaVu Sans" pitchFamily="2"/>
-                <a:cs typeface="DejaVu Sans" pitchFamily="2"/>
-              </a:rPr>
-              <a:t>CQS</a:t>
-            </a:r>
-          </a:p>
-          <a:p>
-            <a:pPr marL="0" marR="0" lvl="0" indent="0" rtl="0" hangingPunct="0">
-              <a:lnSpc>
-                <a:spcPct val="100000"/>
-              </a:lnSpc>
-              <a:spcBef>
-                <a:spcPts val="0"/>
-              </a:spcBef>
-              <a:spcAft>
-                <a:spcPts val="0"/>
-              </a:spcAft>
-              <a:buNone/>
-              <a:tabLst/>
-            </a:pPr>
-            <a:r>
-              <a:rPr lang="sv-SE" sz="2000" b="0" i="0" u="none" strike="noStrike" kern="1200" spc="0" dirty="0" smtClean="0">
-                <a:ln>
-                  <a:noFill/>
-                </a:ln>
-                <a:solidFill>
-                  <a:srgbClr val="1F497D"/>
-                </a:solidFill>
-                <a:latin typeface="Arial" pitchFamily="18"/>
-                <a:ea typeface="DejaVu Sans" pitchFamily="2"/>
-                <a:cs typeface="DejaVu Sans" pitchFamily="2"/>
-              </a:rPr>
-              <a:t>First class functions</a:t>
-            </a:r>
-            <a:endParaRPr lang="sv-SE" sz="2000" b="0" i="0" u="none" strike="noStrike" kern="1200" spc="0" dirty="0">
-              <a:ln>
-                <a:noFill/>
-              </a:ln>
-              <a:solidFill>
-                <a:srgbClr val="1F497D"/>
-              </a:solidFill>
-              <a:latin typeface="Arial" pitchFamily="18"/>
-              <a:ea typeface="DejaVu Sans" pitchFamily="2"/>
-              <a:cs typeface="DejaVu Sans" pitchFamily="2"/>
-            </a:endParaRPr>
-          </a:p>
-          <a:p>
-            <a:pPr marL="0" marR="0" lvl="0" indent="0" rtl="0" hangingPunct="0">
-              <a:lnSpc>
-                <a:spcPct val="100000"/>
-              </a:lnSpc>
-              <a:spcBef>
-                <a:spcPts val="0"/>
-              </a:spcBef>
-              <a:spcAft>
-                <a:spcPts val="0"/>
-              </a:spcAft>
-              <a:buNone/>
-              <a:tabLst/>
-            </a:pPr>
-            <a:r>
-              <a:rPr lang="sv-SE" sz="2000" b="0" i="0" u="none" strike="noStrike" kern="1200" spc="0" dirty="0" smtClean="0">
-                <a:ln>
-                  <a:noFill/>
-                </a:ln>
-                <a:solidFill>
-                  <a:srgbClr val="1F497D"/>
-                </a:solidFill>
-                <a:latin typeface="Arial" pitchFamily="18"/>
-                <a:ea typeface="DejaVu Sans" pitchFamily="2"/>
-                <a:cs typeface="DejaVu Sans" pitchFamily="2"/>
-              </a:rPr>
-              <a:t>Higher </a:t>
+              <a:t> </a:t>
             </a:r>
             <a:r>
               <a:rPr lang="sv-SE" sz="2000" b="0" i="0" u="none" strike="noStrike" kern="1200" spc="0" dirty="0">
@@ -9469,212 +9646,6 @@
                       </p:childTnLst>
                     </p:cTn>
                   </p:par>
-                  <p:par>
-                    <p:cTn id="75" fill="hold">
-                      <p:stCondLst>
-                        <p:cond delay="indefinite"/>
-                      </p:stCondLst>
-                      <p:childTnLst>
-                        <p:par>
-                          <p:cTn id="76" fill="hold">
-                            <p:stCondLst>
-                              <p:cond delay="0"/>
-                            </p:stCondLst>
-                            <p:childTnLst>
-                              <p:par>
-                                <p:cTn id="77" presetID="2" presetClass="entr" presetSubtype="4" fill="hold" nodeType="clickEffect">
-                                  <p:stCondLst>
-                                    <p:cond delay="0"/>
-                                  </p:stCondLst>
-                                  <p:childTnLst>
-                                    <p:set>
-                                      <p:cBhvr>
-                                        <p:cTn id="78" dur="1" fill="hold">
-                                          <p:stCondLst>
-                                            <p:cond delay="0"/>
-                                          </p:stCondLst>
-                                        </p:cTn>
-                                        <p:tgtEl>
-                                          <p:spTgt spid="3">
-                                            <p:txEl>
-                                              <p:pRg st="12" end="12"/>
-                                            </p:txEl>
-                                          </p:spTgt>
-                                        </p:tgtEl>
-                                        <p:attrNameLst>
-                                          <p:attrName>style.visibility</p:attrName>
-                                        </p:attrNameLst>
-                                      </p:cBhvr>
-                                      <p:to>
-                                        <p:strVal val="visible"/>
-                                      </p:to>
-                                    </p:set>
-                                    <p:anim calcmode="lin" valueType="num">
-                                      <p:cBhvr additive="base">
-                                        <p:cTn id="79" dur="500" fill="hold"/>
-                                        <p:tgtEl>
-                                          <p:spTgt spid="3">
-                                            <p:txEl>
-                                              <p:pRg st="12" end="12"/>
-                                            </p:txEl>
-                                          </p:spTgt>
-                                        </p:tgtEl>
-                                        <p:attrNameLst>
-                                          <p:attrName>ppt_x</p:attrName>
-                                        </p:attrNameLst>
-                                      </p:cBhvr>
-                                      <p:tavLst>
-                                        <p:tav tm="0">
-                                          <p:val>
-                                            <p:strVal val="#ppt_x"/>
-                                          </p:val>
-                                        </p:tav>
-                                        <p:tav tm="100000">
-                                          <p:val>
-                                            <p:strVal val="#ppt_x"/>
-                                          </p:val>
-                                        </p:tav>
-                                      </p:tavLst>
-                                    </p:anim>
-                                    <p:anim calcmode="lin" valueType="num">
-                                      <p:cBhvr additive="base">
-                                        <p:cTn id="80" dur="500" fill="hold"/>
-                                        <p:tgtEl>
-                                          <p:spTgt spid="3">
-                                            <p:txEl>
-                                              <p:pRg st="12" end="12"/>
-                                            </p:txEl>
-                                          </p:spTgt>
-                                        </p:tgtEl>
-                                        <p:attrNameLst>
-                                          <p:attrName>ppt_y</p:attrName>
-                                        </p:attrNameLst>
-                                      </p:cBhvr>
-                                      <p:tavLst>
-                                        <p:tav tm="0">
-                                          <p:val>
-                                            <p:strVal val="1+#ppt_h/2"/>
-                                          </p:val>
-                                        </p:tav>
-                                        <p:tav tm="100000">
-                                          <p:val>
-                                            <p:strVal val="#ppt_y"/>
-                                          </p:val>
-                                        </p:tav>
-                                      </p:tavLst>
-                                    </p:anim>
-                                  </p:childTnLst>
-                                </p:cTn>
-                              </p:par>
-                            </p:childTnLst>
-                          </p:cTn>
-                        </p:par>
-                      </p:childTnLst>
-                    </p:cTn>
-                  </p:par>
-                  <p:par>
-                    <p:cTn id="81" fill="hold">
-                      <p:stCondLst>
-                        <p:cond delay="indefinite"/>
-                      </p:stCondLst>
-                      <p:childTnLst>
-                        <p:par>
-                          <p:cTn id="82" fill="hold">
-                            <p:stCondLst>
-                              <p:cond delay="0"/>
-                            </p:stCondLst>
-                            <p:childTnLst>
-                              <p:par>
-                                <p:cTn id="83" presetID="2" presetClass="entr" presetSubtype="4" fill="hold" nodeType="clickEffect">
-                                  <p:stCondLst>
-                                    <p:cond delay="0"/>
-                                  </p:stCondLst>
-                                  <p:childTnLst>
-                                    <p:set>
-                                      <p:cBhvr>
-                                        <p:cTn id="84" dur="1" fill="hold">
-                                          <p:stCondLst>
-                                            <p:cond delay="0"/>
-                                          </p:stCondLst>
-                                        </p:cTn>
-                                        <p:tgtEl>
-                                          <p:spTgt spid="3">
-                                            <p:txEl>
-                                              <p:pRg st="13" end="13"/>
-                                            </p:txEl>
-                                          </p:spTgt>
-                                        </p:tgtEl>
-                                        <p:attrNameLst>
-                                          <p:attrName>style.visibility</p:attrName>
-                                        </p:attrNameLst>
-                                      </p:cBhvr>
-                                      <p:to>
-                                        <p:strVal val="visible"/>
-                                      </p:to>
-                                    </p:set>
-                                    <p:anim calcmode="lin" valueType="num">
-                                      <p:cBhvr additive="base">
-                                        <p:cTn id="85" dur="500" fill="hold"/>
-                                        <p:tgtEl>
-                                          <p:spTgt spid="3">
-                                            <p:txEl>
-                                              <p:pRg st="13" end="13"/>
-                                            </p:txEl>
-                                          </p:spTgt>
-                                        </p:tgtEl>
-                                        <p:attrNameLst>
-                                          <p:attrName>ppt_x</p:attrName>
-                                        </p:attrNameLst>
-                                      </p:cBhvr>
-                                      <p:tavLst>
-                                        <p:tav tm="0">
-                                          <p:val>
-                                            <p:strVal val="#ppt_x"/>
-                                          </p:val>
-                                        </p:tav>
-                                        <p:tav tm="100000">
-                                          <p:val>
-                                            <p:strVal val="#ppt_x"/>
-                                          </p:val>
-                                        </p:tav>
-                                      </p:tavLst>
-                                    </p:anim>
-                                    <p:anim calcmode="lin" valueType="num">
-                                      <p:cBhvr additive="base">
-                                        <p:cTn id="86" dur="500" fill="hold"/>
-                                        <p:tgtEl>
-                                          <p:spTgt spid="3">
-                                            <p:txEl>
-                                              <p:pRg st="13" end="13"/>
-                                            </p:txEl>
-                                          </p:spTgt>
-                                        </p:tgtEl>
-                                        <p:attrNameLst>
-                                          <p:attrName>ppt_y</p:attrName>
-                                        </p:attrNameLst>
-                                      </p:cBhvr>
-                                      <p:tavLst>
-                                        <p:tav tm="0">
-                                          <p:val>
-                                            <p:strVal val="1+#ppt_h/2"/>
-                                          </p:val>
-                                        </p:tav>
-                                        <p:tav tm="100000">
-                                          <p:val>
-                                            <p:strVal val="#ppt_y"/>
-                                          </p:val>
-                                        </p:tav>
-                                      </p:tavLst>
-                                    </p:anim>
-                                  </p:childTnLst>
-                                </p:cTn>
-                              </p:par>
-                            </p:childTnLst>
-                          </p:cTn>
-                        </p:par>
-                      </p:childTnLst>
-                    </p:cTn>
-                  </p:par>
                 </p:childTnLst>
               </p:cTn>
               <p:prevCondLst>
@@ -9700,9 +9671,9 @@
 </p:sld>
 </file>
 
-<file path=ppt/slides/slide5.xml><?xml version="1.0" encoding="utf-8"?>
+<file path=ppt/slides/slide3.xml><?xml version="1.0" encoding="utf-8"?>
 <p:sld xmlns:a="http://schemas.openxmlformats.org/drawingml/2006/main" xmlns:r="http://schemas.openxmlformats.org/officeDocument/2006/relationships" xmlns:p="http://schemas.openxmlformats.org/presentationml/2006/main">
-  <p:cSld name="page3">
+  <p:cSld>
     <p:spTree>
       <p:nvGrpSpPr>
         <p:cNvPr id="1" name=""/>
@@ -9719,374 +9690,194 @@
       </p:grpSpPr>
       <p:sp>
         <p:nvSpPr>
-          <p:cNvPr id="2" name="TextShape 1"/>
-          <p:cNvSpPr/>
-          <p:nvPr/>
+          <p:cNvPr id="2" name="Title 1"/>
+          <p:cNvSpPr>
+            <a:spLocks noGrp="1"/>
+          </p:cNvSpPr>
+          <p:nvPr>
+            <p:ph type="title"/>
+          </p:nvPr>
         </p:nvSpPr>
         <p:spPr>
           <a:xfrm>
-            <a:off x="457200" y="274680"/>
-            <a:ext cx="8228880" cy="1142280"/>
+            <a:off x="457200" y="274638"/>
+            <a:ext cx="8229600" cy="1282154"/>
           </a:xfrm>
-          <a:custGeom>
-            <a:avLst/>
-            <a:gdLst>
-              <a:gd name="f0" fmla="val 0"/>
-              <a:gd name="f1" fmla="val 21600"/>
-            </a:gdLst>
-            <a:ahLst/>
-            <a:cxnLst>
-              <a:cxn ang="3cd4">
-                <a:pos x="hc" y="t"/>
-              </a:cxn>
-              <a:cxn ang="0">
-                <a:pos x="r" y="vc"/>
-              </a:cxn>
-              <a:cxn ang="cd4">
-                <a:pos x="hc" y="b"/>
-              </a:cxn>
-              <a:cxn ang="cd2">
-                <a:pos x="l" y="vc"/>
-              </a:cxn>
-            </a:cxnLst>
-            <a:rect l="l" t="t" r="r" b="b"/>
-            <a:pathLst>
-              <a:path w="21600" h="21600">
-                <a:moveTo>
-                  <a:pt x="f0" y="f0"/>
-                </a:moveTo>
-                <a:lnTo>
-                  <a:pt x="f1" y="f0"/>
-                </a:lnTo>
-                <a:lnTo>
-                  <a:pt x="f1" y="f1"/>
-                </a:lnTo>
-                <a:lnTo>
-                  <a:pt x="f0" y="f1"/>
-                </a:lnTo>
-                <a:lnTo>
-                  <a:pt x="f0" y="f0"/>
-                </a:lnTo>
-                <a:close/>
-              </a:path>
-            </a:pathLst>
-          </a:custGeom>
-          <a:noFill/>
-          <a:ln>
-            <a:noFill/>
-            <a:prstDash val="solid"/>
-          </a:ln>
         </p:spPr>
         <p:txBody>
-          <a:bodyPr vert="horz" wrap="square" lIns="90000" tIns="45000" rIns="90000" bIns="45000" anchor="t" compatLnSpc="0"/>
+          <a:bodyPr/>
           <a:lstStyle/>
           <a:p>
-            <a:pPr marL="0" marR="0" lvl="0" indent="0" algn="ctr" rtl="0" hangingPunct="0">
-              <a:lnSpc>
-                <a:spcPct val="100000"/>
-              </a:lnSpc>
-              <a:spcBef>
-                <a:spcPts val="0"/>
-              </a:spcBef>
-              <a:spcAft>
-                <a:spcPts val="0"/>
-              </a:spcAft>
-              <a:buNone/>
-              <a:tabLst/>
+            <a:pPr>
+              <a:buNone/>
             </a:pPr>
             <a:r>
-              <a:rPr lang="sv-SE" sz="4400" b="0" i="0" u="none" strike="noStrike" kern="1200" spc="0">
-                <a:ln>
-                  <a:noFill/>
-                </a:ln>
-                <a:solidFill>
-                  <a:srgbClr val="000000"/>
-                </a:solidFill>
-                <a:latin typeface="Calibri" pitchFamily="18"/>
-                <a:ea typeface="DejaVu Sans" pitchFamily="2"/>
-                <a:cs typeface="DejaVu Sans" pitchFamily="2"/>
-              </a:rPr>
-              <a:t>Functional programming enables</a:t>
-            </a:r>
+              <a:rPr lang="sv-SE" dirty="0" smtClean="0"/>
+              <a:t>Functional vs Imperative</a:t>
+            </a:r>
+            <a:br>
+              <a:rPr lang="sv-SE" dirty="0" smtClean="0"/>
+            </a:br>
+            <a:r>
+              <a:rPr lang="sv-SE" dirty="0" smtClean="0"/>
+              <a:t>What vs How</a:t>
+            </a:r>
+            <a:endParaRPr lang="sv-SE" dirty="0"/>
           </a:p>
         </p:txBody>
       </p:sp>
       <p:sp>
         <p:nvSpPr>
-          <p:cNvPr id="3" name="TextShape 2"/>
-          <p:cNvSpPr/>
-          <p:nvPr/>
+          <p:cNvPr id="4" name="Content Placeholder 3"/>
+          <p:cNvSpPr>
+            <a:spLocks noGrp="1"/>
+          </p:cNvSpPr>
+          <p:nvPr>
+            <p:ph sz="half" idx="2"/>
+          </p:nvPr>
+        </p:nvSpPr>
+        <p:spPr/>
+        <p:txBody>
+          <a:bodyPr/>
+          <a:lstStyle/>
+          <a:p>
+            <a:pPr marL="108000" indent="0">
+              <a:buNone/>
+            </a:pPr>
+            <a:r>
+              <a:rPr lang="sv-SE" dirty="0" smtClean="0"/>
+              <a:t>for </a:t>
+            </a:r>
+            <a:r>
+              <a:rPr lang="sv-SE" dirty="0" err="1" smtClean="0"/>
+              <a:t>emp</a:t>
+            </a:r>
+            <a:r>
+              <a:rPr lang="sv-SE" dirty="0" smtClean="0"/>
+              <a:t> in </a:t>
+            </a:r>
+            <a:r>
+              <a:rPr lang="sv-SE" dirty="0" err="1" smtClean="0"/>
+              <a:t>employees</a:t>
+            </a:r>
+            <a:endParaRPr lang="sv-SE" dirty="0" smtClean="0"/>
+          </a:p>
+          <a:p>
+            <a:pPr marL="108000" indent="0">
+              <a:buNone/>
+            </a:pPr>
+            <a:r>
+              <a:rPr lang="sv-SE" dirty="0" smtClean="0"/>
+              <a:t>   </a:t>
+            </a:r>
+            <a:r>
+              <a:rPr lang="sv-SE" dirty="0" err="1" smtClean="0"/>
+              <a:t>if</a:t>
+            </a:r>
+            <a:r>
+              <a:rPr lang="sv-SE" dirty="0" smtClean="0"/>
+              <a:t> </a:t>
+            </a:r>
+            <a:r>
+              <a:rPr lang="sv-SE" dirty="0" err="1" smtClean="0"/>
+              <a:t>emp.isManager</a:t>
+            </a:r>
+            <a:endParaRPr lang="sv-SE" dirty="0" smtClean="0"/>
+          </a:p>
+          <a:p>
+            <a:pPr marL="108000" indent="0">
+              <a:buNone/>
+            </a:pPr>
+            <a:r>
+              <a:rPr lang="sv-SE" dirty="0" smtClean="0"/>
+              <a:t>      </a:t>
+            </a:r>
+            <a:r>
+              <a:rPr lang="sv-SE" dirty="0" err="1" smtClean="0"/>
+              <a:t>result.add</a:t>
+            </a:r>
+            <a:r>
+              <a:rPr lang="sv-SE" dirty="0" smtClean="0"/>
+              <a:t>(</a:t>
+            </a:r>
+            <a:r>
+              <a:rPr lang="sv-SE" dirty="0" err="1" smtClean="0"/>
+              <a:t>emp</a:t>
+            </a:r>
+            <a:r>
+              <a:rPr lang="sv-SE" dirty="0" smtClean="0"/>
+              <a:t>)</a:t>
+            </a:r>
+          </a:p>
+          <a:p>
+            <a:pPr marL="108000" indent="0">
+              <a:buNone/>
+            </a:pPr>
+            <a:r>
+              <a:rPr lang="sv-SE" dirty="0" err="1" smtClean="0"/>
+              <a:t>return</a:t>
+            </a:r>
+            <a:r>
+              <a:rPr lang="sv-SE" dirty="0" smtClean="0"/>
+              <a:t> </a:t>
+            </a:r>
+            <a:r>
+              <a:rPr lang="sv-SE" dirty="0" err="1" smtClean="0"/>
+              <a:t>result</a:t>
+            </a:r>
+            <a:endParaRPr lang="sv-SE" dirty="0"/>
+          </a:p>
+        </p:txBody>
+      </p:sp>
+      <p:sp>
+        <p:nvSpPr>
+          <p:cNvPr id="6" name="Content Placeholder 5"/>
+          <p:cNvSpPr>
+            <a:spLocks noGrp="1"/>
+          </p:cNvSpPr>
+          <p:nvPr>
+            <p:ph sz="quarter" idx="4"/>
+          </p:nvPr>
         </p:nvSpPr>
         <p:spPr>
           <a:xfrm>
-            <a:off x="457200" y="1600200"/>
-            <a:ext cx="8228880" cy="4615920"/>
+            <a:off x="4572000" y="2174875"/>
+            <a:ext cx="4464496" cy="3951288"/>
           </a:xfrm>
-          <a:custGeom>
-            <a:avLst/>
-            <a:gdLst>
-              <a:gd name="f0" fmla="val 0"/>
-              <a:gd name="f1" fmla="val 21600"/>
-            </a:gdLst>
-            <a:ahLst/>
-            <a:cxnLst>
-              <a:cxn ang="3cd4">
-                <a:pos x="hc" y="t"/>
-              </a:cxn>
-              <a:cxn ang="0">
-                <a:pos x="r" y="vc"/>
-              </a:cxn>
-              <a:cxn ang="cd4">
-                <a:pos x="hc" y="b"/>
-              </a:cxn>
-              <a:cxn ang="cd2">
-                <a:pos x="l" y="vc"/>
-              </a:cxn>
-            </a:cxnLst>
-            <a:rect l="l" t="t" r="r" b="b"/>
-            <a:pathLst>
-              <a:path w="21600" h="21600">
-                <a:moveTo>
-                  <a:pt x="f0" y="f0"/>
-                </a:moveTo>
-                <a:lnTo>
-                  <a:pt x="f1" y="f0"/>
-                </a:lnTo>
-                <a:lnTo>
-                  <a:pt x="f1" y="f1"/>
-                </a:lnTo>
-                <a:lnTo>
-                  <a:pt x="f0" y="f1"/>
-                </a:lnTo>
-                <a:lnTo>
-                  <a:pt x="f0" y="f0"/>
-                </a:lnTo>
-                <a:close/>
-              </a:path>
-            </a:pathLst>
-          </a:custGeom>
-          <a:noFill/>
-          <a:ln>
-            <a:noFill/>
-            <a:prstDash val="solid"/>
-          </a:ln>
         </p:spPr>
         <p:txBody>
-          <a:bodyPr vert="horz" wrap="square" lIns="90000" tIns="45000" rIns="90000" bIns="45000" anchor="t" compatLnSpc="0"/>
+          <a:bodyPr/>
           <a:lstStyle/>
           <a:p>
-            <a:pPr marL="0" marR="0" lvl="0" indent="0" rtl="0" hangingPunct="0">
-              <a:lnSpc>
-                <a:spcPct val="100000"/>
-              </a:lnSpc>
-              <a:spcBef>
-                <a:spcPts val="0"/>
-              </a:spcBef>
-              <a:spcAft>
-                <a:spcPts val="0"/>
-              </a:spcAft>
-              <a:buNone/>
-              <a:tabLst/>
+            <a:pPr marL="108000" indent="0">
+              <a:buNone/>
             </a:pPr>
             <a:r>
-              <a:rPr lang="sv-SE" sz="2000" b="0" i="0" u="none" strike="noStrike" kern="1200" spc="0" dirty="0">
-                <a:ln>
-                  <a:noFill/>
-                </a:ln>
-                <a:latin typeface="Arial" pitchFamily="18"/>
-                <a:ea typeface="DejaVu Sans" pitchFamily="2"/>
-                <a:cs typeface="DejaVu Sans" pitchFamily="2"/>
-              </a:rPr>
-              <a:t>Immutability</a:t>
-            </a:r>
-          </a:p>
-          <a:p>
-            <a:pPr marL="0" marR="0" lvl="0" indent="0" rtl="0" hangingPunct="0">
-              <a:lnSpc>
-                <a:spcPct val="100000"/>
-              </a:lnSpc>
-              <a:spcBef>
-                <a:spcPts val="0"/>
-              </a:spcBef>
-              <a:spcAft>
-                <a:spcPts val="0"/>
-              </a:spcAft>
-              <a:buNone/>
-              <a:tabLst/>
-            </a:pPr>
-            <a:r>
-              <a:rPr lang="sv-SE" sz="1600" b="0" i="0" u="none" strike="noStrike" kern="1200" spc="0" dirty="0" smtClean="0">
-                <a:ln>
-                  <a:noFill/>
-                </a:ln>
-                <a:latin typeface="Arial" pitchFamily="18"/>
-                <a:ea typeface="DejaVu Sans" pitchFamily="2"/>
-                <a:cs typeface="DejaVu Sans" pitchFamily="2"/>
-              </a:rPr>
-              <a:t>	Safe </a:t>
-            </a:r>
-            <a:r>
-              <a:rPr lang="sv-SE" sz="1600" b="0" i="0" u="none" strike="noStrike" kern="1200" spc="0" dirty="0">
-                <a:ln>
-                  <a:noFill/>
-                </a:ln>
-                <a:latin typeface="Arial" pitchFamily="18"/>
-                <a:ea typeface="DejaVu Sans" pitchFamily="2"/>
-                <a:cs typeface="DejaVu Sans" pitchFamily="2"/>
-              </a:rPr>
-              <a:t>sharing of data</a:t>
-            </a:r>
-          </a:p>
-          <a:p>
-            <a:pPr marL="0" marR="0" lvl="0" indent="0" rtl="0" hangingPunct="0">
-              <a:lnSpc>
-                <a:spcPct val="100000"/>
-              </a:lnSpc>
-              <a:spcBef>
-                <a:spcPts val="0"/>
-              </a:spcBef>
-              <a:spcAft>
-                <a:spcPts val="0"/>
-              </a:spcAft>
-              <a:buNone/>
-              <a:tabLst/>
-            </a:pPr>
-            <a:r>
-              <a:rPr lang="sv-SE" sz="1600" b="0" i="0" u="none" strike="noStrike" kern="1200" spc="0" dirty="0" smtClean="0">
-                <a:ln>
-                  <a:noFill/>
-                </a:ln>
-                <a:latin typeface="Arial" pitchFamily="18"/>
-                <a:ea typeface="DejaVu Sans" pitchFamily="2"/>
-                <a:cs typeface="DejaVu Sans" pitchFamily="2"/>
-              </a:rPr>
-              <a:t>	Safe </a:t>
-            </a:r>
-            <a:r>
-              <a:rPr lang="sv-SE" sz="1600" b="0" i="0" u="none" strike="noStrike" kern="1200" spc="0" dirty="0">
-                <a:ln>
-                  <a:noFill/>
-                </a:ln>
-                <a:latin typeface="Arial" pitchFamily="18"/>
-                <a:ea typeface="DejaVu Sans" pitchFamily="2"/>
-                <a:cs typeface="DejaVu Sans" pitchFamily="2"/>
-              </a:rPr>
-              <a:t>and simple multithreading</a:t>
-            </a:r>
-          </a:p>
-          <a:p>
-            <a:pPr marL="0" marR="0" lvl="0" indent="0" rtl="0" hangingPunct="0">
-              <a:lnSpc>
-                <a:spcPct val="100000"/>
-              </a:lnSpc>
-              <a:spcBef>
-                <a:spcPts val="0"/>
-              </a:spcBef>
-              <a:spcAft>
-                <a:spcPts val="0"/>
-              </a:spcAft>
-              <a:buNone/>
-              <a:tabLst/>
-            </a:pPr>
-            <a:r>
-              <a:rPr lang="sv-SE" sz="2000" b="0" i="0" u="none" strike="noStrike" kern="1200" spc="0" dirty="0">
-                <a:ln>
-                  <a:noFill/>
-                </a:ln>
-                <a:latin typeface="Arial" pitchFamily="18"/>
-                <a:ea typeface="DejaVu Sans" pitchFamily="2"/>
-                <a:cs typeface="DejaVu Sans" pitchFamily="2"/>
-              </a:rPr>
-              <a:t>Higher order functions</a:t>
-            </a:r>
-          </a:p>
-          <a:p>
-            <a:pPr marL="0" marR="0" lvl="0" indent="0" rtl="0" hangingPunct="0">
-              <a:lnSpc>
-                <a:spcPct val="100000"/>
-              </a:lnSpc>
-              <a:spcBef>
-                <a:spcPts val="0"/>
-              </a:spcBef>
-              <a:spcAft>
-                <a:spcPts val="0"/>
-              </a:spcAft>
-              <a:buNone/>
-              <a:tabLst/>
-            </a:pPr>
-            <a:r>
-              <a:rPr lang="sv-SE" sz="1600" dirty="0" smtClean="0">
-                <a:latin typeface="Arial" pitchFamily="18"/>
-                <a:ea typeface="DejaVu Sans" pitchFamily="2"/>
-                <a:cs typeface="DejaVu Sans" pitchFamily="2"/>
-              </a:rPr>
-              <a:t>	C</a:t>
-            </a:r>
-            <a:r>
-              <a:rPr lang="sv-SE" sz="1600" b="0" i="0" u="none" strike="noStrike" kern="1200" spc="0" dirty="0" smtClean="0">
-                <a:ln>
-                  <a:noFill/>
-                </a:ln>
-                <a:latin typeface="Arial" pitchFamily="18"/>
-                <a:ea typeface="DejaVu Sans" pitchFamily="2"/>
-                <a:cs typeface="DejaVu Sans" pitchFamily="2"/>
-              </a:rPr>
-              <a:t>omposable algorithms</a:t>
-            </a:r>
-            <a:endParaRPr lang="sv-SE" sz="1200" dirty="0">
-              <a:latin typeface="Arial" pitchFamily="18"/>
-              <a:ea typeface="DejaVu Sans" pitchFamily="2"/>
-              <a:cs typeface="DejaVu Sans" pitchFamily="2"/>
-            </a:endParaRPr>
-          </a:p>
-          <a:p>
-            <a:pPr marL="0" marR="0" lvl="0" indent="0" rtl="0" hangingPunct="0">
-              <a:lnSpc>
-                <a:spcPct val="100000"/>
-              </a:lnSpc>
-              <a:spcBef>
-                <a:spcPts val="0"/>
-              </a:spcBef>
-              <a:spcAft>
-                <a:spcPts val="0"/>
-              </a:spcAft>
-              <a:buNone/>
-              <a:tabLst/>
-            </a:pPr>
-            <a:r>
-              <a:rPr lang="sv-SE" sz="1200" b="0" i="0" u="none" strike="noStrike" kern="1200" spc="0" dirty="0">
-                <a:ln>
-                  <a:noFill/>
-                </a:ln>
-                <a:latin typeface="Arial" pitchFamily="18"/>
-                <a:ea typeface="DejaVu Sans" pitchFamily="2"/>
-                <a:cs typeface="DejaVu Sans" pitchFamily="2"/>
-              </a:rPr>
-              <a:t>	</a:t>
-            </a:r>
-            <a:r>
-              <a:rPr lang="sv-SE" sz="1200" b="0" i="0" u="none" strike="noStrike" kern="1200" spc="0" dirty="0" smtClean="0">
-                <a:ln>
-                  <a:noFill/>
-                </a:ln>
-                <a:latin typeface="Arial" pitchFamily="18"/>
-                <a:ea typeface="DejaVu Sans" pitchFamily="2"/>
-                <a:cs typeface="DejaVu Sans" pitchFamily="2"/>
-              </a:rPr>
-              <a:t>Clean separation of alorithmic concerns</a:t>
-            </a:r>
-            <a:endParaRPr lang="sv-SE" sz="1600" b="0" i="0" u="none" strike="noStrike" kern="1200" spc="0" dirty="0">
-              <a:ln>
-                <a:noFill/>
-              </a:ln>
-              <a:latin typeface="Arial" pitchFamily="18"/>
-              <a:ea typeface="DejaVu Sans" pitchFamily="2"/>
-              <a:cs typeface="DejaVu Sans" pitchFamily="2"/>
-            </a:endParaRPr>
+              <a:rPr lang="sv-SE" dirty="0" err="1" smtClean="0"/>
+              <a:t>employees</a:t>
+            </a:r>
+            <a:r>
+              <a:rPr lang="sv-SE" dirty="0" smtClean="0"/>
+              <a:t> |&gt; filter </a:t>
+            </a:r>
+            <a:r>
+              <a:rPr lang="sv-SE" dirty="0" err="1" smtClean="0"/>
+              <a:t>isManager</a:t>
+            </a:r>
+            <a:r>
+              <a:rPr lang="sv-SE" dirty="0" smtClean="0"/>
+              <a:t> 	</a:t>
+            </a:r>
+            <a:endParaRPr lang="sv-SE" dirty="0"/>
           </a:p>
         </p:txBody>
       </p:sp>
     </p:spTree>
+    <p:extLst>
+      <p:ext uri="{BB962C8B-B14F-4D97-AF65-F5344CB8AC3E}">
+        <p14:creationId xmlns:p14="http://schemas.microsoft.com/office/powerpoint/2010/main" val="1587520631"/>
+      </p:ext>
+    </p:extLst>
   </p:cSld>
   <p:clrMapOvr>
     <a:masterClrMapping/>
@@ -10109,9 +9900,9 @@
 </p:sld>
 </file>
 
-<file path=ppt/slides/slide6.xml><?xml version="1.0" encoding="utf-8"?>
+<file path=ppt/slides/slide4.xml><?xml version="1.0" encoding="utf-8"?>
 <p:sld xmlns:a="http://schemas.openxmlformats.org/drawingml/2006/main" xmlns:r="http://schemas.openxmlformats.org/officeDocument/2006/relationships" xmlns:p="http://schemas.openxmlformats.org/presentationml/2006/main">
-  <p:cSld name="page4">
+  <p:cSld>
     <p:spTree>
       <p:nvGrpSpPr>
         <p:cNvPr id="1" name=""/>
@@ -10128,540 +9919,241 @@
       </p:grpSpPr>
       <p:sp>
         <p:nvSpPr>
-          <p:cNvPr id="2" name="TextShape 1"/>
-          <p:cNvSpPr/>
-          <p:nvPr/>
+          <p:cNvPr id="2" name="Title 1"/>
+          <p:cNvSpPr>
+            <a:spLocks noGrp="1"/>
+          </p:cNvSpPr>
+          <p:nvPr>
+            <p:ph type="title"/>
+          </p:nvPr>
         </p:nvSpPr>
-        <p:spPr>
-          <a:xfrm>
-            <a:off x="457200" y="274680"/>
-            <a:ext cx="8228880" cy="1142280"/>
-          </a:xfrm>
-          <a:custGeom>
-            <a:avLst/>
-            <a:gdLst>
-              <a:gd name="f0" fmla="val 0"/>
-              <a:gd name="f1" fmla="val 21600"/>
-            </a:gdLst>
-            <a:ahLst/>
-            <a:cxnLst>
-              <a:cxn ang="3cd4">
-                <a:pos x="hc" y="t"/>
-              </a:cxn>
-              <a:cxn ang="0">
-                <a:pos x="r" y="vc"/>
-              </a:cxn>
-              <a:cxn ang="cd4">
-                <a:pos x="hc" y="b"/>
-              </a:cxn>
-              <a:cxn ang="cd2">
-                <a:pos x="l" y="vc"/>
-              </a:cxn>
-            </a:cxnLst>
-            <a:rect l="l" t="t" r="r" b="b"/>
-            <a:pathLst>
-              <a:path w="21600" h="21600">
-                <a:moveTo>
-                  <a:pt x="f0" y="f0"/>
-                </a:moveTo>
-                <a:lnTo>
-                  <a:pt x="f1" y="f0"/>
-                </a:lnTo>
-                <a:lnTo>
-                  <a:pt x="f1" y="f1"/>
-                </a:lnTo>
-                <a:lnTo>
-                  <a:pt x="f0" y="f1"/>
-                </a:lnTo>
-                <a:lnTo>
-                  <a:pt x="f0" y="f0"/>
-                </a:lnTo>
-                <a:close/>
-              </a:path>
-            </a:pathLst>
-          </a:custGeom>
-          <a:noFill/>
-          <a:ln>
-            <a:noFill/>
-            <a:prstDash val="solid"/>
-          </a:ln>
-        </p:spPr>
+        <p:spPr/>
         <p:txBody>
-          <a:bodyPr vert="horz" wrap="square" lIns="90000" tIns="45000" rIns="90000" bIns="45000" anchor="t" compatLnSpc="0"/>
+          <a:bodyPr/>
           <a:lstStyle/>
           <a:p>
-            <a:pPr marL="0" marR="0" lvl="0" indent="0" algn="ctr" rtl="0" hangingPunct="0">
-              <a:lnSpc>
-                <a:spcPct val="100000"/>
-              </a:lnSpc>
-              <a:spcBef>
-                <a:spcPts val="0"/>
-              </a:spcBef>
-              <a:spcAft>
-                <a:spcPts val="0"/>
-              </a:spcAft>
-              <a:buNone/>
-              <a:tabLst/>
+            <a:pPr>
+              <a:buNone/>
             </a:pPr>
             <a:r>
-              <a:rPr lang="sv-SE" sz="4400" b="0" i="0" u="none" strike="noStrike" kern="1200" spc="0">
-                <a:ln>
-                  <a:noFill/>
-                </a:ln>
-                <a:solidFill>
-                  <a:srgbClr val="000000"/>
-                </a:solidFill>
-                <a:latin typeface="Calibri" pitchFamily="18"/>
-                <a:ea typeface="DejaVu Sans" pitchFamily="2"/>
-                <a:cs typeface="DejaVu Sans" pitchFamily="2"/>
-              </a:rPr>
-              <a:t>Generic programming</a:t>
+              <a:rPr lang="sv-SE" dirty="0"/>
+              <a:t>The </a:t>
+            </a:r>
+            <a:r>
+              <a:rPr lang="sv-SE" dirty="0" err="1"/>
+              <a:t>free</a:t>
+            </a:r>
+            <a:r>
+              <a:rPr lang="sv-SE" dirty="0"/>
+              <a:t> lunch is over</a:t>
             </a:r>
           </a:p>
         </p:txBody>
       </p:sp>
       <p:sp>
         <p:nvSpPr>
-          <p:cNvPr id="3" name="TextShape 2"/>
-          <p:cNvSpPr/>
-          <p:nvPr/>
+          <p:cNvPr id="3" name="Content Placeholder 2"/>
+          <p:cNvSpPr>
+            <a:spLocks noGrp="1"/>
+          </p:cNvSpPr>
+          <p:nvPr>
+            <p:ph idx="1"/>
+          </p:nvPr>
         </p:nvSpPr>
-        <p:spPr>
-          <a:xfrm>
-            <a:off x="457200" y="1600200"/>
-            <a:ext cx="8228880" cy="5821200"/>
-          </a:xfrm>
-          <a:custGeom>
-            <a:avLst/>
-            <a:gdLst>
-              <a:gd name="f0" fmla="val 0"/>
-              <a:gd name="f1" fmla="val 21600"/>
-            </a:gdLst>
-            <a:ahLst/>
-            <a:cxnLst>
-              <a:cxn ang="3cd4">
-                <a:pos x="hc" y="t"/>
-              </a:cxn>
-              <a:cxn ang="0">
-                <a:pos x="r" y="vc"/>
-              </a:cxn>
-              <a:cxn ang="cd4">
-                <a:pos x="hc" y="b"/>
-              </a:cxn>
-              <a:cxn ang="cd2">
-                <a:pos x="l" y="vc"/>
-              </a:cxn>
-            </a:cxnLst>
-            <a:rect l="l" t="t" r="r" b="b"/>
-            <a:pathLst>
-              <a:path w="21600" h="21600">
-                <a:moveTo>
-                  <a:pt x="f0" y="f0"/>
-                </a:moveTo>
-                <a:lnTo>
-                  <a:pt x="f1" y="f0"/>
-                </a:lnTo>
-                <a:lnTo>
-                  <a:pt x="f1" y="f1"/>
-                </a:lnTo>
-                <a:lnTo>
-                  <a:pt x="f0" y="f1"/>
-                </a:lnTo>
-                <a:lnTo>
-                  <a:pt x="f0" y="f0"/>
-                </a:lnTo>
-                <a:close/>
-              </a:path>
-            </a:pathLst>
-          </a:custGeom>
-          <a:noFill/>
-          <a:ln>
-            <a:noFill/>
-            <a:prstDash val="solid"/>
-          </a:ln>
-        </p:spPr>
+        <p:spPr/>
         <p:txBody>
-          <a:bodyPr vert="horz" wrap="square" lIns="90000" tIns="45000" rIns="90000" bIns="45000" anchor="t" compatLnSpc="0"/>
+          <a:bodyPr/>
           <a:lstStyle/>
           <a:p>
-            <a:pPr marL="0" marR="0" lvl="0" indent="0" rtl="0" hangingPunct="0">
-              <a:lnSpc>
-                <a:spcPct val="100000"/>
-              </a:lnSpc>
-              <a:spcBef>
-                <a:spcPts val="0"/>
-              </a:spcBef>
-              <a:spcAft>
-                <a:spcPts val="0"/>
-              </a:spcAft>
-              <a:buNone/>
-              <a:tabLst/>
-            </a:pPr>
-            <a:r>
-              <a:rPr lang="sv-SE" sz="1800" b="0" i="0" u="none" strike="noStrike" kern="1200" spc="0" dirty="0">
-                <a:ln>
-                  <a:noFill/>
-                </a:ln>
-                <a:latin typeface="Arial" pitchFamily="18"/>
-                <a:ea typeface="DejaVu Sans" pitchFamily="2"/>
-                <a:cs typeface="DejaVu Sans" pitchFamily="2"/>
-              </a:rPr>
-              <a:t>Abstractions written in terms of unknown types</a:t>
-            </a:r>
-          </a:p>
-          <a:p>
-            <a:pPr marL="0" marR="0" lvl="0" indent="0" rtl="0" hangingPunct="0">
-              <a:lnSpc>
-                <a:spcPct val="100000"/>
-              </a:lnSpc>
-              <a:spcBef>
-                <a:spcPts val="0"/>
-              </a:spcBef>
-              <a:spcAft>
-                <a:spcPts val="0"/>
-              </a:spcAft>
-              <a:buNone/>
-              <a:tabLst/>
-            </a:pPr>
-            <a:r>
-              <a:rPr lang="sv-SE" sz="1800" b="0" i="0" u="none" strike="noStrike" kern="1200" spc="0" dirty="0">
-                <a:ln>
-                  <a:noFill/>
-                </a:ln>
-                <a:latin typeface="Arial" pitchFamily="18"/>
-                <a:ea typeface="DejaVu Sans" pitchFamily="2"/>
-                <a:cs typeface="DejaVu Sans" pitchFamily="2"/>
-              </a:rPr>
-              <a:t>Methods	</a:t>
-            </a:r>
-          </a:p>
-          <a:p>
-            <a:pPr marL="0" marR="0" lvl="0" indent="0" rtl="0" hangingPunct="0">
-              <a:lnSpc>
-                <a:spcPct val="100000"/>
-              </a:lnSpc>
-              <a:spcBef>
-                <a:spcPts val="0"/>
-              </a:spcBef>
-              <a:spcAft>
-                <a:spcPts val="0"/>
-              </a:spcAft>
-              <a:buNone/>
-              <a:tabLst/>
-            </a:pPr>
-            <a:r>
-              <a:rPr lang="sv-SE" sz="1800" b="0" i="0" u="none" strike="noStrike" kern="1200" spc="0" dirty="0">
-                <a:ln>
-                  <a:noFill/>
-                </a:ln>
-                <a:solidFill>
-                  <a:srgbClr val="0000FF"/>
-                </a:solidFill>
-                <a:latin typeface="Arial" pitchFamily="18"/>
-                <a:ea typeface="DejaVu Sans" pitchFamily="2"/>
-                <a:cs typeface="DejaVu Sans" pitchFamily="2"/>
-              </a:rPr>
-              <a:t>public static </a:t>
-            </a:r>
-            <a:r>
-              <a:rPr lang="sv-SE" sz="1800" b="0" i="0" u="none" strike="noStrike" kern="1200" spc="0" dirty="0">
-                <a:ln>
-                  <a:noFill/>
-                </a:ln>
-                <a:solidFill>
-                  <a:srgbClr val="2B91AF"/>
-                </a:solidFill>
-                <a:latin typeface="Arial" pitchFamily="18"/>
-                <a:ea typeface="DejaVu Sans" pitchFamily="2"/>
-                <a:cs typeface="DejaVu Sans" pitchFamily="2"/>
-              </a:rPr>
-              <a:t>IEnumerable&lt;T&gt; Where&lt;T&gt;(IEnumerable&lt;T&gt; me,.....)</a:t>
-            </a:r>
-          </a:p>
-          <a:p>
-            <a:pPr marL="0" marR="0" lvl="0" indent="0" rtl="0" hangingPunct="0">
-              <a:lnSpc>
-                <a:spcPct val="100000"/>
-              </a:lnSpc>
-              <a:spcBef>
-                <a:spcPts val="0"/>
-              </a:spcBef>
-              <a:spcAft>
-                <a:spcPts val="0"/>
-              </a:spcAft>
-              <a:buNone/>
-              <a:tabLst/>
-            </a:pPr>
-            <a:r>
-              <a:rPr lang="sv-SE" sz="1800" b="0" i="0" u="none" strike="noStrike" kern="1200" spc="0" dirty="0">
-                <a:ln>
-                  <a:noFill/>
-                </a:ln>
-                <a:solidFill>
-                  <a:srgbClr val="2B91AF"/>
-                </a:solidFill>
-                <a:latin typeface="Arial" pitchFamily="18"/>
-                <a:ea typeface="DejaVu Sans" pitchFamily="2"/>
-                <a:cs typeface="DejaVu Sans" pitchFamily="2"/>
-              </a:rPr>
-              <a:t>{</a:t>
-            </a:r>
-          </a:p>
-          <a:p>
-            <a:pPr marL="0" marR="0" lvl="0" indent="0" rtl="0" hangingPunct="0">
-              <a:lnSpc>
-                <a:spcPct val="100000"/>
-              </a:lnSpc>
-              <a:spcBef>
-                <a:spcPts val="0"/>
-              </a:spcBef>
-              <a:spcAft>
-                <a:spcPts val="0"/>
-              </a:spcAft>
-              <a:buNone/>
-              <a:tabLst/>
-            </a:pPr>
-            <a:r>
-              <a:rPr lang="sv-SE" sz="1800" b="0" i="0" u="none" strike="noStrike" kern="1200" spc="0" dirty="0">
-                <a:ln>
-                  <a:noFill/>
-                </a:ln>
-                <a:solidFill>
-                  <a:srgbClr val="2B91AF"/>
-                </a:solidFill>
-                <a:latin typeface="Arial" pitchFamily="18"/>
-                <a:ea typeface="DejaVu Sans" pitchFamily="2"/>
-                <a:cs typeface="DejaVu Sans" pitchFamily="2"/>
-              </a:rPr>
-              <a:t>	...</a:t>
-            </a:r>
-          </a:p>
-          <a:p>
-            <a:pPr marL="0" marR="0" lvl="0" indent="0" rtl="0" hangingPunct="0">
-              <a:lnSpc>
-                <a:spcPct val="100000"/>
-              </a:lnSpc>
-              <a:spcBef>
-                <a:spcPts val="0"/>
-              </a:spcBef>
-              <a:spcAft>
-                <a:spcPts val="0"/>
-              </a:spcAft>
-              <a:buNone/>
-              <a:tabLst/>
-            </a:pPr>
-            <a:r>
-              <a:rPr lang="sv-SE" sz="1800" b="0" i="0" u="none" strike="noStrike" kern="1200" spc="0" dirty="0">
-                <a:ln>
-                  <a:noFill/>
-                </a:ln>
-                <a:solidFill>
-                  <a:srgbClr val="2B91AF"/>
-                </a:solidFill>
-                <a:latin typeface="Arial" pitchFamily="18"/>
-                <a:ea typeface="DejaVu Sans" pitchFamily="2"/>
-                <a:cs typeface="DejaVu Sans" pitchFamily="2"/>
-              </a:rPr>
-              <a:t>}</a:t>
-            </a:r>
-          </a:p>
-          <a:p>
-            <a:pPr lvl="0" hangingPunct="0"/>
-            <a:r>
-              <a:rPr lang="sv-SE" dirty="0" smtClean="0">
-                <a:latin typeface="Arial" pitchFamily="18"/>
-                <a:ea typeface="DejaVu Sans" pitchFamily="2"/>
-                <a:cs typeface="DejaVu Sans" pitchFamily="2"/>
-              </a:rPr>
-              <a:t>Datastructures</a:t>
-            </a:r>
-            <a:endParaRPr lang="sv-SE" sz="1800" b="0" i="0" u="none" strike="noStrike" kern="1200" spc="0" dirty="0">
-              <a:ln>
-                <a:noFill/>
-              </a:ln>
-              <a:solidFill>
-                <a:srgbClr val="2B91AF"/>
-              </a:solidFill>
-              <a:latin typeface="Arial" pitchFamily="18"/>
-              <a:ea typeface="DejaVu Sans" pitchFamily="2"/>
-              <a:cs typeface="DejaVu Sans" pitchFamily="2"/>
-            </a:endParaRPr>
-          </a:p>
-          <a:p>
-            <a:pPr marL="0" marR="0" lvl="0" indent="0" rtl="0" hangingPunct="0">
-              <a:lnSpc>
-                <a:spcPct val="100000"/>
-              </a:lnSpc>
-              <a:spcBef>
-                <a:spcPts val="0"/>
-              </a:spcBef>
-              <a:spcAft>
-                <a:spcPts val="0"/>
-              </a:spcAft>
-              <a:buNone/>
-              <a:tabLst/>
-            </a:pPr>
-            <a:r>
-              <a:rPr lang="sv-SE" sz="1800" b="0" i="0" u="none" strike="noStrike" kern="1200" spc="0" dirty="0">
-                <a:ln>
-                  <a:noFill/>
-                </a:ln>
-                <a:solidFill>
-                  <a:srgbClr val="0000FF"/>
-                </a:solidFill>
-                <a:latin typeface="Arial" pitchFamily="18"/>
-                <a:ea typeface="DejaVu Sans" pitchFamily="2"/>
-                <a:cs typeface="DejaVu Sans" pitchFamily="2"/>
-              </a:rPr>
-              <a:t>interface </a:t>
-            </a:r>
-            <a:r>
-              <a:rPr lang="sv-SE" sz="1800" b="0" i="0" u="none" strike="noStrike" kern="1200" spc="0" dirty="0">
-                <a:ln>
-                  <a:noFill/>
-                </a:ln>
-                <a:solidFill>
-                  <a:srgbClr val="2B91AF"/>
-                </a:solidFill>
-                <a:latin typeface="Arial" pitchFamily="18"/>
-                <a:ea typeface="DejaVu Sans" pitchFamily="2"/>
-                <a:cs typeface="DejaVu Sans" pitchFamily="2"/>
-              </a:rPr>
-              <a:t>IHierarchy&lt;T&gt; </a:t>
-            </a:r>
-            <a:r>
-              <a:rPr lang="sv-SE" sz="1800" b="0" i="0" u="none" strike="noStrike" kern="1200" spc="0" dirty="0">
-                <a:ln>
-                  <a:noFill/>
-                </a:ln>
-                <a:solidFill>
-                  <a:srgbClr val="0000FF"/>
-                </a:solidFill>
-                <a:latin typeface="Arial" pitchFamily="18"/>
-                <a:ea typeface="DejaVu Sans" pitchFamily="2"/>
-                <a:cs typeface="DejaVu Sans" pitchFamily="2"/>
-              </a:rPr>
-              <a:t>where T : </a:t>
-            </a:r>
-            <a:r>
-              <a:rPr lang="sv-SE" sz="1800" b="0" i="0" u="none" strike="noStrike" kern="1200" spc="0" dirty="0">
-                <a:ln>
-                  <a:noFill/>
-                </a:ln>
-                <a:solidFill>
-                  <a:srgbClr val="2B91AF"/>
-                </a:solidFill>
-                <a:latin typeface="Arial" pitchFamily="18"/>
-                <a:ea typeface="DejaVu Sans" pitchFamily="2"/>
-                <a:cs typeface="DejaVu Sans" pitchFamily="2"/>
-              </a:rPr>
-              <a:t>IHierarchy&lt;T&gt;</a:t>
-            </a:r>
-          </a:p>
-          <a:p>
-            <a:pPr marL="0" marR="0" lvl="0" indent="0" rtl="0" hangingPunct="0">
-              <a:lnSpc>
-                <a:spcPct val="100000"/>
-              </a:lnSpc>
-              <a:spcBef>
-                <a:spcPts val="0"/>
-              </a:spcBef>
-              <a:spcAft>
-                <a:spcPts val="0"/>
-              </a:spcAft>
-              <a:buNone/>
-              <a:tabLst/>
-            </a:pPr>
-            <a:r>
-              <a:rPr lang="sv-SE" sz="1800" b="0" i="0" u="none" strike="noStrike" kern="1200" spc="0" dirty="0">
-                <a:ln>
-                  <a:noFill/>
-                </a:ln>
-                <a:solidFill>
-                  <a:srgbClr val="2B91AF"/>
-                </a:solidFill>
-                <a:latin typeface="Arial" pitchFamily="18"/>
-                <a:ea typeface="DejaVu Sans" pitchFamily="2"/>
-                <a:cs typeface="DejaVu Sans" pitchFamily="2"/>
-              </a:rPr>
-              <a:t>{</a:t>
-            </a:r>
-          </a:p>
-          <a:p>
-            <a:pPr marL="0" marR="0" lvl="0" indent="0" rtl="0" hangingPunct="0">
-              <a:lnSpc>
-                <a:spcPct val="100000"/>
-              </a:lnSpc>
-              <a:spcBef>
-                <a:spcPts val="0"/>
-              </a:spcBef>
-              <a:spcAft>
-                <a:spcPts val="0"/>
-              </a:spcAft>
-              <a:buNone/>
-              <a:tabLst/>
-            </a:pPr>
-            <a:r>
-              <a:rPr lang="sv-SE" sz="1800" b="0" i="0" u="none" strike="noStrike" kern="1200" spc="0" dirty="0">
-                <a:ln>
-                  <a:noFill/>
-                </a:ln>
-                <a:solidFill>
-                  <a:srgbClr val="2B91AF"/>
-                </a:solidFill>
-                <a:latin typeface="Arial" pitchFamily="18"/>
-                <a:ea typeface="DejaVu Sans" pitchFamily="2"/>
-                <a:cs typeface="DejaVu Sans" pitchFamily="2"/>
-              </a:rPr>
-              <a:t>        IEnumerable&lt;T&gt; Children { </a:t>
-            </a:r>
-            <a:r>
-              <a:rPr lang="sv-SE" sz="1800" b="0" i="0" u="none" strike="noStrike" kern="1200" spc="0" dirty="0">
-                <a:ln>
-                  <a:noFill/>
-                </a:ln>
-                <a:solidFill>
-                  <a:srgbClr val="0000FF"/>
-                </a:solidFill>
-                <a:latin typeface="Arial" pitchFamily="18"/>
-                <a:ea typeface="DejaVu Sans" pitchFamily="2"/>
-                <a:cs typeface="DejaVu Sans" pitchFamily="2"/>
-              </a:rPr>
-              <a:t>get; }</a:t>
-            </a:r>
-          </a:p>
-          <a:p>
-            <a:pPr marL="0" marR="0" lvl="0" indent="0" rtl="0" hangingPunct="0">
-              <a:lnSpc>
-                <a:spcPct val="100000"/>
-              </a:lnSpc>
-              <a:spcBef>
-                <a:spcPts val="0"/>
-              </a:spcBef>
-              <a:spcAft>
-                <a:spcPts val="0"/>
-              </a:spcAft>
-              <a:buNone/>
-              <a:tabLst/>
-            </a:pPr>
-            <a:r>
-              <a:rPr lang="sv-SE" sz="1800" b="0" i="0" u="none" strike="noStrike" kern="1200" spc="0" dirty="0">
-                <a:ln>
-                  <a:noFill/>
-                </a:ln>
-                <a:solidFill>
-                  <a:srgbClr val="0000FF"/>
-                </a:solidFill>
-                <a:latin typeface="Arial" pitchFamily="18"/>
-                <a:ea typeface="DejaVu Sans" pitchFamily="2"/>
-                <a:cs typeface="DejaVu Sans" pitchFamily="2"/>
-              </a:rPr>
-              <a:t>}</a:t>
+            <a:r>
+              <a:rPr lang="sv-SE" dirty="0" smtClean="0"/>
+              <a:t>The MHz race has </a:t>
+            </a:r>
+            <a:r>
+              <a:rPr lang="sv-SE" dirty="0" err="1" smtClean="0"/>
+              <a:t>ended</a:t>
+            </a:r>
+            <a:endParaRPr lang="sv-SE" dirty="0" smtClean="0"/>
+          </a:p>
+          <a:p>
+            <a:pPr lvl="1"/>
+            <a:r>
+              <a:rPr lang="sv-SE" dirty="0" err="1" smtClean="0"/>
+              <a:t>performance</a:t>
+            </a:r>
+            <a:r>
+              <a:rPr lang="sv-SE" dirty="0" smtClean="0"/>
+              <a:t> </a:t>
+            </a:r>
+            <a:r>
+              <a:rPr lang="sv-SE" dirty="0" err="1" smtClean="0"/>
+              <a:t>changes</a:t>
+            </a:r>
+            <a:r>
+              <a:rPr lang="sv-SE" dirty="0" smtClean="0"/>
+              <a:t> per </a:t>
+            </a:r>
+            <a:r>
+              <a:rPr lang="sv-SE" dirty="0" err="1" smtClean="0"/>
+              <a:t>thread</a:t>
+            </a:r>
+            <a:r>
+              <a:rPr lang="sv-SE" dirty="0" smtClean="0"/>
+              <a:t> minimal</a:t>
+            </a:r>
+          </a:p>
+          <a:p>
+            <a:r>
+              <a:rPr lang="sv-SE" dirty="0" smtClean="0"/>
+              <a:t>A computer a </a:t>
+            </a:r>
+            <a:r>
+              <a:rPr lang="sv-SE" dirty="0" err="1" smtClean="0"/>
+              <a:t>few</a:t>
+            </a:r>
+            <a:r>
+              <a:rPr lang="sv-SE" dirty="0" smtClean="0"/>
+              <a:t> </a:t>
+            </a:r>
+            <a:r>
+              <a:rPr lang="sv-SE" dirty="0" err="1" smtClean="0"/>
+              <a:t>years</a:t>
+            </a:r>
+            <a:r>
+              <a:rPr lang="sv-SE" dirty="0" smtClean="0"/>
+              <a:t> old is OK </a:t>
+            </a:r>
+            <a:r>
+              <a:rPr lang="sv-SE" dirty="0" err="1" smtClean="0"/>
+              <a:t>today</a:t>
+            </a:r>
+            <a:endParaRPr lang="sv-SE" dirty="0" smtClean="0"/>
+          </a:p>
+          <a:p>
+            <a:pPr lvl="1"/>
+            <a:r>
+              <a:rPr lang="sv-SE" dirty="0" err="1" smtClean="0"/>
+              <a:t>This</a:t>
+            </a:r>
+            <a:r>
+              <a:rPr lang="sv-SE" dirty="0" smtClean="0"/>
+              <a:t> i </a:t>
+            </a:r>
+            <a:r>
+              <a:rPr lang="sv-SE" dirty="0" err="1" smtClean="0"/>
+              <a:t>believe</a:t>
+            </a:r>
+            <a:r>
+              <a:rPr lang="sv-SE" dirty="0" smtClean="0"/>
+              <a:t> is </a:t>
+            </a:r>
+            <a:r>
+              <a:rPr lang="sv-SE" dirty="0" err="1" smtClean="0"/>
+              <a:t>temporary</a:t>
+            </a:r>
+            <a:endParaRPr lang="sv-SE" dirty="0" smtClean="0"/>
+          </a:p>
+          <a:p>
+            <a:pPr lvl="1"/>
+            <a:r>
+              <a:rPr lang="sv-SE" dirty="0" err="1"/>
+              <a:t>We</a:t>
+            </a:r>
+            <a:r>
+              <a:rPr lang="sv-SE" dirty="0"/>
+              <a:t> </a:t>
+            </a:r>
+            <a:r>
+              <a:rPr lang="sv-SE" dirty="0" err="1"/>
+              <a:t>have</a:t>
+            </a:r>
+            <a:r>
+              <a:rPr lang="sv-SE" dirty="0"/>
+              <a:t> </a:t>
+            </a:r>
+            <a:r>
+              <a:rPr lang="sv-SE" dirty="0" err="1"/>
+              <a:t>yet</a:t>
+            </a:r>
+            <a:r>
+              <a:rPr lang="sv-SE" dirty="0"/>
+              <a:t> </a:t>
+            </a:r>
+            <a:r>
+              <a:rPr lang="sv-SE" dirty="0" err="1"/>
+              <a:t>to</a:t>
+            </a:r>
+            <a:r>
+              <a:rPr lang="sv-SE" dirty="0"/>
+              <a:t> </a:t>
+            </a:r>
+            <a:r>
+              <a:rPr lang="sv-SE" dirty="0" err="1"/>
+              <a:t>learn</a:t>
+            </a:r>
+            <a:r>
+              <a:rPr lang="sv-SE" dirty="0"/>
+              <a:t> </a:t>
+            </a:r>
+            <a:r>
+              <a:rPr lang="sv-SE" dirty="0" err="1"/>
+              <a:t>to</a:t>
+            </a:r>
+            <a:r>
+              <a:rPr lang="sv-SE" dirty="0"/>
+              <a:t> </a:t>
+            </a:r>
+            <a:r>
+              <a:rPr lang="sv-SE" dirty="0" err="1" smtClean="0"/>
+              <a:t>thread</a:t>
+            </a:r>
+            <a:endParaRPr lang="sv-SE" dirty="0" smtClean="0"/>
+          </a:p>
+          <a:p>
+            <a:r>
+              <a:rPr lang="sv-SE" dirty="0" err="1" smtClean="0"/>
+              <a:t>More’s</a:t>
+            </a:r>
+            <a:r>
+              <a:rPr lang="sv-SE" dirty="0" smtClean="0"/>
+              <a:t> </a:t>
+            </a:r>
+            <a:r>
+              <a:rPr lang="sv-SE" dirty="0" err="1" smtClean="0"/>
+              <a:t>law</a:t>
+            </a:r>
+            <a:r>
+              <a:rPr lang="sv-SE" dirty="0" smtClean="0"/>
+              <a:t> is still going strong</a:t>
+            </a:r>
+          </a:p>
+          <a:p>
+            <a:pPr lvl="1"/>
+            <a:r>
+              <a:rPr lang="sv-SE" dirty="0" err="1" smtClean="0"/>
+              <a:t>Cores</a:t>
+            </a:r>
+            <a:r>
+              <a:rPr lang="sv-SE" dirty="0" smtClean="0"/>
+              <a:t>(</a:t>
+            </a:r>
+            <a:r>
+              <a:rPr lang="sv-SE" dirty="0" err="1" smtClean="0"/>
+              <a:t>threads</a:t>
+            </a:r>
+            <a:r>
+              <a:rPr lang="sv-SE" dirty="0" smtClean="0"/>
+              <a:t>) not MHz</a:t>
             </a:r>
           </a:p>
         </p:txBody>
       </p:sp>
     </p:spTree>
+    <p:extLst>
+      <p:ext uri="{BB962C8B-B14F-4D97-AF65-F5344CB8AC3E}">
+        <p14:creationId xmlns:p14="http://schemas.microsoft.com/office/powerpoint/2010/main" val="1284019147"/>
+      </p:ext>
+    </p:extLst>
   </p:cSld>
   <p:clrMapOvr>
     <a:masterClrMapping/>
@@ -10674,1029 +10166,734 @@
       <p:transition spd="slow"/>
     </mc:Fallback>
   </mc:AlternateContent>
-  <p:timing>
-    <p:tnLst>
-      <p:par>
-        <p:cTn id="1" dur="indefinite" restart="never" nodeType="tmRoot">
-          <p:childTnLst>
-            <p:seq concurrent="1" nextAc="seek">
-              <p:cTn id="2" dur="indefinite" nodeType="mainSeq">
-                <p:childTnLst>
-                  <p:par>
-                    <p:cTn id="3" fill="hold">
-                      <p:stCondLst>
-                        <p:cond delay="indefinite"/>
-                      </p:stCondLst>
-                      <p:childTnLst>
-                        <p:par>
-                          <p:cTn id="4" fill="hold">
-                            <p:stCondLst>
-                              <p:cond delay="0"/>
-                            </p:stCondLst>
-                            <p:childTnLst>
-                              <p:par>
-                                <p:cTn id="5" presetID="2" presetClass="entr" presetSubtype="4" fill="hold" nodeType="clickEffect">
-                                  <p:stCondLst>
-                                    <p:cond delay="0"/>
-                                  </p:stCondLst>
-                                  <p:childTnLst>
-                                    <p:set>
-                                      <p:cBhvr>
-                                        <p:cTn id="6" dur="1" fill="hold">
-                                          <p:stCondLst>
-                                            <p:cond delay="0"/>
-                                          </p:stCondLst>
-                                        </p:cTn>
-                                        <p:tgtEl>
-                                          <p:spTgt spid="3">
-                                            <p:txEl>
-                                              <p:pRg st="0" end="0"/>
-                                            </p:txEl>
-                                          </p:spTgt>
-                                        </p:tgtEl>
-                                        <p:attrNameLst>
-                                          <p:attrName>style.visibility</p:attrName>
-                                        </p:attrNameLst>
-                                      </p:cBhvr>
-                                      <p:to>
-                                        <p:strVal val="visible"/>
-                                      </p:to>
-                                    </p:set>
-                                    <p:anim calcmode="lin" valueType="num">
-                                      <p:cBhvr additive="base">
-                                        <p:cTn id="7" dur="500" fill="hold"/>
-                                        <p:tgtEl>
-                                          <p:spTgt spid="3">
-                                            <p:txEl>
-                                              <p:pRg st="0" end="0"/>
-                                            </p:txEl>
-                                          </p:spTgt>
-                                        </p:tgtEl>
-                                        <p:attrNameLst>
-                                          <p:attrName>ppt_x</p:attrName>
-                                        </p:attrNameLst>
-                                      </p:cBhvr>
-                                      <p:tavLst>
-                                        <p:tav tm="0">
-                                          <p:val>
-                                            <p:strVal val="#ppt_x"/>
-                                          </p:val>
-                                        </p:tav>
-                                        <p:tav tm="100000">
-                                          <p:val>
-                                            <p:strVal val="#ppt_x"/>
-                                          </p:val>
-                                        </p:tav>
-                                      </p:tavLst>
-                                    </p:anim>
-                                    <p:anim calcmode="lin" valueType="num">
-                                      <p:cBhvr additive="base">
-                                        <p:cTn id="8" dur="500" fill="hold"/>
-                                        <p:tgtEl>
-                                          <p:spTgt spid="3">
-                                            <p:txEl>
-                                              <p:pRg st="0" end="0"/>
-                                            </p:txEl>
-                                          </p:spTgt>
-                                        </p:tgtEl>
-                                        <p:attrNameLst>
-                                          <p:attrName>ppt_y</p:attrName>
-                                        </p:attrNameLst>
-                                      </p:cBhvr>
-                                      <p:tavLst>
-                                        <p:tav tm="0">
-                                          <p:val>
-                                            <p:strVal val="1+#ppt_h/2"/>
-                                          </p:val>
-                                        </p:tav>
-                                        <p:tav tm="100000">
-                                          <p:val>
-                                            <p:strVal val="#ppt_y"/>
-                                          </p:val>
-                                        </p:tav>
-                                      </p:tavLst>
-                                    </p:anim>
-                                  </p:childTnLst>
-                                </p:cTn>
-                              </p:par>
-                            </p:childTnLst>
-                          </p:cTn>
-                        </p:par>
-                      </p:childTnLst>
-                    </p:cTn>
-                  </p:par>
-                  <p:par>
-                    <p:cTn id="9" fill="hold">
-                      <p:stCondLst>
-                        <p:cond delay="indefinite"/>
-                      </p:stCondLst>
-                      <p:childTnLst>
-                        <p:par>
-                          <p:cTn id="10" fill="hold">
-                            <p:stCondLst>
-                              <p:cond delay="0"/>
-                            </p:stCondLst>
-                            <p:childTnLst>
-                              <p:par>
-                                <p:cTn id="11" presetID="2" presetClass="entr" presetSubtype="4" fill="hold" nodeType="clickEffect">
-                                  <p:stCondLst>
-                                    <p:cond delay="0"/>
-                                  </p:stCondLst>
-                                  <p:childTnLst>
-                                    <p:set>
-                                      <p:cBhvr>
-                                        <p:cTn id="12" dur="1" fill="hold">
-                                          <p:stCondLst>
-                                            <p:cond delay="0"/>
-                                          </p:stCondLst>
-                                        </p:cTn>
-                                        <p:tgtEl>
-                                          <p:spTgt spid="3">
-                                            <p:txEl>
-                                              <p:pRg st="1" end="1"/>
-                                            </p:txEl>
-                                          </p:spTgt>
-                                        </p:tgtEl>
-                                        <p:attrNameLst>
-                                          <p:attrName>style.visibility</p:attrName>
-                                        </p:attrNameLst>
-                                      </p:cBhvr>
-                                      <p:to>
-                                        <p:strVal val="visible"/>
-                                      </p:to>
-                                    </p:set>
-                                    <p:anim calcmode="lin" valueType="num">
-                                      <p:cBhvr additive="base">
-                                        <p:cTn id="13" dur="500" fill="hold"/>
-                                        <p:tgtEl>
-                                          <p:spTgt spid="3">
-                                            <p:txEl>
-                                              <p:pRg st="1" end="1"/>
-                                            </p:txEl>
-                                          </p:spTgt>
-                                        </p:tgtEl>
-                                        <p:attrNameLst>
-                                          <p:attrName>ppt_x</p:attrName>
-                                        </p:attrNameLst>
-                                      </p:cBhvr>
-                                      <p:tavLst>
-                                        <p:tav tm="0">
-                                          <p:val>
-                                            <p:strVal val="#ppt_x"/>
-                                          </p:val>
-                                        </p:tav>
-                                        <p:tav tm="100000">
-                                          <p:val>
-                                            <p:strVal val="#ppt_x"/>
-                                          </p:val>
-                                        </p:tav>
-                                      </p:tavLst>
-                                    </p:anim>
-                                    <p:anim calcmode="lin" valueType="num">
-                                      <p:cBhvr additive="base">
-                                        <p:cTn id="14" dur="500" fill="hold"/>
-                                        <p:tgtEl>
-                                          <p:spTgt spid="3">
-                                            <p:txEl>
-                                              <p:pRg st="1" end="1"/>
-                                            </p:txEl>
-                                          </p:spTgt>
-                                        </p:tgtEl>
-                                        <p:attrNameLst>
-                                          <p:attrName>ppt_y</p:attrName>
-                                        </p:attrNameLst>
-                                      </p:cBhvr>
-                                      <p:tavLst>
-                                        <p:tav tm="0">
-                                          <p:val>
-                                            <p:strVal val="1+#ppt_h/2"/>
-                                          </p:val>
-                                        </p:tav>
-                                        <p:tav tm="100000">
-                                          <p:val>
-                                            <p:strVal val="#ppt_y"/>
-                                          </p:val>
-                                        </p:tav>
-                                      </p:tavLst>
-                                    </p:anim>
-                                  </p:childTnLst>
-                                </p:cTn>
-                              </p:par>
-                              <p:par>
-                                <p:cTn id="15" presetID="2" presetClass="entr" presetSubtype="4" fill="hold" nodeType="withEffect">
-                                  <p:stCondLst>
-                                    <p:cond delay="0"/>
-                                  </p:stCondLst>
-                                  <p:childTnLst>
-                                    <p:set>
-                                      <p:cBhvr>
-                                        <p:cTn id="16" dur="1" fill="hold">
-                                          <p:stCondLst>
-                                            <p:cond delay="0"/>
-                                          </p:stCondLst>
-                                        </p:cTn>
-                                        <p:tgtEl>
-                                          <p:spTgt spid="3">
-                                            <p:txEl>
-                                              <p:pRg st="2" end="2"/>
-                                            </p:txEl>
-                                          </p:spTgt>
-                                        </p:tgtEl>
-                                        <p:attrNameLst>
-                                          <p:attrName>style.visibility</p:attrName>
-                                        </p:attrNameLst>
-                                      </p:cBhvr>
-                                      <p:to>
-                                        <p:strVal val="visible"/>
-                                      </p:to>
-                                    </p:set>
-                                    <p:anim calcmode="lin" valueType="num">
-                                      <p:cBhvr additive="base">
-                                        <p:cTn id="17" dur="500" fill="hold"/>
-                                        <p:tgtEl>
-                                          <p:spTgt spid="3">
-                                            <p:txEl>
-                                              <p:pRg st="2" end="2"/>
-                                            </p:txEl>
-                                          </p:spTgt>
-                                        </p:tgtEl>
-                                        <p:attrNameLst>
-                                          <p:attrName>ppt_x</p:attrName>
-                                        </p:attrNameLst>
-                                      </p:cBhvr>
-                                      <p:tavLst>
-                                        <p:tav tm="0">
-                                          <p:val>
-                                            <p:strVal val="#ppt_x"/>
-                                          </p:val>
-                                        </p:tav>
-                                        <p:tav tm="100000">
-                                          <p:val>
-                                            <p:strVal val="#ppt_x"/>
-                                          </p:val>
-                                        </p:tav>
-                                      </p:tavLst>
-                                    </p:anim>
-                                    <p:anim calcmode="lin" valueType="num">
-                                      <p:cBhvr additive="base">
-                                        <p:cTn id="18" dur="500" fill="hold"/>
-                                        <p:tgtEl>
-                                          <p:spTgt spid="3">
-                                            <p:txEl>
-                                              <p:pRg st="2" end="2"/>
-                                            </p:txEl>
-                                          </p:spTgt>
-                                        </p:tgtEl>
-                                        <p:attrNameLst>
-                                          <p:attrName>ppt_y</p:attrName>
-                                        </p:attrNameLst>
-                                      </p:cBhvr>
-                                      <p:tavLst>
-                                        <p:tav tm="0">
-                                          <p:val>
-                                            <p:strVal val="1+#ppt_h/2"/>
-                                          </p:val>
-                                        </p:tav>
-                                        <p:tav tm="100000">
-                                          <p:val>
-                                            <p:strVal val="#ppt_y"/>
-                                          </p:val>
-                                        </p:tav>
-                                      </p:tavLst>
-                                    </p:anim>
-                                  </p:childTnLst>
-                                </p:cTn>
-                              </p:par>
-                              <p:par>
-                                <p:cTn id="19" presetID="2" presetClass="entr" presetSubtype="4" fill="hold" nodeType="withEffect">
-                                  <p:stCondLst>
-                                    <p:cond delay="0"/>
-                                  </p:stCondLst>
-                                  <p:childTnLst>
-                                    <p:set>
-                                      <p:cBhvr>
-                                        <p:cTn id="20" dur="1" fill="hold">
-                                          <p:stCondLst>
-                                            <p:cond delay="0"/>
-                                          </p:stCondLst>
-                                        </p:cTn>
-                                        <p:tgtEl>
-                                          <p:spTgt spid="3">
-                                            <p:txEl>
-                                              <p:pRg st="3" end="3"/>
-                                            </p:txEl>
-                                          </p:spTgt>
-                                        </p:tgtEl>
-                                        <p:attrNameLst>
-                                          <p:attrName>style.visibility</p:attrName>
-                                        </p:attrNameLst>
-                                      </p:cBhvr>
-                                      <p:to>
-                                        <p:strVal val="visible"/>
-                                      </p:to>
-                                    </p:set>
-                                    <p:anim calcmode="lin" valueType="num">
-                                      <p:cBhvr additive="base">
-                                        <p:cTn id="21" dur="500" fill="hold"/>
-                                        <p:tgtEl>
-                                          <p:spTgt spid="3">
-                                            <p:txEl>
-                                              <p:pRg st="3" end="3"/>
-                                            </p:txEl>
-                                          </p:spTgt>
-                                        </p:tgtEl>
-                                        <p:attrNameLst>
-                                          <p:attrName>ppt_x</p:attrName>
-                                        </p:attrNameLst>
-                                      </p:cBhvr>
-                                      <p:tavLst>
-                                        <p:tav tm="0">
-                                          <p:val>
-                                            <p:strVal val="#ppt_x"/>
-                                          </p:val>
-                                        </p:tav>
-                                        <p:tav tm="100000">
-                                          <p:val>
-                                            <p:strVal val="#ppt_x"/>
-                                          </p:val>
-                                        </p:tav>
-                                      </p:tavLst>
-                                    </p:anim>
-                                    <p:anim calcmode="lin" valueType="num">
-                                      <p:cBhvr additive="base">
-                                        <p:cTn id="22" dur="500" fill="hold"/>
-                                        <p:tgtEl>
-                                          <p:spTgt spid="3">
-                                            <p:txEl>
-                                              <p:pRg st="3" end="3"/>
-                                            </p:txEl>
-                                          </p:spTgt>
-                                        </p:tgtEl>
-                                        <p:attrNameLst>
-                                          <p:attrName>ppt_y</p:attrName>
-                                        </p:attrNameLst>
-                                      </p:cBhvr>
-                                      <p:tavLst>
-                                        <p:tav tm="0">
-                                          <p:val>
-                                            <p:strVal val="1+#ppt_h/2"/>
-                                          </p:val>
-                                        </p:tav>
-                                        <p:tav tm="100000">
-                                          <p:val>
-                                            <p:strVal val="#ppt_y"/>
-                                          </p:val>
-                                        </p:tav>
-                                      </p:tavLst>
-                                    </p:anim>
-                                  </p:childTnLst>
-                                </p:cTn>
-                              </p:par>
-                              <p:par>
-                                <p:cTn id="23" presetID="2" presetClass="entr" presetSubtype="4" fill="hold" nodeType="withEffect">
-                                  <p:stCondLst>
-                                    <p:cond delay="0"/>
-                                  </p:stCondLst>
-                                  <p:childTnLst>
-                                    <p:set>
-                                      <p:cBhvr>
-                                        <p:cTn id="24" dur="1" fill="hold">
-                                          <p:stCondLst>
-                                            <p:cond delay="0"/>
-                                          </p:stCondLst>
-                                        </p:cTn>
-                                        <p:tgtEl>
-                                          <p:spTgt spid="3">
-                                            <p:txEl>
-                                              <p:pRg st="4" end="4"/>
-                                            </p:txEl>
-                                          </p:spTgt>
-                                        </p:tgtEl>
-                                        <p:attrNameLst>
-                                          <p:attrName>style.visibility</p:attrName>
-                                        </p:attrNameLst>
-                                      </p:cBhvr>
-                                      <p:to>
-                                        <p:strVal val="visible"/>
-                                      </p:to>
-                                    </p:set>
-                                    <p:anim calcmode="lin" valueType="num">
-                                      <p:cBhvr additive="base">
-                                        <p:cTn id="25" dur="500" fill="hold"/>
-                                        <p:tgtEl>
-                                          <p:spTgt spid="3">
-                                            <p:txEl>
-                                              <p:pRg st="4" end="4"/>
-                                            </p:txEl>
-                                          </p:spTgt>
-                                        </p:tgtEl>
-                                        <p:attrNameLst>
-                                          <p:attrName>ppt_x</p:attrName>
-                                        </p:attrNameLst>
-                                      </p:cBhvr>
-                                      <p:tavLst>
-                                        <p:tav tm="0">
-                                          <p:val>
-                                            <p:strVal val="#ppt_x"/>
-                                          </p:val>
-                                        </p:tav>
-                                        <p:tav tm="100000">
-                                          <p:val>
-                                            <p:strVal val="#ppt_x"/>
-                                          </p:val>
-                                        </p:tav>
-                                      </p:tavLst>
-                                    </p:anim>
-                                    <p:anim calcmode="lin" valueType="num">
-                                      <p:cBhvr additive="base">
-                                        <p:cTn id="26" dur="500" fill="hold"/>
-                                        <p:tgtEl>
-                                          <p:spTgt spid="3">
-                                            <p:txEl>
-                                              <p:pRg st="4" end="4"/>
-                                            </p:txEl>
-                                          </p:spTgt>
-                                        </p:tgtEl>
-                                        <p:attrNameLst>
-                                          <p:attrName>ppt_y</p:attrName>
-                                        </p:attrNameLst>
-                                      </p:cBhvr>
-                                      <p:tavLst>
-                                        <p:tav tm="0">
-                                          <p:val>
-                                            <p:strVal val="1+#ppt_h/2"/>
-                                          </p:val>
-                                        </p:tav>
-                                        <p:tav tm="100000">
-                                          <p:val>
-                                            <p:strVal val="#ppt_y"/>
-                                          </p:val>
-                                        </p:tav>
-                                      </p:tavLst>
-                                    </p:anim>
-                                  </p:childTnLst>
-                                </p:cTn>
-                              </p:par>
-                              <p:par>
-                                <p:cTn id="27" presetID="2" presetClass="entr" presetSubtype="4" fill="hold" nodeType="withEffect">
-                                  <p:stCondLst>
-                                    <p:cond delay="0"/>
-                                  </p:stCondLst>
-                                  <p:childTnLst>
-                                    <p:set>
-                                      <p:cBhvr>
-                                        <p:cTn id="28" dur="1" fill="hold">
-                                          <p:stCondLst>
-                                            <p:cond delay="0"/>
-                                          </p:stCondLst>
-                                        </p:cTn>
-                                        <p:tgtEl>
-                                          <p:spTgt spid="3">
-                                            <p:txEl>
-                                              <p:pRg st="5" end="5"/>
-                                            </p:txEl>
-                                          </p:spTgt>
-                                        </p:tgtEl>
-                                        <p:attrNameLst>
-                                          <p:attrName>style.visibility</p:attrName>
-                                        </p:attrNameLst>
-                                      </p:cBhvr>
-                                      <p:to>
-                                        <p:strVal val="visible"/>
-                                      </p:to>
-                                    </p:set>
-                                    <p:anim calcmode="lin" valueType="num">
-                                      <p:cBhvr additive="base">
-                                        <p:cTn id="29" dur="500" fill="hold"/>
-                                        <p:tgtEl>
-                                          <p:spTgt spid="3">
-                                            <p:txEl>
-                                              <p:pRg st="5" end="5"/>
-                                            </p:txEl>
-                                          </p:spTgt>
-                                        </p:tgtEl>
-                                        <p:attrNameLst>
-                                          <p:attrName>ppt_x</p:attrName>
-                                        </p:attrNameLst>
-                                      </p:cBhvr>
-                                      <p:tavLst>
-                                        <p:tav tm="0">
-                                          <p:val>
-                                            <p:strVal val="#ppt_x"/>
-                                          </p:val>
-                                        </p:tav>
-                                        <p:tav tm="100000">
-                                          <p:val>
-                                            <p:strVal val="#ppt_x"/>
-                                          </p:val>
-                                        </p:tav>
-                                      </p:tavLst>
-                                    </p:anim>
-                                    <p:anim calcmode="lin" valueType="num">
-                                      <p:cBhvr additive="base">
-                                        <p:cTn id="30" dur="500" fill="hold"/>
-                                        <p:tgtEl>
-                                          <p:spTgt spid="3">
-                                            <p:txEl>
-                                              <p:pRg st="5" end="5"/>
-                                            </p:txEl>
-                                          </p:spTgt>
-                                        </p:tgtEl>
-                                        <p:attrNameLst>
-                                          <p:attrName>ppt_y</p:attrName>
-                                        </p:attrNameLst>
-                                      </p:cBhvr>
-                                      <p:tavLst>
-                                        <p:tav tm="0">
-                                          <p:val>
-                                            <p:strVal val="1+#ppt_h/2"/>
-                                          </p:val>
-                                        </p:tav>
-                                        <p:tav tm="100000">
-                                          <p:val>
-                                            <p:strVal val="#ppt_y"/>
-                                          </p:val>
-                                        </p:tav>
-                                      </p:tavLst>
-                                    </p:anim>
-                                  </p:childTnLst>
-                                </p:cTn>
-                              </p:par>
-                            </p:childTnLst>
-                          </p:cTn>
-                        </p:par>
-                      </p:childTnLst>
-                    </p:cTn>
-                  </p:par>
-                  <p:par>
-                    <p:cTn id="31" fill="hold">
-                      <p:stCondLst>
-                        <p:cond delay="indefinite"/>
-                      </p:stCondLst>
-                      <p:childTnLst>
-                        <p:par>
-                          <p:cTn id="32" fill="hold">
-                            <p:stCondLst>
-                              <p:cond delay="0"/>
-                            </p:stCondLst>
-                            <p:childTnLst>
-                              <p:par>
-                                <p:cTn id="33" presetID="2" presetClass="entr" presetSubtype="4" fill="hold" nodeType="clickEffect">
-                                  <p:stCondLst>
-                                    <p:cond delay="0"/>
-                                  </p:stCondLst>
-                                  <p:childTnLst>
-                                    <p:set>
-                                      <p:cBhvr>
-                                        <p:cTn id="34" dur="1" fill="hold">
-                                          <p:stCondLst>
-                                            <p:cond delay="0"/>
-                                          </p:stCondLst>
-                                        </p:cTn>
-                                        <p:tgtEl>
-                                          <p:spTgt spid="3">
-                                            <p:txEl>
-                                              <p:pRg st="6" end="6"/>
-                                            </p:txEl>
-                                          </p:spTgt>
-                                        </p:tgtEl>
-                                        <p:attrNameLst>
-                                          <p:attrName>style.visibility</p:attrName>
-                                        </p:attrNameLst>
-                                      </p:cBhvr>
-                                      <p:to>
-                                        <p:strVal val="visible"/>
-                                      </p:to>
-                                    </p:set>
-                                    <p:anim calcmode="lin" valueType="num">
-                                      <p:cBhvr additive="base">
-                                        <p:cTn id="35" dur="500" fill="hold"/>
-                                        <p:tgtEl>
-                                          <p:spTgt spid="3">
-                                            <p:txEl>
-                                              <p:pRg st="6" end="6"/>
-                                            </p:txEl>
-                                          </p:spTgt>
-                                        </p:tgtEl>
-                                        <p:attrNameLst>
-                                          <p:attrName>ppt_x</p:attrName>
-                                        </p:attrNameLst>
-                                      </p:cBhvr>
-                                      <p:tavLst>
-                                        <p:tav tm="0">
-                                          <p:val>
-                                            <p:strVal val="#ppt_x"/>
-                                          </p:val>
-                                        </p:tav>
-                                        <p:tav tm="100000">
-                                          <p:val>
-                                            <p:strVal val="#ppt_x"/>
-                                          </p:val>
-                                        </p:tav>
-                                      </p:tavLst>
-                                    </p:anim>
-                                    <p:anim calcmode="lin" valueType="num">
-                                      <p:cBhvr additive="base">
-                                        <p:cTn id="36" dur="500" fill="hold"/>
-                                        <p:tgtEl>
-                                          <p:spTgt spid="3">
-                                            <p:txEl>
-                                              <p:pRg st="6" end="6"/>
-                                            </p:txEl>
-                                          </p:spTgt>
-                                        </p:tgtEl>
-                                        <p:attrNameLst>
-                                          <p:attrName>ppt_y</p:attrName>
-                                        </p:attrNameLst>
-                                      </p:cBhvr>
-                                      <p:tavLst>
-                                        <p:tav tm="0">
-                                          <p:val>
-                                            <p:strVal val="1+#ppt_h/2"/>
-                                          </p:val>
-                                        </p:tav>
-                                        <p:tav tm="100000">
-                                          <p:val>
-                                            <p:strVal val="#ppt_y"/>
-                                          </p:val>
-                                        </p:tav>
-                                      </p:tavLst>
-                                    </p:anim>
-                                  </p:childTnLst>
-                                </p:cTn>
-                              </p:par>
-                              <p:par>
-                                <p:cTn id="37" presetID="2" presetClass="entr" presetSubtype="4" fill="hold" nodeType="withEffect">
-                                  <p:stCondLst>
-                                    <p:cond delay="0"/>
-                                  </p:stCondLst>
-                                  <p:childTnLst>
-                                    <p:set>
-                                      <p:cBhvr>
-                                        <p:cTn id="38" dur="1" fill="hold">
-                                          <p:stCondLst>
-                                            <p:cond delay="0"/>
-                                          </p:stCondLst>
-                                        </p:cTn>
-                                        <p:tgtEl>
-                                          <p:spTgt spid="3">
-                                            <p:txEl>
-                                              <p:pRg st="7" end="7"/>
-                                            </p:txEl>
-                                          </p:spTgt>
-                                        </p:tgtEl>
-                                        <p:attrNameLst>
-                                          <p:attrName>style.visibility</p:attrName>
-                                        </p:attrNameLst>
-                                      </p:cBhvr>
-                                      <p:to>
-                                        <p:strVal val="visible"/>
-                                      </p:to>
-                                    </p:set>
-                                    <p:anim calcmode="lin" valueType="num">
-                                      <p:cBhvr additive="base">
-                                        <p:cTn id="39" dur="500" fill="hold"/>
-                                        <p:tgtEl>
-                                          <p:spTgt spid="3">
-                                            <p:txEl>
-                                              <p:pRg st="7" end="7"/>
-                                            </p:txEl>
-                                          </p:spTgt>
-                                        </p:tgtEl>
-                                        <p:attrNameLst>
-                                          <p:attrName>ppt_x</p:attrName>
-                                        </p:attrNameLst>
-                                      </p:cBhvr>
-                                      <p:tavLst>
-                                        <p:tav tm="0">
-                                          <p:val>
-                                            <p:strVal val="#ppt_x"/>
-                                          </p:val>
-                                        </p:tav>
-                                        <p:tav tm="100000">
-                                          <p:val>
-                                            <p:strVal val="#ppt_x"/>
-                                          </p:val>
-                                        </p:tav>
-                                      </p:tavLst>
-                                    </p:anim>
-                                    <p:anim calcmode="lin" valueType="num">
-                                      <p:cBhvr additive="base">
-                                        <p:cTn id="40" dur="500" fill="hold"/>
-                                        <p:tgtEl>
-                                          <p:spTgt spid="3">
-                                            <p:txEl>
-                                              <p:pRg st="7" end="7"/>
-                                            </p:txEl>
-                                          </p:spTgt>
-                                        </p:tgtEl>
-                                        <p:attrNameLst>
-                                          <p:attrName>ppt_y</p:attrName>
-                                        </p:attrNameLst>
-                                      </p:cBhvr>
-                                      <p:tavLst>
-                                        <p:tav tm="0">
-                                          <p:val>
-                                            <p:strVal val="1+#ppt_h/2"/>
-                                          </p:val>
-                                        </p:tav>
-                                        <p:tav tm="100000">
-                                          <p:val>
-                                            <p:strVal val="#ppt_y"/>
-                                          </p:val>
-                                        </p:tav>
-                                      </p:tavLst>
-                                    </p:anim>
-                                  </p:childTnLst>
-                                </p:cTn>
-                              </p:par>
-                              <p:par>
-                                <p:cTn id="41" presetID="2" presetClass="entr" presetSubtype="4" fill="hold" nodeType="withEffect">
-                                  <p:stCondLst>
-                                    <p:cond delay="0"/>
-                                  </p:stCondLst>
-                                  <p:childTnLst>
-                                    <p:set>
-                                      <p:cBhvr>
-                                        <p:cTn id="42" dur="1" fill="hold">
-                                          <p:stCondLst>
-                                            <p:cond delay="0"/>
-                                          </p:stCondLst>
-                                        </p:cTn>
-                                        <p:tgtEl>
-                                          <p:spTgt spid="3">
-                                            <p:txEl>
-                                              <p:pRg st="8" end="8"/>
-                                            </p:txEl>
-                                          </p:spTgt>
-                                        </p:tgtEl>
-                                        <p:attrNameLst>
-                                          <p:attrName>style.visibility</p:attrName>
-                                        </p:attrNameLst>
-                                      </p:cBhvr>
-                                      <p:to>
-                                        <p:strVal val="visible"/>
-                                      </p:to>
-                                    </p:set>
-                                    <p:anim calcmode="lin" valueType="num">
-                                      <p:cBhvr additive="base">
-                                        <p:cTn id="43" dur="500" fill="hold"/>
-                                        <p:tgtEl>
-                                          <p:spTgt spid="3">
-                                            <p:txEl>
-                                              <p:pRg st="8" end="8"/>
-                                            </p:txEl>
-                                          </p:spTgt>
-                                        </p:tgtEl>
-                                        <p:attrNameLst>
-                                          <p:attrName>ppt_x</p:attrName>
-                                        </p:attrNameLst>
-                                      </p:cBhvr>
-                                      <p:tavLst>
-                                        <p:tav tm="0">
-                                          <p:val>
-                                            <p:strVal val="#ppt_x"/>
-                                          </p:val>
-                                        </p:tav>
-                                        <p:tav tm="100000">
-                                          <p:val>
-                                            <p:strVal val="#ppt_x"/>
-                                          </p:val>
-                                        </p:tav>
-                                      </p:tavLst>
-                                    </p:anim>
-                                    <p:anim calcmode="lin" valueType="num">
-                                      <p:cBhvr additive="base">
-                                        <p:cTn id="44" dur="500" fill="hold"/>
-                                        <p:tgtEl>
-                                          <p:spTgt spid="3">
-                                            <p:txEl>
-                                              <p:pRg st="8" end="8"/>
-                                            </p:txEl>
-                                          </p:spTgt>
-                                        </p:tgtEl>
-                                        <p:attrNameLst>
-                                          <p:attrName>ppt_y</p:attrName>
-                                        </p:attrNameLst>
-                                      </p:cBhvr>
-                                      <p:tavLst>
-                                        <p:tav tm="0">
-                                          <p:val>
-                                            <p:strVal val="1+#ppt_h/2"/>
-                                          </p:val>
-                                        </p:tav>
-                                        <p:tav tm="100000">
-                                          <p:val>
-                                            <p:strVal val="#ppt_y"/>
-                                          </p:val>
-                                        </p:tav>
-                                      </p:tavLst>
-                                    </p:anim>
-                                  </p:childTnLst>
-                                </p:cTn>
-                              </p:par>
-                              <p:par>
-                                <p:cTn id="45" presetID="2" presetClass="entr" presetSubtype="4" fill="hold" nodeType="withEffect">
-                                  <p:stCondLst>
-                                    <p:cond delay="0"/>
-                                  </p:stCondLst>
-                                  <p:childTnLst>
-                                    <p:set>
-                                      <p:cBhvr>
-                                        <p:cTn id="46" dur="1" fill="hold">
-                                          <p:stCondLst>
-                                            <p:cond delay="0"/>
-                                          </p:stCondLst>
-                                        </p:cTn>
-                                        <p:tgtEl>
-                                          <p:spTgt spid="3">
-                                            <p:txEl>
-                                              <p:pRg st="9" end="9"/>
-                                            </p:txEl>
-                                          </p:spTgt>
-                                        </p:tgtEl>
-                                        <p:attrNameLst>
-                                          <p:attrName>style.visibility</p:attrName>
-                                        </p:attrNameLst>
-                                      </p:cBhvr>
-                                      <p:to>
-                                        <p:strVal val="visible"/>
-                                      </p:to>
-                                    </p:set>
-                                    <p:anim calcmode="lin" valueType="num">
-                                      <p:cBhvr additive="base">
-                                        <p:cTn id="47" dur="500" fill="hold"/>
-                                        <p:tgtEl>
-                                          <p:spTgt spid="3">
-                                            <p:txEl>
-                                              <p:pRg st="9" end="9"/>
-                                            </p:txEl>
-                                          </p:spTgt>
-                                        </p:tgtEl>
-                                        <p:attrNameLst>
-                                          <p:attrName>ppt_x</p:attrName>
-                                        </p:attrNameLst>
-                                      </p:cBhvr>
-                                      <p:tavLst>
-                                        <p:tav tm="0">
-                                          <p:val>
-                                            <p:strVal val="#ppt_x"/>
-                                          </p:val>
-                                        </p:tav>
-                                        <p:tav tm="100000">
-                                          <p:val>
-                                            <p:strVal val="#ppt_x"/>
-                                          </p:val>
-                                        </p:tav>
-                                      </p:tavLst>
-                                    </p:anim>
-                                    <p:anim calcmode="lin" valueType="num">
-                                      <p:cBhvr additive="base">
-                                        <p:cTn id="48" dur="500" fill="hold"/>
-                                        <p:tgtEl>
-                                          <p:spTgt spid="3">
-                                            <p:txEl>
-                                              <p:pRg st="9" end="9"/>
-                                            </p:txEl>
-                                          </p:spTgt>
-                                        </p:tgtEl>
-                                        <p:attrNameLst>
-                                          <p:attrName>ppt_y</p:attrName>
-                                        </p:attrNameLst>
-                                      </p:cBhvr>
-                                      <p:tavLst>
-                                        <p:tav tm="0">
-                                          <p:val>
-                                            <p:strVal val="1+#ppt_h/2"/>
-                                          </p:val>
-                                        </p:tav>
-                                        <p:tav tm="100000">
-                                          <p:val>
-                                            <p:strVal val="#ppt_y"/>
-                                          </p:val>
-                                        </p:tav>
-                                      </p:tavLst>
-                                    </p:anim>
-                                  </p:childTnLst>
-                                </p:cTn>
-                              </p:par>
-                              <p:par>
-                                <p:cTn id="49" presetID="2" presetClass="entr" presetSubtype="4" fill="hold" nodeType="withEffect">
-                                  <p:stCondLst>
-                                    <p:cond delay="0"/>
-                                  </p:stCondLst>
-                                  <p:childTnLst>
-                                    <p:set>
-                                      <p:cBhvr>
-                                        <p:cTn id="50" dur="1" fill="hold">
-                                          <p:stCondLst>
-                                            <p:cond delay="0"/>
-                                          </p:stCondLst>
-                                        </p:cTn>
-                                        <p:tgtEl>
-                                          <p:spTgt spid="3">
-                                            <p:txEl>
-                                              <p:pRg st="10" end="10"/>
-                                            </p:txEl>
-                                          </p:spTgt>
-                                        </p:tgtEl>
-                                        <p:attrNameLst>
-                                          <p:attrName>style.visibility</p:attrName>
-                                        </p:attrNameLst>
-                                      </p:cBhvr>
-                                      <p:to>
-                                        <p:strVal val="visible"/>
-                                      </p:to>
-                                    </p:set>
-                                    <p:anim calcmode="lin" valueType="num">
-                                      <p:cBhvr additive="base">
-                                        <p:cTn id="51" dur="500" fill="hold"/>
-                                        <p:tgtEl>
-                                          <p:spTgt spid="3">
-                                            <p:txEl>
-                                              <p:pRg st="10" end="10"/>
-                                            </p:txEl>
-                                          </p:spTgt>
-                                        </p:tgtEl>
-                                        <p:attrNameLst>
-                                          <p:attrName>ppt_x</p:attrName>
-                                        </p:attrNameLst>
-                                      </p:cBhvr>
-                                      <p:tavLst>
-                                        <p:tav tm="0">
-                                          <p:val>
-                                            <p:strVal val="#ppt_x"/>
-                                          </p:val>
-                                        </p:tav>
-                                        <p:tav tm="100000">
-                                          <p:val>
-                                            <p:strVal val="#ppt_x"/>
-                                          </p:val>
-                                        </p:tav>
-                                      </p:tavLst>
-                                    </p:anim>
-                                    <p:anim calcmode="lin" valueType="num">
-                                      <p:cBhvr additive="base">
-                                        <p:cTn id="52" dur="500" fill="hold"/>
-                                        <p:tgtEl>
-                                          <p:spTgt spid="3">
-                                            <p:txEl>
-                                              <p:pRg st="10" end="10"/>
-                                            </p:txEl>
-                                          </p:spTgt>
-                                        </p:tgtEl>
-                                        <p:attrNameLst>
-                                          <p:attrName>ppt_y</p:attrName>
-                                        </p:attrNameLst>
-                                      </p:cBhvr>
-                                      <p:tavLst>
-                                        <p:tav tm="0">
-                                          <p:val>
-                                            <p:strVal val="1+#ppt_h/2"/>
-                                          </p:val>
-                                        </p:tav>
-                                        <p:tav tm="100000">
-                                          <p:val>
-                                            <p:strVal val="#ppt_y"/>
-                                          </p:val>
-                                        </p:tav>
-                                      </p:tavLst>
-                                    </p:anim>
-                                  </p:childTnLst>
-                                </p:cTn>
-                              </p:par>
-                            </p:childTnLst>
-                          </p:cTn>
-                        </p:par>
-                      </p:childTnLst>
-                    </p:cTn>
-                  </p:par>
-                </p:childTnLst>
-              </p:cTn>
-              <p:prevCondLst>
-                <p:cond evt="onPrev" delay="0">
-                  <p:tgtEl>
-                    <p:sldTgt/>
-                  </p:tgtEl>
-                </p:cond>
-              </p:prevCondLst>
-              <p:nextCondLst>
-                <p:cond evt="onNext" delay="0">
-                  <p:tgtEl>
-                    <p:sldTgt/>
-                  </p:tgtEl>
-                </p:cond>
-              </p:nextCondLst>
-            </p:seq>
-          </p:childTnLst>
-        </p:cTn>
-      </p:par>
-    </p:tnLst>
-  </p:timing>
+</p:sld>
+</file>
+
+<file path=ppt/slides/slide5.xml><?xml version="1.0" encoding="utf-8"?>
+<p:sld xmlns:a="http://schemas.openxmlformats.org/drawingml/2006/main" xmlns:r="http://schemas.openxmlformats.org/officeDocument/2006/relationships" xmlns:p="http://schemas.openxmlformats.org/presentationml/2006/main">
+  <p:cSld>
+    <p:spTree>
+      <p:nvGrpSpPr>
+        <p:cNvPr id="1" name=""/>
+        <p:cNvGrpSpPr/>
+        <p:nvPr/>
+      </p:nvGrpSpPr>
+      <p:grpSpPr>
+        <a:xfrm>
+          <a:off x="0" y="0"/>
+          <a:ext cx="0" cy="0"/>
+          <a:chOff x="0" y="0"/>
+          <a:chExt cx="0" cy="0"/>
+        </a:xfrm>
+      </p:grpSpPr>
+      <p:sp>
+        <p:nvSpPr>
+          <p:cNvPr id="2" name="Title 1"/>
+          <p:cNvSpPr>
+            <a:spLocks noGrp="1"/>
+          </p:cNvSpPr>
+          <p:nvPr>
+            <p:ph type="title"/>
+          </p:nvPr>
+        </p:nvSpPr>
+        <p:spPr/>
+        <p:txBody>
+          <a:bodyPr/>
+          <a:lstStyle/>
+          <a:p>
+            <a:pPr>
+              <a:buNone/>
+            </a:pPr>
+            <a:r>
+              <a:rPr lang="sv-SE" dirty="0" err="1" smtClean="0"/>
+              <a:t>Threading</a:t>
+            </a:r>
+            <a:r>
+              <a:rPr lang="sv-SE" dirty="0" smtClean="0"/>
+              <a:t> in </a:t>
+            </a:r>
+            <a:r>
+              <a:rPr lang="sv-SE" dirty="0" err="1" smtClean="0"/>
+              <a:t>practice</a:t>
+            </a:r>
+            <a:endParaRPr lang="sv-SE" dirty="0"/>
+          </a:p>
+        </p:txBody>
+      </p:sp>
+      <p:sp>
+        <p:nvSpPr>
+          <p:cNvPr id="3" name="Content Placeholder 2"/>
+          <p:cNvSpPr>
+            <a:spLocks noGrp="1"/>
+          </p:cNvSpPr>
+          <p:nvPr>
+            <p:ph idx="1"/>
+          </p:nvPr>
+        </p:nvSpPr>
+        <p:spPr/>
+        <p:txBody>
+          <a:bodyPr/>
+          <a:lstStyle/>
+          <a:p>
+            <a:r>
+              <a:rPr lang="sv-SE" dirty="0" smtClean="0"/>
+              <a:t>Most programs </a:t>
+            </a:r>
+            <a:r>
+              <a:rPr lang="sv-SE" dirty="0" err="1" smtClean="0"/>
+              <a:t>single</a:t>
+            </a:r>
+            <a:r>
+              <a:rPr lang="sv-SE" dirty="0" smtClean="0"/>
+              <a:t> </a:t>
+            </a:r>
+            <a:r>
+              <a:rPr lang="sv-SE" dirty="0" err="1" smtClean="0"/>
+              <a:t>threaded</a:t>
+            </a:r>
+            <a:endParaRPr lang="sv-SE" dirty="0" smtClean="0"/>
+          </a:p>
+          <a:p>
+            <a:r>
+              <a:rPr lang="sv-SE" dirty="0" smtClean="0"/>
+              <a:t>Mainstream </a:t>
+            </a:r>
+            <a:r>
+              <a:rPr lang="sv-SE" dirty="0" err="1" smtClean="0"/>
+              <a:t>Cpus</a:t>
+            </a:r>
+            <a:r>
+              <a:rPr lang="sv-SE" dirty="0" smtClean="0"/>
+              <a:t> </a:t>
+            </a:r>
+            <a:r>
+              <a:rPr lang="sv-SE" dirty="0" err="1" smtClean="0"/>
+              <a:t>today</a:t>
+            </a:r>
+            <a:r>
+              <a:rPr lang="sv-SE" dirty="0" smtClean="0"/>
+              <a:t> 2-6 </a:t>
+            </a:r>
+            <a:r>
+              <a:rPr lang="sv-SE" dirty="0" err="1" smtClean="0"/>
+              <a:t>cores</a:t>
+            </a:r>
+            <a:endParaRPr lang="sv-SE" dirty="0" smtClean="0"/>
+          </a:p>
+          <a:p>
+            <a:pPr lvl="1"/>
+            <a:r>
+              <a:rPr lang="sv-SE" dirty="0" smtClean="0"/>
+              <a:t>Server CPUs 12 </a:t>
+            </a:r>
+            <a:r>
+              <a:rPr lang="sv-SE" dirty="0" err="1" smtClean="0"/>
+              <a:t>cores</a:t>
+            </a:r>
+            <a:endParaRPr lang="sv-SE" dirty="0" smtClean="0"/>
+          </a:p>
+          <a:p>
+            <a:r>
+              <a:rPr lang="sv-SE" dirty="0" err="1" smtClean="0"/>
+              <a:t>Within</a:t>
+            </a:r>
+            <a:r>
+              <a:rPr lang="sv-SE" dirty="0" smtClean="0"/>
+              <a:t> a </a:t>
+            </a:r>
+            <a:r>
+              <a:rPr lang="sv-SE" dirty="0" err="1" smtClean="0"/>
+              <a:t>few</a:t>
+            </a:r>
+            <a:r>
+              <a:rPr lang="sv-SE" dirty="0" smtClean="0"/>
+              <a:t> </a:t>
+            </a:r>
+            <a:r>
+              <a:rPr lang="sv-SE" dirty="0" err="1" smtClean="0"/>
+              <a:t>years</a:t>
+            </a:r>
+            <a:r>
+              <a:rPr lang="sv-SE" dirty="0" smtClean="0"/>
+              <a:t> it </a:t>
+            </a:r>
+            <a:r>
+              <a:rPr lang="sv-SE" dirty="0" err="1" smtClean="0"/>
+              <a:t>will</a:t>
+            </a:r>
+            <a:r>
+              <a:rPr lang="sv-SE" dirty="0" smtClean="0"/>
+              <a:t> be 32, 64 </a:t>
+            </a:r>
+            <a:r>
+              <a:rPr lang="sv-SE" dirty="0" err="1" smtClean="0"/>
+              <a:t>etc</a:t>
+            </a:r>
+            <a:endParaRPr lang="sv-SE" dirty="0" smtClean="0"/>
+          </a:p>
+          <a:p>
+            <a:r>
+              <a:rPr lang="sv-SE" dirty="0" err="1" smtClean="0"/>
+              <a:t>How</a:t>
+            </a:r>
+            <a:r>
+              <a:rPr lang="sv-SE" dirty="0" smtClean="0"/>
+              <a:t> </a:t>
+            </a:r>
+            <a:r>
+              <a:rPr lang="sv-SE" dirty="0" err="1" smtClean="0"/>
+              <a:t>much</a:t>
+            </a:r>
+            <a:r>
+              <a:rPr lang="sv-SE" dirty="0" smtClean="0"/>
+              <a:t> </a:t>
+            </a:r>
+            <a:r>
+              <a:rPr lang="sv-SE" dirty="0" err="1" smtClean="0"/>
+              <a:t>can</a:t>
+            </a:r>
+            <a:r>
+              <a:rPr lang="sv-SE" dirty="0" smtClean="0"/>
+              <a:t> a </a:t>
+            </a:r>
+            <a:r>
+              <a:rPr lang="sv-SE" dirty="0" err="1" smtClean="0"/>
+              <a:t>single</a:t>
+            </a:r>
+            <a:r>
+              <a:rPr lang="sv-SE" dirty="0" smtClean="0"/>
+              <a:t> </a:t>
+            </a:r>
+            <a:r>
+              <a:rPr lang="sv-SE" dirty="0" err="1" smtClean="0"/>
+              <a:t>threaded</a:t>
+            </a:r>
+            <a:r>
+              <a:rPr lang="sv-SE" dirty="0" smtClean="0"/>
+              <a:t> program do for a </a:t>
+            </a:r>
+            <a:r>
+              <a:rPr lang="sv-SE" dirty="0" err="1" smtClean="0"/>
+              <a:t>user</a:t>
+            </a:r>
+            <a:r>
+              <a:rPr lang="sv-SE" dirty="0" smtClean="0"/>
+              <a:t> </a:t>
+            </a:r>
+            <a:r>
+              <a:rPr lang="sv-SE" dirty="0" err="1" smtClean="0"/>
+              <a:t>of</a:t>
+            </a:r>
+            <a:r>
+              <a:rPr lang="sv-SE" dirty="0" smtClean="0"/>
+              <a:t> a 64 </a:t>
+            </a:r>
+            <a:r>
+              <a:rPr lang="sv-SE" dirty="0" err="1" smtClean="0"/>
+              <a:t>core</a:t>
+            </a:r>
+            <a:r>
+              <a:rPr lang="sv-SE" dirty="0" smtClean="0"/>
+              <a:t> </a:t>
+            </a:r>
+            <a:r>
+              <a:rPr lang="sv-SE" dirty="0" err="1" smtClean="0"/>
+              <a:t>machine</a:t>
+            </a:r>
+            <a:r>
+              <a:rPr lang="sv-SE" dirty="0" smtClean="0"/>
+              <a:t>?</a:t>
+            </a:r>
+          </a:p>
+          <a:p>
+            <a:r>
+              <a:rPr lang="sv-SE" dirty="0" err="1" smtClean="0"/>
+              <a:t>How</a:t>
+            </a:r>
+            <a:r>
+              <a:rPr lang="sv-SE" dirty="0" smtClean="0"/>
+              <a:t> </a:t>
+            </a:r>
+            <a:r>
+              <a:rPr lang="sv-SE" dirty="0" err="1" smtClean="0"/>
+              <a:t>about</a:t>
+            </a:r>
+            <a:r>
+              <a:rPr lang="sv-SE" dirty="0" smtClean="0"/>
+              <a:t> a program </a:t>
+            </a:r>
+            <a:r>
+              <a:rPr lang="sv-SE" dirty="0" err="1" smtClean="0"/>
+              <a:t>that</a:t>
+            </a:r>
+            <a:r>
+              <a:rPr lang="sv-SE" dirty="0" smtClean="0"/>
+              <a:t> </a:t>
+            </a:r>
+            <a:r>
+              <a:rPr lang="sv-SE" dirty="0" err="1" smtClean="0"/>
+              <a:t>uses</a:t>
+            </a:r>
+            <a:r>
+              <a:rPr lang="sv-SE" dirty="0" smtClean="0"/>
+              <a:t> all </a:t>
+            </a:r>
+            <a:r>
+              <a:rPr lang="sv-SE" dirty="0" err="1" smtClean="0"/>
+              <a:t>cores</a:t>
+            </a:r>
+            <a:r>
+              <a:rPr lang="sv-SE" dirty="0" smtClean="0"/>
+              <a:t>?</a:t>
+            </a:r>
+            <a:endParaRPr lang="sv-SE" dirty="0" smtClean="0"/>
+          </a:p>
+          <a:p>
+            <a:endParaRPr lang="sv-SE" dirty="0" smtClean="0"/>
+          </a:p>
+        </p:txBody>
+      </p:sp>
+    </p:spTree>
+    <p:extLst>
+      <p:ext uri="{BB962C8B-B14F-4D97-AF65-F5344CB8AC3E}">
+        <p14:creationId xmlns:p14="http://schemas.microsoft.com/office/powerpoint/2010/main" val="837650438"/>
+      </p:ext>
+    </p:extLst>
+  </p:cSld>
+  <p:clrMapOvr>
+    <a:masterClrMapping/>
+  </p:clrMapOvr>
+  <mc:AlternateContent xmlns:mc="http://schemas.openxmlformats.org/markup-compatibility/2006" xmlns:p14="http://schemas.microsoft.com/office/powerpoint/2010/main">
+    <mc:Choice Requires="p14">
+      <p:transition spd="slow" p14:dur="2000"/>
+    </mc:Choice>
+    <mc:Fallback xmlns="">
+      <p:transition spd="slow"/>
+    </mc:Fallback>
+  </mc:AlternateContent>
+</p:sld>
+</file>
+
+<file path=ppt/slides/slide6.xml><?xml version="1.0" encoding="utf-8"?>
+<p:sld xmlns:a="http://schemas.openxmlformats.org/drawingml/2006/main" xmlns:r="http://schemas.openxmlformats.org/officeDocument/2006/relationships" xmlns:p="http://schemas.openxmlformats.org/presentationml/2006/main">
+  <p:cSld>
+    <p:spTree>
+      <p:nvGrpSpPr>
+        <p:cNvPr id="1" name=""/>
+        <p:cNvGrpSpPr/>
+        <p:nvPr/>
+      </p:nvGrpSpPr>
+      <p:grpSpPr>
+        <a:xfrm>
+          <a:off x="0" y="0"/>
+          <a:ext cx="0" cy="0"/>
+          <a:chOff x="0" y="0"/>
+          <a:chExt cx="0" cy="0"/>
+        </a:xfrm>
+      </p:grpSpPr>
+      <p:sp>
+        <p:nvSpPr>
+          <p:cNvPr id="2" name="Title 1"/>
+          <p:cNvSpPr>
+            <a:spLocks noGrp="1"/>
+          </p:cNvSpPr>
+          <p:nvPr>
+            <p:ph type="title"/>
+          </p:nvPr>
+        </p:nvSpPr>
+        <p:spPr/>
+        <p:txBody>
+          <a:bodyPr/>
+          <a:lstStyle/>
+          <a:p>
+            <a:pPr>
+              <a:buNone/>
+            </a:pPr>
+            <a:r>
+              <a:rPr lang="sv-SE" dirty="0" err="1" smtClean="0"/>
+              <a:t>Imperative</a:t>
+            </a:r>
+            <a:r>
+              <a:rPr lang="sv-SE" dirty="0" smtClean="0"/>
+              <a:t> </a:t>
+            </a:r>
+            <a:r>
+              <a:rPr lang="sv-SE" dirty="0" err="1" smtClean="0"/>
+              <a:t>Threading</a:t>
+            </a:r>
+            <a:endParaRPr lang="sv-SE" dirty="0"/>
+          </a:p>
+        </p:txBody>
+      </p:sp>
+      <p:sp>
+        <p:nvSpPr>
+          <p:cNvPr id="3" name="Content Placeholder 2"/>
+          <p:cNvSpPr>
+            <a:spLocks noGrp="1"/>
+          </p:cNvSpPr>
+          <p:nvPr>
+            <p:ph idx="1"/>
+          </p:nvPr>
+        </p:nvSpPr>
+        <p:spPr/>
+        <p:txBody>
+          <a:bodyPr/>
+          <a:lstStyle/>
+          <a:p>
+            <a:r>
+              <a:rPr lang="sv-SE" dirty="0" err="1" smtClean="0"/>
+              <a:t>Fully</a:t>
+            </a:r>
+            <a:r>
+              <a:rPr lang="sv-SE" dirty="0" smtClean="0"/>
+              <a:t> </a:t>
+            </a:r>
+            <a:r>
+              <a:rPr lang="sv-SE" dirty="0" err="1" smtClean="0"/>
+              <a:t>specified</a:t>
+            </a:r>
+            <a:r>
+              <a:rPr lang="sv-SE" dirty="0" smtClean="0"/>
+              <a:t> </a:t>
+            </a:r>
+            <a:r>
+              <a:rPr lang="sv-SE" dirty="0" err="1" smtClean="0"/>
+              <a:t>algorithms</a:t>
+            </a:r>
+            <a:endParaRPr lang="sv-SE" dirty="0" smtClean="0"/>
+          </a:p>
+          <a:p>
+            <a:pPr lvl="1"/>
+            <a:r>
+              <a:rPr lang="sv-SE" dirty="0" err="1" smtClean="0"/>
+              <a:t>Can</a:t>
+            </a:r>
+            <a:r>
+              <a:rPr lang="sv-SE" dirty="0" smtClean="0"/>
+              <a:t> </a:t>
+            </a:r>
+            <a:r>
+              <a:rPr lang="sv-SE" dirty="0" err="1" smtClean="0"/>
+              <a:t>only</a:t>
+            </a:r>
+            <a:r>
+              <a:rPr lang="sv-SE" dirty="0" smtClean="0"/>
+              <a:t> be </a:t>
+            </a:r>
+            <a:r>
+              <a:rPr lang="sv-SE" dirty="0" err="1" smtClean="0"/>
+              <a:t>threaded</a:t>
+            </a:r>
+            <a:r>
+              <a:rPr lang="sv-SE" dirty="0" smtClean="0"/>
+              <a:t> by </a:t>
+            </a:r>
+            <a:r>
+              <a:rPr lang="sv-SE" dirty="0" err="1" smtClean="0"/>
+              <a:t>rewrite</a:t>
+            </a:r>
+            <a:endParaRPr lang="sv-SE" dirty="0" smtClean="0"/>
+          </a:p>
+          <a:p>
+            <a:r>
+              <a:rPr lang="sv-SE" dirty="0" err="1" smtClean="0"/>
+              <a:t>Shared</a:t>
+            </a:r>
+            <a:r>
+              <a:rPr lang="sv-SE" dirty="0" smtClean="0"/>
+              <a:t> </a:t>
+            </a:r>
+            <a:r>
+              <a:rPr lang="sv-SE" dirty="0" err="1" smtClean="0"/>
+              <a:t>mutable</a:t>
+            </a:r>
+            <a:r>
+              <a:rPr lang="sv-SE" dirty="0" smtClean="0"/>
+              <a:t> data</a:t>
+            </a:r>
+            <a:endParaRPr lang="sv-SE" dirty="0"/>
+          </a:p>
+          <a:p>
+            <a:pPr lvl="1"/>
+            <a:r>
+              <a:rPr lang="sv-SE" dirty="0" err="1" smtClean="0"/>
+              <a:t>Requires</a:t>
+            </a:r>
+            <a:r>
+              <a:rPr lang="sv-SE" dirty="0" smtClean="0"/>
+              <a:t> </a:t>
+            </a:r>
+            <a:r>
+              <a:rPr lang="sv-SE" dirty="0" err="1" smtClean="0"/>
+              <a:t>locking</a:t>
+            </a:r>
+            <a:endParaRPr lang="sv-SE" dirty="0" smtClean="0"/>
+          </a:p>
+          <a:p>
+            <a:pPr lvl="2"/>
+            <a:r>
+              <a:rPr lang="sv-SE" dirty="0" err="1" smtClean="0"/>
+              <a:t>Unmanageble</a:t>
+            </a:r>
+            <a:r>
+              <a:rPr lang="sv-SE" dirty="0" smtClean="0"/>
+              <a:t> </a:t>
+            </a:r>
+            <a:r>
+              <a:rPr lang="sv-SE" dirty="0" err="1" smtClean="0"/>
+              <a:t>complexity</a:t>
+            </a:r>
+            <a:endParaRPr lang="sv-SE" dirty="0" smtClean="0"/>
+          </a:p>
+          <a:p>
+            <a:pPr lvl="2"/>
+            <a:r>
+              <a:rPr lang="sv-SE" dirty="0" err="1" smtClean="0"/>
+              <a:t>Deadlocks</a:t>
+            </a:r>
+            <a:endParaRPr lang="sv-SE" dirty="0" smtClean="0"/>
+          </a:p>
+        </p:txBody>
+      </p:sp>
+    </p:spTree>
+    <p:extLst>
+      <p:ext uri="{BB962C8B-B14F-4D97-AF65-F5344CB8AC3E}">
+        <p14:creationId xmlns:p14="http://schemas.microsoft.com/office/powerpoint/2010/main" val="944482395"/>
+      </p:ext>
+    </p:extLst>
+  </p:cSld>
+  <p:clrMapOvr>
+    <a:masterClrMapping/>
+  </p:clrMapOvr>
+  <mc:AlternateContent xmlns:mc="http://schemas.openxmlformats.org/markup-compatibility/2006" xmlns:p14="http://schemas.microsoft.com/office/powerpoint/2010/main">
+    <mc:Choice Requires="p14">
+      <p:transition spd="slow" p14:dur="2000"/>
+    </mc:Choice>
+    <mc:Fallback xmlns="">
+      <p:transition spd="slow"/>
+    </mc:Fallback>
+  </mc:AlternateContent>
 </p:sld>
 </file>
 
 <file path=ppt/slides/slide7.xml><?xml version="1.0" encoding="utf-8"?>
+<p:sld xmlns:a="http://schemas.openxmlformats.org/drawingml/2006/main" xmlns:r="http://schemas.openxmlformats.org/officeDocument/2006/relationships" xmlns:p="http://schemas.openxmlformats.org/presentationml/2006/main">
+  <p:cSld>
+    <p:spTree>
+      <p:nvGrpSpPr>
+        <p:cNvPr id="1" name=""/>
+        <p:cNvGrpSpPr/>
+        <p:nvPr/>
+      </p:nvGrpSpPr>
+      <p:grpSpPr>
+        <a:xfrm>
+          <a:off x="0" y="0"/>
+          <a:ext cx="0" cy="0"/>
+          <a:chOff x="0" y="0"/>
+          <a:chExt cx="0" cy="0"/>
+        </a:xfrm>
+      </p:grpSpPr>
+      <p:sp>
+        <p:nvSpPr>
+          <p:cNvPr id="2" name="Title 1"/>
+          <p:cNvSpPr>
+            <a:spLocks noGrp="1"/>
+          </p:cNvSpPr>
+          <p:nvPr>
+            <p:ph type="title"/>
+          </p:nvPr>
+        </p:nvSpPr>
+        <p:spPr/>
+        <p:txBody>
+          <a:bodyPr/>
+          <a:lstStyle/>
+          <a:p>
+            <a:pPr>
+              <a:buNone/>
+            </a:pPr>
+            <a:r>
+              <a:rPr lang="sv-SE" dirty="0" err="1" smtClean="0"/>
+              <a:t>Functional</a:t>
+            </a:r>
+            <a:r>
+              <a:rPr lang="sv-SE" dirty="0" smtClean="0"/>
+              <a:t> </a:t>
+            </a:r>
+            <a:r>
+              <a:rPr lang="sv-SE" dirty="0" err="1" smtClean="0"/>
+              <a:t>threading</a:t>
+            </a:r>
+            <a:endParaRPr lang="sv-SE" dirty="0"/>
+          </a:p>
+        </p:txBody>
+      </p:sp>
+      <p:sp>
+        <p:nvSpPr>
+          <p:cNvPr id="3" name="Content Placeholder 2"/>
+          <p:cNvSpPr>
+            <a:spLocks noGrp="1"/>
+          </p:cNvSpPr>
+          <p:nvPr>
+            <p:ph idx="1"/>
+          </p:nvPr>
+        </p:nvSpPr>
+        <p:spPr/>
+        <p:txBody>
+          <a:bodyPr/>
+          <a:lstStyle/>
+          <a:p>
+            <a:r>
+              <a:rPr lang="sv-SE" dirty="0" err="1" smtClean="0"/>
+              <a:t>Partially</a:t>
+            </a:r>
+            <a:r>
+              <a:rPr lang="sv-SE" dirty="0" smtClean="0"/>
+              <a:t> </a:t>
+            </a:r>
+            <a:r>
+              <a:rPr lang="sv-SE" dirty="0" err="1" smtClean="0"/>
+              <a:t>specified</a:t>
+            </a:r>
+            <a:r>
+              <a:rPr lang="sv-SE" dirty="0" smtClean="0"/>
+              <a:t> </a:t>
+            </a:r>
+            <a:r>
+              <a:rPr lang="sv-SE" dirty="0" err="1" smtClean="0"/>
+              <a:t>algorithms</a:t>
+            </a:r>
+            <a:endParaRPr lang="sv-SE" dirty="0" smtClean="0"/>
+          </a:p>
+          <a:p>
+            <a:pPr lvl="1"/>
+            <a:r>
+              <a:rPr lang="sv-SE" dirty="0" err="1" smtClean="0"/>
+              <a:t>Compiler</a:t>
+            </a:r>
+            <a:r>
+              <a:rPr lang="sv-SE" dirty="0" smtClean="0"/>
+              <a:t>, </a:t>
+            </a:r>
+            <a:r>
+              <a:rPr lang="sv-SE" dirty="0" err="1" smtClean="0"/>
+              <a:t>libraries</a:t>
+            </a:r>
+            <a:r>
+              <a:rPr lang="sv-SE" dirty="0" smtClean="0"/>
+              <a:t> </a:t>
+            </a:r>
+            <a:r>
+              <a:rPr lang="sv-SE" dirty="0" err="1" smtClean="0"/>
+              <a:t>etc</a:t>
+            </a:r>
+            <a:r>
+              <a:rPr lang="sv-SE" dirty="0"/>
+              <a:t> </a:t>
+            </a:r>
+            <a:r>
+              <a:rPr lang="sv-SE" dirty="0" err="1" smtClean="0"/>
+              <a:t>are</a:t>
+            </a:r>
+            <a:r>
+              <a:rPr lang="sv-SE" dirty="0" smtClean="0"/>
+              <a:t> </a:t>
+            </a:r>
+            <a:r>
+              <a:rPr lang="sv-SE" dirty="0" err="1" smtClean="0"/>
+              <a:t>free</a:t>
+            </a:r>
+            <a:r>
+              <a:rPr lang="sv-SE" dirty="0" smtClean="0"/>
+              <a:t> </a:t>
+            </a:r>
+            <a:r>
+              <a:rPr lang="sv-SE" dirty="0" err="1" smtClean="0"/>
+              <a:t>to</a:t>
+            </a:r>
+            <a:r>
+              <a:rPr lang="sv-SE" dirty="0" smtClean="0"/>
+              <a:t> </a:t>
+            </a:r>
+            <a:r>
+              <a:rPr lang="sv-SE" dirty="0" err="1" smtClean="0"/>
+              <a:t>change</a:t>
+            </a:r>
+            <a:r>
+              <a:rPr lang="sv-SE" dirty="0" smtClean="0"/>
+              <a:t> </a:t>
+            </a:r>
+            <a:r>
+              <a:rPr lang="sv-SE" dirty="0" err="1" smtClean="0"/>
+              <a:t>to</a:t>
+            </a:r>
+            <a:r>
+              <a:rPr lang="sv-SE" dirty="0" smtClean="0"/>
+              <a:t> </a:t>
+            </a:r>
+            <a:r>
+              <a:rPr lang="sv-SE" dirty="0" err="1" smtClean="0"/>
+              <a:t>multithreaded</a:t>
+            </a:r>
+            <a:r>
+              <a:rPr lang="sv-SE" dirty="0" smtClean="0"/>
+              <a:t> implementations.</a:t>
+            </a:r>
+          </a:p>
+          <a:p>
+            <a:r>
+              <a:rPr lang="sv-SE" dirty="0" err="1" smtClean="0"/>
+              <a:t>Shared</a:t>
+            </a:r>
+            <a:r>
+              <a:rPr lang="sv-SE" dirty="0" smtClean="0"/>
+              <a:t> data is </a:t>
+            </a:r>
+            <a:r>
+              <a:rPr lang="sv-SE" dirty="0" err="1" smtClean="0"/>
+              <a:t>immutable</a:t>
+            </a:r>
+            <a:endParaRPr lang="sv-SE" dirty="0" smtClean="0"/>
+          </a:p>
+          <a:p>
+            <a:pPr lvl="1"/>
+            <a:r>
+              <a:rPr lang="sv-SE" dirty="0" smtClean="0"/>
+              <a:t>No </a:t>
+            </a:r>
+            <a:r>
+              <a:rPr lang="sv-SE" dirty="0" err="1" smtClean="0"/>
+              <a:t>need</a:t>
+            </a:r>
+            <a:r>
+              <a:rPr lang="sv-SE" dirty="0" smtClean="0"/>
+              <a:t> for locks</a:t>
+            </a:r>
+            <a:endParaRPr lang="sv-SE" dirty="0"/>
+          </a:p>
+        </p:txBody>
+      </p:sp>
+    </p:spTree>
+    <p:extLst>
+      <p:ext uri="{BB962C8B-B14F-4D97-AF65-F5344CB8AC3E}">
+        <p14:creationId xmlns:p14="http://schemas.microsoft.com/office/powerpoint/2010/main" val="1359981797"/>
+      </p:ext>
+    </p:extLst>
+  </p:cSld>
+  <p:clrMapOvr>
+    <a:masterClrMapping/>
+  </p:clrMapOvr>
+  <mc:AlternateContent xmlns:mc="http://schemas.openxmlformats.org/markup-compatibility/2006" xmlns:p14="http://schemas.microsoft.com/office/powerpoint/2010/main">
+    <mc:Choice Requires="p14">
+      <p:transition spd="slow" p14:dur="2000"/>
+    </mc:Choice>
+    <mc:Fallback xmlns="">
+      <p:transition spd="slow"/>
+    </mc:Fallback>
+  </mc:AlternateContent>
+</p:sld>
+</file>
+
+<file path=ppt/slides/slide8.xml><?xml version="1.0" encoding="utf-8"?>
 <p:sld xmlns:a="http://schemas.openxmlformats.org/drawingml/2006/main" xmlns:r="http://schemas.openxmlformats.org/officeDocument/2006/relationships" xmlns:p="http://schemas.openxmlformats.org/presentationml/2006/main">
   <p:cSld name="page5">
     <p:spTree>
@@ -12200,7 +11397,7 @@
 </p:sld>
 </file>
 
-<file path=ppt/slides/slide8.xml><?xml version="1.0" encoding="utf-8"?>
+<file path=ppt/slides/slide9.xml><?xml version="1.0" encoding="utf-8"?>
 <p:sld xmlns:a="http://schemas.openxmlformats.org/drawingml/2006/main" xmlns:r="http://schemas.openxmlformats.org/officeDocument/2006/relationships" xmlns:p="http://schemas.openxmlformats.org/presentationml/2006/main">
   <p:cSld name="page8">
     <p:spTree>
@@ -12882,565 +12079,6 @@
   <p:transition>
     <p:wipe/>
   </p:transition>
-  <p:timing>
-    <p:tnLst>
-      <p:par>
-        <p:cTn id="1" dur="indefinite" restart="never" nodeType="tmRoot">
-          <p:childTnLst>
-            <p:seq concurrent="1" nextAc="seek">
-              <p:cTn id="2" dur="indefinite" nodeType="mainSeq">
-                <p:childTnLst>
-                  <p:par>
-                    <p:cTn id="3" fill="hold">
-                      <p:stCondLst>
-                        <p:cond delay="indefinite"/>
-                      </p:stCondLst>
-                      <p:childTnLst>
-                        <p:par>
-                          <p:cTn id="4" fill="hold">
-                            <p:stCondLst>
-                              <p:cond delay="0"/>
-                            </p:stCondLst>
-                            <p:childTnLst>
-                              <p:par>
-                                <p:cTn id="5" presetClass="entr" fill="hold" nodeType="clickEffect">
-                                  <p:stCondLst>
-                                    <p:cond delay="0"/>
-                                  </p:stCondLst>
-                                  <p:childTnLst>
-                                    <p:set>
-                                      <p:cBhvr>
-                                        <p:cTn id="6" dur="1" fill="hold">
-                                          <p:stCondLst>
-                                            <p:cond delay="0"/>
-                                          </p:stCondLst>
-                                        </p:cTn>
-                                        <p:tgtEl>
-                                          <p:spTgt spid="3">
-                                            <p:txEl>
-                                              <p:pRg st="0" end="0"/>
-                                            </p:txEl>
-                                          </p:spTgt>
-                                        </p:tgtEl>
-                                        <p:attrNameLst>
-                                          <p:attrName>style.visibility</p:attrName>
-                                        </p:attrNameLst>
-                                      </p:cBhvr>
-                                      <p:to>
-                                        <p:strVal val="visible"/>
-                                      </p:to>
-                                    </p:set>
-                                    <p:anim calcmode="lin" valueType="num">
-                                      <p:cBhvr>
-                                        <p:cTn id="7" dur="500" fill="hold"/>
-                                        <p:tgtEl>
-                                          <p:spTgt spid="3">
-                                            <p:txEl>
-                                              <p:pRg st="0" end="0"/>
-                                            </p:txEl>
-                                          </p:spTgt>
-                                        </p:tgtEl>
-                                        <p:attrNameLst>
-                                          <p:attrName>ppt_x</p:attrName>
-                                        </p:attrNameLst>
-                                      </p:cBhvr>
-                                      <p:tavLst>
-                                        <p:tav tm="0">
-                                          <p:val>
-                                            <p:strVal val="#ppt_x"/>
-                                          </p:val>
-                                        </p:tav>
-                                        <p:tav tm="100000">
-                                          <p:val>
-                                            <p:strVal val="#ppt_x"/>
-                                          </p:val>
-                                        </p:tav>
-                                      </p:tavLst>
-                                    </p:anim>
-                                    <p:anim calcmode="lin" valueType="num">
-                                      <p:cBhvr>
-                                        <p:cTn id="8" dur="500" fill="hold"/>
-                                        <p:tgtEl>
-                                          <p:spTgt spid="3">
-                                            <p:txEl>
-                                              <p:pRg st="0" end="0"/>
-                                            </p:txEl>
-                                          </p:spTgt>
-                                        </p:tgtEl>
-                                        <p:attrNameLst>
-                                          <p:attrName>ppt_y</p:attrName>
-                                        </p:attrNameLst>
-                                      </p:cBhvr>
-                                      <p:tavLst>
-                                        <p:tav tm="0">
-                                          <p:val>
-                                            <p:strVal val="1+#ppt_h/2"/>
-                                          </p:val>
-                                        </p:tav>
-                                        <p:tav tm="100000">
-                                          <p:val>
-                                            <p:strVal val="#ppt_y"/>
-                                          </p:val>
-                                        </p:tav>
-                                      </p:tavLst>
-                                    </p:anim>
-                                  </p:childTnLst>
-                                </p:cTn>
-                              </p:par>
-                            </p:childTnLst>
-                          </p:cTn>
-                        </p:par>
-                      </p:childTnLst>
-                    </p:cTn>
-                  </p:par>
-                </p:childTnLst>
-              </p:cTn>
-              <p:prevCondLst>
-                <p:cond evt="onPrev" delay="0">
-                  <p:tgtEl>
-                    <p:sldTgt/>
-                  </p:tgtEl>
-                </p:cond>
-              </p:prevCondLst>
-              <p:nextCondLst>
-                <p:cond evt="onNext" delay="0">
-                  <p:tgtEl>
-                    <p:sldTgt/>
-                  </p:tgtEl>
-                </p:cond>
-              </p:nextCondLst>
-            </p:seq>
-          </p:childTnLst>
-        </p:cTn>
-      </p:par>
-    </p:tnLst>
-  </p:timing>
-</p:sld>
-</file>
-
-<file path=ppt/slides/slide9.xml><?xml version="1.0" encoding="utf-8"?>
-<p:sld xmlns:a="http://schemas.openxmlformats.org/drawingml/2006/main" xmlns:r="http://schemas.openxmlformats.org/officeDocument/2006/relationships" xmlns:p="http://schemas.openxmlformats.org/presentationml/2006/main">
-  <p:cSld name="page9">
-    <p:spTree>
-      <p:nvGrpSpPr>
-        <p:cNvPr id="1" name=""/>
-        <p:cNvGrpSpPr/>
-        <p:nvPr/>
-      </p:nvGrpSpPr>
-      <p:grpSpPr>
-        <a:xfrm>
-          <a:off x="0" y="0"/>
-          <a:ext cx="0" cy="0"/>
-          <a:chOff x="0" y="0"/>
-          <a:chExt cx="0" cy="0"/>
-        </a:xfrm>
-      </p:grpSpPr>
-      <p:sp>
-        <p:nvSpPr>
-          <p:cNvPr id="2" name="TextShape 1"/>
-          <p:cNvSpPr/>
-          <p:nvPr/>
-        </p:nvSpPr>
-        <p:spPr>
-          <a:xfrm>
-            <a:off x="457200" y="274680"/>
-            <a:ext cx="8228880" cy="1142280"/>
-          </a:xfrm>
-          <a:custGeom>
-            <a:avLst/>
-            <a:gdLst>
-              <a:gd name="f0" fmla="val 0"/>
-              <a:gd name="f1" fmla="val 21600"/>
-            </a:gdLst>
-            <a:ahLst/>
-            <a:cxnLst>
-              <a:cxn ang="3cd4">
-                <a:pos x="hc" y="t"/>
-              </a:cxn>
-              <a:cxn ang="0">
-                <a:pos x="r" y="vc"/>
-              </a:cxn>
-              <a:cxn ang="cd4">
-                <a:pos x="hc" y="b"/>
-              </a:cxn>
-              <a:cxn ang="cd2">
-                <a:pos x="l" y="vc"/>
-              </a:cxn>
-            </a:cxnLst>
-            <a:rect l="l" t="t" r="r" b="b"/>
-            <a:pathLst>
-              <a:path w="21600" h="21600">
-                <a:moveTo>
-                  <a:pt x="f0" y="f0"/>
-                </a:moveTo>
-                <a:lnTo>
-                  <a:pt x="f1" y="f0"/>
-                </a:lnTo>
-                <a:lnTo>
-                  <a:pt x="f1" y="f1"/>
-                </a:lnTo>
-                <a:lnTo>
-                  <a:pt x="f0" y="f1"/>
-                </a:lnTo>
-                <a:lnTo>
-                  <a:pt x="f0" y="f0"/>
-                </a:lnTo>
-                <a:close/>
-              </a:path>
-            </a:pathLst>
-          </a:custGeom>
-          <a:noFill/>
-          <a:ln>
-            <a:noFill/>
-            <a:prstDash val="solid"/>
-          </a:ln>
-        </p:spPr>
-        <p:txBody>
-          <a:bodyPr vert="horz" wrap="square" lIns="90000" tIns="45000" rIns="90000" bIns="45000" anchor="t" compatLnSpc="0"/>
-          <a:lstStyle/>
-          <a:p>
-            <a:pPr marL="0" marR="0" lvl="0" indent="0" algn="ctr" rtl="0" hangingPunct="0">
-              <a:lnSpc>
-                <a:spcPct val="100000"/>
-              </a:lnSpc>
-              <a:spcBef>
-                <a:spcPts val="0"/>
-              </a:spcBef>
-              <a:spcAft>
-                <a:spcPts val="0"/>
-              </a:spcAft>
-              <a:buNone/>
-              <a:tabLst/>
-            </a:pPr>
-            <a:r>
-              <a:rPr lang="sv-SE" sz="4400" b="0" i="0" u="none" strike="noStrike" kern="1200" spc="0">
-                <a:ln>
-                  <a:noFill/>
-                </a:ln>
-                <a:solidFill>
-                  <a:srgbClr val="000000"/>
-                </a:solidFill>
-                <a:latin typeface="Calibri" pitchFamily="18"/>
-                <a:ea typeface="DejaVu Sans" pitchFamily="2"/>
-                <a:cs typeface="DejaVu Sans" pitchFamily="2"/>
-              </a:rPr>
-              <a:t>Composability, OO, FP, Generics</a:t>
-            </a:r>
-          </a:p>
-        </p:txBody>
-      </p:sp>
-      <p:sp>
-        <p:nvSpPr>
-          <p:cNvPr id="3" name="TextShape 2"/>
-          <p:cNvSpPr/>
-          <p:nvPr/>
-        </p:nvSpPr>
-        <p:spPr>
-          <a:xfrm>
-            <a:off x="457200" y="1600200"/>
-            <a:ext cx="8228880" cy="8841600"/>
-          </a:xfrm>
-          <a:custGeom>
-            <a:avLst/>
-            <a:gdLst>
-              <a:gd name="f0" fmla="val 0"/>
-              <a:gd name="f1" fmla="val 21600"/>
-            </a:gdLst>
-            <a:ahLst/>
-            <a:cxnLst>
-              <a:cxn ang="3cd4">
-                <a:pos x="hc" y="t"/>
-              </a:cxn>
-              <a:cxn ang="0">
-                <a:pos x="r" y="vc"/>
-              </a:cxn>
-              <a:cxn ang="cd4">
-                <a:pos x="hc" y="b"/>
-              </a:cxn>
-              <a:cxn ang="cd2">
-                <a:pos x="l" y="vc"/>
-              </a:cxn>
-            </a:cxnLst>
-            <a:rect l="l" t="t" r="r" b="b"/>
-            <a:pathLst>
-              <a:path w="21600" h="21600">
-                <a:moveTo>
-                  <a:pt x="f0" y="f0"/>
-                </a:moveTo>
-                <a:lnTo>
-                  <a:pt x="f1" y="f0"/>
-                </a:lnTo>
-                <a:lnTo>
-                  <a:pt x="f1" y="f1"/>
-                </a:lnTo>
-                <a:lnTo>
-                  <a:pt x="f0" y="f1"/>
-                </a:lnTo>
-                <a:lnTo>
-                  <a:pt x="f0" y="f0"/>
-                </a:lnTo>
-                <a:close/>
-              </a:path>
-            </a:pathLst>
-          </a:custGeom>
-          <a:noFill/>
-          <a:ln>
-            <a:noFill/>
-            <a:prstDash val="solid"/>
-          </a:ln>
-        </p:spPr>
-        <p:txBody>
-          <a:bodyPr vert="horz" wrap="square" lIns="90000" tIns="45000" rIns="90000" bIns="45000" anchor="t" compatLnSpc="0"/>
-          <a:lstStyle/>
-          <a:p>
-            <a:pPr marL="0" marR="0" lvl="0" indent="0" rtl="0" hangingPunct="0">
-              <a:lnSpc>
-                <a:spcPct val="100000"/>
-              </a:lnSpc>
-              <a:spcBef>
-                <a:spcPts val="0"/>
-              </a:spcBef>
-              <a:spcAft>
-                <a:spcPts val="0"/>
-              </a:spcAft>
-              <a:buNone/>
-              <a:tabLst/>
-            </a:pPr>
-            <a:r>
-              <a:rPr lang="sv-SE" sz="1800" b="0" i="0" u="none" strike="noStrike" kern="1200" spc="0" dirty="0">
-                <a:ln>
-                  <a:noFill/>
-                </a:ln>
-                <a:latin typeface="Arial" pitchFamily="18"/>
-                <a:ea typeface="DejaVu Sans" pitchFamily="2"/>
-                <a:cs typeface="DejaVu Sans" pitchFamily="2"/>
-              </a:rPr>
-              <a:t>Composability</a:t>
-            </a:r>
-          </a:p>
-          <a:p>
-            <a:pPr marL="0" marR="0" lvl="0" indent="0" rtl="0" hangingPunct="0">
-              <a:lnSpc>
-                <a:spcPct val="100000"/>
-              </a:lnSpc>
-              <a:spcBef>
-                <a:spcPts val="0"/>
-              </a:spcBef>
-              <a:spcAft>
-                <a:spcPts val="0"/>
-              </a:spcAft>
-              <a:buNone/>
-              <a:tabLst/>
-            </a:pPr>
-            <a:r>
-              <a:rPr lang="sv-SE" sz="1800" b="0" i="0" u="none" strike="noStrike" kern="1200" spc="0" dirty="0">
-                <a:ln>
-                  <a:noFill/>
-                </a:ln>
-                <a:latin typeface="Arial" pitchFamily="18"/>
-                <a:ea typeface="DejaVu Sans" pitchFamily="2"/>
-                <a:cs typeface="DejaVu Sans" pitchFamily="2"/>
-              </a:rPr>
-              <a:t>The ability for software entities to be easily reused without violating the SOLID principles.</a:t>
-            </a:r>
-          </a:p>
-          <a:p>
-            <a:pPr marL="0" marR="0" lvl="0" indent="0" rtl="0" hangingPunct="0">
-              <a:lnSpc>
-                <a:spcPct val="100000"/>
-              </a:lnSpc>
-              <a:spcBef>
-                <a:spcPts val="0"/>
-              </a:spcBef>
-              <a:spcAft>
-                <a:spcPts val="0"/>
-              </a:spcAft>
-              <a:buNone/>
-              <a:tabLst/>
-            </a:pPr>
-            <a:r>
-              <a:rPr lang="sv-SE" sz="1800" b="0" i="0" u="none" strike="noStrike" kern="1200" spc="0" dirty="0">
-                <a:ln>
-                  <a:noFill/>
-                </a:ln>
-                <a:latin typeface="Arial" pitchFamily="18"/>
-                <a:ea typeface="DejaVu Sans" pitchFamily="2"/>
-                <a:cs typeface="DejaVu Sans" pitchFamily="2"/>
-              </a:rPr>
-              <a:t>Object oriented programming</a:t>
-            </a:r>
-          </a:p>
-          <a:p>
-            <a:pPr marL="0" marR="0" lvl="0" indent="0" rtl="0" hangingPunct="0">
-              <a:lnSpc>
-                <a:spcPct val="100000"/>
-              </a:lnSpc>
-              <a:spcBef>
-                <a:spcPts val="0"/>
-              </a:spcBef>
-              <a:spcAft>
-                <a:spcPts val="0"/>
-              </a:spcAft>
-              <a:buNone/>
-              <a:tabLst/>
-            </a:pPr>
-            <a:r>
-              <a:rPr lang="sv-SE" sz="1800" b="0" i="0" u="none" strike="noStrike" kern="1200" spc="0" dirty="0">
-                <a:ln>
-                  <a:noFill/>
-                </a:ln>
-                <a:latin typeface="Arial" pitchFamily="18"/>
-                <a:ea typeface="DejaVu Sans" pitchFamily="2"/>
-                <a:cs typeface="DejaVu Sans" pitchFamily="2"/>
-              </a:rPr>
-              <a:t>Composable datastructures</a:t>
-            </a:r>
-          </a:p>
-          <a:p>
-            <a:pPr marL="0" marR="0" lvl="0" indent="0" rtl="0" hangingPunct="0">
-              <a:lnSpc>
-                <a:spcPct val="100000"/>
-              </a:lnSpc>
-              <a:spcBef>
-                <a:spcPts val="0"/>
-              </a:spcBef>
-              <a:spcAft>
-                <a:spcPts val="0"/>
-              </a:spcAft>
-              <a:buNone/>
-              <a:tabLst/>
-            </a:pPr>
-            <a:r>
-              <a:rPr lang="sv-SE" sz="1800" b="0" i="0" u="none" strike="noStrike" kern="1200" spc="0" dirty="0">
-                <a:ln>
-                  <a:noFill/>
-                </a:ln>
-                <a:latin typeface="Arial" pitchFamily="18"/>
-                <a:ea typeface="DejaVu Sans" pitchFamily="2"/>
-                <a:cs typeface="DejaVu Sans" pitchFamily="2"/>
-              </a:rPr>
-              <a:t>Functional programming</a:t>
-            </a:r>
-          </a:p>
-          <a:p>
-            <a:pPr marL="0" marR="0" lvl="0" indent="0" rtl="0" hangingPunct="0">
-              <a:lnSpc>
-                <a:spcPct val="100000"/>
-              </a:lnSpc>
-              <a:spcBef>
-                <a:spcPts val="0"/>
-              </a:spcBef>
-              <a:spcAft>
-                <a:spcPts val="0"/>
-              </a:spcAft>
-              <a:buNone/>
-              <a:tabLst/>
-            </a:pPr>
-            <a:r>
-              <a:rPr lang="sv-SE" sz="1800" b="0" i="0" u="none" strike="noStrike" kern="1200" spc="0" dirty="0">
-                <a:ln>
-                  <a:noFill/>
-                </a:ln>
-                <a:latin typeface="Arial" pitchFamily="18"/>
-                <a:ea typeface="DejaVu Sans" pitchFamily="2"/>
-                <a:cs typeface="DejaVu Sans" pitchFamily="2"/>
-              </a:rPr>
-              <a:t>Composable algorithms</a:t>
-            </a:r>
-          </a:p>
-          <a:p>
-            <a:pPr marL="0" marR="0" lvl="0" indent="0" rtl="0" hangingPunct="0">
-              <a:lnSpc>
-                <a:spcPct val="100000"/>
-              </a:lnSpc>
-              <a:spcBef>
-                <a:spcPts val="0"/>
-              </a:spcBef>
-              <a:spcAft>
-                <a:spcPts val="0"/>
-              </a:spcAft>
-              <a:buNone/>
-              <a:tabLst/>
-            </a:pPr>
-            <a:r>
-              <a:rPr lang="sv-SE" sz="1800" b="0" i="0" u="none" strike="noStrike" kern="1200" spc="0" dirty="0">
-                <a:ln>
-                  <a:noFill/>
-                </a:ln>
-                <a:latin typeface="Arial" pitchFamily="18"/>
-                <a:ea typeface="DejaVu Sans" pitchFamily="2"/>
-                <a:cs typeface="DejaVu Sans" pitchFamily="2"/>
-              </a:rPr>
-              <a:t>Generic programming</a:t>
-            </a:r>
-          </a:p>
-          <a:p>
-            <a:pPr marL="0" marR="0" lvl="0" indent="0" rtl="0" hangingPunct="0">
-              <a:lnSpc>
-                <a:spcPct val="100000"/>
-              </a:lnSpc>
-              <a:spcBef>
-                <a:spcPts val="0"/>
-              </a:spcBef>
-              <a:spcAft>
-                <a:spcPts val="0"/>
-              </a:spcAft>
-              <a:buNone/>
-              <a:tabLst/>
-            </a:pPr>
-            <a:r>
-              <a:rPr lang="sv-SE" sz="1800" b="0" i="0" u="none" strike="noStrike" kern="1200" spc="0" dirty="0">
-                <a:ln>
-                  <a:noFill/>
-                </a:ln>
-                <a:latin typeface="Arial" pitchFamily="18"/>
-                <a:ea typeface="DejaVu Sans" pitchFamily="2"/>
-                <a:cs typeface="DejaVu Sans" pitchFamily="2"/>
-              </a:rPr>
-              <a:t>Enables SOLID FP and OO abstractions even when needing more concrete types than the abstraction knows about.</a:t>
-            </a:r>
-          </a:p>
-          <a:p>
-            <a:pPr marL="0" marR="0" lvl="0" indent="0" rtl="0" hangingPunct="0">
-              <a:lnSpc>
-                <a:spcPct val="100000"/>
-              </a:lnSpc>
-              <a:spcBef>
-                <a:spcPts val="0"/>
-              </a:spcBef>
-              <a:spcAft>
-                <a:spcPts val="0"/>
-              </a:spcAft>
-              <a:buNone/>
-              <a:tabLst/>
-            </a:pPr>
-            <a:r>
-              <a:rPr lang="sv-SE" sz="1800" b="0" i="0" u="none" strike="noStrike" kern="1200" spc="0" dirty="0">
-                <a:ln>
-                  <a:noFill/>
-                </a:ln>
-                <a:latin typeface="Arial" pitchFamily="18"/>
-                <a:ea typeface="DejaVu Sans" pitchFamily="2"/>
-                <a:cs typeface="DejaVu Sans" pitchFamily="2"/>
-              </a:rPr>
-              <a:t>SOLID without contortionism requires all three.</a:t>
-            </a:r>
-          </a:p>
-        </p:txBody>
-      </p:sp>
-    </p:spTree>
-  </p:cSld>
-  <p:clrMapOvr>
-    <a:masterClrMapping/>
-  </p:clrMapOvr>
-  <mc:AlternateContent xmlns:mc="http://schemas.openxmlformats.org/markup-compatibility/2006" xmlns:p14="http://schemas.microsoft.com/office/powerpoint/2010/main">
-    <mc:Choice Requires="p14">
-      <p:transition spd="slow" p14:dur="2000"/>
-    </mc:Choice>
-    <mc:Fallback xmlns="">
-      <p:transition spd="slow"/>
-    </mc:Fallback>
-  </mc:AlternateContent>
   <p:timing>
     <p:tnLst>
       <p:par>

--- a/FSharp2.pptx
+++ b/FSharp2.pptx
@@ -6,10 +6,10 @@
     <p:sldMasterId id="2147483660" r:id="rId2"/>
   </p:sldMasterIdLst>
   <p:notesMasterIdLst>
-    <p:notesMasterId r:id="rId16"/>
+    <p:notesMasterId r:id="rId20"/>
   </p:notesMasterIdLst>
   <p:handoutMasterIdLst>
-    <p:handoutMasterId r:id="rId17"/>
+    <p:handoutMasterId r:id="rId21"/>
   </p:handoutMasterIdLst>
   <p:sldIdLst>
     <p:sldId id="256" r:id="rId3"/>
@@ -19,12 +19,16 @@
     <p:sldId id="275" r:id="rId7"/>
     <p:sldId id="272" r:id="rId8"/>
     <p:sldId id="273" r:id="rId9"/>
-    <p:sldId id="260" r:id="rId10"/>
+    <p:sldId id="276" r:id="rId10"/>
     <p:sldId id="263" r:id="rId11"/>
     <p:sldId id="264" r:id="rId12"/>
-    <p:sldId id="265" r:id="rId13"/>
-    <p:sldId id="269" r:id="rId14"/>
-    <p:sldId id="270" r:id="rId15"/>
+    <p:sldId id="277" r:id="rId13"/>
+    <p:sldId id="260" r:id="rId14"/>
+    <p:sldId id="278" r:id="rId15"/>
+    <p:sldId id="279" r:id="rId16"/>
+    <p:sldId id="265" r:id="rId17"/>
+    <p:sldId id="269" r:id="rId18"/>
+    <p:sldId id="270" r:id="rId19"/>
   </p:sldIdLst>
   <p:sldSz cx="9144000" cy="6858000" type="screen4x3"/>
   <p:notesSz cx="6858000" cy="9144000"/>
@@ -911,83 +915,6 @@
       </p:grpSpPr>
       <p:sp>
         <p:nvSpPr>
-          <p:cNvPr id="2" name="Slide Image Placeholder 1"/>
-          <p:cNvSpPr>
-            <a:spLocks noGrp="1" noRot="1" noChangeAspect="1" noResize="1"/>
-          </p:cNvSpPr>
-          <p:nvPr>
-            <p:ph type="sldImg"/>
-          </p:nvPr>
-        </p:nvSpPr>
-        <p:spPr>
-          <a:xfrm>
-            <a:off x="1144588" y="695325"/>
-            <a:ext cx="4568825" cy="3427413"/>
-          </a:xfrm>
-          <a:solidFill>
-            <a:schemeClr val="accent1"/>
-          </a:solidFill>
-          <a:ln w="25400">
-            <a:solidFill>
-              <a:schemeClr val="accent1">
-                <a:shade val="50000"/>
-              </a:schemeClr>
-            </a:solidFill>
-            <a:prstDash val="solid"/>
-          </a:ln>
-        </p:spPr>
-      </p:sp>
-      <p:sp>
-        <p:nvSpPr>
-          <p:cNvPr id="3" name="Notes Placeholder 2"/>
-          <p:cNvSpPr txBox="1">
-            <a:spLocks noGrp="1"/>
-          </p:cNvSpPr>
-          <p:nvPr>
-            <p:ph type="body" sz="quarter" idx="1"/>
-          </p:nvPr>
-        </p:nvSpPr>
-        <p:spPr>
-          <a:xfrm>
-            <a:off x="685799" y="4343400"/>
-            <a:ext cx="5486040" cy="4114800"/>
-          </a:xfrm>
-        </p:spPr>
-        <p:txBody>
-          <a:bodyPr/>
-          <a:lstStyle/>
-          <a:p>
-            <a:endParaRPr lang="sv-SE"/>
-          </a:p>
-        </p:txBody>
-      </p:sp>
-    </p:spTree>
-  </p:cSld>
-  <p:clrMapOvr>
-    <a:masterClrMapping/>
-  </p:clrMapOvr>
-</p:notes>
-</file>
-
-<file path=ppt/notesSlides/notesSlide4.xml><?xml version="1.0" encoding="utf-8"?>
-<p:notes xmlns:a="http://schemas.openxmlformats.org/drawingml/2006/main" xmlns:r="http://schemas.openxmlformats.org/officeDocument/2006/relationships" xmlns:p="http://schemas.openxmlformats.org/presentationml/2006/main">
-  <p:cSld>
-    <p:spTree>
-      <p:nvGrpSpPr>
-        <p:cNvPr id="1" name=""/>
-        <p:cNvGrpSpPr/>
-        <p:nvPr/>
-      </p:nvGrpSpPr>
-      <p:grpSpPr>
-        <a:xfrm>
-          <a:off x="0" y="0"/>
-          <a:ext cx="0" cy="0"/>
-          <a:chOff x="0" y="0"/>
-          <a:chExt cx="0" cy="0"/>
-        </a:xfrm>
-      </p:grpSpPr>
-      <p:sp>
-        <p:nvSpPr>
           <p:cNvPr id="2" name="PlaceHolder 1"/>
           <p:cNvSpPr txBox="1">
             <a:spLocks noGrp="1"/>
@@ -1112,6 +1039,83 @@
 </p:notes>
 </file>
 
+<file path=ppt/notesSlides/notesSlide4.xml><?xml version="1.0" encoding="utf-8"?>
+<p:notes xmlns:a="http://schemas.openxmlformats.org/drawingml/2006/main" xmlns:r="http://schemas.openxmlformats.org/officeDocument/2006/relationships" xmlns:p="http://schemas.openxmlformats.org/presentationml/2006/main">
+  <p:cSld>
+    <p:spTree>
+      <p:nvGrpSpPr>
+        <p:cNvPr id="1" name=""/>
+        <p:cNvGrpSpPr/>
+        <p:nvPr/>
+      </p:nvGrpSpPr>
+      <p:grpSpPr>
+        <a:xfrm>
+          <a:off x="0" y="0"/>
+          <a:ext cx="0" cy="0"/>
+          <a:chOff x="0" y="0"/>
+          <a:chExt cx="0" cy="0"/>
+        </a:xfrm>
+      </p:grpSpPr>
+      <p:sp>
+        <p:nvSpPr>
+          <p:cNvPr id="2" name="Slide Image Placeholder 1"/>
+          <p:cNvSpPr>
+            <a:spLocks noGrp="1" noRot="1" noChangeAspect="1" noResize="1"/>
+          </p:cNvSpPr>
+          <p:nvPr>
+            <p:ph type="sldImg"/>
+          </p:nvPr>
+        </p:nvSpPr>
+        <p:spPr>
+          <a:xfrm>
+            <a:off x="1144588" y="695325"/>
+            <a:ext cx="4568825" cy="3427413"/>
+          </a:xfrm>
+          <a:solidFill>
+            <a:schemeClr val="accent1"/>
+          </a:solidFill>
+          <a:ln w="25400">
+            <a:solidFill>
+              <a:schemeClr val="accent1">
+                <a:shade val="50000"/>
+              </a:schemeClr>
+            </a:solidFill>
+            <a:prstDash val="solid"/>
+          </a:ln>
+        </p:spPr>
+      </p:sp>
+      <p:sp>
+        <p:nvSpPr>
+          <p:cNvPr id="3" name="Notes Placeholder 2"/>
+          <p:cNvSpPr txBox="1">
+            <a:spLocks noGrp="1"/>
+          </p:cNvSpPr>
+          <p:nvPr>
+            <p:ph type="body" sz="quarter" idx="1"/>
+          </p:nvPr>
+        </p:nvSpPr>
+        <p:spPr>
+          <a:xfrm>
+            <a:off x="685799" y="4343400"/>
+            <a:ext cx="5486040" cy="4114800"/>
+          </a:xfrm>
+        </p:spPr>
+        <p:txBody>
+          <a:bodyPr/>
+          <a:lstStyle/>
+          <a:p>
+            <a:endParaRPr lang="sv-SE"/>
+          </a:p>
+        </p:txBody>
+      </p:sp>
+    </p:spTree>
+  </p:cSld>
+  <p:clrMapOvr>
+    <a:masterClrMapping/>
+  </p:clrMapOvr>
+</p:notes>
+</file>
+
 <file path=ppt/notesSlides/notesSlide5.xml><?xml version="1.0" encoding="utf-8"?>
 <p:notes xmlns:a="http://schemas.openxmlformats.org/drawingml/2006/main" xmlns:r="http://schemas.openxmlformats.org/officeDocument/2006/relationships" xmlns:p="http://schemas.openxmlformats.org/presentationml/2006/main">
   <p:cSld>
@@ -1141,8 +1145,8 @@
         </p:nvSpPr>
         <p:spPr>
           <a:xfrm>
-            <a:off x="1143000" y="694800"/>
-            <a:ext cx="4571640" cy="3428639"/>
+            <a:off x="1144588" y="695325"/>
+            <a:ext cx="4568825" cy="3427413"/>
           </a:xfrm>
           <a:solidFill>
             <a:schemeClr val="accent1"/>
@@ -6238,7 +6242,7 @@
         <p:spPr>
           <a:xfrm>
             <a:off x="457200" y="1600200"/>
-            <a:ext cx="8228880" cy="8841600"/>
+            <a:ext cx="8228880" cy="4420800"/>
           </a:xfrm>
           <a:custGeom>
             <a:avLst/>
@@ -6319,7 +6323,7 @@
             </a:r>
           </a:p>
           <a:p>
-            <a:pPr marL="0" marR="0" lvl="0" indent="0" rtl="0" hangingPunct="0">
+            <a:pPr marR="0" lvl="0" rtl="0" hangingPunct="0">
               <a:lnSpc>
                 <a:spcPct val="100000"/>
               </a:lnSpc>
@@ -6329,7 +6333,6 @@
               <a:spcAft>
                 <a:spcPts val="0"/>
               </a:spcAft>
-              <a:buNone/>
               <a:tabLst/>
             </a:pPr>
             <a:r>
@@ -6345,7 +6348,7 @@
             </a:r>
           </a:p>
           <a:p>
-            <a:pPr marL="0" marR="0" lvl="0" indent="0" rtl="0" hangingPunct="0">
+            <a:pPr marL="285750" marR="0" lvl="0" indent="-285750" rtl="0" hangingPunct="0">
               <a:lnSpc>
                 <a:spcPct val="100000"/>
               </a:lnSpc>
@@ -6355,7 +6358,8 @@
               <a:spcAft>
                 <a:spcPts val="0"/>
               </a:spcAft>
-              <a:buNone/>
+              <a:buFont typeface="Arial" pitchFamily="34" charset="0"/>
+              <a:buChar char="•"/>
               <a:tabLst/>
             </a:pPr>
             <a:r>
@@ -6371,7 +6375,24 @@
             </a:r>
           </a:p>
           <a:p>
-            <a:pPr marL="0" marR="0" lvl="0" indent="0" rtl="0" hangingPunct="0">
+            <a:pPr marL="742950" lvl="1" indent="-285750" hangingPunct="0">
+              <a:buFont typeface="Arial" pitchFamily="34" charset="0"/>
+              <a:buChar char="•"/>
+            </a:pPr>
+            <a:r>
+              <a:rPr lang="sv-SE" b="0" i="0" u="none" strike="noStrike" kern="1200" spc="0" dirty="0">
+                <a:ln>
+                  <a:noFill/>
+                </a:ln>
+                <a:latin typeface="Arial" pitchFamily="18"/>
+                <a:ea typeface="DejaVu Sans" pitchFamily="2"/>
+                <a:cs typeface="DejaVu Sans" pitchFamily="2"/>
+              </a:rPr>
+              <a:t>Composable datastructures</a:t>
+            </a:r>
+          </a:p>
+          <a:p>
+            <a:pPr marL="285750" marR="0" lvl="0" indent="-285750" rtl="0" hangingPunct="0">
               <a:lnSpc>
                 <a:spcPct val="100000"/>
               </a:lnSpc>
@@ -6381,7 +6402,8 @@
               <a:spcAft>
                 <a:spcPts val="0"/>
               </a:spcAft>
-              <a:buNone/>
+              <a:buFont typeface="Arial" pitchFamily="34" charset="0"/>
+              <a:buChar char="•"/>
               <a:tabLst/>
             </a:pPr>
             <a:r>
@@ -6393,11 +6415,28 @@
                 <a:ea typeface="DejaVu Sans" pitchFamily="2"/>
                 <a:cs typeface="DejaVu Sans" pitchFamily="2"/>
               </a:rPr>
-              <a:t>Composable datastructures</a:t>
-            </a:r>
-          </a:p>
-          <a:p>
-            <a:pPr marL="0" marR="0" lvl="0" indent="0" rtl="0" hangingPunct="0">
+              <a:t>Functional programming</a:t>
+            </a:r>
+          </a:p>
+          <a:p>
+            <a:pPr marL="742950" lvl="1" indent="-285750" hangingPunct="0">
+              <a:buFont typeface="Arial" pitchFamily="34" charset="0"/>
+              <a:buChar char="•"/>
+            </a:pPr>
+            <a:r>
+              <a:rPr lang="sv-SE" b="0" i="0" u="none" strike="noStrike" kern="1200" spc="0" dirty="0">
+                <a:ln>
+                  <a:noFill/>
+                </a:ln>
+                <a:latin typeface="Arial" pitchFamily="18"/>
+                <a:ea typeface="DejaVu Sans" pitchFamily="2"/>
+                <a:cs typeface="DejaVu Sans" pitchFamily="2"/>
+              </a:rPr>
+              <a:t>Composable algorithms</a:t>
+            </a:r>
+          </a:p>
+          <a:p>
+            <a:pPr marL="285750" marR="0" lvl="0" indent="-285750" rtl="0" hangingPunct="0">
               <a:lnSpc>
                 <a:spcPct val="100000"/>
               </a:lnSpc>
@@ -6407,7 +6446,8 @@
               <a:spcAft>
                 <a:spcPts val="0"/>
               </a:spcAft>
-              <a:buNone/>
+              <a:buFont typeface="Arial" pitchFamily="34" charset="0"/>
+              <a:buChar char="•"/>
               <a:tabLst/>
             </a:pPr>
             <a:r>
@@ -6419,11 +6459,28 @@
                 <a:ea typeface="DejaVu Sans" pitchFamily="2"/>
                 <a:cs typeface="DejaVu Sans" pitchFamily="2"/>
               </a:rPr>
-              <a:t>Functional programming</a:t>
-            </a:r>
-          </a:p>
-          <a:p>
-            <a:pPr marL="0" marR="0" lvl="0" indent="0" rtl="0" hangingPunct="0">
+              <a:t>Generic programming</a:t>
+            </a:r>
+          </a:p>
+          <a:p>
+            <a:pPr marL="742950" lvl="1" indent="-285750" hangingPunct="0">
+              <a:buFont typeface="Arial" pitchFamily="34" charset="0"/>
+              <a:buChar char="•"/>
+            </a:pPr>
+            <a:r>
+              <a:rPr lang="sv-SE" b="0" i="0" u="none" strike="noStrike" kern="1200" spc="0" dirty="0">
+                <a:ln>
+                  <a:noFill/>
+                </a:ln>
+                <a:latin typeface="Arial" pitchFamily="18"/>
+                <a:ea typeface="DejaVu Sans" pitchFamily="2"/>
+                <a:cs typeface="DejaVu Sans" pitchFamily="2"/>
+              </a:rPr>
+              <a:t>Enables SOLID FP and OO abstractions even when needing more concrete types than the abstraction knows about.</a:t>
+            </a:r>
+          </a:p>
+          <a:p>
+            <a:pPr marL="285750" marR="0" lvl="0" indent="-285750" rtl="0" hangingPunct="0">
               <a:lnSpc>
                 <a:spcPct val="100000"/>
               </a:lnSpc>
@@ -6433,85 +6490,8 @@
               <a:spcAft>
                 <a:spcPts val="0"/>
               </a:spcAft>
-              <a:buNone/>
-              <a:tabLst/>
-            </a:pPr>
-            <a:r>
-              <a:rPr lang="sv-SE" sz="1800" b="0" i="0" u="none" strike="noStrike" kern="1200" spc="0" dirty="0">
-                <a:ln>
-                  <a:noFill/>
-                </a:ln>
-                <a:latin typeface="Arial" pitchFamily="18"/>
-                <a:ea typeface="DejaVu Sans" pitchFamily="2"/>
-                <a:cs typeface="DejaVu Sans" pitchFamily="2"/>
-              </a:rPr>
-              <a:t>Composable algorithms</a:t>
-            </a:r>
-          </a:p>
-          <a:p>
-            <a:pPr marL="0" marR="0" lvl="0" indent="0" rtl="0" hangingPunct="0">
-              <a:lnSpc>
-                <a:spcPct val="100000"/>
-              </a:lnSpc>
-              <a:spcBef>
-                <a:spcPts val="0"/>
-              </a:spcBef>
-              <a:spcAft>
-                <a:spcPts val="0"/>
-              </a:spcAft>
-              <a:buNone/>
-              <a:tabLst/>
-            </a:pPr>
-            <a:r>
-              <a:rPr lang="sv-SE" sz="1800" b="0" i="0" u="none" strike="noStrike" kern="1200" spc="0" dirty="0">
-                <a:ln>
-                  <a:noFill/>
-                </a:ln>
-                <a:latin typeface="Arial" pitchFamily="18"/>
-                <a:ea typeface="DejaVu Sans" pitchFamily="2"/>
-                <a:cs typeface="DejaVu Sans" pitchFamily="2"/>
-              </a:rPr>
-              <a:t>Generic programming</a:t>
-            </a:r>
-          </a:p>
-          <a:p>
-            <a:pPr marL="0" marR="0" lvl="0" indent="0" rtl="0" hangingPunct="0">
-              <a:lnSpc>
-                <a:spcPct val="100000"/>
-              </a:lnSpc>
-              <a:spcBef>
-                <a:spcPts val="0"/>
-              </a:spcBef>
-              <a:spcAft>
-                <a:spcPts val="0"/>
-              </a:spcAft>
-              <a:buNone/>
-              <a:tabLst/>
-            </a:pPr>
-            <a:r>
-              <a:rPr lang="sv-SE" sz="1800" b="0" i="0" u="none" strike="noStrike" kern="1200" spc="0" dirty="0">
-                <a:ln>
-                  <a:noFill/>
-                </a:ln>
-                <a:latin typeface="Arial" pitchFamily="18"/>
-                <a:ea typeface="DejaVu Sans" pitchFamily="2"/>
-                <a:cs typeface="DejaVu Sans" pitchFamily="2"/>
-              </a:rPr>
-              <a:t>Enables SOLID FP and OO abstractions even when needing more concrete types than the abstraction knows about.</a:t>
-            </a:r>
-          </a:p>
-          <a:p>
-            <a:pPr marL="0" marR="0" lvl="0" indent="0" rtl="0" hangingPunct="0">
-              <a:lnSpc>
-                <a:spcPct val="100000"/>
-              </a:lnSpc>
-              <a:spcBef>
-                <a:spcPts val="0"/>
-              </a:spcBef>
-              <a:spcAft>
-                <a:spcPts val="0"/>
-              </a:spcAft>
-              <a:buNone/>
+              <a:buFont typeface="Arial" pitchFamily="34" charset="0"/>
+              <a:buChar char="•"/>
               <a:tabLst/>
             </a:pPr>
             <a:r>
@@ -6562,7 +6542,7 @@
                             </p:stCondLst>
                             <p:childTnLst>
                               <p:par>
-                                <p:cTn id="5" presetClass="entr" fill="hold" nodeType="clickEffect">
+                                <p:cTn id="5" presetID="1" presetClass="entr" presetSubtype="0" fill="hold" nodeType="clickEffect">
                                   <p:stCondLst>
                                     <p:cond delay="0"/>
                                   </p:stCondLst>
@@ -6577,7 +6557,7 @@
                                         <p:tgtEl>
                                           <p:spTgt spid="3">
                                             <p:txEl>
-                                              <p:pRg st="0" end="0"/>
+                                              <p:pRg st="2" end="2"/>
                                             </p:txEl>
                                           </p:spTgt>
                                         </p:tgtEl>
@@ -6589,60 +6569,300 @@
                                         <p:strVal val="visible"/>
                                       </p:to>
                                     </p:set>
-                                    <p:anim calcmode="lin" valueType="num">
+                                  </p:childTnLst>
+                                </p:cTn>
+                              </p:par>
+                            </p:childTnLst>
+                          </p:cTn>
+                        </p:par>
+                      </p:childTnLst>
+                    </p:cTn>
+                  </p:par>
+                  <p:par>
+                    <p:cTn id="7" fill="hold">
+                      <p:stCondLst>
+                        <p:cond delay="indefinite"/>
+                      </p:stCondLst>
+                      <p:childTnLst>
+                        <p:par>
+                          <p:cTn id="8" fill="hold">
+                            <p:stCondLst>
+                              <p:cond delay="0"/>
+                            </p:stCondLst>
+                            <p:childTnLst>
+                              <p:par>
+                                <p:cTn id="9" presetID="1" presetClass="entr" presetSubtype="0" fill="hold" nodeType="clickEffect">
+                                  <p:stCondLst>
+                                    <p:cond delay="0"/>
+                                  </p:stCondLst>
+                                  <p:childTnLst>
+                                    <p:set>
                                       <p:cBhvr>
-                                        <p:cTn id="7" dur="500" fill="hold"/>
+                                        <p:cTn id="10" dur="1" fill="hold">
+                                          <p:stCondLst>
+                                            <p:cond delay="0"/>
+                                          </p:stCondLst>
+                                        </p:cTn>
                                         <p:tgtEl>
                                           <p:spTgt spid="3">
                                             <p:txEl>
-                                              <p:pRg st="0" end="0"/>
+                                              <p:pRg st="3" end="3"/>
                                             </p:txEl>
                                           </p:spTgt>
                                         </p:tgtEl>
                                         <p:attrNameLst>
-                                          <p:attrName>ppt_x</p:attrName>
+                                          <p:attrName>style.visibility</p:attrName>
                                         </p:attrNameLst>
                                       </p:cBhvr>
-                                      <p:tavLst>
-                                        <p:tav tm="0">
-                                          <p:val>
-                                            <p:strVal val="#ppt_x"/>
-                                          </p:val>
-                                        </p:tav>
-                                        <p:tav tm="100000">
-                                          <p:val>
-                                            <p:strVal val="#ppt_x"/>
-                                          </p:val>
-                                        </p:tav>
-                                      </p:tavLst>
-                                    </p:anim>
-                                    <p:anim calcmode="lin" valueType="num">
+                                      <p:to>
+                                        <p:strVal val="visible"/>
+                                      </p:to>
+                                    </p:set>
+                                  </p:childTnLst>
+                                </p:cTn>
+                              </p:par>
+                            </p:childTnLst>
+                          </p:cTn>
+                        </p:par>
+                      </p:childTnLst>
+                    </p:cTn>
+                  </p:par>
+                  <p:par>
+                    <p:cTn id="11" fill="hold">
+                      <p:stCondLst>
+                        <p:cond delay="indefinite"/>
+                      </p:stCondLst>
+                      <p:childTnLst>
+                        <p:par>
+                          <p:cTn id="12" fill="hold">
+                            <p:stCondLst>
+                              <p:cond delay="0"/>
+                            </p:stCondLst>
+                            <p:childTnLst>
+                              <p:par>
+                                <p:cTn id="13" presetID="1" presetClass="entr" presetSubtype="0" fill="hold" nodeType="clickEffect">
+                                  <p:stCondLst>
+                                    <p:cond delay="0"/>
+                                  </p:stCondLst>
+                                  <p:childTnLst>
+                                    <p:set>
                                       <p:cBhvr>
-                                        <p:cTn id="8" dur="500" fill="hold"/>
+                                        <p:cTn id="14" dur="1" fill="hold">
+                                          <p:stCondLst>
+                                            <p:cond delay="0"/>
+                                          </p:stCondLst>
+                                        </p:cTn>
                                         <p:tgtEl>
                                           <p:spTgt spid="3">
                                             <p:txEl>
-                                              <p:pRg st="0" end="0"/>
+                                              <p:pRg st="4" end="4"/>
                                             </p:txEl>
                                           </p:spTgt>
                                         </p:tgtEl>
                                         <p:attrNameLst>
-                                          <p:attrName>ppt_y</p:attrName>
+                                          <p:attrName>style.visibility</p:attrName>
                                         </p:attrNameLst>
                                       </p:cBhvr>
-                                      <p:tavLst>
-                                        <p:tav tm="0">
-                                          <p:val>
-                                            <p:strVal val="1+#ppt_h/2"/>
-                                          </p:val>
-                                        </p:tav>
-                                        <p:tav tm="100000">
-                                          <p:val>
-                                            <p:strVal val="#ppt_y"/>
-                                          </p:val>
-                                        </p:tav>
-                                      </p:tavLst>
-                                    </p:anim>
+                                      <p:to>
+                                        <p:strVal val="visible"/>
+                                      </p:to>
+                                    </p:set>
+                                  </p:childTnLst>
+                                </p:cTn>
+                              </p:par>
+                            </p:childTnLst>
+                          </p:cTn>
+                        </p:par>
+                      </p:childTnLst>
+                    </p:cTn>
+                  </p:par>
+                  <p:par>
+                    <p:cTn id="15" fill="hold">
+                      <p:stCondLst>
+                        <p:cond delay="indefinite"/>
+                      </p:stCondLst>
+                      <p:childTnLst>
+                        <p:par>
+                          <p:cTn id="16" fill="hold">
+                            <p:stCondLst>
+                              <p:cond delay="0"/>
+                            </p:stCondLst>
+                            <p:childTnLst>
+                              <p:par>
+                                <p:cTn id="17" presetID="1" presetClass="entr" presetSubtype="0" fill="hold" nodeType="clickEffect">
+                                  <p:stCondLst>
+                                    <p:cond delay="0"/>
+                                  </p:stCondLst>
+                                  <p:childTnLst>
+                                    <p:set>
+                                      <p:cBhvr>
+                                        <p:cTn id="18" dur="1" fill="hold">
+                                          <p:stCondLst>
+                                            <p:cond delay="0"/>
+                                          </p:stCondLst>
+                                        </p:cTn>
+                                        <p:tgtEl>
+                                          <p:spTgt spid="3">
+                                            <p:txEl>
+                                              <p:pRg st="5" end="5"/>
+                                            </p:txEl>
+                                          </p:spTgt>
+                                        </p:tgtEl>
+                                        <p:attrNameLst>
+                                          <p:attrName>style.visibility</p:attrName>
+                                        </p:attrNameLst>
+                                      </p:cBhvr>
+                                      <p:to>
+                                        <p:strVal val="visible"/>
+                                      </p:to>
+                                    </p:set>
+                                  </p:childTnLst>
+                                </p:cTn>
+                              </p:par>
+                            </p:childTnLst>
+                          </p:cTn>
+                        </p:par>
+                      </p:childTnLst>
+                    </p:cTn>
+                  </p:par>
+                  <p:par>
+                    <p:cTn id="19" fill="hold">
+                      <p:stCondLst>
+                        <p:cond delay="indefinite"/>
+                      </p:stCondLst>
+                      <p:childTnLst>
+                        <p:par>
+                          <p:cTn id="20" fill="hold">
+                            <p:stCondLst>
+                              <p:cond delay="0"/>
+                            </p:stCondLst>
+                            <p:childTnLst>
+                              <p:par>
+                                <p:cTn id="21" presetID="1" presetClass="entr" presetSubtype="0" fill="hold" nodeType="clickEffect">
+                                  <p:stCondLst>
+                                    <p:cond delay="0"/>
+                                  </p:stCondLst>
+                                  <p:childTnLst>
+                                    <p:set>
+                                      <p:cBhvr>
+                                        <p:cTn id="22" dur="1" fill="hold">
+                                          <p:stCondLst>
+                                            <p:cond delay="0"/>
+                                          </p:stCondLst>
+                                        </p:cTn>
+                                        <p:tgtEl>
+                                          <p:spTgt spid="3">
+                                            <p:txEl>
+                                              <p:pRg st="6" end="6"/>
+                                            </p:txEl>
+                                          </p:spTgt>
+                                        </p:tgtEl>
+                                        <p:attrNameLst>
+                                          <p:attrName>style.visibility</p:attrName>
+                                        </p:attrNameLst>
+                                      </p:cBhvr>
+                                      <p:to>
+                                        <p:strVal val="visible"/>
+                                      </p:to>
+                                    </p:set>
+                                  </p:childTnLst>
+                                </p:cTn>
+                              </p:par>
+                            </p:childTnLst>
+                          </p:cTn>
+                        </p:par>
+                      </p:childTnLst>
+                    </p:cTn>
+                  </p:par>
+                  <p:par>
+                    <p:cTn id="23" fill="hold">
+                      <p:stCondLst>
+                        <p:cond delay="indefinite"/>
+                      </p:stCondLst>
+                      <p:childTnLst>
+                        <p:par>
+                          <p:cTn id="24" fill="hold">
+                            <p:stCondLst>
+                              <p:cond delay="0"/>
+                            </p:stCondLst>
+                            <p:childTnLst>
+                              <p:par>
+                                <p:cTn id="25" presetID="1" presetClass="entr" presetSubtype="0" fill="hold" nodeType="clickEffect">
+                                  <p:stCondLst>
+                                    <p:cond delay="0"/>
+                                  </p:stCondLst>
+                                  <p:childTnLst>
+                                    <p:set>
+                                      <p:cBhvr>
+                                        <p:cTn id="26" dur="1" fill="hold">
+                                          <p:stCondLst>
+                                            <p:cond delay="0"/>
+                                          </p:stCondLst>
+                                        </p:cTn>
+                                        <p:tgtEl>
+                                          <p:spTgt spid="3">
+                                            <p:txEl>
+                                              <p:pRg st="7" end="7"/>
+                                            </p:txEl>
+                                          </p:spTgt>
+                                        </p:tgtEl>
+                                        <p:attrNameLst>
+                                          <p:attrName>style.visibility</p:attrName>
+                                        </p:attrNameLst>
+                                      </p:cBhvr>
+                                      <p:to>
+                                        <p:strVal val="visible"/>
+                                      </p:to>
+                                    </p:set>
+                                  </p:childTnLst>
+                                </p:cTn>
+                              </p:par>
+                            </p:childTnLst>
+                          </p:cTn>
+                        </p:par>
+                      </p:childTnLst>
+                    </p:cTn>
+                  </p:par>
+                  <p:par>
+                    <p:cTn id="27" fill="hold">
+                      <p:stCondLst>
+                        <p:cond delay="indefinite"/>
+                      </p:stCondLst>
+                      <p:childTnLst>
+                        <p:par>
+                          <p:cTn id="28" fill="hold">
+                            <p:stCondLst>
+                              <p:cond delay="0"/>
+                            </p:stCondLst>
+                            <p:childTnLst>
+                              <p:par>
+                                <p:cTn id="29" presetID="1" presetClass="entr" presetSubtype="0" fill="hold" nodeType="clickEffect">
+                                  <p:stCondLst>
+                                    <p:cond delay="0"/>
+                                  </p:stCondLst>
+                                  <p:childTnLst>
+                                    <p:set>
+                                      <p:cBhvr>
+                                        <p:cTn id="30" dur="1" fill="hold">
+                                          <p:stCondLst>
+                                            <p:cond delay="0"/>
+                                          </p:stCondLst>
+                                        </p:cTn>
+                                        <p:tgtEl>
+                                          <p:spTgt spid="3">
+                                            <p:txEl>
+                                              <p:pRg st="8" end="8"/>
+                                            </p:txEl>
+                                          </p:spTgt>
+                                        </p:tgtEl>
+                                        <p:attrNameLst>
+                                          <p:attrName>style.visibility</p:attrName>
+                                        </p:attrNameLst>
+                                      </p:cBhvr>
+                                      <p:to>
+                                        <p:strVal val="visible"/>
+                                      </p:to>
+                                    </p:set>
                                   </p:childTnLst>
                                 </p:cTn>
                               </p:par>
@@ -6678,6 +6898,1688 @@
 </file>
 
 <file path=ppt/slides/slide11.xml><?xml version="1.0" encoding="utf-8"?>
+<p:sld xmlns:a="http://schemas.openxmlformats.org/drawingml/2006/main" xmlns:r="http://schemas.openxmlformats.org/officeDocument/2006/relationships" xmlns:p="http://schemas.openxmlformats.org/presentationml/2006/main">
+  <p:cSld>
+    <p:spTree>
+      <p:nvGrpSpPr>
+        <p:cNvPr id="1" name=""/>
+        <p:cNvGrpSpPr/>
+        <p:nvPr/>
+      </p:nvGrpSpPr>
+      <p:grpSpPr>
+        <a:xfrm>
+          <a:off x="0" y="0"/>
+          <a:ext cx="0" cy="0"/>
+          <a:chOff x="0" y="0"/>
+          <a:chExt cx="0" cy="0"/>
+        </a:xfrm>
+      </p:grpSpPr>
+      <p:sp>
+        <p:nvSpPr>
+          <p:cNvPr id="2" name="Title 1"/>
+          <p:cNvSpPr>
+            <a:spLocks noGrp="1"/>
+          </p:cNvSpPr>
+          <p:nvPr>
+            <p:ph type="title"/>
+          </p:nvPr>
+        </p:nvSpPr>
+        <p:spPr/>
+        <p:txBody>
+          <a:bodyPr/>
+          <a:lstStyle/>
+          <a:p>
+            <a:pPr>
+              <a:buNone/>
+            </a:pPr>
+            <a:r>
+              <a:rPr lang="sv-SE" dirty="0" err="1" smtClean="0"/>
+              <a:t>Why</a:t>
+            </a:r>
+            <a:r>
+              <a:rPr lang="sv-SE" dirty="0" smtClean="0"/>
+              <a:t> is fp not </a:t>
+            </a:r>
+            <a:r>
+              <a:rPr lang="sv-SE" dirty="0" err="1" smtClean="0"/>
+              <a:t>more</a:t>
+            </a:r>
+            <a:r>
+              <a:rPr lang="sv-SE" dirty="0" smtClean="0"/>
+              <a:t> </a:t>
+            </a:r>
+            <a:r>
+              <a:rPr lang="sv-SE" dirty="0" err="1" smtClean="0"/>
+              <a:t>popular</a:t>
+            </a:r>
+            <a:r>
+              <a:rPr lang="sv-SE" dirty="0" smtClean="0"/>
+              <a:t>?</a:t>
+            </a:r>
+            <a:endParaRPr lang="sv-SE" dirty="0"/>
+          </a:p>
+        </p:txBody>
+      </p:sp>
+      <p:sp>
+        <p:nvSpPr>
+          <p:cNvPr id="3" name="Content Placeholder 2"/>
+          <p:cNvSpPr>
+            <a:spLocks noGrp="1"/>
+          </p:cNvSpPr>
+          <p:nvPr>
+            <p:ph idx="1"/>
+          </p:nvPr>
+        </p:nvSpPr>
+        <p:spPr/>
+        <p:txBody>
+          <a:bodyPr/>
+          <a:lstStyle/>
+          <a:p>
+            <a:r>
+              <a:rPr lang="sv-SE" dirty="0" err="1" smtClean="0"/>
+              <a:t>Library</a:t>
+            </a:r>
+            <a:r>
+              <a:rPr lang="sv-SE" dirty="0" smtClean="0"/>
+              <a:t> support</a:t>
+            </a:r>
+          </a:p>
+          <a:p>
+            <a:r>
+              <a:rPr lang="sv-SE" dirty="0" smtClean="0"/>
+              <a:t>Tools / IDE support</a:t>
+            </a:r>
+          </a:p>
+          <a:p>
+            <a:r>
+              <a:rPr lang="sv-SE" dirty="0" err="1" smtClean="0"/>
+              <a:t>Interoperability</a:t>
+            </a:r>
+            <a:endParaRPr lang="sv-SE" dirty="0" smtClean="0"/>
+          </a:p>
+          <a:p>
+            <a:r>
+              <a:rPr lang="sv-SE" dirty="0" err="1"/>
+              <a:t>Training</a:t>
+            </a:r>
+            <a:endParaRPr lang="sv-SE" dirty="0"/>
+          </a:p>
+          <a:p>
+            <a:r>
+              <a:rPr lang="sv-SE" dirty="0"/>
+              <a:t>No </a:t>
+            </a:r>
+            <a:r>
+              <a:rPr lang="sv-SE" dirty="0" smtClean="0"/>
+              <a:t>multiparadigm</a:t>
+            </a:r>
+          </a:p>
+          <a:p>
+            <a:r>
+              <a:rPr lang="sv-SE" dirty="0" err="1"/>
+              <a:t>Performance</a:t>
+            </a:r>
+            <a:r>
+              <a:rPr lang="sv-SE" dirty="0"/>
+              <a:t> </a:t>
+            </a:r>
+            <a:r>
+              <a:rPr lang="sv-SE" dirty="0" err="1"/>
+              <a:t>of</a:t>
+            </a:r>
+            <a:r>
+              <a:rPr lang="sv-SE" dirty="0"/>
+              <a:t> </a:t>
+            </a:r>
+            <a:r>
+              <a:rPr lang="sv-SE" dirty="0" err="1"/>
+              <a:t>duck</a:t>
+            </a:r>
+            <a:r>
+              <a:rPr lang="sv-SE" dirty="0"/>
+              <a:t> </a:t>
+            </a:r>
+            <a:r>
+              <a:rPr lang="sv-SE" dirty="0" err="1" smtClean="0"/>
+              <a:t>typing</a:t>
+            </a:r>
+            <a:endParaRPr lang="sv-SE" dirty="0" smtClean="0"/>
+          </a:p>
+        </p:txBody>
+      </p:sp>
+    </p:spTree>
+    <p:extLst>
+      <p:ext uri="{BB962C8B-B14F-4D97-AF65-F5344CB8AC3E}">
+        <p14:creationId xmlns:p14="http://schemas.microsoft.com/office/powerpoint/2010/main" val="932290057"/>
+      </p:ext>
+    </p:extLst>
+  </p:cSld>
+  <p:clrMapOvr>
+    <a:masterClrMapping/>
+  </p:clrMapOvr>
+  <mc:AlternateContent xmlns:mc="http://schemas.openxmlformats.org/markup-compatibility/2006" xmlns:p14="http://schemas.microsoft.com/office/powerpoint/2010/main">
+    <mc:Choice Requires="p14">
+      <p:transition spd="slow" p14:dur="2000"/>
+    </mc:Choice>
+    <mc:Fallback xmlns="">
+      <p:transition spd="slow"/>
+    </mc:Fallback>
+  </mc:AlternateContent>
+  <p:timing>
+    <p:tnLst>
+      <p:par>
+        <p:cTn id="1" dur="indefinite" restart="never" nodeType="tmRoot">
+          <p:childTnLst>
+            <p:seq concurrent="1" nextAc="seek">
+              <p:cTn id="2" dur="indefinite" nodeType="mainSeq">
+                <p:childTnLst>
+                  <p:par>
+                    <p:cTn id="3" fill="hold">
+                      <p:stCondLst>
+                        <p:cond delay="indefinite"/>
+                      </p:stCondLst>
+                      <p:childTnLst>
+                        <p:par>
+                          <p:cTn id="4" fill="hold">
+                            <p:stCondLst>
+                              <p:cond delay="0"/>
+                            </p:stCondLst>
+                            <p:childTnLst>
+                              <p:par>
+                                <p:cTn id="5" presetID="1" presetClass="entr" presetSubtype="0" fill="hold" nodeType="clickEffect">
+                                  <p:stCondLst>
+                                    <p:cond delay="0"/>
+                                  </p:stCondLst>
+                                  <p:childTnLst>
+                                    <p:set>
+                                      <p:cBhvr>
+                                        <p:cTn id="6" dur="1" fill="hold">
+                                          <p:stCondLst>
+                                            <p:cond delay="0"/>
+                                          </p:stCondLst>
+                                        </p:cTn>
+                                        <p:tgtEl>
+                                          <p:spTgt spid="3">
+                                            <p:txEl>
+                                              <p:pRg st="0" end="0"/>
+                                            </p:txEl>
+                                          </p:spTgt>
+                                        </p:tgtEl>
+                                        <p:attrNameLst>
+                                          <p:attrName>style.visibility</p:attrName>
+                                        </p:attrNameLst>
+                                      </p:cBhvr>
+                                      <p:to>
+                                        <p:strVal val="visible"/>
+                                      </p:to>
+                                    </p:set>
+                                  </p:childTnLst>
+                                </p:cTn>
+                              </p:par>
+                            </p:childTnLst>
+                          </p:cTn>
+                        </p:par>
+                      </p:childTnLst>
+                    </p:cTn>
+                  </p:par>
+                  <p:par>
+                    <p:cTn id="7" fill="hold">
+                      <p:stCondLst>
+                        <p:cond delay="indefinite"/>
+                      </p:stCondLst>
+                      <p:childTnLst>
+                        <p:par>
+                          <p:cTn id="8" fill="hold">
+                            <p:stCondLst>
+                              <p:cond delay="0"/>
+                            </p:stCondLst>
+                            <p:childTnLst>
+                              <p:par>
+                                <p:cTn id="9" presetID="1" presetClass="entr" presetSubtype="0" fill="hold" nodeType="clickEffect">
+                                  <p:stCondLst>
+                                    <p:cond delay="0"/>
+                                  </p:stCondLst>
+                                  <p:childTnLst>
+                                    <p:set>
+                                      <p:cBhvr>
+                                        <p:cTn id="10" dur="1" fill="hold">
+                                          <p:stCondLst>
+                                            <p:cond delay="0"/>
+                                          </p:stCondLst>
+                                        </p:cTn>
+                                        <p:tgtEl>
+                                          <p:spTgt spid="3">
+                                            <p:txEl>
+                                              <p:pRg st="1" end="1"/>
+                                            </p:txEl>
+                                          </p:spTgt>
+                                        </p:tgtEl>
+                                        <p:attrNameLst>
+                                          <p:attrName>style.visibility</p:attrName>
+                                        </p:attrNameLst>
+                                      </p:cBhvr>
+                                      <p:to>
+                                        <p:strVal val="visible"/>
+                                      </p:to>
+                                    </p:set>
+                                  </p:childTnLst>
+                                </p:cTn>
+                              </p:par>
+                            </p:childTnLst>
+                          </p:cTn>
+                        </p:par>
+                      </p:childTnLst>
+                    </p:cTn>
+                  </p:par>
+                  <p:par>
+                    <p:cTn id="11" fill="hold">
+                      <p:stCondLst>
+                        <p:cond delay="indefinite"/>
+                      </p:stCondLst>
+                      <p:childTnLst>
+                        <p:par>
+                          <p:cTn id="12" fill="hold">
+                            <p:stCondLst>
+                              <p:cond delay="0"/>
+                            </p:stCondLst>
+                            <p:childTnLst>
+                              <p:par>
+                                <p:cTn id="13" presetID="1" presetClass="entr" presetSubtype="0" fill="hold" nodeType="clickEffect">
+                                  <p:stCondLst>
+                                    <p:cond delay="0"/>
+                                  </p:stCondLst>
+                                  <p:childTnLst>
+                                    <p:set>
+                                      <p:cBhvr>
+                                        <p:cTn id="14" dur="1" fill="hold">
+                                          <p:stCondLst>
+                                            <p:cond delay="0"/>
+                                          </p:stCondLst>
+                                        </p:cTn>
+                                        <p:tgtEl>
+                                          <p:spTgt spid="3">
+                                            <p:txEl>
+                                              <p:pRg st="2" end="2"/>
+                                            </p:txEl>
+                                          </p:spTgt>
+                                        </p:tgtEl>
+                                        <p:attrNameLst>
+                                          <p:attrName>style.visibility</p:attrName>
+                                        </p:attrNameLst>
+                                      </p:cBhvr>
+                                      <p:to>
+                                        <p:strVal val="visible"/>
+                                      </p:to>
+                                    </p:set>
+                                  </p:childTnLst>
+                                </p:cTn>
+                              </p:par>
+                            </p:childTnLst>
+                          </p:cTn>
+                        </p:par>
+                      </p:childTnLst>
+                    </p:cTn>
+                  </p:par>
+                  <p:par>
+                    <p:cTn id="15" fill="hold">
+                      <p:stCondLst>
+                        <p:cond delay="indefinite"/>
+                      </p:stCondLst>
+                      <p:childTnLst>
+                        <p:par>
+                          <p:cTn id="16" fill="hold">
+                            <p:stCondLst>
+                              <p:cond delay="0"/>
+                            </p:stCondLst>
+                            <p:childTnLst>
+                              <p:par>
+                                <p:cTn id="17" presetID="1" presetClass="entr" presetSubtype="0" fill="hold" nodeType="clickEffect">
+                                  <p:stCondLst>
+                                    <p:cond delay="0"/>
+                                  </p:stCondLst>
+                                  <p:childTnLst>
+                                    <p:set>
+                                      <p:cBhvr>
+                                        <p:cTn id="18" dur="1" fill="hold">
+                                          <p:stCondLst>
+                                            <p:cond delay="0"/>
+                                          </p:stCondLst>
+                                        </p:cTn>
+                                        <p:tgtEl>
+                                          <p:spTgt spid="3">
+                                            <p:txEl>
+                                              <p:pRg st="3" end="3"/>
+                                            </p:txEl>
+                                          </p:spTgt>
+                                        </p:tgtEl>
+                                        <p:attrNameLst>
+                                          <p:attrName>style.visibility</p:attrName>
+                                        </p:attrNameLst>
+                                      </p:cBhvr>
+                                      <p:to>
+                                        <p:strVal val="visible"/>
+                                      </p:to>
+                                    </p:set>
+                                  </p:childTnLst>
+                                </p:cTn>
+                              </p:par>
+                            </p:childTnLst>
+                          </p:cTn>
+                        </p:par>
+                      </p:childTnLst>
+                    </p:cTn>
+                  </p:par>
+                  <p:par>
+                    <p:cTn id="19" fill="hold">
+                      <p:stCondLst>
+                        <p:cond delay="indefinite"/>
+                      </p:stCondLst>
+                      <p:childTnLst>
+                        <p:par>
+                          <p:cTn id="20" fill="hold">
+                            <p:stCondLst>
+                              <p:cond delay="0"/>
+                            </p:stCondLst>
+                            <p:childTnLst>
+                              <p:par>
+                                <p:cTn id="21" presetID="1" presetClass="entr" presetSubtype="0" fill="hold" nodeType="clickEffect">
+                                  <p:stCondLst>
+                                    <p:cond delay="0"/>
+                                  </p:stCondLst>
+                                  <p:childTnLst>
+                                    <p:set>
+                                      <p:cBhvr>
+                                        <p:cTn id="22" dur="1" fill="hold">
+                                          <p:stCondLst>
+                                            <p:cond delay="0"/>
+                                          </p:stCondLst>
+                                        </p:cTn>
+                                        <p:tgtEl>
+                                          <p:spTgt spid="3">
+                                            <p:txEl>
+                                              <p:pRg st="4" end="4"/>
+                                            </p:txEl>
+                                          </p:spTgt>
+                                        </p:tgtEl>
+                                        <p:attrNameLst>
+                                          <p:attrName>style.visibility</p:attrName>
+                                        </p:attrNameLst>
+                                      </p:cBhvr>
+                                      <p:to>
+                                        <p:strVal val="visible"/>
+                                      </p:to>
+                                    </p:set>
+                                  </p:childTnLst>
+                                </p:cTn>
+                              </p:par>
+                            </p:childTnLst>
+                          </p:cTn>
+                        </p:par>
+                      </p:childTnLst>
+                    </p:cTn>
+                  </p:par>
+                  <p:par>
+                    <p:cTn id="23" fill="hold">
+                      <p:stCondLst>
+                        <p:cond delay="indefinite"/>
+                      </p:stCondLst>
+                      <p:childTnLst>
+                        <p:par>
+                          <p:cTn id="24" fill="hold">
+                            <p:stCondLst>
+                              <p:cond delay="0"/>
+                            </p:stCondLst>
+                            <p:childTnLst>
+                              <p:par>
+                                <p:cTn id="25" presetID="1" presetClass="entr" presetSubtype="0" fill="hold" nodeType="clickEffect">
+                                  <p:stCondLst>
+                                    <p:cond delay="0"/>
+                                  </p:stCondLst>
+                                  <p:childTnLst>
+                                    <p:set>
+                                      <p:cBhvr>
+                                        <p:cTn id="26" dur="1" fill="hold">
+                                          <p:stCondLst>
+                                            <p:cond delay="0"/>
+                                          </p:stCondLst>
+                                        </p:cTn>
+                                        <p:tgtEl>
+                                          <p:spTgt spid="3">
+                                            <p:txEl>
+                                              <p:pRg st="5" end="5"/>
+                                            </p:txEl>
+                                          </p:spTgt>
+                                        </p:tgtEl>
+                                        <p:attrNameLst>
+                                          <p:attrName>style.visibility</p:attrName>
+                                        </p:attrNameLst>
+                                      </p:cBhvr>
+                                      <p:to>
+                                        <p:strVal val="visible"/>
+                                      </p:to>
+                                    </p:set>
+                                  </p:childTnLst>
+                                </p:cTn>
+                              </p:par>
+                            </p:childTnLst>
+                          </p:cTn>
+                        </p:par>
+                      </p:childTnLst>
+                    </p:cTn>
+                  </p:par>
+                </p:childTnLst>
+              </p:cTn>
+              <p:prevCondLst>
+                <p:cond evt="onPrev" delay="0">
+                  <p:tgtEl>
+                    <p:sldTgt/>
+                  </p:tgtEl>
+                </p:cond>
+              </p:prevCondLst>
+              <p:nextCondLst>
+                <p:cond evt="onNext" delay="0">
+                  <p:tgtEl>
+                    <p:sldTgt/>
+                  </p:tgtEl>
+                </p:cond>
+              </p:nextCondLst>
+            </p:seq>
+          </p:childTnLst>
+        </p:cTn>
+      </p:par>
+    </p:tnLst>
+  </p:timing>
+</p:sld>
+</file>
+
+<file path=ppt/slides/slide12.xml><?xml version="1.0" encoding="utf-8"?>
+<p:sld xmlns:a="http://schemas.openxmlformats.org/drawingml/2006/main" xmlns:r="http://schemas.openxmlformats.org/officeDocument/2006/relationships" xmlns:p="http://schemas.openxmlformats.org/presentationml/2006/main">
+  <p:cSld name="page5">
+    <p:spTree>
+      <p:nvGrpSpPr>
+        <p:cNvPr id="1" name=""/>
+        <p:cNvGrpSpPr/>
+        <p:nvPr/>
+      </p:nvGrpSpPr>
+      <p:grpSpPr>
+        <a:xfrm>
+          <a:off x="0" y="0"/>
+          <a:ext cx="0" cy="0"/>
+          <a:chOff x="0" y="0"/>
+          <a:chExt cx="0" cy="0"/>
+        </a:xfrm>
+      </p:grpSpPr>
+      <p:sp>
+        <p:nvSpPr>
+          <p:cNvPr id="2" name="TextShape 1"/>
+          <p:cNvSpPr/>
+          <p:nvPr/>
+        </p:nvSpPr>
+        <p:spPr>
+          <a:xfrm>
+            <a:off x="457200" y="169560"/>
+            <a:ext cx="8228880" cy="1603256"/>
+          </a:xfrm>
+          <a:custGeom>
+            <a:avLst/>
+            <a:gdLst>
+              <a:gd name="f0" fmla="val 0"/>
+              <a:gd name="f1" fmla="val 21600"/>
+            </a:gdLst>
+            <a:ahLst/>
+            <a:cxnLst>
+              <a:cxn ang="3cd4">
+                <a:pos x="hc" y="t"/>
+              </a:cxn>
+              <a:cxn ang="0">
+                <a:pos x="r" y="vc"/>
+              </a:cxn>
+              <a:cxn ang="cd4">
+                <a:pos x="hc" y="b"/>
+              </a:cxn>
+              <a:cxn ang="cd2">
+                <a:pos x="l" y="vc"/>
+              </a:cxn>
+            </a:cxnLst>
+            <a:rect l="l" t="t" r="r" b="b"/>
+            <a:pathLst>
+              <a:path w="21600" h="21600">
+                <a:moveTo>
+                  <a:pt x="f0" y="f0"/>
+                </a:moveTo>
+                <a:lnTo>
+                  <a:pt x="f1" y="f0"/>
+                </a:lnTo>
+                <a:lnTo>
+                  <a:pt x="f1" y="f1"/>
+                </a:lnTo>
+                <a:lnTo>
+                  <a:pt x="f0" y="f1"/>
+                </a:lnTo>
+                <a:lnTo>
+                  <a:pt x="f0" y="f0"/>
+                </a:lnTo>
+                <a:close/>
+              </a:path>
+            </a:pathLst>
+          </a:custGeom>
+          <a:noFill/>
+          <a:ln>
+            <a:noFill/>
+            <a:prstDash val="solid"/>
+          </a:ln>
+        </p:spPr>
+        <p:txBody>
+          <a:bodyPr vert="horz" wrap="square" lIns="90000" tIns="45000" rIns="90000" bIns="45000" anchor="t" compatLnSpc="0"/>
+          <a:lstStyle/>
+          <a:p>
+            <a:pPr lvl="0" algn="ctr" hangingPunct="0"/>
+            <a:r>
+              <a:rPr lang="sv-SE" sz="4400" dirty="0">
+                <a:solidFill>
+                  <a:srgbClr val="000000"/>
+                </a:solidFill>
+                <a:latin typeface="Calibri" pitchFamily="18"/>
+                <a:ea typeface="DejaVu Sans" pitchFamily="2"/>
+                <a:cs typeface="DejaVu Sans" pitchFamily="2"/>
+              </a:rPr>
+              <a:t>Linq is </a:t>
+            </a:r>
+            <a:r>
+              <a:rPr lang="sv-SE" sz="4400" dirty="0" err="1">
+                <a:solidFill>
+                  <a:srgbClr val="000000"/>
+                </a:solidFill>
+                <a:latin typeface="Calibri" pitchFamily="18"/>
+                <a:ea typeface="DejaVu Sans" pitchFamily="2"/>
+                <a:cs typeface="DejaVu Sans" pitchFamily="2"/>
+              </a:rPr>
+              <a:t>Functional</a:t>
+            </a:r>
+            <a:r>
+              <a:rPr lang="sv-SE" sz="4400" dirty="0">
+                <a:solidFill>
+                  <a:srgbClr val="000000"/>
+                </a:solidFill>
+                <a:latin typeface="Calibri" pitchFamily="18"/>
+                <a:ea typeface="DejaVu Sans" pitchFamily="2"/>
+                <a:cs typeface="DejaVu Sans" pitchFamily="2"/>
+              </a:rPr>
+              <a:t> </a:t>
+            </a:r>
+            <a:r>
+              <a:rPr lang="sv-SE" sz="4400" dirty="0" smtClean="0">
+                <a:solidFill>
+                  <a:srgbClr val="000000"/>
+                </a:solidFill>
+                <a:latin typeface="Calibri" pitchFamily="18"/>
+                <a:ea typeface="DejaVu Sans" pitchFamily="2"/>
+                <a:cs typeface="DejaVu Sans" pitchFamily="2"/>
+              </a:rPr>
+              <a:t>Style </a:t>
+            </a:r>
+            <a:r>
+              <a:rPr lang="sv-SE" sz="4400" dirty="0" err="1" smtClean="0">
+                <a:solidFill>
+                  <a:srgbClr val="000000"/>
+                </a:solidFill>
+                <a:latin typeface="Calibri" pitchFamily="18"/>
+                <a:ea typeface="DejaVu Sans" pitchFamily="2"/>
+                <a:cs typeface="DejaVu Sans" pitchFamily="2"/>
+              </a:rPr>
+              <a:t>Programming</a:t>
+            </a:r>
+            <a:endParaRPr lang="sv-SE" sz="4400" b="0" i="0" u="none" strike="noStrike" kern="1200" spc="0" dirty="0">
+              <a:ln>
+                <a:noFill/>
+              </a:ln>
+              <a:solidFill>
+                <a:srgbClr val="000000"/>
+              </a:solidFill>
+              <a:latin typeface="Calibri" pitchFamily="18"/>
+              <a:ea typeface="DejaVu Sans" pitchFamily="2"/>
+              <a:cs typeface="DejaVu Sans" pitchFamily="2"/>
+            </a:endParaRPr>
+          </a:p>
+        </p:txBody>
+      </p:sp>
+      <p:sp>
+        <p:nvSpPr>
+          <p:cNvPr id="3" name="TextShape 2"/>
+          <p:cNvSpPr/>
+          <p:nvPr/>
+        </p:nvSpPr>
+        <p:spPr>
+          <a:xfrm>
+            <a:off x="457200" y="2132856"/>
+            <a:ext cx="8228880" cy="4083264"/>
+          </a:xfrm>
+          <a:custGeom>
+            <a:avLst/>
+            <a:gdLst>
+              <a:gd name="f0" fmla="val 0"/>
+              <a:gd name="f1" fmla="val 21600"/>
+            </a:gdLst>
+            <a:ahLst/>
+            <a:cxnLst>
+              <a:cxn ang="3cd4">
+                <a:pos x="hc" y="t"/>
+              </a:cxn>
+              <a:cxn ang="0">
+                <a:pos x="r" y="vc"/>
+              </a:cxn>
+              <a:cxn ang="cd4">
+                <a:pos x="hc" y="b"/>
+              </a:cxn>
+              <a:cxn ang="cd2">
+                <a:pos x="l" y="vc"/>
+              </a:cxn>
+            </a:cxnLst>
+            <a:rect l="l" t="t" r="r" b="b"/>
+            <a:pathLst>
+              <a:path w="21600" h="21600">
+                <a:moveTo>
+                  <a:pt x="f0" y="f0"/>
+                </a:moveTo>
+                <a:lnTo>
+                  <a:pt x="f1" y="f0"/>
+                </a:lnTo>
+                <a:lnTo>
+                  <a:pt x="f1" y="f1"/>
+                </a:lnTo>
+                <a:lnTo>
+                  <a:pt x="f0" y="f1"/>
+                </a:lnTo>
+                <a:lnTo>
+                  <a:pt x="f0" y="f0"/>
+                </a:lnTo>
+                <a:close/>
+              </a:path>
+            </a:pathLst>
+          </a:custGeom>
+          <a:noFill/>
+          <a:ln>
+            <a:noFill/>
+            <a:prstDash val="solid"/>
+          </a:ln>
+        </p:spPr>
+        <p:txBody>
+          <a:bodyPr vert="horz" wrap="square" lIns="90000" tIns="45000" rIns="90000" bIns="45000" anchor="t" compatLnSpc="0"/>
+          <a:lstStyle/>
+          <a:p>
+            <a:pPr lvl="0" hangingPunct="0"/>
+            <a:r>
+              <a:rPr lang="sv-SE" sz="2000" dirty="0" err="1">
+                <a:solidFill>
+                  <a:srgbClr val="1F497D"/>
+                </a:solidFill>
+                <a:latin typeface="Arial" pitchFamily="18"/>
+                <a:ea typeface="DejaVu Sans" pitchFamily="2"/>
+                <a:cs typeface="DejaVu Sans" pitchFamily="2"/>
+              </a:rPr>
+              <a:t>IEnumerable</a:t>
+            </a:r>
+            <a:r>
+              <a:rPr lang="sv-SE" sz="2000" dirty="0">
+                <a:solidFill>
+                  <a:srgbClr val="1F497D"/>
+                </a:solidFill>
+                <a:latin typeface="Arial" pitchFamily="18"/>
+                <a:ea typeface="DejaVu Sans" pitchFamily="2"/>
+                <a:cs typeface="DejaVu Sans" pitchFamily="2"/>
+              </a:rPr>
+              <a:t>&lt;T&gt; and </a:t>
+            </a:r>
+            <a:r>
+              <a:rPr lang="sv-SE" sz="2000" dirty="0" err="1">
+                <a:solidFill>
+                  <a:srgbClr val="1F497D"/>
+                </a:solidFill>
+                <a:latin typeface="Arial" pitchFamily="18"/>
+                <a:ea typeface="DejaVu Sans" pitchFamily="2"/>
+                <a:cs typeface="DejaVu Sans" pitchFamily="2"/>
+              </a:rPr>
+              <a:t>IQueryable</a:t>
+            </a:r>
+            <a:r>
+              <a:rPr lang="sv-SE" sz="2000" dirty="0">
+                <a:solidFill>
+                  <a:srgbClr val="1F497D"/>
+                </a:solidFill>
+                <a:latin typeface="Arial" pitchFamily="18"/>
+                <a:ea typeface="DejaVu Sans" pitchFamily="2"/>
+                <a:cs typeface="DejaVu Sans" pitchFamily="2"/>
+              </a:rPr>
+              <a:t>&lt;T&gt; </a:t>
+            </a:r>
+            <a:r>
+              <a:rPr lang="sv-SE" sz="2000" dirty="0" err="1">
+                <a:solidFill>
+                  <a:srgbClr val="1F497D"/>
+                </a:solidFill>
+                <a:latin typeface="Arial" pitchFamily="18"/>
+                <a:ea typeface="DejaVu Sans" pitchFamily="2"/>
+                <a:cs typeface="DejaVu Sans" pitchFamily="2"/>
+              </a:rPr>
+              <a:t>are</a:t>
+            </a:r>
+            <a:r>
+              <a:rPr lang="sv-SE" sz="2000" b="0" i="0" u="none" strike="noStrike" kern="1200" spc="0" dirty="0" smtClean="0">
+                <a:ln>
+                  <a:noFill/>
+                </a:ln>
+                <a:solidFill>
+                  <a:srgbClr val="0070C0"/>
+                </a:solidFill>
+                <a:latin typeface="Arial" pitchFamily="18"/>
+                <a:ea typeface="DejaVu Sans" pitchFamily="2"/>
+                <a:cs typeface="DejaVu Sans" pitchFamily="2"/>
+              </a:rPr>
+              <a:t> </a:t>
+            </a:r>
+            <a:r>
+              <a:rPr lang="sv-SE" sz="2000" b="0" i="1" u="none" strike="noStrike" kern="1200" spc="0" dirty="0">
+                <a:ln>
+                  <a:noFill/>
+                </a:ln>
+                <a:solidFill>
+                  <a:srgbClr val="1F497D"/>
+                </a:solidFill>
+                <a:latin typeface="Arial" pitchFamily="18"/>
+                <a:ea typeface="DejaVu Sans" pitchFamily="2"/>
+                <a:cs typeface="DejaVu Sans" pitchFamily="2"/>
+              </a:rPr>
+              <a:t>immutable</a:t>
+            </a:r>
+            <a:r>
+              <a:rPr lang="sv-SE" sz="2000" b="0" i="0" u="none" strike="noStrike" kern="1200" spc="0" dirty="0">
+                <a:ln>
+                  <a:noFill/>
+                </a:ln>
+                <a:solidFill>
+                  <a:srgbClr val="1F497D"/>
+                </a:solidFill>
+                <a:latin typeface="Arial" pitchFamily="18"/>
+                <a:ea typeface="DejaVu Sans" pitchFamily="2"/>
+                <a:cs typeface="DejaVu Sans" pitchFamily="2"/>
+              </a:rPr>
+              <a:t> interfaces</a:t>
+            </a:r>
+          </a:p>
+          <a:p>
+            <a:pPr marL="0" marR="0" lvl="0" indent="0" rtl="0" hangingPunct="0">
+              <a:lnSpc>
+                <a:spcPct val="100000"/>
+              </a:lnSpc>
+              <a:spcBef>
+                <a:spcPts val="0"/>
+              </a:spcBef>
+              <a:spcAft>
+                <a:spcPts val="0"/>
+              </a:spcAft>
+              <a:buNone/>
+              <a:tabLst/>
+            </a:pPr>
+            <a:r>
+              <a:rPr lang="sv-SE" sz="2000" b="0" i="0" u="none" strike="noStrike" kern="1200" spc="0" dirty="0">
+                <a:ln>
+                  <a:noFill/>
+                </a:ln>
+                <a:solidFill>
+                  <a:srgbClr val="1F497D"/>
+                </a:solidFill>
+                <a:latin typeface="Arial" pitchFamily="18"/>
+                <a:ea typeface="DejaVu Sans" pitchFamily="2"/>
+                <a:cs typeface="DejaVu Sans" pitchFamily="2"/>
+              </a:rPr>
+              <a:t>IEnumerable&lt;T&gt; and IQueryable&lt;T&gt; are </a:t>
+            </a:r>
+            <a:r>
+              <a:rPr lang="sv-SE" sz="2000" b="0" i="1" u="none" strike="noStrike" kern="1200" spc="0" dirty="0">
+                <a:ln>
+                  <a:noFill/>
+                </a:ln>
+                <a:solidFill>
+                  <a:srgbClr val="1F497D"/>
+                </a:solidFill>
+                <a:latin typeface="Arial" pitchFamily="18"/>
+                <a:ea typeface="DejaVu Sans" pitchFamily="2"/>
+                <a:cs typeface="DejaVu Sans" pitchFamily="2"/>
+              </a:rPr>
+              <a:t>generic</a:t>
+            </a:r>
+            <a:r>
+              <a:rPr lang="sv-SE" sz="2000" b="0" i="0" u="none" strike="noStrike" kern="1200" spc="0" dirty="0">
+                <a:ln>
+                  <a:noFill/>
+                </a:ln>
+                <a:solidFill>
+                  <a:srgbClr val="1F497D"/>
+                </a:solidFill>
+                <a:latin typeface="Arial" pitchFamily="18"/>
+                <a:ea typeface="DejaVu Sans" pitchFamily="2"/>
+                <a:cs typeface="DejaVu Sans" pitchFamily="2"/>
+              </a:rPr>
+              <a:t> interfaces</a:t>
+            </a:r>
+          </a:p>
+          <a:p>
+            <a:pPr marL="0" marR="0" lvl="0" indent="0" rtl="0" hangingPunct="0">
+              <a:lnSpc>
+                <a:spcPct val="100000"/>
+              </a:lnSpc>
+              <a:spcBef>
+                <a:spcPts val="0"/>
+              </a:spcBef>
+              <a:spcAft>
+                <a:spcPts val="0"/>
+              </a:spcAft>
+              <a:buNone/>
+              <a:tabLst/>
+            </a:pPr>
+            <a:r>
+              <a:rPr lang="sv-SE" sz="2000" b="0" i="0" u="none" strike="noStrike" kern="1200" spc="0" dirty="0">
+                <a:ln>
+                  <a:noFill/>
+                </a:ln>
+                <a:solidFill>
+                  <a:srgbClr val="1F497D"/>
+                </a:solidFill>
+                <a:latin typeface="Arial" pitchFamily="18"/>
+                <a:ea typeface="DejaVu Sans" pitchFamily="2"/>
+                <a:cs typeface="DejaVu Sans" pitchFamily="2"/>
+              </a:rPr>
+              <a:t>Linq operators are </a:t>
+            </a:r>
+            <a:r>
+              <a:rPr lang="sv-SE" sz="2000" b="0" i="1" u="none" strike="noStrike" kern="1200" spc="0" dirty="0">
+                <a:ln>
+                  <a:noFill/>
+                </a:ln>
+                <a:solidFill>
+                  <a:srgbClr val="1F497D"/>
+                </a:solidFill>
+                <a:latin typeface="Arial" pitchFamily="18"/>
+                <a:ea typeface="DejaVu Sans" pitchFamily="2"/>
+                <a:cs typeface="DejaVu Sans" pitchFamily="2"/>
+              </a:rPr>
+              <a:t>pure functions</a:t>
+            </a:r>
+          </a:p>
+          <a:p>
+            <a:pPr marL="0" marR="0" lvl="0" indent="0" rtl="0" hangingPunct="0">
+              <a:lnSpc>
+                <a:spcPct val="100000"/>
+              </a:lnSpc>
+              <a:spcBef>
+                <a:spcPts val="0"/>
+              </a:spcBef>
+              <a:spcAft>
+                <a:spcPts val="0"/>
+              </a:spcAft>
+              <a:buNone/>
+              <a:tabLst/>
+            </a:pPr>
+            <a:r>
+              <a:rPr lang="sv-SE" sz="2000" b="0" i="0" u="none" strike="noStrike" kern="1200" spc="0" dirty="0">
+                <a:ln>
+                  <a:noFill/>
+                </a:ln>
+                <a:solidFill>
+                  <a:srgbClr val="1F497D"/>
+                </a:solidFill>
+                <a:latin typeface="Arial" pitchFamily="18"/>
+                <a:ea typeface="DejaVu Sans" pitchFamily="2"/>
+                <a:cs typeface="DejaVu Sans" pitchFamily="2"/>
+              </a:rPr>
+              <a:t>Many Linq operators are </a:t>
+            </a:r>
+            <a:r>
+              <a:rPr lang="sv-SE" sz="2000" b="0" i="1" u="none" strike="noStrike" kern="1200" spc="0" dirty="0">
+                <a:ln>
+                  <a:noFill/>
+                </a:ln>
+                <a:solidFill>
+                  <a:srgbClr val="1F497D"/>
+                </a:solidFill>
+                <a:latin typeface="Arial" pitchFamily="18"/>
+                <a:ea typeface="DejaVu Sans" pitchFamily="2"/>
+                <a:cs typeface="DejaVu Sans" pitchFamily="2"/>
+              </a:rPr>
+              <a:t>higher order functions</a:t>
+            </a:r>
+          </a:p>
+          <a:p>
+            <a:pPr marL="0" marR="0" lvl="0" indent="0" rtl="0" hangingPunct="0">
+              <a:lnSpc>
+                <a:spcPct val="100000"/>
+              </a:lnSpc>
+              <a:spcBef>
+                <a:spcPts val="0"/>
+              </a:spcBef>
+              <a:spcAft>
+                <a:spcPts val="0"/>
+              </a:spcAft>
+              <a:buNone/>
+              <a:tabLst/>
+            </a:pPr>
+            <a:r>
+              <a:rPr lang="sv-SE" sz="2000" b="0" i="0" u="none" strike="noStrike" kern="1200" spc="0" dirty="0">
+                <a:ln>
+                  <a:noFill/>
+                </a:ln>
+                <a:solidFill>
+                  <a:srgbClr val="1F497D"/>
+                </a:solidFill>
+                <a:latin typeface="Arial" pitchFamily="18"/>
+                <a:ea typeface="DejaVu Sans" pitchFamily="2"/>
+                <a:cs typeface="DejaVu Sans" pitchFamily="2"/>
+              </a:rPr>
+              <a:t>Many Linq operators are </a:t>
+            </a:r>
+            <a:r>
+              <a:rPr lang="sv-SE" sz="2000" b="0" i="1" u="none" strike="noStrike" kern="1200" spc="0" dirty="0">
+                <a:ln>
+                  <a:noFill/>
+                </a:ln>
+                <a:solidFill>
+                  <a:srgbClr val="1F497D"/>
+                </a:solidFill>
+                <a:latin typeface="Arial" pitchFamily="18"/>
+                <a:ea typeface="DejaVu Sans" pitchFamily="2"/>
+                <a:cs typeface="DejaVu Sans" pitchFamily="2"/>
+              </a:rPr>
+              <a:t>generic functions</a:t>
+            </a:r>
+          </a:p>
+          <a:p>
+            <a:pPr marL="0" marR="0" lvl="0" indent="0" rtl="0" hangingPunct="0">
+              <a:lnSpc>
+                <a:spcPct val="100000"/>
+              </a:lnSpc>
+              <a:spcBef>
+                <a:spcPts val="0"/>
+              </a:spcBef>
+              <a:spcAft>
+                <a:spcPts val="0"/>
+              </a:spcAft>
+              <a:buNone/>
+              <a:tabLst/>
+            </a:pPr>
+            <a:r>
+              <a:rPr lang="sv-SE" sz="2000" b="0" i="0" u="none" strike="noStrike" kern="1200" spc="0" dirty="0">
+                <a:ln>
+                  <a:noFill/>
+                </a:ln>
+                <a:solidFill>
+                  <a:srgbClr val="1F497D"/>
+                </a:solidFill>
+                <a:latin typeface="Arial" pitchFamily="18"/>
+                <a:ea typeface="DejaVu Sans" pitchFamily="2"/>
+                <a:cs typeface="DejaVu Sans" pitchFamily="2"/>
+              </a:rPr>
+              <a:t>Lambdas are </a:t>
+            </a:r>
+            <a:r>
+              <a:rPr lang="sv-SE" sz="2000" b="0" i="1" u="none" strike="noStrike" kern="1200" spc="0" dirty="0">
+                <a:ln>
+                  <a:noFill/>
+                </a:ln>
+                <a:solidFill>
+                  <a:srgbClr val="1F497D"/>
+                </a:solidFill>
+                <a:latin typeface="Arial" pitchFamily="18"/>
+                <a:ea typeface="DejaVu Sans" pitchFamily="2"/>
+                <a:cs typeface="DejaVu Sans" pitchFamily="2"/>
+              </a:rPr>
+              <a:t>closures</a:t>
+            </a:r>
+          </a:p>
+          <a:p>
+            <a:pPr marL="0" marR="0" lvl="0" indent="0" rtl="0" hangingPunct="0">
+              <a:lnSpc>
+                <a:spcPct val="100000"/>
+              </a:lnSpc>
+              <a:spcBef>
+                <a:spcPts val="0"/>
+              </a:spcBef>
+              <a:spcAft>
+                <a:spcPts val="0"/>
+              </a:spcAft>
+              <a:buNone/>
+              <a:tabLst/>
+            </a:pPr>
+            <a:r>
+              <a:rPr lang="sv-SE" sz="2000" b="0" i="1" u="none" strike="noStrike" kern="1200" spc="0" dirty="0">
+                <a:ln>
+                  <a:noFill/>
+                </a:ln>
+                <a:solidFill>
+                  <a:srgbClr val="1F497D"/>
+                </a:solidFill>
+                <a:latin typeface="Arial" pitchFamily="18"/>
+                <a:ea typeface="DejaVu Sans" pitchFamily="2"/>
+                <a:cs typeface="DejaVu Sans" pitchFamily="2"/>
+              </a:rPr>
+              <a:t>Comprehension syntax is syntactic sugar on functional programming</a:t>
+            </a:r>
+          </a:p>
+        </p:txBody>
+      </p:sp>
+    </p:spTree>
+  </p:cSld>
+  <p:clrMapOvr>
+    <a:masterClrMapping/>
+  </p:clrMapOvr>
+  <p:transition>
+    <p:wipe/>
+  </p:transition>
+  <p:timing>
+    <p:tnLst>
+      <p:par>
+        <p:cTn id="1" dur="indefinite" restart="never" nodeType="tmRoot"/>
+      </p:par>
+    </p:tnLst>
+  </p:timing>
+</p:sld>
+</file>
+
+<file path=ppt/slides/slide13.xml><?xml version="1.0" encoding="utf-8"?>
+<p:sld xmlns:a="http://schemas.openxmlformats.org/drawingml/2006/main" xmlns:r="http://schemas.openxmlformats.org/officeDocument/2006/relationships" xmlns:p="http://schemas.openxmlformats.org/presentationml/2006/main">
+  <p:cSld>
+    <p:spTree>
+      <p:nvGrpSpPr>
+        <p:cNvPr id="1" name=""/>
+        <p:cNvGrpSpPr/>
+        <p:nvPr/>
+      </p:nvGrpSpPr>
+      <p:grpSpPr>
+        <a:xfrm>
+          <a:off x="0" y="0"/>
+          <a:ext cx="0" cy="0"/>
+          <a:chOff x="0" y="0"/>
+          <a:chExt cx="0" cy="0"/>
+        </a:xfrm>
+      </p:grpSpPr>
+      <p:sp>
+        <p:nvSpPr>
+          <p:cNvPr id="2" name="Title 1"/>
+          <p:cNvSpPr>
+            <a:spLocks noGrp="1"/>
+          </p:cNvSpPr>
+          <p:nvPr>
+            <p:ph type="title"/>
+          </p:nvPr>
+        </p:nvSpPr>
+        <p:spPr/>
+        <p:txBody>
+          <a:bodyPr/>
+          <a:lstStyle/>
+          <a:p>
+            <a:pPr>
+              <a:buNone/>
+            </a:pPr>
+            <a:r>
+              <a:rPr lang="sv-SE" dirty="0" smtClean="0"/>
+              <a:t>F#</a:t>
+            </a:r>
+            <a:endParaRPr lang="sv-SE" dirty="0"/>
+          </a:p>
+        </p:txBody>
+      </p:sp>
+      <p:sp>
+        <p:nvSpPr>
+          <p:cNvPr id="3" name="Content Placeholder 2"/>
+          <p:cNvSpPr>
+            <a:spLocks noGrp="1"/>
+          </p:cNvSpPr>
+          <p:nvPr>
+            <p:ph idx="1"/>
+          </p:nvPr>
+        </p:nvSpPr>
+        <p:spPr/>
+        <p:txBody>
+          <a:bodyPr/>
+          <a:lstStyle/>
+          <a:p>
+            <a:r>
+              <a:rPr lang="sv-SE" dirty="0" err="1" smtClean="0"/>
+              <a:t>Fully</a:t>
+            </a:r>
+            <a:r>
+              <a:rPr lang="sv-SE" dirty="0" smtClean="0"/>
+              <a:t> </a:t>
+            </a:r>
+            <a:r>
+              <a:rPr lang="sv-SE" dirty="0" err="1" smtClean="0"/>
+              <a:t>supported</a:t>
+            </a:r>
+            <a:r>
+              <a:rPr lang="sv-SE" dirty="0" smtClean="0"/>
+              <a:t> .Net </a:t>
+            </a:r>
+            <a:r>
+              <a:rPr lang="sv-SE" dirty="0" err="1" smtClean="0"/>
+              <a:t>language</a:t>
+            </a:r>
+            <a:endParaRPr lang="sv-SE" dirty="0" smtClean="0"/>
+          </a:p>
+          <a:p>
+            <a:r>
+              <a:rPr lang="sv-SE" dirty="0" smtClean="0"/>
+              <a:t>Full access </a:t>
+            </a:r>
+            <a:r>
+              <a:rPr lang="sv-SE" dirty="0" err="1" smtClean="0"/>
+              <a:t>to</a:t>
+            </a:r>
+            <a:r>
+              <a:rPr lang="sv-SE" dirty="0" smtClean="0"/>
+              <a:t> .Net </a:t>
+            </a:r>
+            <a:r>
+              <a:rPr lang="sv-SE" dirty="0" err="1" smtClean="0"/>
+              <a:t>framework</a:t>
+            </a:r>
+            <a:endParaRPr lang="sv-SE" dirty="0" smtClean="0"/>
+          </a:p>
+          <a:p>
+            <a:r>
+              <a:rPr lang="sv-SE" dirty="0" smtClean="0"/>
+              <a:t>.Net </a:t>
+            </a:r>
+            <a:r>
+              <a:rPr lang="sv-SE" dirty="0" err="1" smtClean="0"/>
+              <a:t>performance</a:t>
+            </a:r>
+            <a:endParaRPr lang="sv-SE" dirty="0" smtClean="0"/>
+          </a:p>
+          <a:p>
+            <a:r>
+              <a:rPr lang="sv-SE" dirty="0" smtClean="0"/>
+              <a:t>Visual Studio support</a:t>
+            </a:r>
+          </a:p>
+          <a:p>
+            <a:r>
+              <a:rPr lang="sv-SE" dirty="0" smtClean="0"/>
+              <a:t>Multiparadigm( FP / OO / </a:t>
+            </a:r>
+            <a:r>
+              <a:rPr lang="sv-SE" dirty="0" err="1" smtClean="0"/>
+              <a:t>Generics</a:t>
+            </a:r>
+            <a:r>
+              <a:rPr lang="sv-SE" dirty="0" smtClean="0"/>
+              <a:t>)</a:t>
+            </a:r>
+          </a:p>
+          <a:p>
+            <a:r>
+              <a:rPr lang="sv-SE" dirty="0" err="1" smtClean="0"/>
+              <a:t>Automatic</a:t>
+            </a:r>
+            <a:r>
+              <a:rPr lang="sv-SE" dirty="0" smtClean="0"/>
+              <a:t> </a:t>
+            </a:r>
+            <a:r>
+              <a:rPr lang="sv-SE" dirty="0" err="1" smtClean="0"/>
+              <a:t>generalization</a:t>
+            </a:r>
+            <a:endParaRPr lang="sv-SE" dirty="0" smtClean="0"/>
+          </a:p>
+        </p:txBody>
+      </p:sp>
+    </p:spTree>
+    <p:extLst>
+      <p:ext uri="{BB962C8B-B14F-4D97-AF65-F5344CB8AC3E}">
+        <p14:creationId xmlns:p14="http://schemas.microsoft.com/office/powerpoint/2010/main" val="3911032033"/>
+      </p:ext>
+    </p:extLst>
+  </p:cSld>
+  <p:clrMapOvr>
+    <a:masterClrMapping/>
+  </p:clrMapOvr>
+  <mc:AlternateContent xmlns:mc="http://schemas.openxmlformats.org/markup-compatibility/2006" xmlns:p14="http://schemas.microsoft.com/office/powerpoint/2010/main">
+    <mc:Choice Requires="p14">
+      <p:transition spd="slow" p14:dur="2000"/>
+    </mc:Choice>
+    <mc:Fallback xmlns="">
+      <p:transition spd="slow"/>
+    </mc:Fallback>
+  </mc:AlternateContent>
+  <p:timing>
+    <p:tnLst>
+      <p:par>
+        <p:cTn id="1" dur="indefinite" restart="never" nodeType="tmRoot">
+          <p:childTnLst>
+            <p:seq concurrent="1" nextAc="seek">
+              <p:cTn id="2" dur="indefinite" nodeType="mainSeq">
+                <p:childTnLst>
+                  <p:par>
+                    <p:cTn id="3" fill="hold">
+                      <p:stCondLst>
+                        <p:cond delay="indefinite"/>
+                      </p:stCondLst>
+                      <p:childTnLst>
+                        <p:par>
+                          <p:cTn id="4" fill="hold">
+                            <p:stCondLst>
+                              <p:cond delay="0"/>
+                            </p:stCondLst>
+                            <p:childTnLst>
+                              <p:par>
+                                <p:cTn id="5" presetID="1" presetClass="entr" presetSubtype="0" fill="hold" nodeType="clickEffect">
+                                  <p:stCondLst>
+                                    <p:cond delay="0"/>
+                                  </p:stCondLst>
+                                  <p:childTnLst>
+                                    <p:set>
+                                      <p:cBhvr>
+                                        <p:cTn id="6" dur="1" fill="hold">
+                                          <p:stCondLst>
+                                            <p:cond delay="0"/>
+                                          </p:stCondLst>
+                                        </p:cTn>
+                                        <p:tgtEl>
+                                          <p:spTgt spid="3">
+                                            <p:txEl>
+                                              <p:pRg st="0" end="0"/>
+                                            </p:txEl>
+                                          </p:spTgt>
+                                        </p:tgtEl>
+                                        <p:attrNameLst>
+                                          <p:attrName>style.visibility</p:attrName>
+                                        </p:attrNameLst>
+                                      </p:cBhvr>
+                                      <p:to>
+                                        <p:strVal val="visible"/>
+                                      </p:to>
+                                    </p:set>
+                                  </p:childTnLst>
+                                </p:cTn>
+                              </p:par>
+                            </p:childTnLst>
+                          </p:cTn>
+                        </p:par>
+                      </p:childTnLst>
+                    </p:cTn>
+                  </p:par>
+                  <p:par>
+                    <p:cTn id="7" fill="hold">
+                      <p:stCondLst>
+                        <p:cond delay="indefinite"/>
+                      </p:stCondLst>
+                      <p:childTnLst>
+                        <p:par>
+                          <p:cTn id="8" fill="hold">
+                            <p:stCondLst>
+                              <p:cond delay="0"/>
+                            </p:stCondLst>
+                            <p:childTnLst>
+                              <p:par>
+                                <p:cTn id="9" presetID="1" presetClass="entr" presetSubtype="0" fill="hold" nodeType="clickEffect">
+                                  <p:stCondLst>
+                                    <p:cond delay="0"/>
+                                  </p:stCondLst>
+                                  <p:childTnLst>
+                                    <p:set>
+                                      <p:cBhvr>
+                                        <p:cTn id="10" dur="1" fill="hold">
+                                          <p:stCondLst>
+                                            <p:cond delay="0"/>
+                                          </p:stCondLst>
+                                        </p:cTn>
+                                        <p:tgtEl>
+                                          <p:spTgt spid="3">
+                                            <p:txEl>
+                                              <p:pRg st="1" end="1"/>
+                                            </p:txEl>
+                                          </p:spTgt>
+                                        </p:tgtEl>
+                                        <p:attrNameLst>
+                                          <p:attrName>style.visibility</p:attrName>
+                                        </p:attrNameLst>
+                                      </p:cBhvr>
+                                      <p:to>
+                                        <p:strVal val="visible"/>
+                                      </p:to>
+                                    </p:set>
+                                  </p:childTnLst>
+                                </p:cTn>
+                              </p:par>
+                            </p:childTnLst>
+                          </p:cTn>
+                        </p:par>
+                      </p:childTnLst>
+                    </p:cTn>
+                  </p:par>
+                  <p:par>
+                    <p:cTn id="11" fill="hold">
+                      <p:stCondLst>
+                        <p:cond delay="indefinite"/>
+                      </p:stCondLst>
+                      <p:childTnLst>
+                        <p:par>
+                          <p:cTn id="12" fill="hold">
+                            <p:stCondLst>
+                              <p:cond delay="0"/>
+                            </p:stCondLst>
+                            <p:childTnLst>
+                              <p:par>
+                                <p:cTn id="13" presetID="1" presetClass="entr" presetSubtype="0" fill="hold" nodeType="clickEffect">
+                                  <p:stCondLst>
+                                    <p:cond delay="0"/>
+                                  </p:stCondLst>
+                                  <p:childTnLst>
+                                    <p:set>
+                                      <p:cBhvr>
+                                        <p:cTn id="14" dur="1" fill="hold">
+                                          <p:stCondLst>
+                                            <p:cond delay="0"/>
+                                          </p:stCondLst>
+                                        </p:cTn>
+                                        <p:tgtEl>
+                                          <p:spTgt spid="3">
+                                            <p:txEl>
+                                              <p:pRg st="2" end="2"/>
+                                            </p:txEl>
+                                          </p:spTgt>
+                                        </p:tgtEl>
+                                        <p:attrNameLst>
+                                          <p:attrName>style.visibility</p:attrName>
+                                        </p:attrNameLst>
+                                      </p:cBhvr>
+                                      <p:to>
+                                        <p:strVal val="visible"/>
+                                      </p:to>
+                                    </p:set>
+                                  </p:childTnLst>
+                                </p:cTn>
+                              </p:par>
+                            </p:childTnLst>
+                          </p:cTn>
+                        </p:par>
+                      </p:childTnLst>
+                    </p:cTn>
+                  </p:par>
+                  <p:par>
+                    <p:cTn id="15" fill="hold">
+                      <p:stCondLst>
+                        <p:cond delay="indefinite"/>
+                      </p:stCondLst>
+                      <p:childTnLst>
+                        <p:par>
+                          <p:cTn id="16" fill="hold">
+                            <p:stCondLst>
+                              <p:cond delay="0"/>
+                            </p:stCondLst>
+                            <p:childTnLst>
+                              <p:par>
+                                <p:cTn id="17" presetID="1" presetClass="entr" presetSubtype="0" fill="hold" nodeType="clickEffect">
+                                  <p:stCondLst>
+                                    <p:cond delay="0"/>
+                                  </p:stCondLst>
+                                  <p:childTnLst>
+                                    <p:set>
+                                      <p:cBhvr>
+                                        <p:cTn id="18" dur="1" fill="hold">
+                                          <p:stCondLst>
+                                            <p:cond delay="0"/>
+                                          </p:stCondLst>
+                                        </p:cTn>
+                                        <p:tgtEl>
+                                          <p:spTgt spid="3">
+                                            <p:txEl>
+                                              <p:pRg st="3" end="3"/>
+                                            </p:txEl>
+                                          </p:spTgt>
+                                        </p:tgtEl>
+                                        <p:attrNameLst>
+                                          <p:attrName>style.visibility</p:attrName>
+                                        </p:attrNameLst>
+                                      </p:cBhvr>
+                                      <p:to>
+                                        <p:strVal val="visible"/>
+                                      </p:to>
+                                    </p:set>
+                                  </p:childTnLst>
+                                </p:cTn>
+                              </p:par>
+                            </p:childTnLst>
+                          </p:cTn>
+                        </p:par>
+                      </p:childTnLst>
+                    </p:cTn>
+                  </p:par>
+                  <p:par>
+                    <p:cTn id="19" fill="hold">
+                      <p:stCondLst>
+                        <p:cond delay="indefinite"/>
+                      </p:stCondLst>
+                      <p:childTnLst>
+                        <p:par>
+                          <p:cTn id="20" fill="hold">
+                            <p:stCondLst>
+                              <p:cond delay="0"/>
+                            </p:stCondLst>
+                            <p:childTnLst>
+                              <p:par>
+                                <p:cTn id="21" presetID="1" presetClass="entr" presetSubtype="0" fill="hold" nodeType="clickEffect">
+                                  <p:stCondLst>
+                                    <p:cond delay="0"/>
+                                  </p:stCondLst>
+                                  <p:childTnLst>
+                                    <p:set>
+                                      <p:cBhvr>
+                                        <p:cTn id="22" dur="1" fill="hold">
+                                          <p:stCondLst>
+                                            <p:cond delay="0"/>
+                                          </p:stCondLst>
+                                        </p:cTn>
+                                        <p:tgtEl>
+                                          <p:spTgt spid="3">
+                                            <p:txEl>
+                                              <p:pRg st="4" end="4"/>
+                                            </p:txEl>
+                                          </p:spTgt>
+                                        </p:tgtEl>
+                                        <p:attrNameLst>
+                                          <p:attrName>style.visibility</p:attrName>
+                                        </p:attrNameLst>
+                                      </p:cBhvr>
+                                      <p:to>
+                                        <p:strVal val="visible"/>
+                                      </p:to>
+                                    </p:set>
+                                  </p:childTnLst>
+                                </p:cTn>
+                              </p:par>
+                            </p:childTnLst>
+                          </p:cTn>
+                        </p:par>
+                      </p:childTnLst>
+                    </p:cTn>
+                  </p:par>
+                  <p:par>
+                    <p:cTn id="23" fill="hold">
+                      <p:stCondLst>
+                        <p:cond delay="indefinite"/>
+                      </p:stCondLst>
+                      <p:childTnLst>
+                        <p:par>
+                          <p:cTn id="24" fill="hold">
+                            <p:stCondLst>
+                              <p:cond delay="0"/>
+                            </p:stCondLst>
+                            <p:childTnLst>
+                              <p:par>
+                                <p:cTn id="25" presetID="1" presetClass="entr" presetSubtype="0" fill="hold" nodeType="clickEffect">
+                                  <p:stCondLst>
+                                    <p:cond delay="0"/>
+                                  </p:stCondLst>
+                                  <p:childTnLst>
+                                    <p:set>
+                                      <p:cBhvr>
+                                        <p:cTn id="26" dur="1" fill="hold">
+                                          <p:stCondLst>
+                                            <p:cond delay="0"/>
+                                          </p:stCondLst>
+                                        </p:cTn>
+                                        <p:tgtEl>
+                                          <p:spTgt spid="3">
+                                            <p:txEl>
+                                              <p:pRg st="5" end="5"/>
+                                            </p:txEl>
+                                          </p:spTgt>
+                                        </p:tgtEl>
+                                        <p:attrNameLst>
+                                          <p:attrName>style.visibility</p:attrName>
+                                        </p:attrNameLst>
+                                      </p:cBhvr>
+                                      <p:to>
+                                        <p:strVal val="visible"/>
+                                      </p:to>
+                                    </p:set>
+                                  </p:childTnLst>
+                                </p:cTn>
+                              </p:par>
+                            </p:childTnLst>
+                          </p:cTn>
+                        </p:par>
+                      </p:childTnLst>
+                    </p:cTn>
+                  </p:par>
+                </p:childTnLst>
+              </p:cTn>
+              <p:prevCondLst>
+                <p:cond evt="onPrev" delay="0">
+                  <p:tgtEl>
+                    <p:sldTgt/>
+                  </p:tgtEl>
+                </p:cond>
+              </p:prevCondLst>
+              <p:nextCondLst>
+                <p:cond evt="onNext" delay="0">
+                  <p:tgtEl>
+                    <p:sldTgt/>
+                  </p:tgtEl>
+                </p:cond>
+              </p:nextCondLst>
+            </p:seq>
+          </p:childTnLst>
+        </p:cTn>
+      </p:par>
+    </p:tnLst>
+  </p:timing>
+</p:sld>
+</file>
+
+<file path=ppt/slides/slide14.xml><?xml version="1.0" encoding="utf-8"?>
+<p:sld xmlns:a="http://schemas.openxmlformats.org/drawingml/2006/main" xmlns:r="http://schemas.openxmlformats.org/officeDocument/2006/relationships" xmlns:p="http://schemas.openxmlformats.org/presentationml/2006/main">
+  <p:cSld>
+    <p:spTree>
+      <p:nvGrpSpPr>
+        <p:cNvPr id="1" name=""/>
+        <p:cNvGrpSpPr/>
+        <p:nvPr/>
+      </p:nvGrpSpPr>
+      <p:grpSpPr>
+        <a:xfrm>
+          <a:off x="0" y="0"/>
+          <a:ext cx="0" cy="0"/>
+          <a:chOff x="0" y="0"/>
+          <a:chExt cx="0" cy="0"/>
+        </a:xfrm>
+      </p:grpSpPr>
+      <p:sp>
+        <p:nvSpPr>
+          <p:cNvPr id="2" name="Title 1"/>
+          <p:cNvSpPr>
+            <a:spLocks noGrp="1"/>
+          </p:cNvSpPr>
+          <p:nvPr>
+            <p:ph type="title"/>
+          </p:nvPr>
+        </p:nvSpPr>
+        <p:spPr/>
+        <p:txBody>
+          <a:bodyPr/>
+          <a:lstStyle/>
+          <a:p>
+            <a:pPr>
+              <a:buNone/>
+            </a:pPr>
+            <a:r>
+              <a:rPr lang="sv-SE" dirty="0" smtClean="0"/>
+              <a:t>OO Not </a:t>
+            </a:r>
+            <a:r>
+              <a:rPr lang="sv-SE" dirty="0" err="1" smtClean="0"/>
+              <a:t>covered</a:t>
+            </a:r>
+            <a:endParaRPr lang="sv-SE" dirty="0"/>
+          </a:p>
+        </p:txBody>
+      </p:sp>
+      <p:sp>
+        <p:nvSpPr>
+          <p:cNvPr id="3" name="Content Placeholder 2"/>
+          <p:cNvSpPr>
+            <a:spLocks noGrp="1"/>
+          </p:cNvSpPr>
+          <p:nvPr>
+            <p:ph idx="1"/>
+          </p:nvPr>
+        </p:nvSpPr>
+        <p:spPr/>
+        <p:txBody>
+          <a:bodyPr/>
+          <a:lstStyle/>
+          <a:p>
+            <a:pPr marL="108000" indent="0">
+              <a:buNone/>
+            </a:pPr>
+            <a:endParaRPr lang="sv-SE" dirty="0" smtClean="0"/>
+          </a:p>
+          <a:p>
+            <a:pPr marL="108000" indent="0">
+              <a:buNone/>
+            </a:pPr>
+            <a:endParaRPr lang="sv-SE" dirty="0"/>
+          </a:p>
+        </p:txBody>
+      </p:sp>
+    </p:spTree>
+    <p:extLst>
+      <p:ext uri="{BB962C8B-B14F-4D97-AF65-F5344CB8AC3E}">
+        <p14:creationId xmlns:p14="http://schemas.microsoft.com/office/powerpoint/2010/main" val="3229594355"/>
+      </p:ext>
+    </p:extLst>
+  </p:cSld>
+  <p:clrMapOvr>
+    <a:masterClrMapping/>
+  </p:clrMapOvr>
+  <mc:AlternateContent xmlns:mc="http://schemas.openxmlformats.org/markup-compatibility/2006" xmlns:p14="http://schemas.microsoft.com/office/powerpoint/2010/main">
+    <mc:Choice Requires="p14">
+      <p:transition spd="slow" p14:dur="2000"/>
+    </mc:Choice>
+    <mc:Fallback xmlns="">
+      <p:transition spd="slow"/>
+    </mc:Fallback>
+  </mc:AlternateContent>
+  <p:timing>
+    <p:tnLst>
+      <p:par>
+        <p:cTn id="1" dur="indefinite" restart="never" nodeType="tmRoot"/>
+      </p:par>
+    </p:tnLst>
+  </p:timing>
+</p:sld>
+</file>
+
+<file path=ppt/slides/slide15.xml><?xml version="1.0" encoding="utf-8"?>
 <p:sld xmlns:a="http://schemas.openxmlformats.org/drawingml/2006/main" xmlns:r="http://schemas.openxmlformats.org/officeDocument/2006/relationships" xmlns:p="http://schemas.openxmlformats.org/presentationml/2006/main">
   <p:cSld name="page10">
     <p:spTree>
@@ -6811,7 +8713,7 @@
 </p:sld>
 </file>
 
-<file path=ppt/slides/slide12.xml><?xml version="1.0" encoding="utf-8"?>
+<file path=ppt/slides/slide16.xml><?xml version="1.0" encoding="utf-8"?>
 <p:sld xmlns:a="http://schemas.openxmlformats.org/drawingml/2006/main" xmlns:r="http://schemas.openxmlformats.org/officeDocument/2006/relationships" xmlns:p="http://schemas.openxmlformats.org/presentationml/2006/main">
   <p:cSld>
     <p:spTree>
@@ -7339,7 +9241,7 @@
 </p:sld>
 </file>
 
-<file path=ppt/slides/slide13.xml><?xml version="1.0" encoding="utf-8"?>
+<file path=ppt/slides/slide17.xml><?xml version="1.0" encoding="utf-8"?>
 <p:sld xmlns:a="http://schemas.openxmlformats.org/drawingml/2006/main" xmlns:r="http://schemas.openxmlformats.org/officeDocument/2006/relationships" xmlns:p="http://schemas.openxmlformats.org/presentationml/2006/main">
   <p:cSld>
     <p:spTree>
@@ -7710,7 +9612,7 @@
               <a:tabLst/>
             </a:pPr>
             <a:r>
-              <a:rPr lang="sv-SE" sz="4400" b="0" i="0" u="none" strike="noStrike" kern="1200" spc="0">
+              <a:rPr lang="sv-SE" sz="4400" b="0" i="0" u="none" strike="noStrike" kern="1200" spc="0" dirty="0" err="1">
                 <a:ln>
                   <a:noFill/>
                 </a:ln>
@@ -7721,8 +9623,47 @@
                 <a:ea typeface="DejaVu Sans" pitchFamily="2"/>
                 <a:cs typeface="DejaVu Sans" pitchFamily="2"/>
               </a:rPr>
-              <a:t>Functional programming</a:t>
-            </a:r>
+              <a:t>Functional</a:t>
+            </a:r>
+            <a:r>
+              <a:rPr lang="sv-SE" sz="4400" b="0" i="0" u="none" strike="noStrike" kern="1200" spc="0" dirty="0">
+                <a:ln>
+                  <a:noFill/>
+                </a:ln>
+                <a:solidFill>
+                  <a:srgbClr val="000000"/>
+                </a:solidFill>
+                <a:latin typeface="Calibri" pitchFamily="18"/>
+                <a:ea typeface="DejaVu Sans" pitchFamily="2"/>
+                <a:cs typeface="DejaVu Sans" pitchFamily="2"/>
+              </a:rPr>
+              <a:t> </a:t>
+            </a:r>
+            <a:r>
+              <a:rPr lang="sv-SE" sz="4400" b="0" i="0" u="none" strike="noStrike" kern="1200" spc="0" dirty="0" err="1">
+                <a:ln>
+                  <a:noFill/>
+                </a:ln>
+                <a:solidFill>
+                  <a:srgbClr val="000000"/>
+                </a:solidFill>
+                <a:latin typeface="Calibri" pitchFamily="18"/>
+                <a:ea typeface="DejaVu Sans" pitchFamily="2"/>
+                <a:cs typeface="DejaVu Sans" pitchFamily="2"/>
+              </a:rPr>
+              <a:t>programming</a:t>
+            </a:r>
+            <a:endParaRPr lang="sv-SE" sz="4400" b="0" i="0" u="none" strike="noStrike" kern="1200" spc="0" dirty="0">
+              <a:ln>
+                <a:noFill/>
+              </a:ln>
+              <a:solidFill>
+                <a:srgbClr val="000000"/>
+              </a:solidFill>
+              <a:latin typeface="Calibri" pitchFamily="18"/>
+              <a:ea typeface="DejaVu Sans" pitchFamily="2"/>
+              <a:cs typeface="DejaVu Sans" pitchFamily="2"/>
+            </a:endParaRPr>
           </a:p>
         </p:txBody>
       </p:sp>
@@ -8244,10 +10185,10 @@
                 <a:ea typeface="DejaVu Sans" pitchFamily="2"/>
                 <a:cs typeface="DejaVu Sans" pitchFamily="2"/>
               </a:rPr>
-              <a:t>that return </a:t>
-            </a:r>
-            <a:r>
-              <a:rPr lang="sv-SE" sz="2000" b="0" i="0" u="none" strike="noStrike" kern="1200" spc="0" dirty="0" smtClean="0">
+              <a:t>that </a:t>
+            </a:r>
+            <a:r>
+              <a:rPr lang="sv-SE" sz="2000" b="0" i="0" u="none" strike="noStrike" kern="1200" spc="0" dirty="0" err="1">
                 <a:ln>
                   <a:noFill/>
                 </a:ln>
@@ -8258,8 +10199,47 @@
                 <a:ea typeface="DejaVu Sans" pitchFamily="2"/>
                 <a:cs typeface="DejaVu Sans" pitchFamily="2"/>
               </a:rPr>
+              <a:t>return</a:t>
+            </a:r>
+            <a:r>
+              <a:rPr lang="sv-SE" sz="2000" b="0" i="0" u="none" strike="noStrike" kern="1200" spc="0" dirty="0">
+                <a:ln>
+                  <a:noFill/>
+                </a:ln>
+                <a:solidFill>
+                  <a:srgbClr val="1F497D"/>
+                </a:solidFill>
+                <a:latin typeface="Arial" pitchFamily="18"/>
+                <a:ea typeface="DejaVu Sans" pitchFamily="2"/>
+                <a:cs typeface="DejaVu Sans" pitchFamily="2"/>
+              </a:rPr>
+              <a:t> </a:t>
+            </a:r>
+            <a:r>
+              <a:rPr lang="sv-SE" sz="2000" b="0" i="0" u="none" strike="noStrike" kern="1200" spc="0" dirty="0" err="1" smtClean="0">
+                <a:ln>
+                  <a:noFill/>
+                </a:ln>
+                <a:solidFill>
+                  <a:srgbClr val="1F497D"/>
+                </a:solidFill>
+                <a:latin typeface="Arial" pitchFamily="18"/>
+                <a:ea typeface="DejaVu Sans" pitchFamily="2"/>
+                <a:cs typeface="DejaVu Sans" pitchFamily="2"/>
+              </a:rPr>
               <a:t>functions</a:t>
             </a:r>
+            <a:endParaRPr lang="sv-SE" sz="2000" b="0" i="0" u="none" strike="noStrike" kern="1200" spc="0" dirty="0" smtClean="0">
+              <a:ln>
+                <a:noFill/>
+              </a:ln>
+              <a:solidFill>
+                <a:srgbClr val="1F497D"/>
+              </a:solidFill>
+              <a:latin typeface="Arial" pitchFamily="18"/>
+              <a:ea typeface="DejaVu Sans" pitchFamily="2"/>
+              <a:cs typeface="DejaVu Sans" pitchFamily="2"/>
+            </a:endParaRPr>
           </a:p>
           <a:p>
             <a:pPr marL="0" marR="0" lvl="0" indent="0" rtl="0" hangingPunct="0">
@@ -8276,7 +10256,10 @@
               <a:tabLst/>
             </a:pPr>
             <a:r>
-              <a:rPr lang="sv-SE" sz="2000" dirty="0">
+              <a:rPr lang="sv-SE" sz="2000" b="0" i="0" u="none" strike="noStrike" kern="1200" spc="0" dirty="0" err="1" smtClean="0">
+                <a:ln>
+                  <a:noFill/>
+                </a:ln>
                 <a:solidFill>
                   <a:srgbClr val="1F497D"/>
                 </a:solidFill>
@@ -8284,60 +10267,9 @@
                 <a:ea typeface="DejaVu Sans" pitchFamily="2"/>
                 <a:cs typeface="DejaVu Sans" pitchFamily="2"/>
               </a:rPr>
-              <a:t>	</a:t>
-            </a:r>
-            <a:r>
-              <a:rPr lang="sv-SE" sz="2000" dirty="0" smtClean="0">
-                <a:solidFill>
-                  <a:srgbClr val="1F497D"/>
-                </a:solidFill>
-                <a:latin typeface="Arial" pitchFamily="18"/>
-                <a:ea typeface="DejaVu Sans" pitchFamily="2"/>
-                <a:cs typeface="DejaVu Sans" pitchFamily="2"/>
-              </a:rPr>
-              <a:t>CQS</a:t>
-            </a:r>
-            <a:endParaRPr lang="sv-SE" sz="2000" b="0" i="0" u="none" strike="noStrike" kern="1200" spc="0" dirty="0">
-              <a:ln>
-                <a:noFill/>
-              </a:ln>
-              <a:solidFill>
-                <a:srgbClr val="1F497D"/>
-              </a:solidFill>
-              <a:latin typeface="Arial" pitchFamily="18"/>
-              <a:ea typeface="DejaVu Sans" pitchFamily="2"/>
-              <a:cs typeface="DejaVu Sans" pitchFamily="2"/>
-            </a:endParaRPr>
-          </a:p>
-          <a:p>
-            <a:pPr marL="0" marR="0" lvl="0" indent="0" rtl="0" hangingPunct="0">
-              <a:lnSpc>
-                <a:spcPct val="100000"/>
-              </a:lnSpc>
-              <a:spcBef>
-                <a:spcPts val="0"/>
-              </a:spcBef>
-              <a:spcAft>
-                <a:spcPts val="0"/>
-              </a:spcAft>
-              <a:buNone/>
-              <a:tabLst/>
-            </a:pPr>
-            <a:r>
-              <a:rPr lang="sv-SE" sz="2000" b="0" i="0" u="none" strike="noStrike" kern="1200" spc="0" dirty="0" smtClean="0">
-                <a:ln>
-                  <a:noFill/>
-                </a:ln>
-                <a:solidFill>
-                  <a:srgbClr val="1F497D"/>
-                </a:solidFill>
-                <a:latin typeface="Arial" pitchFamily="18"/>
-                <a:ea typeface="DejaVu Sans" pitchFamily="2"/>
-                <a:cs typeface="DejaVu Sans" pitchFamily="2"/>
-              </a:rPr>
               <a:t>Closures</a:t>
             </a:r>
-            <a:endParaRPr lang="sv-SE" sz="2000" b="0" i="0" u="none" strike="noStrike" kern="1200" spc="0" dirty="0">
+            <a:endParaRPr lang="sv-SE" sz="2000" b="0" i="0" u="none" strike="noStrike" kern="1200" spc="0" dirty="0" smtClean="0">
               <a:ln>
                 <a:noFill/>
               </a:ln>
@@ -8423,7 +10355,7 @@
                             </p:stCondLst>
                             <p:childTnLst>
                               <p:par>
-                                <p:cTn id="5" presetID="2" presetClass="entr" presetSubtype="4" fill="hold" nodeType="clickEffect">
+                                <p:cTn id="5" presetID="1" presetClass="entr" presetSubtype="0" fill="hold" nodeType="clickEffect">
                                   <p:stCondLst>
                                     <p:cond delay="0"/>
                                   </p:stCondLst>
@@ -8450,60 +10382,6 @@
                                         <p:strVal val="visible"/>
                                       </p:to>
                                     </p:set>
-                                    <p:anim calcmode="lin" valueType="num">
-                                      <p:cBhvr additive="base">
-                                        <p:cTn id="7" dur="500" fill="hold"/>
-                                        <p:tgtEl>
-                                          <p:spTgt spid="3">
-                                            <p:txEl>
-                                              <p:pRg st="0" end="0"/>
-                                            </p:txEl>
-                                          </p:spTgt>
-                                        </p:tgtEl>
-                                        <p:attrNameLst>
-                                          <p:attrName>ppt_x</p:attrName>
-                                        </p:attrNameLst>
-                                      </p:cBhvr>
-                                      <p:tavLst>
-                                        <p:tav tm="0">
-                                          <p:val>
-                                            <p:strVal val="#ppt_x"/>
-                                          </p:val>
-                                        </p:tav>
-                                        <p:tav tm="100000">
-                                          <p:val>
-                                            <p:strVal val="#ppt_x"/>
-                                          </p:val>
-                                        </p:tav>
-                                      </p:tavLst>
-                                    </p:anim>
-                                    <p:anim calcmode="lin" valueType="num">
-                                      <p:cBhvr additive="base">
-                                        <p:cTn id="8" dur="500" fill="hold"/>
-                                        <p:tgtEl>
-                                          <p:spTgt spid="3">
-                                            <p:txEl>
-                                              <p:pRg st="0" end="0"/>
-                                            </p:txEl>
-                                          </p:spTgt>
-                                        </p:tgtEl>
-                                        <p:attrNameLst>
-                                          <p:attrName>ppt_y</p:attrName>
-                                        </p:attrNameLst>
-                                      </p:cBhvr>
-                                      <p:tavLst>
-                                        <p:tav tm="0">
-                                          <p:val>
-                                            <p:strVal val="1+#ppt_h/2"/>
-                                          </p:val>
-                                        </p:tav>
-                                        <p:tav tm="100000">
-                                          <p:val>
-                                            <p:strVal val="#ppt_y"/>
-                                          </p:val>
-                                        </p:tav>
-                                      </p:tavLst>
-                                    </p:anim>
                                   </p:childTnLst>
                                 </p:cTn>
                               </p:par>
@@ -8514,26 +10392,26 @@
                     </p:cTn>
                   </p:par>
                   <p:par>
-                    <p:cTn id="9" fill="hold">
+                    <p:cTn id="7" fill="hold">
                       <p:stCondLst>
                         <p:cond delay="indefinite"/>
                       </p:stCondLst>
                       <p:childTnLst>
                         <p:par>
-                          <p:cTn id="10" fill="hold">
+                          <p:cTn id="8" fill="hold">
                             <p:stCondLst>
                               <p:cond delay="0"/>
                             </p:stCondLst>
                             <p:childTnLst>
                               <p:par>
-                                <p:cTn id="11" presetID="2" presetClass="entr" presetSubtype="4" fill="hold" nodeType="clickEffect">
+                                <p:cTn id="9" presetID="1" presetClass="entr" presetSubtype="0" fill="hold" nodeType="clickEffect">
                                   <p:stCondLst>
                                     <p:cond delay="0"/>
                                   </p:stCondLst>
                                   <p:childTnLst>
                                     <p:set>
                                       <p:cBhvr>
-                                        <p:cTn id="12" dur="1" fill="hold">
+                                        <p:cTn id="10" dur="1" fill="hold">
                                           <p:stCondLst>
                                             <p:cond delay="0"/>
                                           </p:stCondLst>
@@ -8553,60 +10431,55 @@
                                         <p:strVal val="visible"/>
                                       </p:to>
                                     </p:set>
-                                    <p:anim calcmode="lin" valueType="num">
-                                      <p:cBhvr additive="base">
-                                        <p:cTn id="13" dur="500" fill="hold"/>
+                                  </p:childTnLst>
+                                </p:cTn>
+                              </p:par>
+                            </p:childTnLst>
+                          </p:cTn>
+                        </p:par>
+                      </p:childTnLst>
+                    </p:cTn>
+                  </p:par>
+                  <p:par>
+                    <p:cTn id="11" fill="hold">
+                      <p:stCondLst>
+                        <p:cond delay="indefinite"/>
+                      </p:stCondLst>
+                      <p:childTnLst>
+                        <p:par>
+                          <p:cTn id="12" fill="hold">
+                            <p:stCondLst>
+                              <p:cond delay="0"/>
+                            </p:stCondLst>
+                            <p:childTnLst>
+                              <p:par>
+                                <p:cTn id="13" presetID="1" presetClass="entr" presetSubtype="0" fill="hold" nodeType="clickEffect">
+                                  <p:stCondLst>
+                                    <p:cond delay="0"/>
+                                  </p:stCondLst>
+                                  <p:childTnLst>
+                                    <p:set>
+                                      <p:cBhvr>
+                                        <p:cTn id="14" dur="1" fill="hold">
+                                          <p:stCondLst>
+                                            <p:cond delay="0"/>
+                                          </p:stCondLst>
+                                        </p:cTn>
                                         <p:tgtEl>
                                           <p:spTgt spid="3">
                                             <p:txEl>
-                                              <p:pRg st="1" end="1"/>
+                                              <p:pRg st="2" end="2"/>
                                             </p:txEl>
                                           </p:spTgt>
                                         </p:tgtEl>
                                         <p:attrNameLst>
-                                          <p:attrName>ppt_x</p:attrName>
+                                          <p:attrName>style.visibility</p:attrName>
                                         </p:attrNameLst>
                                       </p:cBhvr>
-                                      <p:tavLst>
-                                        <p:tav tm="0">
-                                          <p:val>
-                                            <p:strVal val="#ppt_x"/>
-                                          </p:val>
-                                        </p:tav>
-                                        <p:tav tm="100000">
-                                          <p:val>
-                                            <p:strVal val="#ppt_x"/>
-                                          </p:val>
-                                        </p:tav>
-                                      </p:tavLst>
-                                    </p:anim>
-                                    <p:anim calcmode="lin" valueType="num">
-                                      <p:cBhvr additive="base">
-                                        <p:cTn id="14" dur="500" fill="hold"/>
-                                        <p:tgtEl>
-                                          <p:spTgt spid="3">
-                                            <p:txEl>
-                                              <p:pRg st="1" end="1"/>
-                                            </p:txEl>
-                                          </p:spTgt>
-                                        </p:tgtEl>
-                                        <p:attrNameLst>
-                                          <p:attrName>ppt_y</p:attrName>
-                                        </p:attrNameLst>
-                                      </p:cBhvr>
-                                      <p:tavLst>
-                                        <p:tav tm="0">
-                                          <p:val>
-                                            <p:strVal val="1+#ppt_h/2"/>
-                                          </p:val>
-                                        </p:tav>
-                                        <p:tav tm="100000">
-                                          <p:val>
-                                            <p:strVal val="#ppt_y"/>
-                                          </p:val>
-                                        </p:tav>
-                                      </p:tavLst>
-                                    </p:anim>
+                                      <p:to>
+                                        <p:strVal val="visible"/>
+                                      </p:to>
+                                    </p:set>
                                   </p:childTnLst>
                                 </p:cTn>
                               </p:par>
@@ -8629,7 +10502,7 @@
                             </p:stCondLst>
                             <p:childTnLst>
                               <p:par>
-                                <p:cTn id="17" presetID="2" presetClass="entr" presetSubtype="4" fill="hold" nodeType="clickEffect">
+                                <p:cTn id="17" presetID="1" presetClass="entr" presetSubtype="0" fill="hold" nodeType="clickEffect">
                                   <p:stCondLst>
                                     <p:cond delay="0"/>
                                   </p:stCondLst>
@@ -8637,109 +10510,6 @@
                                     <p:set>
                                       <p:cBhvr>
                                         <p:cTn id="18" dur="1" fill="hold">
-                                          <p:stCondLst>
-                                            <p:cond delay="0"/>
-                                          </p:stCondLst>
-                                        </p:cTn>
-                                        <p:tgtEl>
-                                          <p:spTgt spid="3">
-                                            <p:txEl>
-                                              <p:pRg st="2" end="2"/>
-                                            </p:txEl>
-                                          </p:spTgt>
-                                        </p:tgtEl>
-                                        <p:attrNameLst>
-                                          <p:attrName>style.visibility</p:attrName>
-                                        </p:attrNameLst>
-                                      </p:cBhvr>
-                                      <p:to>
-                                        <p:strVal val="visible"/>
-                                      </p:to>
-                                    </p:set>
-                                    <p:anim calcmode="lin" valueType="num">
-                                      <p:cBhvr additive="base">
-                                        <p:cTn id="19" dur="500" fill="hold"/>
-                                        <p:tgtEl>
-                                          <p:spTgt spid="3">
-                                            <p:txEl>
-                                              <p:pRg st="2" end="2"/>
-                                            </p:txEl>
-                                          </p:spTgt>
-                                        </p:tgtEl>
-                                        <p:attrNameLst>
-                                          <p:attrName>ppt_x</p:attrName>
-                                        </p:attrNameLst>
-                                      </p:cBhvr>
-                                      <p:tavLst>
-                                        <p:tav tm="0">
-                                          <p:val>
-                                            <p:strVal val="#ppt_x"/>
-                                          </p:val>
-                                        </p:tav>
-                                        <p:tav tm="100000">
-                                          <p:val>
-                                            <p:strVal val="#ppt_x"/>
-                                          </p:val>
-                                        </p:tav>
-                                      </p:tavLst>
-                                    </p:anim>
-                                    <p:anim calcmode="lin" valueType="num">
-                                      <p:cBhvr additive="base">
-                                        <p:cTn id="20" dur="500" fill="hold"/>
-                                        <p:tgtEl>
-                                          <p:spTgt spid="3">
-                                            <p:txEl>
-                                              <p:pRg st="2" end="2"/>
-                                            </p:txEl>
-                                          </p:spTgt>
-                                        </p:tgtEl>
-                                        <p:attrNameLst>
-                                          <p:attrName>ppt_y</p:attrName>
-                                        </p:attrNameLst>
-                                      </p:cBhvr>
-                                      <p:tavLst>
-                                        <p:tav tm="0">
-                                          <p:val>
-                                            <p:strVal val="1+#ppt_h/2"/>
-                                          </p:val>
-                                        </p:tav>
-                                        <p:tav tm="100000">
-                                          <p:val>
-                                            <p:strVal val="#ppt_y"/>
-                                          </p:val>
-                                        </p:tav>
-                                      </p:tavLst>
-                                    </p:anim>
-                                  </p:childTnLst>
-                                </p:cTn>
-                              </p:par>
-                            </p:childTnLst>
-                          </p:cTn>
-                        </p:par>
-                      </p:childTnLst>
-                    </p:cTn>
-                  </p:par>
-                  <p:par>
-                    <p:cTn id="21" fill="hold">
-                      <p:stCondLst>
-                        <p:cond delay="indefinite"/>
-                      </p:stCondLst>
-                      <p:childTnLst>
-                        <p:par>
-                          <p:cTn id="22" fill="hold">
-                            <p:stCondLst>
-                              <p:cond delay="0"/>
-                            </p:stCondLst>
-                            <p:childTnLst>
-                              <p:par>
-                                <p:cTn id="23" presetID="2" presetClass="entr" presetSubtype="4" fill="hold" nodeType="clickEffect">
-                                  <p:stCondLst>
-                                    <p:cond delay="0"/>
-                                  </p:stCondLst>
-                                  <p:childTnLst>
-                                    <p:set>
-                                      <p:cBhvr>
-                                        <p:cTn id="24" dur="1" fill="hold">
                                           <p:stCondLst>
                                             <p:cond delay="0"/>
                                           </p:stCondLst>
@@ -8759,60 +10529,104 @@
                                         <p:strVal val="visible"/>
                                       </p:to>
                                     </p:set>
-                                    <p:anim calcmode="lin" valueType="num">
-                                      <p:cBhvr additive="base">
-                                        <p:cTn id="25" dur="500" fill="hold"/>
+                                  </p:childTnLst>
+                                </p:cTn>
+                              </p:par>
+                            </p:childTnLst>
+                          </p:cTn>
+                        </p:par>
+                      </p:childTnLst>
+                    </p:cTn>
+                  </p:par>
+                  <p:par>
+                    <p:cTn id="19" fill="hold">
+                      <p:stCondLst>
+                        <p:cond delay="indefinite"/>
+                      </p:stCondLst>
+                      <p:childTnLst>
+                        <p:par>
+                          <p:cTn id="20" fill="hold">
+                            <p:stCondLst>
+                              <p:cond delay="0"/>
+                            </p:stCondLst>
+                            <p:childTnLst>
+                              <p:par>
+                                <p:cTn id="21" presetID="1" presetClass="entr" presetSubtype="0" fill="hold" nodeType="clickEffect">
+                                  <p:stCondLst>
+                                    <p:cond delay="0"/>
+                                  </p:stCondLst>
+                                  <p:childTnLst>
+                                    <p:set>
+                                      <p:cBhvr>
+                                        <p:cTn id="22" dur="1" fill="hold">
+                                          <p:stCondLst>
+                                            <p:cond delay="0"/>
+                                          </p:stCondLst>
+                                        </p:cTn>
                                         <p:tgtEl>
                                           <p:spTgt spid="3">
                                             <p:txEl>
-                                              <p:pRg st="3" end="3"/>
+                                              <p:pRg st="4" end="4"/>
                                             </p:txEl>
                                           </p:spTgt>
                                         </p:tgtEl>
                                         <p:attrNameLst>
-                                          <p:attrName>ppt_x</p:attrName>
+                                          <p:attrName>style.visibility</p:attrName>
                                         </p:attrNameLst>
                                       </p:cBhvr>
-                                      <p:tavLst>
-                                        <p:tav tm="0">
-                                          <p:val>
-                                            <p:strVal val="#ppt_x"/>
-                                          </p:val>
-                                        </p:tav>
-                                        <p:tav tm="100000">
-                                          <p:val>
-                                            <p:strVal val="#ppt_x"/>
-                                          </p:val>
-                                        </p:tav>
-                                      </p:tavLst>
-                                    </p:anim>
-                                    <p:anim calcmode="lin" valueType="num">
-                                      <p:cBhvr additive="base">
-                                        <p:cTn id="26" dur="500" fill="hold"/>
+                                      <p:to>
+                                        <p:strVal val="visible"/>
+                                      </p:to>
+                                    </p:set>
+                                  </p:childTnLst>
+                                </p:cTn>
+                              </p:par>
+                            </p:childTnLst>
+                          </p:cTn>
+                        </p:par>
+                      </p:childTnLst>
+                    </p:cTn>
+                  </p:par>
+                  <p:par>
+                    <p:cTn id="23" fill="hold">
+                      <p:stCondLst>
+                        <p:cond delay="indefinite"/>
+                      </p:stCondLst>
+                      <p:childTnLst>
+                        <p:par>
+                          <p:cTn id="24" fill="hold">
+                            <p:stCondLst>
+                              <p:cond delay="0"/>
+                            </p:stCondLst>
+                            <p:childTnLst>
+                              <p:par>
+                                <p:cTn id="25" presetID="1" presetClass="entr" presetSubtype="0" fill="hold" nodeType="clickEffect">
+                                  <p:stCondLst>
+                                    <p:cond delay="0"/>
+                                  </p:stCondLst>
+                                  <p:childTnLst>
+                                    <p:set>
+                                      <p:cBhvr>
+                                        <p:cTn id="26" dur="1" fill="hold">
+                                          <p:stCondLst>
+                                            <p:cond delay="0"/>
+                                          </p:stCondLst>
+                                        </p:cTn>
                                         <p:tgtEl>
                                           <p:spTgt spid="3">
                                             <p:txEl>
-                                              <p:pRg st="3" end="3"/>
+                                              <p:pRg st="5" end="5"/>
                                             </p:txEl>
                                           </p:spTgt>
                                         </p:tgtEl>
                                         <p:attrNameLst>
-                                          <p:attrName>ppt_y</p:attrName>
+                                          <p:attrName>style.visibility</p:attrName>
                                         </p:attrNameLst>
                                       </p:cBhvr>
-                                      <p:tavLst>
-                                        <p:tav tm="0">
-                                          <p:val>
-                                            <p:strVal val="1+#ppt_h/2"/>
-                                          </p:val>
-                                        </p:tav>
-                                        <p:tav tm="100000">
-                                          <p:val>
-                                            <p:strVal val="#ppt_y"/>
-                                          </p:val>
-                                        </p:tav>
-                                      </p:tavLst>
-                                    </p:anim>
+                                      <p:to>
+                                        <p:strVal val="visible"/>
+                                      </p:to>
+                                    </p:set>
                                   </p:childTnLst>
                                 </p:cTn>
                               </p:par>
@@ -8835,7 +10649,7 @@
                             </p:stCondLst>
                             <p:childTnLst>
                               <p:par>
-                                <p:cTn id="29" presetID="2" presetClass="entr" presetSubtype="4" fill="hold" nodeType="clickEffect">
+                                <p:cTn id="29" presetID="1" presetClass="entr" presetSubtype="0" fill="hold" nodeType="clickEffect">
                                   <p:stCondLst>
                                     <p:cond delay="0"/>
                                   </p:stCondLst>
@@ -8850,7 +10664,7 @@
                                         <p:tgtEl>
                                           <p:spTgt spid="3">
                                             <p:txEl>
-                                              <p:pRg st="4" end="4"/>
+                                              <p:pRg st="6" end="6"/>
                                             </p:txEl>
                                           </p:spTgt>
                                         </p:tgtEl>
@@ -8862,60 +10676,6 @@
                                         <p:strVal val="visible"/>
                                       </p:to>
                                     </p:set>
-                                    <p:anim calcmode="lin" valueType="num">
-                                      <p:cBhvr additive="base">
-                                        <p:cTn id="31" dur="500" fill="hold"/>
-                                        <p:tgtEl>
-                                          <p:spTgt spid="3">
-                                            <p:txEl>
-                                              <p:pRg st="4" end="4"/>
-                                            </p:txEl>
-                                          </p:spTgt>
-                                        </p:tgtEl>
-                                        <p:attrNameLst>
-                                          <p:attrName>ppt_x</p:attrName>
-                                        </p:attrNameLst>
-                                      </p:cBhvr>
-                                      <p:tavLst>
-                                        <p:tav tm="0">
-                                          <p:val>
-                                            <p:strVal val="#ppt_x"/>
-                                          </p:val>
-                                        </p:tav>
-                                        <p:tav tm="100000">
-                                          <p:val>
-                                            <p:strVal val="#ppt_x"/>
-                                          </p:val>
-                                        </p:tav>
-                                      </p:tavLst>
-                                    </p:anim>
-                                    <p:anim calcmode="lin" valueType="num">
-                                      <p:cBhvr additive="base">
-                                        <p:cTn id="32" dur="500" fill="hold"/>
-                                        <p:tgtEl>
-                                          <p:spTgt spid="3">
-                                            <p:txEl>
-                                              <p:pRg st="4" end="4"/>
-                                            </p:txEl>
-                                          </p:spTgt>
-                                        </p:tgtEl>
-                                        <p:attrNameLst>
-                                          <p:attrName>ppt_y</p:attrName>
-                                        </p:attrNameLst>
-                                      </p:cBhvr>
-                                      <p:tavLst>
-                                        <p:tav tm="0">
-                                          <p:val>
-                                            <p:strVal val="1+#ppt_h/2"/>
-                                          </p:val>
-                                        </p:tav>
-                                        <p:tav tm="100000">
-                                          <p:val>
-                                            <p:strVal val="#ppt_y"/>
-                                          </p:val>
-                                        </p:tav>
-                                      </p:tavLst>
-                                    </p:anim>
                                   </p:childTnLst>
                                 </p:cTn>
                               </p:par>
@@ -8926,26 +10686,26 @@
                     </p:cTn>
                   </p:par>
                   <p:par>
-                    <p:cTn id="33" fill="hold">
+                    <p:cTn id="31" fill="hold">
                       <p:stCondLst>
                         <p:cond delay="indefinite"/>
                       </p:stCondLst>
                       <p:childTnLst>
                         <p:par>
-                          <p:cTn id="34" fill="hold">
+                          <p:cTn id="32" fill="hold">
                             <p:stCondLst>
                               <p:cond delay="0"/>
                             </p:stCondLst>
                             <p:childTnLst>
                               <p:par>
-                                <p:cTn id="35" presetID="2" presetClass="entr" presetSubtype="4" fill="hold" nodeType="clickEffect">
+                                <p:cTn id="33" presetID="1" presetClass="entr" presetSubtype="0" fill="hold" nodeType="clickEffect">
                                   <p:stCondLst>
                                     <p:cond delay="0"/>
                                   </p:stCondLst>
                                   <p:childTnLst>
                                     <p:set>
                                       <p:cBhvr>
-                                        <p:cTn id="36" dur="1" fill="hold">
+                                        <p:cTn id="34" dur="1" fill="hold">
                                           <p:stCondLst>
                                             <p:cond delay="0"/>
                                           </p:stCondLst>
@@ -8953,7 +10713,7 @@
                                         <p:tgtEl>
                                           <p:spTgt spid="3">
                                             <p:txEl>
-                                              <p:pRg st="5" end="5"/>
+                                              <p:pRg st="7" end="7"/>
                                             </p:txEl>
                                           </p:spTgt>
                                         </p:tgtEl>
@@ -8965,60 +10725,55 @@
                                         <p:strVal val="visible"/>
                                       </p:to>
                                     </p:set>
-                                    <p:anim calcmode="lin" valueType="num">
-                                      <p:cBhvr additive="base">
-                                        <p:cTn id="37" dur="500" fill="hold"/>
+                                  </p:childTnLst>
+                                </p:cTn>
+                              </p:par>
+                            </p:childTnLst>
+                          </p:cTn>
+                        </p:par>
+                      </p:childTnLst>
+                    </p:cTn>
+                  </p:par>
+                  <p:par>
+                    <p:cTn id="35" fill="hold">
+                      <p:stCondLst>
+                        <p:cond delay="indefinite"/>
+                      </p:stCondLst>
+                      <p:childTnLst>
+                        <p:par>
+                          <p:cTn id="36" fill="hold">
+                            <p:stCondLst>
+                              <p:cond delay="0"/>
+                            </p:stCondLst>
+                            <p:childTnLst>
+                              <p:par>
+                                <p:cTn id="37" presetID="1" presetClass="entr" presetSubtype="0" fill="hold" nodeType="clickEffect">
+                                  <p:stCondLst>
+                                    <p:cond delay="0"/>
+                                  </p:stCondLst>
+                                  <p:childTnLst>
+                                    <p:set>
+                                      <p:cBhvr>
+                                        <p:cTn id="38" dur="1" fill="hold">
+                                          <p:stCondLst>
+                                            <p:cond delay="0"/>
+                                          </p:stCondLst>
+                                        </p:cTn>
                                         <p:tgtEl>
                                           <p:spTgt spid="3">
                                             <p:txEl>
-                                              <p:pRg st="5" end="5"/>
+                                              <p:pRg st="8" end="8"/>
                                             </p:txEl>
                                           </p:spTgt>
                                         </p:tgtEl>
                                         <p:attrNameLst>
-                                          <p:attrName>ppt_x</p:attrName>
+                                          <p:attrName>style.visibility</p:attrName>
                                         </p:attrNameLst>
                                       </p:cBhvr>
-                                      <p:tavLst>
-                                        <p:tav tm="0">
-                                          <p:val>
-                                            <p:strVal val="#ppt_x"/>
-                                          </p:val>
-                                        </p:tav>
-                                        <p:tav tm="100000">
-                                          <p:val>
-                                            <p:strVal val="#ppt_x"/>
-                                          </p:val>
-                                        </p:tav>
-                                      </p:tavLst>
-                                    </p:anim>
-                                    <p:anim calcmode="lin" valueType="num">
-                                      <p:cBhvr additive="base">
-                                        <p:cTn id="38" dur="500" fill="hold"/>
-                                        <p:tgtEl>
-                                          <p:spTgt spid="3">
-                                            <p:txEl>
-                                              <p:pRg st="5" end="5"/>
-                                            </p:txEl>
-                                          </p:spTgt>
-                                        </p:tgtEl>
-                                        <p:attrNameLst>
-                                          <p:attrName>ppt_y</p:attrName>
-                                        </p:attrNameLst>
-                                      </p:cBhvr>
-                                      <p:tavLst>
-                                        <p:tav tm="0">
-                                          <p:val>
-                                            <p:strVal val="1+#ppt_h/2"/>
-                                          </p:val>
-                                        </p:tav>
-                                        <p:tav tm="100000">
-                                          <p:val>
-                                            <p:strVal val="#ppt_y"/>
-                                          </p:val>
-                                        </p:tav>
-                                      </p:tavLst>
-                                    </p:anim>
+                                      <p:to>
+                                        <p:strVal val="visible"/>
+                                      </p:to>
+                                    </p:set>
                                   </p:childTnLst>
                                 </p:cTn>
                               </p:par>
@@ -9041,7 +10796,7 @@
                             </p:stCondLst>
                             <p:childTnLst>
                               <p:par>
-                                <p:cTn id="41" presetID="2" presetClass="entr" presetSubtype="4" fill="hold" nodeType="clickEffect">
+                                <p:cTn id="41" presetID="1" presetClass="entr" presetSubtype="0" fill="hold" nodeType="clickEffect">
                                   <p:stCondLst>
                                     <p:cond delay="0"/>
                                   </p:stCondLst>
@@ -9049,315 +10804,6 @@
                                     <p:set>
                                       <p:cBhvr>
                                         <p:cTn id="42" dur="1" fill="hold">
-                                          <p:stCondLst>
-                                            <p:cond delay="0"/>
-                                          </p:stCondLst>
-                                        </p:cTn>
-                                        <p:tgtEl>
-                                          <p:spTgt spid="3">
-                                            <p:txEl>
-                                              <p:pRg st="6" end="6"/>
-                                            </p:txEl>
-                                          </p:spTgt>
-                                        </p:tgtEl>
-                                        <p:attrNameLst>
-                                          <p:attrName>style.visibility</p:attrName>
-                                        </p:attrNameLst>
-                                      </p:cBhvr>
-                                      <p:to>
-                                        <p:strVal val="visible"/>
-                                      </p:to>
-                                    </p:set>
-                                    <p:anim calcmode="lin" valueType="num">
-                                      <p:cBhvr additive="base">
-                                        <p:cTn id="43" dur="500" fill="hold"/>
-                                        <p:tgtEl>
-                                          <p:spTgt spid="3">
-                                            <p:txEl>
-                                              <p:pRg st="6" end="6"/>
-                                            </p:txEl>
-                                          </p:spTgt>
-                                        </p:tgtEl>
-                                        <p:attrNameLst>
-                                          <p:attrName>ppt_x</p:attrName>
-                                        </p:attrNameLst>
-                                      </p:cBhvr>
-                                      <p:tavLst>
-                                        <p:tav tm="0">
-                                          <p:val>
-                                            <p:strVal val="#ppt_x"/>
-                                          </p:val>
-                                        </p:tav>
-                                        <p:tav tm="100000">
-                                          <p:val>
-                                            <p:strVal val="#ppt_x"/>
-                                          </p:val>
-                                        </p:tav>
-                                      </p:tavLst>
-                                    </p:anim>
-                                    <p:anim calcmode="lin" valueType="num">
-                                      <p:cBhvr additive="base">
-                                        <p:cTn id="44" dur="500" fill="hold"/>
-                                        <p:tgtEl>
-                                          <p:spTgt spid="3">
-                                            <p:txEl>
-                                              <p:pRg st="6" end="6"/>
-                                            </p:txEl>
-                                          </p:spTgt>
-                                        </p:tgtEl>
-                                        <p:attrNameLst>
-                                          <p:attrName>ppt_y</p:attrName>
-                                        </p:attrNameLst>
-                                      </p:cBhvr>
-                                      <p:tavLst>
-                                        <p:tav tm="0">
-                                          <p:val>
-                                            <p:strVal val="1+#ppt_h/2"/>
-                                          </p:val>
-                                        </p:tav>
-                                        <p:tav tm="100000">
-                                          <p:val>
-                                            <p:strVal val="#ppt_y"/>
-                                          </p:val>
-                                        </p:tav>
-                                      </p:tavLst>
-                                    </p:anim>
-                                  </p:childTnLst>
-                                </p:cTn>
-                              </p:par>
-                            </p:childTnLst>
-                          </p:cTn>
-                        </p:par>
-                      </p:childTnLst>
-                    </p:cTn>
-                  </p:par>
-                  <p:par>
-                    <p:cTn id="45" fill="hold">
-                      <p:stCondLst>
-                        <p:cond delay="indefinite"/>
-                      </p:stCondLst>
-                      <p:childTnLst>
-                        <p:par>
-                          <p:cTn id="46" fill="hold">
-                            <p:stCondLst>
-                              <p:cond delay="0"/>
-                            </p:stCondLst>
-                            <p:childTnLst>
-                              <p:par>
-                                <p:cTn id="47" presetID="2" presetClass="entr" presetSubtype="4" fill="hold" nodeType="clickEffect">
-                                  <p:stCondLst>
-                                    <p:cond delay="0"/>
-                                  </p:stCondLst>
-                                  <p:childTnLst>
-                                    <p:set>
-                                      <p:cBhvr>
-                                        <p:cTn id="48" dur="1" fill="hold">
-                                          <p:stCondLst>
-                                            <p:cond delay="0"/>
-                                          </p:stCondLst>
-                                        </p:cTn>
-                                        <p:tgtEl>
-                                          <p:spTgt spid="3">
-                                            <p:txEl>
-                                              <p:pRg st="7" end="7"/>
-                                            </p:txEl>
-                                          </p:spTgt>
-                                        </p:tgtEl>
-                                        <p:attrNameLst>
-                                          <p:attrName>style.visibility</p:attrName>
-                                        </p:attrNameLst>
-                                      </p:cBhvr>
-                                      <p:to>
-                                        <p:strVal val="visible"/>
-                                      </p:to>
-                                    </p:set>
-                                    <p:anim calcmode="lin" valueType="num">
-                                      <p:cBhvr additive="base">
-                                        <p:cTn id="49" dur="500" fill="hold"/>
-                                        <p:tgtEl>
-                                          <p:spTgt spid="3">
-                                            <p:txEl>
-                                              <p:pRg st="7" end="7"/>
-                                            </p:txEl>
-                                          </p:spTgt>
-                                        </p:tgtEl>
-                                        <p:attrNameLst>
-                                          <p:attrName>ppt_x</p:attrName>
-                                        </p:attrNameLst>
-                                      </p:cBhvr>
-                                      <p:tavLst>
-                                        <p:tav tm="0">
-                                          <p:val>
-                                            <p:strVal val="#ppt_x"/>
-                                          </p:val>
-                                        </p:tav>
-                                        <p:tav tm="100000">
-                                          <p:val>
-                                            <p:strVal val="#ppt_x"/>
-                                          </p:val>
-                                        </p:tav>
-                                      </p:tavLst>
-                                    </p:anim>
-                                    <p:anim calcmode="lin" valueType="num">
-                                      <p:cBhvr additive="base">
-                                        <p:cTn id="50" dur="500" fill="hold"/>
-                                        <p:tgtEl>
-                                          <p:spTgt spid="3">
-                                            <p:txEl>
-                                              <p:pRg st="7" end="7"/>
-                                            </p:txEl>
-                                          </p:spTgt>
-                                        </p:tgtEl>
-                                        <p:attrNameLst>
-                                          <p:attrName>ppt_y</p:attrName>
-                                        </p:attrNameLst>
-                                      </p:cBhvr>
-                                      <p:tavLst>
-                                        <p:tav tm="0">
-                                          <p:val>
-                                            <p:strVal val="1+#ppt_h/2"/>
-                                          </p:val>
-                                        </p:tav>
-                                        <p:tav tm="100000">
-                                          <p:val>
-                                            <p:strVal val="#ppt_y"/>
-                                          </p:val>
-                                        </p:tav>
-                                      </p:tavLst>
-                                    </p:anim>
-                                  </p:childTnLst>
-                                </p:cTn>
-                              </p:par>
-                            </p:childTnLst>
-                          </p:cTn>
-                        </p:par>
-                      </p:childTnLst>
-                    </p:cTn>
-                  </p:par>
-                  <p:par>
-                    <p:cTn id="51" fill="hold">
-                      <p:stCondLst>
-                        <p:cond delay="indefinite"/>
-                      </p:stCondLst>
-                      <p:childTnLst>
-                        <p:par>
-                          <p:cTn id="52" fill="hold">
-                            <p:stCondLst>
-                              <p:cond delay="0"/>
-                            </p:stCondLst>
-                            <p:childTnLst>
-                              <p:par>
-                                <p:cTn id="53" presetID="2" presetClass="entr" presetSubtype="4" fill="hold" nodeType="clickEffect">
-                                  <p:stCondLst>
-                                    <p:cond delay="0"/>
-                                  </p:stCondLst>
-                                  <p:childTnLst>
-                                    <p:set>
-                                      <p:cBhvr>
-                                        <p:cTn id="54" dur="1" fill="hold">
-                                          <p:stCondLst>
-                                            <p:cond delay="0"/>
-                                          </p:stCondLst>
-                                        </p:cTn>
-                                        <p:tgtEl>
-                                          <p:spTgt spid="3">
-                                            <p:txEl>
-                                              <p:pRg st="8" end="8"/>
-                                            </p:txEl>
-                                          </p:spTgt>
-                                        </p:tgtEl>
-                                        <p:attrNameLst>
-                                          <p:attrName>style.visibility</p:attrName>
-                                        </p:attrNameLst>
-                                      </p:cBhvr>
-                                      <p:to>
-                                        <p:strVal val="visible"/>
-                                      </p:to>
-                                    </p:set>
-                                    <p:anim calcmode="lin" valueType="num">
-                                      <p:cBhvr additive="base">
-                                        <p:cTn id="55" dur="500" fill="hold"/>
-                                        <p:tgtEl>
-                                          <p:spTgt spid="3">
-                                            <p:txEl>
-                                              <p:pRg st="8" end="8"/>
-                                            </p:txEl>
-                                          </p:spTgt>
-                                        </p:tgtEl>
-                                        <p:attrNameLst>
-                                          <p:attrName>ppt_x</p:attrName>
-                                        </p:attrNameLst>
-                                      </p:cBhvr>
-                                      <p:tavLst>
-                                        <p:tav tm="0">
-                                          <p:val>
-                                            <p:strVal val="#ppt_x"/>
-                                          </p:val>
-                                        </p:tav>
-                                        <p:tav tm="100000">
-                                          <p:val>
-                                            <p:strVal val="#ppt_x"/>
-                                          </p:val>
-                                        </p:tav>
-                                      </p:tavLst>
-                                    </p:anim>
-                                    <p:anim calcmode="lin" valueType="num">
-                                      <p:cBhvr additive="base">
-                                        <p:cTn id="56" dur="500" fill="hold"/>
-                                        <p:tgtEl>
-                                          <p:spTgt spid="3">
-                                            <p:txEl>
-                                              <p:pRg st="8" end="8"/>
-                                            </p:txEl>
-                                          </p:spTgt>
-                                        </p:tgtEl>
-                                        <p:attrNameLst>
-                                          <p:attrName>ppt_y</p:attrName>
-                                        </p:attrNameLst>
-                                      </p:cBhvr>
-                                      <p:tavLst>
-                                        <p:tav tm="0">
-                                          <p:val>
-                                            <p:strVal val="1+#ppt_h/2"/>
-                                          </p:val>
-                                        </p:tav>
-                                        <p:tav tm="100000">
-                                          <p:val>
-                                            <p:strVal val="#ppt_y"/>
-                                          </p:val>
-                                        </p:tav>
-                                      </p:tavLst>
-                                    </p:anim>
-                                  </p:childTnLst>
-                                </p:cTn>
-                              </p:par>
-                            </p:childTnLst>
-                          </p:cTn>
-                        </p:par>
-                      </p:childTnLst>
-                    </p:cTn>
-                  </p:par>
-                  <p:par>
-                    <p:cTn id="57" fill="hold">
-                      <p:stCondLst>
-                        <p:cond delay="indefinite"/>
-                      </p:stCondLst>
-                      <p:childTnLst>
-                        <p:par>
-                          <p:cTn id="58" fill="hold">
-                            <p:stCondLst>
-                              <p:cond delay="0"/>
-                            </p:stCondLst>
-                            <p:childTnLst>
-                              <p:par>
-                                <p:cTn id="59" presetID="2" presetClass="entr" presetSubtype="4" fill="hold" nodeType="clickEffect">
-                                  <p:stCondLst>
-                                    <p:cond delay="0"/>
-                                  </p:stCondLst>
-                                  <p:childTnLst>
-                                    <p:set>
-                                      <p:cBhvr>
-                                        <p:cTn id="60" dur="1" fill="hold">
                                           <p:stCondLst>
                                             <p:cond delay="0"/>
                                           </p:stCondLst>
@@ -9377,60 +10823,6 @@
                                         <p:strVal val="visible"/>
                                       </p:to>
                                     </p:set>
-                                    <p:anim calcmode="lin" valueType="num">
-                                      <p:cBhvr additive="base">
-                                        <p:cTn id="61" dur="500" fill="hold"/>
-                                        <p:tgtEl>
-                                          <p:spTgt spid="3">
-                                            <p:txEl>
-                                              <p:pRg st="9" end="9"/>
-                                            </p:txEl>
-                                          </p:spTgt>
-                                        </p:tgtEl>
-                                        <p:attrNameLst>
-                                          <p:attrName>ppt_x</p:attrName>
-                                        </p:attrNameLst>
-                                      </p:cBhvr>
-                                      <p:tavLst>
-                                        <p:tav tm="0">
-                                          <p:val>
-                                            <p:strVal val="#ppt_x"/>
-                                          </p:val>
-                                        </p:tav>
-                                        <p:tav tm="100000">
-                                          <p:val>
-                                            <p:strVal val="#ppt_x"/>
-                                          </p:val>
-                                        </p:tav>
-                                      </p:tavLst>
-                                    </p:anim>
-                                    <p:anim calcmode="lin" valueType="num">
-                                      <p:cBhvr additive="base">
-                                        <p:cTn id="62" dur="500" fill="hold"/>
-                                        <p:tgtEl>
-                                          <p:spTgt spid="3">
-                                            <p:txEl>
-                                              <p:pRg st="9" end="9"/>
-                                            </p:txEl>
-                                          </p:spTgt>
-                                        </p:tgtEl>
-                                        <p:attrNameLst>
-                                          <p:attrName>ppt_y</p:attrName>
-                                        </p:attrNameLst>
-                                      </p:cBhvr>
-                                      <p:tavLst>
-                                        <p:tav tm="0">
-                                          <p:val>
-                                            <p:strVal val="1+#ppt_h/2"/>
-                                          </p:val>
-                                        </p:tav>
-                                        <p:tav tm="100000">
-                                          <p:val>
-                                            <p:strVal val="#ppt_y"/>
-                                          </p:val>
-                                        </p:tav>
-                                      </p:tavLst>
-                                    </p:anim>
                                   </p:childTnLst>
                                 </p:cTn>
                               </p:par>
@@ -9441,26 +10833,26 @@
                     </p:cTn>
                   </p:par>
                   <p:par>
-                    <p:cTn id="63" fill="hold">
+                    <p:cTn id="43" fill="hold">
                       <p:stCondLst>
                         <p:cond delay="indefinite"/>
                       </p:stCondLst>
                       <p:childTnLst>
                         <p:par>
-                          <p:cTn id="64" fill="hold">
+                          <p:cTn id="44" fill="hold">
                             <p:stCondLst>
                               <p:cond delay="0"/>
                             </p:stCondLst>
                             <p:childTnLst>
                               <p:par>
-                                <p:cTn id="65" presetID="2" presetClass="entr" presetSubtype="4" fill="hold" nodeType="clickEffect">
+                                <p:cTn id="45" presetID="1" presetClass="entr" presetSubtype="0" fill="hold" nodeType="clickEffect">
                                   <p:stCondLst>
                                     <p:cond delay="0"/>
                                   </p:stCondLst>
                                   <p:childTnLst>
                                     <p:set>
                                       <p:cBhvr>
-                                        <p:cTn id="66" dur="1" fill="hold">
+                                        <p:cTn id="46" dur="1" fill="hold">
                                           <p:stCondLst>
                                             <p:cond delay="0"/>
                                           </p:stCondLst>
@@ -9480,163 +10872,6 @@
                                         <p:strVal val="visible"/>
                                       </p:to>
                                     </p:set>
-                                    <p:anim calcmode="lin" valueType="num">
-                                      <p:cBhvr additive="base">
-                                        <p:cTn id="67" dur="500" fill="hold"/>
-                                        <p:tgtEl>
-                                          <p:spTgt spid="3">
-                                            <p:txEl>
-                                              <p:pRg st="10" end="10"/>
-                                            </p:txEl>
-                                          </p:spTgt>
-                                        </p:tgtEl>
-                                        <p:attrNameLst>
-                                          <p:attrName>ppt_x</p:attrName>
-                                        </p:attrNameLst>
-                                      </p:cBhvr>
-                                      <p:tavLst>
-                                        <p:tav tm="0">
-                                          <p:val>
-                                            <p:strVal val="#ppt_x"/>
-                                          </p:val>
-                                        </p:tav>
-                                        <p:tav tm="100000">
-                                          <p:val>
-                                            <p:strVal val="#ppt_x"/>
-                                          </p:val>
-                                        </p:tav>
-                                      </p:tavLst>
-                                    </p:anim>
-                                    <p:anim calcmode="lin" valueType="num">
-                                      <p:cBhvr additive="base">
-                                        <p:cTn id="68" dur="500" fill="hold"/>
-                                        <p:tgtEl>
-                                          <p:spTgt spid="3">
-                                            <p:txEl>
-                                              <p:pRg st="10" end="10"/>
-                                            </p:txEl>
-                                          </p:spTgt>
-                                        </p:tgtEl>
-                                        <p:attrNameLst>
-                                          <p:attrName>ppt_y</p:attrName>
-                                        </p:attrNameLst>
-                                      </p:cBhvr>
-                                      <p:tavLst>
-                                        <p:tav tm="0">
-                                          <p:val>
-                                            <p:strVal val="1+#ppt_h/2"/>
-                                          </p:val>
-                                        </p:tav>
-                                        <p:tav tm="100000">
-                                          <p:val>
-                                            <p:strVal val="#ppt_y"/>
-                                          </p:val>
-                                        </p:tav>
-                                      </p:tavLst>
-                                    </p:anim>
-                                  </p:childTnLst>
-                                </p:cTn>
-                              </p:par>
-                            </p:childTnLst>
-                          </p:cTn>
-                        </p:par>
-                      </p:childTnLst>
-                    </p:cTn>
-                  </p:par>
-                  <p:par>
-                    <p:cTn id="69" fill="hold">
-                      <p:stCondLst>
-                        <p:cond delay="indefinite"/>
-                      </p:stCondLst>
-                      <p:childTnLst>
-                        <p:par>
-                          <p:cTn id="70" fill="hold">
-                            <p:stCondLst>
-                              <p:cond delay="0"/>
-                            </p:stCondLst>
-                            <p:childTnLst>
-                              <p:par>
-                                <p:cTn id="71" presetID="2" presetClass="entr" presetSubtype="4" fill="hold" nodeType="clickEffect">
-                                  <p:stCondLst>
-                                    <p:cond delay="0"/>
-                                  </p:stCondLst>
-                                  <p:childTnLst>
-                                    <p:set>
-                                      <p:cBhvr>
-                                        <p:cTn id="72" dur="1" fill="hold">
-                                          <p:stCondLst>
-                                            <p:cond delay="0"/>
-                                          </p:stCondLst>
-                                        </p:cTn>
-                                        <p:tgtEl>
-                                          <p:spTgt spid="3">
-                                            <p:txEl>
-                                              <p:pRg st="11" end="11"/>
-                                            </p:txEl>
-                                          </p:spTgt>
-                                        </p:tgtEl>
-                                        <p:attrNameLst>
-                                          <p:attrName>style.visibility</p:attrName>
-                                        </p:attrNameLst>
-                                      </p:cBhvr>
-                                      <p:to>
-                                        <p:strVal val="visible"/>
-                                      </p:to>
-                                    </p:set>
-                                    <p:anim calcmode="lin" valueType="num">
-                                      <p:cBhvr additive="base">
-                                        <p:cTn id="73" dur="500" fill="hold"/>
-                                        <p:tgtEl>
-                                          <p:spTgt spid="3">
-                                            <p:txEl>
-                                              <p:pRg st="11" end="11"/>
-                                            </p:txEl>
-                                          </p:spTgt>
-                                        </p:tgtEl>
-                                        <p:attrNameLst>
-                                          <p:attrName>ppt_x</p:attrName>
-                                        </p:attrNameLst>
-                                      </p:cBhvr>
-                                      <p:tavLst>
-                                        <p:tav tm="0">
-                                          <p:val>
-                                            <p:strVal val="#ppt_x"/>
-                                          </p:val>
-                                        </p:tav>
-                                        <p:tav tm="100000">
-                                          <p:val>
-                                            <p:strVal val="#ppt_x"/>
-                                          </p:val>
-                                        </p:tav>
-                                      </p:tavLst>
-                                    </p:anim>
-                                    <p:anim calcmode="lin" valueType="num">
-                                      <p:cBhvr additive="base">
-                                        <p:cTn id="74" dur="500" fill="hold"/>
-                                        <p:tgtEl>
-                                          <p:spTgt spid="3">
-                                            <p:txEl>
-                                              <p:pRg st="11" end="11"/>
-                                            </p:txEl>
-                                          </p:spTgt>
-                                        </p:tgtEl>
-                                        <p:attrNameLst>
-                                          <p:attrName>ppt_y</p:attrName>
-                                        </p:attrNameLst>
-                                      </p:cBhvr>
-                                      <p:tavLst>
-                                        <p:tav tm="0">
-                                          <p:val>
-                                            <p:strVal val="1+#ppt_h/2"/>
-                                          </p:val>
-                                        </p:tav>
-                                        <p:tav tm="100000">
-                                          <p:val>
-                                            <p:strVal val="#ppt_y"/>
-                                          </p:val>
-                                        </p:tav>
-                                      </p:tavLst>
-                                    </p:anim>
                                   </p:childTnLst>
                                 </p:cTn>
                               </p:par>
@@ -9893,9 +11128,227 @@
   <p:timing>
     <p:tnLst>
       <p:par>
-        <p:cTn id="1" dur="indefinite" restart="never" nodeType="tmRoot"/>
+        <p:cTn id="1" dur="indefinite" restart="never" nodeType="tmRoot">
+          <p:childTnLst>
+            <p:seq concurrent="1" nextAc="seek">
+              <p:cTn id="2" dur="indefinite" nodeType="mainSeq">
+                <p:childTnLst>
+                  <p:par>
+                    <p:cTn id="3" fill="hold">
+                      <p:stCondLst>
+                        <p:cond delay="indefinite"/>
+                      </p:stCondLst>
+                      <p:childTnLst>
+                        <p:par>
+                          <p:cTn id="4" fill="hold">
+                            <p:stCondLst>
+                              <p:cond delay="0"/>
+                            </p:stCondLst>
+                            <p:childTnLst>
+                              <p:par>
+                                <p:cTn id="5" presetID="1" presetClass="entr" presetSubtype="0" fill="hold" grpId="0" nodeType="clickEffect">
+                                  <p:stCondLst>
+                                    <p:cond delay="0"/>
+                                  </p:stCondLst>
+                                  <p:childTnLst>
+                                    <p:set>
+                                      <p:cBhvr>
+                                        <p:cTn id="6" dur="1" fill="hold">
+                                          <p:stCondLst>
+                                            <p:cond delay="0"/>
+                                          </p:stCondLst>
+                                        </p:cTn>
+                                        <p:tgtEl>
+                                          <p:spTgt spid="4">
+                                            <p:txEl>
+                                              <p:pRg st="0" end="0"/>
+                                            </p:txEl>
+                                          </p:spTgt>
+                                        </p:tgtEl>
+                                        <p:attrNameLst>
+                                          <p:attrName>style.visibility</p:attrName>
+                                        </p:attrNameLst>
+                                      </p:cBhvr>
+                                      <p:to>
+                                        <p:strVal val="visible"/>
+                                      </p:to>
+                                    </p:set>
+                                  </p:childTnLst>
+                                </p:cTn>
+                              </p:par>
+                              <p:par>
+                                <p:cTn id="7" presetID="1" presetClass="entr" presetSubtype="0" fill="hold" grpId="0" nodeType="withEffect">
+                                  <p:stCondLst>
+                                    <p:cond delay="0"/>
+                                  </p:stCondLst>
+                                  <p:childTnLst>
+                                    <p:set>
+                                      <p:cBhvr>
+                                        <p:cTn id="8" dur="1" fill="hold">
+                                          <p:stCondLst>
+                                            <p:cond delay="0"/>
+                                          </p:stCondLst>
+                                        </p:cTn>
+                                        <p:tgtEl>
+                                          <p:spTgt spid="4">
+                                            <p:txEl>
+                                              <p:pRg st="1" end="1"/>
+                                            </p:txEl>
+                                          </p:spTgt>
+                                        </p:tgtEl>
+                                        <p:attrNameLst>
+                                          <p:attrName>style.visibility</p:attrName>
+                                        </p:attrNameLst>
+                                      </p:cBhvr>
+                                      <p:to>
+                                        <p:strVal val="visible"/>
+                                      </p:to>
+                                    </p:set>
+                                  </p:childTnLst>
+                                </p:cTn>
+                              </p:par>
+                              <p:par>
+                                <p:cTn id="9" presetID="1" presetClass="entr" presetSubtype="0" fill="hold" grpId="0" nodeType="withEffect">
+                                  <p:stCondLst>
+                                    <p:cond delay="0"/>
+                                  </p:stCondLst>
+                                  <p:childTnLst>
+                                    <p:set>
+                                      <p:cBhvr>
+                                        <p:cTn id="10" dur="1" fill="hold">
+                                          <p:stCondLst>
+                                            <p:cond delay="0"/>
+                                          </p:stCondLst>
+                                        </p:cTn>
+                                        <p:tgtEl>
+                                          <p:spTgt spid="4">
+                                            <p:txEl>
+                                              <p:pRg st="2" end="2"/>
+                                            </p:txEl>
+                                          </p:spTgt>
+                                        </p:tgtEl>
+                                        <p:attrNameLst>
+                                          <p:attrName>style.visibility</p:attrName>
+                                        </p:attrNameLst>
+                                      </p:cBhvr>
+                                      <p:to>
+                                        <p:strVal val="visible"/>
+                                      </p:to>
+                                    </p:set>
+                                  </p:childTnLst>
+                                </p:cTn>
+                              </p:par>
+                              <p:par>
+                                <p:cTn id="11" presetID="1" presetClass="entr" presetSubtype="0" fill="hold" grpId="0" nodeType="withEffect">
+                                  <p:stCondLst>
+                                    <p:cond delay="0"/>
+                                  </p:stCondLst>
+                                  <p:childTnLst>
+                                    <p:set>
+                                      <p:cBhvr>
+                                        <p:cTn id="12" dur="1" fill="hold">
+                                          <p:stCondLst>
+                                            <p:cond delay="0"/>
+                                          </p:stCondLst>
+                                        </p:cTn>
+                                        <p:tgtEl>
+                                          <p:spTgt spid="4">
+                                            <p:txEl>
+                                              <p:pRg st="3" end="3"/>
+                                            </p:txEl>
+                                          </p:spTgt>
+                                        </p:tgtEl>
+                                        <p:attrNameLst>
+                                          <p:attrName>style.visibility</p:attrName>
+                                        </p:attrNameLst>
+                                      </p:cBhvr>
+                                      <p:to>
+                                        <p:strVal val="visible"/>
+                                      </p:to>
+                                    </p:set>
+                                  </p:childTnLst>
+                                </p:cTn>
+                              </p:par>
+                            </p:childTnLst>
+                          </p:cTn>
+                        </p:par>
+                      </p:childTnLst>
+                    </p:cTn>
+                  </p:par>
+                  <p:par>
+                    <p:cTn id="13" fill="hold">
+                      <p:stCondLst>
+                        <p:cond delay="indefinite"/>
+                      </p:stCondLst>
+                      <p:childTnLst>
+                        <p:par>
+                          <p:cTn id="14" fill="hold">
+                            <p:stCondLst>
+                              <p:cond delay="0"/>
+                            </p:stCondLst>
+                            <p:childTnLst>
+                              <p:par>
+                                <p:cTn id="15" presetID="1" presetClass="entr" presetSubtype="0" fill="hold" grpId="0" nodeType="clickEffect">
+                                  <p:stCondLst>
+                                    <p:cond delay="0"/>
+                                  </p:stCondLst>
+                                  <p:childTnLst>
+                                    <p:set>
+                                      <p:cBhvr>
+                                        <p:cTn id="16" dur="1" fill="hold">
+                                          <p:stCondLst>
+                                            <p:cond delay="0"/>
+                                          </p:stCondLst>
+                                        </p:cTn>
+                                        <p:tgtEl>
+                                          <p:spTgt spid="6">
+                                            <p:txEl>
+                                              <p:pRg st="0" end="0"/>
+                                            </p:txEl>
+                                          </p:spTgt>
+                                        </p:tgtEl>
+                                        <p:attrNameLst>
+                                          <p:attrName>style.visibility</p:attrName>
+                                        </p:attrNameLst>
+                                      </p:cBhvr>
+                                      <p:to>
+                                        <p:strVal val="visible"/>
+                                      </p:to>
+                                    </p:set>
+                                  </p:childTnLst>
+                                </p:cTn>
+                              </p:par>
+                            </p:childTnLst>
+                          </p:cTn>
+                        </p:par>
+                      </p:childTnLst>
+                    </p:cTn>
+                  </p:par>
+                </p:childTnLst>
+              </p:cTn>
+              <p:prevCondLst>
+                <p:cond evt="onPrev" delay="0">
+                  <p:tgtEl>
+                    <p:sldTgt/>
+                  </p:tgtEl>
+                </p:cond>
+              </p:prevCondLst>
+              <p:nextCondLst>
+                <p:cond evt="onNext" delay="0">
+                  <p:tgtEl>
+                    <p:sldTgt/>
+                  </p:tgtEl>
+                </p:cond>
+              </p:nextCondLst>
+            </p:seq>
+          </p:childTnLst>
+        </p:cTn>
       </p:par>
     </p:tnLst>
+    <p:bldLst>
+      <p:bldP spid="4" grpId="0" uiExpand="1" build="p"/>
+      <p:bldP spid="6" grpId="0" build="p"/>
+    </p:bldLst>
   </p:timing>
 </p:sld>
 </file>
@@ -10037,7 +11490,11 @@
             </a:r>
             <a:r>
               <a:rPr lang="sv-SE" dirty="0" smtClean="0"/>
-              <a:t> i </a:t>
+              <a:t> </a:t>
+            </a:r>
+            <a:r>
+              <a:rPr lang="sv-SE" dirty="0" smtClean="0"/>
+              <a:t>I </a:t>
             </a:r>
             <a:r>
               <a:rPr lang="sv-SE" dirty="0" err="1" smtClean="0"/>
@@ -10054,7 +11511,7 @@
             <a:endParaRPr lang="sv-SE" dirty="0" smtClean="0"/>
           </a:p>
           <a:p>
-            <a:pPr lvl="1"/>
+            <a:pPr lvl="2"/>
             <a:r>
               <a:rPr lang="sv-SE" dirty="0" err="1"/>
               <a:t>We</a:t>
@@ -10166,6 +11623,379 @@
       <p:transition spd="slow"/>
     </mc:Fallback>
   </mc:AlternateContent>
+  <p:timing>
+    <p:tnLst>
+      <p:par>
+        <p:cTn id="1" dur="indefinite" restart="never" nodeType="tmRoot">
+          <p:childTnLst>
+            <p:seq concurrent="1" nextAc="seek">
+              <p:cTn id="2" dur="indefinite" nodeType="mainSeq">
+                <p:childTnLst>
+                  <p:par>
+                    <p:cTn id="3" fill="hold">
+                      <p:stCondLst>
+                        <p:cond delay="indefinite"/>
+                      </p:stCondLst>
+                      <p:childTnLst>
+                        <p:par>
+                          <p:cTn id="4" fill="hold">
+                            <p:stCondLst>
+                              <p:cond delay="0"/>
+                            </p:stCondLst>
+                            <p:childTnLst>
+                              <p:par>
+                                <p:cTn id="5" presetID="1" presetClass="entr" presetSubtype="0" fill="hold" nodeType="clickEffect">
+                                  <p:stCondLst>
+                                    <p:cond delay="0"/>
+                                  </p:stCondLst>
+                                  <p:childTnLst>
+                                    <p:set>
+                                      <p:cBhvr>
+                                        <p:cTn id="6" dur="1" fill="hold">
+                                          <p:stCondLst>
+                                            <p:cond delay="0"/>
+                                          </p:stCondLst>
+                                        </p:cTn>
+                                        <p:tgtEl>
+                                          <p:spTgt spid="3">
+                                            <p:txEl>
+                                              <p:pRg st="0" end="0"/>
+                                            </p:txEl>
+                                          </p:spTgt>
+                                        </p:tgtEl>
+                                        <p:attrNameLst>
+                                          <p:attrName>style.visibility</p:attrName>
+                                        </p:attrNameLst>
+                                      </p:cBhvr>
+                                      <p:to>
+                                        <p:strVal val="visible"/>
+                                      </p:to>
+                                    </p:set>
+                                  </p:childTnLst>
+                                </p:cTn>
+                              </p:par>
+                            </p:childTnLst>
+                          </p:cTn>
+                        </p:par>
+                      </p:childTnLst>
+                    </p:cTn>
+                  </p:par>
+                  <p:par>
+                    <p:cTn id="7" fill="hold">
+                      <p:stCondLst>
+                        <p:cond delay="indefinite"/>
+                      </p:stCondLst>
+                      <p:childTnLst>
+                        <p:par>
+                          <p:cTn id="8" fill="hold">
+                            <p:stCondLst>
+                              <p:cond delay="0"/>
+                            </p:stCondLst>
+                            <p:childTnLst>
+                              <p:par>
+                                <p:cTn id="9" presetID="1" presetClass="entr" presetSubtype="0" fill="hold" nodeType="clickEffect">
+                                  <p:stCondLst>
+                                    <p:cond delay="0"/>
+                                  </p:stCondLst>
+                                  <p:childTnLst>
+                                    <p:set>
+                                      <p:cBhvr>
+                                        <p:cTn id="10" dur="1" fill="hold">
+                                          <p:stCondLst>
+                                            <p:cond delay="0"/>
+                                          </p:stCondLst>
+                                        </p:cTn>
+                                        <p:tgtEl>
+                                          <p:spTgt spid="3">
+                                            <p:txEl>
+                                              <p:pRg st="1" end="1"/>
+                                            </p:txEl>
+                                          </p:spTgt>
+                                        </p:tgtEl>
+                                        <p:attrNameLst>
+                                          <p:attrName>style.visibility</p:attrName>
+                                        </p:attrNameLst>
+                                      </p:cBhvr>
+                                      <p:to>
+                                        <p:strVal val="visible"/>
+                                      </p:to>
+                                    </p:set>
+                                  </p:childTnLst>
+                                </p:cTn>
+                              </p:par>
+                            </p:childTnLst>
+                          </p:cTn>
+                        </p:par>
+                      </p:childTnLst>
+                    </p:cTn>
+                  </p:par>
+                  <p:par>
+                    <p:cTn id="11" fill="hold">
+                      <p:stCondLst>
+                        <p:cond delay="indefinite"/>
+                      </p:stCondLst>
+                      <p:childTnLst>
+                        <p:par>
+                          <p:cTn id="12" fill="hold">
+                            <p:stCondLst>
+                              <p:cond delay="0"/>
+                            </p:stCondLst>
+                            <p:childTnLst>
+                              <p:par>
+                                <p:cTn id="13" presetID="1" presetClass="entr" presetSubtype="0" fill="hold" nodeType="clickEffect">
+                                  <p:stCondLst>
+                                    <p:cond delay="0"/>
+                                  </p:stCondLst>
+                                  <p:childTnLst>
+                                    <p:set>
+                                      <p:cBhvr>
+                                        <p:cTn id="14" dur="1" fill="hold">
+                                          <p:stCondLst>
+                                            <p:cond delay="0"/>
+                                          </p:stCondLst>
+                                        </p:cTn>
+                                        <p:tgtEl>
+                                          <p:spTgt spid="3">
+                                            <p:txEl>
+                                              <p:pRg st="2" end="2"/>
+                                            </p:txEl>
+                                          </p:spTgt>
+                                        </p:tgtEl>
+                                        <p:attrNameLst>
+                                          <p:attrName>style.visibility</p:attrName>
+                                        </p:attrNameLst>
+                                      </p:cBhvr>
+                                      <p:to>
+                                        <p:strVal val="visible"/>
+                                      </p:to>
+                                    </p:set>
+                                  </p:childTnLst>
+                                </p:cTn>
+                              </p:par>
+                            </p:childTnLst>
+                          </p:cTn>
+                        </p:par>
+                      </p:childTnLst>
+                    </p:cTn>
+                  </p:par>
+                  <p:par>
+                    <p:cTn id="15" fill="hold">
+                      <p:stCondLst>
+                        <p:cond delay="indefinite"/>
+                      </p:stCondLst>
+                      <p:childTnLst>
+                        <p:par>
+                          <p:cTn id="16" fill="hold">
+                            <p:stCondLst>
+                              <p:cond delay="0"/>
+                            </p:stCondLst>
+                            <p:childTnLst>
+                              <p:par>
+                                <p:cTn id="17" presetID="1" presetClass="entr" presetSubtype="0" fill="hold" nodeType="clickEffect">
+                                  <p:stCondLst>
+                                    <p:cond delay="0"/>
+                                  </p:stCondLst>
+                                  <p:childTnLst>
+                                    <p:set>
+                                      <p:cBhvr>
+                                        <p:cTn id="18" dur="1" fill="hold">
+                                          <p:stCondLst>
+                                            <p:cond delay="0"/>
+                                          </p:stCondLst>
+                                        </p:cTn>
+                                        <p:tgtEl>
+                                          <p:spTgt spid="3">
+                                            <p:txEl>
+                                              <p:pRg st="3" end="3"/>
+                                            </p:txEl>
+                                          </p:spTgt>
+                                        </p:tgtEl>
+                                        <p:attrNameLst>
+                                          <p:attrName>style.visibility</p:attrName>
+                                        </p:attrNameLst>
+                                      </p:cBhvr>
+                                      <p:to>
+                                        <p:strVal val="visible"/>
+                                      </p:to>
+                                    </p:set>
+                                  </p:childTnLst>
+                                </p:cTn>
+                              </p:par>
+                            </p:childTnLst>
+                          </p:cTn>
+                        </p:par>
+                      </p:childTnLst>
+                    </p:cTn>
+                  </p:par>
+                  <p:par>
+                    <p:cTn id="19" fill="hold">
+                      <p:stCondLst>
+                        <p:cond delay="indefinite"/>
+                      </p:stCondLst>
+                      <p:childTnLst>
+                        <p:par>
+                          <p:cTn id="20" fill="hold">
+                            <p:stCondLst>
+                              <p:cond delay="0"/>
+                            </p:stCondLst>
+                            <p:childTnLst>
+                              <p:par>
+                                <p:cTn id="21" presetID="1" presetClass="entr" presetSubtype="0" fill="hold" nodeType="clickEffect">
+                                  <p:stCondLst>
+                                    <p:cond delay="0"/>
+                                  </p:stCondLst>
+                                  <p:childTnLst>
+                                    <p:set>
+                                      <p:cBhvr>
+                                        <p:cTn id="22" dur="1" fill="hold">
+                                          <p:stCondLst>
+                                            <p:cond delay="0"/>
+                                          </p:stCondLst>
+                                        </p:cTn>
+                                        <p:tgtEl>
+                                          <p:spTgt spid="3">
+                                            <p:txEl>
+                                              <p:pRg st="4" end="4"/>
+                                            </p:txEl>
+                                          </p:spTgt>
+                                        </p:tgtEl>
+                                        <p:attrNameLst>
+                                          <p:attrName>style.visibility</p:attrName>
+                                        </p:attrNameLst>
+                                      </p:cBhvr>
+                                      <p:to>
+                                        <p:strVal val="visible"/>
+                                      </p:to>
+                                    </p:set>
+                                  </p:childTnLst>
+                                </p:cTn>
+                              </p:par>
+                            </p:childTnLst>
+                          </p:cTn>
+                        </p:par>
+                      </p:childTnLst>
+                    </p:cTn>
+                  </p:par>
+                  <p:par>
+                    <p:cTn id="23" fill="hold">
+                      <p:stCondLst>
+                        <p:cond delay="indefinite"/>
+                      </p:stCondLst>
+                      <p:childTnLst>
+                        <p:par>
+                          <p:cTn id="24" fill="hold">
+                            <p:stCondLst>
+                              <p:cond delay="0"/>
+                            </p:stCondLst>
+                            <p:childTnLst>
+                              <p:par>
+                                <p:cTn id="25" presetID="1" presetClass="entr" presetSubtype="0" fill="hold" nodeType="clickEffect">
+                                  <p:stCondLst>
+                                    <p:cond delay="0"/>
+                                  </p:stCondLst>
+                                  <p:childTnLst>
+                                    <p:set>
+                                      <p:cBhvr>
+                                        <p:cTn id="26" dur="1" fill="hold">
+                                          <p:stCondLst>
+                                            <p:cond delay="0"/>
+                                          </p:stCondLst>
+                                        </p:cTn>
+                                        <p:tgtEl>
+                                          <p:spTgt spid="3">
+                                            <p:txEl>
+                                              <p:pRg st="5" end="5"/>
+                                            </p:txEl>
+                                          </p:spTgt>
+                                        </p:tgtEl>
+                                        <p:attrNameLst>
+                                          <p:attrName>style.visibility</p:attrName>
+                                        </p:attrNameLst>
+                                      </p:cBhvr>
+                                      <p:to>
+                                        <p:strVal val="visible"/>
+                                      </p:to>
+                                    </p:set>
+                                  </p:childTnLst>
+                                </p:cTn>
+                              </p:par>
+                            </p:childTnLst>
+                          </p:cTn>
+                        </p:par>
+                      </p:childTnLst>
+                    </p:cTn>
+                  </p:par>
+                  <p:par>
+                    <p:cTn id="27" fill="hold">
+                      <p:stCondLst>
+                        <p:cond delay="indefinite"/>
+                      </p:stCondLst>
+                      <p:childTnLst>
+                        <p:par>
+                          <p:cTn id="28" fill="hold">
+                            <p:stCondLst>
+                              <p:cond delay="0"/>
+                            </p:stCondLst>
+                            <p:childTnLst>
+                              <p:par>
+                                <p:cTn id="29" presetID="1" presetClass="entr" presetSubtype="0" fill="hold" nodeType="clickEffect">
+                                  <p:stCondLst>
+                                    <p:cond delay="0"/>
+                                  </p:stCondLst>
+                                  <p:childTnLst>
+                                    <p:set>
+                                      <p:cBhvr>
+                                        <p:cTn id="30" dur="1" fill="hold">
+                                          <p:stCondLst>
+                                            <p:cond delay="0"/>
+                                          </p:stCondLst>
+                                        </p:cTn>
+                                        <p:tgtEl>
+                                          <p:spTgt spid="3">
+                                            <p:txEl>
+                                              <p:pRg st="6" end="6"/>
+                                            </p:txEl>
+                                          </p:spTgt>
+                                        </p:tgtEl>
+                                        <p:attrNameLst>
+                                          <p:attrName>style.visibility</p:attrName>
+                                        </p:attrNameLst>
+                                      </p:cBhvr>
+                                      <p:to>
+                                        <p:strVal val="visible"/>
+                                      </p:to>
+                                    </p:set>
+                                  </p:childTnLst>
+                                </p:cTn>
+                              </p:par>
+                            </p:childTnLst>
+                          </p:cTn>
+                        </p:par>
+                      </p:childTnLst>
+                    </p:cTn>
+                  </p:par>
+                </p:childTnLst>
+              </p:cTn>
+              <p:prevCondLst>
+                <p:cond evt="onPrev" delay="0">
+                  <p:tgtEl>
+                    <p:sldTgt/>
+                  </p:tgtEl>
+                </p:cond>
+              </p:prevCondLst>
+              <p:nextCondLst>
+                <p:cond evt="onNext" delay="0">
+                  <p:tgtEl>
+                    <p:sldTgt/>
+                  </p:tgtEl>
+                </p:cond>
+              </p:nextCondLst>
+            </p:seq>
+          </p:childTnLst>
+        </p:cTn>
+      </p:par>
+    </p:tnLst>
+  </p:timing>
 </p:sld>
 </file>
 
@@ -10210,11 +12040,15 @@
             </a:r>
             <a:r>
               <a:rPr lang="sv-SE" dirty="0" smtClean="0"/>
-              <a:t> in </a:t>
+              <a:t> </a:t>
+            </a:r>
+            <a:r>
+              <a:rPr lang="sv-SE" dirty="0" smtClean="0"/>
+              <a:t>and the </a:t>
             </a:r>
             <a:r>
               <a:rPr lang="sv-SE" dirty="0" err="1" smtClean="0"/>
-              <a:t>practice</a:t>
+              <a:t>future</a:t>
             </a:r>
             <a:endParaRPr lang="sv-SE" dirty="0"/>
           </a:p>
@@ -10241,7 +12075,7 @@
             </a:r>
             <a:r>
               <a:rPr lang="sv-SE" dirty="0" err="1" smtClean="0"/>
-              <a:t>single</a:t>
+              <a:t>today</a:t>
             </a:r>
             <a:r>
               <a:rPr lang="sv-SE" dirty="0" smtClean="0"/>
@@ -10249,6 +12083,14 @@
             </a:r>
             <a:r>
               <a:rPr lang="sv-SE" dirty="0" err="1" smtClean="0"/>
+              <a:t>single</a:t>
+            </a:r>
+            <a:r>
+              <a:rPr lang="sv-SE" dirty="0" smtClean="0"/>
+              <a:t> </a:t>
+            </a:r>
+            <a:r>
+              <a:rPr lang="sv-SE" dirty="0" err="1" smtClean="0"/>
               <a:t>threaded</a:t>
             </a:r>
             <a:endParaRPr lang="sv-SE" dirty="0" smtClean="0"/>
@@ -10284,7 +12126,11 @@
             <a:pPr lvl="1"/>
             <a:r>
               <a:rPr lang="sv-SE" dirty="0" smtClean="0"/>
-              <a:t>Server CPUs 12 </a:t>
+              <a:t>Server </a:t>
+            </a:r>
+            <a:r>
+              <a:rPr lang="sv-SE" dirty="0" smtClean="0"/>
+              <a:t>CPUs 12 </a:t>
             </a:r>
             <a:r>
               <a:rPr lang="sv-SE" dirty="0" err="1" smtClean="0"/>
@@ -10471,6 +12317,330 @@
       <p:transition spd="slow"/>
     </mc:Fallback>
   </mc:AlternateContent>
+  <p:timing>
+    <p:tnLst>
+      <p:par>
+        <p:cTn id="1" dur="indefinite" restart="never" nodeType="tmRoot">
+          <p:childTnLst>
+            <p:seq concurrent="1" nextAc="seek">
+              <p:cTn id="2" dur="indefinite" nodeType="mainSeq">
+                <p:childTnLst>
+                  <p:par>
+                    <p:cTn id="3" fill="hold">
+                      <p:stCondLst>
+                        <p:cond delay="indefinite"/>
+                      </p:stCondLst>
+                      <p:childTnLst>
+                        <p:par>
+                          <p:cTn id="4" fill="hold">
+                            <p:stCondLst>
+                              <p:cond delay="0"/>
+                            </p:stCondLst>
+                            <p:childTnLst>
+                              <p:par>
+                                <p:cTn id="5" presetID="1" presetClass="entr" presetSubtype="0" fill="hold" nodeType="clickEffect">
+                                  <p:stCondLst>
+                                    <p:cond delay="0"/>
+                                  </p:stCondLst>
+                                  <p:childTnLst>
+                                    <p:set>
+                                      <p:cBhvr>
+                                        <p:cTn id="6" dur="1" fill="hold">
+                                          <p:stCondLst>
+                                            <p:cond delay="0"/>
+                                          </p:stCondLst>
+                                        </p:cTn>
+                                        <p:tgtEl>
+                                          <p:spTgt spid="3">
+                                            <p:txEl>
+                                              <p:pRg st="0" end="0"/>
+                                            </p:txEl>
+                                          </p:spTgt>
+                                        </p:tgtEl>
+                                        <p:attrNameLst>
+                                          <p:attrName>style.visibility</p:attrName>
+                                        </p:attrNameLst>
+                                      </p:cBhvr>
+                                      <p:to>
+                                        <p:strVal val="visible"/>
+                                      </p:to>
+                                    </p:set>
+                                  </p:childTnLst>
+                                </p:cTn>
+                              </p:par>
+                            </p:childTnLst>
+                          </p:cTn>
+                        </p:par>
+                      </p:childTnLst>
+                    </p:cTn>
+                  </p:par>
+                  <p:par>
+                    <p:cTn id="7" fill="hold">
+                      <p:stCondLst>
+                        <p:cond delay="indefinite"/>
+                      </p:stCondLst>
+                      <p:childTnLst>
+                        <p:par>
+                          <p:cTn id="8" fill="hold">
+                            <p:stCondLst>
+                              <p:cond delay="0"/>
+                            </p:stCondLst>
+                            <p:childTnLst>
+                              <p:par>
+                                <p:cTn id="9" presetID="1" presetClass="entr" presetSubtype="0" fill="hold" nodeType="clickEffect">
+                                  <p:stCondLst>
+                                    <p:cond delay="0"/>
+                                  </p:stCondLst>
+                                  <p:childTnLst>
+                                    <p:set>
+                                      <p:cBhvr>
+                                        <p:cTn id="10" dur="1" fill="hold">
+                                          <p:stCondLst>
+                                            <p:cond delay="0"/>
+                                          </p:stCondLst>
+                                        </p:cTn>
+                                        <p:tgtEl>
+                                          <p:spTgt spid="3">
+                                            <p:txEl>
+                                              <p:pRg st="1" end="1"/>
+                                            </p:txEl>
+                                          </p:spTgt>
+                                        </p:tgtEl>
+                                        <p:attrNameLst>
+                                          <p:attrName>style.visibility</p:attrName>
+                                        </p:attrNameLst>
+                                      </p:cBhvr>
+                                      <p:to>
+                                        <p:strVal val="visible"/>
+                                      </p:to>
+                                    </p:set>
+                                  </p:childTnLst>
+                                </p:cTn>
+                              </p:par>
+                            </p:childTnLst>
+                          </p:cTn>
+                        </p:par>
+                      </p:childTnLst>
+                    </p:cTn>
+                  </p:par>
+                  <p:par>
+                    <p:cTn id="11" fill="hold">
+                      <p:stCondLst>
+                        <p:cond delay="indefinite"/>
+                      </p:stCondLst>
+                      <p:childTnLst>
+                        <p:par>
+                          <p:cTn id="12" fill="hold">
+                            <p:stCondLst>
+                              <p:cond delay="0"/>
+                            </p:stCondLst>
+                            <p:childTnLst>
+                              <p:par>
+                                <p:cTn id="13" presetID="1" presetClass="entr" presetSubtype="0" fill="hold" nodeType="clickEffect">
+                                  <p:stCondLst>
+                                    <p:cond delay="0"/>
+                                  </p:stCondLst>
+                                  <p:childTnLst>
+                                    <p:set>
+                                      <p:cBhvr>
+                                        <p:cTn id="14" dur="1" fill="hold">
+                                          <p:stCondLst>
+                                            <p:cond delay="0"/>
+                                          </p:stCondLst>
+                                        </p:cTn>
+                                        <p:tgtEl>
+                                          <p:spTgt spid="3">
+                                            <p:txEl>
+                                              <p:pRg st="2" end="2"/>
+                                            </p:txEl>
+                                          </p:spTgt>
+                                        </p:tgtEl>
+                                        <p:attrNameLst>
+                                          <p:attrName>style.visibility</p:attrName>
+                                        </p:attrNameLst>
+                                      </p:cBhvr>
+                                      <p:to>
+                                        <p:strVal val="visible"/>
+                                      </p:to>
+                                    </p:set>
+                                  </p:childTnLst>
+                                </p:cTn>
+                              </p:par>
+                            </p:childTnLst>
+                          </p:cTn>
+                        </p:par>
+                      </p:childTnLst>
+                    </p:cTn>
+                  </p:par>
+                  <p:par>
+                    <p:cTn id="15" fill="hold">
+                      <p:stCondLst>
+                        <p:cond delay="indefinite"/>
+                      </p:stCondLst>
+                      <p:childTnLst>
+                        <p:par>
+                          <p:cTn id="16" fill="hold">
+                            <p:stCondLst>
+                              <p:cond delay="0"/>
+                            </p:stCondLst>
+                            <p:childTnLst>
+                              <p:par>
+                                <p:cTn id="17" presetID="1" presetClass="entr" presetSubtype="0" fill="hold" nodeType="clickEffect">
+                                  <p:stCondLst>
+                                    <p:cond delay="0"/>
+                                  </p:stCondLst>
+                                  <p:childTnLst>
+                                    <p:set>
+                                      <p:cBhvr>
+                                        <p:cTn id="18" dur="1" fill="hold">
+                                          <p:stCondLst>
+                                            <p:cond delay="0"/>
+                                          </p:stCondLst>
+                                        </p:cTn>
+                                        <p:tgtEl>
+                                          <p:spTgt spid="3">
+                                            <p:txEl>
+                                              <p:pRg st="3" end="3"/>
+                                            </p:txEl>
+                                          </p:spTgt>
+                                        </p:tgtEl>
+                                        <p:attrNameLst>
+                                          <p:attrName>style.visibility</p:attrName>
+                                        </p:attrNameLst>
+                                      </p:cBhvr>
+                                      <p:to>
+                                        <p:strVal val="visible"/>
+                                      </p:to>
+                                    </p:set>
+                                  </p:childTnLst>
+                                </p:cTn>
+                              </p:par>
+                            </p:childTnLst>
+                          </p:cTn>
+                        </p:par>
+                      </p:childTnLst>
+                    </p:cTn>
+                  </p:par>
+                  <p:par>
+                    <p:cTn id="19" fill="hold">
+                      <p:stCondLst>
+                        <p:cond delay="indefinite"/>
+                      </p:stCondLst>
+                      <p:childTnLst>
+                        <p:par>
+                          <p:cTn id="20" fill="hold">
+                            <p:stCondLst>
+                              <p:cond delay="0"/>
+                            </p:stCondLst>
+                            <p:childTnLst>
+                              <p:par>
+                                <p:cTn id="21" presetID="1" presetClass="entr" presetSubtype="0" fill="hold" nodeType="clickEffect">
+                                  <p:stCondLst>
+                                    <p:cond delay="0"/>
+                                  </p:stCondLst>
+                                  <p:childTnLst>
+                                    <p:set>
+                                      <p:cBhvr>
+                                        <p:cTn id="22" dur="1" fill="hold">
+                                          <p:stCondLst>
+                                            <p:cond delay="0"/>
+                                          </p:stCondLst>
+                                        </p:cTn>
+                                        <p:tgtEl>
+                                          <p:spTgt spid="3">
+                                            <p:txEl>
+                                              <p:pRg st="4" end="4"/>
+                                            </p:txEl>
+                                          </p:spTgt>
+                                        </p:tgtEl>
+                                        <p:attrNameLst>
+                                          <p:attrName>style.visibility</p:attrName>
+                                        </p:attrNameLst>
+                                      </p:cBhvr>
+                                      <p:to>
+                                        <p:strVal val="visible"/>
+                                      </p:to>
+                                    </p:set>
+                                  </p:childTnLst>
+                                </p:cTn>
+                              </p:par>
+                            </p:childTnLst>
+                          </p:cTn>
+                        </p:par>
+                      </p:childTnLst>
+                    </p:cTn>
+                  </p:par>
+                  <p:par>
+                    <p:cTn id="23" fill="hold">
+                      <p:stCondLst>
+                        <p:cond delay="indefinite"/>
+                      </p:stCondLst>
+                      <p:childTnLst>
+                        <p:par>
+                          <p:cTn id="24" fill="hold">
+                            <p:stCondLst>
+                              <p:cond delay="0"/>
+                            </p:stCondLst>
+                            <p:childTnLst>
+                              <p:par>
+                                <p:cTn id="25" presetID="1" presetClass="entr" presetSubtype="0" fill="hold" nodeType="clickEffect">
+                                  <p:stCondLst>
+                                    <p:cond delay="0"/>
+                                  </p:stCondLst>
+                                  <p:childTnLst>
+                                    <p:set>
+                                      <p:cBhvr>
+                                        <p:cTn id="26" dur="1" fill="hold">
+                                          <p:stCondLst>
+                                            <p:cond delay="0"/>
+                                          </p:stCondLst>
+                                        </p:cTn>
+                                        <p:tgtEl>
+                                          <p:spTgt spid="3">
+                                            <p:txEl>
+                                              <p:pRg st="5" end="5"/>
+                                            </p:txEl>
+                                          </p:spTgt>
+                                        </p:tgtEl>
+                                        <p:attrNameLst>
+                                          <p:attrName>style.visibility</p:attrName>
+                                        </p:attrNameLst>
+                                      </p:cBhvr>
+                                      <p:to>
+                                        <p:strVal val="visible"/>
+                                      </p:to>
+                                    </p:set>
+                                  </p:childTnLst>
+                                </p:cTn>
+                              </p:par>
+                            </p:childTnLst>
+                          </p:cTn>
+                        </p:par>
+                      </p:childTnLst>
+                    </p:cTn>
+                  </p:par>
+                </p:childTnLst>
+              </p:cTn>
+              <p:prevCondLst>
+                <p:cond evt="onPrev" delay="0">
+                  <p:tgtEl>
+                    <p:sldTgt/>
+                  </p:tgtEl>
+                </p:cond>
+              </p:prevCondLst>
+              <p:nextCondLst>
+                <p:cond evt="onNext" delay="0">
+                  <p:tgtEl>
+                    <p:sldTgt/>
+                  </p:tgtEl>
+                </p:cond>
+              </p:nextCondLst>
+            </p:seq>
+          </p:childTnLst>
+        </p:cTn>
+      </p:par>
+    </p:tnLst>
+  </p:timing>
 </p:sld>
 </file>
 
@@ -10673,6 +12843,13 @@
       <p:transition spd="slow"/>
     </mc:Fallback>
   </mc:AlternateContent>
+  <p:timing>
+    <p:tnLst>
+      <p:par>
+        <p:cTn id="1" dur="indefinite" restart="never" nodeType="tmRoot"/>
+      </p:par>
+    </p:tnLst>
+  </p:timing>
 </p:sld>
 </file>
 
@@ -10890,12 +13067,19 @@
       <p:transition spd="slow"/>
     </mc:Fallback>
   </mc:AlternateContent>
+  <p:timing>
+    <p:tnLst>
+      <p:par>
+        <p:cTn id="1" dur="indefinite" restart="never" nodeType="tmRoot"/>
+      </p:par>
+    </p:tnLst>
+  </p:timing>
 </p:sld>
 </file>
 
 <file path=ppt/slides/slide8.xml><?xml version="1.0" encoding="utf-8"?>
 <p:sld xmlns:a="http://schemas.openxmlformats.org/drawingml/2006/main" xmlns:r="http://schemas.openxmlformats.org/officeDocument/2006/relationships" xmlns:p="http://schemas.openxmlformats.org/presentationml/2006/main">
-  <p:cSld name="page5">
+  <p:cSld>
     <p:spTree>
       <p:nvGrpSpPr>
         <p:cNvPr id="1" name=""/>
@@ -10912,487 +13096,459 @@
       </p:grpSpPr>
       <p:sp>
         <p:nvSpPr>
-          <p:cNvPr id="2" name="TextShape 1"/>
-          <p:cNvSpPr/>
+          <p:cNvPr id="3" name="Content Placeholder 3"/>
+          <p:cNvSpPr txBox="1">
+            <a:spLocks/>
+          </p:cNvSpPr>
           <p:nvPr/>
         </p:nvSpPr>
         <p:spPr>
           <a:xfrm>
-            <a:off x="457200" y="169560"/>
-            <a:ext cx="8228880" cy="1027192"/>
+            <a:off x="107504" y="199231"/>
+            <a:ext cx="4104456" cy="2725713"/>
           </a:xfrm>
-          <a:custGeom>
+          <a:prstGeom prst="rect">
             <a:avLst/>
-            <a:gdLst>
-              <a:gd name="f0" fmla="val 0"/>
-              <a:gd name="f1" fmla="val 21600"/>
-            </a:gdLst>
-            <a:ahLst/>
-            <a:cxnLst>
-              <a:cxn ang="3cd4">
-                <a:pos x="hc" y="t"/>
-              </a:cxn>
-              <a:cxn ang="0">
-                <a:pos x="r" y="vc"/>
-              </a:cxn>
-              <a:cxn ang="cd4">
-                <a:pos x="hc" y="b"/>
-              </a:cxn>
-              <a:cxn ang="cd2">
-                <a:pos x="l" y="vc"/>
-              </a:cxn>
-            </a:cxnLst>
-            <a:rect l="l" t="t" r="r" b="b"/>
-            <a:pathLst>
-              <a:path w="21600" h="21600">
-                <a:moveTo>
-                  <a:pt x="f0" y="f0"/>
-                </a:moveTo>
-                <a:lnTo>
-                  <a:pt x="f1" y="f0"/>
-                </a:lnTo>
-                <a:lnTo>
-                  <a:pt x="f1" y="f1"/>
-                </a:lnTo>
-                <a:lnTo>
-                  <a:pt x="f0" y="f1"/>
-                </a:lnTo>
-                <a:lnTo>
-                  <a:pt x="f0" y="f0"/>
-                </a:lnTo>
-                <a:close/>
-              </a:path>
-            </a:pathLst>
-          </a:custGeom>
-          <a:noFill/>
-          <a:ln>
-            <a:noFill/>
-            <a:prstDash val="solid"/>
-          </a:ln>
+          </a:prstGeom>
         </p:spPr>
         <p:txBody>
-          <a:bodyPr vert="horz" wrap="square" lIns="90000" tIns="45000" rIns="90000" bIns="45000" anchor="t" compatLnSpc="0"/>
-          <a:lstStyle/>
-          <a:p>
-            <a:pPr lvl="0" algn="ctr" hangingPunct="0"/>
-            <a:r>
-              <a:rPr lang="sv-SE" sz="4400" dirty="0">
-                <a:solidFill>
-                  <a:srgbClr val="000000"/>
-                </a:solidFill>
-                <a:latin typeface="Calibri" pitchFamily="18"/>
-                <a:ea typeface="DejaVu Sans" pitchFamily="2"/>
-                <a:cs typeface="DejaVu Sans" pitchFamily="2"/>
-              </a:rPr>
-              <a:t>Linq is Functional Programming</a:t>
-            </a:r>
-            <a:endParaRPr lang="sv-SE" sz="4400" b="0" i="0" u="none" strike="noStrike" kern="1200" spc="0" dirty="0">
-              <a:ln>
-                <a:noFill/>
-              </a:ln>
-              <a:solidFill>
-                <a:srgbClr val="000000"/>
-              </a:solidFill>
-              <a:latin typeface="Calibri" pitchFamily="18"/>
-              <a:ea typeface="DejaVu Sans" pitchFamily="2"/>
-              <a:cs typeface="DejaVu Sans" pitchFamily="2"/>
-            </a:endParaRPr>
+          <a:bodyPr/>
+          <a:lstStyle>
+            <a:lvl1pPr rtl="0" hangingPunct="0">
+              <a:spcBef>
+                <a:spcPts val="0"/>
+              </a:spcBef>
+              <a:spcAft>
+                <a:spcPts val="1417"/>
+              </a:spcAft>
+              <a:tabLst/>
+              <a:defRPr lang="sv-SE" sz="3200" b="0" i="0" u="none" strike="noStrike" kern="1200" spc="0">
+                <a:ln>
+                  <a:noFill/>
+                </a:ln>
+                <a:latin typeface="Arial" pitchFamily="18"/>
+              </a:defRPr>
+            </a:lvl1pPr>
+          </a:lstStyle>
+          <a:p>
+            <a:pPr marL="108000"/>
+            <a:r>
+              <a:rPr lang="en-US" sz="2800" dirty="0" smtClean="0"/>
+              <a:t>for </a:t>
+            </a:r>
+            <a:r>
+              <a:rPr lang="en-US" sz="2800" dirty="0" err="1" smtClean="0"/>
+              <a:t>emp</a:t>
+            </a:r>
+            <a:r>
+              <a:rPr lang="en-US" sz="2800" dirty="0" smtClean="0"/>
+              <a:t> in employees</a:t>
+            </a:r>
+          </a:p>
+          <a:p>
+            <a:pPr marL="108000"/>
+            <a:r>
+              <a:rPr lang="en-US" sz="2800" dirty="0" smtClean="0"/>
+              <a:t>   if </a:t>
+            </a:r>
+            <a:r>
+              <a:rPr lang="en-US" sz="2800" dirty="0" err="1" smtClean="0"/>
+              <a:t>emp.isManager</a:t>
+            </a:r>
+            <a:endParaRPr lang="en-US" sz="2800" dirty="0" smtClean="0"/>
+          </a:p>
+          <a:p>
+            <a:pPr marL="108000"/>
+            <a:r>
+              <a:rPr lang="en-US" sz="2800" dirty="0" smtClean="0"/>
+              <a:t>      </a:t>
+            </a:r>
+            <a:r>
+              <a:rPr lang="en-US" sz="2800" dirty="0" err="1" smtClean="0"/>
+              <a:t>result.add</a:t>
+            </a:r>
+            <a:r>
+              <a:rPr lang="en-US" sz="2800" dirty="0" smtClean="0"/>
+              <a:t>(</a:t>
+            </a:r>
+            <a:r>
+              <a:rPr lang="en-US" sz="2800" dirty="0" err="1" smtClean="0"/>
+              <a:t>emp</a:t>
+            </a:r>
+            <a:r>
+              <a:rPr lang="en-US" sz="2800" dirty="0" smtClean="0"/>
+              <a:t>)</a:t>
+            </a:r>
+          </a:p>
+          <a:p>
+            <a:pPr marL="108000"/>
+            <a:r>
+              <a:rPr lang="en-US" sz="2800" dirty="0" smtClean="0"/>
+              <a:t>return result</a:t>
+            </a:r>
+            <a:endParaRPr lang="en-US" sz="2800" dirty="0"/>
           </a:p>
         </p:txBody>
       </p:sp>
       <p:sp>
         <p:nvSpPr>
-          <p:cNvPr id="3" name="TextShape 2"/>
-          <p:cNvSpPr/>
+          <p:cNvPr id="4" name="Content Placeholder 5"/>
+          <p:cNvSpPr txBox="1">
+            <a:spLocks/>
+          </p:cNvSpPr>
           <p:nvPr/>
         </p:nvSpPr>
         <p:spPr>
           <a:xfrm>
-            <a:off x="457200" y="1600200"/>
-            <a:ext cx="8228880" cy="4615920"/>
+            <a:off x="3923928" y="199231"/>
+            <a:ext cx="5112568" cy="2725713"/>
           </a:xfrm>
-          <a:custGeom>
+          <a:prstGeom prst="rect">
             <a:avLst/>
-            <a:gdLst>
-              <a:gd name="f0" fmla="val 0"/>
-              <a:gd name="f1" fmla="val 21600"/>
-            </a:gdLst>
-            <a:ahLst/>
-            <a:cxnLst>
-              <a:cxn ang="3cd4">
-                <a:pos x="hc" y="t"/>
-              </a:cxn>
-              <a:cxn ang="0">
-                <a:pos x="r" y="vc"/>
-              </a:cxn>
-              <a:cxn ang="cd4">
-                <a:pos x="hc" y="b"/>
-              </a:cxn>
-              <a:cxn ang="cd2">
-                <a:pos x="l" y="vc"/>
-              </a:cxn>
-            </a:cxnLst>
-            <a:rect l="l" t="t" r="r" b="b"/>
-            <a:pathLst>
-              <a:path w="21600" h="21600">
-                <a:moveTo>
-                  <a:pt x="f0" y="f0"/>
-                </a:moveTo>
-                <a:lnTo>
-                  <a:pt x="f1" y="f0"/>
-                </a:lnTo>
-                <a:lnTo>
-                  <a:pt x="f1" y="f1"/>
-                </a:lnTo>
-                <a:lnTo>
-                  <a:pt x="f0" y="f1"/>
-                </a:lnTo>
-                <a:lnTo>
-                  <a:pt x="f0" y="f0"/>
-                </a:lnTo>
-                <a:close/>
-              </a:path>
-            </a:pathLst>
-          </a:custGeom>
-          <a:noFill/>
-          <a:ln>
-            <a:noFill/>
-            <a:prstDash val="solid"/>
-          </a:ln>
+          </a:prstGeom>
         </p:spPr>
         <p:txBody>
-          <a:bodyPr vert="horz" wrap="square" lIns="90000" tIns="45000" rIns="90000" bIns="45000" anchor="t" compatLnSpc="0"/>
-          <a:lstStyle/>
-          <a:p>
-            <a:pPr lvl="0" hangingPunct="0"/>
-            <a:r>
-              <a:rPr lang="sv-SE" sz="2000">
-                <a:solidFill>
-                  <a:srgbClr val="1F497D"/>
-                </a:solidFill>
-                <a:latin typeface="Arial" pitchFamily="18"/>
-                <a:ea typeface="DejaVu Sans" pitchFamily="2"/>
-                <a:cs typeface="DejaVu Sans" pitchFamily="2"/>
-              </a:rPr>
-              <a:t>IEnumerable&lt;T&gt; and IQueryable&lt;T&gt; are</a:t>
-            </a:r>
-            <a:r>
-              <a:rPr lang="sv-SE" sz="2000" b="0" i="0" u="none" strike="noStrike" kern="1200" spc="0" smtClean="0">
-                <a:ln>
-                  <a:noFill/>
-                </a:ln>
-                <a:solidFill>
-                  <a:srgbClr val="0070C0"/>
-                </a:solidFill>
-                <a:latin typeface="Arial" pitchFamily="18"/>
-                <a:ea typeface="DejaVu Sans" pitchFamily="2"/>
-                <a:cs typeface="DejaVu Sans" pitchFamily="2"/>
-              </a:rPr>
-              <a:t> </a:t>
-            </a:r>
-            <a:r>
-              <a:rPr lang="sv-SE" sz="2000" b="0" i="1" u="none" strike="noStrike" kern="1200" spc="0" dirty="0">
-                <a:ln>
-                  <a:noFill/>
-                </a:ln>
-                <a:solidFill>
-                  <a:srgbClr val="1F497D"/>
-                </a:solidFill>
-                <a:latin typeface="Arial" pitchFamily="18"/>
-                <a:ea typeface="DejaVu Sans" pitchFamily="2"/>
-                <a:cs typeface="DejaVu Sans" pitchFamily="2"/>
-              </a:rPr>
-              <a:t>immutable</a:t>
-            </a:r>
-            <a:r>
-              <a:rPr lang="sv-SE" sz="2000" b="0" i="0" u="none" strike="noStrike" kern="1200" spc="0" dirty="0">
-                <a:ln>
-                  <a:noFill/>
-                </a:ln>
-                <a:solidFill>
-                  <a:srgbClr val="1F497D"/>
-                </a:solidFill>
-                <a:latin typeface="Arial" pitchFamily="18"/>
-                <a:ea typeface="DejaVu Sans" pitchFamily="2"/>
-                <a:cs typeface="DejaVu Sans" pitchFamily="2"/>
-              </a:rPr>
-              <a:t> interfaces</a:t>
-            </a:r>
-          </a:p>
-          <a:p>
-            <a:pPr marL="0" marR="0" lvl="0" indent="0" rtl="0" hangingPunct="0">
-              <a:lnSpc>
-                <a:spcPct val="100000"/>
-              </a:lnSpc>
+          <a:bodyPr/>
+          <a:lstStyle>
+            <a:lvl1pPr rtl="0" hangingPunct="0">
               <a:spcBef>
                 <a:spcPts val="0"/>
               </a:spcBef>
               <a:spcAft>
-                <a:spcPts val="0"/>
+                <a:spcPts val="1417"/>
               </a:spcAft>
-              <a:buNone/>
               <a:tabLst/>
-            </a:pPr>
-            <a:r>
-              <a:rPr lang="sv-SE" sz="2000" b="0" i="0" u="none" strike="noStrike" kern="1200" spc="0" dirty="0">
-                <a:ln>
-                  <a:noFill/>
-                </a:ln>
-                <a:solidFill>
-                  <a:srgbClr val="1F497D"/>
-                </a:solidFill>
-                <a:latin typeface="Arial" pitchFamily="18"/>
-                <a:ea typeface="DejaVu Sans" pitchFamily="2"/>
-                <a:cs typeface="DejaVu Sans" pitchFamily="2"/>
-              </a:rPr>
-              <a:t>IEnumerable&lt;T&gt; and IQueryable&lt;T&gt; are </a:t>
-            </a:r>
-            <a:r>
-              <a:rPr lang="sv-SE" sz="2000" b="0" i="1" u="none" strike="noStrike" kern="1200" spc="0" dirty="0">
-                <a:ln>
-                  <a:noFill/>
-                </a:ln>
-                <a:solidFill>
-                  <a:srgbClr val="1F497D"/>
-                </a:solidFill>
-                <a:latin typeface="Arial" pitchFamily="18"/>
-                <a:ea typeface="DejaVu Sans" pitchFamily="2"/>
-                <a:cs typeface="DejaVu Sans" pitchFamily="2"/>
-              </a:rPr>
-              <a:t>generic</a:t>
-            </a:r>
-            <a:r>
-              <a:rPr lang="sv-SE" sz="2000" b="0" i="0" u="none" strike="noStrike" kern="1200" spc="0" dirty="0">
-                <a:ln>
-                  <a:noFill/>
-                </a:ln>
-                <a:solidFill>
-                  <a:srgbClr val="1F497D"/>
-                </a:solidFill>
-                <a:latin typeface="Arial" pitchFamily="18"/>
-                <a:ea typeface="DejaVu Sans" pitchFamily="2"/>
-                <a:cs typeface="DejaVu Sans" pitchFamily="2"/>
-              </a:rPr>
-              <a:t> interfaces</a:t>
-            </a:r>
-          </a:p>
-          <a:p>
-            <a:pPr marL="0" marR="0" lvl="0" indent="0" rtl="0" hangingPunct="0">
-              <a:lnSpc>
-                <a:spcPct val="100000"/>
-              </a:lnSpc>
-              <a:spcBef>
-                <a:spcPts val="0"/>
-              </a:spcBef>
-              <a:spcAft>
-                <a:spcPts val="0"/>
-              </a:spcAft>
-              <a:buNone/>
-              <a:tabLst/>
-            </a:pPr>
-            <a:r>
-              <a:rPr lang="sv-SE" sz="2000" b="0" i="0" u="none" strike="noStrike" kern="1200" spc="0" dirty="0">
-                <a:ln>
-                  <a:noFill/>
-                </a:ln>
-                <a:solidFill>
-                  <a:srgbClr val="1F497D"/>
-                </a:solidFill>
-                <a:latin typeface="Arial" pitchFamily="18"/>
-                <a:ea typeface="DejaVu Sans" pitchFamily="2"/>
-                <a:cs typeface="DejaVu Sans" pitchFamily="2"/>
-              </a:rPr>
-              <a:t>Linq operators are </a:t>
-            </a:r>
-            <a:r>
-              <a:rPr lang="sv-SE" sz="2000" b="0" i="1" u="none" strike="noStrike" kern="1200" spc="0" dirty="0">
-                <a:ln>
-                  <a:noFill/>
-                </a:ln>
-                <a:solidFill>
-                  <a:srgbClr val="1F497D"/>
-                </a:solidFill>
-                <a:latin typeface="Arial" pitchFamily="18"/>
-                <a:ea typeface="DejaVu Sans" pitchFamily="2"/>
-                <a:cs typeface="DejaVu Sans" pitchFamily="2"/>
-              </a:rPr>
-              <a:t>pure functions</a:t>
-            </a:r>
-          </a:p>
-          <a:p>
-            <a:pPr marL="0" marR="0" lvl="0" indent="0" rtl="0" hangingPunct="0">
-              <a:lnSpc>
-                <a:spcPct val="100000"/>
-              </a:lnSpc>
-              <a:spcBef>
-                <a:spcPts val="0"/>
-              </a:spcBef>
-              <a:spcAft>
-                <a:spcPts val="0"/>
-              </a:spcAft>
-              <a:buNone/>
-              <a:tabLst/>
-            </a:pPr>
-            <a:r>
-              <a:rPr lang="sv-SE" sz="2000" b="0" i="0" u="none" strike="noStrike" kern="1200" spc="0" dirty="0">
-                <a:ln>
-                  <a:noFill/>
-                </a:ln>
-                <a:solidFill>
-                  <a:srgbClr val="1F497D"/>
-                </a:solidFill>
-                <a:latin typeface="Arial" pitchFamily="18"/>
-                <a:ea typeface="DejaVu Sans" pitchFamily="2"/>
-                <a:cs typeface="DejaVu Sans" pitchFamily="2"/>
-              </a:rPr>
-              <a:t>Many Linq operators are </a:t>
-            </a:r>
-            <a:r>
-              <a:rPr lang="sv-SE" sz="2000" b="0" i="1" u="none" strike="noStrike" kern="1200" spc="0" dirty="0">
-                <a:ln>
-                  <a:noFill/>
-                </a:ln>
-                <a:solidFill>
-                  <a:srgbClr val="1F497D"/>
-                </a:solidFill>
-                <a:latin typeface="Arial" pitchFamily="18"/>
-                <a:ea typeface="DejaVu Sans" pitchFamily="2"/>
-                <a:cs typeface="DejaVu Sans" pitchFamily="2"/>
-              </a:rPr>
-              <a:t>higher order functions</a:t>
-            </a:r>
-          </a:p>
-          <a:p>
-            <a:pPr marL="0" marR="0" lvl="0" indent="0" rtl="0" hangingPunct="0">
-              <a:lnSpc>
-                <a:spcPct val="100000"/>
-              </a:lnSpc>
-              <a:spcBef>
-                <a:spcPts val="0"/>
-              </a:spcBef>
-              <a:spcAft>
-                <a:spcPts val="0"/>
-              </a:spcAft>
-              <a:buNone/>
-              <a:tabLst/>
-            </a:pPr>
-            <a:r>
-              <a:rPr lang="sv-SE" sz="2000" b="0" i="0" u="none" strike="noStrike" kern="1200" spc="0" dirty="0">
-                <a:ln>
-                  <a:noFill/>
-                </a:ln>
-                <a:solidFill>
-                  <a:srgbClr val="1F497D"/>
-                </a:solidFill>
-                <a:latin typeface="Arial" pitchFamily="18"/>
-                <a:ea typeface="DejaVu Sans" pitchFamily="2"/>
-                <a:cs typeface="DejaVu Sans" pitchFamily="2"/>
-              </a:rPr>
-              <a:t>Many Linq operators are </a:t>
-            </a:r>
-            <a:r>
-              <a:rPr lang="sv-SE" sz="2000" b="0" i="1" u="none" strike="noStrike" kern="1200" spc="0" dirty="0">
-                <a:ln>
-                  <a:noFill/>
-                </a:ln>
-                <a:solidFill>
-                  <a:srgbClr val="1F497D"/>
-                </a:solidFill>
-                <a:latin typeface="Arial" pitchFamily="18"/>
-                <a:ea typeface="DejaVu Sans" pitchFamily="2"/>
-                <a:cs typeface="DejaVu Sans" pitchFamily="2"/>
-              </a:rPr>
-              <a:t>generic functions</a:t>
-            </a:r>
-          </a:p>
-          <a:p>
-            <a:pPr marL="0" marR="0" lvl="0" indent="0" rtl="0" hangingPunct="0">
-              <a:lnSpc>
-                <a:spcPct val="100000"/>
-              </a:lnSpc>
-              <a:spcBef>
-                <a:spcPts val="0"/>
-              </a:spcBef>
-              <a:spcAft>
-                <a:spcPts val="0"/>
-              </a:spcAft>
-              <a:buNone/>
-              <a:tabLst/>
-            </a:pPr>
-            <a:r>
-              <a:rPr lang="sv-SE" sz="2000" b="0" i="0" u="none" strike="noStrike" kern="1200" spc="0" dirty="0">
-                <a:ln>
-                  <a:noFill/>
-                </a:ln>
-                <a:solidFill>
-                  <a:srgbClr val="1F497D"/>
-                </a:solidFill>
-                <a:latin typeface="Arial" pitchFamily="18"/>
-                <a:ea typeface="DejaVu Sans" pitchFamily="2"/>
-                <a:cs typeface="DejaVu Sans" pitchFamily="2"/>
-              </a:rPr>
-              <a:t>Lambdas are </a:t>
-            </a:r>
-            <a:r>
-              <a:rPr lang="sv-SE" sz="2000" b="0" i="1" u="none" strike="noStrike" kern="1200" spc="0" dirty="0">
-                <a:ln>
-                  <a:noFill/>
-                </a:ln>
-                <a:solidFill>
-                  <a:srgbClr val="1F497D"/>
-                </a:solidFill>
-                <a:latin typeface="Arial" pitchFamily="18"/>
-                <a:ea typeface="DejaVu Sans" pitchFamily="2"/>
-                <a:cs typeface="DejaVu Sans" pitchFamily="2"/>
-              </a:rPr>
-              <a:t>closures</a:t>
-            </a:r>
-          </a:p>
-          <a:p>
-            <a:pPr marL="0" marR="0" lvl="0" indent="0" rtl="0" hangingPunct="0">
-              <a:lnSpc>
-                <a:spcPct val="100000"/>
-              </a:lnSpc>
-              <a:spcBef>
-                <a:spcPts val="0"/>
-              </a:spcBef>
-              <a:spcAft>
-                <a:spcPts val="0"/>
-              </a:spcAft>
-              <a:buNone/>
-              <a:tabLst/>
-            </a:pPr>
-            <a:r>
-              <a:rPr lang="sv-SE" sz="2000" b="0" i="1" u="none" strike="noStrike" kern="1200" spc="0" dirty="0">
-                <a:ln>
-                  <a:noFill/>
-                </a:ln>
-                <a:solidFill>
-                  <a:srgbClr val="1F497D"/>
-                </a:solidFill>
-                <a:latin typeface="Arial" pitchFamily="18"/>
-                <a:ea typeface="DejaVu Sans" pitchFamily="2"/>
-                <a:cs typeface="DejaVu Sans" pitchFamily="2"/>
-              </a:rPr>
-              <a:t>Comprehension syntax is syntactic sugar on functional programming</a:t>
-            </a:r>
+              <a:defRPr lang="sv-SE" sz="3200" b="0" i="0" u="none" strike="noStrike" kern="1200" spc="0">
+                <a:ln>
+                  <a:noFill/>
+                </a:ln>
+                <a:latin typeface="Arial" pitchFamily="18"/>
+              </a:defRPr>
+            </a:lvl1pPr>
+          </a:lstStyle>
+          <a:p>
+            <a:pPr marL="108000"/>
+            <a:r>
+              <a:rPr lang="sv-SE" sz="2800" dirty="0" err="1" smtClean="0"/>
+              <a:t>employees</a:t>
+            </a:r>
+            <a:r>
+              <a:rPr lang="sv-SE" sz="2800" dirty="0" smtClean="0"/>
+              <a:t> |&gt; filter </a:t>
+            </a:r>
+            <a:r>
+              <a:rPr lang="sv-SE" sz="2800" dirty="0" err="1" smtClean="0"/>
+              <a:t>isManager</a:t>
+            </a:r>
+            <a:r>
+              <a:rPr lang="sv-SE" sz="2800" dirty="0" smtClean="0"/>
+              <a:t> 	</a:t>
+            </a:r>
+            <a:endParaRPr lang="sv-SE" sz="2800" dirty="0"/>
+          </a:p>
+        </p:txBody>
+      </p:sp>
+      <p:sp>
+        <p:nvSpPr>
+          <p:cNvPr id="5" name="TextBox 4"/>
+          <p:cNvSpPr txBox="1"/>
+          <p:nvPr/>
+        </p:nvSpPr>
+        <p:spPr>
+          <a:xfrm>
+            <a:off x="4211960" y="2780928"/>
+            <a:ext cx="3528392" cy="646331"/>
+          </a:xfrm>
+          <a:prstGeom prst="rect">
+            <a:avLst/>
+          </a:prstGeom>
+          <a:noFill/>
+        </p:spPr>
+        <p:txBody>
+          <a:bodyPr wrap="square" rtlCol="0">
+            <a:spAutoFit/>
+          </a:bodyPr>
+          <a:lstStyle/>
+          <a:p>
+            <a:r>
+              <a:rPr lang="sv-SE" dirty="0" smtClean="0"/>
+              <a:t>Change the </a:t>
+            </a:r>
+            <a:r>
+              <a:rPr lang="sv-SE" dirty="0" err="1" smtClean="0"/>
+              <a:t>library</a:t>
+            </a:r>
+            <a:r>
+              <a:rPr lang="sv-SE" dirty="0" smtClean="0"/>
+              <a:t> </a:t>
+            </a:r>
+            <a:r>
+              <a:rPr lang="sv-SE" dirty="0" err="1" smtClean="0"/>
+              <a:t>that</a:t>
+            </a:r>
+            <a:r>
+              <a:rPr lang="sv-SE" dirty="0" smtClean="0"/>
+              <a:t> </a:t>
+            </a:r>
+            <a:r>
+              <a:rPr lang="sv-SE" dirty="0" err="1" smtClean="0"/>
+              <a:t>supplies</a:t>
+            </a:r>
+            <a:r>
+              <a:rPr lang="sv-SE" dirty="0" smtClean="0"/>
+              <a:t> the filter </a:t>
+            </a:r>
+            <a:r>
+              <a:rPr lang="sv-SE" dirty="0" err="1" smtClean="0"/>
+              <a:t>method</a:t>
+            </a:r>
+            <a:r>
+              <a:rPr lang="sv-SE" dirty="0" smtClean="0"/>
+              <a:t> and </a:t>
+            </a:r>
+            <a:r>
+              <a:rPr lang="sv-SE" dirty="0" err="1" smtClean="0"/>
+              <a:t>you’re</a:t>
+            </a:r>
+            <a:r>
+              <a:rPr lang="sv-SE" dirty="0" smtClean="0"/>
+              <a:t> </a:t>
+            </a:r>
+            <a:r>
+              <a:rPr lang="sv-SE" dirty="0" err="1" smtClean="0"/>
+              <a:t>done</a:t>
+            </a:r>
+            <a:endParaRPr lang="sv-SE" dirty="0" smtClean="0"/>
+          </a:p>
+        </p:txBody>
+      </p:sp>
+      <p:sp>
+        <p:nvSpPr>
+          <p:cNvPr id="6" name="TextBox 5"/>
+          <p:cNvSpPr txBox="1"/>
+          <p:nvPr/>
+        </p:nvSpPr>
+        <p:spPr>
+          <a:xfrm>
+            <a:off x="179512" y="2780928"/>
+            <a:ext cx="3816424" cy="646331"/>
+          </a:xfrm>
+          <a:prstGeom prst="rect">
+            <a:avLst/>
+          </a:prstGeom>
+          <a:noFill/>
+        </p:spPr>
+        <p:txBody>
+          <a:bodyPr wrap="square" rtlCol="0">
+            <a:spAutoFit/>
+          </a:bodyPr>
+          <a:lstStyle/>
+          <a:p>
+            <a:r>
+              <a:rPr lang="sv-SE" dirty="0" err="1" smtClean="0"/>
+              <a:t>Rewrite</a:t>
+            </a:r>
+            <a:r>
+              <a:rPr lang="sv-SE" dirty="0" smtClean="0"/>
+              <a:t> </a:t>
+            </a:r>
+            <a:r>
+              <a:rPr lang="sv-SE" dirty="0" err="1" smtClean="0"/>
+              <a:t>every</a:t>
+            </a:r>
+            <a:r>
+              <a:rPr lang="sv-SE" dirty="0" smtClean="0"/>
+              <a:t> </a:t>
+            </a:r>
+            <a:r>
+              <a:rPr lang="sv-SE" dirty="0" err="1" smtClean="0"/>
+              <a:t>piece</a:t>
+            </a:r>
+            <a:r>
+              <a:rPr lang="sv-SE" dirty="0" smtClean="0"/>
+              <a:t> </a:t>
+            </a:r>
+            <a:r>
+              <a:rPr lang="sv-SE" dirty="0" err="1" smtClean="0"/>
+              <a:t>of</a:t>
+            </a:r>
+            <a:r>
+              <a:rPr lang="sv-SE" dirty="0" smtClean="0"/>
+              <a:t> </a:t>
+            </a:r>
+            <a:r>
+              <a:rPr lang="sv-SE" dirty="0" err="1" smtClean="0"/>
+              <a:t>similar</a:t>
+            </a:r>
+            <a:r>
+              <a:rPr lang="sv-SE" dirty="0" smtClean="0"/>
+              <a:t> </a:t>
+            </a:r>
+            <a:r>
+              <a:rPr lang="sv-SE" dirty="0" err="1" smtClean="0"/>
+              <a:t>code</a:t>
+            </a:r>
+            <a:r>
+              <a:rPr lang="sv-SE" dirty="0" smtClean="0"/>
+              <a:t> </a:t>
+            </a:r>
+            <a:r>
+              <a:rPr lang="sv-SE" dirty="0" err="1" smtClean="0"/>
+              <a:t>to</a:t>
+            </a:r>
+            <a:r>
+              <a:rPr lang="sv-SE" dirty="0" smtClean="0"/>
+              <a:t> </a:t>
+            </a:r>
+            <a:r>
+              <a:rPr lang="sv-SE" dirty="0" err="1" smtClean="0"/>
+              <a:t>thread</a:t>
+            </a:r>
+            <a:endParaRPr lang="sv-SE" dirty="0"/>
           </a:p>
         </p:txBody>
       </p:sp>
     </p:spTree>
+    <p:extLst>
+      <p:ext uri="{BB962C8B-B14F-4D97-AF65-F5344CB8AC3E}">
+        <p14:creationId xmlns:p14="http://schemas.microsoft.com/office/powerpoint/2010/main" val="1066001818"/>
+      </p:ext>
+    </p:extLst>
   </p:cSld>
   <p:clrMapOvr>
     <a:masterClrMapping/>
   </p:clrMapOvr>
-  <p:transition>
-    <p:wipe/>
-  </p:transition>
+  <mc:AlternateContent xmlns:mc="http://schemas.openxmlformats.org/markup-compatibility/2006" xmlns:p14="http://schemas.microsoft.com/office/powerpoint/2010/main">
+    <mc:Choice Requires="p14">
+      <p:transition spd="slow" p14:dur="2000"/>
+    </mc:Choice>
+    <mc:Fallback xmlns="">
+      <p:transition spd="slow"/>
+    </mc:Fallback>
+  </mc:AlternateContent>
   <p:timing>
     <p:tnLst>
       <p:par>
-        <p:cTn id="1" dur="indefinite" restart="never" nodeType="tmRoot"/>
+        <p:cTn id="1" dur="indefinite" restart="never" nodeType="tmRoot">
+          <p:childTnLst>
+            <p:seq concurrent="1" nextAc="seek">
+              <p:cTn id="2" dur="indefinite" nodeType="mainSeq">
+                <p:childTnLst>
+                  <p:par>
+                    <p:cTn id="3" fill="hold">
+                      <p:stCondLst>
+                        <p:cond delay="indefinite"/>
+                      </p:stCondLst>
+                      <p:childTnLst>
+                        <p:par>
+                          <p:cTn id="4" fill="hold">
+                            <p:stCondLst>
+                              <p:cond delay="0"/>
+                            </p:stCondLst>
+                            <p:childTnLst>
+                              <p:par>
+                                <p:cTn id="5" presetID="1" presetClass="entr" presetSubtype="0" fill="hold" grpId="0" nodeType="clickEffect">
+                                  <p:stCondLst>
+                                    <p:cond delay="0"/>
+                                  </p:stCondLst>
+                                  <p:childTnLst>
+                                    <p:set>
+                                      <p:cBhvr>
+                                        <p:cTn id="6" dur="1" fill="hold">
+                                          <p:stCondLst>
+                                            <p:cond delay="0"/>
+                                          </p:stCondLst>
+                                        </p:cTn>
+                                        <p:tgtEl>
+                                          <p:spTgt spid="6"/>
+                                        </p:tgtEl>
+                                        <p:attrNameLst>
+                                          <p:attrName>style.visibility</p:attrName>
+                                        </p:attrNameLst>
+                                      </p:cBhvr>
+                                      <p:to>
+                                        <p:strVal val="visible"/>
+                                      </p:to>
+                                    </p:set>
+                                  </p:childTnLst>
+                                </p:cTn>
+                              </p:par>
+                            </p:childTnLst>
+                          </p:cTn>
+                        </p:par>
+                      </p:childTnLst>
+                    </p:cTn>
+                  </p:par>
+                  <p:par>
+                    <p:cTn id="7" fill="hold">
+                      <p:stCondLst>
+                        <p:cond delay="indefinite"/>
+                      </p:stCondLst>
+                      <p:childTnLst>
+                        <p:par>
+                          <p:cTn id="8" fill="hold">
+                            <p:stCondLst>
+                              <p:cond delay="0"/>
+                            </p:stCondLst>
+                            <p:childTnLst>
+                              <p:par>
+                                <p:cTn id="9" presetID="1" presetClass="entr" presetSubtype="0" fill="hold" grpId="0" nodeType="clickEffect">
+                                  <p:stCondLst>
+                                    <p:cond delay="0"/>
+                                  </p:stCondLst>
+                                  <p:childTnLst>
+                                    <p:set>
+                                      <p:cBhvr>
+                                        <p:cTn id="10" dur="1" fill="hold">
+                                          <p:stCondLst>
+                                            <p:cond delay="0"/>
+                                          </p:stCondLst>
+                                        </p:cTn>
+                                        <p:tgtEl>
+                                          <p:spTgt spid="5"/>
+                                        </p:tgtEl>
+                                        <p:attrNameLst>
+                                          <p:attrName>style.visibility</p:attrName>
+                                        </p:attrNameLst>
+                                      </p:cBhvr>
+                                      <p:to>
+                                        <p:strVal val="visible"/>
+                                      </p:to>
+                                    </p:set>
+                                  </p:childTnLst>
+                                </p:cTn>
+                              </p:par>
+                            </p:childTnLst>
+                          </p:cTn>
+                        </p:par>
+                      </p:childTnLst>
+                    </p:cTn>
+                  </p:par>
+                </p:childTnLst>
+              </p:cTn>
+              <p:prevCondLst>
+                <p:cond evt="onPrev" delay="0">
+                  <p:tgtEl>
+                    <p:sldTgt/>
+                  </p:tgtEl>
+                </p:cond>
+              </p:prevCondLst>
+              <p:nextCondLst>
+                <p:cond evt="onNext" delay="0">
+                  <p:tgtEl>
+                    <p:sldTgt/>
+                  </p:tgtEl>
+                </p:cond>
+              </p:nextCondLst>
+            </p:seq>
+          </p:childTnLst>
+        </p:cTn>
       </p:par>
     </p:tnLst>
+    <p:bldLst>
+      <p:bldP spid="5" grpId="0"/>
+      <p:bldP spid="6" grpId="0"/>
+    </p:bldLst>
   </p:timing>
 </p:sld>
 </file>
@@ -11516,8 +13672,8 @@
         </p:nvSpPr>
         <p:spPr>
           <a:xfrm>
-            <a:off x="457200" y="1600200"/>
-            <a:ext cx="8228880" cy="7360559"/>
+            <a:off x="457200" y="1600201"/>
+            <a:ext cx="8228880" cy="4997152"/>
           </a:xfrm>
           <a:custGeom>
             <a:avLst/>
@@ -11572,7 +13728,341 @@
           <a:bodyPr vert="horz" wrap="square" lIns="90000" tIns="45000" rIns="90000" bIns="45000" anchor="t" compatLnSpc="0"/>
           <a:lstStyle/>
           <a:p>
-            <a:pPr marL="0" marR="0" lvl="0" indent="0" rtl="0" hangingPunct="0">
+            <a:pPr marL="285750" lvl="0" indent="-285750" hangingPunct="0">
+              <a:buFont typeface="Arial" pitchFamily="34" charset="0"/>
+              <a:buChar char="•"/>
+            </a:pPr>
+            <a:r>
+              <a:rPr lang="sv-SE" dirty="0" smtClean="0">
+                <a:latin typeface="Arial" pitchFamily="18"/>
+                <a:ea typeface="DejaVu Sans" pitchFamily="2"/>
+                <a:cs typeface="DejaVu Sans" pitchFamily="2"/>
+              </a:rPr>
+              <a:t>The </a:t>
+            </a:r>
+            <a:r>
+              <a:rPr lang="sv-SE" dirty="0" err="1" smtClean="0">
+                <a:latin typeface="Arial" pitchFamily="18"/>
+                <a:ea typeface="DejaVu Sans" pitchFamily="2"/>
+                <a:cs typeface="DejaVu Sans" pitchFamily="2"/>
+              </a:rPr>
+              <a:t>single</a:t>
+            </a:r>
+            <a:r>
+              <a:rPr lang="sv-SE" dirty="0" smtClean="0">
+                <a:latin typeface="Arial" pitchFamily="18"/>
+                <a:ea typeface="DejaVu Sans" pitchFamily="2"/>
+                <a:cs typeface="DejaVu Sans" pitchFamily="2"/>
+              </a:rPr>
+              <a:t> </a:t>
+            </a:r>
+            <a:r>
+              <a:rPr lang="sv-SE" dirty="0" err="1" smtClean="0">
+                <a:latin typeface="Arial" pitchFamily="18"/>
+                <a:ea typeface="DejaVu Sans" pitchFamily="2"/>
+                <a:cs typeface="DejaVu Sans" pitchFamily="2"/>
+              </a:rPr>
+              <a:t>responsibility</a:t>
+            </a:r>
+            <a:r>
+              <a:rPr lang="sv-SE" dirty="0" smtClean="0">
+                <a:latin typeface="Arial" pitchFamily="18"/>
+                <a:ea typeface="DejaVu Sans" pitchFamily="2"/>
+                <a:cs typeface="DejaVu Sans" pitchFamily="2"/>
+              </a:rPr>
+              <a:t> </a:t>
+            </a:r>
+            <a:r>
+              <a:rPr lang="sv-SE" dirty="0" err="1" smtClean="0">
+                <a:latin typeface="Arial" pitchFamily="18"/>
+                <a:ea typeface="DejaVu Sans" pitchFamily="2"/>
+                <a:cs typeface="DejaVu Sans" pitchFamily="2"/>
+              </a:rPr>
+              <a:t>principle</a:t>
+            </a:r>
+            <a:r>
+              <a:rPr lang="sv-SE" dirty="0">
+                <a:latin typeface="Arial" pitchFamily="18"/>
+                <a:ea typeface="DejaVu Sans" pitchFamily="2"/>
+                <a:cs typeface="DejaVu Sans" pitchFamily="2"/>
+              </a:rPr>
+              <a:t/>
+            </a:r>
+            <a:br>
+              <a:rPr lang="sv-SE" dirty="0">
+                <a:latin typeface="Arial" pitchFamily="18"/>
+                <a:ea typeface="DejaVu Sans" pitchFamily="2"/>
+                <a:cs typeface="DejaVu Sans" pitchFamily="2"/>
+              </a:rPr>
+            </a:br>
+            <a:r>
+              <a:rPr lang="sv-SE" b="0" i="0" u="none" strike="noStrike" kern="1200" spc="0" dirty="0" smtClean="0">
+                <a:ln>
+                  <a:noFill/>
+                </a:ln>
+                <a:latin typeface="Arial" pitchFamily="18"/>
+                <a:ea typeface="DejaVu Sans" pitchFamily="2"/>
+                <a:cs typeface="DejaVu Sans" pitchFamily="2"/>
+              </a:rPr>
+              <a:t>Software </a:t>
+            </a:r>
+            <a:r>
+              <a:rPr lang="sv-SE" b="0" i="0" u="none" strike="noStrike" kern="1200" spc="0" dirty="0" err="1">
+                <a:ln>
+                  <a:noFill/>
+                </a:ln>
+                <a:latin typeface="Arial" pitchFamily="18"/>
+                <a:ea typeface="DejaVu Sans" pitchFamily="2"/>
+                <a:cs typeface="DejaVu Sans" pitchFamily="2"/>
+              </a:rPr>
+              <a:t>entities</a:t>
+            </a:r>
+            <a:r>
+              <a:rPr lang="sv-SE" b="0" i="0" u="none" strike="noStrike" kern="1200" spc="0" dirty="0">
+                <a:ln>
+                  <a:noFill/>
+                </a:ln>
+                <a:latin typeface="Arial" pitchFamily="18"/>
+                <a:ea typeface="DejaVu Sans" pitchFamily="2"/>
+                <a:cs typeface="DejaVu Sans" pitchFamily="2"/>
+              </a:rPr>
+              <a:t>* </a:t>
+            </a:r>
+            <a:r>
+              <a:rPr lang="sv-SE" b="0" i="0" u="none" strike="noStrike" kern="1200" spc="0" dirty="0" err="1">
+                <a:ln>
+                  <a:noFill/>
+                </a:ln>
+                <a:latin typeface="Arial" pitchFamily="18"/>
+                <a:ea typeface="DejaVu Sans" pitchFamily="2"/>
+                <a:cs typeface="DejaVu Sans" pitchFamily="2"/>
+              </a:rPr>
+              <a:t>should</a:t>
+            </a:r>
+            <a:r>
+              <a:rPr lang="sv-SE" b="0" i="0" u="none" strike="noStrike" kern="1200" spc="0" dirty="0">
+                <a:ln>
+                  <a:noFill/>
+                </a:ln>
+                <a:latin typeface="Arial" pitchFamily="18"/>
+                <a:ea typeface="DejaVu Sans" pitchFamily="2"/>
+                <a:cs typeface="DejaVu Sans" pitchFamily="2"/>
+              </a:rPr>
+              <a:t> </a:t>
+            </a:r>
+            <a:r>
+              <a:rPr lang="sv-SE" b="0" i="0" u="none" strike="noStrike" kern="1200" spc="0" dirty="0" err="1">
+                <a:ln>
+                  <a:noFill/>
+                </a:ln>
+                <a:latin typeface="Arial" pitchFamily="18"/>
+                <a:ea typeface="DejaVu Sans" pitchFamily="2"/>
+                <a:cs typeface="DejaVu Sans" pitchFamily="2"/>
+              </a:rPr>
+              <a:t>have</a:t>
+            </a:r>
+            <a:r>
+              <a:rPr lang="sv-SE" b="0" i="0" u="none" strike="noStrike" kern="1200" spc="0" dirty="0">
+                <a:ln>
+                  <a:noFill/>
+                </a:ln>
+                <a:latin typeface="Arial" pitchFamily="18"/>
+                <a:ea typeface="DejaVu Sans" pitchFamily="2"/>
+                <a:cs typeface="DejaVu Sans" pitchFamily="2"/>
+              </a:rPr>
+              <a:t> </a:t>
+            </a:r>
+            <a:r>
+              <a:rPr lang="sv-SE" b="0" i="0" u="none" strike="noStrike" kern="1200" spc="0" dirty="0" err="1">
+                <a:ln>
+                  <a:noFill/>
+                </a:ln>
+                <a:latin typeface="Arial" pitchFamily="18"/>
+                <a:ea typeface="DejaVu Sans" pitchFamily="2"/>
+                <a:cs typeface="DejaVu Sans" pitchFamily="2"/>
+              </a:rPr>
+              <a:t>only</a:t>
+            </a:r>
+            <a:r>
+              <a:rPr lang="sv-SE" b="0" i="0" u="none" strike="noStrike" kern="1200" spc="0" dirty="0">
+                <a:ln>
+                  <a:noFill/>
+                </a:ln>
+                <a:latin typeface="Arial" pitchFamily="18"/>
+                <a:ea typeface="DejaVu Sans" pitchFamily="2"/>
+                <a:cs typeface="DejaVu Sans" pitchFamily="2"/>
+              </a:rPr>
+              <a:t> </a:t>
+            </a:r>
+            <a:r>
+              <a:rPr lang="sv-SE" b="0" i="0" u="none" strike="noStrike" kern="1200" spc="0" dirty="0" err="1">
+                <a:ln>
+                  <a:noFill/>
+                </a:ln>
+                <a:latin typeface="Arial" pitchFamily="18"/>
+                <a:ea typeface="DejaVu Sans" pitchFamily="2"/>
+                <a:cs typeface="DejaVu Sans" pitchFamily="2"/>
+              </a:rPr>
+              <a:t>one</a:t>
+            </a:r>
+            <a:r>
+              <a:rPr lang="sv-SE" b="0" i="0" u="none" strike="noStrike" kern="1200" spc="0" dirty="0">
+                <a:ln>
+                  <a:noFill/>
+                </a:ln>
+                <a:latin typeface="Arial" pitchFamily="18"/>
+                <a:ea typeface="DejaVu Sans" pitchFamily="2"/>
+                <a:cs typeface="DejaVu Sans" pitchFamily="2"/>
+              </a:rPr>
+              <a:t> </a:t>
+            </a:r>
+            <a:r>
+              <a:rPr lang="sv-SE" b="0" i="0" u="none" strike="noStrike" kern="1200" spc="0" dirty="0" err="1">
+                <a:ln>
+                  <a:noFill/>
+                </a:ln>
+                <a:latin typeface="Arial" pitchFamily="18"/>
+                <a:ea typeface="DejaVu Sans" pitchFamily="2"/>
+                <a:cs typeface="DejaVu Sans" pitchFamily="2"/>
+              </a:rPr>
+              <a:t>reason</a:t>
+            </a:r>
+            <a:r>
+              <a:rPr lang="sv-SE" b="0" i="0" u="none" strike="noStrike" kern="1200" spc="0" dirty="0">
+                <a:ln>
+                  <a:noFill/>
+                </a:ln>
+                <a:latin typeface="Arial" pitchFamily="18"/>
+                <a:ea typeface="DejaVu Sans" pitchFamily="2"/>
+                <a:cs typeface="DejaVu Sans" pitchFamily="2"/>
+              </a:rPr>
+              <a:t> </a:t>
+            </a:r>
+            <a:r>
+              <a:rPr lang="sv-SE" b="0" i="0" u="none" strike="noStrike" kern="1200" spc="0" dirty="0" err="1">
+                <a:ln>
+                  <a:noFill/>
+                </a:ln>
+                <a:latin typeface="Arial" pitchFamily="18"/>
+                <a:ea typeface="DejaVu Sans" pitchFamily="2"/>
+                <a:cs typeface="DejaVu Sans" pitchFamily="2"/>
+              </a:rPr>
+              <a:t>to</a:t>
+            </a:r>
+            <a:r>
+              <a:rPr lang="sv-SE" b="0" i="0" u="none" strike="noStrike" kern="1200" spc="0" dirty="0">
+                <a:ln>
+                  <a:noFill/>
+                </a:ln>
+                <a:latin typeface="Arial" pitchFamily="18"/>
+                <a:ea typeface="DejaVu Sans" pitchFamily="2"/>
+                <a:cs typeface="DejaVu Sans" pitchFamily="2"/>
+              </a:rPr>
+              <a:t> </a:t>
+            </a:r>
+            <a:r>
+              <a:rPr lang="sv-SE" b="0" i="0" u="none" strike="noStrike" kern="1200" spc="0" dirty="0" err="1" smtClean="0">
+                <a:ln>
+                  <a:noFill/>
+                </a:ln>
+                <a:latin typeface="Arial" pitchFamily="18"/>
+                <a:ea typeface="DejaVu Sans" pitchFamily="2"/>
+                <a:cs typeface="DejaVu Sans" pitchFamily="2"/>
+              </a:rPr>
+              <a:t>change</a:t>
+            </a:r>
+            <a:r>
+              <a:rPr lang="sv-SE" dirty="0">
+                <a:latin typeface="Arial" pitchFamily="18"/>
+                <a:ea typeface="DejaVu Sans" pitchFamily="2"/>
+                <a:cs typeface="DejaVu Sans" pitchFamily="2"/>
+              </a:rPr>
+              <a:t/>
+            </a:r>
+            <a:br>
+              <a:rPr lang="sv-SE" dirty="0">
+                <a:latin typeface="Arial" pitchFamily="18"/>
+                <a:ea typeface="DejaVu Sans" pitchFamily="2"/>
+                <a:cs typeface="DejaVu Sans" pitchFamily="2"/>
+              </a:rPr>
+            </a:br>
+            <a:r>
+              <a:rPr lang="sv-SE" b="0" i="0" u="none" strike="noStrike" kern="1200" spc="0" dirty="0" smtClean="0">
+                <a:ln>
+                  <a:noFill/>
+                </a:ln>
+                <a:latin typeface="Arial" pitchFamily="18"/>
+                <a:ea typeface="DejaVu Sans" pitchFamily="2"/>
+                <a:cs typeface="DejaVu Sans" pitchFamily="2"/>
+              </a:rPr>
+              <a:t>*</a:t>
+            </a:r>
+            <a:r>
+              <a:rPr lang="sv-SE" b="0" i="0" u="none" strike="noStrike" kern="1200" spc="0" dirty="0" err="1" smtClean="0">
+                <a:ln>
+                  <a:noFill/>
+                </a:ln>
+                <a:latin typeface="Arial" pitchFamily="18"/>
+                <a:ea typeface="DejaVu Sans" pitchFamily="2"/>
+                <a:cs typeface="DejaVu Sans" pitchFamily="2"/>
+              </a:rPr>
+              <a:t>classes</a:t>
+            </a:r>
+            <a:r>
+              <a:rPr lang="sv-SE" b="0" i="0" u="none" strike="noStrike" kern="1200" spc="0" dirty="0">
+                <a:ln>
+                  <a:noFill/>
+                </a:ln>
+                <a:latin typeface="Arial" pitchFamily="18"/>
+                <a:ea typeface="DejaVu Sans" pitchFamily="2"/>
+                <a:cs typeface="DejaVu Sans" pitchFamily="2"/>
+              </a:rPr>
+              <a:t>, interfaces, </a:t>
+            </a:r>
+            <a:r>
+              <a:rPr lang="sv-SE" b="0" i="0" u="none" strike="noStrike" kern="1200" spc="0" dirty="0" err="1">
+                <a:ln>
+                  <a:noFill/>
+                </a:ln>
+                <a:latin typeface="Arial" pitchFamily="18"/>
+                <a:ea typeface="DejaVu Sans" pitchFamily="2"/>
+                <a:cs typeface="DejaVu Sans" pitchFamily="2"/>
+              </a:rPr>
+              <a:t>functions</a:t>
+            </a:r>
+            <a:r>
+              <a:rPr lang="sv-SE" b="0" i="0" u="none" strike="noStrike" kern="1200" spc="0" dirty="0">
+                <a:ln>
+                  <a:noFill/>
+                </a:ln>
+                <a:latin typeface="Arial" pitchFamily="18"/>
+                <a:ea typeface="DejaVu Sans" pitchFamily="2"/>
+                <a:cs typeface="DejaVu Sans" pitchFamily="2"/>
+              </a:rPr>
+              <a:t>, </a:t>
+            </a:r>
+            <a:r>
+              <a:rPr lang="sv-SE" b="0" i="0" u="none" strike="noStrike" kern="1200" spc="0" dirty="0" err="1">
+                <a:ln>
+                  <a:noFill/>
+                </a:ln>
+                <a:latin typeface="Arial" pitchFamily="18"/>
+                <a:ea typeface="DejaVu Sans" pitchFamily="2"/>
+                <a:cs typeface="DejaVu Sans" pitchFamily="2"/>
+              </a:rPr>
+              <a:t>etc</a:t>
+            </a:r>
+            <a:endParaRPr lang="sv-SE" b="0" i="0" u="none" strike="noStrike" kern="1200" spc="0" dirty="0">
+              <a:ln>
+                <a:noFill/>
+              </a:ln>
+              <a:latin typeface="Arial" pitchFamily="18"/>
+              <a:ea typeface="DejaVu Sans" pitchFamily="2"/>
+              <a:cs typeface="DejaVu Sans" pitchFamily="2"/>
+            </a:endParaRPr>
+          </a:p>
+          <a:p>
+            <a:pPr marL="342900" marR="0" lvl="0" indent="-342900" rtl="0" hangingPunct="0">
               <a:lnSpc>
                 <a:spcPct val="100000"/>
               </a:lnSpc>
@@ -11582,11 +14072,12 @@
               <a:spcAft>
                 <a:spcPts val="0"/>
               </a:spcAft>
-              <a:buNone/>
+              <a:buFont typeface="Arial" pitchFamily="34" charset="0"/>
+              <a:buChar char="•"/>
               <a:tabLst/>
             </a:pPr>
             <a:r>
-              <a:rPr lang="sv-SE" sz="1800" b="0" i="0" u="none" strike="noStrike" kern="1200" spc="0">
+              <a:rPr lang="sv-SE" b="0" i="0" u="none" strike="noStrike" kern="1200" spc="0" dirty="0">
                 <a:ln>
                   <a:noFill/>
                 </a:ln>
@@ -11597,7 +14088,7 @@
               <a:t>The </a:t>
             </a:r>
             <a:r>
-              <a:rPr lang="sv-SE" sz="1800" b="0" i="0" u="sng" strike="noStrike" kern="1200" spc="0">
+              <a:rPr lang="sv-SE" b="0" i="0" u="sng" strike="noStrike" kern="1200" spc="0" dirty="0" err="1">
                 <a:ln>
                   <a:noFill/>
                 </a:ln>
@@ -11606,22 +14097,221 @@
                 <a:ea typeface="DejaVu Sans" pitchFamily="2"/>
                 <a:cs typeface="DejaVu Sans" pitchFamily="2"/>
               </a:rPr>
-              <a:t>S</a:t>
-            </a:r>
-            <a:r>
-              <a:rPr lang="sv-SE" sz="1800" b="0" i="0" u="none" strike="noStrike" kern="1200" spc="0">
-                <a:ln>
-                  <a:noFill/>
-                </a:ln>
-                <a:latin typeface="Arial" pitchFamily="18"/>
-                <a:ea typeface="DejaVu Sans" pitchFamily="2"/>
-                <a:cs typeface="DejaVu Sans" pitchFamily="2"/>
-              </a:rPr>
-              <a:t>ingle Responsibility Principle</a:t>
-            </a:r>
-          </a:p>
-          <a:p>
-            <a:pPr marL="0" marR="0" lvl="0" indent="0" rtl="0" hangingPunct="0">
+              <a:t>O</a:t>
+            </a:r>
+            <a:r>
+              <a:rPr lang="sv-SE" b="0" i="0" u="none" strike="noStrike" kern="1200" spc="0" dirty="0" err="1">
+                <a:ln>
+                  <a:noFill/>
+                </a:ln>
+                <a:latin typeface="Arial" pitchFamily="18"/>
+                <a:ea typeface="DejaVu Sans" pitchFamily="2"/>
+                <a:cs typeface="DejaVu Sans" pitchFamily="2"/>
+              </a:rPr>
+              <a:t>pen</a:t>
+            </a:r>
+            <a:r>
+              <a:rPr lang="sv-SE" b="0" i="0" u="none" strike="noStrike" kern="1200" spc="0" dirty="0">
+                <a:ln>
+                  <a:noFill/>
+                </a:ln>
+                <a:latin typeface="Arial" pitchFamily="18"/>
+                <a:ea typeface="DejaVu Sans" pitchFamily="2"/>
+                <a:cs typeface="DejaVu Sans" pitchFamily="2"/>
+              </a:rPr>
+              <a:t> </a:t>
+            </a:r>
+            <a:r>
+              <a:rPr lang="sv-SE" b="0" i="0" u="none" strike="noStrike" kern="1200" spc="0" dirty="0" err="1">
+                <a:ln>
+                  <a:noFill/>
+                </a:ln>
+                <a:latin typeface="Arial" pitchFamily="18"/>
+                <a:ea typeface="DejaVu Sans" pitchFamily="2"/>
+                <a:cs typeface="DejaVu Sans" pitchFamily="2"/>
+              </a:rPr>
+              <a:t>Closed</a:t>
+            </a:r>
+            <a:r>
+              <a:rPr lang="sv-SE" b="0" i="0" u="none" strike="noStrike" kern="1200" spc="0" dirty="0">
+                <a:ln>
+                  <a:noFill/>
+                </a:ln>
+                <a:latin typeface="Arial" pitchFamily="18"/>
+                <a:ea typeface="DejaVu Sans" pitchFamily="2"/>
+                <a:cs typeface="DejaVu Sans" pitchFamily="2"/>
+              </a:rPr>
+              <a:t> </a:t>
+            </a:r>
+            <a:r>
+              <a:rPr lang="sv-SE" b="0" i="0" u="none" strike="noStrike" kern="1200" spc="0" dirty="0" err="1" smtClean="0">
+                <a:ln>
+                  <a:noFill/>
+                </a:ln>
+                <a:latin typeface="Arial" pitchFamily="18"/>
+                <a:ea typeface="DejaVu Sans" pitchFamily="2"/>
+                <a:cs typeface="DejaVu Sans" pitchFamily="2"/>
+              </a:rPr>
+              <a:t>Principle</a:t>
+            </a:r>
+            <a:r>
+              <a:rPr lang="sv-SE" dirty="0" smtClean="0">
+                <a:latin typeface="Arial" pitchFamily="18"/>
+                <a:ea typeface="DejaVu Sans" pitchFamily="2"/>
+                <a:cs typeface="DejaVu Sans" pitchFamily="2"/>
+              </a:rPr>
+              <a:t>*</a:t>
+            </a:r>
+            <a:br>
+              <a:rPr lang="sv-SE" dirty="0" smtClean="0">
+                <a:latin typeface="Arial" pitchFamily="18"/>
+                <a:ea typeface="DejaVu Sans" pitchFamily="2"/>
+                <a:cs typeface="DejaVu Sans" pitchFamily="2"/>
+              </a:rPr>
+            </a:br>
+            <a:r>
+              <a:rPr lang="sv-SE" b="0" i="0" u="none" strike="noStrike" kern="1200" spc="0" dirty="0" smtClean="0">
+                <a:ln>
+                  <a:noFill/>
+                </a:ln>
+                <a:latin typeface="Arial" pitchFamily="18"/>
+                <a:ea typeface="DejaVu Sans" pitchFamily="2"/>
+                <a:cs typeface="DejaVu Sans" pitchFamily="2"/>
+              </a:rPr>
+              <a:t>Software </a:t>
+            </a:r>
+            <a:r>
+              <a:rPr lang="sv-SE" b="0" i="0" u="none" strike="noStrike" kern="1200" spc="0" dirty="0" err="1">
+                <a:ln>
+                  <a:noFill/>
+                </a:ln>
+                <a:latin typeface="Arial" pitchFamily="18"/>
+                <a:ea typeface="DejaVu Sans" pitchFamily="2"/>
+                <a:cs typeface="DejaVu Sans" pitchFamily="2"/>
+              </a:rPr>
+              <a:t>entities</a:t>
+            </a:r>
+            <a:r>
+              <a:rPr lang="sv-SE" b="0" i="0" u="none" strike="noStrike" kern="1200" spc="0" dirty="0">
+                <a:ln>
+                  <a:noFill/>
+                </a:ln>
+                <a:latin typeface="Arial" pitchFamily="18"/>
+                <a:ea typeface="DejaVu Sans" pitchFamily="2"/>
+                <a:cs typeface="DejaVu Sans" pitchFamily="2"/>
+              </a:rPr>
+              <a:t> </a:t>
+            </a:r>
+            <a:r>
+              <a:rPr lang="sv-SE" b="0" i="0" u="none" strike="noStrike" kern="1200" spc="0" dirty="0" err="1">
+                <a:ln>
+                  <a:noFill/>
+                </a:ln>
+                <a:latin typeface="Arial" pitchFamily="18"/>
+                <a:ea typeface="DejaVu Sans" pitchFamily="2"/>
+                <a:cs typeface="DejaVu Sans" pitchFamily="2"/>
+              </a:rPr>
+              <a:t>should</a:t>
+            </a:r>
+            <a:r>
+              <a:rPr lang="sv-SE" b="0" i="0" u="none" strike="noStrike" kern="1200" spc="0" dirty="0">
+                <a:ln>
+                  <a:noFill/>
+                </a:ln>
+                <a:latin typeface="Arial" pitchFamily="18"/>
+                <a:ea typeface="DejaVu Sans" pitchFamily="2"/>
+                <a:cs typeface="DejaVu Sans" pitchFamily="2"/>
+              </a:rPr>
+              <a:t> be </a:t>
+            </a:r>
+            <a:r>
+              <a:rPr lang="sv-SE" b="0" i="0" u="none" strike="noStrike" kern="1200" spc="0" dirty="0" err="1">
+                <a:ln>
+                  <a:noFill/>
+                </a:ln>
+                <a:latin typeface="Arial" pitchFamily="18"/>
+                <a:ea typeface="DejaVu Sans" pitchFamily="2"/>
+                <a:cs typeface="DejaVu Sans" pitchFamily="2"/>
+              </a:rPr>
+              <a:t>open</a:t>
+            </a:r>
+            <a:r>
+              <a:rPr lang="sv-SE" b="0" i="0" u="none" strike="noStrike" kern="1200" spc="0" dirty="0">
+                <a:ln>
+                  <a:noFill/>
+                </a:ln>
+                <a:latin typeface="Arial" pitchFamily="18"/>
+                <a:ea typeface="DejaVu Sans" pitchFamily="2"/>
+                <a:cs typeface="DejaVu Sans" pitchFamily="2"/>
+              </a:rPr>
+              <a:t> for extension </a:t>
+            </a:r>
+            <a:r>
+              <a:rPr lang="sv-SE" b="0" i="0" u="none" strike="noStrike" kern="1200" spc="0" dirty="0" err="1">
+                <a:ln>
+                  <a:noFill/>
+                </a:ln>
+                <a:latin typeface="Arial" pitchFamily="18"/>
+                <a:ea typeface="DejaVu Sans" pitchFamily="2"/>
+                <a:cs typeface="DejaVu Sans" pitchFamily="2"/>
+              </a:rPr>
+              <a:t>but</a:t>
+            </a:r>
+            <a:r>
+              <a:rPr lang="sv-SE" b="0" i="0" u="none" strike="noStrike" kern="1200" spc="0" dirty="0">
+                <a:ln>
+                  <a:noFill/>
+                </a:ln>
+                <a:latin typeface="Arial" pitchFamily="18"/>
+                <a:ea typeface="DejaVu Sans" pitchFamily="2"/>
+                <a:cs typeface="DejaVu Sans" pitchFamily="2"/>
+              </a:rPr>
+              <a:t> </a:t>
+            </a:r>
+            <a:r>
+              <a:rPr lang="sv-SE" b="0" i="0" u="none" strike="noStrike" kern="1200" spc="0" dirty="0" err="1">
+                <a:ln>
+                  <a:noFill/>
+                </a:ln>
+                <a:latin typeface="Arial" pitchFamily="18"/>
+                <a:ea typeface="DejaVu Sans" pitchFamily="2"/>
+                <a:cs typeface="DejaVu Sans" pitchFamily="2"/>
+              </a:rPr>
+              <a:t>closed</a:t>
+            </a:r>
+            <a:r>
+              <a:rPr lang="sv-SE" b="0" i="0" u="none" strike="noStrike" kern="1200" spc="0" dirty="0">
+                <a:ln>
+                  <a:noFill/>
+                </a:ln>
+                <a:latin typeface="Arial" pitchFamily="18"/>
+                <a:ea typeface="DejaVu Sans" pitchFamily="2"/>
+                <a:cs typeface="DejaVu Sans" pitchFamily="2"/>
+              </a:rPr>
+              <a:t> for </a:t>
+            </a:r>
+            <a:r>
+              <a:rPr lang="sv-SE" b="0" i="0" u="none" strike="noStrike" kern="1200" spc="0" dirty="0" err="1">
+                <a:ln>
+                  <a:noFill/>
+                </a:ln>
+                <a:latin typeface="Arial" pitchFamily="18"/>
+                <a:ea typeface="DejaVu Sans" pitchFamily="2"/>
+                <a:cs typeface="DejaVu Sans" pitchFamily="2"/>
+              </a:rPr>
+              <a:t>modification</a:t>
+            </a:r>
+            <a:endParaRPr lang="sv-SE" b="0" i="0" u="none" strike="noStrike" kern="1200" spc="0" dirty="0">
+              <a:ln>
+                <a:noFill/>
+              </a:ln>
+              <a:latin typeface="Arial" pitchFamily="18"/>
+              <a:ea typeface="DejaVu Sans" pitchFamily="2"/>
+              <a:cs typeface="DejaVu Sans" pitchFamily="2"/>
+            </a:endParaRPr>
+          </a:p>
+          <a:p>
+            <a:pPr marL="342900" marR="0" lvl="0" indent="-342900" rtl="0" hangingPunct="0">
               <a:lnSpc>
                 <a:spcPct val="100000"/>
               </a:lnSpc>
@@ -11631,26 +14321,216 @@
               <a:spcAft>
                 <a:spcPts val="0"/>
               </a:spcAft>
-              <a:buNone/>
+              <a:buFont typeface="Arial" pitchFamily="34" charset="0"/>
+              <a:buChar char="•"/>
               <a:tabLst/>
             </a:pPr>
             <a:r>
-              <a:rPr lang="sv-SE" sz="1800" b="0" i="0" u="none" strike="noStrike" kern="1200" spc="0">
-                <a:ln>
-                  <a:noFill/>
-                </a:ln>
-                <a:solidFill>
-                  <a:srgbClr val="1F497D"/>
-                </a:solidFill>
-                <a:latin typeface="Arial" pitchFamily="18"/>
-                <a:ea typeface="DejaVu Sans" pitchFamily="2"/>
-                <a:cs typeface="DejaVu Sans" pitchFamily="2"/>
-              </a:rPr>
-              <a:t>Software entities* should have only one reason to change</a:t>
-            </a:r>
-          </a:p>
-          <a:p>
-            <a:pPr marL="0" marR="0" lvl="0" indent="0" rtl="0" hangingPunct="0">
+              <a:rPr lang="sv-SE" b="0" i="0" u="none" strike="noStrike" kern="1200" spc="0" dirty="0">
+                <a:ln>
+                  <a:noFill/>
+                </a:ln>
+                <a:latin typeface="Arial" pitchFamily="18"/>
+                <a:ea typeface="DejaVu Sans" pitchFamily="2"/>
+                <a:cs typeface="DejaVu Sans" pitchFamily="2"/>
+              </a:rPr>
+              <a:t>The </a:t>
+            </a:r>
+            <a:r>
+              <a:rPr lang="sv-SE" b="0" i="0" u="sng" strike="noStrike" kern="1200" spc="0" dirty="0" err="1">
+                <a:ln>
+                  <a:noFill/>
+                </a:ln>
+                <a:uFillTx/>
+                <a:latin typeface="Arial" pitchFamily="18"/>
+                <a:ea typeface="DejaVu Sans" pitchFamily="2"/>
+                <a:cs typeface="DejaVu Sans" pitchFamily="2"/>
+              </a:rPr>
+              <a:t>L</a:t>
+            </a:r>
+            <a:r>
+              <a:rPr lang="sv-SE" b="0" i="0" u="none" strike="noStrike" kern="1200" spc="0" dirty="0" err="1">
+                <a:ln>
+                  <a:noFill/>
+                </a:ln>
+                <a:latin typeface="Arial" pitchFamily="18"/>
+                <a:ea typeface="DejaVu Sans" pitchFamily="2"/>
+                <a:cs typeface="DejaVu Sans" pitchFamily="2"/>
+              </a:rPr>
+              <a:t>iskov</a:t>
+            </a:r>
+            <a:r>
+              <a:rPr lang="sv-SE" b="0" i="0" u="none" strike="noStrike" kern="1200" spc="0" dirty="0">
+                <a:ln>
+                  <a:noFill/>
+                </a:ln>
+                <a:latin typeface="Arial" pitchFamily="18"/>
+                <a:ea typeface="DejaVu Sans" pitchFamily="2"/>
+                <a:cs typeface="DejaVu Sans" pitchFamily="2"/>
+              </a:rPr>
+              <a:t> Substitution </a:t>
+            </a:r>
+            <a:r>
+              <a:rPr lang="sv-SE" b="0" i="0" u="none" strike="noStrike" kern="1200" spc="0" dirty="0" err="1" smtClean="0">
+                <a:ln>
+                  <a:noFill/>
+                </a:ln>
+                <a:latin typeface="Arial" pitchFamily="18"/>
+                <a:ea typeface="DejaVu Sans" pitchFamily="2"/>
+                <a:cs typeface="DejaVu Sans" pitchFamily="2"/>
+              </a:rPr>
+              <a:t>Principle</a:t>
+            </a:r>
+            <a:r>
+              <a:rPr lang="sv-SE" dirty="0">
+                <a:latin typeface="Arial" pitchFamily="18"/>
+                <a:ea typeface="DejaVu Sans" pitchFamily="2"/>
+                <a:cs typeface="DejaVu Sans" pitchFamily="2"/>
+              </a:rPr>
+              <a:t/>
+            </a:r>
+            <a:br>
+              <a:rPr lang="sv-SE" dirty="0">
+                <a:latin typeface="Arial" pitchFamily="18"/>
+                <a:ea typeface="DejaVu Sans" pitchFamily="2"/>
+                <a:cs typeface="DejaVu Sans" pitchFamily="2"/>
+              </a:rPr>
+            </a:br>
+            <a:r>
+              <a:rPr lang="sv-SE" b="0" i="0" u="none" strike="noStrike" kern="1200" spc="0" dirty="0" err="1" smtClean="0">
+                <a:ln>
+                  <a:noFill/>
+                </a:ln>
+                <a:latin typeface="Arial" pitchFamily="18"/>
+                <a:ea typeface="DejaVu Sans" pitchFamily="2"/>
+                <a:cs typeface="DejaVu Sans" pitchFamily="2"/>
+              </a:rPr>
+              <a:t>Derived</a:t>
+            </a:r>
+            <a:r>
+              <a:rPr lang="sv-SE" b="0" i="0" u="none" strike="noStrike" kern="1200" spc="0" dirty="0" smtClean="0">
+                <a:ln>
+                  <a:noFill/>
+                </a:ln>
+                <a:latin typeface="Arial" pitchFamily="18"/>
+                <a:ea typeface="DejaVu Sans" pitchFamily="2"/>
+                <a:cs typeface="DejaVu Sans" pitchFamily="2"/>
+              </a:rPr>
+              <a:t> </a:t>
+            </a:r>
+            <a:r>
+              <a:rPr lang="sv-SE" b="0" i="0" u="none" strike="noStrike" kern="1200" spc="0" dirty="0" err="1">
+                <a:ln>
+                  <a:noFill/>
+                </a:ln>
+                <a:latin typeface="Arial" pitchFamily="18"/>
+                <a:ea typeface="DejaVu Sans" pitchFamily="2"/>
+                <a:cs typeface="DejaVu Sans" pitchFamily="2"/>
+              </a:rPr>
+              <a:t>classes</a:t>
+            </a:r>
+            <a:r>
+              <a:rPr lang="sv-SE" b="0" i="0" u="none" strike="noStrike" kern="1200" spc="0" dirty="0">
+                <a:ln>
+                  <a:noFill/>
+                </a:ln>
+                <a:latin typeface="Arial" pitchFamily="18"/>
+                <a:ea typeface="DejaVu Sans" pitchFamily="2"/>
+                <a:cs typeface="DejaVu Sans" pitchFamily="2"/>
+              </a:rPr>
+              <a:t> must be </a:t>
+            </a:r>
+            <a:r>
+              <a:rPr lang="sv-SE" b="0" i="0" u="none" strike="noStrike" kern="1200" spc="0" dirty="0" err="1">
+                <a:ln>
+                  <a:noFill/>
+                </a:ln>
+                <a:latin typeface="Arial" pitchFamily="18"/>
+                <a:ea typeface="DejaVu Sans" pitchFamily="2"/>
+                <a:cs typeface="DejaVu Sans" pitchFamily="2"/>
+              </a:rPr>
+              <a:t>substitutable</a:t>
+            </a:r>
+            <a:r>
+              <a:rPr lang="sv-SE" b="0" i="0" u="none" strike="noStrike" kern="1200" spc="0" dirty="0">
+                <a:ln>
+                  <a:noFill/>
+                </a:ln>
+                <a:latin typeface="Arial" pitchFamily="18"/>
+                <a:ea typeface="DejaVu Sans" pitchFamily="2"/>
+                <a:cs typeface="DejaVu Sans" pitchFamily="2"/>
+              </a:rPr>
+              <a:t> for </a:t>
+            </a:r>
+            <a:r>
+              <a:rPr lang="sv-SE" b="0" i="0" u="none" strike="noStrike" kern="1200" spc="0" dirty="0" err="1">
+                <a:ln>
+                  <a:noFill/>
+                </a:ln>
+                <a:latin typeface="Arial" pitchFamily="18"/>
+                <a:ea typeface="DejaVu Sans" pitchFamily="2"/>
+                <a:cs typeface="DejaVu Sans" pitchFamily="2"/>
+              </a:rPr>
+              <a:t>their</a:t>
+            </a:r>
+            <a:r>
+              <a:rPr lang="sv-SE" b="0" i="0" u="none" strike="noStrike" kern="1200" spc="0" dirty="0">
+                <a:ln>
+                  <a:noFill/>
+                </a:ln>
+                <a:latin typeface="Arial" pitchFamily="18"/>
+                <a:ea typeface="DejaVu Sans" pitchFamily="2"/>
+                <a:cs typeface="DejaVu Sans" pitchFamily="2"/>
+              </a:rPr>
+              <a:t> </a:t>
+            </a:r>
+            <a:r>
+              <a:rPr lang="sv-SE" b="0" i="0" u="none" strike="noStrike" kern="1200" spc="0" dirty="0" err="1">
+                <a:ln>
+                  <a:noFill/>
+                </a:ln>
+                <a:latin typeface="Arial" pitchFamily="18"/>
+                <a:ea typeface="DejaVu Sans" pitchFamily="2"/>
+                <a:cs typeface="DejaVu Sans" pitchFamily="2"/>
+              </a:rPr>
+              <a:t>base</a:t>
+            </a:r>
+            <a:r>
+              <a:rPr lang="sv-SE" b="0" i="0" u="none" strike="noStrike" kern="1200" spc="0" dirty="0">
+                <a:ln>
+                  <a:noFill/>
+                </a:ln>
+                <a:latin typeface="Arial" pitchFamily="18"/>
+                <a:ea typeface="DejaVu Sans" pitchFamily="2"/>
+                <a:cs typeface="DejaVu Sans" pitchFamily="2"/>
+              </a:rPr>
+              <a:t> </a:t>
+            </a:r>
+            <a:r>
+              <a:rPr lang="sv-SE" b="0" i="0" u="none" strike="noStrike" kern="1200" spc="0" dirty="0" err="1">
+                <a:ln>
+                  <a:noFill/>
+                </a:ln>
+                <a:latin typeface="Arial" pitchFamily="18"/>
+                <a:ea typeface="DejaVu Sans" pitchFamily="2"/>
+                <a:cs typeface="DejaVu Sans" pitchFamily="2"/>
+              </a:rPr>
+              <a:t>classes</a:t>
+            </a:r>
+            <a:r>
+              <a:rPr lang="sv-SE" b="0" i="0" u="none" strike="noStrike" kern="1200" spc="0" dirty="0">
+                <a:ln>
+                  <a:noFill/>
+                </a:ln>
+                <a:latin typeface="Arial" pitchFamily="18"/>
+                <a:ea typeface="DejaVu Sans" pitchFamily="2"/>
+                <a:cs typeface="DejaVu Sans" pitchFamily="2"/>
+              </a:rPr>
+              <a:t>/interfaces</a:t>
+            </a:r>
+          </a:p>
+          <a:p>
+            <a:pPr marL="342900" marR="0" lvl="0" indent="-342900" rtl="0" hangingPunct="0">
               <a:lnSpc>
                 <a:spcPct val="100000"/>
               </a:lnSpc>
@@ -11660,40 +14540,246 @@
               <a:spcAft>
                 <a:spcPts val="0"/>
               </a:spcAft>
-              <a:buNone/>
+              <a:buFont typeface="Arial" pitchFamily="34" charset="0"/>
+              <a:buChar char="•"/>
               <a:tabLst/>
             </a:pPr>
             <a:r>
-              <a:rPr lang="sv-SE" sz="2600" b="0" i="0" u="none" strike="noStrike" kern="1200" spc="0">
-                <a:ln>
-                  <a:noFill/>
-                </a:ln>
-                <a:solidFill>
-                  <a:srgbClr val="1F497D"/>
-                </a:solidFill>
-                <a:latin typeface="Arial" pitchFamily="18"/>
-                <a:ea typeface="DejaVu Sans" pitchFamily="2"/>
-                <a:cs typeface="DejaVu Sans" pitchFamily="2"/>
-              </a:rPr>
-              <a:t>*</a:t>
-            </a:r>
-            <a:r>
-              <a:rPr lang="sv-SE" sz="2200" b="0" i="0" u="none" strike="noStrike" kern="1200" spc="0">
-                <a:ln>
-                  <a:noFill/>
-                </a:ln>
-                <a:solidFill>
-                  <a:srgbClr val="1F497D"/>
-                </a:solidFill>
-                <a:latin typeface="Arial" pitchFamily="18"/>
-                <a:ea typeface="DejaVu Sans" pitchFamily="2"/>
-                <a:cs typeface="DejaVu Sans" pitchFamily="2"/>
-              </a:rPr>
-              <a:t>classes, interfaces, functions, etc</a:t>
-            </a:r>
-          </a:p>
-          <a:p>
-            <a:pPr marL="0" marR="0" lvl="0" indent="0" rtl="0" hangingPunct="0">
+              <a:rPr lang="sv-SE" b="0" i="0" u="none" strike="noStrike" kern="1200" spc="0" dirty="0">
+                <a:ln>
+                  <a:noFill/>
+                </a:ln>
+                <a:latin typeface="Arial" pitchFamily="18"/>
+                <a:ea typeface="DejaVu Sans" pitchFamily="2"/>
+                <a:cs typeface="DejaVu Sans" pitchFamily="2"/>
+              </a:rPr>
+              <a:t>The </a:t>
+            </a:r>
+            <a:r>
+              <a:rPr lang="sv-SE" b="0" i="0" u="sng" strike="noStrike" kern="1200" spc="0" dirty="0">
+                <a:ln>
+                  <a:noFill/>
+                </a:ln>
+                <a:uFillTx/>
+                <a:latin typeface="Arial" pitchFamily="18"/>
+                <a:ea typeface="DejaVu Sans" pitchFamily="2"/>
+                <a:cs typeface="DejaVu Sans" pitchFamily="2"/>
+              </a:rPr>
+              <a:t>I</a:t>
+            </a:r>
+            <a:r>
+              <a:rPr lang="sv-SE" b="0" i="0" u="none" strike="noStrike" kern="1200" spc="0" dirty="0">
+                <a:ln>
+                  <a:noFill/>
+                </a:ln>
+                <a:latin typeface="Arial" pitchFamily="18"/>
+                <a:ea typeface="DejaVu Sans" pitchFamily="2"/>
+                <a:cs typeface="DejaVu Sans" pitchFamily="2"/>
+              </a:rPr>
+              <a:t>nterface Segregation </a:t>
+            </a:r>
+            <a:r>
+              <a:rPr lang="sv-SE" b="0" i="0" u="none" strike="noStrike" kern="1200" spc="0" dirty="0" err="1" smtClean="0">
+                <a:ln>
+                  <a:noFill/>
+                </a:ln>
+                <a:latin typeface="Arial" pitchFamily="18"/>
+                <a:ea typeface="DejaVu Sans" pitchFamily="2"/>
+                <a:cs typeface="DejaVu Sans" pitchFamily="2"/>
+              </a:rPr>
+              <a:t>Principle</a:t>
+            </a:r>
+            <a:r>
+              <a:rPr lang="sv-SE" dirty="0">
+                <a:latin typeface="Arial" pitchFamily="18"/>
+                <a:ea typeface="DejaVu Sans" pitchFamily="2"/>
+                <a:cs typeface="DejaVu Sans" pitchFamily="2"/>
+              </a:rPr>
+              <a:t/>
+            </a:r>
+            <a:br>
+              <a:rPr lang="sv-SE" dirty="0">
+                <a:latin typeface="Arial" pitchFamily="18"/>
+                <a:ea typeface="DejaVu Sans" pitchFamily="2"/>
+                <a:cs typeface="DejaVu Sans" pitchFamily="2"/>
+              </a:rPr>
+            </a:br>
+            <a:r>
+              <a:rPr lang="sv-SE" b="0" i="0" u="none" strike="noStrike" kern="1200" spc="0" dirty="0" err="1" smtClean="0">
+                <a:ln>
+                  <a:noFill/>
+                </a:ln>
+                <a:latin typeface="Arial" pitchFamily="18"/>
+                <a:ea typeface="DejaVu Sans" pitchFamily="2"/>
+                <a:cs typeface="DejaVu Sans" pitchFamily="2"/>
+              </a:rPr>
+              <a:t>Clients</a:t>
+            </a:r>
+            <a:r>
+              <a:rPr lang="sv-SE" b="0" i="0" u="none" strike="noStrike" kern="1200" spc="0" dirty="0" smtClean="0">
+                <a:ln>
+                  <a:noFill/>
+                </a:ln>
+                <a:latin typeface="Arial" pitchFamily="18"/>
+                <a:ea typeface="DejaVu Sans" pitchFamily="2"/>
+                <a:cs typeface="DejaVu Sans" pitchFamily="2"/>
+              </a:rPr>
+              <a:t> </a:t>
+            </a:r>
+            <a:r>
+              <a:rPr lang="sv-SE" b="0" i="0" u="none" strike="noStrike" kern="1200" spc="0" dirty="0" err="1">
+                <a:ln>
+                  <a:noFill/>
+                </a:ln>
+                <a:latin typeface="Arial" pitchFamily="18"/>
+                <a:ea typeface="DejaVu Sans" pitchFamily="2"/>
+                <a:cs typeface="DejaVu Sans" pitchFamily="2"/>
+              </a:rPr>
+              <a:t>should</a:t>
+            </a:r>
+            <a:r>
+              <a:rPr lang="sv-SE" b="0" i="0" u="none" strike="noStrike" kern="1200" spc="0" dirty="0">
+                <a:ln>
+                  <a:noFill/>
+                </a:ln>
+                <a:latin typeface="Arial" pitchFamily="18"/>
+                <a:ea typeface="DejaVu Sans" pitchFamily="2"/>
+                <a:cs typeface="DejaVu Sans" pitchFamily="2"/>
+              </a:rPr>
+              <a:t> not be </a:t>
+            </a:r>
+            <a:r>
+              <a:rPr lang="sv-SE" b="0" i="0" u="none" strike="noStrike" kern="1200" spc="0" dirty="0" err="1">
+                <a:ln>
+                  <a:noFill/>
+                </a:ln>
+                <a:latin typeface="Arial" pitchFamily="18"/>
+                <a:ea typeface="DejaVu Sans" pitchFamily="2"/>
+                <a:cs typeface="DejaVu Sans" pitchFamily="2"/>
+              </a:rPr>
+              <a:t>forced</a:t>
+            </a:r>
+            <a:r>
+              <a:rPr lang="sv-SE" b="0" i="0" u="none" strike="noStrike" kern="1200" spc="0" dirty="0">
+                <a:ln>
+                  <a:noFill/>
+                </a:ln>
+                <a:latin typeface="Arial" pitchFamily="18"/>
+                <a:ea typeface="DejaVu Sans" pitchFamily="2"/>
+                <a:cs typeface="DejaVu Sans" pitchFamily="2"/>
+              </a:rPr>
+              <a:t> </a:t>
+            </a:r>
+            <a:r>
+              <a:rPr lang="sv-SE" b="0" i="0" u="none" strike="noStrike" kern="1200" spc="0" dirty="0" err="1">
+                <a:ln>
+                  <a:noFill/>
+                </a:ln>
+                <a:latin typeface="Arial" pitchFamily="18"/>
+                <a:ea typeface="DejaVu Sans" pitchFamily="2"/>
+                <a:cs typeface="DejaVu Sans" pitchFamily="2"/>
+              </a:rPr>
+              <a:t>to</a:t>
+            </a:r>
+            <a:r>
+              <a:rPr lang="sv-SE" b="0" i="0" u="none" strike="noStrike" kern="1200" spc="0" dirty="0">
+                <a:ln>
+                  <a:noFill/>
+                </a:ln>
+                <a:latin typeface="Arial" pitchFamily="18"/>
+                <a:ea typeface="DejaVu Sans" pitchFamily="2"/>
+                <a:cs typeface="DejaVu Sans" pitchFamily="2"/>
+              </a:rPr>
+              <a:t> </a:t>
+            </a:r>
+            <a:r>
+              <a:rPr lang="sv-SE" b="0" i="0" u="none" strike="noStrike" kern="1200" spc="0" dirty="0" err="1">
+                <a:ln>
+                  <a:noFill/>
+                </a:ln>
+                <a:latin typeface="Arial" pitchFamily="18"/>
+                <a:ea typeface="DejaVu Sans" pitchFamily="2"/>
+                <a:cs typeface="DejaVu Sans" pitchFamily="2"/>
+              </a:rPr>
+              <a:t>depend</a:t>
+            </a:r>
+            <a:r>
+              <a:rPr lang="sv-SE" b="0" i="0" u="none" strike="noStrike" kern="1200" spc="0" dirty="0">
+                <a:ln>
+                  <a:noFill/>
+                </a:ln>
+                <a:latin typeface="Arial" pitchFamily="18"/>
+                <a:ea typeface="DejaVu Sans" pitchFamily="2"/>
+                <a:cs typeface="DejaVu Sans" pitchFamily="2"/>
+              </a:rPr>
+              <a:t> on </a:t>
+            </a:r>
+            <a:r>
+              <a:rPr lang="sv-SE" b="0" i="0" u="none" strike="noStrike" kern="1200" spc="0" dirty="0" err="1">
+                <a:ln>
+                  <a:noFill/>
+                </a:ln>
+                <a:latin typeface="Arial" pitchFamily="18"/>
+                <a:ea typeface="DejaVu Sans" pitchFamily="2"/>
+                <a:cs typeface="DejaVu Sans" pitchFamily="2"/>
+              </a:rPr>
+              <a:t>methods</a:t>
+            </a:r>
+            <a:r>
+              <a:rPr lang="sv-SE" b="0" i="0" u="none" strike="noStrike" kern="1200" spc="0" dirty="0">
+                <a:ln>
+                  <a:noFill/>
+                </a:ln>
+                <a:latin typeface="Arial" pitchFamily="18"/>
+                <a:ea typeface="DejaVu Sans" pitchFamily="2"/>
+                <a:cs typeface="DejaVu Sans" pitchFamily="2"/>
+              </a:rPr>
+              <a:t> </a:t>
+            </a:r>
+            <a:r>
+              <a:rPr lang="sv-SE" b="0" i="0" u="none" strike="noStrike" kern="1200" spc="0" dirty="0" err="1">
+                <a:ln>
+                  <a:noFill/>
+                </a:ln>
+                <a:latin typeface="Arial" pitchFamily="18"/>
+                <a:ea typeface="DejaVu Sans" pitchFamily="2"/>
+                <a:cs typeface="DejaVu Sans" pitchFamily="2"/>
+              </a:rPr>
+              <a:t>they</a:t>
+            </a:r>
+            <a:r>
+              <a:rPr lang="sv-SE" b="0" i="0" u="none" strike="noStrike" kern="1200" spc="0" dirty="0">
+                <a:ln>
+                  <a:noFill/>
+                </a:ln>
+                <a:latin typeface="Arial" pitchFamily="18"/>
+                <a:ea typeface="DejaVu Sans" pitchFamily="2"/>
+                <a:cs typeface="DejaVu Sans" pitchFamily="2"/>
+              </a:rPr>
+              <a:t> do not </a:t>
+            </a:r>
+            <a:r>
+              <a:rPr lang="sv-SE" b="0" i="0" u="none" strike="noStrike" kern="1200" spc="0" dirty="0" err="1">
+                <a:ln>
+                  <a:noFill/>
+                </a:ln>
+                <a:latin typeface="Arial" pitchFamily="18"/>
+                <a:ea typeface="DejaVu Sans" pitchFamily="2"/>
+                <a:cs typeface="DejaVu Sans" pitchFamily="2"/>
+              </a:rPr>
+              <a:t>use</a:t>
+            </a:r>
+            <a:endParaRPr lang="sv-SE" b="0" i="0" u="none" strike="noStrike" kern="1200" spc="0" dirty="0">
+              <a:ln>
+                <a:noFill/>
+              </a:ln>
+              <a:latin typeface="Arial" pitchFamily="18"/>
+              <a:ea typeface="DejaVu Sans" pitchFamily="2"/>
+              <a:cs typeface="DejaVu Sans" pitchFamily="2"/>
+            </a:endParaRPr>
+          </a:p>
+          <a:p>
+            <a:pPr marL="342900" marR="0" lvl="0" indent="-342900" rtl="0" hangingPunct="0">
               <a:lnSpc>
                 <a:spcPct val="100000"/>
               </a:lnSpc>
@@ -11703,17 +14789,15 @@
               <a:spcAft>
                 <a:spcPts val="0"/>
               </a:spcAft>
-              <a:buNone/>
+              <a:buFont typeface="Arial" pitchFamily="34" charset="0"/>
+              <a:buChar char="•"/>
               <a:tabLst/>
             </a:pPr>
             <a:r>
-              <a:rPr lang="sv-SE" sz="2200" b="0" i="0" u="none" strike="noStrike" kern="1200" spc="0">
-                <a:ln>
-                  <a:noFill/>
-                </a:ln>
-                <a:solidFill>
-                  <a:srgbClr val="1F497D"/>
-                </a:solidFill>
+              <a:rPr lang="sv-SE" b="0" i="0" u="none" strike="noStrike" kern="1200" spc="0" dirty="0">
+                <a:ln>
+                  <a:noFill/>
+                </a:ln>
                 <a:latin typeface="Arial" pitchFamily="18"/>
                 <a:ea typeface="DejaVu Sans" pitchFamily="2"/>
                 <a:cs typeface="DejaVu Sans" pitchFamily="2"/>
@@ -11721,353 +14805,512 @@
               <a:t>The </a:t>
             </a:r>
             <a:r>
-              <a:rPr lang="sv-SE" sz="2200" b="0" i="0" u="sng" strike="noStrike" kern="1200" spc="0">
-                <a:ln>
-                  <a:noFill/>
-                </a:ln>
-                <a:solidFill>
-                  <a:srgbClr val="1F497D"/>
-                </a:solidFill>
+              <a:rPr lang="sv-SE" b="0" i="0" u="sng" strike="noStrike" kern="1200" spc="0" dirty="0" err="1">
+                <a:ln>
+                  <a:noFill/>
+                </a:ln>
                 <a:uFillTx/>
                 <a:latin typeface="Arial" pitchFamily="18"/>
                 <a:ea typeface="DejaVu Sans" pitchFamily="2"/>
                 <a:cs typeface="DejaVu Sans" pitchFamily="2"/>
               </a:rPr>
-              <a:t>O</a:t>
-            </a:r>
-            <a:r>
-              <a:rPr lang="sv-SE" sz="2200" b="0" i="0" u="none" strike="noStrike" kern="1200" spc="0">
-                <a:ln>
-                  <a:noFill/>
-                </a:ln>
-                <a:solidFill>
-                  <a:srgbClr val="1F497D"/>
-                </a:solidFill>
-                <a:latin typeface="Arial" pitchFamily="18"/>
-                <a:ea typeface="DejaVu Sans" pitchFamily="2"/>
-                <a:cs typeface="DejaVu Sans" pitchFamily="2"/>
-              </a:rPr>
-              <a:t>pen Closed Principle</a:t>
-            </a:r>
-          </a:p>
-          <a:p>
-            <a:pPr marL="0" marR="0" lvl="0" indent="0" rtl="0" hangingPunct="0">
-              <a:lnSpc>
-                <a:spcPct val="100000"/>
-              </a:lnSpc>
-              <a:spcBef>
-                <a:spcPts val="0"/>
-              </a:spcBef>
-              <a:spcAft>
-                <a:spcPts val="0"/>
-              </a:spcAft>
-              <a:buNone/>
-              <a:tabLst/>
-            </a:pPr>
-            <a:r>
-              <a:rPr lang="sv-SE" sz="2200" b="0" i="0" u="none" strike="noStrike" kern="1200" spc="0">
-                <a:ln>
-                  <a:noFill/>
-                </a:ln>
-                <a:solidFill>
-                  <a:srgbClr val="1F497D"/>
-                </a:solidFill>
-                <a:latin typeface="Arial" pitchFamily="18"/>
-                <a:ea typeface="DejaVu Sans" pitchFamily="2"/>
-                <a:cs typeface="DejaVu Sans" pitchFamily="2"/>
-              </a:rPr>
-              <a:t>Software entities should be open for extension but closed for modification</a:t>
-            </a:r>
-          </a:p>
-          <a:p>
-            <a:pPr marL="0" marR="0" lvl="0" indent="0" rtl="0" hangingPunct="0">
-              <a:lnSpc>
-                <a:spcPct val="100000"/>
-              </a:lnSpc>
-              <a:spcBef>
-                <a:spcPts val="0"/>
-              </a:spcBef>
-              <a:spcAft>
-                <a:spcPts val="0"/>
-              </a:spcAft>
-              <a:buNone/>
-              <a:tabLst/>
-            </a:pPr>
-            <a:r>
-              <a:rPr lang="sv-SE" sz="2200" b="0" i="0" u="none" strike="noStrike" kern="1200" spc="0">
-                <a:ln>
-                  <a:noFill/>
-                </a:ln>
-                <a:solidFill>
-                  <a:srgbClr val="1F497D"/>
-                </a:solidFill>
-                <a:latin typeface="Arial" pitchFamily="18"/>
-                <a:ea typeface="DejaVu Sans" pitchFamily="2"/>
-                <a:cs typeface="DejaVu Sans" pitchFamily="2"/>
-              </a:rPr>
-              <a:t>The </a:t>
-            </a:r>
-            <a:r>
-              <a:rPr lang="sv-SE" sz="2200" b="0" i="0" u="sng" strike="noStrike" kern="1200" spc="0">
-                <a:ln>
-                  <a:noFill/>
-                </a:ln>
-                <a:solidFill>
-                  <a:srgbClr val="1F497D"/>
-                </a:solidFill>
-                <a:uFillTx/>
-                <a:latin typeface="Arial" pitchFamily="18"/>
-                <a:ea typeface="DejaVu Sans" pitchFamily="2"/>
-                <a:cs typeface="DejaVu Sans" pitchFamily="2"/>
-              </a:rPr>
-              <a:t>L</a:t>
-            </a:r>
-            <a:r>
-              <a:rPr lang="sv-SE" sz="2200" b="0" i="0" u="none" strike="noStrike" kern="1200" spc="0">
-                <a:ln>
-                  <a:noFill/>
-                </a:ln>
-                <a:solidFill>
-                  <a:srgbClr val="1F497D"/>
-                </a:solidFill>
-                <a:latin typeface="Arial" pitchFamily="18"/>
-                <a:ea typeface="DejaVu Sans" pitchFamily="2"/>
-                <a:cs typeface="DejaVu Sans" pitchFamily="2"/>
-              </a:rPr>
-              <a:t>iskov Substitution Principle</a:t>
-            </a:r>
-          </a:p>
-          <a:p>
-            <a:pPr marL="0" marR="0" lvl="0" indent="0" rtl="0" hangingPunct="0">
-              <a:lnSpc>
-                <a:spcPct val="100000"/>
-              </a:lnSpc>
-              <a:spcBef>
-                <a:spcPts val="0"/>
-              </a:spcBef>
-              <a:spcAft>
-                <a:spcPts val="0"/>
-              </a:spcAft>
-              <a:buNone/>
-              <a:tabLst/>
-            </a:pPr>
-            <a:r>
-              <a:rPr lang="sv-SE" sz="2200" b="0" i="0" u="none" strike="noStrike" kern="1200" spc="0">
-                <a:ln>
-                  <a:noFill/>
-                </a:ln>
-                <a:solidFill>
-                  <a:srgbClr val="1F497D"/>
-                </a:solidFill>
-                <a:latin typeface="Arial" pitchFamily="18"/>
-                <a:ea typeface="DejaVu Sans" pitchFamily="2"/>
-                <a:cs typeface="DejaVu Sans" pitchFamily="2"/>
-              </a:rPr>
-              <a:t>Derived classes must be substitutable for their base classes/interfaces</a:t>
-            </a:r>
-          </a:p>
-          <a:p>
-            <a:pPr marL="0" marR="0" lvl="0" indent="0" rtl="0" hangingPunct="0">
-              <a:lnSpc>
-                <a:spcPct val="100000"/>
-              </a:lnSpc>
-              <a:spcBef>
-                <a:spcPts val="0"/>
-              </a:spcBef>
-              <a:spcAft>
-                <a:spcPts val="0"/>
-              </a:spcAft>
-              <a:buNone/>
-              <a:tabLst/>
-            </a:pPr>
-            <a:r>
-              <a:rPr lang="sv-SE" sz="2200" b="0" i="0" u="none" strike="noStrike" kern="1200" spc="0">
-                <a:ln>
-                  <a:noFill/>
-                </a:ln>
-                <a:solidFill>
-                  <a:srgbClr val="1F497D"/>
-                </a:solidFill>
-                <a:latin typeface="Arial" pitchFamily="18"/>
-                <a:ea typeface="DejaVu Sans" pitchFamily="2"/>
-                <a:cs typeface="DejaVu Sans" pitchFamily="2"/>
-              </a:rPr>
-              <a:t>The </a:t>
-            </a:r>
-            <a:r>
-              <a:rPr lang="sv-SE" sz="2200" b="0" i="0" u="sng" strike="noStrike" kern="1200" spc="0">
-                <a:ln>
-                  <a:noFill/>
-                </a:ln>
-                <a:solidFill>
-                  <a:srgbClr val="1F497D"/>
-                </a:solidFill>
-                <a:uFillTx/>
-                <a:latin typeface="Arial" pitchFamily="18"/>
-                <a:ea typeface="DejaVu Sans" pitchFamily="2"/>
-                <a:cs typeface="DejaVu Sans" pitchFamily="2"/>
-              </a:rPr>
-              <a:t>I</a:t>
-            </a:r>
-            <a:r>
-              <a:rPr lang="sv-SE" sz="2200" b="0" i="0" u="none" strike="noStrike" kern="1200" spc="0">
-                <a:ln>
-                  <a:noFill/>
-                </a:ln>
-                <a:solidFill>
-                  <a:srgbClr val="1F497D"/>
-                </a:solidFill>
-                <a:latin typeface="Arial" pitchFamily="18"/>
-                <a:ea typeface="DejaVu Sans" pitchFamily="2"/>
-                <a:cs typeface="DejaVu Sans" pitchFamily="2"/>
-              </a:rPr>
-              <a:t>nterface Segregation Principle</a:t>
-            </a:r>
-          </a:p>
-          <a:p>
-            <a:pPr marL="0" marR="0" lvl="0" indent="0" rtl="0" hangingPunct="0">
-              <a:lnSpc>
-                <a:spcPct val="100000"/>
-              </a:lnSpc>
-              <a:spcBef>
-                <a:spcPts val="0"/>
-              </a:spcBef>
-              <a:spcAft>
-                <a:spcPts val="0"/>
-              </a:spcAft>
-              <a:buNone/>
-              <a:tabLst/>
-            </a:pPr>
-            <a:r>
-              <a:rPr lang="sv-SE" sz="2200" b="0" i="0" u="none" strike="noStrike" kern="1200" spc="0">
-                <a:ln>
-                  <a:noFill/>
-                </a:ln>
-                <a:solidFill>
-                  <a:srgbClr val="1F497D"/>
-                </a:solidFill>
-                <a:latin typeface="Arial" pitchFamily="18"/>
-                <a:ea typeface="DejaVu Sans" pitchFamily="2"/>
-                <a:cs typeface="DejaVu Sans" pitchFamily="2"/>
-              </a:rPr>
-              <a:t>Clients should not be forced to depend on methods they do not use</a:t>
-            </a:r>
-          </a:p>
-          <a:p>
-            <a:pPr marL="0" marR="0" lvl="0" indent="0" rtl="0" hangingPunct="0">
-              <a:lnSpc>
-                <a:spcPct val="100000"/>
-              </a:lnSpc>
-              <a:spcBef>
-                <a:spcPts val="0"/>
-              </a:spcBef>
-              <a:spcAft>
-                <a:spcPts val="0"/>
-              </a:spcAft>
-              <a:buNone/>
-              <a:tabLst/>
-            </a:pPr>
-            <a:r>
-              <a:rPr lang="sv-SE" sz="2200" b="0" i="0" u="none" strike="noStrike" kern="1200" spc="0">
-                <a:ln>
-                  <a:noFill/>
-                </a:ln>
-                <a:solidFill>
-                  <a:srgbClr val="1F497D"/>
-                </a:solidFill>
-                <a:latin typeface="Arial" pitchFamily="18"/>
-                <a:ea typeface="DejaVu Sans" pitchFamily="2"/>
-                <a:cs typeface="DejaVu Sans" pitchFamily="2"/>
-              </a:rPr>
-              <a:t>The </a:t>
-            </a:r>
-            <a:r>
-              <a:rPr lang="sv-SE" sz="2200" b="0" i="0" u="sng" strike="noStrike" kern="1200" spc="0">
-                <a:ln>
-                  <a:noFill/>
-                </a:ln>
-                <a:solidFill>
-                  <a:srgbClr val="1F497D"/>
-                </a:solidFill>
-                <a:uFillTx/>
-                <a:latin typeface="Arial" pitchFamily="18"/>
-                <a:ea typeface="DejaVu Sans" pitchFamily="2"/>
-                <a:cs typeface="DejaVu Sans" pitchFamily="2"/>
-              </a:rPr>
               <a:t>D</a:t>
             </a:r>
             <a:r>
-              <a:rPr lang="sv-SE" sz="2200" b="0" i="0" u="none" strike="noStrike" kern="1200" spc="0">
-                <a:ln>
-                  <a:noFill/>
-                </a:ln>
-                <a:solidFill>
-                  <a:srgbClr val="1F497D"/>
-                </a:solidFill>
-                <a:latin typeface="Arial" pitchFamily="18"/>
-                <a:ea typeface="DejaVu Sans" pitchFamily="2"/>
-                <a:cs typeface="DejaVu Sans" pitchFamily="2"/>
-              </a:rPr>
-              <a:t>ependency Inversion Principle</a:t>
-            </a:r>
-          </a:p>
-          <a:p>
-            <a:pPr marL="0" marR="0" lvl="0" indent="0" rtl="0" hangingPunct="0">
-              <a:lnSpc>
-                <a:spcPct val="100000"/>
-              </a:lnSpc>
-              <a:spcBef>
-                <a:spcPts val="0"/>
-              </a:spcBef>
-              <a:spcAft>
-                <a:spcPts val="0"/>
-              </a:spcAft>
-              <a:buNone/>
-              <a:tabLst/>
-            </a:pPr>
-            <a:r>
-              <a:rPr lang="sv-SE" sz="2200" b="0" i="0" u="none" strike="noStrike" kern="1200" spc="0">
-                <a:ln>
-                  <a:noFill/>
-                </a:ln>
-                <a:solidFill>
-                  <a:srgbClr val="1F497D"/>
-                </a:solidFill>
-                <a:latin typeface="Arial" pitchFamily="18"/>
-                <a:ea typeface="DejaVu Sans" pitchFamily="2"/>
-                <a:cs typeface="DejaVu Sans" pitchFamily="2"/>
-              </a:rPr>
-              <a:t>High level modules should not depend on low level modules. Both should depend on abstractions.</a:t>
-            </a:r>
-          </a:p>
-          <a:p>
-            <a:pPr marL="0" marR="0" lvl="0" indent="0" rtl="0" hangingPunct="0">
-              <a:lnSpc>
-                <a:spcPct val="100000"/>
-              </a:lnSpc>
-              <a:spcBef>
-                <a:spcPts val="0"/>
-              </a:spcBef>
-              <a:spcAft>
-                <a:spcPts val="0"/>
-              </a:spcAft>
-              <a:buNone/>
-              <a:tabLst/>
-            </a:pPr>
-            <a:r>
-              <a:rPr lang="sv-SE" sz="2200" b="0" i="0" u="none" strike="noStrike" kern="1200" spc="0">
-                <a:ln>
-                  <a:noFill/>
-                </a:ln>
-                <a:solidFill>
-                  <a:srgbClr val="1F497D"/>
-                </a:solidFill>
-                <a:latin typeface="Arial" pitchFamily="18"/>
-                <a:ea typeface="DejaVu Sans" pitchFamily="2"/>
-                <a:cs typeface="DejaVu Sans" pitchFamily="2"/>
-              </a:rPr>
-              <a:t>Abstractions should not depend on details. Details should depend on abstractions</a:t>
-            </a:r>
+              <a:rPr lang="sv-SE" b="0" i="0" u="none" strike="noStrike" kern="1200" spc="0" dirty="0" err="1">
+                <a:ln>
+                  <a:noFill/>
+                </a:ln>
+                <a:latin typeface="Arial" pitchFamily="18"/>
+                <a:ea typeface="DejaVu Sans" pitchFamily="2"/>
+                <a:cs typeface="DejaVu Sans" pitchFamily="2"/>
+              </a:rPr>
+              <a:t>ependency</a:t>
+            </a:r>
+            <a:r>
+              <a:rPr lang="sv-SE" b="0" i="0" u="none" strike="noStrike" kern="1200" spc="0" dirty="0">
+                <a:ln>
+                  <a:noFill/>
+                </a:ln>
+                <a:latin typeface="Arial" pitchFamily="18"/>
+                <a:ea typeface="DejaVu Sans" pitchFamily="2"/>
+                <a:cs typeface="DejaVu Sans" pitchFamily="2"/>
+              </a:rPr>
+              <a:t> Inversion </a:t>
+            </a:r>
+            <a:r>
+              <a:rPr lang="sv-SE" b="0" i="0" u="none" strike="noStrike" kern="1200" spc="0" dirty="0" err="1" smtClean="0">
+                <a:ln>
+                  <a:noFill/>
+                </a:ln>
+                <a:latin typeface="Arial" pitchFamily="18"/>
+                <a:ea typeface="DejaVu Sans" pitchFamily="2"/>
+                <a:cs typeface="DejaVu Sans" pitchFamily="2"/>
+              </a:rPr>
+              <a:t>Principle</a:t>
+            </a:r>
+            <a:r>
+              <a:rPr lang="sv-SE" dirty="0">
+                <a:latin typeface="Arial" pitchFamily="18"/>
+                <a:ea typeface="DejaVu Sans" pitchFamily="2"/>
+                <a:cs typeface="DejaVu Sans" pitchFamily="2"/>
+              </a:rPr>
+              <a:t/>
+            </a:r>
+            <a:br>
+              <a:rPr lang="sv-SE" dirty="0">
+                <a:latin typeface="Arial" pitchFamily="18"/>
+                <a:ea typeface="DejaVu Sans" pitchFamily="2"/>
+                <a:cs typeface="DejaVu Sans" pitchFamily="2"/>
+              </a:rPr>
+            </a:br>
+            <a:r>
+              <a:rPr lang="sv-SE" b="0" i="0" u="none" strike="noStrike" kern="1200" spc="0" dirty="0" err="1" smtClean="0">
+                <a:ln>
+                  <a:noFill/>
+                </a:ln>
+                <a:latin typeface="Arial" pitchFamily="18"/>
+                <a:ea typeface="DejaVu Sans" pitchFamily="2"/>
+                <a:cs typeface="DejaVu Sans" pitchFamily="2"/>
+              </a:rPr>
+              <a:t>High</a:t>
+            </a:r>
+            <a:r>
+              <a:rPr lang="sv-SE" b="0" i="0" u="none" strike="noStrike" kern="1200" spc="0" dirty="0" smtClean="0">
+                <a:ln>
+                  <a:noFill/>
+                </a:ln>
+                <a:latin typeface="Arial" pitchFamily="18"/>
+                <a:ea typeface="DejaVu Sans" pitchFamily="2"/>
+                <a:cs typeface="DejaVu Sans" pitchFamily="2"/>
+              </a:rPr>
+              <a:t> </a:t>
+            </a:r>
+            <a:r>
+              <a:rPr lang="sv-SE" b="0" i="0" u="none" strike="noStrike" kern="1200" spc="0" dirty="0" err="1">
+                <a:ln>
+                  <a:noFill/>
+                </a:ln>
+                <a:latin typeface="Arial" pitchFamily="18"/>
+                <a:ea typeface="DejaVu Sans" pitchFamily="2"/>
+                <a:cs typeface="DejaVu Sans" pitchFamily="2"/>
+              </a:rPr>
+              <a:t>level</a:t>
+            </a:r>
+            <a:r>
+              <a:rPr lang="sv-SE" b="0" i="0" u="none" strike="noStrike" kern="1200" spc="0" dirty="0">
+                <a:ln>
+                  <a:noFill/>
+                </a:ln>
+                <a:latin typeface="Arial" pitchFamily="18"/>
+                <a:ea typeface="DejaVu Sans" pitchFamily="2"/>
+                <a:cs typeface="DejaVu Sans" pitchFamily="2"/>
+              </a:rPr>
+              <a:t> </a:t>
+            </a:r>
+            <a:r>
+              <a:rPr lang="sv-SE" b="0" i="0" u="none" strike="noStrike" kern="1200" spc="0" dirty="0" err="1">
+                <a:ln>
+                  <a:noFill/>
+                </a:ln>
+                <a:latin typeface="Arial" pitchFamily="18"/>
+                <a:ea typeface="DejaVu Sans" pitchFamily="2"/>
+                <a:cs typeface="DejaVu Sans" pitchFamily="2"/>
+              </a:rPr>
+              <a:t>modules</a:t>
+            </a:r>
+            <a:r>
+              <a:rPr lang="sv-SE" b="0" i="0" u="none" strike="noStrike" kern="1200" spc="0" dirty="0">
+                <a:ln>
+                  <a:noFill/>
+                </a:ln>
+                <a:latin typeface="Arial" pitchFamily="18"/>
+                <a:ea typeface="DejaVu Sans" pitchFamily="2"/>
+                <a:cs typeface="DejaVu Sans" pitchFamily="2"/>
+              </a:rPr>
+              <a:t> </a:t>
+            </a:r>
+            <a:r>
+              <a:rPr lang="sv-SE" b="0" i="0" u="none" strike="noStrike" kern="1200" spc="0" dirty="0" err="1">
+                <a:ln>
+                  <a:noFill/>
+                </a:ln>
+                <a:latin typeface="Arial" pitchFamily="18"/>
+                <a:ea typeface="DejaVu Sans" pitchFamily="2"/>
+                <a:cs typeface="DejaVu Sans" pitchFamily="2"/>
+              </a:rPr>
+              <a:t>should</a:t>
+            </a:r>
+            <a:r>
+              <a:rPr lang="sv-SE" b="0" i="0" u="none" strike="noStrike" kern="1200" spc="0" dirty="0">
+                <a:ln>
+                  <a:noFill/>
+                </a:ln>
+                <a:latin typeface="Arial" pitchFamily="18"/>
+                <a:ea typeface="DejaVu Sans" pitchFamily="2"/>
+                <a:cs typeface="DejaVu Sans" pitchFamily="2"/>
+              </a:rPr>
+              <a:t> not </a:t>
+            </a:r>
+            <a:r>
+              <a:rPr lang="sv-SE" b="0" i="0" u="none" strike="noStrike" kern="1200" spc="0" dirty="0" err="1">
+                <a:ln>
+                  <a:noFill/>
+                </a:ln>
+                <a:latin typeface="Arial" pitchFamily="18"/>
+                <a:ea typeface="DejaVu Sans" pitchFamily="2"/>
+                <a:cs typeface="DejaVu Sans" pitchFamily="2"/>
+              </a:rPr>
+              <a:t>depend</a:t>
+            </a:r>
+            <a:r>
+              <a:rPr lang="sv-SE" b="0" i="0" u="none" strike="noStrike" kern="1200" spc="0" dirty="0">
+                <a:ln>
+                  <a:noFill/>
+                </a:ln>
+                <a:latin typeface="Arial" pitchFamily="18"/>
+                <a:ea typeface="DejaVu Sans" pitchFamily="2"/>
+                <a:cs typeface="DejaVu Sans" pitchFamily="2"/>
+              </a:rPr>
+              <a:t> on </a:t>
+            </a:r>
+            <a:r>
+              <a:rPr lang="sv-SE" b="0" i="0" u="none" strike="noStrike" kern="1200" spc="0" dirty="0" err="1">
+                <a:ln>
+                  <a:noFill/>
+                </a:ln>
+                <a:latin typeface="Arial" pitchFamily="18"/>
+                <a:ea typeface="DejaVu Sans" pitchFamily="2"/>
+                <a:cs typeface="DejaVu Sans" pitchFamily="2"/>
+              </a:rPr>
+              <a:t>low</a:t>
+            </a:r>
+            <a:r>
+              <a:rPr lang="sv-SE" b="0" i="0" u="none" strike="noStrike" kern="1200" spc="0" dirty="0">
+                <a:ln>
+                  <a:noFill/>
+                </a:ln>
+                <a:latin typeface="Arial" pitchFamily="18"/>
+                <a:ea typeface="DejaVu Sans" pitchFamily="2"/>
+                <a:cs typeface="DejaVu Sans" pitchFamily="2"/>
+              </a:rPr>
+              <a:t> </a:t>
+            </a:r>
+            <a:r>
+              <a:rPr lang="sv-SE" b="0" i="0" u="none" strike="noStrike" kern="1200" spc="0" dirty="0" err="1">
+                <a:ln>
+                  <a:noFill/>
+                </a:ln>
+                <a:latin typeface="Arial" pitchFamily="18"/>
+                <a:ea typeface="DejaVu Sans" pitchFamily="2"/>
+                <a:cs typeface="DejaVu Sans" pitchFamily="2"/>
+              </a:rPr>
+              <a:t>level</a:t>
+            </a:r>
+            <a:r>
+              <a:rPr lang="sv-SE" b="0" i="0" u="none" strike="noStrike" kern="1200" spc="0" dirty="0">
+                <a:ln>
+                  <a:noFill/>
+                </a:ln>
+                <a:latin typeface="Arial" pitchFamily="18"/>
+                <a:ea typeface="DejaVu Sans" pitchFamily="2"/>
+                <a:cs typeface="DejaVu Sans" pitchFamily="2"/>
+              </a:rPr>
+              <a:t> </a:t>
+            </a:r>
+            <a:r>
+              <a:rPr lang="sv-SE" b="0" i="0" u="none" strike="noStrike" kern="1200" spc="0" dirty="0" err="1">
+                <a:ln>
+                  <a:noFill/>
+                </a:ln>
+                <a:latin typeface="Arial" pitchFamily="18"/>
+                <a:ea typeface="DejaVu Sans" pitchFamily="2"/>
+                <a:cs typeface="DejaVu Sans" pitchFamily="2"/>
+              </a:rPr>
+              <a:t>modules</a:t>
+            </a:r>
+            <a:r>
+              <a:rPr lang="sv-SE" b="0" i="0" u="none" strike="noStrike" kern="1200" spc="0" dirty="0">
+                <a:ln>
+                  <a:noFill/>
+                </a:ln>
+                <a:latin typeface="Arial" pitchFamily="18"/>
+                <a:ea typeface="DejaVu Sans" pitchFamily="2"/>
+                <a:cs typeface="DejaVu Sans" pitchFamily="2"/>
+              </a:rPr>
+              <a:t>. </a:t>
+            </a:r>
+            <a:r>
+              <a:rPr lang="sv-SE" b="0" i="0" u="none" strike="noStrike" kern="1200" spc="0" dirty="0" err="1">
+                <a:ln>
+                  <a:noFill/>
+                </a:ln>
+                <a:latin typeface="Arial" pitchFamily="18"/>
+                <a:ea typeface="DejaVu Sans" pitchFamily="2"/>
+                <a:cs typeface="DejaVu Sans" pitchFamily="2"/>
+              </a:rPr>
+              <a:t>Both</a:t>
+            </a:r>
+            <a:r>
+              <a:rPr lang="sv-SE" b="0" i="0" u="none" strike="noStrike" kern="1200" spc="0" dirty="0">
+                <a:ln>
+                  <a:noFill/>
+                </a:ln>
+                <a:latin typeface="Arial" pitchFamily="18"/>
+                <a:ea typeface="DejaVu Sans" pitchFamily="2"/>
+                <a:cs typeface="DejaVu Sans" pitchFamily="2"/>
+              </a:rPr>
+              <a:t> </a:t>
+            </a:r>
+            <a:r>
+              <a:rPr lang="sv-SE" b="0" i="0" u="none" strike="noStrike" kern="1200" spc="0" dirty="0" err="1">
+                <a:ln>
+                  <a:noFill/>
+                </a:ln>
+                <a:latin typeface="Arial" pitchFamily="18"/>
+                <a:ea typeface="DejaVu Sans" pitchFamily="2"/>
+                <a:cs typeface="DejaVu Sans" pitchFamily="2"/>
+              </a:rPr>
+              <a:t>should</a:t>
+            </a:r>
+            <a:r>
+              <a:rPr lang="sv-SE" b="0" i="0" u="none" strike="noStrike" kern="1200" spc="0" dirty="0">
+                <a:ln>
+                  <a:noFill/>
+                </a:ln>
+                <a:latin typeface="Arial" pitchFamily="18"/>
+                <a:ea typeface="DejaVu Sans" pitchFamily="2"/>
+                <a:cs typeface="DejaVu Sans" pitchFamily="2"/>
+              </a:rPr>
+              <a:t> </a:t>
+            </a:r>
+            <a:r>
+              <a:rPr lang="sv-SE" b="0" i="0" u="none" strike="noStrike" kern="1200" spc="0" dirty="0" err="1">
+                <a:ln>
+                  <a:noFill/>
+                </a:ln>
+                <a:latin typeface="Arial" pitchFamily="18"/>
+                <a:ea typeface="DejaVu Sans" pitchFamily="2"/>
+                <a:cs typeface="DejaVu Sans" pitchFamily="2"/>
+              </a:rPr>
+              <a:t>depend</a:t>
+            </a:r>
+            <a:r>
+              <a:rPr lang="sv-SE" b="0" i="0" u="none" strike="noStrike" kern="1200" spc="0" dirty="0">
+                <a:ln>
+                  <a:noFill/>
+                </a:ln>
+                <a:latin typeface="Arial" pitchFamily="18"/>
+                <a:ea typeface="DejaVu Sans" pitchFamily="2"/>
+                <a:cs typeface="DejaVu Sans" pitchFamily="2"/>
+              </a:rPr>
+              <a:t> on </a:t>
+            </a:r>
+            <a:r>
+              <a:rPr lang="sv-SE" b="0" i="0" u="none" strike="noStrike" kern="1200" spc="0" dirty="0" err="1" smtClean="0">
+                <a:ln>
+                  <a:noFill/>
+                </a:ln>
+                <a:latin typeface="Arial" pitchFamily="18"/>
+                <a:ea typeface="DejaVu Sans" pitchFamily="2"/>
+                <a:cs typeface="DejaVu Sans" pitchFamily="2"/>
+              </a:rPr>
+              <a:t>abstractions</a:t>
+            </a:r>
+            <a:r>
+              <a:rPr lang="sv-SE" b="0" i="0" u="none" strike="noStrike" kern="1200" spc="0" dirty="0" smtClean="0">
+                <a:ln>
+                  <a:noFill/>
+                </a:ln>
+                <a:latin typeface="Arial" pitchFamily="18"/>
+                <a:ea typeface="DejaVu Sans" pitchFamily="2"/>
+                <a:cs typeface="DejaVu Sans" pitchFamily="2"/>
+              </a:rPr>
+              <a:t>.</a:t>
+            </a:r>
+            <a:br>
+              <a:rPr lang="sv-SE" b="0" i="0" u="none" strike="noStrike" kern="1200" spc="0" dirty="0" smtClean="0">
+                <a:ln>
+                  <a:noFill/>
+                </a:ln>
+                <a:latin typeface="Arial" pitchFamily="18"/>
+                <a:ea typeface="DejaVu Sans" pitchFamily="2"/>
+                <a:cs typeface="DejaVu Sans" pitchFamily="2"/>
+              </a:rPr>
+            </a:br>
+            <a:r>
+              <a:rPr lang="sv-SE" b="0" i="0" u="none" strike="noStrike" kern="1200" spc="0" dirty="0" err="1" smtClean="0">
+                <a:ln>
+                  <a:noFill/>
+                </a:ln>
+                <a:latin typeface="Arial" pitchFamily="18"/>
+                <a:ea typeface="DejaVu Sans" pitchFamily="2"/>
+                <a:cs typeface="DejaVu Sans" pitchFamily="2"/>
+              </a:rPr>
+              <a:t>Abstractions</a:t>
+            </a:r>
+            <a:r>
+              <a:rPr lang="sv-SE" b="0" i="0" u="none" strike="noStrike" kern="1200" spc="0" dirty="0" smtClean="0">
+                <a:ln>
+                  <a:noFill/>
+                </a:ln>
+                <a:latin typeface="Arial" pitchFamily="18"/>
+                <a:ea typeface="DejaVu Sans" pitchFamily="2"/>
+                <a:cs typeface="DejaVu Sans" pitchFamily="2"/>
+              </a:rPr>
+              <a:t> </a:t>
+            </a:r>
+            <a:r>
+              <a:rPr lang="sv-SE" b="0" i="0" u="none" strike="noStrike" kern="1200" spc="0" dirty="0" err="1">
+                <a:ln>
+                  <a:noFill/>
+                </a:ln>
+                <a:latin typeface="Arial" pitchFamily="18"/>
+                <a:ea typeface="DejaVu Sans" pitchFamily="2"/>
+                <a:cs typeface="DejaVu Sans" pitchFamily="2"/>
+              </a:rPr>
+              <a:t>should</a:t>
+            </a:r>
+            <a:r>
+              <a:rPr lang="sv-SE" b="0" i="0" u="none" strike="noStrike" kern="1200" spc="0" dirty="0">
+                <a:ln>
+                  <a:noFill/>
+                </a:ln>
+                <a:latin typeface="Arial" pitchFamily="18"/>
+                <a:ea typeface="DejaVu Sans" pitchFamily="2"/>
+                <a:cs typeface="DejaVu Sans" pitchFamily="2"/>
+              </a:rPr>
+              <a:t> not </a:t>
+            </a:r>
+            <a:r>
+              <a:rPr lang="sv-SE" b="0" i="0" u="none" strike="noStrike" kern="1200" spc="0" dirty="0" err="1">
+                <a:ln>
+                  <a:noFill/>
+                </a:ln>
+                <a:latin typeface="Arial" pitchFamily="18"/>
+                <a:ea typeface="DejaVu Sans" pitchFamily="2"/>
+                <a:cs typeface="DejaVu Sans" pitchFamily="2"/>
+              </a:rPr>
+              <a:t>depend</a:t>
+            </a:r>
+            <a:r>
+              <a:rPr lang="sv-SE" b="0" i="0" u="none" strike="noStrike" kern="1200" spc="0" dirty="0">
+                <a:ln>
+                  <a:noFill/>
+                </a:ln>
+                <a:latin typeface="Arial" pitchFamily="18"/>
+                <a:ea typeface="DejaVu Sans" pitchFamily="2"/>
+                <a:cs typeface="DejaVu Sans" pitchFamily="2"/>
+              </a:rPr>
+              <a:t> on </a:t>
+            </a:r>
+            <a:r>
+              <a:rPr lang="sv-SE" b="0" i="0" u="none" strike="noStrike" kern="1200" spc="0" dirty="0" err="1">
+                <a:ln>
+                  <a:noFill/>
+                </a:ln>
+                <a:latin typeface="Arial" pitchFamily="18"/>
+                <a:ea typeface="DejaVu Sans" pitchFamily="2"/>
+                <a:cs typeface="DejaVu Sans" pitchFamily="2"/>
+              </a:rPr>
+              <a:t>details</a:t>
+            </a:r>
+            <a:r>
+              <a:rPr lang="sv-SE" b="0" i="0" u="none" strike="noStrike" kern="1200" spc="0" dirty="0">
+                <a:ln>
+                  <a:noFill/>
+                </a:ln>
+                <a:latin typeface="Arial" pitchFamily="18"/>
+                <a:ea typeface="DejaVu Sans" pitchFamily="2"/>
+                <a:cs typeface="DejaVu Sans" pitchFamily="2"/>
+              </a:rPr>
+              <a:t>. </a:t>
+            </a:r>
+            <a:r>
+              <a:rPr lang="sv-SE" b="0" i="0" u="none" strike="noStrike" kern="1200" spc="0" dirty="0" err="1">
+                <a:ln>
+                  <a:noFill/>
+                </a:ln>
+                <a:latin typeface="Arial" pitchFamily="18"/>
+                <a:ea typeface="DejaVu Sans" pitchFamily="2"/>
+                <a:cs typeface="DejaVu Sans" pitchFamily="2"/>
+              </a:rPr>
+              <a:t>Details</a:t>
+            </a:r>
+            <a:r>
+              <a:rPr lang="sv-SE" b="0" i="0" u="none" strike="noStrike" kern="1200" spc="0" dirty="0">
+                <a:ln>
+                  <a:noFill/>
+                </a:ln>
+                <a:latin typeface="Arial" pitchFamily="18"/>
+                <a:ea typeface="DejaVu Sans" pitchFamily="2"/>
+                <a:cs typeface="DejaVu Sans" pitchFamily="2"/>
+              </a:rPr>
+              <a:t> </a:t>
+            </a:r>
+            <a:r>
+              <a:rPr lang="sv-SE" b="0" i="0" u="none" strike="noStrike" kern="1200" spc="0" dirty="0" err="1">
+                <a:ln>
+                  <a:noFill/>
+                </a:ln>
+                <a:latin typeface="Arial" pitchFamily="18"/>
+                <a:ea typeface="DejaVu Sans" pitchFamily="2"/>
+                <a:cs typeface="DejaVu Sans" pitchFamily="2"/>
+              </a:rPr>
+              <a:t>should</a:t>
+            </a:r>
+            <a:r>
+              <a:rPr lang="sv-SE" b="0" i="0" u="none" strike="noStrike" kern="1200" spc="0" dirty="0">
+                <a:ln>
+                  <a:noFill/>
+                </a:ln>
+                <a:latin typeface="Arial" pitchFamily="18"/>
+                <a:ea typeface="DejaVu Sans" pitchFamily="2"/>
+                <a:cs typeface="DejaVu Sans" pitchFamily="2"/>
+              </a:rPr>
+              <a:t> </a:t>
+            </a:r>
+            <a:r>
+              <a:rPr lang="sv-SE" b="0" i="0" u="none" strike="noStrike" kern="1200" spc="0" dirty="0" err="1">
+                <a:ln>
+                  <a:noFill/>
+                </a:ln>
+                <a:latin typeface="Arial" pitchFamily="18"/>
+                <a:ea typeface="DejaVu Sans" pitchFamily="2"/>
+                <a:cs typeface="DejaVu Sans" pitchFamily="2"/>
+              </a:rPr>
+              <a:t>depend</a:t>
+            </a:r>
+            <a:r>
+              <a:rPr lang="sv-SE" b="0" i="0" u="none" strike="noStrike" kern="1200" spc="0" dirty="0">
+                <a:ln>
+                  <a:noFill/>
+                </a:ln>
+                <a:latin typeface="Arial" pitchFamily="18"/>
+                <a:ea typeface="DejaVu Sans" pitchFamily="2"/>
+                <a:cs typeface="DejaVu Sans" pitchFamily="2"/>
+              </a:rPr>
+              <a:t> on </a:t>
+            </a:r>
+            <a:r>
+              <a:rPr lang="sv-SE" b="0" i="0" u="none" strike="noStrike" kern="1200" spc="0" dirty="0" err="1">
+                <a:ln>
+                  <a:noFill/>
+                </a:ln>
+                <a:latin typeface="Arial" pitchFamily="18"/>
+                <a:ea typeface="DejaVu Sans" pitchFamily="2"/>
+                <a:cs typeface="DejaVu Sans" pitchFamily="2"/>
+              </a:rPr>
+              <a:t>abstractions</a:t>
+            </a:r>
+            <a:endParaRPr lang="sv-SE" b="0" i="0" u="none" strike="noStrike" kern="1200" spc="0" dirty="0">
+              <a:ln>
+                <a:noFill/>
+              </a:ln>
+              <a:latin typeface="Arial" pitchFamily="18"/>
+              <a:ea typeface="DejaVu Sans" pitchFamily="2"/>
+              <a:cs typeface="DejaVu Sans" pitchFamily="2"/>
+            </a:endParaRPr>
           </a:p>
         </p:txBody>
       </p:sp>
@@ -12076,9 +15319,14 @@
   <p:clrMapOvr>
     <a:masterClrMapping/>
   </p:clrMapOvr>
-  <p:transition>
-    <p:wipe/>
-  </p:transition>
+  <mc:AlternateContent xmlns:mc="http://schemas.openxmlformats.org/markup-compatibility/2006">
+    <mc:Choice xmlns:p14="http://schemas.microsoft.com/office/powerpoint/2010/main" Requires="p14">
+      <p:transition p14:dur="0"/>
+    </mc:Choice>
+    <mc:Fallback>
+      <p:transition/>
+    </mc:Fallback>
+  </mc:AlternateContent>
   <p:timing>
     <p:tnLst>
       <p:par>
@@ -12100,7 +15348,7 @@
                             </p:stCondLst>
                             <p:childTnLst>
                               <p:par>
-                                <p:cTn id="5" presetClass="entr" fill="hold" nodeType="clickEffect">
+                                <p:cTn id="5" presetID="1" presetClass="entr" presetSubtype="0" fill="hold" nodeType="clickEffect">
                                   <p:stCondLst>
                                     <p:cond delay="0"/>
                                   </p:stCondLst>
@@ -12127,60 +15375,202 @@
                                         <p:strVal val="visible"/>
                                       </p:to>
                                     </p:set>
-                                    <p:anim calcmode="lin" valueType="num">
+                                  </p:childTnLst>
+                                </p:cTn>
+                              </p:par>
+                            </p:childTnLst>
+                          </p:cTn>
+                        </p:par>
+                      </p:childTnLst>
+                    </p:cTn>
+                  </p:par>
+                  <p:par>
+                    <p:cTn id="7" fill="hold">
+                      <p:stCondLst>
+                        <p:cond delay="indefinite"/>
+                      </p:stCondLst>
+                      <p:childTnLst>
+                        <p:par>
+                          <p:cTn id="8" fill="hold">
+                            <p:stCondLst>
+                              <p:cond delay="0"/>
+                            </p:stCondLst>
+                            <p:childTnLst>
+                              <p:par>
+                                <p:cTn id="9" presetID="1" presetClass="entr" presetSubtype="0" fill="hold" nodeType="clickEffect">
+                                  <p:stCondLst>
+                                    <p:cond delay="0"/>
+                                  </p:stCondLst>
+                                  <p:childTnLst>
+                                    <p:set>
                                       <p:cBhvr>
-                                        <p:cTn id="7" dur="500" fill="hold"/>
+                                        <p:cTn id="10" dur="1" fill="hold">
+                                          <p:stCondLst>
+                                            <p:cond delay="0"/>
+                                          </p:stCondLst>
+                                        </p:cTn>
                                         <p:tgtEl>
                                           <p:spTgt spid="3">
                                             <p:txEl>
-                                              <p:pRg st="0" end="0"/>
+                                              <p:pRg st="1" end="1"/>
                                             </p:txEl>
                                           </p:spTgt>
                                         </p:tgtEl>
                                         <p:attrNameLst>
-                                          <p:attrName>ppt_x</p:attrName>
+                                          <p:attrName>style.visibility</p:attrName>
                                         </p:attrNameLst>
                                       </p:cBhvr>
-                                      <p:tavLst>
-                                        <p:tav tm="0">
-                                          <p:val>
-                                            <p:strVal val="#ppt_x"/>
-                                          </p:val>
-                                        </p:tav>
-                                        <p:tav tm="100000">
-                                          <p:val>
-                                            <p:strVal val="#ppt_x"/>
-                                          </p:val>
-                                        </p:tav>
-                                      </p:tavLst>
-                                    </p:anim>
-                                    <p:anim calcmode="lin" valueType="num">
+                                      <p:to>
+                                        <p:strVal val="visible"/>
+                                      </p:to>
+                                    </p:set>
+                                  </p:childTnLst>
+                                </p:cTn>
+                              </p:par>
+                            </p:childTnLst>
+                          </p:cTn>
+                        </p:par>
+                      </p:childTnLst>
+                    </p:cTn>
+                  </p:par>
+                  <p:par>
+                    <p:cTn id="11" fill="hold">
+                      <p:stCondLst>
+                        <p:cond delay="indefinite"/>
+                      </p:stCondLst>
+                      <p:childTnLst>
+                        <p:par>
+                          <p:cTn id="12" fill="hold">
+                            <p:stCondLst>
+                              <p:cond delay="0"/>
+                            </p:stCondLst>
+                            <p:childTnLst>
+                              <p:par>
+                                <p:cTn id="13" presetID="1" presetClass="entr" presetSubtype="0" fill="hold" nodeType="clickEffect">
+                                  <p:stCondLst>
+                                    <p:cond delay="0"/>
+                                  </p:stCondLst>
+                                  <p:childTnLst>
+                                    <p:set>
                                       <p:cBhvr>
-                                        <p:cTn id="8" dur="500" fill="hold"/>
+                                        <p:cTn id="14" dur="1" fill="hold">
+                                          <p:stCondLst>
+                                            <p:cond delay="0"/>
+                                          </p:stCondLst>
+                                        </p:cTn>
                                         <p:tgtEl>
                                           <p:spTgt spid="3">
                                             <p:txEl>
-                                              <p:pRg st="0" end="0"/>
+                                              <p:pRg st="2" end="2"/>
                                             </p:txEl>
                                           </p:spTgt>
                                         </p:tgtEl>
                                         <p:attrNameLst>
-                                          <p:attrName>ppt_y</p:attrName>
+                                          <p:attrName>style.visibility</p:attrName>
                                         </p:attrNameLst>
                                       </p:cBhvr>
-                                      <p:tavLst>
-                                        <p:tav tm="0">
-                                          <p:val>
-                                            <p:strVal val="1+#ppt_h/2"/>
-                                          </p:val>
-                                        </p:tav>
-                                        <p:tav tm="100000">
-                                          <p:val>
-                                            <p:strVal val="#ppt_y"/>
-                                          </p:val>
-                                        </p:tav>
-                                      </p:tavLst>
-                                    </p:anim>
+                                      <p:to>
+                                        <p:strVal val="visible"/>
+                                      </p:to>
+                                    </p:set>
+                                  </p:childTnLst>
+                                </p:cTn>
+                              </p:par>
+                            </p:childTnLst>
+                          </p:cTn>
+                        </p:par>
+                      </p:childTnLst>
+                    </p:cTn>
+                  </p:par>
+                  <p:par>
+                    <p:cTn id="15" fill="hold">
+                      <p:stCondLst>
+                        <p:cond delay="indefinite"/>
+                      </p:stCondLst>
+                      <p:childTnLst>
+                        <p:par>
+                          <p:cTn id="16" fill="hold">
+                            <p:stCondLst>
+                              <p:cond delay="0"/>
+                            </p:stCondLst>
+                            <p:childTnLst>
+                              <p:par>
+                                <p:cTn id="17" presetID="1" presetClass="entr" presetSubtype="0" fill="hold" nodeType="clickEffect">
+                                  <p:stCondLst>
+                                    <p:cond delay="0"/>
+                                  </p:stCondLst>
+                                  <p:childTnLst>
+                                    <p:set>
+                                      <p:cBhvr>
+                                        <p:cTn id="18" dur="1" fill="hold">
+                                          <p:stCondLst>
+                                            <p:cond delay="0"/>
+                                          </p:stCondLst>
+                                        </p:cTn>
+                                        <p:tgtEl>
+                                          <p:spTgt spid="3">
+                                            <p:txEl>
+                                              <p:pRg st="3" end="3"/>
+                                            </p:txEl>
+                                          </p:spTgt>
+                                        </p:tgtEl>
+                                        <p:attrNameLst>
+                                          <p:attrName>style.visibility</p:attrName>
+                                        </p:attrNameLst>
+                                      </p:cBhvr>
+                                      <p:to>
+                                        <p:strVal val="visible"/>
+                                      </p:to>
+                                    </p:set>
+                                  </p:childTnLst>
+                                </p:cTn>
+                              </p:par>
+                            </p:childTnLst>
+                          </p:cTn>
+                        </p:par>
+                      </p:childTnLst>
+                    </p:cTn>
+                  </p:par>
+                  <p:par>
+                    <p:cTn id="19" fill="hold">
+                      <p:stCondLst>
+                        <p:cond delay="indefinite"/>
+                      </p:stCondLst>
+                      <p:childTnLst>
+                        <p:par>
+                          <p:cTn id="20" fill="hold">
+                            <p:stCondLst>
+                              <p:cond delay="0"/>
+                            </p:stCondLst>
+                            <p:childTnLst>
+                              <p:par>
+                                <p:cTn id="21" presetID="1" presetClass="entr" presetSubtype="0" fill="hold" nodeType="clickEffect">
+                                  <p:stCondLst>
+                                    <p:cond delay="0"/>
+                                  </p:stCondLst>
+                                  <p:childTnLst>
+                                    <p:set>
+                                      <p:cBhvr>
+                                        <p:cTn id="22" dur="1" fill="hold">
+                                          <p:stCondLst>
+                                            <p:cond delay="0"/>
+                                          </p:stCondLst>
+                                        </p:cTn>
+                                        <p:tgtEl>
+                                          <p:spTgt spid="3">
+                                            <p:txEl>
+                                              <p:pRg st="4" end="4"/>
+                                            </p:txEl>
+                                          </p:spTgt>
+                                        </p:tgtEl>
+                                        <p:attrNameLst>
+                                          <p:attrName>style.visibility</p:attrName>
+                                        </p:attrNameLst>
+                                      </p:cBhvr>
+                                      <p:to>
+                                        <p:strVal val="visible"/>
+                                      </p:to>
+                                    </p:set>
                                   </p:childTnLst>
                                 </p:cTn>
                               </p:par>

--- a/FSharp2.pptx
+++ b/FSharp2.pptx
@@ -20,15 +20,15 @@
     <p:sldId id="272" r:id="rId8"/>
     <p:sldId id="273" r:id="rId9"/>
     <p:sldId id="276" r:id="rId10"/>
-    <p:sldId id="263" r:id="rId11"/>
-    <p:sldId id="264" r:id="rId12"/>
-    <p:sldId id="277" r:id="rId13"/>
-    <p:sldId id="260" r:id="rId14"/>
-    <p:sldId id="278" r:id="rId15"/>
-    <p:sldId id="279" r:id="rId16"/>
-    <p:sldId id="265" r:id="rId17"/>
-    <p:sldId id="269" r:id="rId18"/>
-    <p:sldId id="270" r:id="rId19"/>
+    <p:sldId id="277" r:id="rId11"/>
+    <p:sldId id="260" r:id="rId12"/>
+    <p:sldId id="278" r:id="rId13"/>
+    <p:sldId id="280" r:id="rId14"/>
+    <p:sldId id="265" r:id="rId15"/>
+    <p:sldId id="269" r:id="rId16"/>
+    <p:sldId id="270" r:id="rId17"/>
+    <p:sldId id="264" r:id="rId18"/>
+    <p:sldId id="263" r:id="rId19"/>
   </p:sldIdLst>
   <p:sldSz cx="9144000" cy="6858000" type="screen4x3"/>
   <p:notesSz cx="6858000" cy="9144000"/>
@@ -915,7 +915,35 @@
       </p:grpSpPr>
       <p:sp>
         <p:nvSpPr>
-          <p:cNvPr id="2" name="PlaceHolder 1"/>
+          <p:cNvPr id="2" name="Slide Image Placeholder 1"/>
+          <p:cNvSpPr>
+            <a:spLocks noGrp="1" noRot="1" noChangeAspect="1" noResize="1"/>
+          </p:cNvSpPr>
+          <p:nvPr>
+            <p:ph type="sldImg"/>
+          </p:nvPr>
+        </p:nvSpPr>
+        <p:spPr>
+          <a:xfrm>
+            <a:off x="1144588" y="695325"/>
+            <a:ext cx="4568825" cy="3427413"/>
+          </a:xfrm>
+          <a:solidFill>
+            <a:schemeClr val="accent1"/>
+          </a:solidFill>
+          <a:ln w="25400">
+            <a:solidFill>
+              <a:schemeClr val="accent1">
+                <a:shade val="50000"/>
+              </a:schemeClr>
+            </a:solidFill>
+            <a:prstDash val="solid"/>
+          </a:ln>
+        </p:spPr>
+      </p:sp>
+      <p:sp>
+        <p:nvSpPr>
+          <p:cNvPr id="3" name="Notes Placeholder 2"/>
           <p:cNvSpPr txBox="1">
             <a:spLocks noGrp="1"/>
           </p:cNvSpPr>
@@ -925,109 +953,15 @@
         </p:nvSpPr>
         <p:spPr>
           <a:xfrm>
-            <a:off x="0" y="0"/>
-            <a:ext cx="360" cy="4204440"/>
+            <a:off x="685799" y="4343400"/>
+            <a:ext cx="5486040" cy="4114800"/>
           </a:xfrm>
         </p:spPr>
         <p:txBody>
-          <a:bodyPr wrap="square" lIns="90000" tIns="45000" rIns="90000" bIns="45000"/>
+          <a:bodyPr/>
           <a:lstStyle/>
           <a:p>
             <a:endParaRPr lang="sv-SE"/>
-          </a:p>
-        </p:txBody>
-      </p:sp>
-      <p:sp>
-        <p:nvSpPr>
-          <p:cNvPr id="3" name="TextShape 2"/>
-          <p:cNvSpPr/>
-          <p:nvPr/>
-        </p:nvSpPr>
-        <p:spPr>
-          <a:xfrm>
-            <a:off x="0" y="0"/>
-            <a:ext cx="360" cy="360"/>
-          </a:xfrm>
-          <a:custGeom>
-            <a:avLst/>
-            <a:gdLst>
-              <a:gd name="f0" fmla="val 0"/>
-              <a:gd name="f1" fmla="val 21600"/>
-            </a:gdLst>
-            <a:ahLst/>
-            <a:cxnLst>
-              <a:cxn ang="3cd4">
-                <a:pos x="hc" y="t"/>
-              </a:cxn>
-              <a:cxn ang="0">
-                <a:pos x="r" y="vc"/>
-              </a:cxn>
-              <a:cxn ang="cd4">
-                <a:pos x="hc" y="b"/>
-              </a:cxn>
-              <a:cxn ang="cd2">
-                <a:pos x="l" y="vc"/>
-              </a:cxn>
-            </a:cxnLst>
-            <a:rect l="l" t="t" r="r" b="b"/>
-            <a:pathLst>
-              <a:path w="21600" h="21600">
-                <a:moveTo>
-                  <a:pt x="f0" y="f0"/>
-                </a:moveTo>
-                <a:lnTo>
-                  <a:pt x="f1" y="f0"/>
-                </a:lnTo>
-                <a:lnTo>
-                  <a:pt x="f1" y="f1"/>
-                </a:lnTo>
-                <a:lnTo>
-                  <a:pt x="f0" y="f1"/>
-                </a:lnTo>
-                <a:lnTo>
-                  <a:pt x="f0" y="f0"/>
-                </a:lnTo>
-                <a:close/>
-              </a:path>
-            </a:pathLst>
-          </a:custGeom>
-          <a:noFill/>
-          <a:ln>
-            <a:noFill/>
-            <a:prstDash val="solid"/>
-          </a:ln>
-        </p:spPr>
-        <p:txBody>
-          <a:bodyPr vert="horz" wrap="square" lIns="90000" tIns="45000" rIns="90000" bIns="45000" anchor="t" compatLnSpc="0"/>
-          <a:lstStyle/>
-          <a:p>
-            <a:pPr marL="0" marR="0" lvl="0" indent="0" rtl="0" hangingPunct="0">
-              <a:lnSpc>
-                <a:spcPct val="100000"/>
-              </a:lnSpc>
-              <a:spcBef>
-                <a:spcPts val="0"/>
-              </a:spcBef>
-              <a:spcAft>
-                <a:spcPts val="0"/>
-              </a:spcAft>
-              <a:buNone/>
-              <a:tabLst/>
-            </a:pPr>
-            <a:fld id="{FCA4BF4E-6373-420E-A126-13CB492A8AC1}" type="slidenum">
-              <a:t>9</a:t>
-            </a:fld>
-            <a:endParaRPr lang="sv-SE" sz="1800" b="0" i="0" u="none" strike="noStrike" kern="1200" spc="0">
-              <a:ln>
-                <a:noFill/>
-              </a:ln>
-              <a:solidFill>
-                <a:srgbClr val="000000"/>
-              </a:solidFill>
-              <a:latin typeface="+mn-lt" pitchFamily="18"/>
-              <a:ea typeface="+mn-ea" pitchFamily="2"/>
-              <a:cs typeface="DejaVu Sans" pitchFamily="2"/>
-            </a:endParaRPr>
           </a:p>
         </p:txBody>
       </p:sp>
@@ -1068,8 +1002,8 @@
         </p:nvSpPr>
         <p:spPr>
           <a:xfrm>
-            <a:off x="1144588" y="695325"/>
-            <a:ext cx="4568825" cy="3427413"/>
+            <a:off x="1143000" y="694800"/>
+            <a:ext cx="4571640" cy="3428639"/>
           </a:xfrm>
           <a:solidFill>
             <a:schemeClr val="accent1"/>
@@ -1212,35 +1146,7 @@
       </p:grpSpPr>
       <p:sp>
         <p:nvSpPr>
-          <p:cNvPr id="2" name="Slide Image Placeholder 1"/>
-          <p:cNvSpPr>
-            <a:spLocks noGrp="1" noRot="1" noChangeAspect="1" noResize="1"/>
-          </p:cNvSpPr>
-          <p:nvPr>
-            <p:ph type="sldImg"/>
-          </p:nvPr>
-        </p:nvSpPr>
-        <p:spPr>
-          <a:xfrm>
-            <a:off x="1143000" y="694800"/>
-            <a:ext cx="4571640" cy="3428639"/>
-          </a:xfrm>
-          <a:solidFill>
-            <a:schemeClr val="accent1"/>
-          </a:solidFill>
-          <a:ln w="25400">
-            <a:solidFill>
-              <a:schemeClr val="accent1">
-                <a:shade val="50000"/>
-              </a:schemeClr>
-            </a:solidFill>
-            <a:prstDash val="solid"/>
-          </a:ln>
-        </p:spPr>
-      </p:sp>
-      <p:sp>
-        <p:nvSpPr>
-          <p:cNvPr id="3" name="Notes Placeholder 2"/>
+          <p:cNvPr id="2" name="PlaceHolder 1"/>
           <p:cNvSpPr txBox="1">
             <a:spLocks noGrp="1"/>
           </p:cNvSpPr>
@@ -1250,15 +1156,109 @@
         </p:nvSpPr>
         <p:spPr>
           <a:xfrm>
-            <a:off x="685799" y="4343400"/>
-            <a:ext cx="5486040" cy="4114800"/>
+            <a:off x="0" y="0"/>
+            <a:ext cx="360" cy="4204440"/>
           </a:xfrm>
         </p:spPr>
         <p:txBody>
-          <a:bodyPr/>
+          <a:bodyPr wrap="square" lIns="90000" tIns="45000" rIns="90000" bIns="45000"/>
           <a:lstStyle/>
           <a:p>
             <a:endParaRPr lang="sv-SE"/>
+          </a:p>
+        </p:txBody>
+      </p:sp>
+      <p:sp>
+        <p:nvSpPr>
+          <p:cNvPr id="3" name="TextShape 2"/>
+          <p:cNvSpPr/>
+          <p:nvPr/>
+        </p:nvSpPr>
+        <p:spPr>
+          <a:xfrm>
+            <a:off x="0" y="0"/>
+            <a:ext cx="360" cy="360"/>
+          </a:xfrm>
+          <a:custGeom>
+            <a:avLst/>
+            <a:gdLst>
+              <a:gd name="f0" fmla="val 0"/>
+              <a:gd name="f1" fmla="val 21600"/>
+            </a:gdLst>
+            <a:ahLst/>
+            <a:cxnLst>
+              <a:cxn ang="3cd4">
+                <a:pos x="hc" y="t"/>
+              </a:cxn>
+              <a:cxn ang="0">
+                <a:pos x="r" y="vc"/>
+              </a:cxn>
+              <a:cxn ang="cd4">
+                <a:pos x="hc" y="b"/>
+              </a:cxn>
+              <a:cxn ang="cd2">
+                <a:pos x="l" y="vc"/>
+              </a:cxn>
+            </a:cxnLst>
+            <a:rect l="l" t="t" r="r" b="b"/>
+            <a:pathLst>
+              <a:path w="21600" h="21600">
+                <a:moveTo>
+                  <a:pt x="f0" y="f0"/>
+                </a:moveTo>
+                <a:lnTo>
+                  <a:pt x="f1" y="f0"/>
+                </a:lnTo>
+                <a:lnTo>
+                  <a:pt x="f1" y="f1"/>
+                </a:lnTo>
+                <a:lnTo>
+                  <a:pt x="f0" y="f1"/>
+                </a:lnTo>
+                <a:lnTo>
+                  <a:pt x="f0" y="f0"/>
+                </a:lnTo>
+                <a:close/>
+              </a:path>
+            </a:pathLst>
+          </a:custGeom>
+          <a:noFill/>
+          <a:ln>
+            <a:noFill/>
+            <a:prstDash val="solid"/>
+          </a:ln>
+        </p:spPr>
+        <p:txBody>
+          <a:bodyPr vert="horz" wrap="square" lIns="90000" tIns="45000" rIns="90000" bIns="45000" anchor="t" compatLnSpc="0"/>
+          <a:lstStyle/>
+          <a:p>
+            <a:pPr marL="0" marR="0" lvl="0" indent="0" rtl="0" hangingPunct="0">
+              <a:lnSpc>
+                <a:spcPct val="100000"/>
+              </a:lnSpc>
+              <a:spcBef>
+                <a:spcPts val="0"/>
+              </a:spcBef>
+              <a:spcAft>
+                <a:spcPts val="0"/>
+              </a:spcAft>
+              <a:buNone/>
+              <a:tabLst/>
+            </a:pPr>
+            <a:fld id="{FCA4BF4E-6373-420E-A126-13CB492A8AC1}" type="slidenum">
+              <a:t>17</a:t>
+            </a:fld>
+            <a:endParaRPr lang="sv-SE" sz="1800" b="0" i="0" u="none" strike="noStrike" kern="1200" spc="0">
+              <a:ln>
+                <a:noFill/>
+              </a:ln>
+              <a:solidFill>
+                <a:srgbClr val="000000"/>
+              </a:solidFill>
+              <a:latin typeface="+mn-lt" pitchFamily="18"/>
+              <a:ea typeface="+mn-ea" pitchFamily="2"/>
+              <a:cs typeface="DejaVu Sans" pitchFamily="2"/>
+            </a:endParaRPr>
           </a:p>
         </p:txBody>
       </p:sp>
@@ -6123,6 +6123,2207 @@
 </file>
 
 <file path=ppt/slides/slide10.xml><?xml version="1.0" encoding="utf-8"?>
+<p:sld xmlns:a="http://schemas.openxmlformats.org/drawingml/2006/main" xmlns:r="http://schemas.openxmlformats.org/officeDocument/2006/relationships" xmlns:p="http://schemas.openxmlformats.org/presentationml/2006/main">
+  <p:cSld name="page5">
+    <p:spTree>
+      <p:nvGrpSpPr>
+        <p:cNvPr id="1" name=""/>
+        <p:cNvGrpSpPr/>
+        <p:nvPr/>
+      </p:nvGrpSpPr>
+      <p:grpSpPr>
+        <a:xfrm>
+          <a:off x="0" y="0"/>
+          <a:ext cx="0" cy="0"/>
+          <a:chOff x="0" y="0"/>
+          <a:chExt cx="0" cy="0"/>
+        </a:xfrm>
+      </p:grpSpPr>
+      <p:sp>
+        <p:nvSpPr>
+          <p:cNvPr id="2" name="TextShape 1"/>
+          <p:cNvSpPr/>
+          <p:nvPr/>
+        </p:nvSpPr>
+        <p:spPr>
+          <a:xfrm>
+            <a:off x="457200" y="169560"/>
+            <a:ext cx="8228880" cy="1603256"/>
+          </a:xfrm>
+          <a:custGeom>
+            <a:avLst/>
+            <a:gdLst>
+              <a:gd name="f0" fmla="val 0"/>
+              <a:gd name="f1" fmla="val 21600"/>
+            </a:gdLst>
+            <a:ahLst/>
+            <a:cxnLst>
+              <a:cxn ang="3cd4">
+                <a:pos x="hc" y="t"/>
+              </a:cxn>
+              <a:cxn ang="0">
+                <a:pos x="r" y="vc"/>
+              </a:cxn>
+              <a:cxn ang="cd4">
+                <a:pos x="hc" y="b"/>
+              </a:cxn>
+              <a:cxn ang="cd2">
+                <a:pos x="l" y="vc"/>
+              </a:cxn>
+            </a:cxnLst>
+            <a:rect l="l" t="t" r="r" b="b"/>
+            <a:pathLst>
+              <a:path w="21600" h="21600">
+                <a:moveTo>
+                  <a:pt x="f0" y="f0"/>
+                </a:moveTo>
+                <a:lnTo>
+                  <a:pt x="f1" y="f0"/>
+                </a:lnTo>
+                <a:lnTo>
+                  <a:pt x="f1" y="f1"/>
+                </a:lnTo>
+                <a:lnTo>
+                  <a:pt x="f0" y="f1"/>
+                </a:lnTo>
+                <a:lnTo>
+                  <a:pt x="f0" y="f0"/>
+                </a:lnTo>
+                <a:close/>
+              </a:path>
+            </a:pathLst>
+          </a:custGeom>
+          <a:noFill/>
+          <a:ln>
+            <a:noFill/>
+            <a:prstDash val="solid"/>
+          </a:ln>
+        </p:spPr>
+        <p:txBody>
+          <a:bodyPr vert="horz" wrap="square" lIns="90000" tIns="45000" rIns="90000" bIns="45000" anchor="t" compatLnSpc="0"/>
+          <a:lstStyle/>
+          <a:p>
+            <a:pPr lvl="0" algn="ctr" hangingPunct="0"/>
+            <a:r>
+              <a:rPr lang="sv-SE" sz="4400" dirty="0">
+                <a:solidFill>
+                  <a:srgbClr val="000000"/>
+                </a:solidFill>
+                <a:latin typeface="Calibri" pitchFamily="18"/>
+                <a:ea typeface="DejaVu Sans" pitchFamily="2"/>
+                <a:cs typeface="DejaVu Sans" pitchFamily="2"/>
+              </a:rPr>
+              <a:t>Linq is </a:t>
+            </a:r>
+            <a:r>
+              <a:rPr lang="sv-SE" sz="4400" dirty="0" err="1">
+                <a:solidFill>
+                  <a:srgbClr val="000000"/>
+                </a:solidFill>
+                <a:latin typeface="Calibri" pitchFamily="18"/>
+                <a:ea typeface="DejaVu Sans" pitchFamily="2"/>
+                <a:cs typeface="DejaVu Sans" pitchFamily="2"/>
+              </a:rPr>
+              <a:t>Functional</a:t>
+            </a:r>
+            <a:r>
+              <a:rPr lang="sv-SE" sz="4400" dirty="0">
+                <a:solidFill>
+                  <a:srgbClr val="000000"/>
+                </a:solidFill>
+                <a:latin typeface="Calibri" pitchFamily="18"/>
+                <a:ea typeface="DejaVu Sans" pitchFamily="2"/>
+                <a:cs typeface="DejaVu Sans" pitchFamily="2"/>
+              </a:rPr>
+              <a:t> </a:t>
+            </a:r>
+            <a:r>
+              <a:rPr lang="sv-SE" sz="4400" dirty="0" smtClean="0">
+                <a:solidFill>
+                  <a:srgbClr val="000000"/>
+                </a:solidFill>
+                <a:latin typeface="Calibri" pitchFamily="18"/>
+                <a:ea typeface="DejaVu Sans" pitchFamily="2"/>
+                <a:cs typeface="DejaVu Sans" pitchFamily="2"/>
+              </a:rPr>
+              <a:t>Style </a:t>
+            </a:r>
+            <a:r>
+              <a:rPr lang="sv-SE" sz="4400" dirty="0" err="1" smtClean="0">
+                <a:solidFill>
+                  <a:srgbClr val="000000"/>
+                </a:solidFill>
+                <a:latin typeface="Calibri" pitchFamily="18"/>
+                <a:ea typeface="DejaVu Sans" pitchFamily="2"/>
+                <a:cs typeface="DejaVu Sans" pitchFamily="2"/>
+              </a:rPr>
+              <a:t>Programming</a:t>
+            </a:r>
+            <a:endParaRPr lang="sv-SE" sz="4400" b="0" i="0" u="none" strike="noStrike" kern="1200" spc="0" dirty="0">
+              <a:ln>
+                <a:noFill/>
+              </a:ln>
+              <a:solidFill>
+                <a:srgbClr val="000000"/>
+              </a:solidFill>
+              <a:latin typeface="Calibri" pitchFamily="18"/>
+              <a:ea typeface="DejaVu Sans" pitchFamily="2"/>
+              <a:cs typeface="DejaVu Sans" pitchFamily="2"/>
+            </a:endParaRPr>
+          </a:p>
+        </p:txBody>
+      </p:sp>
+      <p:sp>
+        <p:nvSpPr>
+          <p:cNvPr id="3" name="TextShape 2"/>
+          <p:cNvSpPr/>
+          <p:nvPr/>
+        </p:nvSpPr>
+        <p:spPr>
+          <a:xfrm>
+            <a:off x="457200" y="2132856"/>
+            <a:ext cx="8228880" cy="4083264"/>
+          </a:xfrm>
+          <a:custGeom>
+            <a:avLst/>
+            <a:gdLst>
+              <a:gd name="f0" fmla="val 0"/>
+              <a:gd name="f1" fmla="val 21600"/>
+            </a:gdLst>
+            <a:ahLst/>
+            <a:cxnLst>
+              <a:cxn ang="3cd4">
+                <a:pos x="hc" y="t"/>
+              </a:cxn>
+              <a:cxn ang="0">
+                <a:pos x="r" y="vc"/>
+              </a:cxn>
+              <a:cxn ang="cd4">
+                <a:pos x="hc" y="b"/>
+              </a:cxn>
+              <a:cxn ang="cd2">
+                <a:pos x="l" y="vc"/>
+              </a:cxn>
+            </a:cxnLst>
+            <a:rect l="l" t="t" r="r" b="b"/>
+            <a:pathLst>
+              <a:path w="21600" h="21600">
+                <a:moveTo>
+                  <a:pt x="f0" y="f0"/>
+                </a:moveTo>
+                <a:lnTo>
+                  <a:pt x="f1" y="f0"/>
+                </a:lnTo>
+                <a:lnTo>
+                  <a:pt x="f1" y="f1"/>
+                </a:lnTo>
+                <a:lnTo>
+                  <a:pt x="f0" y="f1"/>
+                </a:lnTo>
+                <a:lnTo>
+                  <a:pt x="f0" y="f0"/>
+                </a:lnTo>
+                <a:close/>
+              </a:path>
+            </a:pathLst>
+          </a:custGeom>
+          <a:noFill/>
+          <a:ln>
+            <a:noFill/>
+            <a:prstDash val="solid"/>
+          </a:ln>
+        </p:spPr>
+        <p:txBody>
+          <a:bodyPr vert="horz" wrap="square" lIns="90000" tIns="45000" rIns="90000" bIns="45000" anchor="t" compatLnSpc="0"/>
+          <a:lstStyle/>
+          <a:p>
+            <a:pPr lvl="0" hangingPunct="0"/>
+            <a:r>
+              <a:rPr lang="sv-SE" sz="2000" dirty="0" err="1">
+                <a:solidFill>
+                  <a:srgbClr val="1F497D"/>
+                </a:solidFill>
+                <a:latin typeface="Arial" pitchFamily="18"/>
+                <a:ea typeface="DejaVu Sans" pitchFamily="2"/>
+                <a:cs typeface="DejaVu Sans" pitchFamily="2"/>
+              </a:rPr>
+              <a:t>IEnumerable</a:t>
+            </a:r>
+            <a:r>
+              <a:rPr lang="sv-SE" sz="2000" dirty="0">
+                <a:solidFill>
+                  <a:srgbClr val="1F497D"/>
+                </a:solidFill>
+                <a:latin typeface="Arial" pitchFamily="18"/>
+                <a:ea typeface="DejaVu Sans" pitchFamily="2"/>
+                <a:cs typeface="DejaVu Sans" pitchFamily="2"/>
+              </a:rPr>
+              <a:t>&lt;T&gt; and </a:t>
+            </a:r>
+            <a:r>
+              <a:rPr lang="sv-SE" sz="2000" dirty="0" err="1">
+                <a:solidFill>
+                  <a:srgbClr val="1F497D"/>
+                </a:solidFill>
+                <a:latin typeface="Arial" pitchFamily="18"/>
+                <a:ea typeface="DejaVu Sans" pitchFamily="2"/>
+                <a:cs typeface="DejaVu Sans" pitchFamily="2"/>
+              </a:rPr>
+              <a:t>IQueryable</a:t>
+            </a:r>
+            <a:r>
+              <a:rPr lang="sv-SE" sz="2000" dirty="0">
+                <a:solidFill>
+                  <a:srgbClr val="1F497D"/>
+                </a:solidFill>
+                <a:latin typeface="Arial" pitchFamily="18"/>
+                <a:ea typeface="DejaVu Sans" pitchFamily="2"/>
+                <a:cs typeface="DejaVu Sans" pitchFamily="2"/>
+              </a:rPr>
+              <a:t>&lt;T&gt; </a:t>
+            </a:r>
+            <a:r>
+              <a:rPr lang="sv-SE" sz="2000" dirty="0" err="1">
+                <a:solidFill>
+                  <a:srgbClr val="1F497D"/>
+                </a:solidFill>
+                <a:latin typeface="Arial" pitchFamily="18"/>
+                <a:ea typeface="DejaVu Sans" pitchFamily="2"/>
+                <a:cs typeface="DejaVu Sans" pitchFamily="2"/>
+              </a:rPr>
+              <a:t>are</a:t>
+            </a:r>
+            <a:r>
+              <a:rPr lang="sv-SE" sz="2000" b="0" i="0" u="none" strike="noStrike" kern="1200" spc="0" dirty="0" smtClean="0">
+                <a:ln>
+                  <a:noFill/>
+                </a:ln>
+                <a:solidFill>
+                  <a:srgbClr val="0070C0"/>
+                </a:solidFill>
+                <a:latin typeface="Arial" pitchFamily="18"/>
+                <a:ea typeface="DejaVu Sans" pitchFamily="2"/>
+                <a:cs typeface="DejaVu Sans" pitchFamily="2"/>
+              </a:rPr>
+              <a:t> </a:t>
+            </a:r>
+            <a:r>
+              <a:rPr lang="sv-SE" sz="2000" b="0" i="1" u="none" strike="noStrike" kern="1200" spc="0" dirty="0">
+                <a:ln>
+                  <a:noFill/>
+                </a:ln>
+                <a:solidFill>
+                  <a:srgbClr val="1F497D"/>
+                </a:solidFill>
+                <a:latin typeface="Arial" pitchFamily="18"/>
+                <a:ea typeface="DejaVu Sans" pitchFamily="2"/>
+                <a:cs typeface="DejaVu Sans" pitchFamily="2"/>
+              </a:rPr>
+              <a:t>immutable</a:t>
+            </a:r>
+            <a:r>
+              <a:rPr lang="sv-SE" sz="2000" b="0" i="0" u="none" strike="noStrike" kern="1200" spc="0" dirty="0">
+                <a:ln>
+                  <a:noFill/>
+                </a:ln>
+                <a:solidFill>
+                  <a:srgbClr val="1F497D"/>
+                </a:solidFill>
+                <a:latin typeface="Arial" pitchFamily="18"/>
+                <a:ea typeface="DejaVu Sans" pitchFamily="2"/>
+                <a:cs typeface="DejaVu Sans" pitchFamily="2"/>
+              </a:rPr>
+              <a:t> interfaces</a:t>
+            </a:r>
+          </a:p>
+          <a:p>
+            <a:pPr marL="0" marR="0" lvl="0" indent="0" rtl="0" hangingPunct="0">
+              <a:lnSpc>
+                <a:spcPct val="100000"/>
+              </a:lnSpc>
+              <a:spcBef>
+                <a:spcPts val="0"/>
+              </a:spcBef>
+              <a:spcAft>
+                <a:spcPts val="0"/>
+              </a:spcAft>
+              <a:buNone/>
+              <a:tabLst/>
+            </a:pPr>
+            <a:r>
+              <a:rPr lang="sv-SE" sz="2000" b="0" i="0" u="none" strike="noStrike" kern="1200" spc="0" dirty="0">
+                <a:ln>
+                  <a:noFill/>
+                </a:ln>
+                <a:solidFill>
+                  <a:srgbClr val="1F497D"/>
+                </a:solidFill>
+                <a:latin typeface="Arial" pitchFamily="18"/>
+                <a:ea typeface="DejaVu Sans" pitchFamily="2"/>
+                <a:cs typeface="DejaVu Sans" pitchFamily="2"/>
+              </a:rPr>
+              <a:t>IEnumerable&lt;T&gt; and IQueryable&lt;T&gt; are </a:t>
+            </a:r>
+            <a:r>
+              <a:rPr lang="sv-SE" sz="2000" b="0" i="1" u="none" strike="noStrike" kern="1200" spc="0" dirty="0">
+                <a:ln>
+                  <a:noFill/>
+                </a:ln>
+                <a:solidFill>
+                  <a:srgbClr val="1F497D"/>
+                </a:solidFill>
+                <a:latin typeface="Arial" pitchFamily="18"/>
+                <a:ea typeface="DejaVu Sans" pitchFamily="2"/>
+                <a:cs typeface="DejaVu Sans" pitchFamily="2"/>
+              </a:rPr>
+              <a:t>generic</a:t>
+            </a:r>
+            <a:r>
+              <a:rPr lang="sv-SE" sz="2000" b="0" i="0" u="none" strike="noStrike" kern="1200" spc="0" dirty="0">
+                <a:ln>
+                  <a:noFill/>
+                </a:ln>
+                <a:solidFill>
+                  <a:srgbClr val="1F497D"/>
+                </a:solidFill>
+                <a:latin typeface="Arial" pitchFamily="18"/>
+                <a:ea typeface="DejaVu Sans" pitchFamily="2"/>
+                <a:cs typeface="DejaVu Sans" pitchFamily="2"/>
+              </a:rPr>
+              <a:t> interfaces</a:t>
+            </a:r>
+          </a:p>
+          <a:p>
+            <a:pPr marL="0" marR="0" lvl="0" indent="0" rtl="0" hangingPunct="0">
+              <a:lnSpc>
+                <a:spcPct val="100000"/>
+              </a:lnSpc>
+              <a:spcBef>
+                <a:spcPts val="0"/>
+              </a:spcBef>
+              <a:spcAft>
+                <a:spcPts val="0"/>
+              </a:spcAft>
+              <a:buNone/>
+              <a:tabLst/>
+            </a:pPr>
+            <a:r>
+              <a:rPr lang="sv-SE" sz="2000" b="0" i="0" u="none" strike="noStrike" kern="1200" spc="0" dirty="0">
+                <a:ln>
+                  <a:noFill/>
+                </a:ln>
+                <a:solidFill>
+                  <a:srgbClr val="1F497D"/>
+                </a:solidFill>
+                <a:latin typeface="Arial" pitchFamily="18"/>
+                <a:ea typeface="DejaVu Sans" pitchFamily="2"/>
+                <a:cs typeface="DejaVu Sans" pitchFamily="2"/>
+              </a:rPr>
+              <a:t>Linq operators are </a:t>
+            </a:r>
+            <a:r>
+              <a:rPr lang="sv-SE" sz="2000" b="0" i="1" u="none" strike="noStrike" kern="1200" spc="0" dirty="0">
+                <a:ln>
+                  <a:noFill/>
+                </a:ln>
+                <a:solidFill>
+                  <a:srgbClr val="1F497D"/>
+                </a:solidFill>
+                <a:latin typeface="Arial" pitchFamily="18"/>
+                <a:ea typeface="DejaVu Sans" pitchFamily="2"/>
+                <a:cs typeface="DejaVu Sans" pitchFamily="2"/>
+              </a:rPr>
+              <a:t>pure functions</a:t>
+            </a:r>
+          </a:p>
+          <a:p>
+            <a:pPr marL="0" marR="0" lvl="0" indent="0" rtl="0" hangingPunct="0">
+              <a:lnSpc>
+                <a:spcPct val="100000"/>
+              </a:lnSpc>
+              <a:spcBef>
+                <a:spcPts val="0"/>
+              </a:spcBef>
+              <a:spcAft>
+                <a:spcPts val="0"/>
+              </a:spcAft>
+              <a:buNone/>
+              <a:tabLst/>
+            </a:pPr>
+            <a:r>
+              <a:rPr lang="sv-SE" sz="2000" b="0" i="0" u="none" strike="noStrike" kern="1200" spc="0" dirty="0">
+                <a:ln>
+                  <a:noFill/>
+                </a:ln>
+                <a:solidFill>
+                  <a:srgbClr val="1F497D"/>
+                </a:solidFill>
+                <a:latin typeface="Arial" pitchFamily="18"/>
+                <a:ea typeface="DejaVu Sans" pitchFamily="2"/>
+                <a:cs typeface="DejaVu Sans" pitchFamily="2"/>
+              </a:rPr>
+              <a:t>Many Linq operators are </a:t>
+            </a:r>
+            <a:r>
+              <a:rPr lang="sv-SE" sz="2000" b="0" i="1" u="none" strike="noStrike" kern="1200" spc="0" dirty="0">
+                <a:ln>
+                  <a:noFill/>
+                </a:ln>
+                <a:solidFill>
+                  <a:srgbClr val="1F497D"/>
+                </a:solidFill>
+                <a:latin typeface="Arial" pitchFamily="18"/>
+                <a:ea typeface="DejaVu Sans" pitchFamily="2"/>
+                <a:cs typeface="DejaVu Sans" pitchFamily="2"/>
+              </a:rPr>
+              <a:t>higher order functions</a:t>
+            </a:r>
+          </a:p>
+          <a:p>
+            <a:pPr marL="0" marR="0" lvl="0" indent="0" rtl="0" hangingPunct="0">
+              <a:lnSpc>
+                <a:spcPct val="100000"/>
+              </a:lnSpc>
+              <a:spcBef>
+                <a:spcPts val="0"/>
+              </a:spcBef>
+              <a:spcAft>
+                <a:spcPts val="0"/>
+              </a:spcAft>
+              <a:buNone/>
+              <a:tabLst/>
+            </a:pPr>
+            <a:r>
+              <a:rPr lang="sv-SE" sz="2000" b="0" i="0" u="none" strike="noStrike" kern="1200" spc="0" dirty="0">
+                <a:ln>
+                  <a:noFill/>
+                </a:ln>
+                <a:solidFill>
+                  <a:srgbClr val="1F497D"/>
+                </a:solidFill>
+                <a:latin typeface="Arial" pitchFamily="18"/>
+                <a:ea typeface="DejaVu Sans" pitchFamily="2"/>
+                <a:cs typeface="DejaVu Sans" pitchFamily="2"/>
+              </a:rPr>
+              <a:t>Many Linq operators are </a:t>
+            </a:r>
+            <a:r>
+              <a:rPr lang="sv-SE" sz="2000" b="0" i="1" u="none" strike="noStrike" kern="1200" spc="0" dirty="0">
+                <a:ln>
+                  <a:noFill/>
+                </a:ln>
+                <a:solidFill>
+                  <a:srgbClr val="1F497D"/>
+                </a:solidFill>
+                <a:latin typeface="Arial" pitchFamily="18"/>
+                <a:ea typeface="DejaVu Sans" pitchFamily="2"/>
+                <a:cs typeface="DejaVu Sans" pitchFamily="2"/>
+              </a:rPr>
+              <a:t>generic functions</a:t>
+            </a:r>
+          </a:p>
+          <a:p>
+            <a:pPr marL="0" marR="0" lvl="0" indent="0" rtl="0" hangingPunct="0">
+              <a:lnSpc>
+                <a:spcPct val="100000"/>
+              </a:lnSpc>
+              <a:spcBef>
+                <a:spcPts val="0"/>
+              </a:spcBef>
+              <a:spcAft>
+                <a:spcPts val="0"/>
+              </a:spcAft>
+              <a:buNone/>
+              <a:tabLst/>
+            </a:pPr>
+            <a:r>
+              <a:rPr lang="sv-SE" sz="2000" b="0" i="0" u="none" strike="noStrike" kern="1200" spc="0" dirty="0">
+                <a:ln>
+                  <a:noFill/>
+                </a:ln>
+                <a:solidFill>
+                  <a:srgbClr val="1F497D"/>
+                </a:solidFill>
+                <a:latin typeface="Arial" pitchFamily="18"/>
+                <a:ea typeface="DejaVu Sans" pitchFamily="2"/>
+                <a:cs typeface="DejaVu Sans" pitchFamily="2"/>
+              </a:rPr>
+              <a:t>Lambdas are </a:t>
+            </a:r>
+            <a:r>
+              <a:rPr lang="sv-SE" sz="2000" b="0" i="1" u="none" strike="noStrike" kern="1200" spc="0" dirty="0">
+                <a:ln>
+                  <a:noFill/>
+                </a:ln>
+                <a:solidFill>
+                  <a:srgbClr val="1F497D"/>
+                </a:solidFill>
+                <a:latin typeface="Arial" pitchFamily="18"/>
+                <a:ea typeface="DejaVu Sans" pitchFamily="2"/>
+                <a:cs typeface="DejaVu Sans" pitchFamily="2"/>
+              </a:rPr>
+              <a:t>closures</a:t>
+            </a:r>
+          </a:p>
+          <a:p>
+            <a:pPr marL="0" marR="0" lvl="0" indent="0" rtl="0" hangingPunct="0">
+              <a:lnSpc>
+                <a:spcPct val="100000"/>
+              </a:lnSpc>
+              <a:spcBef>
+                <a:spcPts val="0"/>
+              </a:spcBef>
+              <a:spcAft>
+                <a:spcPts val="0"/>
+              </a:spcAft>
+              <a:buNone/>
+              <a:tabLst/>
+            </a:pPr>
+            <a:r>
+              <a:rPr lang="sv-SE" sz="2000" b="0" i="1" u="none" strike="noStrike" kern="1200" spc="0" dirty="0">
+                <a:ln>
+                  <a:noFill/>
+                </a:ln>
+                <a:solidFill>
+                  <a:srgbClr val="1F497D"/>
+                </a:solidFill>
+                <a:latin typeface="Arial" pitchFamily="18"/>
+                <a:ea typeface="DejaVu Sans" pitchFamily="2"/>
+                <a:cs typeface="DejaVu Sans" pitchFamily="2"/>
+              </a:rPr>
+              <a:t>Comprehension syntax is syntactic sugar on functional programming</a:t>
+            </a:r>
+          </a:p>
+        </p:txBody>
+      </p:sp>
+    </p:spTree>
+  </p:cSld>
+  <p:clrMapOvr>
+    <a:masterClrMapping/>
+  </p:clrMapOvr>
+  <p:transition>
+    <p:wipe/>
+  </p:transition>
+  <p:timing>
+    <p:tnLst>
+      <p:par>
+        <p:cTn id="1" dur="indefinite" restart="never" nodeType="tmRoot"/>
+      </p:par>
+    </p:tnLst>
+  </p:timing>
+</p:sld>
+</file>
+
+<file path=ppt/slides/slide11.xml><?xml version="1.0" encoding="utf-8"?>
+<p:sld xmlns:a="http://schemas.openxmlformats.org/drawingml/2006/main" xmlns:r="http://schemas.openxmlformats.org/officeDocument/2006/relationships" xmlns:p="http://schemas.openxmlformats.org/presentationml/2006/main">
+  <p:cSld>
+    <p:spTree>
+      <p:nvGrpSpPr>
+        <p:cNvPr id="1" name=""/>
+        <p:cNvGrpSpPr/>
+        <p:nvPr/>
+      </p:nvGrpSpPr>
+      <p:grpSpPr>
+        <a:xfrm>
+          <a:off x="0" y="0"/>
+          <a:ext cx="0" cy="0"/>
+          <a:chOff x="0" y="0"/>
+          <a:chExt cx="0" cy="0"/>
+        </a:xfrm>
+      </p:grpSpPr>
+      <p:sp>
+        <p:nvSpPr>
+          <p:cNvPr id="2" name="Title 1"/>
+          <p:cNvSpPr>
+            <a:spLocks noGrp="1"/>
+          </p:cNvSpPr>
+          <p:nvPr>
+            <p:ph type="title"/>
+          </p:nvPr>
+        </p:nvSpPr>
+        <p:spPr/>
+        <p:txBody>
+          <a:bodyPr/>
+          <a:lstStyle/>
+          <a:p>
+            <a:pPr>
+              <a:buNone/>
+            </a:pPr>
+            <a:r>
+              <a:rPr lang="sv-SE" dirty="0" smtClean="0"/>
+              <a:t>F#</a:t>
+            </a:r>
+            <a:endParaRPr lang="sv-SE" dirty="0"/>
+          </a:p>
+        </p:txBody>
+      </p:sp>
+      <p:sp>
+        <p:nvSpPr>
+          <p:cNvPr id="3" name="Content Placeholder 2"/>
+          <p:cNvSpPr>
+            <a:spLocks noGrp="1"/>
+          </p:cNvSpPr>
+          <p:nvPr>
+            <p:ph idx="1"/>
+          </p:nvPr>
+        </p:nvSpPr>
+        <p:spPr/>
+        <p:txBody>
+          <a:bodyPr/>
+          <a:lstStyle/>
+          <a:p>
+            <a:r>
+              <a:rPr lang="sv-SE" dirty="0" err="1" smtClean="0"/>
+              <a:t>Fully</a:t>
+            </a:r>
+            <a:r>
+              <a:rPr lang="sv-SE" dirty="0" smtClean="0"/>
+              <a:t> </a:t>
+            </a:r>
+            <a:r>
+              <a:rPr lang="sv-SE" dirty="0" err="1" smtClean="0"/>
+              <a:t>supported</a:t>
+            </a:r>
+            <a:r>
+              <a:rPr lang="sv-SE" dirty="0" smtClean="0"/>
+              <a:t> .Net </a:t>
+            </a:r>
+            <a:r>
+              <a:rPr lang="sv-SE" dirty="0" err="1" smtClean="0"/>
+              <a:t>language</a:t>
+            </a:r>
+            <a:endParaRPr lang="sv-SE" dirty="0" smtClean="0"/>
+          </a:p>
+          <a:p>
+            <a:r>
+              <a:rPr lang="sv-SE" dirty="0" smtClean="0"/>
+              <a:t>Full access </a:t>
+            </a:r>
+            <a:r>
+              <a:rPr lang="sv-SE" dirty="0" err="1" smtClean="0"/>
+              <a:t>to</a:t>
+            </a:r>
+            <a:r>
+              <a:rPr lang="sv-SE" dirty="0" smtClean="0"/>
+              <a:t> .Net </a:t>
+            </a:r>
+            <a:r>
+              <a:rPr lang="sv-SE" dirty="0" err="1" smtClean="0"/>
+              <a:t>framework</a:t>
+            </a:r>
+            <a:endParaRPr lang="sv-SE" dirty="0" smtClean="0"/>
+          </a:p>
+          <a:p>
+            <a:r>
+              <a:rPr lang="sv-SE" dirty="0" smtClean="0"/>
+              <a:t>.Net </a:t>
+            </a:r>
+            <a:r>
+              <a:rPr lang="sv-SE" dirty="0" err="1" smtClean="0"/>
+              <a:t>performance</a:t>
+            </a:r>
+            <a:endParaRPr lang="sv-SE" dirty="0" smtClean="0"/>
+          </a:p>
+          <a:p>
+            <a:r>
+              <a:rPr lang="sv-SE" dirty="0" smtClean="0"/>
+              <a:t>Visual Studio support</a:t>
+            </a:r>
+          </a:p>
+          <a:p>
+            <a:r>
+              <a:rPr lang="sv-SE" dirty="0" smtClean="0"/>
+              <a:t>Multiparadigm( FP / OO / </a:t>
+            </a:r>
+            <a:r>
+              <a:rPr lang="sv-SE" dirty="0" err="1" smtClean="0"/>
+              <a:t>Generics</a:t>
+            </a:r>
+            <a:r>
+              <a:rPr lang="sv-SE" dirty="0" smtClean="0"/>
+              <a:t>)</a:t>
+            </a:r>
+          </a:p>
+          <a:p>
+            <a:r>
+              <a:rPr lang="sv-SE" dirty="0" err="1" smtClean="0"/>
+              <a:t>Automatic</a:t>
+            </a:r>
+            <a:r>
+              <a:rPr lang="sv-SE" dirty="0" smtClean="0"/>
+              <a:t> </a:t>
+            </a:r>
+            <a:r>
+              <a:rPr lang="sv-SE" dirty="0" err="1" smtClean="0"/>
+              <a:t>generalization</a:t>
+            </a:r>
+            <a:endParaRPr lang="sv-SE" dirty="0" smtClean="0"/>
+          </a:p>
+        </p:txBody>
+      </p:sp>
+    </p:spTree>
+    <p:extLst>
+      <p:ext uri="{BB962C8B-B14F-4D97-AF65-F5344CB8AC3E}">
+        <p14:creationId xmlns:p14="http://schemas.microsoft.com/office/powerpoint/2010/main" val="3911032033"/>
+      </p:ext>
+    </p:extLst>
+  </p:cSld>
+  <p:clrMapOvr>
+    <a:masterClrMapping/>
+  </p:clrMapOvr>
+  <mc:AlternateContent xmlns:mc="http://schemas.openxmlformats.org/markup-compatibility/2006" xmlns:p14="http://schemas.microsoft.com/office/powerpoint/2010/main">
+    <mc:Choice Requires="p14">
+      <p:transition spd="slow" p14:dur="2000"/>
+    </mc:Choice>
+    <mc:Fallback xmlns="">
+      <p:transition spd="slow"/>
+    </mc:Fallback>
+  </mc:AlternateContent>
+  <p:timing>
+    <p:tnLst>
+      <p:par>
+        <p:cTn id="1" dur="indefinite" restart="never" nodeType="tmRoot">
+          <p:childTnLst>
+            <p:seq concurrent="1" nextAc="seek">
+              <p:cTn id="2" dur="indefinite" nodeType="mainSeq">
+                <p:childTnLst>
+                  <p:par>
+                    <p:cTn id="3" fill="hold">
+                      <p:stCondLst>
+                        <p:cond delay="indefinite"/>
+                      </p:stCondLst>
+                      <p:childTnLst>
+                        <p:par>
+                          <p:cTn id="4" fill="hold">
+                            <p:stCondLst>
+                              <p:cond delay="0"/>
+                            </p:stCondLst>
+                            <p:childTnLst>
+                              <p:par>
+                                <p:cTn id="5" presetID="1" presetClass="entr" presetSubtype="0" fill="hold" nodeType="clickEffect">
+                                  <p:stCondLst>
+                                    <p:cond delay="0"/>
+                                  </p:stCondLst>
+                                  <p:childTnLst>
+                                    <p:set>
+                                      <p:cBhvr>
+                                        <p:cTn id="6" dur="1" fill="hold">
+                                          <p:stCondLst>
+                                            <p:cond delay="0"/>
+                                          </p:stCondLst>
+                                        </p:cTn>
+                                        <p:tgtEl>
+                                          <p:spTgt spid="3">
+                                            <p:txEl>
+                                              <p:pRg st="0" end="0"/>
+                                            </p:txEl>
+                                          </p:spTgt>
+                                        </p:tgtEl>
+                                        <p:attrNameLst>
+                                          <p:attrName>style.visibility</p:attrName>
+                                        </p:attrNameLst>
+                                      </p:cBhvr>
+                                      <p:to>
+                                        <p:strVal val="visible"/>
+                                      </p:to>
+                                    </p:set>
+                                  </p:childTnLst>
+                                </p:cTn>
+                              </p:par>
+                            </p:childTnLst>
+                          </p:cTn>
+                        </p:par>
+                      </p:childTnLst>
+                    </p:cTn>
+                  </p:par>
+                  <p:par>
+                    <p:cTn id="7" fill="hold">
+                      <p:stCondLst>
+                        <p:cond delay="indefinite"/>
+                      </p:stCondLst>
+                      <p:childTnLst>
+                        <p:par>
+                          <p:cTn id="8" fill="hold">
+                            <p:stCondLst>
+                              <p:cond delay="0"/>
+                            </p:stCondLst>
+                            <p:childTnLst>
+                              <p:par>
+                                <p:cTn id="9" presetID="1" presetClass="entr" presetSubtype="0" fill="hold" nodeType="clickEffect">
+                                  <p:stCondLst>
+                                    <p:cond delay="0"/>
+                                  </p:stCondLst>
+                                  <p:childTnLst>
+                                    <p:set>
+                                      <p:cBhvr>
+                                        <p:cTn id="10" dur="1" fill="hold">
+                                          <p:stCondLst>
+                                            <p:cond delay="0"/>
+                                          </p:stCondLst>
+                                        </p:cTn>
+                                        <p:tgtEl>
+                                          <p:spTgt spid="3">
+                                            <p:txEl>
+                                              <p:pRg st="1" end="1"/>
+                                            </p:txEl>
+                                          </p:spTgt>
+                                        </p:tgtEl>
+                                        <p:attrNameLst>
+                                          <p:attrName>style.visibility</p:attrName>
+                                        </p:attrNameLst>
+                                      </p:cBhvr>
+                                      <p:to>
+                                        <p:strVal val="visible"/>
+                                      </p:to>
+                                    </p:set>
+                                  </p:childTnLst>
+                                </p:cTn>
+                              </p:par>
+                            </p:childTnLst>
+                          </p:cTn>
+                        </p:par>
+                      </p:childTnLst>
+                    </p:cTn>
+                  </p:par>
+                  <p:par>
+                    <p:cTn id="11" fill="hold">
+                      <p:stCondLst>
+                        <p:cond delay="indefinite"/>
+                      </p:stCondLst>
+                      <p:childTnLst>
+                        <p:par>
+                          <p:cTn id="12" fill="hold">
+                            <p:stCondLst>
+                              <p:cond delay="0"/>
+                            </p:stCondLst>
+                            <p:childTnLst>
+                              <p:par>
+                                <p:cTn id="13" presetID="1" presetClass="entr" presetSubtype="0" fill="hold" nodeType="clickEffect">
+                                  <p:stCondLst>
+                                    <p:cond delay="0"/>
+                                  </p:stCondLst>
+                                  <p:childTnLst>
+                                    <p:set>
+                                      <p:cBhvr>
+                                        <p:cTn id="14" dur="1" fill="hold">
+                                          <p:stCondLst>
+                                            <p:cond delay="0"/>
+                                          </p:stCondLst>
+                                        </p:cTn>
+                                        <p:tgtEl>
+                                          <p:spTgt spid="3">
+                                            <p:txEl>
+                                              <p:pRg st="2" end="2"/>
+                                            </p:txEl>
+                                          </p:spTgt>
+                                        </p:tgtEl>
+                                        <p:attrNameLst>
+                                          <p:attrName>style.visibility</p:attrName>
+                                        </p:attrNameLst>
+                                      </p:cBhvr>
+                                      <p:to>
+                                        <p:strVal val="visible"/>
+                                      </p:to>
+                                    </p:set>
+                                  </p:childTnLst>
+                                </p:cTn>
+                              </p:par>
+                            </p:childTnLst>
+                          </p:cTn>
+                        </p:par>
+                      </p:childTnLst>
+                    </p:cTn>
+                  </p:par>
+                  <p:par>
+                    <p:cTn id="15" fill="hold">
+                      <p:stCondLst>
+                        <p:cond delay="indefinite"/>
+                      </p:stCondLst>
+                      <p:childTnLst>
+                        <p:par>
+                          <p:cTn id="16" fill="hold">
+                            <p:stCondLst>
+                              <p:cond delay="0"/>
+                            </p:stCondLst>
+                            <p:childTnLst>
+                              <p:par>
+                                <p:cTn id="17" presetID="1" presetClass="entr" presetSubtype="0" fill="hold" nodeType="clickEffect">
+                                  <p:stCondLst>
+                                    <p:cond delay="0"/>
+                                  </p:stCondLst>
+                                  <p:childTnLst>
+                                    <p:set>
+                                      <p:cBhvr>
+                                        <p:cTn id="18" dur="1" fill="hold">
+                                          <p:stCondLst>
+                                            <p:cond delay="0"/>
+                                          </p:stCondLst>
+                                        </p:cTn>
+                                        <p:tgtEl>
+                                          <p:spTgt spid="3">
+                                            <p:txEl>
+                                              <p:pRg st="3" end="3"/>
+                                            </p:txEl>
+                                          </p:spTgt>
+                                        </p:tgtEl>
+                                        <p:attrNameLst>
+                                          <p:attrName>style.visibility</p:attrName>
+                                        </p:attrNameLst>
+                                      </p:cBhvr>
+                                      <p:to>
+                                        <p:strVal val="visible"/>
+                                      </p:to>
+                                    </p:set>
+                                  </p:childTnLst>
+                                </p:cTn>
+                              </p:par>
+                            </p:childTnLst>
+                          </p:cTn>
+                        </p:par>
+                      </p:childTnLst>
+                    </p:cTn>
+                  </p:par>
+                  <p:par>
+                    <p:cTn id="19" fill="hold">
+                      <p:stCondLst>
+                        <p:cond delay="indefinite"/>
+                      </p:stCondLst>
+                      <p:childTnLst>
+                        <p:par>
+                          <p:cTn id="20" fill="hold">
+                            <p:stCondLst>
+                              <p:cond delay="0"/>
+                            </p:stCondLst>
+                            <p:childTnLst>
+                              <p:par>
+                                <p:cTn id="21" presetID="1" presetClass="entr" presetSubtype="0" fill="hold" nodeType="clickEffect">
+                                  <p:stCondLst>
+                                    <p:cond delay="0"/>
+                                  </p:stCondLst>
+                                  <p:childTnLst>
+                                    <p:set>
+                                      <p:cBhvr>
+                                        <p:cTn id="22" dur="1" fill="hold">
+                                          <p:stCondLst>
+                                            <p:cond delay="0"/>
+                                          </p:stCondLst>
+                                        </p:cTn>
+                                        <p:tgtEl>
+                                          <p:spTgt spid="3">
+                                            <p:txEl>
+                                              <p:pRg st="4" end="4"/>
+                                            </p:txEl>
+                                          </p:spTgt>
+                                        </p:tgtEl>
+                                        <p:attrNameLst>
+                                          <p:attrName>style.visibility</p:attrName>
+                                        </p:attrNameLst>
+                                      </p:cBhvr>
+                                      <p:to>
+                                        <p:strVal val="visible"/>
+                                      </p:to>
+                                    </p:set>
+                                  </p:childTnLst>
+                                </p:cTn>
+                              </p:par>
+                            </p:childTnLst>
+                          </p:cTn>
+                        </p:par>
+                      </p:childTnLst>
+                    </p:cTn>
+                  </p:par>
+                  <p:par>
+                    <p:cTn id="23" fill="hold">
+                      <p:stCondLst>
+                        <p:cond delay="indefinite"/>
+                      </p:stCondLst>
+                      <p:childTnLst>
+                        <p:par>
+                          <p:cTn id="24" fill="hold">
+                            <p:stCondLst>
+                              <p:cond delay="0"/>
+                            </p:stCondLst>
+                            <p:childTnLst>
+                              <p:par>
+                                <p:cTn id="25" presetID="1" presetClass="entr" presetSubtype="0" fill="hold" nodeType="clickEffect">
+                                  <p:stCondLst>
+                                    <p:cond delay="0"/>
+                                  </p:stCondLst>
+                                  <p:childTnLst>
+                                    <p:set>
+                                      <p:cBhvr>
+                                        <p:cTn id="26" dur="1" fill="hold">
+                                          <p:stCondLst>
+                                            <p:cond delay="0"/>
+                                          </p:stCondLst>
+                                        </p:cTn>
+                                        <p:tgtEl>
+                                          <p:spTgt spid="3">
+                                            <p:txEl>
+                                              <p:pRg st="5" end="5"/>
+                                            </p:txEl>
+                                          </p:spTgt>
+                                        </p:tgtEl>
+                                        <p:attrNameLst>
+                                          <p:attrName>style.visibility</p:attrName>
+                                        </p:attrNameLst>
+                                      </p:cBhvr>
+                                      <p:to>
+                                        <p:strVal val="visible"/>
+                                      </p:to>
+                                    </p:set>
+                                  </p:childTnLst>
+                                </p:cTn>
+                              </p:par>
+                            </p:childTnLst>
+                          </p:cTn>
+                        </p:par>
+                      </p:childTnLst>
+                    </p:cTn>
+                  </p:par>
+                </p:childTnLst>
+              </p:cTn>
+              <p:prevCondLst>
+                <p:cond evt="onPrev" delay="0">
+                  <p:tgtEl>
+                    <p:sldTgt/>
+                  </p:tgtEl>
+                </p:cond>
+              </p:prevCondLst>
+              <p:nextCondLst>
+                <p:cond evt="onNext" delay="0">
+                  <p:tgtEl>
+                    <p:sldTgt/>
+                  </p:tgtEl>
+                </p:cond>
+              </p:nextCondLst>
+            </p:seq>
+          </p:childTnLst>
+        </p:cTn>
+      </p:par>
+    </p:tnLst>
+  </p:timing>
+</p:sld>
+</file>
+
+<file path=ppt/slides/slide12.xml><?xml version="1.0" encoding="utf-8"?>
+<p:sld xmlns:a="http://schemas.openxmlformats.org/drawingml/2006/main" xmlns:r="http://schemas.openxmlformats.org/officeDocument/2006/relationships" xmlns:p="http://schemas.openxmlformats.org/presentationml/2006/main">
+  <p:cSld>
+    <p:spTree>
+      <p:nvGrpSpPr>
+        <p:cNvPr id="1" name=""/>
+        <p:cNvGrpSpPr/>
+        <p:nvPr/>
+      </p:nvGrpSpPr>
+      <p:grpSpPr>
+        <a:xfrm>
+          <a:off x="0" y="0"/>
+          <a:ext cx="0" cy="0"/>
+          <a:chOff x="0" y="0"/>
+          <a:chExt cx="0" cy="0"/>
+        </a:xfrm>
+      </p:grpSpPr>
+      <p:sp>
+        <p:nvSpPr>
+          <p:cNvPr id="2" name="Title 1"/>
+          <p:cNvSpPr>
+            <a:spLocks noGrp="1"/>
+          </p:cNvSpPr>
+          <p:nvPr>
+            <p:ph type="title"/>
+          </p:nvPr>
+        </p:nvSpPr>
+        <p:spPr/>
+        <p:txBody>
+          <a:bodyPr/>
+          <a:lstStyle/>
+          <a:p>
+            <a:pPr>
+              <a:buNone/>
+            </a:pPr>
+            <a:r>
+              <a:rPr lang="sv-SE" dirty="0"/>
+              <a:t>F# not </a:t>
+            </a:r>
+            <a:r>
+              <a:rPr lang="sv-SE" dirty="0" err="1"/>
+              <a:t>fully</a:t>
+            </a:r>
+            <a:r>
+              <a:rPr lang="sv-SE" dirty="0"/>
+              <a:t> </a:t>
+            </a:r>
+            <a:r>
+              <a:rPr lang="sv-SE" dirty="0" err="1"/>
+              <a:t>covered</a:t>
+            </a:r>
+            <a:endParaRPr lang="sv-SE" dirty="0"/>
+          </a:p>
+        </p:txBody>
+      </p:sp>
+      <p:sp>
+        <p:nvSpPr>
+          <p:cNvPr id="3" name="Content Placeholder 2"/>
+          <p:cNvSpPr>
+            <a:spLocks noGrp="1"/>
+          </p:cNvSpPr>
+          <p:nvPr>
+            <p:ph idx="1"/>
+          </p:nvPr>
+        </p:nvSpPr>
+        <p:spPr>
+          <a:xfrm>
+            <a:off x="457200" y="1412776"/>
+            <a:ext cx="8229240" cy="4525920"/>
+          </a:xfrm>
+        </p:spPr>
+        <p:txBody>
+          <a:bodyPr/>
+          <a:lstStyle/>
+          <a:p>
+            <a:r>
+              <a:rPr lang="sv-SE" dirty="0" err="1" smtClean="0"/>
+              <a:t>Object</a:t>
+            </a:r>
+            <a:r>
+              <a:rPr lang="sv-SE" dirty="0" smtClean="0"/>
+              <a:t> </a:t>
+            </a:r>
+            <a:r>
+              <a:rPr lang="sv-SE" dirty="0" err="1" smtClean="0"/>
+              <a:t>Oriented</a:t>
+            </a:r>
+            <a:r>
+              <a:rPr lang="sv-SE" dirty="0" smtClean="0"/>
+              <a:t> </a:t>
+            </a:r>
+            <a:r>
+              <a:rPr lang="sv-SE" dirty="0" err="1" smtClean="0"/>
+              <a:t>Programming</a:t>
+            </a:r>
+            <a:endParaRPr lang="sv-SE" dirty="0" smtClean="0"/>
+          </a:p>
+          <a:p>
+            <a:r>
+              <a:rPr lang="sv-SE" dirty="0" err="1" smtClean="0"/>
+              <a:t>Mutability</a:t>
+            </a:r>
+            <a:endParaRPr lang="sv-SE" dirty="0" smtClean="0"/>
+          </a:p>
+          <a:p>
+            <a:pPr lvl="1"/>
+            <a:r>
+              <a:rPr lang="sv-SE" dirty="0" smtClean="0"/>
+              <a:t>Iteration</a:t>
+            </a:r>
+          </a:p>
+          <a:p>
+            <a:r>
+              <a:rPr lang="sv-SE" dirty="0" smtClean="0"/>
+              <a:t>If, </a:t>
+            </a:r>
+            <a:r>
+              <a:rPr lang="sv-SE" dirty="0" err="1" smtClean="0"/>
+              <a:t>else</a:t>
+            </a:r>
+            <a:r>
+              <a:rPr lang="sv-SE" dirty="0" smtClean="0"/>
+              <a:t> </a:t>
+            </a:r>
+          </a:p>
+          <a:p>
+            <a:r>
+              <a:rPr lang="sv-SE" dirty="0" err="1" smtClean="0"/>
+              <a:t>Etc</a:t>
+            </a:r>
+            <a:r>
+              <a:rPr lang="sv-SE" dirty="0" smtClean="0"/>
+              <a:t>, </a:t>
+            </a:r>
+            <a:r>
+              <a:rPr lang="sv-SE" dirty="0" err="1" smtClean="0"/>
+              <a:t>etc</a:t>
+            </a:r>
+            <a:r>
+              <a:rPr lang="sv-SE" dirty="0" smtClean="0"/>
+              <a:t>, </a:t>
+            </a:r>
+            <a:r>
+              <a:rPr lang="sv-SE" dirty="0" err="1" smtClean="0"/>
+              <a:t>etc</a:t>
+            </a:r>
+            <a:r>
+              <a:rPr lang="sv-SE" dirty="0" smtClean="0"/>
+              <a:t> ad </a:t>
+            </a:r>
+            <a:r>
+              <a:rPr lang="sv-SE" dirty="0" err="1" smtClean="0"/>
+              <a:t>nauseum</a:t>
+            </a:r>
+            <a:endParaRPr lang="sv-SE" dirty="0"/>
+          </a:p>
+        </p:txBody>
+      </p:sp>
+    </p:spTree>
+    <p:extLst>
+      <p:ext uri="{BB962C8B-B14F-4D97-AF65-F5344CB8AC3E}">
+        <p14:creationId xmlns:p14="http://schemas.microsoft.com/office/powerpoint/2010/main" val="2994381931"/>
+      </p:ext>
+    </p:extLst>
+  </p:cSld>
+  <p:clrMapOvr>
+    <a:masterClrMapping/>
+  </p:clrMapOvr>
+  <mc:AlternateContent xmlns:mc="http://schemas.openxmlformats.org/markup-compatibility/2006" xmlns:p14="http://schemas.microsoft.com/office/powerpoint/2010/main">
+    <mc:Choice Requires="p14">
+      <p:transition spd="slow" p14:dur="2000"/>
+    </mc:Choice>
+    <mc:Fallback xmlns="">
+      <p:transition spd="slow"/>
+    </mc:Fallback>
+  </mc:AlternateContent>
+</p:sld>
+</file>
+
+<file path=ppt/slides/slide13.xml><?xml version="1.0" encoding="utf-8"?>
+<p:sld xmlns:a="http://schemas.openxmlformats.org/drawingml/2006/main" xmlns:r="http://schemas.openxmlformats.org/officeDocument/2006/relationships" xmlns:p="http://schemas.openxmlformats.org/presentationml/2006/main">
+  <p:cSld name="page10">
+    <p:spTree>
+      <p:nvGrpSpPr>
+        <p:cNvPr id="1" name=""/>
+        <p:cNvGrpSpPr/>
+        <p:nvPr/>
+      </p:nvGrpSpPr>
+      <p:grpSpPr>
+        <a:xfrm>
+          <a:off x="0" y="0"/>
+          <a:ext cx="0" cy="0"/>
+          <a:chOff x="0" y="0"/>
+          <a:chExt cx="0" cy="0"/>
+        </a:xfrm>
+      </p:grpSpPr>
+      <p:sp>
+        <p:nvSpPr>
+          <p:cNvPr id="2" name="TextShape 1"/>
+          <p:cNvSpPr/>
+          <p:nvPr/>
+        </p:nvSpPr>
+        <p:spPr>
+          <a:xfrm>
+            <a:off x="457200" y="274680"/>
+            <a:ext cx="8228880" cy="1142280"/>
+          </a:xfrm>
+          <a:custGeom>
+            <a:avLst/>
+            <a:gdLst>
+              <a:gd name="f0" fmla="val 0"/>
+              <a:gd name="f1" fmla="val 21600"/>
+            </a:gdLst>
+            <a:ahLst/>
+            <a:cxnLst>
+              <a:cxn ang="3cd4">
+                <a:pos x="hc" y="t"/>
+              </a:cxn>
+              <a:cxn ang="0">
+                <a:pos x="r" y="vc"/>
+              </a:cxn>
+              <a:cxn ang="cd4">
+                <a:pos x="hc" y="b"/>
+              </a:cxn>
+              <a:cxn ang="cd2">
+                <a:pos x="l" y="vc"/>
+              </a:cxn>
+            </a:cxnLst>
+            <a:rect l="l" t="t" r="r" b="b"/>
+            <a:pathLst>
+              <a:path w="21600" h="21600">
+                <a:moveTo>
+                  <a:pt x="f0" y="f0"/>
+                </a:moveTo>
+                <a:lnTo>
+                  <a:pt x="f1" y="f0"/>
+                </a:lnTo>
+                <a:lnTo>
+                  <a:pt x="f1" y="f1"/>
+                </a:lnTo>
+                <a:lnTo>
+                  <a:pt x="f0" y="f1"/>
+                </a:lnTo>
+                <a:lnTo>
+                  <a:pt x="f0" y="f0"/>
+                </a:lnTo>
+                <a:close/>
+              </a:path>
+            </a:pathLst>
+          </a:custGeom>
+          <a:noFill/>
+          <a:ln>
+            <a:noFill/>
+            <a:prstDash val="solid"/>
+          </a:ln>
+        </p:spPr>
+        <p:txBody>
+          <a:bodyPr vert="horz" wrap="square" lIns="90000" tIns="45000" rIns="90000" bIns="45000" anchor="t" compatLnSpc="0"/>
+          <a:lstStyle/>
+          <a:p>
+            <a:pPr marL="0" marR="0" lvl="0" indent="0" algn="ctr" rtl="0" hangingPunct="0">
+              <a:lnSpc>
+                <a:spcPct val="100000"/>
+              </a:lnSpc>
+              <a:spcBef>
+                <a:spcPts val="0"/>
+              </a:spcBef>
+              <a:spcAft>
+                <a:spcPts val="0"/>
+              </a:spcAft>
+              <a:buNone/>
+              <a:tabLst/>
+            </a:pPr>
+            <a:r>
+              <a:rPr lang="sv-SE" sz="4400" b="0" i="0" u="none" strike="noStrike" kern="1200" spc="0">
+                <a:ln>
+                  <a:noFill/>
+                </a:ln>
+                <a:solidFill>
+                  <a:srgbClr val="000000"/>
+                </a:solidFill>
+                <a:latin typeface="Calibri" pitchFamily="18"/>
+                <a:ea typeface="DejaVu Sans" pitchFamily="2"/>
+                <a:cs typeface="DejaVu Sans" pitchFamily="2"/>
+              </a:rPr>
+              <a:t>Lets look at some code</a:t>
+            </a:r>
+          </a:p>
+        </p:txBody>
+      </p:sp>
+    </p:spTree>
+  </p:cSld>
+  <p:clrMapOvr>
+    <a:masterClrMapping/>
+  </p:clrMapOvr>
+  <mc:AlternateContent xmlns:mc="http://schemas.openxmlformats.org/markup-compatibility/2006" xmlns:p14="http://schemas.microsoft.com/office/powerpoint/2010/main">
+    <mc:Choice Requires="p14">
+      <p:transition spd="slow" p14:dur="2000"/>
+    </mc:Choice>
+    <mc:Fallback xmlns="">
+      <p:transition spd="slow"/>
+    </mc:Fallback>
+  </mc:AlternateContent>
+  <p:timing>
+    <p:tnLst>
+      <p:par>
+        <p:cTn id="1" dur="indefinite" restart="never" nodeType="tmRoot"/>
+      </p:par>
+    </p:tnLst>
+  </p:timing>
+</p:sld>
+</file>
+
+<file path=ppt/slides/slide14.xml><?xml version="1.0" encoding="utf-8"?>
+<p:sld xmlns:a="http://schemas.openxmlformats.org/drawingml/2006/main" xmlns:r="http://schemas.openxmlformats.org/officeDocument/2006/relationships" xmlns:p="http://schemas.openxmlformats.org/presentationml/2006/main">
+  <p:cSld>
+    <p:spTree>
+      <p:nvGrpSpPr>
+        <p:cNvPr id="1" name=""/>
+        <p:cNvGrpSpPr/>
+        <p:nvPr/>
+      </p:nvGrpSpPr>
+      <p:grpSpPr>
+        <a:xfrm>
+          <a:off x="0" y="0"/>
+          <a:ext cx="0" cy="0"/>
+          <a:chOff x="0" y="0"/>
+          <a:chExt cx="0" cy="0"/>
+        </a:xfrm>
+      </p:grpSpPr>
+      <p:sp>
+        <p:nvSpPr>
+          <p:cNvPr id="2" name="Title 1"/>
+          <p:cNvSpPr>
+            <a:spLocks noGrp="1"/>
+          </p:cNvSpPr>
+          <p:nvPr>
+            <p:ph type="title"/>
+          </p:nvPr>
+        </p:nvSpPr>
+        <p:spPr/>
+        <p:txBody>
+          <a:bodyPr/>
+          <a:lstStyle/>
+          <a:p>
+            <a:pPr>
+              <a:buNone/>
+            </a:pPr>
+            <a:r>
+              <a:rPr lang="sv-SE" dirty="0" smtClean="0"/>
+              <a:t>Functions</a:t>
+            </a:r>
+            <a:endParaRPr lang="sv-SE" dirty="0"/>
+          </a:p>
+        </p:txBody>
+      </p:sp>
+      <p:sp>
+        <p:nvSpPr>
+          <p:cNvPr id="3" name="Content Placeholder 2"/>
+          <p:cNvSpPr>
+            <a:spLocks noGrp="1"/>
+          </p:cNvSpPr>
+          <p:nvPr>
+            <p:ph idx="1"/>
+          </p:nvPr>
+        </p:nvSpPr>
+        <p:spPr>
+          <a:xfrm>
+            <a:off x="457200" y="1604520"/>
+            <a:ext cx="8507288" cy="4525920"/>
+          </a:xfrm>
+        </p:spPr>
+        <p:txBody>
+          <a:bodyPr/>
+          <a:lstStyle/>
+          <a:p>
+            <a:pPr marL="108000" indent="0">
+              <a:buNone/>
+            </a:pPr>
+            <a:r>
+              <a:rPr lang="es-ES" dirty="0" smtClean="0">
+                <a:solidFill>
+                  <a:srgbClr val="0000FF"/>
+                </a:solidFill>
+                <a:latin typeface="Consolas"/>
+              </a:rPr>
+              <a:t>No (, ) </a:t>
+            </a:r>
+            <a:r>
+              <a:rPr lang="es-ES" dirty="0" err="1" smtClean="0">
+                <a:solidFill>
+                  <a:srgbClr val="0000FF"/>
+                </a:solidFill>
+                <a:latin typeface="Consolas"/>
+              </a:rPr>
+              <a:t>or</a:t>
+            </a:r>
+            <a:r>
+              <a:rPr lang="es-ES" dirty="0" smtClean="0">
+                <a:solidFill>
+                  <a:srgbClr val="0000FF"/>
+                </a:solidFill>
+                <a:latin typeface="Consolas"/>
+              </a:rPr>
+              <a:t> ,.</a:t>
+            </a:r>
+          </a:p>
+          <a:p>
+            <a:pPr marL="108000" indent="0">
+              <a:buNone/>
+            </a:pPr>
+            <a:r>
+              <a:rPr lang="es-ES" dirty="0" err="1" smtClean="0">
+                <a:solidFill>
+                  <a:srgbClr val="0000FF"/>
+                </a:solidFill>
+                <a:latin typeface="Consolas"/>
+              </a:rPr>
+              <a:t>let</a:t>
+            </a:r>
+            <a:r>
+              <a:rPr lang="es-ES" dirty="0" smtClean="0">
+                <a:solidFill>
+                  <a:prstClr val="black"/>
+                </a:solidFill>
+                <a:latin typeface="Consolas"/>
+              </a:rPr>
+              <a:t> </a:t>
+            </a:r>
+            <a:r>
+              <a:rPr lang="es-ES" dirty="0" err="1" smtClean="0">
+                <a:solidFill>
+                  <a:prstClr val="black"/>
+                </a:solidFill>
+                <a:latin typeface="Consolas"/>
+              </a:rPr>
+              <a:t>add</a:t>
+            </a:r>
+            <a:r>
+              <a:rPr lang="es-ES" dirty="0" smtClean="0">
+                <a:solidFill>
+                  <a:prstClr val="black"/>
+                </a:solidFill>
+                <a:latin typeface="Consolas"/>
+              </a:rPr>
+              <a:t> x y = x + y</a:t>
+            </a:r>
+          </a:p>
+          <a:p>
+            <a:pPr marL="108000" indent="0">
+              <a:buNone/>
+            </a:pPr>
+            <a:r>
+              <a:rPr lang="sv-SE" dirty="0" smtClean="0">
+                <a:solidFill>
+                  <a:srgbClr val="0000FF"/>
+                </a:solidFill>
+                <a:latin typeface="Consolas"/>
+              </a:rPr>
+              <a:t>let</a:t>
+            </a:r>
+            <a:r>
+              <a:rPr lang="sv-SE" dirty="0" smtClean="0">
+                <a:solidFill>
+                  <a:prstClr val="black"/>
+                </a:solidFill>
+                <a:latin typeface="Consolas"/>
+              </a:rPr>
+              <a:t> </a:t>
+            </a:r>
+            <a:r>
+              <a:rPr lang="sv-SE" dirty="0">
+                <a:solidFill>
+                  <a:prstClr val="black"/>
+                </a:solidFill>
+                <a:latin typeface="Consolas"/>
+              </a:rPr>
+              <a:t>four = </a:t>
+            </a:r>
+            <a:r>
+              <a:rPr lang="sv-SE" dirty="0" smtClean="0">
+                <a:solidFill>
+                  <a:prstClr val="black"/>
+                </a:solidFill>
+                <a:latin typeface="Consolas"/>
+              </a:rPr>
+              <a:t>add 2 </a:t>
+            </a:r>
+            <a:r>
+              <a:rPr lang="sv-SE" dirty="0">
+                <a:solidFill>
+                  <a:prstClr val="black"/>
+                </a:solidFill>
+                <a:latin typeface="Consolas"/>
+              </a:rPr>
+              <a:t>2</a:t>
+            </a:r>
+          </a:p>
+          <a:p>
+            <a:pPr marL="108000" indent="0">
+              <a:buNone/>
+            </a:pPr>
+            <a:endParaRPr lang="sv-SE" dirty="0">
+              <a:solidFill>
+                <a:prstClr val="black"/>
+              </a:solidFill>
+              <a:latin typeface="Consolas"/>
+            </a:endParaRPr>
+          </a:p>
+          <a:p>
+            <a:pPr marL="108000" indent="0">
+              <a:buNone/>
+            </a:pPr>
+            <a:endParaRPr lang="es-ES" dirty="0" smtClean="0"/>
+          </a:p>
+        </p:txBody>
+      </p:sp>
+    </p:spTree>
+    <p:extLst>
+      <p:ext uri="{BB962C8B-B14F-4D97-AF65-F5344CB8AC3E}">
+        <p14:creationId xmlns:p14="http://schemas.microsoft.com/office/powerpoint/2010/main" val="3826616327"/>
+      </p:ext>
+    </p:extLst>
+  </p:cSld>
+  <p:clrMapOvr>
+    <a:masterClrMapping/>
+  </p:clrMapOvr>
+  <mc:AlternateContent xmlns:mc="http://schemas.openxmlformats.org/markup-compatibility/2006" xmlns:p14="http://schemas.microsoft.com/office/powerpoint/2010/main">
+    <mc:Choice Requires="p14">
+      <p:transition spd="slow" p14:dur="2000"/>
+    </mc:Choice>
+    <mc:Fallback xmlns="">
+      <p:transition spd="slow"/>
+    </mc:Fallback>
+  </mc:AlternateContent>
+  <p:timing>
+    <p:tnLst>
+      <p:par>
+        <p:cTn id="1" dur="indefinite" restart="never" nodeType="tmRoot">
+          <p:childTnLst>
+            <p:seq concurrent="1" nextAc="seek">
+              <p:cTn id="2" dur="indefinite" nodeType="mainSeq">
+                <p:childTnLst>
+                  <p:par>
+                    <p:cTn id="3" fill="hold">
+                      <p:stCondLst>
+                        <p:cond delay="indefinite"/>
+                      </p:stCondLst>
+                      <p:childTnLst>
+                        <p:par>
+                          <p:cTn id="4" fill="hold">
+                            <p:stCondLst>
+                              <p:cond delay="0"/>
+                            </p:stCondLst>
+                            <p:childTnLst>
+                              <p:par>
+                                <p:cTn id="5" presetID="2" presetClass="entr" presetSubtype="4" fill="hold" nodeType="clickEffect">
+                                  <p:stCondLst>
+                                    <p:cond delay="0"/>
+                                  </p:stCondLst>
+                                  <p:childTnLst>
+                                    <p:set>
+                                      <p:cBhvr>
+                                        <p:cTn id="6" dur="1" fill="hold">
+                                          <p:stCondLst>
+                                            <p:cond delay="0"/>
+                                          </p:stCondLst>
+                                        </p:cTn>
+                                        <p:tgtEl>
+                                          <p:spTgt spid="3">
+                                            <p:txEl>
+                                              <p:pRg st="0" end="0"/>
+                                            </p:txEl>
+                                          </p:spTgt>
+                                        </p:tgtEl>
+                                        <p:attrNameLst>
+                                          <p:attrName>style.visibility</p:attrName>
+                                        </p:attrNameLst>
+                                      </p:cBhvr>
+                                      <p:to>
+                                        <p:strVal val="visible"/>
+                                      </p:to>
+                                    </p:set>
+                                    <p:anim calcmode="lin" valueType="num">
+                                      <p:cBhvr additive="base">
+                                        <p:cTn id="7" dur="500" fill="hold"/>
+                                        <p:tgtEl>
+                                          <p:spTgt spid="3">
+                                            <p:txEl>
+                                              <p:pRg st="0" end="0"/>
+                                            </p:txEl>
+                                          </p:spTgt>
+                                        </p:tgtEl>
+                                        <p:attrNameLst>
+                                          <p:attrName>ppt_x</p:attrName>
+                                        </p:attrNameLst>
+                                      </p:cBhvr>
+                                      <p:tavLst>
+                                        <p:tav tm="0">
+                                          <p:val>
+                                            <p:strVal val="#ppt_x"/>
+                                          </p:val>
+                                        </p:tav>
+                                        <p:tav tm="100000">
+                                          <p:val>
+                                            <p:strVal val="#ppt_x"/>
+                                          </p:val>
+                                        </p:tav>
+                                      </p:tavLst>
+                                    </p:anim>
+                                    <p:anim calcmode="lin" valueType="num">
+                                      <p:cBhvr additive="base">
+                                        <p:cTn id="8" dur="500" fill="hold"/>
+                                        <p:tgtEl>
+                                          <p:spTgt spid="3">
+                                            <p:txEl>
+                                              <p:pRg st="0" end="0"/>
+                                            </p:txEl>
+                                          </p:spTgt>
+                                        </p:tgtEl>
+                                        <p:attrNameLst>
+                                          <p:attrName>ppt_y</p:attrName>
+                                        </p:attrNameLst>
+                                      </p:cBhvr>
+                                      <p:tavLst>
+                                        <p:tav tm="0">
+                                          <p:val>
+                                            <p:strVal val="1+#ppt_h/2"/>
+                                          </p:val>
+                                        </p:tav>
+                                        <p:tav tm="100000">
+                                          <p:val>
+                                            <p:strVal val="#ppt_y"/>
+                                          </p:val>
+                                        </p:tav>
+                                      </p:tavLst>
+                                    </p:anim>
+                                  </p:childTnLst>
+                                </p:cTn>
+                              </p:par>
+                              <p:par>
+                                <p:cTn id="9" presetID="2" presetClass="entr" presetSubtype="4" fill="hold" nodeType="withEffect">
+                                  <p:stCondLst>
+                                    <p:cond delay="0"/>
+                                  </p:stCondLst>
+                                  <p:childTnLst>
+                                    <p:set>
+                                      <p:cBhvr>
+                                        <p:cTn id="10" dur="1" fill="hold">
+                                          <p:stCondLst>
+                                            <p:cond delay="0"/>
+                                          </p:stCondLst>
+                                        </p:cTn>
+                                        <p:tgtEl>
+                                          <p:spTgt spid="3">
+                                            <p:txEl>
+                                              <p:pRg st="1" end="1"/>
+                                            </p:txEl>
+                                          </p:spTgt>
+                                        </p:tgtEl>
+                                        <p:attrNameLst>
+                                          <p:attrName>style.visibility</p:attrName>
+                                        </p:attrNameLst>
+                                      </p:cBhvr>
+                                      <p:to>
+                                        <p:strVal val="visible"/>
+                                      </p:to>
+                                    </p:set>
+                                    <p:anim calcmode="lin" valueType="num">
+                                      <p:cBhvr additive="base">
+                                        <p:cTn id="11" dur="500" fill="hold"/>
+                                        <p:tgtEl>
+                                          <p:spTgt spid="3">
+                                            <p:txEl>
+                                              <p:pRg st="1" end="1"/>
+                                            </p:txEl>
+                                          </p:spTgt>
+                                        </p:tgtEl>
+                                        <p:attrNameLst>
+                                          <p:attrName>ppt_x</p:attrName>
+                                        </p:attrNameLst>
+                                      </p:cBhvr>
+                                      <p:tavLst>
+                                        <p:tav tm="0">
+                                          <p:val>
+                                            <p:strVal val="#ppt_x"/>
+                                          </p:val>
+                                        </p:tav>
+                                        <p:tav tm="100000">
+                                          <p:val>
+                                            <p:strVal val="#ppt_x"/>
+                                          </p:val>
+                                        </p:tav>
+                                      </p:tavLst>
+                                    </p:anim>
+                                    <p:anim calcmode="lin" valueType="num">
+                                      <p:cBhvr additive="base">
+                                        <p:cTn id="12" dur="500" fill="hold"/>
+                                        <p:tgtEl>
+                                          <p:spTgt spid="3">
+                                            <p:txEl>
+                                              <p:pRg st="1" end="1"/>
+                                            </p:txEl>
+                                          </p:spTgt>
+                                        </p:tgtEl>
+                                        <p:attrNameLst>
+                                          <p:attrName>ppt_y</p:attrName>
+                                        </p:attrNameLst>
+                                      </p:cBhvr>
+                                      <p:tavLst>
+                                        <p:tav tm="0">
+                                          <p:val>
+                                            <p:strVal val="1+#ppt_h/2"/>
+                                          </p:val>
+                                        </p:tav>
+                                        <p:tav tm="100000">
+                                          <p:val>
+                                            <p:strVal val="#ppt_y"/>
+                                          </p:val>
+                                        </p:tav>
+                                      </p:tavLst>
+                                    </p:anim>
+                                  </p:childTnLst>
+                                </p:cTn>
+                              </p:par>
+                              <p:par>
+                                <p:cTn id="13" presetID="2" presetClass="entr" presetSubtype="4" fill="hold" nodeType="withEffect">
+                                  <p:stCondLst>
+                                    <p:cond delay="0"/>
+                                  </p:stCondLst>
+                                  <p:childTnLst>
+                                    <p:set>
+                                      <p:cBhvr>
+                                        <p:cTn id="14" dur="1" fill="hold">
+                                          <p:stCondLst>
+                                            <p:cond delay="0"/>
+                                          </p:stCondLst>
+                                        </p:cTn>
+                                        <p:tgtEl>
+                                          <p:spTgt spid="3">
+                                            <p:txEl>
+                                              <p:pRg st="2" end="2"/>
+                                            </p:txEl>
+                                          </p:spTgt>
+                                        </p:tgtEl>
+                                        <p:attrNameLst>
+                                          <p:attrName>style.visibility</p:attrName>
+                                        </p:attrNameLst>
+                                      </p:cBhvr>
+                                      <p:to>
+                                        <p:strVal val="visible"/>
+                                      </p:to>
+                                    </p:set>
+                                    <p:anim calcmode="lin" valueType="num">
+                                      <p:cBhvr additive="base">
+                                        <p:cTn id="15" dur="500" fill="hold"/>
+                                        <p:tgtEl>
+                                          <p:spTgt spid="3">
+                                            <p:txEl>
+                                              <p:pRg st="2" end="2"/>
+                                            </p:txEl>
+                                          </p:spTgt>
+                                        </p:tgtEl>
+                                        <p:attrNameLst>
+                                          <p:attrName>ppt_x</p:attrName>
+                                        </p:attrNameLst>
+                                      </p:cBhvr>
+                                      <p:tavLst>
+                                        <p:tav tm="0">
+                                          <p:val>
+                                            <p:strVal val="#ppt_x"/>
+                                          </p:val>
+                                        </p:tav>
+                                        <p:tav tm="100000">
+                                          <p:val>
+                                            <p:strVal val="#ppt_x"/>
+                                          </p:val>
+                                        </p:tav>
+                                      </p:tavLst>
+                                    </p:anim>
+                                    <p:anim calcmode="lin" valueType="num">
+                                      <p:cBhvr additive="base">
+                                        <p:cTn id="16" dur="500" fill="hold"/>
+                                        <p:tgtEl>
+                                          <p:spTgt spid="3">
+                                            <p:txEl>
+                                              <p:pRg st="2" end="2"/>
+                                            </p:txEl>
+                                          </p:spTgt>
+                                        </p:tgtEl>
+                                        <p:attrNameLst>
+                                          <p:attrName>ppt_y</p:attrName>
+                                        </p:attrNameLst>
+                                      </p:cBhvr>
+                                      <p:tavLst>
+                                        <p:tav tm="0">
+                                          <p:val>
+                                            <p:strVal val="1+#ppt_h/2"/>
+                                          </p:val>
+                                        </p:tav>
+                                        <p:tav tm="100000">
+                                          <p:val>
+                                            <p:strVal val="#ppt_y"/>
+                                          </p:val>
+                                        </p:tav>
+                                      </p:tavLst>
+                                    </p:anim>
+                                  </p:childTnLst>
+                                </p:cTn>
+                              </p:par>
+                            </p:childTnLst>
+                          </p:cTn>
+                        </p:par>
+                      </p:childTnLst>
+                    </p:cTn>
+                  </p:par>
+                </p:childTnLst>
+              </p:cTn>
+              <p:prevCondLst>
+                <p:cond evt="onPrev" delay="0">
+                  <p:tgtEl>
+                    <p:sldTgt/>
+                  </p:tgtEl>
+                </p:cond>
+              </p:prevCondLst>
+              <p:nextCondLst>
+                <p:cond evt="onNext" delay="0">
+                  <p:tgtEl>
+                    <p:sldTgt/>
+                  </p:tgtEl>
+                </p:cond>
+              </p:nextCondLst>
+            </p:seq>
+          </p:childTnLst>
+        </p:cTn>
+      </p:par>
+    </p:tnLst>
+  </p:timing>
+</p:sld>
+</file>
+
+<file path=ppt/slides/slide15.xml><?xml version="1.0" encoding="utf-8"?>
+<p:sld xmlns:a="http://schemas.openxmlformats.org/drawingml/2006/main" xmlns:r="http://schemas.openxmlformats.org/officeDocument/2006/relationships" xmlns:p="http://schemas.openxmlformats.org/presentationml/2006/main">
+  <p:cSld>
+    <p:spTree>
+      <p:nvGrpSpPr>
+        <p:cNvPr id="1" name=""/>
+        <p:cNvGrpSpPr/>
+        <p:nvPr/>
+      </p:nvGrpSpPr>
+      <p:grpSpPr>
+        <a:xfrm>
+          <a:off x="0" y="0"/>
+          <a:ext cx="0" cy="0"/>
+          <a:chOff x="0" y="0"/>
+          <a:chExt cx="0" cy="0"/>
+        </a:xfrm>
+      </p:grpSpPr>
+      <p:sp>
+        <p:nvSpPr>
+          <p:cNvPr id="2" name="Title 1"/>
+          <p:cNvSpPr>
+            <a:spLocks noGrp="1"/>
+          </p:cNvSpPr>
+          <p:nvPr>
+            <p:ph type="title"/>
+          </p:nvPr>
+        </p:nvSpPr>
+        <p:spPr/>
+        <p:txBody>
+          <a:bodyPr/>
+          <a:lstStyle/>
+          <a:p>
+            <a:pPr>
+              <a:buNone/>
+            </a:pPr>
+            <a:r>
+              <a:rPr lang="sv-SE" dirty="0" smtClean="0"/>
+              <a:t>Partial application</a:t>
+            </a:r>
+            <a:endParaRPr lang="sv-SE" dirty="0"/>
+          </a:p>
+        </p:txBody>
+      </p:sp>
+      <p:sp>
+        <p:nvSpPr>
+          <p:cNvPr id="3" name="Content Placeholder 2"/>
+          <p:cNvSpPr>
+            <a:spLocks noGrp="1"/>
+          </p:cNvSpPr>
+          <p:nvPr>
+            <p:ph idx="1"/>
+          </p:nvPr>
+        </p:nvSpPr>
+        <p:spPr>
+          <a:xfrm>
+            <a:off x="323528" y="1556792"/>
+            <a:ext cx="8568952" cy="4525920"/>
+          </a:xfrm>
+        </p:spPr>
+        <p:txBody>
+          <a:bodyPr/>
+          <a:lstStyle/>
+          <a:p>
+            <a:pPr marL="108000" indent="0">
+              <a:buNone/>
+            </a:pPr>
+            <a:r>
+              <a:rPr lang="es-ES" dirty="0" err="1">
+                <a:solidFill>
+                  <a:srgbClr val="0000FF"/>
+                </a:solidFill>
+                <a:latin typeface="Consolas"/>
+              </a:rPr>
+              <a:t>let</a:t>
+            </a:r>
+            <a:r>
+              <a:rPr lang="es-ES" dirty="0">
+                <a:solidFill>
+                  <a:prstClr val="black"/>
+                </a:solidFill>
+                <a:latin typeface="Consolas"/>
+              </a:rPr>
+              <a:t> </a:t>
+            </a:r>
+            <a:r>
+              <a:rPr lang="es-ES" dirty="0" err="1">
+                <a:solidFill>
+                  <a:prstClr val="black"/>
+                </a:solidFill>
+                <a:latin typeface="Consolas"/>
+              </a:rPr>
+              <a:t>add</a:t>
+            </a:r>
+            <a:r>
+              <a:rPr lang="es-ES" dirty="0">
+                <a:solidFill>
+                  <a:prstClr val="black"/>
+                </a:solidFill>
+                <a:latin typeface="Consolas"/>
+              </a:rPr>
+              <a:t> x y = x + </a:t>
+            </a:r>
+            <a:r>
+              <a:rPr lang="es-ES" dirty="0" smtClean="0">
+                <a:solidFill>
+                  <a:prstClr val="black"/>
+                </a:solidFill>
+                <a:latin typeface="Consolas"/>
+              </a:rPr>
+              <a:t>y</a:t>
+            </a:r>
+            <a:endParaRPr lang="es-ES" dirty="0" smtClean="0">
+              <a:solidFill>
+                <a:srgbClr val="0000FF"/>
+              </a:solidFill>
+              <a:latin typeface="Consolas"/>
+            </a:endParaRPr>
+          </a:p>
+          <a:p>
+            <a:pPr marL="108000" indent="0">
+              <a:buNone/>
+            </a:pPr>
+            <a:r>
+              <a:rPr lang="es-ES" dirty="0" err="1" smtClean="0">
+                <a:solidFill>
+                  <a:srgbClr val="0000FF"/>
+                </a:solidFill>
+                <a:latin typeface="Consolas"/>
+              </a:rPr>
+              <a:t>let</a:t>
+            </a:r>
+            <a:r>
+              <a:rPr lang="es-ES" dirty="0" smtClean="0">
+                <a:solidFill>
+                  <a:prstClr val="black"/>
+                </a:solidFill>
+                <a:latin typeface="Consolas"/>
+              </a:rPr>
+              <a:t> </a:t>
+            </a:r>
+            <a:r>
+              <a:rPr lang="es-ES" dirty="0" err="1" smtClean="0">
+                <a:solidFill>
+                  <a:prstClr val="black"/>
+                </a:solidFill>
+                <a:latin typeface="Consolas"/>
+              </a:rPr>
+              <a:t>add</a:t>
+            </a:r>
+            <a:r>
+              <a:rPr lang="es-ES" dirty="0" smtClean="0">
+                <a:solidFill>
+                  <a:prstClr val="black"/>
+                </a:solidFill>
+                <a:latin typeface="Consolas"/>
+              </a:rPr>
+              <a:t> </a:t>
+            </a:r>
+            <a:r>
+              <a:rPr lang="es-ES" dirty="0">
+                <a:solidFill>
+                  <a:prstClr val="black"/>
+                </a:solidFill>
+                <a:latin typeface="Consolas"/>
+              </a:rPr>
+              <a:t>= </a:t>
+            </a:r>
+            <a:r>
+              <a:rPr lang="es-ES" dirty="0" err="1">
+                <a:solidFill>
+                  <a:srgbClr val="0000FF"/>
+                </a:solidFill>
+                <a:latin typeface="Consolas"/>
+              </a:rPr>
+              <a:t>fun</a:t>
+            </a:r>
+            <a:r>
+              <a:rPr lang="es-ES" dirty="0">
+                <a:solidFill>
+                  <a:prstClr val="black"/>
+                </a:solidFill>
+                <a:latin typeface="Consolas"/>
+              </a:rPr>
+              <a:t> x </a:t>
+            </a:r>
+            <a:r>
+              <a:rPr lang="es-ES" dirty="0">
+                <a:solidFill>
+                  <a:srgbClr val="0000FF"/>
+                </a:solidFill>
+                <a:latin typeface="Consolas"/>
+              </a:rPr>
+              <a:t>-&gt;</a:t>
+            </a:r>
+            <a:r>
+              <a:rPr lang="es-ES" dirty="0">
+                <a:solidFill>
+                  <a:prstClr val="black"/>
+                </a:solidFill>
+                <a:latin typeface="Consolas"/>
+              </a:rPr>
+              <a:t> </a:t>
+            </a:r>
+            <a:r>
+              <a:rPr lang="es-ES" dirty="0" err="1">
+                <a:solidFill>
+                  <a:srgbClr val="0000FF"/>
+                </a:solidFill>
+                <a:latin typeface="Consolas"/>
+              </a:rPr>
+              <a:t>fun</a:t>
+            </a:r>
+            <a:r>
+              <a:rPr lang="es-ES" dirty="0">
+                <a:solidFill>
+                  <a:prstClr val="black"/>
+                </a:solidFill>
+                <a:latin typeface="Consolas"/>
+              </a:rPr>
+              <a:t> y </a:t>
+            </a:r>
+            <a:r>
+              <a:rPr lang="es-ES" dirty="0">
+                <a:solidFill>
+                  <a:srgbClr val="0000FF"/>
+                </a:solidFill>
+                <a:latin typeface="Consolas"/>
+              </a:rPr>
+              <a:t>-&gt;</a:t>
+            </a:r>
+            <a:r>
+              <a:rPr lang="es-ES" dirty="0">
+                <a:solidFill>
+                  <a:prstClr val="black"/>
+                </a:solidFill>
+                <a:latin typeface="Consolas"/>
+              </a:rPr>
+              <a:t> x + y</a:t>
+            </a:r>
+          </a:p>
+          <a:p>
+            <a:pPr marL="108000" indent="0">
+              <a:buNone/>
+            </a:pPr>
+            <a:endParaRPr lang="sv-SE" dirty="0"/>
+          </a:p>
+        </p:txBody>
+      </p:sp>
+    </p:spTree>
+    <p:extLst>
+      <p:ext uri="{BB962C8B-B14F-4D97-AF65-F5344CB8AC3E}">
+        <p14:creationId xmlns:p14="http://schemas.microsoft.com/office/powerpoint/2010/main" val="2993492193"/>
+      </p:ext>
+    </p:extLst>
+  </p:cSld>
+  <p:clrMapOvr>
+    <a:masterClrMapping/>
+  </p:clrMapOvr>
+  <mc:AlternateContent xmlns:mc="http://schemas.openxmlformats.org/markup-compatibility/2006" xmlns:p14="http://schemas.microsoft.com/office/powerpoint/2010/main">
+    <mc:Choice Requires="p14">
+      <p:transition spd="slow" p14:dur="2000"/>
+    </mc:Choice>
+    <mc:Fallback xmlns="">
+      <p:transition spd="slow"/>
+    </mc:Fallback>
+  </mc:AlternateContent>
+  <p:timing>
+    <p:tnLst>
+      <p:par>
+        <p:cTn id="1" dur="indefinite" restart="never" nodeType="tmRoot"/>
+      </p:par>
+    </p:tnLst>
+  </p:timing>
+</p:sld>
+</file>
+
+<file path=ppt/slides/slide16.xml><?xml version="1.0" encoding="utf-8"?>
 <p:sld xmlns:a="http://schemas.openxmlformats.org/drawingml/2006/main" xmlns:r="http://schemas.openxmlformats.org/officeDocument/2006/relationships" xmlns:p="http://schemas.openxmlformats.org/presentationml/2006/main">
   <p:cSld name="page9">
     <p:spTree>
@@ -6897,9 +9098,9 @@
 </p:sld>
 </file>
 
-<file path=ppt/slides/slide11.xml><?xml version="1.0" encoding="utf-8"?>
+<file path=ppt/slides/slide17.xml><?xml version="1.0" encoding="utf-8"?>
 <p:sld xmlns:a="http://schemas.openxmlformats.org/drawingml/2006/main" xmlns:r="http://schemas.openxmlformats.org/officeDocument/2006/relationships" xmlns:p="http://schemas.openxmlformats.org/presentationml/2006/main">
-  <p:cSld>
+  <p:cSld name="page8">
     <p:spTree>
       <p:nvGrpSpPr>
         <p:cNvPr id="1" name=""/>
@@ -6916,153 +9117,1759 @@
       </p:grpSpPr>
       <p:sp>
         <p:nvSpPr>
-          <p:cNvPr id="2" name="Title 1"/>
-          <p:cNvSpPr>
-            <a:spLocks noGrp="1"/>
-          </p:cNvSpPr>
-          <p:nvPr>
-            <p:ph type="title"/>
-          </p:nvPr>
+          <p:cNvPr id="2" name="TextShape 1"/>
+          <p:cNvSpPr/>
+          <p:nvPr/>
         </p:nvSpPr>
-        <p:spPr/>
+        <p:spPr>
+          <a:xfrm>
+            <a:off x="457200" y="274680"/>
+            <a:ext cx="8228880" cy="1142280"/>
+          </a:xfrm>
+          <a:custGeom>
+            <a:avLst/>
+            <a:gdLst>
+              <a:gd name="f0" fmla="val 0"/>
+              <a:gd name="f1" fmla="val 21600"/>
+            </a:gdLst>
+            <a:ahLst/>
+            <a:cxnLst>
+              <a:cxn ang="3cd4">
+                <a:pos x="hc" y="t"/>
+              </a:cxn>
+              <a:cxn ang="0">
+                <a:pos x="r" y="vc"/>
+              </a:cxn>
+              <a:cxn ang="cd4">
+                <a:pos x="hc" y="b"/>
+              </a:cxn>
+              <a:cxn ang="cd2">
+                <a:pos x="l" y="vc"/>
+              </a:cxn>
+            </a:cxnLst>
+            <a:rect l="l" t="t" r="r" b="b"/>
+            <a:pathLst>
+              <a:path w="21600" h="21600">
+                <a:moveTo>
+                  <a:pt x="f0" y="f0"/>
+                </a:moveTo>
+                <a:lnTo>
+                  <a:pt x="f1" y="f0"/>
+                </a:lnTo>
+                <a:lnTo>
+                  <a:pt x="f1" y="f1"/>
+                </a:lnTo>
+                <a:lnTo>
+                  <a:pt x="f0" y="f1"/>
+                </a:lnTo>
+                <a:lnTo>
+                  <a:pt x="f0" y="f0"/>
+                </a:lnTo>
+                <a:close/>
+              </a:path>
+            </a:pathLst>
+          </a:custGeom>
+          <a:noFill/>
+          <a:ln>
+            <a:noFill/>
+            <a:prstDash val="solid"/>
+          </a:ln>
+        </p:spPr>
         <p:txBody>
-          <a:bodyPr/>
+          <a:bodyPr vert="horz" wrap="square" lIns="90000" tIns="45000" rIns="90000" bIns="45000" anchor="t" compatLnSpc="0"/>
           <a:lstStyle/>
           <a:p>
-            <a:pPr>
-              <a:buNone/>
+            <a:pPr marL="0" marR="0" lvl="0" indent="0" algn="ctr" rtl="0" hangingPunct="0">
+              <a:lnSpc>
+                <a:spcPct val="100000"/>
+              </a:lnSpc>
+              <a:spcBef>
+                <a:spcPts val="0"/>
+              </a:spcBef>
+              <a:spcAft>
+                <a:spcPts val="0"/>
+              </a:spcAft>
+              <a:buNone/>
+              <a:tabLst/>
             </a:pPr>
             <a:r>
-              <a:rPr lang="sv-SE" dirty="0" err="1" smtClean="0"/>
-              <a:t>Why</a:t>
-            </a:r>
-            <a:r>
-              <a:rPr lang="sv-SE" dirty="0" smtClean="0"/>
-              <a:t> is fp not </a:t>
-            </a:r>
-            <a:r>
-              <a:rPr lang="sv-SE" dirty="0" err="1" smtClean="0"/>
-              <a:t>more</a:t>
-            </a:r>
-            <a:r>
-              <a:rPr lang="sv-SE" dirty="0" smtClean="0"/>
-              <a:t> </a:t>
-            </a:r>
-            <a:r>
-              <a:rPr lang="sv-SE" dirty="0" err="1" smtClean="0"/>
-              <a:t>popular</a:t>
-            </a:r>
-            <a:r>
-              <a:rPr lang="sv-SE" dirty="0" smtClean="0"/>
-              <a:t>?</a:t>
-            </a:r>
-            <a:endParaRPr lang="sv-SE" dirty="0"/>
+              <a:rPr lang="sv-SE" sz="4400" b="0" i="0" u="none" strike="noStrike" kern="1200" spc="0">
+                <a:ln>
+                  <a:noFill/>
+                </a:ln>
+                <a:solidFill>
+                  <a:srgbClr val="000000"/>
+                </a:solidFill>
+                <a:latin typeface="Calibri" pitchFamily="18"/>
+                <a:ea typeface="DejaVu Sans" pitchFamily="2"/>
+                <a:cs typeface="DejaVu Sans" pitchFamily="2"/>
+              </a:rPr>
+              <a:t>SOLID</a:t>
+            </a:r>
           </a:p>
         </p:txBody>
       </p:sp>
       <p:sp>
         <p:nvSpPr>
-          <p:cNvPr id="3" name="Content Placeholder 2"/>
-          <p:cNvSpPr>
-            <a:spLocks noGrp="1"/>
-          </p:cNvSpPr>
-          <p:nvPr>
-            <p:ph idx="1"/>
-          </p:nvPr>
+          <p:cNvPr id="3" name="TextShape 2"/>
+          <p:cNvSpPr/>
+          <p:nvPr/>
         </p:nvSpPr>
-        <p:spPr/>
+        <p:spPr>
+          <a:xfrm>
+            <a:off x="457200" y="1600201"/>
+            <a:ext cx="8228880" cy="4997152"/>
+          </a:xfrm>
+          <a:custGeom>
+            <a:avLst/>
+            <a:gdLst>
+              <a:gd name="f0" fmla="val 0"/>
+              <a:gd name="f1" fmla="val 21600"/>
+            </a:gdLst>
+            <a:ahLst/>
+            <a:cxnLst>
+              <a:cxn ang="3cd4">
+                <a:pos x="hc" y="t"/>
+              </a:cxn>
+              <a:cxn ang="0">
+                <a:pos x="r" y="vc"/>
+              </a:cxn>
+              <a:cxn ang="cd4">
+                <a:pos x="hc" y="b"/>
+              </a:cxn>
+              <a:cxn ang="cd2">
+                <a:pos x="l" y="vc"/>
+              </a:cxn>
+            </a:cxnLst>
+            <a:rect l="l" t="t" r="r" b="b"/>
+            <a:pathLst>
+              <a:path w="21600" h="21600">
+                <a:moveTo>
+                  <a:pt x="f0" y="f0"/>
+                </a:moveTo>
+                <a:lnTo>
+                  <a:pt x="f1" y="f0"/>
+                </a:lnTo>
+                <a:lnTo>
+                  <a:pt x="f1" y="f1"/>
+                </a:lnTo>
+                <a:lnTo>
+                  <a:pt x="f0" y="f1"/>
+                </a:lnTo>
+                <a:lnTo>
+                  <a:pt x="f0" y="f0"/>
+                </a:lnTo>
+                <a:close/>
+              </a:path>
+            </a:pathLst>
+          </a:custGeom>
+          <a:noFill/>
+          <a:ln>
+            <a:noFill/>
+            <a:prstDash val="solid"/>
+          </a:ln>
+        </p:spPr>
         <p:txBody>
-          <a:bodyPr/>
+          <a:bodyPr vert="horz" wrap="square" lIns="90000" tIns="45000" rIns="90000" bIns="45000" anchor="t" compatLnSpc="0"/>
           <a:lstStyle/>
           <a:p>
-            <a:r>
-              <a:rPr lang="sv-SE" dirty="0" err="1" smtClean="0"/>
-              <a:t>Library</a:t>
-            </a:r>
-            <a:r>
-              <a:rPr lang="sv-SE" dirty="0" smtClean="0"/>
-              <a:t> support</a:t>
-            </a:r>
-          </a:p>
-          <a:p>
-            <a:r>
-              <a:rPr lang="sv-SE" dirty="0" smtClean="0"/>
-              <a:t>Tools / IDE support</a:t>
-            </a:r>
-          </a:p>
-          <a:p>
-            <a:r>
-              <a:rPr lang="sv-SE" dirty="0" err="1" smtClean="0"/>
-              <a:t>Interoperability</a:t>
-            </a:r>
-            <a:endParaRPr lang="sv-SE" dirty="0" smtClean="0"/>
-          </a:p>
-          <a:p>
-            <a:r>
-              <a:rPr lang="sv-SE" dirty="0" err="1"/>
-              <a:t>Training</a:t>
-            </a:r>
-            <a:endParaRPr lang="sv-SE" dirty="0"/>
-          </a:p>
-          <a:p>
-            <a:r>
-              <a:rPr lang="sv-SE" dirty="0"/>
-              <a:t>No </a:t>
-            </a:r>
-            <a:r>
-              <a:rPr lang="sv-SE" dirty="0" smtClean="0"/>
-              <a:t>multiparadigm</a:t>
-            </a:r>
-          </a:p>
-          <a:p>
-            <a:r>
-              <a:rPr lang="sv-SE" dirty="0" err="1"/>
-              <a:t>Performance</a:t>
-            </a:r>
-            <a:r>
-              <a:rPr lang="sv-SE" dirty="0"/>
+            <a:pPr marL="285750" lvl="0" indent="-285750" hangingPunct="0">
+              <a:buFont typeface="Arial" pitchFamily="34" charset="0"/>
+              <a:buChar char="•"/>
+            </a:pPr>
+            <a:r>
+              <a:rPr lang="sv-SE" dirty="0" smtClean="0">
+                <a:latin typeface="Arial" pitchFamily="18"/>
+                <a:ea typeface="DejaVu Sans" pitchFamily="2"/>
+                <a:cs typeface="DejaVu Sans" pitchFamily="2"/>
+              </a:rPr>
+              <a:t>The </a:t>
+            </a:r>
+            <a:r>
+              <a:rPr lang="sv-SE" dirty="0" err="1" smtClean="0">
+                <a:latin typeface="Arial" pitchFamily="18"/>
+                <a:ea typeface="DejaVu Sans" pitchFamily="2"/>
+                <a:cs typeface="DejaVu Sans" pitchFamily="2"/>
+              </a:rPr>
+              <a:t>single</a:t>
+            </a:r>
+            <a:r>
+              <a:rPr lang="sv-SE" dirty="0" smtClean="0">
+                <a:latin typeface="Arial" pitchFamily="18"/>
+                <a:ea typeface="DejaVu Sans" pitchFamily="2"/>
+                <a:cs typeface="DejaVu Sans" pitchFamily="2"/>
+              </a:rPr>
               <a:t> </a:t>
             </a:r>
             <a:r>
-              <a:rPr lang="sv-SE" dirty="0" err="1"/>
-              <a:t>of</a:t>
-            </a:r>
-            <a:r>
-              <a:rPr lang="sv-SE" dirty="0"/>
+              <a:rPr lang="sv-SE" dirty="0" err="1" smtClean="0">
+                <a:latin typeface="Arial" pitchFamily="18"/>
+                <a:ea typeface="DejaVu Sans" pitchFamily="2"/>
+                <a:cs typeface="DejaVu Sans" pitchFamily="2"/>
+              </a:rPr>
+              <a:t>responsibility</a:t>
+            </a:r>
+            <a:r>
+              <a:rPr lang="sv-SE" dirty="0" smtClean="0">
+                <a:latin typeface="Arial" pitchFamily="18"/>
+                <a:ea typeface="DejaVu Sans" pitchFamily="2"/>
+                <a:cs typeface="DejaVu Sans" pitchFamily="2"/>
+              </a:rPr>
               <a:t> </a:t>
             </a:r>
             <a:r>
-              <a:rPr lang="sv-SE" dirty="0" err="1"/>
-              <a:t>duck</a:t>
-            </a:r>
-            <a:r>
-              <a:rPr lang="sv-SE" dirty="0"/>
+              <a:rPr lang="sv-SE" dirty="0" err="1" smtClean="0">
+                <a:latin typeface="Arial" pitchFamily="18"/>
+                <a:ea typeface="DejaVu Sans" pitchFamily="2"/>
+                <a:cs typeface="DejaVu Sans" pitchFamily="2"/>
+              </a:rPr>
+              <a:t>principle</a:t>
+            </a:r>
+            <a:r>
+              <a:rPr lang="sv-SE" dirty="0">
+                <a:latin typeface="Arial" pitchFamily="18"/>
+                <a:ea typeface="DejaVu Sans" pitchFamily="2"/>
+                <a:cs typeface="DejaVu Sans" pitchFamily="2"/>
+              </a:rPr>
+              <a:t/>
+            </a:r>
+            <a:br>
+              <a:rPr lang="sv-SE" dirty="0">
+                <a:latin typeface="Arial" pitchFamily="18"/>
+                <a:ea typeface="DejaVu Sans" pitchFamily="2"/>
+                <a:cs typeface="DejaVu Sans" pitchFamily="2"/>
+              </a:rPr>
+            </a:br>
+            <a:r>
+              <a:rPr lang="sv-SE" b="0" i="0" u="none" strike="noStrike" kern="1200" spc="0" dirty="0" smtClean="0">
+                <a:ln>
+                  <a:noFill/>
+                </a:ln>
+                <a:latin typeface="Arial" pitchFamily="18"/>
+                <a:ea typeface="DejaVu Sans" pitchFamily="2"/>
+                <a:cs typeface="DejaVu Sans" pitchFamily="2"/>
+              </a:rPr>
+              <a:t>Software </a:t>
+            </a:r>
+            <a:r>
+              <a:rPr lang="sv-SE" b="0" i="0" u="none" strike="noStrike" kern="1200" spc="0" dirty="0" err="1">
+                <a:ln>
+                  <a:noFill/>
+                </a:ln>
+                <a:latin typeface="Arial" pitchFamily="18"/>
+                <a:ea typeface="DejaVu Sans" pitchFamily="2"/>
+                <a:cs typeface="DejaVu Sans" pitchFamily="2"/>
+              </a:rPr>
+              <a:t>entities</a:t>
+            </a:r>
+            <a:r>
+              <a:rPr lang="sv-SE" b="0" i="0" u="none" strike="noStrike" kern="1200" spc="0" dirty="0">
+                <a:ln>
+                  <a:noFill/>
+                </a:ln>
+                <a:latin typeface="Arial" pitchFamily="18"/>
+                <a:ea typeface="DejaVu Sans" pitchFamily="2"/>
+                <a:cs typeface="DejaVu Sans" pitchFamily="2"/>
+              </a:rPr>
+              <a:t>* </a:t>
+            </a:r>
+            <a:r>
+              <a:rPr lang="sv-SE" b="0" i="0" u="none" strike="noStrike" kern="1200" spc="0" dirty="0" err="1">
+                <a:ln>
+                  <a:noFill/>
+                </a:ln>
+                <a:latin typeface="Arial" pitchFamily="18"/>
+                <a:ea typeface="DejaVu Sans" pitchFamily="2"/>
+                <a:cs typeface="DejaVu Sans" pitchFamily="2"/>
+              </a:rPr>
+              <a:t>should</a:t>
+            </a:r>
+            <a:r>
+              <a:rPr lang="sv-SE" b="0" i="0" u="none" strike="noStrike" kern="1200" spc="0" dirty="0">
+                <a:ln>
+                  <a:noFill/>
+                </a:ln>
+                <a:latin typeface="Arial" pitchFamily="18"/>
+                <a:ea typeface="DejaVu Sans" pitchFamily="2"/>
+                <a:cs typeface="DejaVu Sans" pitchFamily="2"/>
+              </a:rPr>
               <a:t> </a:t>
             </a:r>
             <a:r>
-              <a:rPr lang="sv-SE" dirty="0" err="1" smtClean="0"/>
-              <a:t>typing</a:t>
-            </a:r>
-            <a:endParaRPr lang="sv-SE" dirty="0" smtClean="0"/>
+              <a:rPr lang="sv-SE" b="0" i="0" u="none" strike="noStrike" kern="1200" spc="0" dirty="0" err="1">
+                <a:ln>
+                  <a:noFill/>
+                </a:ln>
+                <a:latin typeface="Arial" pitchFamily="18"/>
+                <a:ea typeface="DejaVu Sans" pitchFamily="2"/>
+                <a:cs typeface="DejaVu Sans" pitchFamily="2"/>
+              </a:rPr>
+              <a:t>have</a:t>
+            </a:r>
+            <a:r>
+              <a:rPr lang="sv-SE" b="0" i="0" u="none" strike="noStrike" kern="1200" spc="0" dirty="0">
+                <a:ln>
+                  <a:noFill/>
+                </a:ln>
+                <a:latin typeface="Arial" pitchFamily="18"/>
+                <a:ea typeface="DejaVu Sans" pitchFamily="2"/>
+                <a:cs typeface="DejaVu Sans" pitchFamily="2"/>
+              </a:rPr>
+              <a:t> </a:t>
+            </a:r>
+            <a:r>
+              <a:rPr lang="sv-SE" b="0" i="0" u="none" strike="noStrike" kern="1200" spc="0" dirty="0" err="1">
+                <a:ln>
+                  <a:noFill/>
+                </a:ln>
+                <a:latin typeface="Arial" pitchFamily="18"/>
+                <a:ea typeface="DejaVu Sans" pitchFamily="2"/>
+                <a:cs typeface="DejaVu Sans" pitchFamily="2"/>
+              </a:rPr>
+              <a:t>only</a:t>
+            </a:r>
+            <a:r>
+              <a:rPr lang="sv-SE" b="0" i="0" u="none" strike="noStrike" kern="1200" spc="0" dirty="0">
+                <a:ln>
+                  <a:noFill/>
+                </a:ln>
+                <a:latin typeface="Arial" pitchFamily="18"/>
+                <a:ea typeface="DejaVu Sans" pitchFamily="2"/>
+                <a:cs typeface="DejaVu Sans" pitchFamily="2"/>
+              </a:rPr>
+              <a:t> </a:t>
+            </a:r>
+            <a:r>
+              <a:rPr lang="sv-SE" b="0" i="0" u="none" strike="noStrike" kern="1200" spc="0" dirty="0" err="1">
+                <a:ln>
+                  <a:noFill/>
+                </a:ln>
+                <a:latin typeface="Arial" pitchFamily="18"/>
+                <a:ea typeface="DejaVu Sans" pitchFamily="2"/>
+                <a:cs typeface="DejaVu Sans" pitchFamily="2"/>
+              </a:rPr>
+              <a:t>one</a:t>
+            </a:r>
+            <a:r>
+              <a:rPr lang="sv-SE" b="0" i="0" u="none" strike="noStrike" kern="1200" spc="0" dirty="0">
+                <a:ln>
+                  <a:noFill/>
+                </a:ln>
+                <a:latin typeface="Arial" pitchFamily="18"/>
+                <a:ea typeface="DejaVu Sans" pitchFamily="2"/>
+                <a:cs typeface="DejaVu Sans" pitchFamily="2"/>
+              </a:rPr>
+              <a:t> </a:t>
+            </a:r>
+            <a:r>
+              <a:rPr lang="sv-SE" b="0" i="0" u="none" strike="noStrike" kern="1200" spc="0" dirty="0" err="1">
+                <a:ln>
+                  <a:noFill/>
+                </a:ln>
+                <a:latin typeface="Arial" pitchFamily="18"/>
+                <a:ea typeface="DejaVu Sans" pitchFamily="2"/>
+                <a:cs typeface="DejaVu Sans" pitchFamily="2"/>
+              </a:rPr>
+              <a:t>reason</a:t>
+            </a:r>
+            <a:r>
+              <a:rPr lang="sv-SE" b="0" i="0" u="none" strike="noStrike" kern="1200" spc="0" dirty="0">
+                <a:ln>
+                  <a:noFill/>
+                </a:ln>
+                <a:latin typeface="Arial" pitchFamily="18"/>
+                <a:ea typeface="DejaVu Sans" pitchFamily="2"/>
+                <a:cs typeface="DejaVu Sans" pitchFamily="2"/>
+              </a:rPr>
+              <a:t> </a:t>
+            </a:r>
+            <a:r>
+              <a:rPr lang="sv-SE" b="0" i="0" u="none" strike="noStrike" kern="1200" spc="0" dirty="0" err="1">
+                <a:ln>
+                  <a:noFill/>
+                </a:ln>
+                <a:latin typeface="Arial" pitchFamily="18"/>
+                <a:ea typeface="DejaVu Sans" pitchFamily="2"/>
+                <a:cs typeface="DejaVu Sans" pitchFamily="2"/>
+              </a:rPr>
+              <a:t>to</a:t>
+            </a:r>
+            <a:r>
+              <a:rPr lang="sv-SE" b="0" i="0" u="none" strike="noStrike" kern="1200" spc="0" dirty="0">
+                <a:ln>
+                  <a:noFill/>
+                </a:ln>
+                <a:latin typeface="Arial" pitchFamily="18"/>
+                <a:ea typeface="DejaVu Sans" pitchFamily="2"/>
+                <a:cs typeface="DejaVu Sans" pitchFamily="2"/>
+              </a:rPr>
+              <a:t> </a:t>
+            </a:r>
+            <a:r>
+              <a:rPr lang="sv-SE" b="0" i="0" u="none" strike="noStrike" kern="1200" spc="0" dirty="0" err="1" smtClean="0">
+                <a:ln>
+                  <a:noFill/>
+                </a:ln>
+                <a:latin typeface="Arial" pitchFamily="18"/>
+                <a:ea typeface="DejaVu Sans" pitchFamily="2"/>
+                <a:cs typeface="DejaVu Sans" pitchFamily="2"/>
+              </a:rPr>
+              <a:t>change</a:t>
+            </a:r>
+            <a:r>
+              <a:rPr lang="sv-SE" dirty="0">
+                <a:latin typeface="Arial" pitchFamily="18"/>
+                <a:ea typeface="DejaVu Sans" pitchFamily="2"/>
+                <a:cs typeface="DejaVu Sans" pitchFamily="2"/>
+              </a:rPr>
+              <a:t/>
+            </a:r>
+            <a:br>
+              <a:rPr lang="sv-SE" dirty="0">
+                <a:latin typeface="Arial" pitchFamily="18"/>
+                <a:ea typeface="DejaVu Sans" pitchFamily="2"/>
+                <a:cs typeface="DejaVu Sans" pitchFamily="2"/>
+              </a:rPr>
+            </a:br>
+            <a:r>
+              <a:rPr lang="sv-SE" b="0" i="0" u="none" strike="noStrike" kern="1200" spc="0" dirty="0" smtClean="0">
+                <a:ln>
+                  <a:noFill/>
+                </a:ln>
+                <a:latin typeface="Arial" pitchFamily="18"/>
+                <a:ea typeface="DejaVu Sans" pitchFamily="2"/>
+                <a:cs typeface="DejaVu Sans" pitchFamily="2"/>
+              </a:rPr>
+              <a:t>*</a:t>
+            </a:r>
+            <a:r>
+              <a:rPr lang="sv-SE" b="0" i="0" u="none" strike="noStrike" kern="1200" spc="0" dirty="0" err="1" smtClean="0">
+                <a:ln>
+                  <a:noFill/>
+                </a:ln>
+                <a:latin typeface="Arial" pitchFamily="18"/>
+                <a:ea typeface="DejaVu Sans" pitchFamily="2"/>
+                <a:cs typeface="DejaVu Sans" pitchFamily="2"/>
+              </a:rPr>
+              <a:t>classes</a:t>
+            </a:r>
+            <a:r>
+              <a:rPr lang="sv-SE" b="0" i="0" u="none" strike="noStrike" kern="1200" spc="0" dirty="0">
+                <a:ln>
+                  <a:noFill/>
+                </a:ln>
+                <a:latin typeface="Arial" pitchFamily="18"/>
+                <a:ea typeface="DejaVu Sans" pitchFamily="2"/>
+                <a:cs typeface="DejaVu Sans" pitchFamily="2"/>
+              </a:rPr>
+              <a:t>, interfaces, </a:t>
+            </a:r>
+            <a:r>
+              <a:rPr lang="sv-SE" b="0" i="0" u="none" strike="noStrike" kern="1200" spc="0" dirty="0" err="1">
+                <a:ln>
+                  <a:noFill/>
+                </a:ln>
+                <a:latin typeface="Arial" pitchFamily="18"/>
+                <a:ea typeface="DejaVu Sans" pitchFamily="2"/>
+                <a:cs typeface="DejaVu Sans" pitchFamily="2"/>
+              </a:rPr>
+              <a:t>functions</a:t>
+            </a:r>
+            <a:r>
+              <a:rPr lang="sv-SE" b="0" i="0" u="none" strike="noStrike" kern="1200" spc="0" dirty="0">
+                <a:ln>
+                  <a:noFill/>
+                </a:ln>
+                <a:latin typeface="Arial" pitchFamily="18"/>
+                <a:ea typeface="DejaVu Sans" pitchFamily="2"/>
+                <a:cs typeface="DejaVu Sans" pitchFamily="2"/>
+              </a:rPr>
+              <a:t>, </a:t>
+            </a:r>
+            <a:r>
+              <a:rPr lang="sv-SE" b="0" i="0" u="none" strike="noStrike" kern="1200" spc="0" dirty="0" err="1">
+                <a:ln>
+                  <a:noFill/>
+                </a:ln>
+                <a:latin typeface="Arial" pitchFamily="18"/>
+                <a:ea typeface="DejaVu Sans" pitchFamily="2"/>
+                <a:cs typeface="DejaVu Sans" pitchFamily="2"/>
+              </a:rPr>
+              <a:t>etc</a:t>
+            </a:r>
+            <a:endParaRPr lang="sv-SE" b="0" i="0" u="none" strike="noStrike" kern="1200" spc="0" dirty="0">
+              <a:ln>
+                <a:noFill/>
+              </a:ln>
+              <a:latin typeface="Arial" pitchFamily="18"/>
+              <a:ea typeface="DejaVu Sans" pitchFamily="2"/>
+              <a:cs typeface="DejaVu Sans" pitchFamily="2"/>
+            </a:endParaRPr>
+          </a:p>
+          <a:p>
+            <a:pPr marL="342900" marR="0" lvl="0" indent="-342900" rtl="0" hangingPunct="0">
+              <a:lnSpc>
+                <a:spcPct val="100000"/>
+              </a:lnSpc>
+              <a:spcBef>
+                <a:spcPts val="0"/>
+              </a:spcBef>
+              <a:spcAft>
+                <a:spcPts val="0"/>
+              </a:spcAft>
+              <a:buFont typeface="Arial" pitchFamily="34" charset="0"/>
+              <a:buChar char="•"/>
+              <a:tabLst/>
+            </a:pPr>
+            <a:r>
+              <a:rPr lang="sv-SE" b="0" i="0" u="none" strike="noStrike" kern="1200" spc="0" dirty="0">
+                <a:ln>
+                  <a:noFill/>
+                </a:ln>
+                <a:latin typeface="Arial" pitchFamily="18"/>
+                <a:ea typeface="DejaVu Sans" pitchFamily="2"/>
+                <a:cs typeface="DejaVu Sans" pitchFamily="2"/>
+              </a:rPr>
+              <a:t>The </a:t>
+            </a:r>
+            <a:r>
+              <a:rPr lang="sv-SE" b="0" i="0" u="sng" strike="noStrike" kern="1200" spc="0" dirty="0" err="1">
+                <a:ln>
+                  <a:noFill/>
+                </a:ln>
+                <a:uFillTx/>
+                <a:latin typeface="Arial" pitchFamily="18"/>
+                <a:ea typeface="DejaVu Sans" pitchFamily="2"/>
+                <a:cs typeface="DejaVu Sans" pitchFamily="2"/>
+              </a:rPr>
+              <a:t>O</a:t>
+            </a:r>
+            <a:r>
+              <a:rPr lang="sv-SE" b="0" i="0" u="none" strike="noStrike" kern="1200" spc="0" dirty="0" err="1">
+                <a:ln>
+                  <a:noFill/>
+                </a:ln>
+                <a:latin typeface="Arial" pitchFamily="18"/>
+                <a:ea typeface="DejaVu Sans" pitchFamily="2"/>
+                <a:cs typeface="DejaVu Sans" pitchFamily="2"/>
+              </a:rPr>
+              <a:t>pen</a:t>
+            </a:r>
+            <a:r>
+              <a:rPr lang="sv-SE" b="0" i="0" u="none" strike="noStrike" kern="1200" spc="0" dirty="0">
+                <a:ln>
+                  <a:noFill/>
+                </a:ln>
+                <a:latin typeface="Arial" pitchFamily="18"/>
+                <a:ea typeface="DejaVu Sans" pitchFamily="2"/>
+                <a:cs typeface="DejaVu Sans" pitchFamily="2"/>
+              </a:rPr>
+              <a:t> </a:t>
+            </a:r>
+            <a:r>
+              <a:rPr lang="sv-SE" b="0" i="0" u="none" strike="noStrike" kern="1200" spc="0" dirty="0" err="1">
+                <a:ln>
+                  <a:noFill/>
+                </a:ln>
+                <a:latin typeface="Arial" pitchFamily="18"/>
+                <a:ea typeface="DejaVu Sans" pitchFamily="2"/>
+                <a:cs typeface="DejaVu Sans" pitchFamily="2"/>
+              </a:rPr>
+              <a:t>Closed</a:t>
+            </a:r>
+            <a:r>
+              <a:rPr lang="sv-SE" b="0" i="0" u="none" strike="noStrike" kern="1200" spc="0" dirty="0">
+                <a:ln>
+                  <a:noFill/>
+                </a:ln>
+                <a:latin typeface="Arial" pitchFamily="18"/>
+                <a:ea typeface="DejaVu Sans" pitchFamily="2"/>
+                <a:cs typeface="DejaVu Sans" pitchFamily="2"/>
+              </a:rPr>
+              <a:t> </a:t>
+            </a:r>
+            <a:r>
+              <a:rPr lang="sv-SE" b="0" i="0" u="none" strike="noStrike" kern="1200" spc="0" dirty="0" err="1" smtClean="0">
+                <a:ln>
+                  <a:noFill/>
+                </a:ln>
+                <a:latin typeface="Arial" pitchFamily="18"/>
+                <a:ea typeface="DejaVu Sans" pitchFamily="2"/>
+                <a:cs typeface="DejaVu Sans" pitchFamily="2"/>
+              </a:rPr>
+              <a:t>Principle</a:t>
+            </a:r>
+            <a:r>
+              <a:rPr lang="sv-SE" dirty="0" smtClean="0">
+                <a:latin typeface="Arial" pitchFamily="18"/>
+                <a:ea typeface="DejaVu Sans" pitchFamily="2"/>
+                <a:cs typeface="DejaVu Sans" pitchFamily="2"/>
+              </a:rPr>
+              <a:t>*</a:t>
+            </a:r>
+            <a:br>
+              <a:rPr lang="sv-SE" dirty="0" smtClean="0">
+                <a:latin typeface="Arial" pitchFamily="18"/>
+                <a:ea typeface="DejaVu Sans" pitchFamily="2"/>
+                <a:cs typeface="DejaVu Sans" pitchFamily="2"/>
+              </a:rPr>
+            </a:br>
+            <a:r>
+              <a:rPr lang="sv-SE" b="0" i="0" u="none" strike="noStrike" kern="1200" spc="0" dirty="0" smtClean="0">
+                <a:ln>
+                  <a:noFill/>
+                </a:ln>
+                <a:latin typeface="Arial" pitchFamily="18"/>
+                <a:ea typeface="DejaVu Sans" pitchFamily="2"/>
+                <a:cs typeface="DejaVu Sans" pitchFamily="2"/>
+              </a:rPr>
+              <a:t>Software </a:t>
+            </a:r>
+            <a:r>
+              <a:rPr lang="sv-SE" b="0" i="0" u="none" strike="noStrike" kern="1200" spc="0" dirty="0" err="1">
+                <a:ln>
+                  <a:noFill/>
+                </a:ln>
+                <a:latin typeface="Arial" pitchFamily="18"/>
+                <a:ea typeface="DejaVu Sans" pitchFamily="2"/>
+                <a:cs typeface="DejaVu Sans" pitchFamily="2"/>
+              </a:rPr>
+              <a:t>entities</a:t>
+            </a:r>
+            <a:r>
+              <a:rPr lang="sv-SE" b="0" i="0" u="none" strike="noStrike" kern="1200" spc="0" dirty="0">
+                <a:ln>
+                  <a:noFill/>
+                </a:ln>
+                <a:latin typeface="Arial" pitchFamily="18"/>
+                <a:ea typeface="DejaVu Sans" pitchFamily="2"/>
+                <a:cs typeface="DejaVu Sans" pitchFamily="2"/>
+              </a:rPr>
+              <a:t> </a:t>
+            </a:r>
+            <a:r>
+              <a:rPr lang="sv-SE" b="0" i="0" u="none" strike="noStrike" kern="1200" spc="0" dirty="0" err="1">
+                <a:ln>
+                  <a:noFill/>
+                </a:ln>
+                <a:latin typeface="Arial" pitchFamily="18"/>
+                <a:ea typeface="DejaVu Sans" pitchFamily="2"/>
+                <a:cs typeface="DejaVu Sans" pitchFamily="2"/>
+              </a:rPr>
+              <a:t>should</a:t>
+            </a:r>
+            <a:r>
+              <a:rPr lang="sv-SE" b="0" i="0" u="none" strike="noStrike" kern="1200" spc="0" dirty="0">
+                <a:ln>
+                  <a:noFill/>
+                </a:ln>
+                <a:latin typeface="Arial" pitchFamily="18"/>
+                <a:ea typeface="DejaVu Sans" pitchFamily="2"/>
+                <a:cs typeface="DejaVu Sans" pitchFamily="2"/>
+              </a:rPr>
+              <a:t> be </a:t>
+            </a:r>
+            <a:r>
+              <a:rPr lang="sv-SE" b="0" i="0" u="none" strike="noStrike" kern="1200" spc="0" dirty="0" err="1">
+                <a:ln>
+                  <a:noFill/>
+                </a:ln>
+                <a:latin typeface="Arial" pitchFamily="18"/>
+                <a:ea typeface="DejaVu Sans" pitchFamily="2"/>
+                <a:cs typeface="DejaVu Sans" pitchFamily="2"/>
+              </a:rPr>
+              <a:t>open</a:t>
+            </a:r>
+            <a:r>
+              <a:rPr lang="sv-SE" b="0" i="0" u="none" strike="noStrike" kern="1200" spc="0" dirty="0">
+                <a:ln>
+                  <a:noFill/>
+                </a:ln>
+                <a:latin typeface="Arial" pitchFamily="18"/>
+                <a:ea typeface="DejaVu Sans" pitchFamily="2"/>
+                <a:cs typeface="DejaVu Sans" pitchFamily="2"/>
+              </a:rPr>
+              <a:t> for extension </a:t>
+            </a:r>
+            <a:r>
+              <a:rPr lang="sv-SE" b="0" i="0" u="none" strike="noStrike" kern="1200" spc="0" dirty="0" err="1">
+                <a:ln>
+                  <a:noFill/>
+                </a:ln>
+                <a:latin typeface="Arial" pitchFamily="18"/>
+                <a:ea typeface="DejaVu Sans" pitchFamily="2"/>
+                <a:cs typeface="DejaVu Sans" pitchFamily="2"/>
+              </a:rPr>
+              <a:t>but</a:t>
+            </a:r>
+            <a:r>
+              <a:rPr lang="sv-SE" b="0" i="0" u="none" strike="noStrike" kern="1200" spc="0" dirty="0">
+                <a:ln>
+                  <a:noFill/>
+                </a:ln>
+                <a:latin typeface="Arial" pitchFamily="18"/>
+                <a:ea typeface="DejaVu Sans" pitchFamily="2"/>
+                <a:cs typeface="DejaVu Sans" pitchFamily="2"/>
+              </a:rPr>
+              <a:t> </a:t>
+            </a:r>
+            <a:r>
+              <a:rPr lang="sv-SE" b="0" i="0" u="none" strike="noStrike" kern="1200" spc="0" dirty="0" err="1">
+                <a:ln>
+                  <a:noFill/>
+                </a:ln>
+                <a:latin typeface="Arial" pitchFamily="18"/>
+                <a:ea typeface="DejaVu Sans" pitchFamily="2"/>
+                <a:cs typeface="DejaVu Sans" pitchFamily="2"/>
+              </a:rPr>
+              <a:t>closed</a:t>
+            </a:r>
+            <a:r>
+              <a:rPr lang="sv-SE" b="0" i="0" u="none" strike="noStrike" kern="1200" spc="0" dirty="0">
+                <a:ln>
+                  <a:noFill/>
+                </a:ln>
+                <a:latin typeface="Arial" pitchFamily="18"/>
+                <a:ea typeface="DejaVu Sans" pitchFamily="2"/>
+                <a:cs typeface="DejaVu Sans" pitchFamily="2"/>
+              </a:rPr>
+              <a:t> for </a:t>
+            </a:r>
+            <a:r>
+              <a:rPr lang="sv-SE" b="0" i="0" u="none" strike="noStrike" kern="1200" spc="0" dirty="0" err="1">
+                <a:ln>
+                  <a:noFill/>
+                </a:ln>
+                <a:latin typeface="Arial" pitchFamily="18"/>
+                <a:ea typeface="DejaVu Sans" pitchFamily="2"/>
+                <a:cs typeface="DejaVu Sans" pitchFamily="2"/>
+              </a:rPr>
+              <a:t>modification</a:t>
+            </a:r>
+            <a:endParaRPr lang="sv-SE" b="0" i="0" u="none" strike="noStrike" kern="1200" spc="0" dirty="0">
+              <a:ln>
+                <a:noFill/>
+              </a:ln>
+              <a:latin typeface="Arial" pitchFamily="18"/>
+              <a:ea typeface="DejaVu Sans" pitchFamily="2"/>
+              <a:cs typeface="DejaVu Sans" pitchFamily="2"/>
+            </a:endParaRPr>
+          </a:p>
+          <a:p>
+            <a:pPr marL="342900" marR="0" lvl="0" indent="-342900" rtl="0" hangingPunct="0">
+              <a:lnSpc>
+                <a:spcPct val="100000"/>
+              </a:lnSpc>
+              <a:spcBef>
+                <a:spcPts val="0"/>
+              </a:spcBef>
+              <a:spcAft>
+                <a:spcPts val="0"/>
+              </a:spcAft>
+              <a:buFont typeface="Arial" pitchFamily="34" charset="0"/>
+              <a:buChar char="•"/>
+              <a:tabLst/>
+            </a:pPr>
+            <a:r>
+              <a:rPr lang="sv-SE" b="0" i="0" u="none" strike="noStrike" kern="1200" spc="0" dirty="0">
+                <a:ln>
+                  <a:noFill/>
+                </a:ln>
+                <a:latin typeface="Arial" pitchFamily="18"/>
+                <a:ea typeface="DejaVu Sans" pitchFamily="2"/>
+                <a:cs typeface="DejaVu Sans" pitchFamily="2"/>
+              </a:rPr>
+              <a:t>The </a:t>
+            </a:r>
+            <a:r>
+              <a:rPr lang="sv-SE" b="0" i="0" u="sng" strike="noStrike" kern="1200" spc="0" dirty="0" err="1">
+                <a:ln>
+                  <a:noFill/>
+                </a:ln>
+                <a:uFillTx/>
+                <a:latin typeface="Arial" pitchFamily="18"/>
+                <a:ea typeface="DejaVu Sans" pitchFamily="2"/>
+                <a:cs typeface="DejaVu Sans" pitchFamily="2"/>
+              </a:rPr>
+              <a:t>L</a:t>
+            </a:r>
+            <a:r>
+              <a:rPr lang="sv-SE" b="0" i="0" u="none" strike="noStrike" kern="1200" spc="0" dirty="0" err="1">
+                <a:ln>
+                  <a:noFill/>
+                </a:ln>
+                <a:latin typeface="Arial" pitchFamily="18"/>
+                <a:ea typeface="DejaVu Sans" pitchFamily="2"/>
+                <a:cs typeface="DejaVu Sans" pitchFamily="2"/>
+              </a:rPr>
+              <a:t>iskov</a:t>
+            </a:r>
+            <a:r>
+              <a:rPr lang="sv-SE" b="0" i="0" u="none" strike="noStrike" kern="1200" spc="0" dirty="0">
+                <a:ln>
+                  <a:noFill/>
+                </a:ln>
+                <a:latin typeface="Arial" pitchFamily="18"/>
+                <a:ea typeface="DejaVu Sans" pitchFamily="2"/>
+                <a:cs typeface="DejaVu Sans" pitchFamily="2"/>
+              </a:rPr>
+              <a:t> Substitution </a:t>
+            </a:r>
+            <a:r>
+              <a:rPr lang="sv-SE" b="0" i="0" u="none" strike="noStrike" kern="1200" spc="0" dirty="0" err="1" smtClean="0">
+                <a:ln>
+                  <a:noFill/>
+                </a:ln>
+                <a:latin typeface="Arial" pitchFamily="18"/>
+                <a:ea typeface="DejaVu Sans" pitchFamily="2"/>
+                <a:cs typeface="DejaVu Sans" pitchFamily="2"/>
+              </a:rPr>
+              <a:t>Principle</a:t>
+            </a:r>
+            <a:r>
+              <a:rPr lang="sv-SE" dirty="0">
+                <a:latin typeface="Arial" pitchFamily="18"/>
+                <a:ea typeface="DejaVu Sans" pitchFamily="2"/>
+                <a:cs typeface="DejaVu Sans" pitchFamily="2"/>
+              </a:rPr>
+              <a:t/>
+            </a:r>
+            <a:br>
+              <a:rPr lang="sv-SE" dirty="0">
+                <a:latin typeface="Arial" pitchFamily="18"/>
+                <a:ea typeface="DejaVu Sans" pitchFamily="2"/>
+                <a:cs typeface="DejaVu Sans" pitchFamily="2"/>
+              </a:rPr>
+            </a:br>
+            <a:r>
+              <a:rPr lang="sv-SE" b="0" i="0" u="none" strike="noStrike" kern="1200" spc="0" dirty="0" err="1" smtClean="0">
+                <a:ln>
+                  <a:noFill/>
+                </a:ln>
+                <a:latin typeface="Arial" pitchFamily="18"/>
+                <a:ea typeface="DejaVu Sans" pitchFamily="2"/>
+                <a:cs typeface="DejaVu Sans" pitchFamily="2"/>
+              </a:rPr>
+              <a:t>Derived</a:t>
+            </a:r>
+            <a:r>
+              <a:rPr lang="sv-SE" b="0" i="0" u="none" strike="noStrike" kern="1200" spc="0" dirty="0" smtClean="0">
+                <a:ln>
+                  <a:noFill/>
+                </a:ln>
+                <a:latin typeface="Arial" pitchFamily="18"/>
+                <a:ea typeface="DejaVu Sans" pitchFamily="2"/>
+                <a:cs typeface="DejaVu Sans" pitchFamily="2"/>
+              </a:rPr>
+              <a:t> </a:t>
+            </a:r>
+            <a:r>
+              <a:rPr lang="sv-SE" b="0" i="0" u="none" strike="noStrike" kern="1200" spc="0" dirty="0" err="1">
+                <a:ln>
+                  <a:noFill/>
+                </a:ln>
+                <a:latin typeface="Arial" pitchFamily="18"/>
+                <a:ea typeface="DejaVu Sans" pitchFamily="2"/>
+                <a:cs typeface="DejaVu Sans" pitchFamily="2"/>
+              </a:rPr>
+              <a:t>classes</a:t>
+            </a:r>
+            <a:r>
+              <a:rPr lang="sv-SE" b="0" i="0" u="none" strike="noStrike" kern="1200" spc="0" dirty="0">
+                <a:ln>
+                  <a:noFill/>
+                </a:ln>
+                <a:latin typeface="Arial" pitchFamily="18"/>
+                <a:ea typeface="DejaVu Sans" pitchFamily="2"/>
+                <a:cs typeface="DejaVu Sans" pitchFamily="2"/>
+              </a:rPr>
+              <a:t> must be </a:t>
+            </a:r>
+            <a:r>
+              <a:rPr lang="sv-SE" b="0" i="0" u="none" strike="noStrike" kern="1200" spc="0" dirty="0" err="1">
+                <a:ln>
+                  <a:noFill/>
+                </a:ln>
+                <a:latin typeface="Arial" pitchFamily="18"/>
+                <a:ea typeface="DejaVu Sans" pitchFamily="2"/>
+                <a:cs typeface="DejaVu Sans" pitchFamily="2"/>
+              </a:rPr>
+              <a:t>substitutable</a:t>
+            </a:r>
+            <a:r>
+              <a:rPr lang="sv-SE" b="0" i="0" u="none" strike="noStrike" kern="1200" spc="0" dirty="0">
+                <a:ln>
+                  <a:noFill/>
+                </a:ln>
+                <a:latin typeface="Arial" pitchFamily="18"/>
+                <a:ea typeface="DejaVu Sans" pitchFamily="2"/>
+                <a:cs typeface="DejaVu Sans" pitchFamily="2"/>
+              </a:rPr>
+              <a:t> for </a:t>
+            </a:r>
+            <a:r>
+              <a:rPr lang="sv-SE" b="0" i="0" u="none" strike="noStrike" kern="1200" spc="0" dirty="0" err="1">
+                <a:ln>
+                  <a:noFill/>
+                </a:ln>
+                <a:latin typeface="Arial" pitchFamily="18"/>
+                <a:ea typeface="DejaVu Sans" pitchFamily="2"/>
+                <a:cs typeface="DejaVu Sans" pitchFamily="2"/>
+              </a:rPr>
+              <a:t>their</a:t>
+            </a:r>
+            <a:r>
+              <a:rPr lang="sv-SE" b="0" i="0" u="none" strike="noStrike" kern="1200" spc="0" dirty="0">
+                <a:ln>
+                  <a:noFill/>
+                </a:ln>
+                <a:latin typeface="Arial" pitchFamily="18"/>
+                <a:ea typeface="DejaVu Sans" pitchFamily="2"/>
+                <a:cs typeface="DejaVu Sans" pitchFamily="2"/>
+              </a:rPr>
+              <a:t> </a:t>
+            </a:r>
+            <a:r>
+              <a:rPr lang="sv-SE" b="0" i="0" u="none" strike="noStrike" kern="1200" spc="0" dirty="0" err="1">
+                <a:ln>
+                  <a:noFill/>
+                </a:ln>
+                <a:latin typeface="Arial" pitchFamily="18"/>
+                <a:ea typeface="DejaVu Sans" pitchFamily="2"/>
+                <a:cs typeface="DejaVu Sans" pitchFamily="2"/>
+              </a:rPr>
+              <a:t>base</a:t>
+            </a:r>
+            <a:r>
+              <a:rPr lang="sv-SE" b="0" i="0" u="none" strike="noStrike" kern="1200" spc="0" dirty="0">
+                <a:ln>
+                  <a:noFill/>
+                </a:ln>
+                <a:latin typeface="Arial" pitchFamily="18"/>
+                <a:ea typeface="DejaVu Sans" pitchFamily="2"/>
+                <a:cs typeface="DejaVu Sans" pitchFamily="2"/>
+              </a:rPr>
+              <a:t> </a:t>
+            </a:r>
+            <a:r>
+              <a:rPr lang="sv-SE" b="0" i="0" u="none" strike="noStrike" kern="1200" spc="0" dirty="0" err="1">
+                <a:ln>
+                  <a:noFill/>
+                </a:ln>
+                <a:latin typeface="Arial" pitchFamily="18"/>
+                <a:ea typeface="DejaVu Sans" pitchFamily="2"/>
+                <a:cs typeface="DejaVu Sans" pitchFamily="2"/>
+              </a:rPr>
+              <a:t>classes</a:t>
+            </a:r>
+            <a:r>
+              <a:rPr lang="sv-SE" b="0" i="0" u="none" strike="noStrike" kern="1200" spc="0" dirty="0">
+                <a:ln>
+                  <a:noFill/>
+                </a:ln>
+                <a:latin typeface="Arial" pitchFamily="18"/>
+                <a:ea typeface="DejaVu Sans" pitchFamily="2"/>
+                <a:cs typeface="DejaVu Sans" pitchFamily="2"/>
+              </a:rPr>
+              <a:t>/interfaces</a:t>
+            </a:r>
+          </a:p>
+          <a:p>
+            <a:pPr marL="342900" marR="0" lvl="0" indent="-342900" rtl="0" hangingPunct="0">
+              <a:lnSpc>
+                <a:spcPct val="100000"/>
+              </a:lnSpc>
+              <a:spcBef>
+                <a:spcPts val="0"/>
+              </a:spcBef>
+              <a:spcAft>
+                <a:spcPts val="0"/>
+              </a:spcAft>
+              <a:buFont typeface="Arial" pitchFamily="34" charset="0"/>
+              <a:buChar char="•"/>
+              <a:tabLst/>
+            </a:pPr>
+            <a:r>
+              <a:rPr lang="sv-SE" b="0" i="0" u="none" strike="noStrike" kern="1200" spc="0" dirty="0">
+                <a:ln>
+                  <a:noFill/>
+                </a:ln>
+                <a:latin typeface="Arial" pitchFamily="18"/>
+                <a:ea typeface="DejaVu Sans" pitchFamily="2"/>
+                <a:cs typeface="DejaVu Sans" pitchFamily="2"/>
+              </a:rPr>
+              <a:t>The </a:t>
+            </a:r>
+            <a:r>
+              <a:rPr lang="sv-SE" b="0" i="0" u="sng" strike="noStrike" kern="1200" spc="0" dirty="0">
+                <a:ln>
+                  <a:noFill/>
+                </a:ln>
+                <a:uFillTx/>
+                <a:latin typeface="Arial" pitchFamily="18"/>
+                <a:ea typeface="DejaVu Sans" pitchFamily="2"/>
+                <a:cs typeface="DejaVu Sans" pitchFamily="2"/>
+              </a:rPr>
+              <a:t>I</a:t>
+            </a:r>
+            <a:r>
+              <a:rPr lang="sv-SE" b="0" i="0" u="none" strike="noStrike" kern="1200" spc="0" dirty="0">
+                <a:ln>
+                  <a:noFill/>
+                </a:ln>
+                <a:latin typeface="Arial" pitchFamily="18"/>
+                <a:ea typeface="DejaVu Sans" pitchFamily="2"/>
+                <a:cs typeface="DejaVu Sans" pitchFamily="2"/>
+              </a:rPr>
+              <a:t>nterface Segregation </a:t>
+            </a:r>
+            <a:r>
+              <a:rPr lang="sv-SE" b="0" i="0" u="none" strike="noStrike" kern="1200" spc="0" dirty="0" err="1" smtClean="0">
+                <a:ln>
+                  <a:noFill/>
+                </a:ln>
+                <a:latin typeface="Arial" pitchFamily="18"/>
+                <a:ea typeface="DejaVu Sans" pitchFamily="2"/>
+                <a:cs typeface="DejaVu Sans" pitchFamily="2"/>
+              </a:rPr>
+              <a:t>Principle</a:t>
+            </a:r>
+            <a:r>
+              <a:rPr lang="sv-SE" dirty="0">
+                <a:latin typeface="Arial" pitchFamily="18"/>
+                <a:ea typeface="DejaVu Sans" pitchFamily="2"/>
+                <a:cs typeface="DejaVu Sans" pitchFamily="2"/>
+              </a:rPr>
+              <a:t/>
+            </a:r>
+            <a:br>
+              <a:rPr lang="sv-SE" dirty="0">
+                <a:latin typeface="Arial" pitchFamily="18"/>
+                <a:ea typeface="DejaVu Sans" pitchFamily="2"/>
+                <a:cs typeface="DejaVu Sans" pitchFamily="2"/>
+              </a:rPr>
+            </a:br>
+            <a:r>
+              <a:rPr lang="sv-SE" b="0" i="0" u="none" strike="noStrike" kern="1200" spc="0" dirty="0" err="1" smtClean="0">
+                <a:ln>
+                  <a:noFill/>
+                </a:ln>
+                <a:latin typeface="Arial" pitchFamily="18"/>
+                <a:ea typeface="DejaVu Sans" pitchFamily="2"/>
+                <a:cs typeface="DejaVu Sans" pitchFamily="2"/>
+              </a:rPr>
+              <a:t>Clients</a:t>
+            </a:r>
+            <a:r>
+              <a:rPr lang="sv-SE" b="0" i="0" u="none" strike="noStrike" kern="1200" spc="0" dirty="0" smtClean="0">
+                <a:ln>
+                  <a:noFill/>
+                </a:ln>
+                <a:latin typeface="Arial" pitchFamily="18"/>
+                <a:ea typeface="DejaVu Sans" pitchFamily="2"/>
+                <a:cs typeface="DejaVu Sans" pitchFamily="2"/>
+              </a:rPr>
+              <a:t> </a:t>
+            </a:r>
+            <a:r>
+              <a:rPr lang="sv-SE" b="0" i="0" u="none" strike="noStrike" kern="1200" spc="0" dirty="0" err="1">
+                <a:ln>
+                  <a:noFill/>
+                </a:ln>
+                <a:latin typeface="Arial" pitchFamily="18"/>
+                <a:ea typeface="DejaVu Sans" pitchFamily="2"/>
+                <a:cs typeface="DejaVu Sans" pitchFamily="2"/>
+              </a:rPr>
+              <a:t>should</a:t>
+            </a:r>
+            <a:r>
+              <a:rPr lang="sv-SE" b="0" i="0" u="none" strike="noStrike" kern="1200" spc="0" dirty="0">
+                <a:ln>
+                  <a:noFill/>
+                </a:ln>
+                <a:latin typeface="Arial" pitchFamily="18"/>
+                <a:ea typeface="DejaVu Sans" pitchFamily="2"/>
+                <a:cs typeface="DejaVu Sans" pitchFamily="2"/>
+              </a:rPr>
+              <a:t> not be </a:t>
+            </a:r>
+            <a:r>
+              <a:rPr lang="sv-SE" b="0" i="0" u="none" strike="noStrike" kern="1200" spc="0" dirty="0" err="1">
+                <a:ln>
+                  <a:noFill/>
+                </a:ln>
+                <a:latin typeface="Arial" pitchFamily="18"/>
+                <a:ea typeface="DejaVu Sans" pitchFamily="2"/>
+                <a:cs typeface="DejaVu Sans" pitchFamily="2"/>
+              </a:rPr>
+              <a:t>forced</a:t>
+            </a:r>
+            <a:r>
+              <a:rPr lang="sv-SE" b="0" i="0" u="none" strike="noStrike" kern="1200" spc="0" dirty="0">
+                <a:ln>
+                  <a:noFill/>
+                </a:ln>
+                <a:latin typeface="Arial" pitchFamily="18"/>
+                <a:ea typeface="DejaVu Sans" pitchFamily="2"/>
+                <a:cs typeface="DejaVu Sans" pitchFamily="2"/>
+              </a:rPr>
+              <a:t> </a:t>
+            </a:r>
+            <a:r>
+              <a:rPr lang="sv-SE" b="0" i="0" u="none" strike="noStrike" kern="1200" spc="0" dirty="0" err="1">
+                <a:ln>
+                  <a:noFill/>
+                </a:ln>
+                <a:latin typeface="Arial" pitchFamily="18"/>
+                <a:ea typeface="DejaVu Sans" pitchFamily="2"/>
+                <a:cs typeface="DejaVu Sans" pitchFamily="2"/>
+              </a:rPr>
+              <a:t>to</a:t>
+            </a:r>
+            <a:r>
+              <a:rPr lang="sv-SE" b="0" i="0" u="none" strike="noStrike" kern="1200" spc="0" dirty="0">
+                <a:ln>
+                  <a:noFill/>
+                </a:ln>
+                <a:latin typeface="Arial" pitchFamily="18"/>
+                <a:ea typeface="DejaVu Sans" pitchFamily="2"/>
+                <a:cs typeface="DejaVu Sans" pitchFamily="2"/>
+              </a:rPr>
+              <a:t> </a:t>
+            </a:r>
+            <a:r>
+              <a:rPr lang="sv-SE" b="0" i="0" u="none" strike="noStrike" kern="1200" spc="0" dirty="0" err="1">
+                <a:ln>
+                  <a:noFill/>
+                </a:ln>
+                <a:latin typeface="Arial" pitchFamily="18"/>
+                <a:ea typeface="DejaVu Sans" pitchFamily="2"/>
+                <a:cs typeface="DejaVu Sans" pitchFamily="2"/>
+              </a:rPr>
+              <a:t>depend</a:t>
+            </a:r>
+            <a:r>
+              <a:rPr lang="sv-SE" b="0" i="0" u="none" strike="noStrike" kern="1200" spc="0" dirty="0">
+                <a:ln>
+                  <a:noFill/>
+                </a:ln>
+                <a:latin typeface="Arial" pitchFamily="18"/>
+                <a:ea typeface="DejaVu Sans" pitchFamily="2"/>
+                <a:cs typeface="DejaVu Sans" pitchFamily="2"/>
+              </a:rPr>
+              <a:t> on </a:t>
+            </a:r>
+            <a:r>
+              <a:rPr lang="sv-SE" b="0" i="0" u="none" strike="noStrike" kern="1200" spc="0" dirty="0" err="1">
+                <a:ln>
+                  <a:noFill/>
+                </a:ln>
+                <a:latin typeface="Arial" pitchFamily="18"/>
+                <a:ea typeface="DejaVu Sans" pitchFamily="2"/>
+                <a:cs typeface="DejaVu Sans" pitchFamily="2"/>
+              </a:rPr>
+              <a:t>methods</a:t>
+            </a:r>
+            <a:r>
+              <a:rPr lang="sv-SE" b="0" i="0" u="none" strike="noStrike" kern="1200" spc="0" dirty="0">
+                <a:ln>
+                  <a:noFill/>
+                </a:ln>
+                <a:latin typeface="Arial" pitchFamily="18"/>
+                <a:ea typeface="DejaVu Sans" pitchFamily="2"/>
+                <a:cs typeface="DejaVu Sans" pitchFamily="2"/>
+              </a:rPr>
+              <a:t> </a:t>
+            </a:r>
+            <a:r>
+              <a:rPr lang="sv-SE" b="0" i="0" u="none" strike="noStrike" kern="1200" spc="0" dirty="0" err="1">
+                <a:ln>
+                  <a:noFill/>
+                </a:ln>
+                <a:latin typeface="Arial" pitchFamily="18"/>
+                <a:ea typeface="DejaVu Sans" pitchFamily="2"/>
+                <a:cs typeface="DejaVu Sans" pitchFamily="2"/>
+              </a:rPr>
+              <a:t>they</a:t>
+            </a:r>
+            <a:r>
+              <a:rPr lang="sv-SE" b="0" i="0" u="none" strike="noStrike" kern="1200" spc="0" dirty="0">
+                <a:ln>
+                  <a:noFill/>
+                </a:ln>
+                <a:latin typeface="Arial" pitchFamily="18"/>
+                <a:ea typeface="DejaVu Sans" pitchFamily="2"/>
+                <a:cs typeface="DejaVu Sans" pitchFamily="2"/>
+              </a:rPr>
+              <a:t> do not </a:t>
+            </a:r>
+            <a:r>
+              <a:rPr lang="sv-SE" b="0" i="0" u="none" strike="noStrike" kern="1200" spc="0" dirty="0" err="1">
+                <a:ln>
+                  <a:noFill/>
+                </a:ln>
+                <a:latin typeface="Arial" pitchFamily="18"/>
+                <a:ea typeface="DejaVu Sans" pitchFamily="2"/>
+                <a:cs typeface="DejaVu Sans" pitchFamily="2"/>
+              </a:rPr>
+              <a:t>use</a:t>
+            </a:r>
+            <a:endParaRPr lang="sv-SE" b="0" i="0" u="none" strike="noStrike" kern="1200" spc="0" dirty="0">
+              <a:ln>
+                <a:noFill/>
+              </a:ln>
+              <a:latin typeface="Arial" pitchFamily="18"/>
+              <a:ea typeface="DejaVu Sans" pitchFamily="2"/>
+              <a:cs typeface="DejaVu Sans" pitchFamily="2"/>
+            </a:endParaRPr>
+          </a:p>
+          <a:p>
+            <a:pPr marL="342900" marR="0" lvl="0" indent="-342900" rtl="0" hangingPunct="0">
+              <a:lnSpc>
+                <a:spcPct val="100000"/>
+              </a:lnSpc>
+              <a:spcBef>
+                <a:spcPts val="0"/>
+              </a:spcBef>
+              <a:spcAft>
+                <a:spcPts val="0"/>
+              </a:spcAft>
+              <a:buFont typeface="Arial" pitchFamily="34" charset="0"/>
+              <a:buChar char="•"/>
+              <a:tabLst/>
+            </a:pPr>
+            <a:r>
+              <a:rPr lang="sv-SE" b="0" i="0" u="none" strike="noStrike" kern="1200" spc="0" dirty="0">
+                <a:ln>
+                  <a:noFill/>
+                </a:ln>
+                <a:latin typeface="Arial" pitchFamily="18"/>
+                <a:ea typeface="DejaVu Sans" pitchFamily="2"/>
+                <a:cs typeface="DejaVu Sans" pitchFamily="2"/>
+              </a:rPr>
+              <a:t>The </a:t>
+            </a:r>
+            <a:r>
+              <a:rPr lang="sv-SE" b="0" i="0" u="sng" strike="noStrike" kern="1200" spc="0" dirty="0" err="1">
+                <a:ln>
+                  <a:noFill/>
+                </a:ln>
+                <a:uFillTx/>
+                <a:latin typeface="Arial" pitchFamily="18"/>
+                <a:ea typeface="DejaVu Sans" pitchFamily="2"/>
+                <a:cs typeface="DejaVu Sans" pitchFamily="2"/>
+              </a:rPr>
+              <a:t>D</a:t>
+            </a:r>
+            <a:r>
+              <a:rPr lang="sv-SE" b="0" i="0" u="none" strike="noStrike" kern="1200" spc="0" dirty="0" err="1">
+                <a:ln>
+                  <a:noFill/>
+                </a:ln>
+                <a:latin typeface="Arial" pitchFamily="18"/>
+                <a:ea typeface="DejaVu Sans" pitchFamily="2"/>
+                <a:cs typeface="DejaVu Sans" pitchFamily="2"/>
+              </a:rPr>
+              <a:t>ependency</a:t>
+            </a:r>
+            <a:r>
+              <a:rPr lang="sv-SE" b="0" i="0" u="none" strike="noStrike" kern="1200" spc="0" dirty="0">
+                <a:ln>
+                  <a:noFill/>
+                </a:ln>
+                <a:latin typeface="Arial" pitchFamily="18"/>
+                <a:ea typeface="DejaVu Sans" pitchFamily="2"/>
+                <a:cs typeface="DejaVu Sans" pitchFamily="2"/>
+              </a:rPr>
+              <a:t> Inversion </a:t>
+            </a:r>
+            <a:r>
+              <a:rPr lang="sv-SE" b="0" i="0" u="none" strike="noStrike" kern="1200" spc="0" dirty="0" err="1" smtClean="0">
+                <a:ln>
+                  <a:noFill/>
+                </a:ln>
+                <a:latin typeface="Arial" pitchFamily="18"/>
+                <a:ea typeface="DejaVu Sans" pitchFamily="2"/>
+                <a:cs typeface="DejaVu Sans" pitchFamily="2"/>
+              </a:rPr>
+              <a:t>Principle</a:t>
+            </a:r>
+            <a:r>
+              <a:rPr lang="sv-SE" dirty="0">
+                <a:latin typeface="Arial" pitchFamily="18"/>
+                <a:ea typeface="DejaVu Sans" pitchFamily="2"/>
+                <a:cs typeface="DejaVu Sans" pitchFamily="2"/>
+              </a:rPr>
+              <a:t/>
+            </a:r>
+            <a:br>
+              <a:rPr lang="sv-SE" dirty="0">
+                <a:latin typeface="Arial" pitchFamily="18"/>
+                <a:ea typeface="DejaVu Sans" pitchFamily="2"/>
+                <a:cs typeface="DejaVu Sans" pitchFamily="2"/>
+              </a:rPr>
+            </a:br>
+            <a:r>
+              <a:rPr lang="sv-SE" b="0" i="0" u="none" strike="noStrike" kern="1200" spc="0" dirty="0" err="1" smtClean="0">
+                <a:ln>
+                  <a:noFill/>
+                </a:ln>
+                <a:latin typeface="Arial" pitchFamily="18"/>
+                <a:ea typeface="DejaVu Sans" pitchFamily="2"/>
+                <a:cs typeface="DejaVu Sans" pitchFamily="2"/>
+              </a:rPr>
+              <a:t>High</a:t>
+            </a:r>
+            <a:r>
+              <a:rPr lang="sv-SE" b="0" i="0" u="none" strike="noStrike" kern="1200" spc="0" dirty="0" smtClean="0">
+                <a:ln>
+                  <a:noFill/>
+                </a:ln>
+                <a:latin typeface="Arial" pitchFamily="18"/>
+                <a:ea typeface="DejaVu Sans" pitchFamily="2"/>
+                <a:cs typeface="DejaVu Sans" pitchFamily="2"/>
+              </a:rPr>
+              <a:t> </a:t>
+            </a:r>
+            <a:r>
+              <a:rPr lang="sv-SE" b="0" i="0" u="none" strike="noStrike" kern="1200" spc="0" dirty="0" err="1">
+                <a:ln>
+                  <a:noFill/>
+                </a:ln>
+                <a:latin typeface="Arial" pitchFamily="18"/>
+                <a:ea typeface="DejaVu Sans" pitchFamily="2"/>
+                <a:cs typeface="DejaVu Sans" pitchFamily="2"/>
+              </a:rPr>
+              <a:t>level</a:t>
+            </a:r>
+            <a:r>
+              <a:rPr lang="sv-SE" b="0" i="0" u="none" strike="noStrike" kern="1200" spc="0" dirty="0">
+                <a:ln>
+                  <a:noFill/>
+                </a:ln>
+                <a:latin typeface="Arial" pitchFamily="18"/>
+                <a:ea typeface="DejaVu Sans" pitchFamily="2"/>
+                <a:cs typeface="DejaVu Sans" pitchFamily="2"/>
+              </a:rPr>
+              <a:t> </a:t>
+            </a:r>
+            <a:r>
+              <a:rPr lang="sv-SE" b="0" i="0" u="none" strike="noStrike" kern="1200" spc="0" dirty="0" err="1">
+                <a:ln>
+                  <a:noFill/>
+                </a:ln>
+                <a:latin typeface="Arial" pitchFamily="18"/>
+                <a:ea typeface="DejaVu Sans" pitchFamily="2"/>
+                <a:cs typeface="DejaVu Sans" pitchFamily="2"/>
+              </a:rPr>
+              <a:t>modules</a:t>
+            </a:r>
+            <a:r>
+              <a:rPr lang="sv-SE" b="0" i="0" u="none" strike="noStrike" kern="1200" spc="0" dirty="0">
+                <a:ln>
+                  <a:noFill/>
+                </a:ln>
+                <a:latin typeface="Arial" pitchFamily="18"/>
+                <a:ea typeface="DejaVu Sans" pitchFamily="2"/>
+                <a:cs typeface="DejaVu Sans" pitchFamily="2"/>
+              </a:rPr>
+              <a:t> </a:t>
+            </a:r>
+            <a:r>
+              <a:rPr lang="sv-SE" b="0" i="0" u="none" strike="noStrike" kern="1200" spc="0" dirty="0" err="1">
+                <a:ln>
+                  <a:noFill/>
+                </a:ln>
+                <a:latin typeface="Arial" pitchFamily="18"/>
+                <a:ea typeface="DejaVu Sans" pitchFamily="2"/>
+                <a:cs typeface="DejaVu Sans" pitchFamily="2"/>
+              </a:rPr>
+              <a:t>should</a:t>
+            </a:r>
+            <a:r>
+              <a:rPr lang="sv-SE" b="0" i="0" u="none" strike="noStrike" kern="1200" spc="0" dirty="0">
+                <a:ln>
+                  <a:noFill/>
+                </a:ln>
+                <a:latin typeface="Arial" pitchFamily="18"/>
+                <a:ea typeface="DejaVu Sans" pitchFamily="2"/>
+                <a:cs typeface="DejaVu Sans" pitchFamily="2"/>
+              </a:rPr>
+              <a:t> not </a:t>
+            </a:r>
+            <a:r>
+              <a:rPr lang="sv-SE" b="0" i="0" u="none" strike="noStrike" kern="1200" spc="0" dirty="0" err="1">
+                <a:ln>
+                  <a:noFill/>
+                </a:ln>
+                <a:latin typeface="Arial" pitchFamily="18"/>
+                <a:ea typeface="DejaVu Sans" pitchFamily="2"/>
+                <a:cs typeface="DejaVu Sans" pitchFamily="2"/>
+              </a:rPr>
+              <a:t>depend</a:t>
+            </a:r>
+            <a:r>
+              <a:rPr lang="sv-SE" b="0" i="0" u="none" strike="noStrike" kern="1200" spc="0" dirty="0">
+                <a:ln>
+                  <a:noFill/>
+                </a:ln>
+                <a:latin typeface="Arial" pitchFamily="18"/>
+                <a:ea typeface="DejaVu Sans" pitchFamily="2"/>
+                <a:cs typeface="DejaVu Sans" pitchFamily="2"/>
+              </a:rPr>
+              <a:t> on </a:t>
+            </a:r>
+            <a:r>
+              <a:rPr lang="sv-SE" b="0" i="0" u="none" strike="noStrike" kern="1200" spc="0" dirty="0" err="1">
+                <a:ln>
+                  <a:noFill/>
+                </a:ln>
+                <a:latin typeface="Arial" pitchFamily="18"/>
+                <a:ea typeface="DejaVu Sans" pitchFamily="2"/>
+                <a:cs typeface="DejaVu Sans" pitchFamily="2"/>
+              </a:rPr>
+              <a:t>low</a:t>
+            </a:r>
+            <a:r>
+              <a:rPr lang="sv-SE" b="0" i="0" u="none" strike="noStrike" kern="1200" spc="0" dirty="0">
+                <a:ln>
+                  <a:noFill/>
+                </a:ln>
+                <a:latin typeface="Arial" pitchFamily="18"/>
+                <a:ea typeface="DejaVu Sans" pitchFamily="2"/>
+                <a:cs typeface="DejaVu Sans" pitchFamily="2"/>
+              </a:rPr>
+              <a:t> </a:t>
+            </a:r>
+            <a:r>
+              <a:rPr lang="sv-SE" b="0" i="0" u="none" strike="noStrike" kern="1200" spc="0" dirty="0" err="1">
+                <a:ln>
+                  <a:noFill/>
+                </a:ln>
+                <a:latin typeface="Arial" pitchFamily="18"/>
+                <a:ea typeface="DejaVu Sans" pitchFamily="2"/>
+                <a:cs typeface="DejaVu Sans" pitchFamily="2"/>
+              </a:rPr>
+              <a:t>level</a:t>
+            </a:r>
+            <a:r>
+              <a:rPr lang="sv-SE" b="0" i="0" u="none" strike="noStrike" kern="1200" spc="0" dirty="0">
+                <a:ln>
+                  <a:noFill/>
+                </a:ln>
+                <a:latin typeface="Arial" pitchFamily="18"/>
+                <a:ea typeface="DejaVu Sans" pitchFamily="2"/>
+                <a:cs typeface="DejaVu Sans" pitchFamily="2"/>
+              </a:rPr>
+              <a:t> </a:t>
+            </a:r>
+            <a:r>
+              <a:rPr lang="sv-SE" b="0" i="0" u="none" strike="noStrike" kern="1200" spc="0" dirty="0" err="1">
+                <a:ln>
+                  <a:noFill/>
+                </a:ln>
+                <a:latin typeface="Arial" pitchFamily="18"/>
+                <a:ea typeface="DejaVu Sans" pitchFamily="2"/>
+                <a:cs typeface="DejaVu Sans" pitchFamily="2"/>
+              </a:rPr>
+              <a:t>modules</a:t>
+            </a:r>
+            <a:r>
+              <a:rPr lang="sv-SE" b="0" i="0" u="none" strike="noStrike" kern="1200" spc="0" dirty="0">
+                <a:ln>
+                  <a:noFill/>
+                </a:ln>
+                <a:latin typeface="Arial" pitchFamily="18"/>
+                <a:ea typeface="DejaVu Sans" pitchFamily="2"/>
+                <a:cs typeface="DejaVu Sans" pitchFamily="2"/>
+              </a:rPr>
+              <a:t>. </a:t>
+            </a:r>
+            <a:r>
+              <a:rPr lang="sv-SE" b="0" i="0" u="none" strike="noStrike" kern="1200" spc="0" dirty="0" err="1">
+                <a:ln>
+                  <a:noFill/>
+                </a:ln>
+                <a:latin typeface="Arial" pitchFamily="18"/>
+                <a:ea typeface="DejaVu Sans" pitchFamily="2"/>
+                <a:cs typeface="DejaVu Sans" pitchFamily="2"/>
+              </a:rPr>
+              <a:t>Both</a:t>
+            </a:r>
+            <a:r>
+              <a:rPr lang="sv-SE" b="0" i="0" u="none" strike="noStrike" kern="1200" spc="0" dirty="0">
+                <a:ln>
+                  <a:noFill/>
+                </a:ln>
+                <a:latin typeface="Arial" pitchFamily="18"/>
+                <a:ea typeface="DejaVu Sans" pitchFamily="2"/>
+                <a:cs typeface="DejaVu Sans" pitchFamily="2"/>
+              </a:rPr>
+              <a:t> </a:t>
+            </a:r>
+            <a:r>
+              <a:rPr lang="sv-SE" b="0" i="0" u="none" strike="noStrike" kern="1200" spc="0" dirty="0" err="1">
+                <a:ln>
+                  <a:noFill/>
+                </a:ln>
+                <a:latin typeface="Arial" pitchFamily="18"/>
+                <a:ea typeface="DejaVu Sans" pitchFamily="2"/>
+                <a:cs typeface="DejaVu Sans" pitchFamily="2"/>
+              </a:rPr>
+              <a:t>should</a:t>
+            </a:r>
+            <a:r>
+              <a:rPr lang="sv-SE" b="0" i="0" u="none" strike="noStrike" kern="1200" spc="0" dirty="0">
+                <a:ln>
+                  <a:noFill/>
+                </a:ln>
+                <a:latin typeface="Arial" pitchFamily="18"/>
+                <a:ea typeface="DejaVu Sans" pitchFamily="2"/>
+                <a:cs typeface="DejaVu Sans" pitchFamily="2"/>
+              </a:rPr>
+              <a:t> </a:t>
+            </a:r>
+            <a:r>
+              <a:rPr lang="sv-SE" b="0" i="0" u="none" strike="noStrike" kern="1200" spc="0" dirty="0" err="1">
+                <a:ln>
+                  <a:noFill/>
+                </a:ln>
+                <a:latin typeface="Arial" pitchFamily="18"/>
+                <a:ea typeface="DejaVu Sans" pitchFamily="2"/>
+                <a:cs typeface="DejaVu Sans" pitchFamily="2"/>
+              </a:rPr>
+              <a:t>depend</a:t>
+            </a:r>
+            <a:r>
+              <a:rPr lang="sv-SE" b="0" i="0" u="none" strike="noStrike" kern="1200" spc="0" dirty="0">
+                <a:ln>
+                  <a:noFill/>
+                </a:ln>
+                <a:latin typeface="Arial" pitchFamily="18"/>
+                <a:ea typeface="DejaVu Sans" pitchFamily="2"/>
+                <a:cs typeface="DejaVu Sans" pitchFamily="2"/>
+              </a:rPr>
+              <a:t> on </a:t>
+            </a:r>
+            <a:r>
+              <a:rPr lang="sv-SE" b="0" i="0" u="none" strike="noStrike" kern="1200" spc="0" dirty="0" err="1" smtClean="0">
+                <a:ln>
+                  <a:noFill/>
+                </a:ln>
+                <a:latin typeface="Arial" pitchFamily="18"/>
+                <a:ea typeface="DejaVu Sans" pitchFamily="2"/>
+                <a:cs typeface="DejaVu Sans" pitchFamily="2"/>
+              </a:rPr>
+              <a:t>abstractions</a:t>
+            </a:r>
+            <a:r>
+              <a:rPr lang="sv-SE" b="0" i="0" u="none" strike="noStrike" kern="1200" spc="0" dirty="0" smtClean="0">
+                <a:ln>
+                  <a:noFill/>
+                </a:ln>
+                <a:latin typeface="Arial" pitchFamily="18"/>
+                <a:ea typeface="DejaVu Sans" pitchFamily="2"/>
+                <a:cs typeface="DejaVu Sans" pitchFamily="2"/>
+              </a:rPr>
+              <a:t>.</a:t>
+            </a:r>
+            <a:br>
+              <a:rPr lang="sv-SE" b="0" i="0" u="none" strike="noStrike" kern="1200" spc="0" dirty="0" smtClean="0">
+                <a:ln>
+                  <a:noFill/>
+                </a:ln>
+                <a:latin typeface="Arial" pitchFamily="18"/>
+                <a:ea typeface="DejaVu Sans" pitchFamily="2"/>
+                <a:cs typeface="DejaVu Sans" pitchFamily="2"/>
+              </a:rPr>
+            </a:br>
+            <a:r>
+              <a:rPr lang="sv-SE" b="0" i="0" u="none" strike="noStrike" kern="1200" spc="0" dirty="0" err="1" smtClean="0">
+                <a:ln>
+                  <a:noFill/>
+                </a:ln>
+                <a:latin typeface="Arial" pitchFamily="18"/>
+                <a:ea typeface="DejaVu Sans" pitchFamily="2"/>
+                <a:cs typeface="DejaVu Sans" pitchFamily="2"/>
+              </a:rPr>
+              <a:t>Abstractions</a:t>
+            </a:r>
+            <a:r>
+              <a:rPr lang="sv-SE" b="0" i="0" u="none" strike="noStrike" kern="1200" spc="0" dirty="0" smtClean="0">
+                <a:ln>
+                  <a:noFill/>
+                </a:ln>
+                <a:latin typeface="Arial" pitchFamily="18"/>
+                <a:ea typeface="DejaVu Sans" pitchFamily="2"/>
+                <a:cs typeface="DejaVu Sans" pitchFamily="2"/>
+              </a:rPr>
+              <a:t> </a:t>
+            </a:r>
+            <a:r>
+              <a:rPr lang="sv-SE" b="0" i="0" u="none" strike="noStrike" kern="1200" spc="0" dirty="0" err="1">
+                <a:ln>
+                  <a:noFill/>
+                </a:ln>
+                <a:latin typeface="Arial" pitchFamily="18"/>
+                <a:ea typeface="DejaVu Sans" pitchFamily="2"/>
+                <a:cs typeface="DejaVu Sans" pitchFamily="2"/>
+              </a:rPr>
+              <a:t>should</a:t>
+            </a:r>
+            <a:r>
+              <a:rPr lang="sv-SE" b="0" i="0" u="none" strike="noStrike" kern="1200" spc="0" dirty="0">
+                <a:ln>
+                  <a:noFill/>
+                </a:ln>
+                <a:latin typeface="Arial" pitchFamily="18"/>
+                <a:ea typeface="DejaVu Sans" pitchFamily="2"/>
+                <a:cs typeface="DejaVu Sans" pitchFamily="2"/>
+              </a:rPr>
+              <a:t> not </a:t>
+            </a:r>
+            <a:r>
+              <a:rPr lang="sv-SE" b="0" i="0" u="none" strike="noStrike" kern="1200" spc="0" dirty="0" err="1">
+                <a:ln>
+                  <a:noFill/>
+                </a:ln>
+                <a:latin typeface="Arial" pitchFamily="18"/>
+                <a:ea typeface="DejaVu Sans" pitchFamily="2"/>
+                <a:cs typeface="DejaVu Sans" pitchFamily="2"/>
+              </a:rPr>
+              <a:t>depend</a:t>
+            </a:r>
+            <a:r>
+              <a:rPr lang="sv-SE" b="0" i="0" u="none" strike="noStrike" kern="1200" spc="0" dirty="0">
+                <a:ln>
+                  <a:noFill/>
+                </a:ln>
+                <a:latin typeface="Arial" pitchFamily="18"/>
+                <a:ea typeface="DejaVu Sans" pitchFamily="2"/>
+                <a:cs typeface="DejaVu Sans" pitchFamily="2"/>
+              </a:rPr>
+              <a:t> on </a:t>
+            </a:r>
+            <a:r>
+              <a:rPr lang="sv-SE" b="0" i="0" u="none" strike="noStrike" kern="1200" spc="0" dirty="0" err="1">
+                <a:ln>
+                  <a:noFill/>
+                </a:ln>
+                <a:latin typeface="Arial" pitchFamily="18"/>
+                <a:ea typeface="DejaVu Sans" pitchFamily="2"/>
+                <a:cs typeface="DejaVu Sans" pitchFamily="2"/>
+              </a:rPr>
+              <a:t>details</a:t>
+            </a:r>
+            <a:r>
+              <a:rPr lang="sv-SE" b="0" i="0" u="none" strike="noStrike" kern="1200" spc="0" dirty="0">
+                <a:ln>
+                  <a:noFill/>
+                </a:ln>
+                <a:latin typeface="Arial" pitchFamily="18"/>
+                <a:ea typeface="DejaVu Sans" pitchFamily="2"/>
+                <a:cs typeface="DejaVu Sans" pitchFamily="2"/>
+              </a:rPr>
+              <a:t>. </a:t>
+            </a:r>
+            <a:r>
+              <a:rPr lang="sv-SE" b="0" i="0" u="none" strike="noStrike" kern="1200" spc="0" dirty="0" err="1">
+                <a:ln>
+                  <a:noFill/>
+                </a:ln>
+                <a:latin typeface="Arial" pitchFamily="18"/>
+                <a:ea typeface="DejaVu Sans" pitchFamily="2"/>
+                <a:cs typeface="DejaVu Sans" pitchFamily="2"/>
+              </a:rPr>
+              <a:t>Details</a:t>
+            </a:r>
+            <a:r>
+              <a:rPr lang="sv-SE" b="0" i="0" u="none" strike="noStrike" kern="1200" spc="0" dirty="0">
+                <a:ln>
+                  <a:noFill/>
+                </a:ln>
+                <a:latin typeface="Arial" pitchFamily="18"/>
+                <a:ea typeface="DejaVu Sans" pitchFamily="2"/>
+                <a:cs typeface="DejaVu Sans" pitchFamily="2"/>
+              </a:rPr>
+              <a:t> </a:t>
+            </a:r>
+            <a:r>
+              <a:rPr lang="sv-SE" b="0" i="0" u="none" strike="noStrike" kern="1200" spc="0" dirty="0" err="1">
+                <a:ln>
+                  <a:noFill/>
+                </a:ln>
+                <a:latin typeface="Arial" pitchFamily="18"/>
+                <a:ea typeface="DejaVu Sans" pitchFamily="2"/>
+                <a:cs typeface="DejaVu Sans" pitchFamily="2"/>
+              </a:rPr>
+              <a:t>should</a:t>
+            </a:r>
+            <a:r>
+              <a:rPr lang="sv-SE" b="0" i="0" u="none" strike="noStrike" kern="1200" spc="0" dirty="0">
+                <a:ln>
+                  <a:noFill/>
+                </a:ln>
+                <a:latin typeface="Arial" pitchFamily="18"/>
+                <a:ea typeface="DejaVu Sans" pitchFamily="2"/>
+                <a:cs typeface="DejaVu Sans" pitchFamily="2"/>
+              </a:rPr>
+              <a:t> </a:t>
+            </a:r>
+            <a:r>
+              <a:rPr lang="sv-SE" b="0" i="0" u="none" strike="noStrike" kern="1200" spc="0" dirty="0" err="1">
+                <a:ln>
+                  <a:noFill/>
+                </a:ln>
+                <a:latin typeface="Arial" pitchFamily="18"/>
+                <a:ea typeface="DejaVu Sans" pitchFamily="2"/>
+                <a:cs typeface="DejaVu Sans" pitchFamily="2"/>
+              </a:rPr>
+              <a:t>depend</a:t>
+            </a:r>
+            <a:r>
+              <a:rPr lang="sv-SE" b="0" i="0" u="none" strike="noStrike" kern="1200" spc="0" dirty="0">
+                <a:ln>
+                  <a:noFill/>
+                </a:ln>
+                <a:latin typeface="Arial" pitchFamily="18"/>
+                <a:ea typeface="DejaVu Sans" pitchFamily="2"/>
+                <a:cs typeface="DejaVu Sans" pitchFamily="2"/>
+              </a:rPr>
+              <a:t> on </a:t>
+            </a:r>
+            <a:r>
+              <a:rPr lang="sv-SE" b="0" i="0" u="none" strike="noStrike" kern="1200" spc="0" dirty="0" err="1">
+                <a:ln>
+                  <a:noFill/>
+                </a:ln>
+                <a:latin typeface="Arial" pitchFamily="18"/>
+                <a:ea typeface="DejaVu Sans" pitchFamily="2"/>
+                <a:cs typeface="DejaVu Sans" pitchFamily="2"/>
+              </a:rPr>
+              <a:t>abstractions</a:t>
+            </a:r>
+            <a:endParaRPr lang="sv-SE" b="0" i="0" u="none" strike="noStrike" kern="1200" spc="0" dirty="0">
+              <a:ln>
+                <a:noFill/>
+              </a:ln>
+              <a:latin typeface="Arial" pitchFamily="18"/>
+              <a:ea typeface="DejaVu Sans" pitchFamily="2"/>
+              <a:cs typeface="DejaVu Sans" pitchFamily="2"/>
+            </a:endParaRPr>
           </a:p>
         </p:txBody>
       </p:sp>
     </p:spTree>
-    <p:extLst>
-      <p:ext uri="{BB962C8B-B14F-4D97-AF65-F5344CB8AC3E}">
-        <p14:creationId xmlns:p14="http://schemas.microsoft.com/office/powerpoint/2010/main" val="932290057"/>
-      </p:ext>
-    </p:extLst>
   </p:cSld>
   <p:clrMapOvr>
     <a:masterClrMapping/>
   </p:clrMapOvr>
   <mc:AlternateContent xmlns:mc="http://schemas.openxmlformats.org/markup-compatibility/2006" xmlns:p14="http://schemas.microsoft.com/office/powerpoint/2010/main">
     <mc:Choice Requires="p14">
-      <p:transition spd="slow" p14:dur="2000"/>
+      <p:transition p14:dur="0"/>
     </mc:Choice>
     <mc:Fallback xmlns="">
-      <p:transition spd="slow"/>
+      <p:transition/>
     </mc:Fallback>
   </mc:AlternateContent>
   <p:timing>
@@ -7318,55 +11125,6 @@
                       </p:childTnLst>
                     </p:cTn>
                   </p:par>
-                  <p:par>
-                    <p:cTn id="23" fill="hold">
-                      <p:stCondLst>
-                        <p:cond delay="indefinite"/>
-                      </p:stCondLst>
-                      <p:childTnLst>
-                        <p:par>
-                          <p:cTn id="24" fill="hold">
-                            <p:stCondLst>
-                              <p:cond delay="0"/>
-                            </p:stCondLst>
-                            <p:childTnLst>
-                              <p:par>
-                                <p:cTn id="25" presetID="1" presetClass="entr" presetSubtype="0" fill="hold" nodeType="clickEffect">
-                                  <p:stCondLst>
-                                    <p:cond delay="0"/>
-                                  </p:stCondLst>
-                                  <p:childTnLst>
-                                    <p:set>
-                                      <p:cBhvr>
-                                        <p:cTn id="26" dur="1" fill="hold">
-                                          <p:stCondLst>
-                                            <p:cond delay="0"/>
-                                          </p:stCondLst>
-                                        </p:cTn>
-                                        <p:tgtEl>
-                                          <p:spTgt spid="3">
-                                            <p:txEl>
-                                              <p:pRg st="5" end="5"/>
-                                            </p:txEl>
-                                          </p:spTgt>
-                                        </p:tgtEl>
-                                        <p:attrNameLst>
-                                          <p:attrName>style.visibility</p:attrName>
-                                        </p:attrNameLst>
-                                      </p:cBhvr>
-                                      <p:to>
-                                        <p:strVal val="visible"/>
-                                      </p:to>
-                                    </p:set>
-                                  </p:childTnLst>
-                                </p:cTn>
-                              </p:par>
-                            </p:childTnLst>
-                          </p:cTn>
-                        </p:par>
-                      </p:childTnLst>
-                    </p:cTn>
-                  </p:par>
                 </p:childTnLst>
               </p:cTn>
               <p:prevCondLst>
@@ -7386,2131 +11144,6 @@
             </p:seq>
           </p:childTnLst>
         </p:cTn>
-      </p:par>
-    </p:tnLst>
-  </p:timing>
-</p:sld>
-</file>
-
-<file path=ppt/slides/slide12.xml><?xml version="1.0" encoding="utf-8"?>
-<p:sld xmlns:a="http://schemas.openxmlformats.org/drawingml/2006/main" xmlns:r="http://schemas.openxmlformats.org/officeDocument/2006/relationships" xmlns:p="http://schemas.openxmlformats.org/presentationml/2006/main">
-  <p:cSld name="page5">
-    <p:spTree>
-      <p:nvGrpSpPr>
-        <p:cNvPr id="1" name=""/>
-        <p:cNvGrpSpPr/>
-        <p:nvPr/>
-      </p:nvGrpSpPr>
-      <p:grpSpPr>
-        <a:xfrm>
-          <a:off x="0" y="0"/>
-          <a:ext cx="0" cy="0"/>
-          <a:chOff x="0" y="0"/>
-          <a:chExt cx="0" cy="0"/>
-        </a:xfrm>
-      </p:grpSpPr>
-      <p:sp>
-        <p:nvSpPr>
-          <p:cNvPr id="2" name="TextShape 1"/>
-          <p:cNvSpPr/>
-          <p:nvPr/>
-        </p:nvSpPr>
-        <p:spPr>
-          <a:xfrm>
-            <a:off x="457200" y="169560"/>
-            <a:ext cx="8228880" cy="1603256"/>
-          </a:xfrm>
-          <a:custGeom>
-            <a:avLst/>
-            <a:gdLst>
-              <a:gd name="f0" fmla="val 0"/>
-              <a:gd name="f1" fmla="val 21600"/>
-            </a:gdLst>
-            <a:ahLst/>
-            <a:cxnLst>
-              <a:cxn ang="3cd4">
-                <a:pos x="hc" y="t"/>
-              </a:cxn>
-              <a:cxn ang="0">
-                <a:pos x="r" y="vc"/>
-              </a:cxn>
-              <a:cxn ang="cd4">
-                <a:pos x="hc" y="b"/>
-              </a:cxn>
-              <a:cxn ang="cd2">
-                <a:pos x="l" y="vc"/>
-              </a:cxn>
-            </a:cxnLst>
-            <a:rect l="l" t="t" r="r" b="b"/>
-            <a:pathLst>
-              <a:path w="21600" h="21600">
-                <a:moveTo>
-                  <a:pt x="f0" y="f0"/>
-                </a:moveTo>
-                <a:lnTo>
-                  <a:pt x="f1" y="f0"/>
-                </a:lnTo>
-                <a:lnTo>
-                  <a:pt x="f1" y="f1"/>
-                </a:lnTo>
-                <a:lnTo>
-                  <a:pt x="f0" y="f1"/>
-                </a:lnTo>
-                <a:lnTo>
-                  <a:pt x="f0" y="f0"/>
-                </a:lnTo>
-                <a:close/>
-              </a:path>
-            </a:pathLst>
-          </a:custGeom>
-          <a:noFill/>
-          <a:ln>
-            <a:noFill/>
-            <a:prstDash val="solid"/>
-          </a:ln>
-        </p:spPr>
-        <p:txBody>
-          <a:bodyPr vert="horz" wrap="square" lIns="90000" tIns="45000" rIns="90000" bIns="45000" anchor="t" compatLnSpc="0"/>
-          <a:lstStyle/>
-          <a:p>
-            <a:pPr lvl="0" algn="ctr" hangingPunct="0"/>
-            <a:r>
-              <a:rPr lang="sv-SE" sz="4400" dirty="0">
-                <a:solidFill>
-                  <a:srgbClr val="000000"/>
-                </a:solidFill>
-                <a:latin typeface="Calibri" pitchFamily="18"/>
-                <a:ea typeface="DejaVu Sans" pitchFamily="2"/>
-                <a:cs typeface="DejaVu Sans" pitchFamily="2"/>
-              </a:rPr>
-              <a:t>Linq is </a:t>
-            </a:r>
-            <a:r>
-              <a:rPr lang="sv-SE" sz="4400" dirty="0" err="1">
-                <a:solidFill>
-                  <a:srgbClr val="000000"/>
-                </a:solidFill>
-                <a:latin typeface="Calibri" pitchFamily="18"/>
-                <a:ea typeface="DejaVu Sans" pitchFamily="2"/>
-                <a:cs typeface="DejaVu Sans" pitchFamily="2"/>
-              </a:rPr>
-              <a:t>Functional</a:t>
-            </a:r>
-            <a:r>
-              <a:rPr lang="sv-SE" sz="4400" dirty="0">
-                <a:solidFill>
-                  <a:srgbClr val="000000"/>
-                </a:solidFill>
-                <a:latin typeface="Calibri" pitchFamily="18"/>
-                <a:ea typeface="DejaVu Sans" pitchFamily="2"/>
-                <a:cs typeface="DejaVu Sans" pitchFamily="2"/>
-              </a:rPr>
-              <a:t> </a:t>
-            </a:r>
-            <a:r>
-              <a:rPr lang="sv-SE" sz="4400" dirty="0" smtClean="0">
-                <a:solidFill>
-                  <a:srgbClr val="000000"/>
-                </a:solidFill>
-                <a:latin typeface="Calibri" pitchFamily="18"/>
-                <a:ea typeface="DejaVu Sans" pitchFamily="2"/>
-                <a:cs typeface="DejaVu Sans" pitchFamily="2"/>
-              </a:rPr>
-              <a:t>Style </a:t>
-            </a:r>
-            <a:r>
-              <a:rPr lang="sv-SE" sz="4400" dirty="0" err="1" smtClean="0">
-                <a:solidFill>
-                  <a:srgbClr val="000000"/>
-                </a:solidFill>
-                <a:latin typeface="Calibri" pitchFamily="18"/>
-                <a:ea typeface="DejaVu Sans" pitchFamily="2"/>
-                <a:cs typeface="DejaVu Sans" pitchFamily="2"/>
-              </a:rPr>
-              <a:t>Programming</a:t>
-            </a:r>
-            <a:endParaRPr lang="sv-SE" sz="4400" b="0" i="0" u="none" strike="noStrike" kern="1200" spc="0" dirty="0">
-              <a:ln>
-                <a:noFill/>
-              </a:ln>
-              <a:solidFill>
-                <a:srgbClr val="000000"/>
-              </a:solidFill>
-              <a:latin typeface="Calibri" pitchFamily="18"/>
-              <a:ea typeface="DejaVu Sans" pitchFamily="2"/>
-              <a:cs typeface="DejaVu Sans" pitchFamily="2"/>
-            </a:endParaRPr>
-          </a:p>
-        </p:txBody>
-      </p:sp>
-      <p:sp>
-        <p:nvSpPr>
-          <p:cNvPr id="3" name="TextShape 2"/>
-          <p:cNvSpPr/>
-          <p:nvPr/>
-        </p:nvSpPr>
-        <p:spPr>
-          <a:xfrm>
-            <a:off x="457200" y="2132856"/>
-            <a:ext cx="8228880" cy="4083264"/>
-          </a:xfrm>
-          <a:custGeom>
-            <a:avLst/>
-            <a:gdLst>
-              <a:gd name="f0" fmla="val 0"/>
-              <a:gd name="f1" fmla="val 21600"/>
-            </a:gdLst>
-            <a:ahLst/>
-            <a:cxnLst>
-              <a:cxn ang="3cd4">
-                <a:pos x="hc" y="t"/>
-              </a:cxn>
-              <a:cxn ang="0">
-                <a:pos x="r" y="vc"/>
-              </a:cxn>
-              <a:cxn ang="cd4">
-                <a:pos x="hc" y="b"/>
-              </a:cxn>
-              <a:cxn ang="cd2">
-                <a:pos x="l" y="vc"/>
-              </a:cxn>
-            </a:cxnLst>
-            <a:rect l="l" t="t" r="r" b="b"/>
-            <a:pathLst>
-              <a:path w="21600" h="21600">
-                <a:moveTo>
-                  <a:pt x="f0" y="f0"/>
-                </a:moveTo>
-                <a:lnTo>
-                  <a:pt x="f1" y="f0"/>
-                </a:lnTo>
-                <a:lnTo>
-                  <a:pt x="f1" y="f1"/>
-                </a:lnTo>
-                <a:lnTo>
-                  <a:pt x="f0" y="f1"/>
-                </a:lnTo>
-                <a:lnTo>
-                  <a:pt x="f0" y="f0"/>
-                </a:lnTo>
-                <a:close/>
-              </a:path>
-            </a:pathLst>
-          </a:custGeom>
-          <a:noFill/>
-          <a:ln>
-            <a:noFill/>
-            <a:prstDash val="solid"/>
-          </a:ln>
-        </p:spPr>
-        <p:txBody>
-          <a:bodyPr vert="horz" wrap="square" lIns="90000" tIns="45000" rIns="90000" bIns="45000" anchor="t" compatLnSpc="0"/>
-          <a:lstStyle/>
-          <a:p>
-            <a:pPr lvl="0" hangingPunct="0"/>
-            <a:r>
-              <a:rPr lang="sv-SE" sz="2000" dirty="0" err="1">
-                <a:solidFill>
-                  <a:srgbClr val="1F497D"/>
-                </a:solidFill>
-                <a:latin typeface="Arial" pitchFamily="18"/>
-                <a:ea typeface="DejaVu Sans" pitchFamily="2"/>
-                <a:cs typeface="DejaVu Sans" pitchFamily="2"/>
-              </a:rPr>
-              <a:t>IEnumerable</a:t>
-            </a:r>
-            <a:r>
-              <a:rPr lang="sv-SE" sz="2000" dirty="0">
-                <a:solidFill>
-                  <a:srgbClr val="1F497D"/>
-                </a:solidFill>
-                <a:latin typeface="Arial" pitchFamily="18"/>
-                <a:ea typeface="DejaVu Sans" pitchFamily="2"/>
-                <a:cs typeface="DejaVu Sans" pitchFamily="2"/>
-              </a:rPr>
-              <a:t>&lt;T&gt; and </a:t>
-            </a:r>
-            <a:r>
-              <a:rPr lang="sv-SE" sz="2000" dirty="0" err="1">
-                <a:solidFill>
-                  <a:srgbClr val="1F497D"/>
-                </a:solidFill>
-                <a:latin typeface="Arial" pitchFamily="18"/>
-                <a:ea typeface="DejaVu Sans" pitchFamily="2"/>
-                <a:cs typeface="DejaVu Sans" pitchFamily="2"/>
-              </a:rPr>
-              <a:t>IQueryable</a:t>
-            </a:r>
-            <a:r>
-              <a:rPr lang="sv-SE" sz="2000" dirty="0">
-                <a:solidFill>
-                  <a:srgbClr val="1F497D"/>
-                </a:solidFill>
-                <a:latin typeface="Arial" pitchFamily="18"/>
-                <a:ea typeface="DejaVu Sans" pitchFamily="2"/>
-                <a:cs typeface="DejaVu Sans" pitchFamily="2"/>
-              </a:rPr>
-              <a:t>&lt;T&gt; </a:t>
-            </a:r>
-            <a:r>
-              <a:rPr lang="sv-SE" sz="2000" dirty="0" err="1">
-                <a:solidFill>
-                  <a:srgbClr val="1F497D"/>
-                </a:solidFill>
-                <a:latin typeface="Arial" pitchFamily="18"/>
-                <a:ea typeface="DejaVu Sans" pitchFamily="2"/>
-                <a:cs typeface="DejaVu Sans" pitchFamily="2"/>
-              </a:rPr>
-              <a:t>are</a:t>
-            </a:r>
-            <a:r>
-              <a:rPr lang="sv-SE" sz="2000" b="0" i="0" u="none" strike="noStrike" kern="1200" spc="0" dirty="0" smtClean="0">
-                <a:ln>
-                  <a:noFill/>
-                </a:ln>
-                <a:solidFill>
-                  <a:srgbClr val="0070C0"/>
-                </a:solidFill>
-                <a:latin typeface="Arial" pitchFamily="18"/>
-                <a:ea typeface="DejaVu Sans" pitchFamily="2"/>
-                <a:cs typeface="DejaVu Sans" pitchFamily="2"/>
-              </a:rPr>
-              <a:t> </a:t>
-            </a:r>
-            <a:r>
-              <a:rPr lang="sv-SE" sz="2000" b="0" i="1" u="none" strike="noStrike" kern="1200" spc="0" dirty="0">
-                <a:ln>
-                  <a:noFill/>
-                </a:ln>
-                <a:solidFill>
-                  <a:srgbClr val="1F497D"/>
-                </a:solidFill>
-                <a:latin typeface="Arial" pitchFamily="18"/>
-                <a:ea typeface="DejaVu Sans" pitchFamily="2"/>
-                <a:cs typeface="DejaVu Sans" pitchFamily="2"/>
-              </a:rPr>
-              <a:t>immutable</a:t>
-            </a:r>
-            <a:r>
-              <a:rPr lang="sv-SE" sz="2000" b="0" i="0" u="none" strike="noStrike" kern="1200" spc="0" dirty="0">
-                <a:ln>
-                  <a:noFill/>
-                </a:ln>
-                <a:solidFill>
-                  <a:srgbClr val="1F497D"/>
-                </a:solidFill>
-                <a:latin typeface="Arial" pitchFamily="18"/>
-                <a:ea typeface="DejaVu Sans" pitchFamily="2"/>
-                <a:cs typeface="DejaVu Sans" pitchFamily="2"/>
-              </a:rPr>
-              <a:t> interfaces</a:t>
-            </a:r>
-          </a:p>
-          <a:p>
-            <a:pPr marL="0" marR="0" lvl="0" indent="0" rtl="0" hangingPunct="0">
-              <a:lnSpc>
-                <a:spcPct val="100000"/>
-              </a:lnSpc>
-              <a:spcBef>
-                <a:spcPts val="0"/>
-              </a:spcBef>
-              <a:spcAft>
-                <a:spcPts val="0"/>
-              </a:spcAft>
-              <a:buNone/>
-              <a:tabLst/>
-            </a:pPr>
-            <a:r>
-              <a:rPr lang="sv-SE" sz="2000" b="0" i="0" u="none" strike="noStrike" kern="1200" spc="0" dirty="0">
-                <a:ln>
-                  <a:noFill/>
-                </a:ln>
-                <a:solidFill>
-                  <a:srgbClr val="1F497D"/>
-                </a:solidFill>
-                <a:latin typeface="Arial" pitchFamily="18"/>
-                <a:ea typeface="DejaVu Sans" pitchFamily="2"/>
-                <a:cs typeface="DejaVu Sans" pitchFamily="2"/>
-              </a:rPr>
-              <a:t>IEnumerable&lt;T&gt; and IQueryable&lt;T&gt; are </a:t>
-            </a:r>
-            <a:r>
-              <a:rPr lang="sv-SE" sz="2000" b="0" i="1" u="none" strike="noStrike" kern="1200" spc="0" dirty="0">
-                <a:ln>
-                  <a:noFill/>
-                </a:ln>
-                <a:solidFill>
-                  <a:srgbClr val="1F497D"/>
-                </a:solidFill>
-                <a:latin typeface="Arial" pitchFamily="18"/>
-                <a:ea typeface="DejaVu Sans" pitchFamily="2"/>
-                <a:cs typeface="DejaVu Sans" pitchFamily="2"/>
-              </a:rPr>
-              <a:t>generic</a:t>
-            </a:r>
-            <a:r>
-              <a:rPr lang="sv-SE" sz="2000" b="0" i="0" u="none" strike="noStrike" kern="1200" spc="0" dirty="0">
-                <a:ln>
-                  <a:noFill/>
-                </a:ln>
-                <a:solidFill>
-                  <a:srgbClr val="1F497D"/>
-                </a:solidFill>
-                <a:latin typeface="Arial" pitchFamily="18"/>
-                <a:ea typeface="DejaVu Sans" pitchFamily="2"/>
-                <a:cs typeface="DejaVu Sans" pitchFamily="2"/>
-              </a:rPr>
-              <a:t> interfaces</a:t>
-            </a:r>
-          </a:p>
-          <a:p>
-            <a:pPr marL="0" marR="0" lvl="0" indent="0" rtl="0" hangingPunct="0">
-              <a:lnSpc>
-                <a:spcPct val="100000"/>
-              </a:lnSpc>
-              <a:spcBef>
-                <a:spcPts val="0"/>
-              </a:spcBef>
-              <a:spcAft>
-                <a:spcPts val="0"/>
-              </a:spcAft>
-              <a:buNone/>
-              <a:tabLst/>
-            </a:pPr>
-            <a:r>
-              <a:rPr lang="sv-SE" sz="2000" b="0" i="0" u="none" strike="noStrike" kern="1200" spc="0" dirty="0">
-                <a:ln>
-                  <a:noFill/>
-                </a:ln>
-                <a:solidFill>
-                  <a:srgbClr val="1F497D"/>
-                </a:solidFill>
-                <a:latin typeface="Arial" pitchFamily="18"/>
-                <a:ea typeface="DejaVu Sans" pitchFamily="2"/>
-                <a:cs typeface="DejaVu Sans" pitchFamily="2"/>
-              </a:rPr>
-              <a:t>Linq operators are </a:t>
-            </a:r>
-            <a:r>
-              <a:rPr lang="sv-SE" sz="2000" b="0" i="1" u="none" strike="noStrike" kern="1200" spc="0" dirty="0">
-                <a:ln>
-                  <a:noFill/>
-                </a:ln>
-                <a:solidFill>
-                  <a:srgbClr val="1F497D"/>
-                </a:solidFill>
-                <a:latin typeface="Arial" pitchFamily="18"/>
-                <a:ea typeface="DejaVu Sans" pitchFamily="2"/>
-                <a:cs typeface="DejaVu Sans" pitchFamily="2"/>
-              </a:rPr>
-              <a:t>pure functions</a:t>
-            </a:r>
-          </a:p>
-          <a:p>
-            <a:pPr marL="0" marR="0" lvl="0" indent="0" rtl="0" hangingPunct="0">
-              <a:lnSpc>
-                <a:spcPct val="100000"/>
-              </a:lnSpc>
-              <a:spcBef>
-                <a:spcPts val="0"/>
-              </a:spcBef>
-              <a:spcAft>
-                <a:spcPts val="0"/>
-              </a:spcAft>
-              <a:buNone/>
-              <a:tabLst/>
-            </a:pPr>
-            <a:r>
-              <a:rPr lang="sv-SE" sz="2000" b="0" i="0" u="none" strike="noStrike" kern="1200" spc="0" dirty="0">
-                <a:ln>
-                  <a:noFill/>
-                </a:ln>
-                <a:solidFill>
-                  <a:srgbClr val="1F497D"/>
-                </a:solidFill>
-                <a:latin typeface="Arial" pitchFamily="18"/>
-                <a:ea typeface="DejaVu Sans" pitchFamily="2"/>
-                <a:cs typeface="DejaVu Sans" pitchFamily="2"/>
-              </a:rPr>
-              <a:t>Many Linq operators are </a:t>
-            </a:r>
-            <a:r>
-              <a:rPr lang="sv-SE" sz="2000" b="0" i="1" u="none" strike="noStrike" kern="1200" spc="0" dirty="0">
-                <a:ln>
-                  <a:noFill/>
-                </a:ln>
-                <a:solidFill>
-                  <a:srgbClr val="1F497D"/>
-                </a:solidFill>
-                <a:latin typeface="Arial" pitchFamily="18"/>
-                <a:ea typeface="DejaVu Sans" pitchFamily="2"/>
-                <a:cs typeface="DejaVu Sans" pitchFamily="2"/>
-              </a:rPr>
-              <a:t>higher order functions</a:t>
-            </a:r>
-          </a:p>
-          <a:p>
-            <a:pPr marL="0" marR="0" lvl="0" indent="0" rtl="0" hangingPunct="0">
-              <a:lnSpc>
-                <a:spcPct val="100000"/>
-              </a:lnSpc>
-              <a:spcBef>
-                <a:spcPts val="0"/>
-              </a:spcBef>
-              <a:spcAft>
-                <a:spcPts val="0"/>
-              </a:spcAft>
-              <a:buNone/>
-              <a:tabLst/>
-            </a:pPr>
-            <a:r>
-              <a:rPr lang="sv-SE" sz="2000" b="0" i="0" u="none" strike="noStrike" kern="1200" spc="0" dirty="0">
-                <a:ln>
-                  <a:noFill/>
-                </a:ln>
-                <a:solidFill>
-                  <a:srgbClr val="1F497D"/>
-                </a:solidFill>
-                <a:latin typeface="Arial" pitchFamily="18"/>
-                <a:ea typeface="DejaVu Sans" pitchFamily="2"/>
-                <a:cs typeface="DejaVu Sans" pitchFamily="2"/>
-              </a:rPr>
-              <a:t>Many Linq operators are </a:t>
-            </a:r>
-            <a:r>
-              <a:rPr lang="sv-SE" sz="2000" b="0" i="1" u="none" strike="noStrike" kern="1200" spc="0" dirty="0">
-                <a:ln>
-                  <a:noFill/>
-                </a:ln>
-                <a:solidFill>
-                  <a:srgbClr val="1F497D"/>
-                </a:solidFill>
-                <a:latin typeface="Arial" pitchFamily="18"/>
-                <a:ea typeface="DejaVu Sans" pitchFamily="2"/>
-                <a:cs typeface="DejaVu Sans" pitchFamily="2"/>
-              </a:rPr>
-              <a:t>generic functions</a:t>
-            </a:r>
-          </a:p>
-          <a:p>
-            <a:pPr marL="0" marR="0" lvl="0" indent="0" rtl="0" hangingPunct="0">
-              <a:lnSpc>
-                <a:spcPct val="100000"/>
-              </a:lnSpc>
-              <a:spcBef>
-                <a:spcPts val="0"/>
-              </a:spcBef>
-              <a:spcAft>
-                <a:spcPts val="0"/>
-              </a:spcAft>
-              <a:buNone/>
-              <a:tabLst/>
-            </a:pPr>
-            <a:r>
-              <a:rPr lang="sv-SE" sz="2000" b="0" i="0" u="none" strike="noStrike" kern="1200" spc="0" dirty="0">
-                <a:ln>
-                  <a:noFill/>
-                </a:ln>
-                <a:solidFill>
-                  <a:srgbClr val="1F497D"/>
-                </a:solidFill>
-                <a:latin typeface="Arial" pitchFamily="18"/>
-                <a:ea typeface="DejaVu Sans" pitchFamily="2"/>
-                <a:cs typeface="DejaVu Sans" pitchFamily="2"/>
-              </a:rPr>
-              <a:t>Lambdas are </a:t>
-            </a:r>
-            <a:r>
-              <a:rPr lang="sv-SE" sz="2000" b="0" i="1" u="none" strike="noStrike" kern="1200" spc="0" dirty="0">
-                <a:ln>
-                  <a:noFill/>
-                </a:ln>
-                <a:solidFill>
-                  <a:srgbClr val="1F497D"/>
-                </a:solidFill>
-                <a:latin typeface="Arial" pitchFamily="18"/>
-                <a:ea typeface="DejaVu Sans" pitchFamily="2"/>
-                <a:cs typeface="DejaVu Sans" pitchFamily="2"/>
-              </a:rPr>
-              <a:t>closures</a:t>
-            </a:r>
-          </a:p>
-          <a:p>
-            <a:pPr marL="0" marR="0" lvl="0" indent="0" rtl="0" hangingPunct="0">
-              <a:lnSpc>
-                <a:spcPct val="100000"/>
-              </a:lnSpc>
-              <a:spcBef>
-                <a:spcPts val="0"/>
-              </a:spcBef>
-              <a:spcAft>
-                <a:spcPts val="0"/>
-              </a:spcAft>
-              <a:buNone/>
-              <a:tabLst/>
-            </a:pPr>
-            <a:r>
-              <a:rPr lang="sv-SE" sz="2000" b="0" i="1" u="none" strike="noStrike" kern="1200" spc="0" dirty="0">
-                <a:ln>
-                  <a:noFill/>
-                </a:ln>
-                <a:solidFill>
-                  <a:srgbClr val="1F497D"/>
-                </a:solidFill>
-                <a:latin typeface="Arial" pitchFamily="18"/>
-                <a:ea typeface="DejaVu Sans" pitchFamily="2"/>
-                <a:cs typeface="DejaVu Sans" pitchFamily="2"/>
-              </a:rPr>
-              <a:t>Comprehension syntax is syntactic sugar on functional programming</a:t>
-            </a:r>
-          </a:p>
-        </p:txBody>
-      </p:sp>
-    </p:spTree>
-  </p:cSld>
-  <p:clrMapOvr>
-    <a:masterClrMapping/>
-  </p:clrMapOvr>
-  <p:transition>
-    <p:wipe/>
-  </p:transition>
-  <p:timing>
-    <p:tnLst>
-      <p:par>
-        <p:cTn id="1" dur="indefinite" restart="never" nodeType="tmRoot"/>
-      </p:par>
-    </p:tnLst>
-  </p:timing>
-</p:sld>
-</file>
-
-<file path=ppt/slides/slide13.xml><?xml version="1.0" encoding="utf-8"?>
-<p:sld xmlns:a="http://schemas.openxmlformats.org/drawingml/2006/main" xmlns:r="http://schemas.openxmlformats.org/officeDocument/2006/relationships" xmlns:p="http://schemas.openxmlformats.org/presentationml/2006/main">
-  <p:cSld>
-    <p:spTree>
-      <p:nvGrpSpPr>
-        <p:cNvPr id="1" name=""/>
-        <p:cNvGrpSpPr/>
-        <p:nvPr/>
-      </p:nvGrpSpPr>
-      <p:grpSpPr>
-        <a:xfrm>
-          <a:off x="0" y="0"/>
-          <a:ext cx="0" cy="0"/>
-          <a:chOff x="0" y="0"/>
-          <a:chExt cx="0" cy="0"/>
-        </a:xfrm>
-      </p:grpSpPr>
-      <p:sp>
-        <p:nvSpPr>
-          <p:cNvPr id="2" name="Title 1"/>
-          <p:cNvSpPr>
-            <a:spLocks noGrp="1"/>
-          </p:cNvSpPr>
-          <p:nvPr>
-            <p:ph type="title"/>
-          </p:nvPr>
-        </p:nvSpPr>
-        <p:spPr/>
-        <p:txBody>
-          <a:bodyPr/>
-          <a:lstStyle/>
-          <a:p>
-            <a:pPr>
-              <a:buNone/>
-            </a:pPr>
-            <a:r>
-              <a:rPr lang="sv-SE" dirty="0" smtClean="0"/>
-              <a:t>F#</a:t>
-            </a:r>
-            <a:endParaRPr lang="sv-SE" dirty="0"/>
-          </a:p>
-        </p:txBody>
-      </p:sp>
-      <p:sp>
-        <p:nvSpPr>
-          <p:cNvPr id="3" name="Content Placeholder 2"/>
-          <p:cNvSpPr>
-            <a:spLocks noGrp="1"/>
-          </p:cNvSpPr>
-          <p:nvPr>
-            <p:ph idx="1"/>
-          </p:nvPr>
-        </p:nvSpPr>
-        <p:spPr/>
-        <p:txBody>
-          <a:bodyPr/>
-          <a:lstStyle/>
-          <a:p>
-            <a:r>
-              <a:rPr lang="sv-SE" dirty="0" err="1" smtClean="0"/>
-              <a:t>Fully</a:t>
-            </a:r>
-            <a:r>
-              <a:rPr lang="sv-SE" dirty="0" smtClean="0"/>
-              <a:t> </a:t>
-            </a:r>
-            <a:r>
-              <a:rPr lang="sv-SE" dirty="0" err="1" smtClean="0"/>
-              <a:t>supported</a:t>
-            </a:r>
-            <a:r>
-              <a:rPr lang="sv-SE" dirty="0" smtClean="0"/>
-              <a:t> .Net </a:t>
-            </a:r>
-            <a:r>
-              <a:rPr lang="sv-SE" dirty="0" err="1" smtClean="0"/>
-              <a:t>language</a:t>
-            </a:r>
-            <a:endParaRPr lang="sv-SE" dirty="0" smtClean="0"/>
-          </a:p>
-          <a:p>
-            <a:r>
-              <a:rPr lang="sv-SE" dirty="0" smtClean="0"/>
-              <a:t>Full access </a:t>
-            </a:r>
-            <a:r>
-              <a:rPr lang="sv-SE" dirty="0" err="1" smtClean="0"/>
-              <a:t>to</a:t>
-            </a:r>
-            <a:r>
-              <a:rPr lang="sv-SE" dirty="0" smtClean="0"/>
-              <a:t> .Net </a:t>
-            </a:r>
-            <a:r>
-              <a:rPr lang="sv-SE" dirty="0" err="1" smtClean="0"/>
-              <a:t>framework</a:t>
-            </a:r>
-            <a:endParaRPr lang="sv-SE" dirty="0" smtClean="0"/>
-          </a:p>
-          <a:p>
-            <a:r>
-              <a:rPr lang="sv-SE" dirty="0" smtClean="0"/>
-              <a:t>.Net </a:t>
-            </a:r>
-            <a:r>
-              <a:rPr lang="sv-SE" dirty="0" err="1" smtClean="0"/>
-              <a:t>performance</a:t>
-            </a:r>
-            <a:endParaRPr lang="sv-SE" dirty="0" smtClean="0"/>
-          </a:p>
-          <a:p>
-            <a:r>
-              <a:rPr lang="sv-SE" dirty="0" smtClean="0"/>
-              <a:t>Visual Studio support</a:t>
-            </a:r>
-          </a:p>
-          <a:p>
-            <a:r>
-              <a:rPr lang="sv-SE" dirty="0" smtClean="0"/>
-              <a:t>Multiparadigm( FP / OO / </a:t>
-            </a:r>
-            <a:r>
-              <a:rPr lang="sv-SE" dirty="0" err="1" smtClean="0"/>
-              <a:t>Generics</a:t>
-            </a:r>
-            <a:r>
-              <a:rPr lang="sv-SE" dirty="0" smtClean="0"/>
-              <a:t>)</a:t>
-            </a:r>
-          </a:p>
-          <a:p>
-            <a:r>
-              <a:rPr lang="sv-SE" dirty="0" err="1" smtClean="0"/>
-              <a:t>Automatic</a:t>
-            </a:r>
-            <a:r>
-              <a:rPr lang="sv-SE" dirty="0" smtClean="0"/>
-              <a:t> </a:t>
-            </a:r>
-            <a:r>
-              <a:rPr lang="sv-SE" dirty="0" err="1" smtClean="0"/>
-              <a:t>generalization</a:t>
-            </a:r>
-            <a:endParaRPr lang="sv-SE" dirty="0" smtClean="0"/>
-          </a:p>
-        </p:txBody>
-      </p:sp>
-    </p:spTree>
-    <p:extLst>
-      <p:ext uri="{BB962C8B-B14F-4D97-AF65-F5344CB8AC3E}">
-        <p14:creationId xmlns:p14="http://schemas.microsoft.com/office/powerpoint/2010/main" val="3911032033"/>
-      </p:ext>
-    </p:extLst>
-  </p:cSld>
-  <p:clrMapOvr>
-    <a:masterClrMapping/>
-  </p:clrMapOvr>
-  <mc:AlternateContent xmlns:mc="http://schemas.openxmlformats.org/markup-compatibility/2006" xmlns:p14="http://schemas.microsoft.com/office/powerpoint/2010/main">
-    <mc:Choice Requires="p14">
-      <p:transition spd="slow" p14:dur="2000"/>
-    </mc:Choice>
-    <mc:Fallback xmlns="">
-      <p:transition spd="slow"/>
-    </mc:Fallback>
-  </mc:AlternateContent>
-  <p:timing>
-    <p:tnLst>
-      <p:par>
-        <p:cTn id="1" dur="indefinite" restart="never" nodeType="tmRoot">
-          <p:childTnLst>
-            <p:seq concurrent="1" nextAc="seek">
-              <p:cTn id="2" dur="indefinite" nodeType="mainSeq">
-                <p:childTnLst>
-                  <p:par>
-                    <p:cTn id="3" fill="hold">
-                      <p:stCondLst>
-                        <p:cond delay="indefinite"/>
-                      </p:stCondLst>
-                      <p:childTnLst>
-                        <p:par>
-                          <p:cTn id="4" fill="hold">
-                            <p:stCondLst>
-                              <p:cond delay="0"/>
-                            </p:stCondLst>
-                            <p:childTnLst>
-                              <p:par>
-                                <p:cTn id="5" presetID="1" presetClass="entr" presetSubtype="0" fill="hold" nodeType="clickEffect">
-                                  <p:stCondLst>
-                                    <p:cond delay="0"/>
-                                  </p:stCondLst>
-                                  <p:childTnLst>
-                                    <p:set>
-                                      <p:cBhvr>
-                                        <p:cTn id="6" dur="1" fill="hold">
-                                          <p:stCondLst>
-                                            <p:cond delay="0"/>
-                                          </p:stCondLst>
-                                        </p:cTn>
-                                        <p:tgtEl>
-                                          <p:spTgt spid="3">
-                                            <p:txEl>
-                                              <p:pRg st="0" end="0"/>
-                                            </p:txEl>
-                                          </p:spTgt>
-                                        </p:tgtEl>
-                                        <p:attrNameLst>
-                                          <p:attrName>style.visibility</p:attrName>
-                                        </p:attrNameLst>
-                                      </p:cBhvr>
-                                      <p:to>
-                                        <p:strVal val="visible"/>
-                                      </p:to>
-                                    </p:set>
-                                  </p:childTnLst>
-                                </p:cTn>
-                              </p:par>
-                            </p:childTnLst>
-                          </p:cTn>
-                        </p:par>
-                      </p:childTnLst>
-                    </p:cTn>
-                  </p:par>
-                  <p:par>
-                    <p:cTn id="7" fill="hold">
-                      <p:stCondLst>
-                        <p:cond delay="indefinite"/>
-                      </p:stCondLst>
-                      <p:childTnLst>
-                        <p:par>
-                          <p:cTn id="8" fill="hold">
-                            <p:stCondLst>
-                              <p:cond delay="0"/>
-                            </p:stCondLst>
-                            <p:childTnLst>
-                              <p:par>
-                                <p:cTn id="9" presetID="1" presetClass="entr" presetSubtype="0" fill="hold" nodeType="clickEffect">
-                                  <p:stCondLst>
-                                    <p:cond delay="0"/>
-                                  </p:stCondLst>
-                                  <p:childTnLst>
-                                    <p:set>
-                                      <p:cBhvr>
-                                        <p:cTn id="10" dur="1" fill="hold">
-                                          <p:stCondLst>
-                                            <p:cond delay="0"/>
-                                          </p:stCondLst>
-                                        </p:cTn>
-                                        <p:tgtEl>
-                                          <p:spTgt spid="3">
-                                            <p:txEl>
-                                              <p:pRg st="1" end="1"/>
-                                            </p:txEl>
-                                          </p:spTgt>
-                                        </p:tgtEl>
-                                        <p:attrNameLst>
-                                          <p:attrName>style.visibility</p:attrName>
-                                        </p:attrNameLst>
-                                      </p:cBhvr>
-                                      <p:to>
-                                        <p:strVal val="visible"/>
-                                      </p:to>
-                                    </p:set>
-                                  </p:childTnLst>
-                                </p:cTn>
-                              </p:par>
-                            </p:childTnLst>
-                          </p:cTn>
-                        </p:par>
-                      </p:childTnLst>
-                    </p:cTn>
-                  </p:par>
-                  <p:par>
-                    <p:cTn id="11" fill="hold">
-                      <p:stCondLst>
-                        <p:cond delay="indefinite"/>
-                      </p:stCondLst>
-                      <p:childTnLst>
-                        <p:par>
-                          <p:cTn id="12" fill="hold">
-                            <p:stCondLst>
-                              <p:cond delay="0"/>
-                            </p:stCondLst>
-                            <p:childTnLst>
-                              <p:par>
-                                <p:cTn id="13" presetID="1" presetClass="entr" presetSubtype="0" fill="hold" nodeType="clickEffect">
-                                  <p:stCondLst>
-                                    <p:cond delay="0"/>
-                                  </p:stCondLst>
-                                  <p:childTnLst>
-                                    <p:set>
-                                      <p:cBhvr>
-                                        <p:cTn id="14" dur="1" fill="hold">
-                                          <p:stCondLst>
-                                            <p:cond delay="0"/>
-                                          </p:stCondLst>
-                                        </p:cTn>
-                                        <p:tgtEl>
-                                          <p:spTgt spid="3">
-                                            <p:txEl>
-                                              <p:pRg st="2" end="2"/>
-                                            </p:txEl>
-                                          </p:spTgt>
-                                        </p:tgtEl>
-                                        <p:attrNameLst>
-                                          <p:attrName>style.visibility</p:attrName>
-                                        </p:attrNameLst>
-                                      </p:cBhvr>
-                                      <p:to>
-                                        <p:strVal val="visible"/>
-                                      </p:to>
-                                    </p:set>
-                                  </p:childTnLst>
-                                </p:cTn>
-                              </p:par>
-                            </p:childTnLst>
-                          </p:cTn>
-                        </p:par>
-                      </p:childTnLst>
-                    </p:cTn>
-                  </p:par>
-                  <p:par>
-                    <p:cTn id="15" fill="hold">
-                      <p:stCondLst>
-                        <p:cond delay="indefinite"/>
-                      </p:stCondLst>
-                      <p:childTnLst>
-                        <p:par>
-                          <p:cTn id="16" fill="hold">
-                            <p:stCondLst>
-                              <p:cond delay="0"/>
-                            </p:stCondLst>
-                            <p:childTnLst>
-                              <p:par>
-                                <p:cTn id="17" presetID="1" presetClass="entr" presetSubtype="0" fill="hold" nodeType="clickEffect">
-                                  <p:stCondLst>
-                                    <p:cond delay="0"/>
-                                  </p:stCondLst>
-                                  <p:childTnLst>
-                                    <p:set>
-                                      <p:cBhvr>
-                                        <p:cTn id="18" dur="1" fill="hold">
-                                          <p:stCondLst>
-                                            <p:cond delay="0"/>
-                                          </p:stCondLst>
-                                        </p:cTn>
-                                        <p:tgtEl>
-                                          <p:spTgt spid="3">
-                                            <p:txEl>
-                                              <p:pRg st="3" end="3"/>
-                                            </p:txEl>
-                                          </p:spTgt>
-                                        </p:tgtEl>
-                                        <p:attrNameLst>
-                                          <p:attrName>style.visibility</p:attrName>
-                                        </p:attrNameLst>
-                                      </p:cBhvr>
-                                      <p:to>
-                                        <p:strVal val="visible"/>
-                                      </p:to>
-                                    </p:set>
-                                  </p:childTnLst>
-                                </p:cTn>
-                              </p:par>
-                            </p:childTnLst>
-                          </p:cTn>
-                        </p:par>
-                      </p:childTnLst>
-                    </p:cTn>
-                  </p:par>
-                  <p:par>
-                    <p:cTn id="19" fill="hold">
-                      <p:stCondLst>
-                        <p:cond delay="indefinite"/>
-                      </p:stCondLst>
-                      <p:childTnLst>
-                        <p:par>
-                          <p:cTn id="20" fill="hold">
-                            <p:stCondLst>
-                              <p:cond delay="0"/>
-                            </p:stCondLst>
-                            <p:childTnLst>
-                              <p:par>
-                                <p:cTn id="21" presetID="1" presetClass="entr" presetSubtype="0" fill="hold" nodeType="clickEffect">
-                                  <p:stCondLst>
-                                    <p:cond delay="0"/>
-                                  </p:stCondLst>
-                                  <p:childTnLst>
-                                    <p:set>
-                                      <p:cBhvr>
-                                        <p:cTn id="22" dur="1" fill="hold">
-                                          <p:stCondLst>
-                                            <p:cond delay="0"/>
-                                          </p:stCondLst>
-                                        </p:cTn>
-                                        <p:tgtEl>
-                                          <p:spTgt spid="3">
-                                            <p:txEl>
-                                              <p:pRg st="4" end="4"/>
-                                            </p:txEl>
-                                          </p:spTgt>
-                                        </p:tgtEl>
-                                        <p:attrNameLst>
-                                          <p:attrName>style.visibility</p:attrName>
-                                        </p:attrNameLst>
-                                      </p:cBhvr>
-                                      <p:to>
-                                        <p:strVal val="visible"/>
-                                      </p:to>
-                                    </p:set>
-                                  </p:childTnLst>
-                                </p:cTn>
-                              </p:par>
-                            </p:childTnLst>
-                          </p:cTn>
-                        </p:par>
-                      </p:childTnLst>
-                    </p:cTn>
-                  </p:par>
-                  <p:par>
-                    <p:cTn id="23" fill="hold">
-                      <p:stCondLst>
-                        <p:cond delay="indefinite"/>
-                      </p:stCondLst>
-                      <p:childTnLst>
-                        <p:par>
-                          <p:cTn id="24" fill="hold">
-                            <p:stCondLst>
-                              <p:cond delay="0"/>
-                            </p:stCondLst>
-                            <p:childTnLst>
-                              <p:par>
-                                <p:cTn id="25" presetID="1" presetClass="entr" presetSubtype="0" fill="hold" nodeType="clickEffect">
-                                  <p:stCondLst>
-                                    <p:cond delay="0"/>
-                                  </p:stCondLst>
-                                  <p:childTnLst>
-                                    <p:set>
-                                      <p:cBhvr>
-                                        <p:cTn id="26" dur="1" fill="hold">
-                                          <p:stCondLst>
-                                            <p:cond delay="0"/>
-                                          </p:stCondLst>
-                                        </p:cTn>
-                                        <p:tgtEl>
-                                          <p:spTgt spid="3">
-                                            <p:txEl>
-                                              <p:pRg st="5" end="5"/>
-                                            </p:txEl>
-                                          </p:spTgt>
-                                        </p:tgtEl>
-                                        <p:attrNameLst>
-                                          <p:attrName>style.visibility</p:attrName>
-                                        </p:attrNameLst>
-                                      </p:cBhvr>
-                                      <p:to>
-                                        <p:strVal val="visible"/>
-                                      </p:to>
-                                    </p:set>
-                                  </p:childTnLst>
-                                </p:cTn>
-                              </p:par>
-                            </p:childTnLst>
-                          </p:cTn>
-                        </p:par>
-                      </p:childTnLst>
-                    </p:cTn>
-                  </p:par>
-                </p:childTnLst>
-              </p:cTn>
-              <p:prevCondLst>
-                <p:cond evt="onPrev" delay="0">
-                  <p:tgtEl>
-                    <p:sldTgt/>
-                  </p:tgtEl>
-                </p:cond>
-              </p:prevCondLst>
-              <p:nextCondLst>
-                <p:cond evt="onNext" delay="0">
-                  <p:tgtEl>
-                    <p:sldTgt/>
-                  </p:tgtEl>
-                </p:cond>
-              </p:nextCondLst>
-            </p:seq>
-          </p:childTnLst>
-        </p:cTn>
-      </p:par>
-    </p:tnLst>
-  </p:timing>
-</p:sld>
-</file>
-
-<file path=ppt/slides/slide14.xml><?xml version="1.0" encoding="utf-8"?>
-<p:sld xmlns:a="http://schemas.openxmlformats.org/drawingml/2006/main" xmlns:r="http://schemas.openxmlformats.org/officeDocument/2006/relationships" xmlns:p="http://schemas.openxmlformats.org/presentationml/2006/main">
-  <p:cSld>
-    <p:spTree>
-      <p:nvGrpSpPr>
-        <p:cNvPr id="1" name=""/>
-        <p:cNvGrpSpPr/>
-        <p:nvPr/>
-      </p:nvGrpSpPr>
-      <p:grpSpPr>
-        <a:xfrm>
-          <a:off x="0" y="0"/>
-          <a:ext cx="0" cy="0"/>
-          <a:chOff x="0" y="0"/>
-          <a:chExt cx="0" cy="0"/>
-        </a:xfrm>
-      </p:grpSpPr>
-      <p:sp>
-        <p:nvSpPr>
-          <p:cNvPr id="2" name="Title 1"/>
-          <p:cNvSpPr>
-            <a:spLocks noGrp="1"/>
-          </p:cNvSpPr>
-          <p:nvPr>
-            <p:ph type="title"/>
-          </p:nvPr>
-        </p:nvSpPr>
-        <p:spPr/>
-        <p:txBody>
-          <a:bodyPr/>
-          <a:lstStyle/>
-          <a:p>
-            <a:pPr>
-              <a:buNone/>
-            </a:pPr>
-            <a:r>
-              <a:rPr lang="sv-SE" dirty="0" smtClean="0"/>
-              <a:t>OO Not </a:t>
-            </a:r>
-            <a:r>
-              <a:rPr lang="sv-SE" dirty="0" err="1" smtClean="0"/>
-              <a:t>covered</a:t>
-            </a:r>
-            <a:endParaRPr lang="sv-SE" dirty="0"/>
-          </a:p>
-        </p:txBody>
-      </p:sp>
-      <p:sp>
-        <p:nvSpPr>
-          <p:cNvPr id="3" name="Content Placeholder 2"/>
-          <p:cNvSpPr>
-            <a:spLocks noGrp="1"/>
-          </p:cNvSpPr>
-          <p:nvPr>
-            <p:ph idx="1"/>
-          </p:nvPr>
-        </p:nvSpPr>
-        <p:spPr/>
-        <p:txBody>
-          <a:bodyPr/>
-          <a:lstStyle/>
-          <a:p>
-            <a:pPr marL="108000" indent="0">
-              <a:buNone/>
-            </a:pPr>
-            <a:endParaRPr lang="sv-SE" dirty="0" smtClean="0"/>
-          </a:p>
-          <a:p>
-            <a:pPr marL="108000" indent="0">
-              <a:buNone/>
-            </a:pPr>
-            <a:endParaRPr lang="sv-SE" dirty="0"/>
-          </a:p>
-        </p:txBody>
-      </p:sp>
-    </p:spTree>
-    <p:extLst>
-      <p:ext uri="{BB962C8B-B14F-4D97-AF65-F5344CB8AC3E}">
-        <p14:creationId xmlns:p14="http://schemas.microsoft.com/office/powerpoint/2010/main" val="3229594355"/>
-      </p:ext>
-    </p:extLst>
-  </p:cSld>
-  <p:clrMapOvr>
-    <a:masterClrMapping/>
-  </p:clrMapOvr>
-  <mc:AlternateContent xmlns:mc="http://schemas.openxmlformats.org/markup-compatibility/2006" xmlns:p14="http://schemas.microsoft.com/office/powerpoint/2010/main">
-    <mc:Choice Requires="p14">
-      <p:transition spd="slow" p14:dur="2000"/>
-    </mc:Choice>
-    <mc:Fallback xmlns="">
-      <p:transition spd="slow"/>
-    </mc:Fallback>
-  </mc:AlternateContent>
-  <p:timing>
-    <p:tnLst>
-      <p:par>
-        <p:cTn id="1" dur="indefinite" restart="never" nodeType="tmRoot"/>
-      </p:par>
-    </p:tnLst>
-  </p:timing>
-</p:sld>
-</file>
-
-<file path=ppt/slides/slide15.xml><?xml version="1.0" encoding="utf-8"?>
-<p:sld xmlns:a="http://schemas.openxmlformats.org/drawingml/2006/main" xmlns:r="http://schemas.openxmlformats.org/officeDocument/2006/relationships" xmlns:p="http://schemas.openxmlformats.org/presentationml/2006/main">
-  <p:cSld name="page10">
-    <p:spTree>
-      <p:nvGrpSpPr>
-        <p:cNvPr id="1" name=""/>
-        <p:cNvGrpSpPr/>
-        <p:nvPr/>
-      </p:nvGrpSpPr>
-      <p:grpSpPr>
-        <a:xfrm>
-          <a:off x="0" y="0"/>
-          <a:ext cx="0" cy="0"/>
-          <a:chOff x="0" y="0"/>
-          <a:chExt cx="0" cy="0"/>
-        </a:xfrm>
-      </p:grpSpPr>
-      <p:sp>
-        <p:nvSpPr>
-          <p:cNvPr id="2" name="TextShape 1"/>
-          <p:cNvSpPr/>
-          <p:nvPr/>
-        </p:nvSpPr>
-        <p:spPr>
-          <a:xfrm>
-            <a:off x="457200" y="274680"/>
-            <a:ext cx="8228880" cy="1142280"/>
-          </a:xfrm>
-          <a:custGeom>
-            <a:avLst/>
-            <a:gdLst>
-              <a:gd name="f0" fmla="val 0"/>
-              <a:gd name="f1" fmla="val 21600"/>
-            </a:gdLst>
-            <a:ahLst/>
-            <a:cxnLst>
-              <a:cxn ang="3cd4">
-                <a:pos x="hc" y="t"/>
-              </a:cxn>
-              <a:cxn ang="0">
-                <a:pos x="r" y="vc"/>
-              </a:cxn>
-              <a:cxn ang="cd4">
-                <a:pos x="hc" y="b"/>
-              </a:cxn>
-              <a:cxn ang="cd2">
-                <a:pos x="l" y="vc"/>
-              </a:cxn>
-            </a:cxnLst>
-            <a:rect l="l" t="t" r="r" b="b"/>
-            <a:pathLst>
-              <a:path w="21600" h="21600">
-                <a:moveTo>
-                  <a:pt x="f0" y="f0"/>
-                </a:moveTo>
-                <a:lnTo>
-                  <a:pt x="f1" y="f0"/>
-                </a:lnTo>
-                <a:lnTo>
-                  <a:pt x="f1" y="f1"/>
-                </a:lnTo>
-                <a:lnTo>
-                  <a:pt x="f0" y="f1"/>
-                </a:lnTo>
-                <a:lnTo>
-                  <a:pt x="f0" y="f0"/>
-                </a:lnTo>
-                <a:close/>
-              </a:path>
-            </a:pathLst>
-          </a:custGeom>
-          <a:noFill/>
-          <a:ln>
-            <a:noFill/>
-            <a:prstDash val="solid"/>
-          </a:ln>
-        </p:spPr>
-        <p:txBody>
-          <a:bodyPr vert="horz" wrap="square" lIns="90000" tIns="45000" rIns="90000" bIns="45000" anchor="t" compatLnSpc="0"/>
-          <a:lstStyle/>
-          <a:p>
-            <a:pPr marL="0" marR="0" lvl="0" indent="0" algn="ctr" rtl="0" hangingPunct="0">
-              <a:lnSpc>
-                <a:spcPct val="100000"/>
-              </a:lnSpc>
-              <a:spcBef>
-                <a:spcPts val="0"/>
-              </a:spcBef>
-              <a:spcAft>
-                <a:spcPts val="0"/>
-              </a:spcAft>
-              <a:buNone/>
-              <a:tabLst/>
-            </a:pPr>
-            <a:r>
-              <a:rPr lang="sv-SE" sz="4400" b="0" i="0" u="none" strike="noStrike" kern="1200" spc="0">
-                <a:ln>
-                  <a:noFill/>
-                </a:ln>
-                <a:solidFill>
-                  <a:srgbClr val="000000"/>
-                </a:solidFill>
-                <a:latin typeface="Calibri" pitchFamily="18"/>
-                <a:ea typeface="DejaVu Sans" pitchFamily="2"/>
-                <a:cs typeface="DejaVu Sans" pitchFamily="2"/>
-              </a:rPr>
-              <a:t>Lets look at some code</a:t>
-            </a:r>
-          </a:p>
-        </p:txBody>
-      </p:sp>
-    </p:spTree>
-  </p:cSld>
-  <p:clrMapOvr>
-    <a:masterClrMapping/>
-  </p:clrMapOvr>
-  <mc:AlternateContent xmlns:mc="http://schemas.openxmlformats.org/markup-compatibility/2006" xmlns:p14="http://schemas.microsoft.com/office/powerpoint/2010/main">
-    <mc:Choice Requires="p14">
-      <p:transition spd="slow" p14:dur="2000"/>
-    </mc:Choice>
-    <mc:Fallback xmlns="">
-      <p:transition spd="slow"/>
-    </mc:Fallback>
-  </mc:AlternateContent>
-  <p:timing>
-    <p:tnLst>
-      <p:par>
-        <p:cTn id="1" dur="indefinite" restart="never" nodeType="tmRoot"/>
-      </p:par>
-    </p:tnLst>
-  </p:timing>
-</p:sld>
-</file>
-
-<file path=ppt/slides/slide16.xml><?xml version="1.0" encoding="utf-8"?>
-<p:sld xmlns:a="http://schemas.openxmlformats.org/drawingml/2006/main" xmlns:r="http://schemas.openxmlformats.org/officeDocument/2006/relationships" xmlns:p="http://schemas.openxmlformats.org/presentationml/2006/main">
-  <p:cSld>
-    <p:spTree>
-      <p:nvGrpSpPr>
-        <p:cNvPr id="1" name=""/>
-        <p:cNvGrpSpPr/>
-        <p:nvPr/>
-      </p:nvGrpSpPr>
-      <p:grpSpPr>
-        <a:xfrm>
-          <a:off x="0" y="0"/>
-          <a:ext cx="0" cy="0"/>
-          <a:chOff x="0" y="0"/>
-          <a:chExt cx="0" cy="0"/>
-        </a:xfrm>
-      </p:grpSpPr>
-      <p:sp>
-        <p:nvSpPr>
-          <p:cNvPr id="2" name="Title 1"/>
-          <p:cNvSpPr>
-            <a:spLocks noGrp="1"/>
-          </p:cNvSpPr>
-          <p:nvPr>
-            <p:ph type="title"/>
-          </p:nvPr>
-        </p:nvSpPr>
-        <p:spPr/>
-        <p:txBody>
-          <a:bodyPr/>
-          <a:lstStyle/>
-          <a:p>
-            <a:pPr>
-              <a:buNone/>
-            </a:pPr>
-            <a:r>
-              <a:rPr lang="sv-SE" dirty="0" smtClean="0"/>
-              <a:t>Functions</a:t>
-            </a:r>
-            <a:endParaRPr lang="sv-SE" dirty="0"/>
-          </a:p>
-        </p:txBody>
-      </p:sp>
-      <p:sp>
-        <p:nvSpPr>
-          <p:cNvPr id="3" name="Content Placeholder 2"/>
-          <p:cNvSpPr>
-            <a:spLocks noGrp="1"/>
-          </p:cNvSpPr>
-          <p:nvPr>
-            <p:ph idx="1"/>
-          </p:nvPr>
-        </p:nvSpPr>
-        <p:spPr>
-          <a:xfrm>
-            <a:off x="457200" y="1604520"/>
-            <a:ext cx="8507288" cy="4525920"/>
-          </a:xfrm>
-        </p:spPr>
-        <p:txBody>
-          <a:bodyPr/>
-          <a:lstStyle/>
-          <a:p>
-            <a:pPr marL="108000" indent="0">
-              <a:buNone/>
-            </a:pPr>
-            <a:r>
-              <a:rPr lang="es-ES" dirty="0" smtClean="0">
-                <a:solidFill>
-                  <a:srgbClr val="0000FF"/>
-                </a:solidFill>
-                <a:latin typeface="Consolas"/>
-              </a:rPr>
-              <a:t>No (, ) </a:t>
-            </a:r>
-            <a:r>
-              <a:rPr lang="es-ES" dirty="0" err="1" smtClean="0">
-                <a:solidFill>
-                  <a:srgbClr val="0000FF"/>
-                </a:solidFill>
-                <a:latin typeface="Consolas"/>
-              </a:rPr>
-              <a:t>or</a:t>
-            </a:r>
-            <a:r>
-              <a:rPr lang="es-ES" dirty="0" smtClean="0">
-                <a:solidFill>
-                  <a:srgbClr val="0000FF"/>
-                </a:solidFill>
-                <a:latin typeface="Consolas"/>
-              </a:rPr>
-              <a:t> ,.</a:t>
-            </a:r>
-          </a:p>
-          <a:p>
-            <a:pPr marL="108000" indent="0">
-              <a:buNone/>
-            </a:pPr>
-            <a:r>
-              <a:rPr lang="es-ES" dirty="0" err="1" smtClean="0">
-                <a:solidFill>
-                  <a:srgbClr val="0000FF"/>
-                </a:solidFill>
-                <a:latin typeface="Consolas"/>
-              </a:rPr>
-              <a:t>let</a:t>
-            </a:r>
-            <a:r>
-              <a:rPr lang="es-ES" dirty="0" smtClean="0">
-                <a:solidFill>
-                  <a:prstClr val="black"/>
-                </a:solidFill>
-                <a:latin typeface="Consolas"/>
-              </a:rPr>
-              <a:t> </a:t>
-            </a:r>
-            <a:r>
-              <a:rPr lang="es-ES" dirty="0" err="1" smtClean="0">
-                <a:solidFill>
-                  <a:prstClr val="black"/>
-                </a:solidFill>
-                <a:latin typeface="Consolas"/>
-              </a:rPr>
-              <a:t>add</a:t>
-            </a:r>
-            <a:r>
-              <a:rPr lang="es-ES" dirty="0" smtClean="0">
-                <a:solidFill>
-                  <a:prstClr val="black"/>
-                </a:solidFill>
-                <a:latin typeface="Consolas"/>
-              </a:rPr>
-              <a:t> x y = x + y</a:t>
-            </a:r>
-          </a:p>
-          <a:p>
-            <a:pPr marL="108000" indent="0">
-              <a:buNone/>
-            </a:pPr>
-            <a:r>
-              <a:rPr lang="sv-SE" dirty="0" smtClean="0">
-                <a:solidFill>
-                  <a:srgbClr val="0000FF"/>
-                </a:solidFill>
-                <a:latin typeface="Consolas"/>
-              </a:rPr>
-              <a:t>let</a:t>
-            </a:r>
-            <a:r>
-              <a:rPr lang="sv-SE" dirty="0" smtClean="0">
-                <a:solidFill>
-                  <a:prstClr val="black"/>
-                </a:solidFill>
-                <a:latin typeface="Consolas"/>
-              </a:rPr>
-              <a:t> </a:t>
-            </a:r>
-            <a:r>
-              <a:rPr lang="sv-SE" dirty="0">
-                <a:solidFill>
-                  <a:prstClr val="black"/>
-                </a:solidFill>
-                <a:latin typeface="Consolas"/>
-              </a:rPr>
-              <a:t>four = </a:t>
-            </a:r>
-            <a:r>
-              <a:rPr lang="sv-SE" dirty="0" smtClean="0">
-                <a:solidFill>
-                  <a:prstClr val="black"/>
-                </a:solidFill>
-                <a:latin typeface="Consolas"/>
-              </a:rPr>
-              <a:t>add 2 </a:t>
-            </a:r>
-            <a:r>
-              <a:rPr lang="sv-SE" dirty="0">
-                <a:solidFill>
-                  <a:prstClr val="black"/>
-                </a:solidFill>
-                <a:latin typeface="Consolas"/>
-              </a:rPr>
-              <a:t>2</a:t>
-            </a:r>
-          </a:p>
-          <a:p>
-            <a:pPr marL="108000" indent="0">
-              <a:buNone/>
-            </a:pPr>
-            <a:endParaRPr lang="sv-SE" dirty="0">
-              <a:solidFill>
-                <a:prstClr val="black"/>
-              </a:solidFill>
-              <a:latin typeface="Consolas"/>
-            </a:endParaRPr>
-          </a:p>
-          <a:p>
-            <a:pPr marL="108000" indent="0">
-              <a:buNone/>
-            </a:pPr>
-            <a:endParaRPr lang="es-ES" dirty="0" smtClean="0"/>
-          </a:p>
-        </p:txBody>
-      </p:sp>
-    </p:spTree>
-    <p:extLst>
-      <p:ext uri="{BB962C8B-B14F-4D97-AF65-F5344CB8AC3E}">
-        <p14:creationId xmlns:p14="http://schemas.microsoft.com/office/powerpoint/2010/main" val="3826616327"/>
-      </p:ext>
-    </p:extLst>
-  </p:cSld>
-  <p:clrMapOvr>
-    <a:masterClrMapping/>
-  </p:clrMapOvr>
-  <mc:AlternateContent xmlns:mc="http://schemas.openxmlformats.org/markup-compatibility/2006" xmlns:p14="http://schemas.microsoft.com/office/powerpoint/2010/main">
-    <mc:Choice Requires="p14">
-      <p:transition spd="slow" p14:dur="2000"/>
-    </mc:Choice>
-    <mc:Fallback xmlns="">
-      <p:transition spd="slow"/>
-    </mc:Fallback>
-  </mc:AlternateContent>
-  <p:timing>
-    <p:tnLst>
-      <p:par>
-        <p:cTn id="1" dur="indefinite" restart="never" nodeType="tmRoot">
-          <p:childTnLst>
-            <p:seq concurrent="1" nextAc="seek">
-              <p:cTn id="2" dur="indefinite" nodeType="mainSeq">
-                <p:childTnLst>
-                  <p:par>
-                    <p:cTn id="3" fill="hold">
-                      <p:stCondLst>
-                        <p:cond delay="indefinite"/>
-                      </p:stCondLst>
-                      <p:childTnLst>
-                        <p:par>
-                          <p:cTn id="4" fill="hold">
-                            <p:stCondLst>
-                              <p:cond delay="0"/>
-                            </p:stCondLst>
-                            <p:childTnLst>
-                              <p:par>
-                                <p:cTn id="5" presetID="2" presetClass="entr" presetSubtype="4" fill="hold" nodeType="clickEffect">
-                                  <p:stCondLst>
-                                    <p:cond delay="0"/>
-                                  </p:stCondLst>
-                                  <p:childTnLst>
-                                    <p:set>
-                                      <p:cBhvr>
-                                        <p:cTn id="6" dur="1" fill="hold">
-                                          <p:stCondLst>
-                                            <p:cond delay="0"/>
-                                          </p:stCondLst>
-                                        </p:cTn>
-                                        <p:tgtEl>
-                                          <p:spTgt spid="3">
-                                            <p:txEl>
-                                              <p:pRg st="0" end="0"/>
-                                            </p:txEl>
-                                          </p:spTgt>
-                                        </p:tgtEl>
-                                        <p:attrNameLst>
-                                          <p:attrName>style.visibility</p:attrName>
-                                        </p:attrNameLst>
-                                      </p:cBhvr>
-                                      <p:to>
-                                        <p:strVal val="visible"/>
-                                      </p:to>
-                                    </p:set>
-                                    <p:anim calcmode="lin" valueType="num">
-                                      <p:cBhvr additive="base">
-                                        <p:cTn id="7" dur="500" fill="hold"/>
-                                        <p:tgtEl>
-                                          <p:spTgt spid="3">
-                                            <p:txEl>
-                                              <p:pRg st="0" end="0"/>
-                                            </p:txEl>
-                                          </p:spTgt>
-                                        </p:tgtEl>
-                                        <p:attrNameLst>
-                                          <p:attrName>ppt_x</p:attrName>
-                                        </p:attrNameLst>
-                                      </p:cBhvr>
-                                      <p:tavLst>
-                                        <p:tav tm="0">
-                                          <p:val>
-                                            <p:strVal val="#ppt_x"/>
-                                          </p:val>
-                                        </p:tav>
-                                        <p:tav tm="100000">
-                                          <p:val>
-                                            <p:strVal val="#ppt_x"/>
-                                          </p:val>
-                                        </p:tav>
-                                      </p:tavLst>
-                                    </p:anim>
-                                    <p:anim calcmode="lin" valueType="num">
-                                      <p:cBhvr additive="base">
-                                        <p:cTn id="8" dur="500" fill="hold"/>
-                                        <p:tgtEl>
-                                          <p:spTgt spid="3">
-                                            <p:txEl>
-                                              <p:pRg st="0" end="0"/>
-                                            </p:txEl>
-                                          </p:spTgt>
-                                        </p:tgtEl>
-                                        <p:attrNameLst>
-                                          <p:attrName>ppt_y</p:attrName>
-                                        </p:attrNameLst>
-                                      </p:cBhvr>
-                                      <p:tavLst>
-                                        <p:tav tm="0">
-                                          <p:val>
-                                            <p:strVal val="1+#ppt_h/2"/>
-                                          </p:val>
-                                        </p:tav>
-                                        <p:tav tm="100000">
-                                          <p:val>
-                                            <p:strVal val="#ppt_y"/>
-                                          </p:val>
-                                        </p:tav>
-                                      </p:tavLst>
-                                    </p:anim>
-                                  </p:childTnLst>
-                                </p:cTn>
-                              </p:par>
-                              <p:par>
-                                <p:cTn id="9" presetID="2" presetClass="entr" presetSubtype="4" fill="hold" nodeType="withEffect">
-                                  <p:stCondLst>
-                                    <p:cond delay="0"/>
-                                  </p:stCondLst>
-                                  <p:childTnLst>
-                                    <p:set>
-                                      <p:cBhvr>
-                                        <p:cTn id="10" dur="1" fill="hold">
-                                          <p:stCondLst>
-                                            <p:cond delay="0"/>
-                                          </p:stCondLst>
-                                        </p:cTn>
-                                        <p:tgtEl>
-                                          <p:spTgt spid="3">
-                                            <p:txEl>
-                                              <p:pRg st="1" end="1"/>
-                                            </p:txEl>
-                                          </p:spTgt>
-                                        </p:tgtEl>
-                                        <p:attrNameLst>
-                                          <p:attrName>style.visibility</p:attrName>
-                                        </p:attrNameLst>
-                                      </p:cBhvr>
-                                      <p:to>
-                                        <p:strVal val="visible"/>
-                                      </p:to>
-                                    </p:set>
-                                    <p:anim calcmode="lin" valueType="num">
-                                      <p:cBhvr additive="base">
-                                        <p:cTn id="11" dur="500" fill="hold"/>
-                                        <p:tgtEl>
-                                          <p:spTgt spid="3">
-                                            <p:txEl>
-                                              <p:pRg st="1" end="1"/>
-                                            </p:txEl>
-                                          </p:spTgt>
-                                        </p:tgtEl>
-                                        <p:attrNameLst>
-                                          <p:attrName>ppt_x</p:attrName>
-                                        </p:attrNameLst>
-                                      </p:cBhvr>
-                                      <p:tavLst>
-                                        <p:tav tm="0">
-                                          <p:val>
-                                            <p:strVal val="#ppt_x"/>
-                                          </p:val>
-                                        </p:tav>
-                                        <p:tav tm="100000">
-                                          <p:val>
-                                            <p:strVal val="#ppt_x"/>
-                                          </p:val>
-                                        </p:tav>
-                                      </p:tavLst>
-                                    </p:anim>
-                                    <p:anim calcmode="lin" valueType="num">
-                                      <p:cBhvr additive="base">
-                                        <p:cTn id="12" dur="500" fill="hold"/>
-                                        <p:tgtEl>
-                                          <p:spTgt spid="3">
-                                            <p:txEl>
-                                              <p:pRg st="1" end="1"/>
-                                            </p:txEl>
-                                          </p:spTgt>
-                                        </p:tgtEl>
-                                        <p:attrNameLst>
-                                          <p:attrName>ppt_y</p:attrName>
-                                        </p:attrNameLst>
-                                      </p:cBhvr>
-                                      <p:tavLst>
-                                        <p:tav tm="0">
-                                          <p:val>
-                                            <p:strVal val="1+#ppt_h/2"/>
-                                          </p:val>
-                                        </p:tav>
-                                        <p:tav tm="100000">
-                                          <p:val>
-                                            <p:strVal val="#ppt_y"/>
-                                          </p:val>
-                                        </p:tav>
-                                      </p:tavLst>
-                                    </p:anim>
-                                  </p:childTnLst>
-                                </p:cTn>
-                              </p:par>
-                              <p:par>
-                                <p:cTn id="13" presetID="2" presetClass="entr" presetSubtype="4" fill="hold" nodeType="withEffect">
-                                  <p:stCondLst>
-                                    <p:cond delay="0"/>
-                                  </p:stCondLst>
-                                  <p:childTnLst>
-                                    <p:set>
-                                      <p:cBhvr>
-                                        <p:cTn id="14" dur="1" fill="hold">
-                                          <p:stCondLst>
-                                            <p:cond delay="0"/>
-                                          </p:stCondLst>
-                                        </p:cTn>
-                                        <p:tgtEl>
-                                          <p:spTgt spid="3">
-                                            <p:txEl>
-                                              <p:pRg st="2" end="2"/>
-                                            </p:txEl>
-                                          </p:spTgt>
-                                        </p:tgtEl>
-                                        <p:attrNameLst>
-                                          <p:attrName>style.visibility</p:attrName>
-                                        </p:attrNameLst>
-                                      </p:cBhvr>
-                                      <p:to>
-                                        <p:strVal val="visible"/>
-                                      </p:to>
-                                    </p:set>
-                                    <p:anim calcmode="lin" valueType="num">
-                                      <p:cBhvr additive="base">
-                                        <p:cTn id="15" dur="500" fill="hold"/>
-                                        <p:tgtEl>
-                                          <p:spTgt spid="3">
-                                            <p:txEl>
-                                              <p:pRg st="2" end="2"/>
-                                            </p:txEl>
-                                          </p:spTgt>
-                                        </p:tgtEl>
-                                        <p:attrNameLst>
-                                          <p:attrName>ppt_x</p:attrName>
-                                        </p:attrNameLst>
-                                      </p:cBhvr>
-                                      <p:tavLst>
-                                        <p:tav tm="0">
-                                          <p:val>
-                                            <p:strVal val="#ppt_x"/>
-                                          </p:val>
-                                        </p:tav>
-                                        <p:tav tm="100000">
-                                          <p:val>
-                                            <p:strVal val="#ppt_x"/>
-                                          </p:val>
-                                        </p:tav>
-                                      </p:tavLst>
-                                    </p:anim>
-                                    <p:anim calcmode="lin" valueType="num">
-                                      <p:cBhvr additive="base">
-                                        <p:cTn id="16" dur="500" fill="hold"/>
-                                        <p:tgtEl>
-                                          <p:spTgt spid="3">
-                                            <p:txEl>
-                                              <p:pRg st="2" end="2"/>
-                                            </p:txEl>
-                                          </p:spTgt>
-                                        </p:tgtEl>
-                                        <p:attrNameLst>
-                                          <p:attrName>ppt_y</p:attrName>
-                                        </p:attrNameLst>
-                                      </p:cBhvr>
-                                      <p:tavLst>
-                                        <p:tav tm="0">
-                                          <p:val>
-                                            <p:strVal val="1+#ppt_h/2"/>
-                                          </p:val>
-                                        </p:tav>
-                                        <p:tav tm="100000">
-                                          <p:val>
-                                            <p:strVal val="#ppt_y"/>
-                                          </p:val>
-                                        </p:tav>
-                                      </p:tavLst>
-                                    </p:anim>
-                                  </p:childTnLst>
-                                </p:cTn>
-                              </p:par>
-                            </p:childTnLst>
-                          </p:cTn>
-                        </p:par>
-                      </p:childTnLst>
-                    </p:cTn>
-                  </p:par>
-                </p:childTnLst>
-              </p:cTn>
-              <p:prevCondLst>
-                <p:cond evt="onPrev" delay="0">
-                  <p:tgtEl>
-                    <p:sldTgt/>
-                  </p:tgtEl>
-                </p:cond>
-              </p:prevCondLst>
-              <p:nextCondLst>
-                <p:cond evt="onNext" delay="0">
-                  <p:tgtEl>
-                    <p:sldTgt/>
-                  </p:tgtEl>
-                </p:cond>
-              </p:nextCondLst>
-            </p:seq>
-          </p:childTnLst>
-        </p:cTn>
-      </p:par>
-    </p:tnLst>
-  </p:timing>
-</p:sld>
-</file>
-
-<file path=ppt/slides/slide17.xml><?xml version="1.0" encoding="utf-8"?>
-<p:sld xmlns:a="http://schemas.openxmlformats.org/drawingml/2006/main" xmlns:r="http://schemas.openxmlformats.org/officeDocument/2006/relationships" xmlns:p="http://schemas.openxmlformats.org/presentationml/2006/main">
-  <p:cSld>
-    <p:spTree>
-      <p:nvGrpSpPr>
-        <p:cNvPr id="1" name=""/>
-        <p:cNvGrpSpPr/>
-        <p:nvPr/>
-      </p:nvGrpSpPr>
-      <p:grpSpPr>
-        <a:xfrm>
-          <a:off x="0" y="0"/>
-          <a:ext cx="0" cy="0"/>
-          <a:chOff x="0" y="0"/>
-          <a:chExt cx="0" cy="0"/>
-        </a:xfrm>
-      </p:grpSpPr>
-      <p:sp>
-        <p:nvSpPr>
-          <p:cNvPr id="2" name="Title 1"/>
-          <p:cNvSpPr>
-            <a:spLocks noGrp="1"/>
-          </p:cNvSpPr>
-          <p:nvPr>
-            <p:ph type="title"/>
-          </p:nvPr>
-        </p:nvSpPr>
-        <p:spPr/>
-        <p:txBody>
-          <a:bodyPr/>
-          <a:lstStyle/>
-          <a:p>
-            <a:pPr>
-              <a:buNone/>
-            </a:pPr>
-            <a:r>
-              <a:rPr lang="sv-SE" dirty="0" smtClean="0"/>
-              <a:t>Partial application</a:t>
-            </a:r>
-            <a:endParaRPr lang="sv-SE" dirty="0"/>
-          </a:p>
-        </p:txBody>
-      </p:sp>
-      <p:sp>
-        <p:nvSpPr>
-          <p:cNvPr id="3" name="Content Placeholder 2"/>
-          <p:cNvSpPr>
-            <a:spLocks noGrp="1"/>
-          </p:cNvSpPr>
-          <p:nvPr>
-            <p:ph idx="1"/>
-          </p:nvPr>
-        </p:nvSpPr>
-        <p:spPr>
-          <a:xfrm>
-            <a:off x="323528" y="1556792"/>
-            <a:ext cx="8568952" cy="4525920"/>
-          </a:xfrm>
-        </p:spPr>
-        <p:txBody>
-          <a:bodyPr/>
-          <a:lstStyle/>
-          <a:p>
-            <a:pPr marL="108000" indent="0">
-              <a:buNone/>
-            </a:pPr>
-            <a:r>
-              <a:rPr lang="es-ES" dirty="0" err="1">
-                <a:solidFill>
-                  <a:srgbClr val="0000FF"/>
-                </a:solidFill>
-                <a:latin typeface="Consolas"/>
-              </a:rPr>
-              <a:t>let</a:t>
-            </a:r>
-            <a:r>
-              <a:rPr lang="es-ES" dirty="0">
-                <a:solidFill>
-                  <a:prstClr val="black"/>
-                </a:solidFill>
-                <a:latin typeface="Consolas"/>
-              </a:rPr>
-              <a:t> </a:t>
-            </a:r>
-            <a:r>
-              <a:rPr lang="es-ES" dirty="0" err="1">
-                <a:solidFill>
-                  <a:prstClr val="black"/>
-                </a:solidFill>
-                <a:latin typeface="Consolas"/>
-              </a:rPr>
-              <a:t>add</a:t>
-            </a:r>
-            <a:r>
-              <a:rPr lang="es-ES" dirty="0">
-                <a:solidFill>
-                  <a:prstClr val="black"/>
-                </a:solidFill>
-                <a:latin typeface="Consolas"/>
-              </a:rPr>
-              <a:t> x y = x + </a:t>
-            </a:r>
-            <a:r>
-              <a:rPr lang="es-ES" dirty="0" smtClean="0">
-                <a:solidFill>
-                  <a:prstClr val="black"/>
-                </a:solidFill>
-                <a:latin typeface="Consolas"/>
-              </a:rPr>
-              <a:t>y</a:t>
-            </a:r>
-            <a:endParaRPr lang="es-ES" dirty="0" smtClean="0">
-              <a:solidFill>
-                <a:srgbClr val="0000FF"/>
-              </a:solidFill>
-              <a:latin typeface="Consolas"/>
-            </a:endParaRPr>
-          </a:p>
-          <a:p>
-            <a:pPr marL="108000" indent="0">
-              <a:buNone/>
-            </a:pPr>
-            <a:r>
-              <a:rPr lang="es-ES" dirty="0" err="1" smtClean="0">
-                <a:solidFill>
-                  <a:srgbClr val="0000FF"/>
-                </a:solidFill>
-                <a:latin typeface="Consolas"/>
-              </a:rPr>
-              <a:t>let</a:t>
-            </a:r>
-            <a:r>
-              <a:rPr lang="es-ES" dirty="0" smtClean="0">
-                <a:solidFill>
-                  <a:prstClr val="black"/>
-                </a:solidFill>
-                <a:latin typeface="Consolas"/>
-              </a:rPr>
-              <a:t> </a:t>
-            </a:r>
-            <a:r>
-              <a:rPr lang="es-ES" dirty="0" err="1" smtClean="0">
-                <a:solidFill>
-                  <a:prstClr val="black"/>
-                </a:solidFill>
-                <a:latin typeface="Consolas"/>
-              </a:rPr>
-              <a:t>add</a:t>
-            </a:r>
-            <a:r>
-              <a:rPr lang="es-ES" dirty="0" smtClean="0">
-                <a:solidFill>
-                  <a:prstClr val="black"/>
-                </a:solidFill>
-                <a:latin typeface="Consolas"/>
-              </a:rPr>
-              <a:t> </a:t>
-            </a:r>
-            <a:r>
-              <a:rPr lang="es-ES" dirty="0">
-                <a:solidFill>
-                  <a:prstClr val="black"/>
-                </a:solidFill>
-                <a:latin typeface="Consolas"/>
-              </a:rPr>
-              <a:t>= </a:t>
-            </a:r>
-            <a:r>
-              <a:rPr lang="es-ES" dirty="0" err="1">
-                <a:solidFill>
-                  <a:srgbClr val="0000FF"/>
-                </a:solidFill>
-                <a:latin typeface="Consolas"/>
-              </a:rPr>
-              <a:t>fun</a:t>
-            </a:r>
-            <a:r>
-              <a:rPr lang="es-ES" dirty="0">
-                <a:solidFill>
-                  <a:prstClr val="black"/>
-                </a:solidFill>
-                <a:latin typeface="Consolas"/>
-              </a:rPr>
-              <a:t> x </a:t>
-            </a:r>
-            <a:r>
-              <a:rPr lang="es-ES" dirty="0">
-                <a:solidFill>
-                  <a:srgbClr val="0000FF"/>
-                </a:solidFill>
-                <a:latin typeface="Consolas"/>
-              </a:rPr>
-              <a:t>-&gt;</a:t>
-            </a:r>
-            <a:r>
-              <a:rPr lang="es-ES" dirty="0">
-                <a:solidFill>
-                  <a:prstClr val="black"/>
-                </a:solidFill>
-                <a:latin typeface="Consolas"/>
-              </a:rPr>
-              <a:t> </a:t>
-            </a:r>
-            <a:r>
-              <a:rPr lang="es-ES" dirty="0" err="1">
-                <a:solidFill>
-                  <a:srgbClr val="0000FF"/>
-                </a:solidFill>
-                <a:latin typeface="Consolas"/>
-              </a:rPr>
-              <a:t>fun</a:t>
-            </a:r>
-            <a:r>
-              <a:rPr lang="es-ES" dirty="0">
-                <a:solidFill>
-                  <a:prstClr val="black"/>
-                </a:solidFill>
-                <a:latin typeface="Consolas"/>
-              </a:rPr>
-              <a:t> y </a:t>
-            </a:r>
-            <a:r>
-              <a:rPr lang="es-ES" dirty="0">
-                <a:solidFill>
-                  <a:srgbClr val="0000FF"/>
-                </a:solidFill>
-                <a:latin typeface="Consolas"/>
-              </a:rPr>
-              <a:t>-&gt;</a:t>
-            </a:r>
-            <a:r>
-              <a:rPr lang="es-ES" dirty="0">
-                <a:solidFill>
-                  <a:prstClr val="black"/>
-                </a:solidFill>
-                <a:latin typeface="Consolas"/>
-              </a:rPr>
-              <a:t> x + y</a:t>
-            </a:r>
-          </a:p>
-          <a:p>
-            <a:pPr marL="108000" indent="0">
-              <a:buNone/>
-            </a:pPr>
-            <a:endParaRPr lang="sv-SE" dirty="0"/>
-          </a:p>
-        </p:txBody>
-      </p:sp>
-    </p:spTree>
-    <p:extLst>
-      <p:ext uri="{BB962C8B-B14F-4D97-AF65-F5344CB8AC3E}">
-        <p14:creationId xmlns:p14="http://schemas.microsoft.com/office/powerpoint/2010/main" val="2993492193"/>
-      </p:ext>
-    </p:extLst>
-  </p:cSld>
-  <p:clrMapOvr>
-    <a:masterClrMapping/>
-  </p:clrMapOvr>
-  <mc:AlternateContent xmlns:mc="http://schemas.openxmlformats.org/markup-compatibility/2006" xmlns:p14="http://schemas.microsoft.com/office/powerpoint/2010/main">
-    <mc:Choice Requires="p14">
-      <p:transition spd="slow" p14:dur="2000"/>
-    </mc:Choice>
-    <mc:Fallback xmlns="">
-      <p:transition spd="slow"/>
-    </mc:Fallback>
-  </mc:AlternateContent>
-  <p:timing>
-    <p:tnLst>
-      <p:par>
-        <p:cTn id="1" dur="indefinite" restart="never" nodeType="tmRoot"/>
       </p:par>
     </p:tnLst>
   </p:timing>
@@ -11490,11 +13123,7 @@
             </a:r>
             <a:r>
               <a:rPr lang="sv-SE" dirty="0" smtClean="0"/>
-              <a:t> </a:t>
-            </a:r>
-            <a:r>
-              <a:rPr lang="sv-SE" dirty="0" smtClean="0"/>
-              <a:t>I </a:t>
+              <a:t> I </a:t>
             </a:r>
             <a:r>
               <a:rPr lang="sv-SE" dirty="0" err="1" smtClean="0"/>
@@ -12040,11 +13669,7 @@
             </a:r>
             <a:r>
               <a:rPr lang="sv-SE" dirty="0" smtClean="0"/>
-              <a:t> </a:t>
-            </a:r>
-            <a:r>
-              <a:rPr lang="sv-SE" dirty="0" smtClean="0"/>
-              <a:t>and the </a:t>
+              <a:t> and the </a:t>
             </a:r>
             <a:r>
               <a:rPr lang="sv-SE" dirty="0" err="1" smtClean="0"/>
@@ -12126,11 +13751,7 @@
             <a:pPr lvl="1"/>
             <a:r>
               <a:rPr lang="sv-SE" dirty="0" smtClean="0"/>
-              <a:t>Server </a:t>
-            </a:r>
-            <a:r>
-              <a:rPr lang="sv-SE" dirty="0" smtClean="0"/>
-              <a:t>CPUs 12 </a:t>
+              <a:t>Server CPUs 12 </a:t>
             </a:r>
             <a:r>
               <a:rPr lang="sv-SE" dirty="0" err="1" smtClean="0"/>
@@ -12292,7 +13913,6 @@
               <a:rPr lang="sv-SE" dirty="0" smtClean="0"/>
               <a:t>?</a:t>
             </a:r>
-            <a:endParaRPr lang="sv-SE" dirty="0" smtClean="0"/>
           </a:p>
           <a:p>
             <a:endParaRPr lang="sv-SE" dirty="0" smtClean="0"/>
@@ -13555,7 +15175,7 @@
 
 <file path=ppt/slides/slide9.xml><?xml version="1.0" encoding="utf-8"?>
 <p:sld xmlns:a="http://schemas.openxmlformats.org/drawingml/2006/main" xmlns:r="http://schemas.openxmlformats.org/officeDocument/2006/relationships" xmlns:p="http://schemas.openxmlformats.org/presentationml/2006/main">
-  <p:cSld name="page8">
+  <p:cSld>
     <p:spTree>
       <p:nvGrpSpPr>
         <p:cNvPr id="1" name=""/>
@@ -13572,1759 +15192,153 @@
       </p:grpSpPr>
       <p:sp>
         <p:nvSpPr>
-          <p:cNvPr id="2" name="TextShape 1"/>
-          <p:cNvSpPr/>
-          <p:nvPr/>
+          <p:cNvPr id="2" name="Title 1"/>
+          <p:cNvSpPr>
+            <a:spLocks noGrp="1"/>
+          </p:cNvSpPr>
+          <p:nvPr>
+            <p:ph type="title"/>
+          </p:nvPr>
         </p:nvSpPr>
-        <p:spPr>
-          <a:xfrm>
-            <a:off x="457200" y="274680"/>
-            <a:ext cx="8228880" cy="1142280"/>
-          </a:xfrm>
-          <a:custGeom>
-            <a:avLst/>
-            <a:gdLst>
-              <a:gd name="f0" fmla="val 0"/>
-              <a:gd name="f1" fmla="val 21600"/>
-            </a:gdLst>
-            <a:ahLst/>
-            <a:cxnLst>
-              <a:cxn ang="3cd4">
-                <a:pos x="hc" y="t"/>
-              </a:cxn>
-              <a:cxn ang="0">
-                <a:pos x="r" y="vc"/>
-              </a:cxn>
-              <a:cxn ang="cd4">
-                <a:pos x="hc" y="b"/>
-              </a:cxn>
-              <a:cxn ang="cd2">
-                <a:pos x="l" y="vc"/>
-              </a:cxn>
-            </a:cxnLst>
-            <a:rect l="l" t="t" r="r" b="b"/>
-            <a:pathLst>
-              <a:path w="21600" h="21600">
-                <a:moveTo>
-                  <a:pt x="f0" y="f0"/>
-                </a:moveTo>
-                <a:lnTo>
-                  <a:pt x="f1" y="f0"/>
-                </a:lnTo>
-                <a:lnTo>
-                  <a:pt x="f1" y="f1"/>
-                </a:lnTo>
-                <a:lnTo>
-                  <a:pt x="f0" y="f1"/>
-                </a:lnTo>
-                <a:lnTo>
-                  <a:pt x="f0" y="f0"/>
-                </a:lnTo>
-                <a:close/>
-              </a:path>
-            </a:pathLst>
-          </a:custGeom>
-          <a:noFill/>
-          <a:ln>
-            <a:noFill/>
-            <a:prstDash val="solid"/>
-          </a:ln>
-        </p:spPr>
+        <p:spPr/>
         <p:txBody>
-          <a:bodyPr vert="horz" wrap="square" lIns="90000" tIns="45000" rIns="90000" bIns="45000" anchor="t" compatLnSpc="0"/>
+          <a:bodyPr/>
           <a:lstStyle/>
           <a:p>
-            <a:pPr marL="0" marR="0" lvl="0" indent="0" algn="ctr" rtl="0" hangingPunct="0">
-              <a:lnSpc>
-                <a:spcPct val="100000"/>
-              </a:lnSpc>
-              <a:spcBef>
-                <a:spcPts val="0"/>
-              </a:spcBef>
-              <a:spcAft>
-                <a:spcPts val="0"/>
-              </a:spcAft>
-              <a:buNone/>
-              <a:tabLst/>
+            <a:pPr>
+              <a:buNone/>
             </a:pPr>
             <a:r>
-              <a:rPr lang="sv-SE" sz="4400" b="0" i="0" u="none" strike="noStrike" kern="1200" spc="0">
-                <a:ln>
-                  <a:noFill/>
-                </a:ln>
-                <a:solidFill>
-                  <a:srgbClr val="000000"/>
-                </a:solidFill>
-                <a:latin typeface="Calibri" pitchFamily="18"/>
-                <a:ea typeface="DejaVu Sans" pitchFamily="2"/>
-                <a:cs typeface="DejaVu Sans" pitchFamily="2"/>
-              </a:rPr>
-              <a:t>SOLID</a:t>
-            </a:r>
+              <a:rPr lang="sv-SE" dirty="0" err="1" smtClean="0"/>
+              <a:t>Why</a:t>
+            </a:r>
+            <a:r>
+              <a:rPr lang="sv-SE" dirty="0" smtClean="0"/>
+              <a:t> is fp not </a:t>
+            </a:r>
+            <a:r>
+              <a:rPr lang="sv-SE" dirty="0" err="1" smtClean="0"/>
+              <a:t>more</a:t>
+            </a:r>
+            <a:r>
+              <a:rPr lang="sv-SE" dirty="0" smtClean="0"/>
+              <a:t> </a:t>
+            </a:r>
+            <a:r>
+              <a:rPr lang="sv-SE" dirty="0" err="1" smtClean="0"/>
+              <a:t>popular</a:t>
+            </a:r>
+            <a:r>
+              <a:rPr lang="sv-SE" dirty="0" smtClean="0"/>
+              <a:t>?</a:t>
+            </a:r>
+            <a:endParaRPr lang="sv-SE" dirty="0"/>
           </a:p>
         </p:txBody>
       </p:sp>
       <p:sp>
         <p:nvSpPr>
-          <p:cNvPr id="3" name="TextShape 2"/>
-          <p:cNvSpPr/>
-          <p:nvPr/>
+          <p:cNvPr id="3" name="Content Placeholder 2"/>
+          <p:cNvSpPr>
+            <a:spLocks noGrp="1"/>
+          </p:cNvSpPr>
+          <p:nvPr>
+            <p:ph idx="1"/>
+          </p:nvPr>
         </p:nvSpPr>
-        <p:spPr>
-          <a:xfrm>
-            <a:off x="457200" y="1600201"/>
-            <a:ext cx="8228880" cy="4997152"/>
-          </a:xfrm>
-          <a:custGeom>
-            <a:avLst/>
-            <a:gdLst>
-              <a:gd name="f0" fmla="val 0"/>
-              <a:gd name="f1" fmla="val 21600"/>
-            </a:gdLst>
-            <a:ahLst/>
-            <a:cxnLst>
-              <a:cxn ang="3cd4">
-                <a:pos x="hc" y="t"/>
-              </a:cxn>
-              <a:cxn ang="0">
-                <a:pos x="r" y="vc"/>
-              </a:cxn>
-              <a:cxn ang="cd4">
-                <a:pos x="hc" y="b"/>
-              </a:cxn>
-              <a:cxn ang="cd2">
-                <a:pos x="l" y="vc"/>
-              </a:cxn>
-            </a:cxnLst>
-            <a:rect l="l" t="t" r="r" b="b"/>
-            <a:pathLst>
-              <a:path w="21600" h="21600">
-                <a:moveTo>
-                  <a:pt x="f0" y="f0"/>
-                </a:moveTo>
-                <a:lnTo>
-                  <a:pt x="f1" y="f0"/>
-                </a:lnTo>
-                <a:lnTo>
-                  <a:pt x="f1" y="f1"/>
-                </a:lnTo>
-                <a:lnTo>
-                  <a:pt x="f0" y="f1"/>
-                </a:lnTo>
-                <a:lnTo>
-                  <a:pt x="f0" y="f0"/>
-                </a:lnTo>
-                <a:close/>
-              </a:path>
-            </a:pathLst>
-          </a:custGeom>
-          <a:noFill/>
-          <a:ln>
-            <a:noFill/>
-            <a:prstDash val="solid"/>
-          </a:ln>
-        </p:spPr>
+        <p:spPr/>
         <p:txBody>
-          <a:bodyPr vert="horz" wrap="square" lIns="90000" tIns="45000" rIns="90000" bIns="45000" anchor="t" compatLnSpc="0"/>
+          <a:bodyPr/>
           <a:lstStyle/>
           <a:p>
-            <a:pPr marL="285750" lvl="0" indent="-285750" hangingPunct="0">
-              <a:buFont typeface="Arial" pitchFamily="34" charset="0"/>
-              <a:buChar char="•"/>
-            </a:pPr>
-            <a:r>
-              <a:rPr lang="sv-SE" dirty="0" smtClean="0">
-                <a:latin typeface="Arial" pitchFamily="18"/>
-                <a:ea typeface="DejaVu Sans" pitchFamily="2"/>
-                <a:cs typeface="DejaVu Sans" pitchFamily="2"/>
-              </a:rPr>
-              <a:t>The </a:t>
-            </a:r>
-            <a:r>
-              <a:rPr lang="sv-SE" dirty="0" err="1" smtClean="0">
-                <a:latin typeface="Arial" pitchFamily="18"/>
-                <a:ea typeface="DejaVu Sans" pitchFamily="2"/>
-                <a:cs typeface="DejaVu Sans" pitchFamily="2"/>
-              </a:rPr>
-              <a:t>single</a:t>
-            </a:r>
-            <a:r>
-              <a:rPr lang="sv-SE" dirty="0" smtClean="0">
-                <a:latin typeface="Arial" pitchFamily="18"/>
-                <a:ea typeface="DejaVu Sans" pitchFamily="2"/>
-                <a:cs typeface="DejaVu Sans" pitchFamily="2"/>
-              </a:rPr>
+            <a:r>
+              <a:rPr lang="sv-SE" dirty="0" err="1" smtClean="0"/>
+              <a:t>Library</a:t>
+            </a:r>
+            <a:r>
+              <a:rPr lang="sv-SE" dirty="0" smtClean="0"/>
+              <a:t> support</a:t>
+            </a:r>
+          </a:p>
+          <a:p>
+            <a:r>
+              <a:rPr lang="sv-SE" dirty="0" smtClean="0"/>
+              <a:t>Tools / IDE support</a:t>
+            </a:r>
+          </a:p>
+          <a:p>
+            <a:r>
+              <a:rPr lang="sv-SE" dirty="0" err="1" smtClean="0"/>
+              <a:t>Interoperability</a:t>
+            </a:r>
+            <a:endParaRPr lang="sv-SE" dirty="0" smtClean="0"/>
+          </a:p>
+          <a:p>
+            <a:r>
+              <a:rPr lang="sv-SE" dirty="0" err="1"/>
+              <a:t>Training</a:t>
+            </a:r>
+            <a:endParaRPr lang="sv-SE" dirty="0"/>
+          </a:p>
+          <a:p>
+            <a:r>
+              <a:rPr lang="sv-SE" dirty="0"/>
+              <a:t>No </a:t>
+            </a:r>
+            <a:r>
+              <a:rPr lang="sv-SE" dirty="0" smtClean="0"/>
+              <a:t>multiparadigm</a:t>
+            </a:r>
+          </a:p>
+          <a:p>
+            <a:r>
+              <a:rPr lang="sv-SE" dirty="0" err="1"/>
+              <a:t>Performance</a:t>
+            </a:r>
+            <a:r>
+              <a:rPr lang="sv-SE" dirty="0"/>
               <a:t> </a:t>
             </a:r>
             <a:r>
-              <a:rPr lang="sv-SE" dirty="0" err="1" smtClean="0">
-                <a:latin typeface="Arial" pitchFamily="18"/>
-                <a:ea typeface="DejaVu Sans" pitchFamily="2"/>
-                <a:cs typeface="DejaVu Sans" pitchFamily="2"/>
-              </a:rPr>
-              <a:t>responsibility</a:t>
-            </a:r>
-            <a:r>
-              <a:rPr lang="sv-SE" dirty="0" smtClean="0">
-                <a:latin typeface="Arial" pitchFamily="18"/>
-                <a:ea typeface="DejaVu Sans" pitchFamily="2"/>
-                <a:cs typeface="DejaVu Sans" pitchFamily="2"/>
-              </a:rPr>
+              <a:rPr lang="sv-SE" dirty="0" err="1"/>
+              <a:t>of</a:t>
+            </a:r>
+            <a:r>
+              <a:rPr lang="sv-SE" dirty="0"/>
               <a:t> </a:t>
             </a:r>
             <a:r>
-              <a:rPr lang="sv-SE" dirty="0" err="1" smtClean="0">
-                <a:latin typeface="Arial" pitchFamily="18"/>
-                <a:ea typeface="DejaVu Sans" pitchFamily="2"/>
-                <a:cs typeface="DejaVu Sans" pitchFamily="2"/>
-              </a:rPr>
-              <a:t>principle</a:t>
-            </a:r>
-            <a:r>
-              <a:rPr lang="sv-SE" dirty="0">
-                <a:latin typeface="Arial" pitchFamily="18"/>
-                <a:ea typeface="DejaVu Sans" pitchFamily="2"/>
-                <a:cs typeface="DejaVu Sans" pitchFamily="2"/>
-              </a:rPr>
-              <a:t/>
-            </a:r>
-            <a:br>
-              <a:rPr lang="sv-SE" dirty="0">
-                <a:latin typeface="Arial" pitchFamily="18"/>
-                <a:ea typeface="DejaVu Sans" pitchFamily="2"/>
-                <a:cs typeface="DejaVu Sans" pitchFamily="2"/>
-              </a:rPr>
-            </a:br>
-            <a:r>
-              <a:rPr lang="sv-SE" b="0" i="0" u="none" strike="noStrike" kern="1200" spc="0" dirty="0" smtClean="0">
-                <a:ln>
-                  <a:noFill/>
-                </a:ln>
-                <a:latin typeface="Arial" pitchFamily="18"/>
-                <a:ea typeface="DejaVu Sans" pitchFamily="2"/>
-                <a:cs typeface="DejaVu Sans" pitchFamily="2"/>
-              </a:rPr>
-              <a:t>Software </a:t>
-            </a:r>
-            <a:r>
-              <a:rPr lang="sv-SE" b="0" i="0" u="none" strike="noStrike" kern="1200" spc="0" dirty="0" err="1">
-                <a:ln>
-                  <a:noFill/>
-                </a:ln>
-                <a:latin typeface="Arial" pitchFamily="18"/>
-                <a:ea typeface="DejaVu Sans" pitchFamily="2"/>
-                <a:cs typeface="DejaVu Sans" pitchFamily="2"/>
-              </a:rPr>
-              <a:t>entities</a:t>
-            </a:r>
-            <a:r>
-              <a:rPr lang="sv-SE" b="0" i="0" u="none" strike="noStrike" kern="1200" spc="0" dirty="0">
-                <a:ln>
-                  <a:noFill/>
-                </a:ln>
-                <a:latin typeface="Arial" pitchFamily="18"/>
-                <a:ea typeface="DejaVu Sans" pitchFamily="2"/>
-                <a:cs typeface="DejaVu Sans" pitchFamily="2"/>
-              </a:rPr>
-              <a:t>* </a:t>
-            </a:r>
-            <a:r>
-              <a:rPr lang="sv-SE" b="0" i="0" u="none" strike="noStrike" kern="1200" spc="0" dirty="0" err="1">
-                <a:ln>
-                  <a:noFill/>
-                </a:ln>
-                <a:latin typeface="Arial" pitchFamily="18"/>
-                <a:ea typeface="DejaVu Sans" pitchFamily="2"/>
-                <a:cs typeface="DejaVu Sans" pitchFamily="2"/>
-              </a:rPr>
-              <a:t>should</a:t>
-            </a:r>
-            <a:r>
-              <a:rPr lang="sv-SE" b="0" i="0" u="none" strike="noStrike" kern="1200" spc="0" dirty="0">
-                <a:ln>
-                  <a:noFill/>
-                </a:ln>
-                <a:latin typeface="Arial" pitchFamily="18"/>
-                <a:ea typeface="DejaVu Sans" pitchFamily="2"/>
-                <a:cs typeface="DejaVu Sans" pitchFamily="2"/>
-              </a:rPr>
+              <a:rPr lang="sv-SE" dirty="0" err="1"/>
+              <a:t>duck</a:t>
+            </a:r>
+            <a:r>
+              <a:rPr lang="sv-SE" dirty="0"/>
               <a:t> </a:t>
             </a:r>
             <a:r>
-              <a:rPr lang="sv-SE" b="0" i="0" u="none" strike="noStrike" kern="1200" spc="0" dirty="0" err="1">
-                <a:ln>
-                  <a:noFill/>
-                </a:ln>
-                <a:latin typeface="Arial" pitchFamily="18"/>
-                <a:ea typeface="DejaVu Sans" pitchFamily="2"/>
-                <a:cs typeface="DejaVu Sans" pitchFamily="2"/>
-              </a:rPr>
-              <a:t>have</a:t>
-            </a:r>
-            <a:r>
-              <a:rPr lang="sv-SE" b="0" i="0" u="none" strike="noStrike" kern="1200" spc="0" dirty="0">
-                <a:ln>
-                  <a:noFill/>
-                </a:ln>
-                <a:latin typeface="Arial" pitchFamily="18"/>
-                <a:ea typeface="DejaVu Sans" pitchFamily="2"/>
-                <a:cs typeface="DejaVu Sans" pitchFamily="2"/>
-              </a:rPr>
-              <a:t> </a:t>
-            </a:r>
-            <a:r>
-              <a:rPr lang="sv-SE" b="0" i="0" u="none" strike="noStrike" kern="1200" spc="0" dirty="0" err="1">
-                <a:ln>
-                  <a:noFill/>
-                </a:ln>
-                <a:latin typeface="Arial" pitchFamily="18"/>
-                <a:ea typeface="DejaVu Sans" pitchFamily="2"/>
-                <a:cs typeface="DejaVu Sans" pitchFamily="2"/>
-              </a:rPr>
-              <a:t>only</a:t>
-            </a:r>
-            <a:r>
-              <a:rPr lang="sv-SE" b="0" i="0" u="none" strike="noStrike" kern="1200" spc="0" dirty="0">
-                <a:ln>
-                  <a:noFill/>
-                </a:ln>
-                <a:latin typeface="Arial" pitchFamily="18"/>
-                <a:ea typeface="DejaVu Sans" pitchFamily="2"/>
-                <a:cs typeface="DejaVu Sans" pitchFamily="2"/>
-              </a:rPr>
-              <a:t> </a:t>
-            </a:r>
-            <a:r>
-              <a:rPr lang="sv-SE" b="0" i="0" u="none" strike="noStrike" kern="1200" spc="0" dirty="0" err="1">
-                <a:ln>
-                  <a:noFill/>
-                </a:ln>
-                <a:latin typeface="Arial" pitchFamily="18"/>
-                <a:ea typeface="DejaVu Sans" pitchFamily="2"/>
-                <a:cs typeface="DejaVu Sans" pitchFamily="2"/>
-              </a:rPr>
-              <a:t>one</a:t>
-            </a:r>
-            <a:r>
-              <a:rPr lang="sv-SE" b="0" i="0" u="none" strike="noStrike" kern="1200" spc="0" dirty="0">
-                <a:ln>
-                  <a:noFill/>
-                </a:ln>
-                <a:latin typeface="Arial" pitchFamily="18"/>
-                <a:ea typeface="DejaVu Sans" pitchFamily="2"/>
-                <a:cs typeface="DejaVu Sans" pitchFamily="2"/>
-              </a:rPr>
-              <a:t> </a:t>
-            </a:r>
-            <a:r>
-              <a:rPr lang="sv-SE" b="0" i="0" u="none" strike="noStrike" kern="1200" spc="0" dirty="0" err="1">
-                <a:ln>
-                  <a:noFill/>
-                </a:ln>
-                <a:latin typeface="Arial" pitchFamily="18"/>
-                <a:ea typeface="DejaVu Sans" pitchFamily="2"/>
-                <a:cs typeface="DejaVu Sans" pitchFamily="2"/>
-              </a:rPr>
-              <a:t>reason</a:t>
-            </a:r>
-            <a:r>
-              <a:rPr lang="sv-SE" b="0" i="0" u="none" strike="noStrike" kern="1200" spc="0" dirty="0">
-                <a:ln>
-                  <a:noFill/>
-                </a:ln>
-                <a:latin typeface="Arial" pitchFamily="18"/>
-                <a:ea typeface="DejaVu Sans" pitchFamily="2"/>
-                <a:cs typeface="DejaVu Sans" pitchFamily="2"/>
-              </a:rPr>
-              <a:t> </a:t>
-            </a:r>
-            <a:r>
-              <a:rPr lang="sv-SE" b="0" i="0" u="none" strike="noStrike" kern="1200" spc="0" dirty="0" err="1">
-                <a:ln>
-                  <a:noFill/>
-                </a:ln>
-                <a:latin typeface="Arial" pitchFamily="18"/>
-                <a:ea typeface="DejaVu Sans" pitchFamily="2"/>
-                <a:cs typeface="DejaVu Sans" pitchFamily="2"/>
-              </a:rPr>
-              <a:t>to</a:t>
-            </a:r>
-            <a:r>
-              <a:rPr lang="sv-SE" b="0" i="0" u="none" strike="noStrike" kern="1200" spc="0" dirty="0">
-                <a:ln>
-                  <a:noFill/>
-                </a:ln>
-                <a:latin typeface="Arial" pitchFamily="18"/>
-                <a:ea typeface="DejaVu Sans" pitchFamily="2"/>
-                <a:cs typeface="DejaVu Sans" pitchFamily="2"/>
-              </a:rPr>
-              <a:t> </a:t>
-            </a:r>
-            <a:r>
-              <a:rPr lang="sv-SE" b="0" i="0" u="none" strike="noStrike" kern="1200" spc="0" dirty="0" err="1" smtClean="0">
-                <a:ln>
-                  <a:noFill/>
-                </a:ln>
-                <a:latin typeface="Arial" pitchFamily="18"/>
-                <a:ea typeface="DejaVu Sans" pitchFamily="2"/>
-                <a:cs typeface="DejaVu Sans" pitchFamily="2"/>
-              </a:rPr>
-              <a:t>change</a:t>
-            </a:r>
-            <a:r>
-              <a:rPr lang="sv-SE" dirty="0">
-                <a:latin typeface="Arial" pitchFamily="18"/>
-                <a:ea typeface="DejaVu Sans" pitchFamily="2"/>
-                <a:cs typeface="DejaVu Sans" pitchFamily="2"/>
-              </a:rPr>
-              <a:t/>
-            </a:r>
-            <a:br>
-              <a:rPr lang="sv-SE" dirty="0">
-                <a:latin typeface="Arial" pitchFamily="18"/>
-                <a:ea typeface="DejaVu Sans" pitchFamily="2"/>
-                <a:cs typeface="DejaVu Sans" pitchFamily="2"/>
-              </a:rPr>
-            </a:br>
-            <a:r>
-              <a:rPr lang="sv-SE" b="0" i="0" u="none" strike="noStrike" kern="1200" spc="0" dirty="0" smtClean="0">
-                <a:ln>
-                  <a:noFill/>
-                </a:ln>
-                <a:latin typeface="Arial" pitchFamily="18"/>
-                <a:ea typeface="DejaVu Sans" pitchFamily="2"/>
-                <a:cs typeface="DejaVu Sans" pitchFamily="2"/>
-              </a:rPr>
-              <a:t>*</a:t>
-            </a:r>
-            <a:r>
-              <a:rPr lang="sv-SE" b="0" i="0" u="none" strike="noStrike" kern="1200" spc="0" dirty="0" err="1" smtClean="0">
-                <a:ln>
-                  <a:noFill/>
-                </a:ln>
-                <a:latin typeface="Arial" pitchFamily="18"/>
-                <a:ea typeface="DejaVu Sans" pitchFamily="2"/>
-                <a:cs typeface="DejaVu Sans" pitchFamily="2"/>
-              </a:rPr>
-              <a:t>classes</a:t>
-            </a:r>
-            <a:r>
-              <a:rPr lang="sv-SE" b="0" i="0" u="none" strike="noStrike" kern="1200" spc="0" dirty="0">
-                <a:ln>
-                  <a:noFill/>
-                </a:ln>
-                <a:latin typeface="Arial" pitchFamily="18"/>
-                <a:ea typeface="DejaVu Sans" pitchFamily="2"/>
-                <a:cs typeface="DejaVu Sans" pitchFamily="2"/>
-              </a:rPr>
-              <a:t>, interfaces, </a:t>
-            </a:r>
-            <a:r>
-              <a:rPr lang="sv-SE" b="0" i="0" u="none" strike="noStrike" kern="1200" spc="0" dirty="0" err="1">
-                <a:ln>
-                  <a:noFill/>
-                </a:ln>
-                <a:latin typeface="Arial" pitchFamily="18"/>
-                <a:ea typeface="DejaVu Sans" pitchFamily="2"/>
-                <a:cs typeface="DejaVu Sans" pitchFamily="2"/>
-              </a:rPr>
-              <a:t>functions</a:t>
-            </a:r>
-            <a:r>
-              <a:rPr lang="sv-SE" b="0" i="0" u="none" strike="noStrike" kern="1200" spc="0" dirty="0">
-                <a:ln>
-                  <a:noFill/>
-                </a:ln>
-                <a:latin typeface="Arial" pitchFamily="18"/>
-                <a:ea typeface="DejaVu Sans" pitchFamily="2"/>
-                <a:cs typeface="DejaVu Sans" pitchFamily="2"/>
-              </a:rPr>
-              <a:t>, </a:t>
-            </a:r>
-            <a:r>
-              <a:rPr lang="sv-SE" b="0" i="0" u="none" strike="noStrike" kern="1200" spc="0" dirty="0" err="1">
-                <a:ln>
-                  <a:noFill/>
-                </a:ln>
-                <a:latin typeface="Arial" pitchFamily="18"/>
-                <a:ea typeface="DejaVu Sans" pitchFamily="2"/>
-                <a:cs typeface="DejaVu Sans" pitchFamily="2"/>
-              </a:rPr>
-              <a:t>etc</a:t>
-            </a:r>
-            <a:endParaRPr lang="sv-SE" b="0" i="0" u="none" strike="noStrike" kern="1200" spc="0" dirty="0">
-              <a:ln>
-                <a:noFill/>
-              </a:ln>
-              <a:latin typeface="Arial" pitchFamily="18"/>
-              <a:ea typeface="DejaVu Sans" pitchFamily="2"/>
-              <a:cs typeface="DejaVu Sans" pitchFamily="2"/>
-            </a:endParaRPr>
-          </a:p>
-          <a:p>
-            <a:pPr marL="342900" marR="0" lvl="0" indent="-342900" rtl="0" hangingPunct="0">
-              <a:lnSpc>
-                <a:spcPct val="100000"/>
-              </a:lnSpc>
-              <a:spcBef>
-                <a:spcPts val="0"/>
-              </a:spcBef>
-              <a:spcAft>
-                <a:spcPts val="0"/>
-              </a:spcAft>
-              <a:buFont typeface="Arial" pitchFamily="34" charset="0"/>
-              <a:buChar char="•"/>
-              <a:tabLst/>
-            </a:pPr>
-            <a:r>
-              <a:rPr lang="sv-SE" b="0" i="0" u="none" strike="noStrike" kern="1200" spc="0" dirty="0">
-                <a:ln>
-                  <a:noFill/>
-                </a:ln>
-                <a:latin typeface="Arial" pitchFamily="18"/>
-                <a:ea typeface="DejaVu Sans" pitchFamily="2"/>
-                <a:cs typeface="DejaVu Sans" pitchFamily="2"/>
-              </a:rPr>
-              <a:t>The </a:t>
-            </a:r>
-            <a:r>
-              <a:rPr lang="sv-SE" b="0" i="0" u="sng" strike="noStrike" kern="1200" spc="0" dirty="0" err="1">
-                <a:ln>
-                  <a:noFill/>
-                </a:ln>
-                <a:uFillTx/>
-                <a:latin typeface="Arial" pitchFamily="18"/>
-                <a:ea typeface="DejaVu Sans" pitchFamily="2"/>
-                <a:cs typeface="DejaVu Sans" pitchFamily="2"/>
-              </a:rPr>
-              <a:t>O</a:t>
-            </a:r>
-            <a:r>
-              <a:rPr lang="sv-SE" b="0" i="0" u="none" strike="noStrike" kern="1200" spc="0" dirty="0" err="1">
-                <a:ln>
-                  <a:noFill/>
-                </a:ln>
-                <a:latin typeface="Arial" pitchFamily="18"/>
-                <a:ea typeface="DejaVu Sans" pitchFamily="2"/>
-                <a:cs typeface="DejaVu Sans" pitchFamily="2"/>
-              </a:rPr>
-              <a:t>pen</a:t>
-            </a:r>
-            <a:r>
-              <a:rPr lang="sv-SE" b="0" i="0" u="none" strike="noStrike" kern="1200" spc="0" dirty="0">
-                <a:ln>
-                  <a:noFill/>
-                </a:ln>
-                <a:latin typeface="Arial" pitchFamily="18"/>
-                <a:ea typeface="DejaVu Sans" pitchFamily="2"/>
-                <a:cs typeface="DejaVu Sans" pitchFamily="2"/>
-              </a:rPr>
-              <a:t> </a:t>
-            </a:r>
-            <a:r>
-              <a:rPr lang="sv-SE" b="0" i="0" u="none" strike="noStrike" kern="1200" spc="0" dirty="0" err="1">
-                <a:ln>
-                  <a:noFill/>
-                </a:ln>
-                <a:latin typeface="Arial" pitchFamily="18"/>
-                <a:ea typeface="DejaVu Sans" pitchFamily="2"/>
-                <a:cs typeface="DejaVu Sans" pitchFamily="2"/>
-              </a:rPr>
-              <a:t>Closed</a:t>
-            </a:r>
-            <a:r>
-              <a:rPr lang="sv-SE" b="0" i="0" u="none" strike="noStrike" kern="1200" spc="0" dirty="0">
-                <a:ln>
-                  <a:noFill/>
-                </a:ln>
-                <a:latin typeface="Arial" pitchFamily="18"/>
-                <a:ea typeface="DejaVu Sans" pitchFamily="2"/>
-                <a:cs typeface="DejaVu Sans" pitchFamily="2"/>
-              </a:rPr>
-              <a:t> </a:t>
-            </a:r>
-            <a:r>
-              <a:rPr lang="sv-SE" b="0" i="0" u="none" strike="noStrike" kern="1200" spc="0" dirty="0" err="1" smtClean="0">
-                <a:ln>
-                  <a:noFill/>
-                </a:ln>
-                <a:latin typeface="Arial" pitchFamily="18"/>
-                <a:ea typeface="DejaVu Sans" pitchFamily="2"/>
-                <a:cs typeface="DejaVu Sans" pitchFamily="2"/>
-              </a:rPr>
-              <a:t>Principle</a:t>
-            </a:r>
-            <a:r>
-              <a:rPr lang="sv-SE" dirty="0" smtClean="0">
-                <a:latin typeface="Arial" pitchFamily="18"/>
-                <a:ea typeface="DejaVu Sans" pitchFamily="2"/>
-                <a:cs typeface="DejaVu Sans" pitchFamily="2"/>
-              </a:rPr>
-              <a:t>*</a:t>
-            </a:r>
-            <a:br>
-              <a:rPr lang="sv-SE" dirty="0" smtClean="0">
-                <a:latin typeface="Arial" pitchFamily="18"/>
-                <a:ea typeface="DejaVu Sans" pitchFamily="2"/>
-                <a:cs typeface="DejaVu Sans" pitchFamily="2"/>
-              </a:rPr>
-            </a:br>
-            <a:r>
-              <a:rPr lang="sv-SE" b="0" i="0" u="none" strike="noStrike" kern="1200" spc="0" dirty="0" smtClean="0">
-                <a:ln>
-                  <a:noFill/>
-                </a:ln>
-                <a:latin typeface="Arial" pitchFamily="18"/>
-                <a:ea typeface="DejaVu Sans" pitchFamily="2"/>
-                <a:cs typeface="DejaVu Sans" pitchFamily="2"/>
-              </a:rPr>
-              <a:t>Software </a:t>
-            </a:r>
-            <a:r>
-              <a:rPr lang="sv-SE" b="0" i="0" u="none" strike="noStrike" kern="1200" spc="0" dirty="0" err="1">
-                <a:ln>
-                  <a:noFill/>
-                </a:ln>
-                <a:latin typeface="Arial" pitchFamily="18"/>
-                <a:ea typeface="DejaVu Sans" pitchFamily="2"/>
-                <a:cs typeface="DejaVu Sans" pitchFamily="2"/>
-              </a:rPr>
-              <a:t>entities</a:t>
-            </a:r>
-            <a:r>
-              <a:rPr lang="sv-SE" b="0" i="0" u="none" strike="noStrike" kern="1200" spc="0" dirty="0">
-                <a:ln>
-                  <a:noFill/>
-                </a:ln>
-                <a:latin typeface="Arial" pitchFamily="18"/>
-                <a:ea typeface="DejaVu Sans" pitchFamily="2"/>
-                <a:cs typeface="DejaVu Sans" pitchFamily="2"/>
-              </a:rPr>
-              <a:t> </a:t>
-            </a:r>
-            <a:r>
-              <a:rPr lang="sv-SE" b="0" i="0" u="none" strike="noStrike" kern="1200" spc="0" dirty="0" err="1">
-                <a:ln>
-                  <a:noFill/>
-                </a:ln>
-                <a:latin typeface="Arial" pitchFamily="18"/>
-                <a:ea typeface="DejaVu Sans" pitchFamily="2"/>
-                <a:cs typeface="DejaVu Sans" pitchFamily="2"/>
-              </a:rPr>
-              <a:t>should</a:t>
-            </a:r>
-            <a:r>
-              <a:rPr lang="sv-SE" b="0" i="0" u="none" strike="noStrike" kern="1200" spc="0" dirty="0">
-                <a:ln>
-                  <a:noFill/>
-                </a:ln>
-                <a:latin typeface="Arial" pitchFamily="18"/>
-                <a:ea typeface="DejaVu Sans" pitchFamily="2"/>
-                <a:cs typeface="DejaVu Sans" pitchFamily="2"/>
-              </a:rPr>
-              <a:t> be </a:t>
-            </a:r>
-            <a:r>
-              <a:rPr lang="sv-SE" b="0" i="0" u="none" strike="noStrike" kern="1200" spc="0" dirty="0" err="1">
-                <a:ln>
-                  <a:noFill/>
-                </a:ln>
-                <a:latin typeface="Arial" pitchFamily="18"/>
-                <a:ea typeface="DejaVu Sans" pitchFamily="2"/>
-                <a:cs typeface="DejaVu Sans" pitchFamily="2"/>
-              </a:rPr>
-              <a:t>open</a:t>
-            </a:r>
-            <a:r>
-              <a:rPr lang="sv-SE" b="0" i="0" u="none" strike="noStrike" kern="1200" spc="0" dirty="0">
-                <a:ln>
-                  <a:noFill/>
-                </a:ln>
-                <a:latin typeface="Arial" pitchFamily="18"/>
-                <a:ea typeface="DejaVu Sans" pitchFamily="2"/>
-                <a:cs typeface="DejaVu Sans" pitchFamily="2"/>
-              </a:rPr>
-              <a:t> for extension </a:t>
-            </a:r>
-            <a:r>
-              <a:rPr lang="sv-SE" b="0" i="0" u="none" strike="noStrike" kern="1200" spc="0" dirty="0" err="1">
-                <a:ln>
-                  <a:noFill/>
-                </a:ln>
-                <a:latin typeface="Arial" pitchFamily="18"/>
-                <a:ea typeface="DejaVu Sans" pitchFamily="2"/>
-                <a:cs typeface="DejaVu Sans" pitchFamily="2"/>
-              </a:rPr>
-              <a:t>but</a:t>
-            </a:r>
-            <a:r>
-              <a:rPr lang="sv-SE" b="0" i="0" u="none" strike="noStrike" kern="1200" spc="0" dirty="0">
-                <a:ln>
-                  <a:noFill/>
-                </a:ln>
-                <a:latin typeface="Arial" pitchFamily="18"/>
-                <a:ea typeface="DejaVu Sans" pitchFamily="2"/>
-                <a:cs typeface="DejaVu Sans" pitchFamily="2"/>
-              </a:rPr>
-              <a:t> </a:t>
-            </a:r>
-            <a:r>
-              <a:rPr lang="sv-SE" b="0" i="0" u="none" strike="noStrike" kern="1200" spc="0" dirty="0" err="1">
-                <a:ln>
-                  <a:noFill/>
-                </a:ln>
-                <a:latin typeface="Arial" pitchFamily="18"/>
-                <a:ea typeface="DejaVu Sans" pitchFamily="2"/>
-                <a:cs typeface="DejaVu Sans" pitchFamily="2"/>
-              </a:rPr>
-              <a:t>closed</a:t>
-            </a:r>
-            <a:r>
-              <a:rPr lang="sv-SE" b="0" i="0" u="none" strike="noStrike" kern="1200" spc="0" dirty="0">
-                <a:ln>
-                  <a:noFill/>
-                </a:ln>
-                <a:latin typeface="Arial" pitchFamily="18"/>
-                <a:ea typeface="DejaVu Sans" pitchFamily="2"/>
-                <a:cs typeface="DejaVu Sans" pitchFamily="2"/>
-              </a:rPr>
-              <a:t> for </a:t>
-            </a:r>
-            <a:r>
-              <a:rPr lang="sv-SE" b="0" i="0" u="none" strike="noStrike" kern="1200" spc="0" dirty="0" err="1">
-                <a:ln>
-                  <a:noFill/>
-                </a:ln>
-                <a:latin typeface="Arial" pitchFamily="18"/>
-                <a:ea typeface="DejaVu Sans" pitchFamily="2"/>
-                <a:cs typeface="DejaVu Sans" pitchFamily="2"/>
-              </a:rPr>
-              <a:t>modification</a:t>
-            </a:r>
-            <a:endParaRPr lang="sv-SE" b="0" i="0" u="none" strike="noStrike" kern="1200" spc="0" dirty="0">
-              <a:ln>
-                <a:noFill/>
-              </a:ln>
-              <a:latin typeface="Arial" pitchFamily="18"/>
-              <a:ea typeface="DejaVu Sans" pitchFamily="2"/>
-              <a:cs typeface="DejaVu Sans" pitchFamily="2"/>
-            </a:endParaRPr>
-          </a:p>
-          <a:p>
-            <a:pPr marL="342900" marR="0" lvl="0" indent="-342900" rtl="0" hangingPunct="0">
-              <a:lnSpc>
-                <a:spcPct val="100000"/>
-              </a:lnSpc>
-              <a:spcBef>
-                <a:spcPts val="0"/>
-              </a:spcBef>
-              <a:spcAft>
-                <a:spcPts val="0"/>
-              </a:spcAft>
-              <a:buFont typeface="Arial" pitchFamily="34" charset="0"/>
-              <a:buChar char="•"/>
-              <a:tabLst/>
-            </a:pPr>
-            <a:r>
-              <a:rPr lang="sv-SE" b="0" i="0" u="none" strike="noStrike" kern="1200" spc="0" dirty="0">
-                <a:ln>
-                  <a:noFill/>
-                </a:ln>
-                <a:latin typeface="Arial" pitchFamily="18"/>
-                <a:ea typeface="DejaVu Sans" pitchFamily="2"/>
-                <a:cs typeface="DejaVu Sans" pitchFamily="2"/>
-              </a:rPr>
-              <a:t>The </a:t>
-            </a:r>
-            <a:r>
-              <a:rPr lang="sv-SE" b="0" i="0" u="sng" strike="noStrike" kern="1200" spc="0" dirty="0" err="1">
-                <a:ln>
-                  <a:noFill/>
-                </a:ln>
-                <a:uFillTx/>
-                <a:latin typeface="Arial" pitchFamily="18"/>
-                <a:ea typeface="DejaVu Sans" pitchFamily="2"/>
-                <a:cs typeface="DejaVu Sans" pitchFamily="2"/>
-              </a:rPr>
-              <a:t>L</a:t>
-            </a:r>
-            <a:r>
-              <a:rPr lang="sv-SE" b="0" i="0" u="none" strike="noStrike" kern="1200" spc="0" dirty="0" err="1">
-                <a:ln>
-                  <a:noFill/>
-                </a:ln>
-                <a:latin typeface="Arial" pitchFamily="18"/>
-                <a:ea typeface="DejaVu Sans" pitchFamily="2"/>
-                <a:cs typeface="DejaVu Sans" pitchFamily="2"/>
-              </a:rPr>
-              <a:t>iskov</a:t>
-            </a:r>
-            <a:r>
-              <a:rPr lang="sv-SE" b="0" i="0" u="none" strike="noStrike" kern="1200" spc="0" dirty="0">
-                <a:ln>
-                  <a:noFill/>
-                </a:ln>
-                <a:latin typeface="Arial" pitchFamily="18"/>
-                <a:ea typeface="DejaVu Sans" pitchFamily="2"/>
-                <a:cs typeface="DejaVu Sans" pitchFamily="2"/>
-              </a:rPr>
-              <a:t> Substitution </a:t>
-            </a:r>
-            <a:r>
-              <a:rPr lang="sv-SE" b="0" i="0" u="none" strike="noStrike" kern="1200" spc="0" dirty="0" err="1" smtClean="0">
-                <a:ln>
-                  <a:noFill/>
-                </a:ln>
-                <a:latin typeface="Arial" pitchFamily="18"/>
-                <a:ea typeface="DejaVu Sans" pitchFamily="2"/>
-                <a:cs typeface="DejaVu Sans" pitchFamily="2"/>
-              </a:rPr>
-              <a:t>Principle</a:t>
-            </a:r>
-            <a:r>
-              <a:rPr lang="sv-SE" dirty="0">
-                <a:latin typeface="Arial" pitchFamily="18"/>
-                <a:ea typeface="DejaVu Sans" pitchFamily="2"/>
-                <a:cs typeface="DejaVu Sans" pitchFamily="2"/>
-              </a:rPr>
-              <a:t/>
-            </a:r>
-            <a:br>
-              <a:rPr lang="sv-SE" dirty="0">
-                <a:latin typeface="Arial" pitchFamily="18"/>
-                <a:ea typeface="DejaVu Sans" pitchFamily="2"/>
-                <a:cs typeface="DejaVu Sans" pitchFamily="2"/>
-              </a:rPr>
-            </a:br>
-            <a:r>
-              <a:rPr lang="sv-SE" b="0" i="0" u="none" strike="noStrike" kern="1200" spc="0" dirty="0" err="1" smtClean="0">
-                <a:ln>
-                  <a:noFill/>
-                </a:ln>
-                <a:latin typeface="Arial" pitchFamily="18"/>
-                <a:ea typeface="DejaVu Sans" pitchFamily="2"/>
-                <a:cs typeface="DejaVu Sans" pitchFamily="2"/>
-              </a:rPr>
-              <a:t>Derived</a:t>
-            </a:r>
-            <a:r>
-              <a:rPr lang="sv-SE" b="0" i="0" u="none" strike="noStrike" kern="1200" spc="0" dirty="0" smtClean="0">
-                <a:ln>
-                  <a:noFill/>
-                </a:ln>
-                <a:latin typeface="Arial" pitchFamily="18"/>
-                <a:ea typeface="DejaVu Sans" pitchFamily="2"/>
-                <a:cs typeface="DejaVu Sans" pitchFamily="2"/>
-              </a:rPr>
-              <a:t> </a:t>
-            </a:r>
-            <a:r>
-              <a:rPr lang="sv-SE" b="0" i="0" u="none" strike="noStrike" kern="1200" spc="0" dirty="0" err="1">
-                <a:ln>
-                  <a:noFill/>
-                </a:ln>
-                <a:latin typeface="Arial" pitchFamily="18"/>
-                <a:ea typeface="DejaVu Sans" pitchFamily="2"/>
-                <a:cs typeface="DejaVu Sans" pitchFamily="2"/>
-              </a:rPr>
-              <a:t>classes</a:t>
-            </a:r>
-            <a:r>
-              <a:rPr lang="sv-SE" b="0" i="0" u="none" strike="noStrike" kern="1200" spc="0" dirty="0">
-                <a:ln>
-                  <a:noFill/>
-                </a:ln>
-                <a:latin typeface="Arial" pitchFamily="18"/>
-                <a:ea typeface="DejaVu Sans" pitchFamily="2"/>
-                <a:cs typeface="DejaVu Sans" pitchFamily="2"/>
-              </a:rPr>
-              <a:t> must be </a:t>
-            </a:r>
-            <a:r>
-              <a:rPr lang="sv-SE" b="0" i="0" u="none" strike="noStrike" kern="1200" spc="0" dirty="0" err="1">
-                <a:ln>
-                  <a:noFill/>
-                </a:ln>
-                <a:latin typeface="Arial" pitchFamily="18"/>
-                <a:ea typeface="DejaVu Sans" pitchFamily="2"/>
-                <a:cs typeface="DejaVu Sans" pitchFamily="2"/>
-              </a:rPr>
-              <a:t>substitutable</a:t>
-            </a:r>
-            <a:r>
-              <a:rPr lang="sv-SE" b="0" i="0" u="none" strike="noStrike" kern="1200" spc="0" dirty="0">
-                <a:ln>
-                  <a:noFill/>
-                </a:ln>
-                <a:latin typeface="Arial" pitchFamily="18"/>
-                <a:ea typeface="DejaVu Sans" pitchFamily="2"/>
-                <a:cs typeface="DejaVu Sans" pitchFamily="2"/>
-              </a:rPr>
-              <a:t> for </a:t>
-            </a:r>
-            <a:r>
-              <a:rPr lang="sv-SE" b="0" i="0" u="none" strike="noStrike" kern="1200" spc="0" dirty="0" err="1">
-                <a:ln>
-                  <a:noFill/>
-                </a:ln>
-                <a:latin typeface="Arial" pitchFamily="18"/>
-                <a:ea typeface="DejaVu Sans" pitchFamily="2"/>
-                <a:cs typeface="DejaVu Sans" pitchFamily="2"/>
-              </a:rPr>
-              <a:t>their</a:t>
-            </a:r>
-            <a:r>
-              <a:rPr lang="sv-SE" b="0" i="0" u="none" strike="noStrike" kern="1200" spc="0" dirty="0">
-                <a:ln>
-                  <a:noFill/>
-                </a:ln>
-                <a:latin typeface="Arial" pitchFamily="18"/>
-                <a:ea typeface="DejaVu Sans" pitchFamily="2"/>
-                <a:cs typeface="DejaVu Sans" pitchFamily="2"/>
-              </a:rPr>
-              <a:t> </a:t>
-            </a:r>
-            <a:r>
-              <a:rPr lang="sv-SE" b="0" i="0" u="none" strike="noStrike" kern="1200" spc="0" dirty="0" err="1">
-                <a:ln>
-                  <a:noFill/>
-                </a:ln>
-                <a:latin typeface="Arial" pitchFamily="18"/>
-                <a:ea typeface="DejaVu Sans" pitchFamily="2"/>
-                <a:cs typeface="DejaVu Sans" pitchFamily="2"/>
-              </a:rPr>
-              <a:t>base</a:t>
-            </a:r>
-            <a:r>
-              <a:rPr lang="sv-SE" b="0" i="0" u="none" strike="noStrike" kern="1200" spc="0" dirty="0">
-                <a:ln>
-                  <a:noFill/>
-                </a:ln>
-                <a:latin typeface="Arial" pitchFamily="18"/>
-                <a:ea typeface="DejaVu Sans" pitchFamily="2"/>
-                <a:cs typeface="DejaVu Sans" pitchFamily="2"/>
-              </a:rPr>
-              <a:t> </a:t>
-            </a:r>
-            <a:r>
-              <a:rPr lang="sv-SE" b="0" i="0" u="none" strike="noStrike" kern="1200" spc="0" dirty="0" err="1">
-                <a:ln>
-                  <a:noFill/>
-                </a:ln>
-                <a:latin typeface="Arial" pitchFamily="18"/>
-                <a:ea typeface="DejaVu Sans" pitchFamily="2"/>
-                <a:cs typeface="DejaVu Sans" pitchFamily="2"/>
-              </a:rPr>
-              <a:t>classes</a:t>
-            </a:r>
-            <a:r>
-              <a:rPr lang="sv-SE" b="0" i="0" u="none" strike="noStrike" kern="1200" spc="0" dirty="0">
-                <a:ln>
-                  <a:noFill/>
-                </a:ln>
-                <a:latin typeface="Arial" pitchFamily="18"/>
-                <a:ea typeface="DejaVu Sans" pitchFamily="2"/>
-                <a:cs typeface="DejaVu Sans" pitchFamily="2"/>
-              </a:rPr>
-              <a:t>/interfaces</a:t>
-            </a:r>
-          </a:p>
-          <a:p>
-            <a:pPr marL="342900" marR="0" lvl="0" indent="-342900" rtl="0" hangingPunct="0">
-              <a:lnSpc>
-                <a:spcPct val="100000"/>
-              </a:lnSpc>
-              <a:spcBef>
-                <a:spcPts val="0"/>
-              </a:spcBef>
-              <a:spcAft>
-                <a:spcPts val="0"/>
-              </a:spcAft>
-              <a:buFont typeface="Arial" pitchFamily="34" charset="0"/>
-              <a:buChar char="•"/>
-              <a:tabLst/>
-            </a:pPr>
-            <a:r>
-              <a:rPr lang="sv-SE" b="0" i="0" u="none" strike="noStrike" kern="1200" spc="0" dirty="0">
-                <a:ln>
-                  <a:noFill/>
-                </a:ln>
-                <a:latin typeface="Arial" pitchFamily="18"/>
-                <a:ea typeface="DejaVu Sans" pitchFamily="2"/>
-                <a:cs typeface="DejaVu Sans" pitchFamily="2"/>
-              </a:rPr>
-              <a:t>The </a:t>
-            </a:r>
-            <a:r>
-              <a:rPr lang="sv-SE" b="0" i="0" u="sng" strike="noStrike" kern="1200" spc="0" dirty="0">
-                <a:ln>
-                  <a:noFill/>
-                </a:ln>
-                <a:uFillTx/>
-                <a:latin typeface="Arial" pitchFamily="18"/>
-                <a:ea typeface="DejaVu Sans" pitchFamily="2"/>
-                <a:cs typeface="DejaVu Sans" pitchFamily="2"/>
-              </a:rPr>
-              <a:t>I</a:t>
-            </a:r>
-            <a:r>
-              <a:rPr lang="sv-SE" b="0" i="0" u="none" strike="noStrike" kern="1200" spc="0" dirty="0">
-                <a:ln>
-                  <a:noFill/>
-                </a:ln>
-                <a:latin typeface="Arial" pitchFamily="18"/>
-                <a:ea typeface="DejaVu Sans" pitchFamily="2"/>
-                <a:cs typeface="DejaVu Sans" pitchFamily="2"/>
-              </a:rPr>
-              <a:t>nterface Segregation </a:t>
-            </a:r>
-            <a:r>
-              <a:rPr lang="sv-SE" b="0" i="0" u="none" strike="noStrike" kern="1200" spc="0" dirty="0" err="1" smtClean="0">
-                <a:ln>
-                  <a:noFill/>
-                </a:ln>
-                <a:latin typeface="Arial" pitchFamily="18"/>
-                <a:ea typeface="DejaVu Sans" pitchFamily="2"/>
-                <a:cs typeface="DejaVu Sans" pitchFamily="2"/>
-              </a:rPr>
-              <a:t>Principle</a:t>
-            </a:r>
-            <a:r>
-              <a:rPr lang="sv-SE" dirty="0">
-                <a:latin typeface="Arial" pitchFamily="18"/>
-                <a:ea typeface="DejaVu Sans" pitchFamily="2"/>
-                <a:cs typeface="DejaVu Sans" pitchFamily="2"/>
-              </a:rPr>
-              <a:t/>
-            </a:r>
-            <a:br>
-              <a:rPr lang="sv-SE" dirty="0">
-                <a:latin typeface="Arial" pitchFamily="18"/>
-                <a:ea typeface="DejaVu Sans" pitchFamily="2"/>
-                <a:cs typeface="DejaVu Sans" pitchFamily="2"/>
-              </a:rPr>
-            </a:br>
-            <a:r>
-              <a:rPr lang="sv-SE" b="0" i="0" u="none" strike="noStrike" kern="1200" spc="0" dirty="0" err="1" smtClean="0">
-                <a:ln>
-                  <a:noFill/>
-                </a:ln>
-                <a:latin typeface="Arial" pitchFamily="18"/>
-                <a:ea typeface="DejaVu Sans" pitchFamily="2"/>
-                <a:cs typeface="DejaVu Sans" pitchFamily="2"/>
-              </a:rPr>
-              <a:t>Clients</a:t>
-            </a:r>
-            <a:r>
-              <a:rPr lang="sv-SE" b="0" i="0" u="none" strike="noStrike" kern="1200" spc="0" dirty="0" smtClean="0">
-                <a:ln>
-                  <a:noFill/>
-                </a:ln>
-                <a:latin typeface="Arial" pitchFamily="18"/>
-                <a:ea typeface="DejaVu Sans" pitchFamily="2"/>
-                <a:cs typeface="DejaVu Sans" pitchFamily="2"/>
-              </a:rPr>
-              <a:t> </a:t>
-            </a:r>
-            <a:r>
-              <a:rPr lang="sv-SE" b="0" i="0" u="none" strike="noStrike" kern="1200" spc="0" dirty="0" err="1">
-                <a:ln>
-                  <a:noFill/>
-                </a:ln>
-                <a:latin typeface="Arial" pitchFamily="18"/>
-                <a:ea typeface="DejaVu Sans" pitchFamily="2"/>
-                <a:cs typeface="DejaVu Sans" pitchFamily="2"/>
-              </a:rPr>
-              <a:t>should</a:t>
-            </a:r>
-            <a:r>
-              <a:rPr lang="sv-SE" b="0" i="0" u="none" strike="noStrike" kern="1200" spc="0" dirty="0">
-                <a:ln>
-                  <a:noFill/>
-                </a:ln>
-                <a:latin typeface="Arial" pitchFamily="18"/>
-                <a:ea typeface="DejaVu Sans" pitchFamily="2"/>
-                <a:cs typeface="DejaVu Sans" pitchFamily="2"/>
-              </a:rPr>
-              <a:t> not be </a:t>
-            </a:r>
-            <a:r>
-              <a:rPr lang="sv-SE" b="0" i="0" u="none" strike="noStrike" kern="1200" spc="0" dirty="0" err="1">
-                <a:ln>
-                  <a:noFill/>
-                </a:ln>
-                <a:latin typeface="Arial" pitchFamily="18"/>
-                <a:ea typeface="DejaVu Sans" pitchFamily="2"/>
-                <a:cs typeface="DejaVu Sans" pitchFamily="2"/>
-              </a:rPr>
-              <a:t>forced</a:t>
-            </a:r>
-            <a:r>
-              <a:rPr lang="sv-SE" b="0" i="0" u="none" strike="noStrike" kern="1200" spc="0" dirty="0">
-                <a:ln>
-                  <a:noFill/>
-                </a:ln>
-                <a:latin typeface="Arial" pitchFamily="18"/>
-                <a:ea typeface="DejaVu Sans" pitchFamily="2"/>
-                <a:cs typeface="DejaVu Sans" pitchFamily="2"/>
-              </a:rPr>
-              <a:t> </a:t>
-            </a:r>
-            <a:r>
-              <a:rPr lang="sv-SE" b="0" i="0" u="none" strike="noStrike" kern="1200" spc="0" dirty="0" err="1">
-                <a:ln>
-                  <a:noFill/>
-                </a:ln>
-                <a:latin typeface="Arial" pitchFamily="18"/>
-                <a:ea typeface="DejaVu Sans" pitchFamily="2"/>
-                <a:cs typeface="DejaVu Sans" pitchFamily="2"/>
-              </a:rPr>
-              <a:t>to</a:t>
-            </a:r>
-            <a:r>
-              <a:rPr lang="sv-SE" b="0" i="0" u="none" strike="noStrike" kern="1200" spc="0" dirty="0">
-                <a:ln>
-                  <a:noFill/>
-                </a:ln>
-                <a:latin typeface="Arial" pitchFamily="18"/>
-                <a:ea typeface="DejaVu Sans" pitchFamily="2"/>
-                <a:cs typeface="DejaVu Sans" pitchFamily="2"/>
-              </a:rPr>
-              <a:t> </a:t>
-            </a:r>
-            <a:r>
-              <a:rPr lang="sv-SE" b="0" i="0" u="none" strike="noStrike" kern="1200" spc="0" dirty="0" err="1">
-                <a:ln>
-                  <a:noFill/>
-                </a:ln>
-                <a:latin typeface="Arial" pitchFamily="18"/>
-                <a:ea typeface="DejaVu Sans" pitchFamily="2"/>
-                <a:cs typeface="DejaVu Sans" pitchFamily="2"/>
-              </a:rPr>
-              <a:t>depend</a:t>
-            </a:r>
-            <a:r>
-              <a:rPr lang="sv-SE" b="0" i="0" u="none" strike="noStrike" kern="1200" spc="0" dirty="0">
-                <a:ln>
-                  <a:noFill/>
-                </a:ln>
-                <a:latin typeface="Arial" pitchFamily="18"/>
-                <a:ea typeface="DejaVu Sans" pitchFamily="2"/>
-                <a:cs typeface="DejaVu Sans" pitchFamily="2"/>
-              </a:rPr>
-              <a:t> on </a:t>
-            </a:r>
-            <a:r>
-              <a:rPr lang="sv-SE" b="0" i="0" u="none" strike="noStrike" kern="1200" spc="0" dirty="0" err="1">
-                <a:ln>
-                  <a:noFill/>
-                </a:ln>
-                <a:latin typeface="Arial" pitchFamily="18"/>
-                <a:ea typeface="DejaVu Sans" pitchFamily="2"/>
-                <a:cs typeface="DejaVu Sans" pitchFamily="2"/>
-              </a:rPr>
-              <a:t>methods</a:t>
-            </a:r>
-            <a:r>
-              <a:rPr lang="sv-SE" b="0" i="0" u="none" strike="noStrike" kern="1200" spc="0" dirty="0">
-                <a:ln>
-                  <a:noFill/>
-                </a:ln>
-                <a:latin typeface="Arial" pitchFamily="18"/>
-                <a:ea typeface="DejaVu Sans" pitchFamily="2"/>
-                <a:cs typeface="DejaVu Sans" pitchFamily="2"/>
-              </a:rPr>
-              <a:t> </a:t>
-            </a:r>
-            <a:r>
-              <a:rPr lang="sv-SE" b="0" i="0" u="none" strike="noStrike" kern="1200" spc="0" dirty="0" err="1">
-                <a:ln>
-                  <a:noFill/>
-                </a:ln>
-                <a:latin typeface="Arial" pitchFamily="18"/>
-                <a:ea typeface="DejaVu Sans" pitchFamily="2"/>
-                <a:cs typeface="DejaVu Sans" pitchFamily="2"/>
-              </a:rPr>
-              <a:t>they</a:t>
-            </a:r>
-            <a:r>
-              <a:rPr lang="sv-SE" b="0" i="0" u="none" strike="noStrike" kern="1200" spc="0" dirty="0">
-                <a:ln>
-                  <a:noFill/>
-                </a:ln>
-                <a:latin typeface="Arial" pitchFamily="18"/>
-                <a:ea typeface="DejaVu Sans" pitchFamily="2"/>
-                <a:cs typeface="DejaVu Sans" pitchFamily="2"/>
-              </a:rPr>
-              <a:t> do not </a:t>
-            </a:r>
-            <a:r>
-              <a:rPr lang="sv-SE" b="0" i="0" u="none" strike="noStrike" kern="1200" spc="0" dirty="0" err="1">
-                <a:ln>
-                  <a:noFill/>
-                </a:ln>
-                <a:latin typeface="Arial" pitchFamily="18"/>
-                <a:ea typeface="DejaVu Sans" pitchFamily="2"/>
-                <a:cs typeface="DejaVu Sans" pitchFamily="2"/>
-              </a:rPr>
-              <a:t>use</a:t>
-            </a:r>
-            <a:endParaRPr lang="sv-SE" b="0" i="0" u="none" strike="noStrike" kern="1200" spc="0" dirty="0">
-              <a:ln>
-                <a:noFill/>
-              </a:ln>
-              <a:latin typeface="Arial" pitchFamily="18"/>
-              <a:ea typeface="DejaVu Sans" pitchFamily="2"/>
-              <a:cs typeface="DejaVu Sans" pitchFamily="2"/>
-            </a:endParaRPr>
-          </a:p>
-          <a:p>
-            <a:pPr marL="342900" marR="0" lvl="0" indent="-342900" rtl="0" hangingPunct="0">
-              <a:lnSpc>
-                <a:spcPct val="100000"/>
-              </a:lnSpc>
-              <a:spcBef>
-                <a:spcPts val="0"/>
-              </a:spcBef>
-              <a:spcAft>
-                <a:spcPts val="0"/>
-              </a:spcAft>
-              <a:buFont typeface="Arial" pitchFamily="34" charset="0"/>
-              <a:buChar char="•"/>
-              <a:tabLst/>
-            </a:pPr>
-            <a:r>
-              <a:rPr lang="sv-SE" b="0" i="0" u="none" strike="noStrike" kern="1200" spc="0" dirty="0">
-                <a:ln>
-                  <a:noFill/>
-                </a:ln>
-                <a:latin typeface="Arial" pitchFamily="18"/>
-                <a:ea typeface="DejaVu Sans" pitchFamily="2"/>
-                <a:cs typeface="DejaVu Sans" pitchFamily="2"/>
-              </a:rPr>
-              <a:t>The </a:t>
-            </a:r>
-            <a:r>
-              <a:rPr lang="sv-SE" b="0" i="0" u="sng" strike="noStrike" kern="1200" spc="0" dirty="0" err="1">
-                <a:ln>
-                  <a:noFill/>
-                </a:ln>
-                <a:uFillTx/>
-                <a:latin typeface="Arial" pitchFamily="18"/>
-                <a:ea typeface="DejaVu Sans" pitchFamily="2"/>
-                <a:cs typeface="DejaVu Sans" pitchFamily="2"/>
-              </a:rPr>
-              <a:t>D</a:t>
-            </a:r>
-            <a:r>
-              <a:rPr lang="sv-SE" b="0" i="0" u="none" strike="noStrike" kern="1200" spc="0" dirty="0" err="1">
-                <a:ln>
-                  <a:noFill/>
-                </a:ln>
-                <a:latin typeface="Arial" pitchFamily="18"/>
-                <a:ea typeface="DejaVu Sans" pitchFamily="2"/>
-                <a:cs typeface="DejaVu Sans" pitchFamily="2"/>
-              </a:rPr>
-              <a:t>ependency</a:t>
-            </a:r>
-            <a:r>
-              <a:rPr lang="sv-SE" b="0" i="0" u="none" strike="noStrike" kern="1200" spc="0" dirty="0">
-                <a:ln>
-                  <a:noFill/>
-                </a:ln>
-                <a:latin typeface="Arial" pitchFamily="18"/>
-                <a:ea typeface="DejaVu Sans" pitchFamily="2"/>
-                <a:cs typeface="DejaVu Sans" pitchFamily="2"/>
-              </a:rPr>
-              <a:t> Inversion </a:t>
-            </a:r>
-            <a:r>
-              <a:rPr lang="sv-SE" b="0" i="0" u="none" strike="noStrike" kern="1200" spc="0" dirty="0" err="1" smtClean="0">
-                <a:ln>
-                  <a:noFill/>
-                </a:ln>
-                <a:latin typeface="Arial" pitchFamily="18"/>
-                <a:ea typeface="DejaVu Sans" pitchFamily="2"/>
-                <a:cs typeface="DejaVu Sans" pitchFamily="2"/>
-              </a:rPr>
-              <a:t>Principle</a:t>
-            </a:r>
-            <a:r>
-              <a:rPr lang="sv-SE" dirty="0">
-                <a:latin typeface="Arial" pitchFamily="18"/>
-                <a:ea typeface="DejaVu Sans" pitchFamily="2"/>
-                <a:cs typeface="DejaVu Sans" pitchFamily="2"/>
-              </a:rPr>
-              <a:t/>
-            </a:r>
-            <a:br>
-              <a:rPr lang="sv-SE" dirty="0">
-                <a:latin typeface="Arial" pitchFamily="18"/>
-                <a:ea typeface="DejaVu Sans" pitchFamily="2"/>
-                <a:cs typeface="DejaVu Sans" pitchFamily="2"/>
-              </a:rPr>
-            </a:br>
-            <a:r>
-              <a:rPr lang="sv-SE" b="0" i="0" u="none" strike="noStrike" kern="1200" spc="0" dirty="0" err="1" smtClean="0">
-                <a:ln>
-                  <a:noFill/>
-                </a:ln>
-                <a:latin typeface="Arial" pitchFamily="18"/>
-                <a:ea typeface="DejaVu Sans" pitchFamily="2"/>
-                <a:cs typeface="DejaVu Sans" pitchFamily="2"/>
-              </a:rPr>
-              <a:t>High</a:t>
-            </a:r>
-            <a:r>
-              <a:rPr lang="sv-SE" b="0" i="0" u="none" strike="noStrike" kern="1200" spc="0" dirty="0" smtClean="0">
-                <a:ln>
-                  <a:noFill/>
-                </a:ln>
-                <a:latin typeface="Arial" pitchFamily="18"/>
-                <a:ea typeface="DejaVu Sans" pitchFamily="2"/>
-                <a:cs typeface="DejaVu Sans" pitchFamily="2"/>
-              </a:rPr>
-              <a:t> </a:t>
-            </a:r>
-            <a:r>
-              <a:rPr lang="sv-SE" b="0" i="0" u="none" strike="noStrike" kern="1200" spc="0" dirty="0" err="1">
-                <a:ln>
-                  <a:noFill/>
-                </a:ln>
-                <a:latin typeface="Arial" pitchFamily="18"/>
-                <a:ea typeface="DejaVu Sans" pitchFamily="2"/>
-                <a:cs typeface="DejaVu Sans" pitchFamily="2"/>
-              </a:rPr>
-              <a:t>level</a:t>
-            </a:r>
-            <a:r>
-              <a:rPr lang="sv-SE" b="0" i="0" u="none" strike="noStrike" kern="1200" spc="0" dirty="0">
-                <a:ln>
-                  <a:noFill/>
-                </a:ln>
-                <a:latin typeface="Arial" pitchFamily="18"/>
-                <a:ea typeface="DejaVu Sans" pitchFamily="2"/>
-                <a:cs typeface="DejaVu Sans" pitchFamily="2"/>
-              </a:rPr>
-              <a:t> </a:t>
-            </a:r>
-            <a:r>
-              <a:rPr lang="sv-SE" b="0" i="0" u="none" strike="noStrike" kern="1200" spc="0" dirty="0" err="1">
-                <a:ln>
-                  <a:noFill/>
-                </a:ln>
-                <a:latin typeface="Arial" pitchFamily="18"/>
-                <a:ea typeface="DejaVu Sans" pitchFamily="2"/>
-                <a:cs typeface="DejaVu Sans" pitchFamily="2"/>
-              </a:rPr>
-              <a:t>modules</a:t>
-            </a:r>
-            <a:r>
-              <a:rPr lang="sv-SE" b="0" i="0" u="none" strike="noStrike" kern="1200" spc="0" dirty="0">
-                <a:ln>
-                  <a:noFill/>
-                </a:ln>
-                <a:latin typeface="Arial" pitchFamily="18"/>
-                <a:ea typeface="DejaVu Sans" pitchFamily="2"/>
-                <a:cs typeface="DejaVu Sans" pitchFamily="2"/>
-              </a:rPr>
-              <a:t> </a:t>
-            </a:r>
-            <a:r>
-              <a:rPr lang="sv-SE" b="0" i="0" u="none" strike="noStrike" kern="1200" spc="0" dirty="0" err="1">
-                <a:ln>
-                  <a:noFill/>
-                </a:ln>
-                <a:latin typeface="Arial" pitchFamily="18"/>
-                <a:ea typeface="DejaVu Sans" pitchFamily="2"/>
-                <a:cs typeface="DejaVu Sans" pitchFamily="2"/>
-              </a:rPr>
-              <a:t>should</a:t>
-            </a:r>
-            <a:r>
-              <a:rPr lang="sv-SE" b="0" i="0" u="none" strike="noStrike" kern="1200" spc="0" dirty="0">
-                <a:ln>
-                  <a:noFill/>
-                </a:ln>
-                <a:latin typeface="Arial" pitchFamily="18"/>
-                <a:ea typeface="DejaVu Sans" pitchFamily="2"/>
-                <a:cs typeface="DejaVu Sans" pitchFamily="2"/>
-              </a:rPr>
-              <a:t> not </a:t>
-            </a:r>
-            <a:r>
-              <a:rPr lang="sv-SE" b="0" i="0" u="none" strike="noStrike" kern="1200" spc="0" dirty="0" err="1">
-                <a:ln>
-                  <a:noFill/>
-                </a:ln>
-                <a:latin typeface="Arial" pitchFamily="18"/>
-                <a:ea typeface="DejaVu Sans" pitchFamily="2"/>
-                <a:cs typeface="DejaVu Sans" pitchFamily="2"/>
-              </a:rPr>
-              <a:t>depend</a:t>
-            </a:r>
-            <a:r>
-              <a:rPr lang="sv-SE" b="0" i="0" u="none" strike="noStrike" kern="1200" spc="0" dirty="0">
-                <a:ln>
-                  <a:noFill/>
-                </a:ln>
-                <a:latin typeface="Arial" pitchFamily="18"/>
-                <a:ea typeface="DejaVu Sans" pitchFamily="2"/>
-                <a:cs typeface="DejaVu Sans" pitchFamily="2"/>
-              </a:rPr>
-              <a:t> on </a:t>
-            </a:r>
-            <a:r>
-              <a:rPr lang="sv-SE" b="0" i="0" u="none" strike="noStrike" kern="1200" spc="0" dirty="0" err="1">
-                <a:ln>
-                  <a:noFill/>
-                </a:ln>
-                <a:latin typeface="Arial" pitchFamily="18"/>
-                <a:ea typeface="DejaVu Sans" pitchFamily="2"/>
-                <a:cs typeface="DejaVu Sans" pitchFamily="2"/>
-              </a:rPr>
-              <a:t>low</a:t>
-            </a:r>
-            <a:r>
-              <a:rPr lang="sv-SE" b="0" i="0" u="none" strike="noStrike" kern="1200" spc="0" dirty="0">
-                <a:ln>
-                  <a:noFill/>
-                </a:ln>
-                <a:latin typeface="Arial" pitchFamily="18"/>
-                <a:ea typeface="DejaVu Sans" pitchFamily="2"/>
-                <a:cs typeface="DejaVu Sans" pitchFamily="2"/>
-              </a:rPr>
-              <a:t> </a:t>
-            </a:r>
-            <a:r>
-              <a:rPr lang="sv-SE" b="0" i="0" u="none" strike="noStrike" kern="1200" spc="0" dirty="0" err="1">
-                <a:ln>
-                  <a:noFill/>
-                </a:ln>
-                <a:latin typeface="Arial" pitchFamily="18"/>
-                <a:ea typeface="DejaVu Sans" pitchFamily="2"/>
-                <a:cs typeface="DejaVu Sans" pitchFamily="2"/>
-              </a:rPr>
-              <a:t>level</a:t>
-            </a:r>
-            <a:r>
-              <a:rPr lang="sv-SE" b="0" i="0" u="none" strike="noStrike" kern="1200" spc="0" dirty="0">
-                <a:ln>
-                  <a:noFill/>
-                </a:ln>
-                <a:latin typeface="Arial" pitchFamily="18"/>
-                <a:ea typeface="DejaVu Sans" pitchFamily="2"/>
-                <a:cs typeface="DejaVu Sans" pitchFamily="2"/>
-              </a:rPr>
-              <a:t> </a:t>
-            </a:r>
-            <a:r>
-              <a:rPr lang="sv-SE" b="0" i="0" u="none" strike="noStrike" kern="1200" spc="0" dirty="0" err="1">
-                <a:ln>
-                  <a:noFill/>
-                </a:ln>
-                <a:latin typeface="Arial" pitchFamily="18"/>
-                <a:ea typeface="DejaVu Sans" pitchFamily="2"/>
-                <a:cs typeface="DejaVu Sans" pitchFamily="2"/>
-              </a:rPr>
-              <a:t>modules</a:t>
-            </a:r>
-            <a:r>
-              <a:rPr lang="sv-SE" b="0" i="0" u="none" strike="noStrike" kern="1200" spc="0" dirty="0">
-                <a:ln>
-                  <a:noFill/>
-                </a:ln>
-                <a:latin typeface="Arial" pitchFamily="18"/>
-                <a:ea typeface="DejaVu Sans" pitchFamily="2"/>
-                <a:cs typeface="DejaVu Sans" pitchFamily="2"/>
-              </a:rPr>
-              <a:t>. </a:t>
-            </a:r>
-            <a:r>
-              <a:rPr lang="sv-SE" b="0" i="0" u="none" strike="noStrike" kern="1200" spc="0" dirty="0" err="1">
-                <a:ln>
-                  <a:noFill/>
-                </a:ln>
-                <a:latin typeface="Arial" pitchFamily="18"/>
-                <a:ea typeface="DejaVu Sans" pitchFamily="2"/>
-                <a:cs typeface="DejaVu Sans" pitchFamily="2"/>
-              </a:rPr>
-              <a:t>Both</a:t>
-            </a:r>
-            <a:r>
-              <a:rPr lang="sv-SE" b="0" i="0" u="none" strike="noStrike" kern="1200" spc="0" dirty="0">
-                <a:ln>
-                  <a:noFill/>
-                </a:ln>
-                <a:latin typeface="Arial" pitchFamily="18"/>
-                <a:ea typeface="DejaVu Sans" pitchFamily="2"/>
-                <a:cs typeface="DejaVu Sans" pitchFamily="2"/>
-              </a:rPr>
-              <a:t> </a:t>
-            </a:r>
-            <a:r>
-              <a:rPr lang="sv-SE" b="0" i="0" u="none" strike="noStrike" kern="1200" spc="0" dirty="0" err="1">
-                <a:ln>
-                  <a:noFill/>
-                </a:ln>
-                <a:latin typeface="Arial" pitchFamily="18"/>
-                <a:ea typeface="DejaVu Sans" pitchFamily="2"/>
-                <a:cs typeface="DejaVu Sans" pitchFamily="2"/>
-              </a:rPr>
-              <a:t>should</a:t>
-            </a:r>
-            <a:r>
-              <a:rPr lang="sv-SE" b="0" i="0" u="none" strike="noStrike" kern="1200" spc="0" dirty="0">
-                <a:ln>
-                  <a:noFill/>
-                </a:ln>
-                <a:latin typeface="Arial" pitchFamily="18"/>
-                <a:ea typeface="DejaVu Sans" pitchFamily="2"/>
-                <a:cs typeface="DejaVu Sans" pitchFamily="2"/>
-              </a:rPr>
-              <a:t> </a:t>
-            </a:r>
-            <a:r>
-              <a:rPr lang="sv-SE" b="0" i="0" u="none" strike="noStrike" kern="1200" spc="0" dirty="0" err="1">
-                <a:ln>
-                  <a:noFill/>
-                </a:ln>
-                <a:latin typeface="Arial" pitchFamily="18"/>
-                <a:ea typeface="DejaVu Sans" pitchFamily="2"/>
-                <a:cs typeface="DejaVu Sans" pitchFamily="2"/>
-              </a:rPr>
-              <a:t>depend</a:t>
-            </a:r>
-            <a:r>
-              <a:rPr lang="sv-SE" b="0" i="0" u="none" strike="noStrike" kern="1200" spc="0" dirty="0">
-                <a:ln>
-                  <a:noFill/>
-                </a:ln>
-                <a:latin typeface="Arial" pitchFamily="18"/>
-                <a:ea typeface="DejaVu Sans" pitchFamily="2"/>
-                <a:cs typeface="DejaVu Sans" pitchFamily="2"/>
-              </a:rPr>
-              <a:t> on </a:t>
-            </a:r>
-            <a:r>
-              <a:rPr lang="sv-SE" b="0" i="0" u="none" strike="noStrike" kern="1200" spc="0" dirty="0" err="1" smtClean="0">
-                <a:ln>
-                  <a:noFill/>
-                </a:ln>
-                <a:latin typeface="Arial" pitchFamily="18"/>
-                <a:ea typeface="DejaVu Sans" pitchFamily="2"/>
-                <a:cs typeface="DejaVu Sans" pitchFamily="2"/>
-              </a:rPr>
-              <a:t>abstractions</a:t>
-            </a:r>
-            <a:r>
-              <a:rPr lang="sv-SE" b="0" i="0" u="none" strike="noStrike" kern="1200" spc="0" dirty="0" smtClean="0">
-                <a:ln>
-                  <a:noFill/>
-                </a:ln>
-                <a:latin typeface="Arial" pitchFamily="18"/>
-                <a:ea typeface="DejaVu Sans" pitchFamily="2"/>
-                <a:cs typeface="DejaVu Sans" pitchFamily="2"/>
-              </a:rPr>
-              <a:t>.</a:t>
-            </a:r>
-            <a:br>
-              <a:rPr lang="sv-SE" b="0" i="0" u="none" strike="noStrike" kern="1200" spc="0" dirty="0" smtClean="0">
-                <a:ln>
-                  <a:noFill/>
-                </a:ln>
-                <a:latin typeface="Arial" pitchFamily="18"/>
-                <a:ea typeface="DejaVu Sans" pitchFamily="2"/>
-                <a:cs typeface="DejaVu Sans" pitchFamily="2"/>
-              </a:rPr>
-            </a:br>
-            <a:r>
-              <a:rPr lang="sv-SE" b="0" i="0" u="none" strike="noStrike" kern="1200" spc="0" dirty="0" err="1" smtClean="0">
-                <a:ln>
-                  <a:noFill/>
-                </a:ln>
-                <a:latin typeface="Arial" pitchFamily="18"/>
-                <a:ea typeface="DejaVu Sans" pitchFamily="2"/>
-                <a:cs typeface="DejaVu Sans" pitchFamily="2"/>
-              </a:rPr>
-              <a:t>Abstractions</a:t>
-            </a:r>
-            <a:r>
-              <a:rPr lang="sv-SE" b="0" i="0" u="none" strike="noStrike" kern="1200" spc="0" dirty="0" smtClean="0">
-                <a:ln>
-                  <a:noFill/>
-                </a:ln>
-                <a:latin typeface="Arial" pitchFamily="18"/>
-                <a:ea typeface="DejaVu Sans" pitchFamily="2"/>
-                <a:cs typeface="DejaVu Sans" pitchFamily="2"/>
-              </a:rPr>
-              <a:t> </a:t>
-            </a:r>
-            <a:r>
-              <a:rPr lang="sv-SE" b="0" i="0" u="none" strike="noStrike" kern="1200" spc="0" dirty="0" err="1">
-                <a:ln>
-                  <a:noFill/>
-                </a:ln>
-                <a:latin typeface="Arial" pitchFamily="18"/>
-                <a:ea typeface="DejaVu Sans" pitchFamily="2"/>
-                <a:cs typeface="DejaVu Sans" pitchFamily="2"/>
-              </a:rPr>
-              <a:t>should</a:t>
-            </a:r>
-            <a:r>
-              <a:rPr lang="sv-SE" b="0" i="0" u="none" strike="noStrike" kern="1200" spc="0" dirty="0">
-                <a:ln>
-                  <a:noFill/>
-                </a:ln>
-                <a:latin typeface="Arial" pitchFamily="18"/>
-                <a:ea typeface="DejaVu Sans" pitchFamily="2"/>
-                <a:cs typeface="DejaVu Sans" pitchFamily="2"/>
-              </a:rPr>
-              <a:t> not </a:t>
-            </a:r>
-            <a:r>
-              <a:rPr lang="sv-SE" b="0" i="0" u="none" strike="noStrike" kern="1200" spc="0" dirty="0" err="1">
-                <a:ln>
-                  <a:noFill/>
-                </a:ln>
-                <a:latin typeface="Arial" pitchFamily="18"/>
-                <a:ea typeface="DejaVu Sans" pitchFamily="2"/>
-                <a:cs typeface="DejaVu Sans" pitchFamily="2"/>
-              </a:rPr>
-              <a:t>depend</a:t>
-            </a:r>
-            <a:r>
-              <a:rPr lang="sv-SE" b="0" i="0" u="none" strike="noStrike" kern="1200" spc="0" dirty="0">
-                <a:ln>
-                  <a:noFill/>
-                </a:ln>
-                <a:latin typeface="Arial" pitchFamily="18"/>
-                <a:ea typeface="DejaVu Sans" pitchFamily="2"/>
-                <a:cs typeface="DejaVu Sans" pitchFamily="2"/>
-              </a:rPr>
-              <a:t> on </a:t>
-            </a:r>
-            <a:r>
-              <a:rPr lang="sv-SE" b="0" i="0" u="none" strike="noStrike" kern="1200" spc="0" dirty="0" err="1">
-                <a:ln>
-                  <a:noFill/>
-                </a:ln>
-                <a:latin typeface="Arial" pitchFamily="18"/>
-                <a:ea typeface="DejaVu Sans" pitchFamily="2"/>
-                <a:cs typeface="DejaVu Sans" pitchFamily="2"/>
-              </a:rPr>
-              <a:t>details</a:t>
-            </a:r>
-            <a:r>
-              <a:rPr lang="sv-SE" b="0" i="0" u="none" strike="noStrike" kern="1200" spc="0" dirty="0">
-                <a:ln>
-                  <a:noFill/>
-                </a:ln>
-                <a:latin typeface="Arial" pitchFamily="18"/>
-                <a:ea typeface="DejaVu Sans" pitchFamily="2"/>
-                <a:cs typeface="DejaVu Sans" pitchFamily="2"/>
-              </a:rPr>
-              <a:t>. </a:t>
-            </a:r>
-            <a:r>
-              <a:rPr lang="sv-SE" b="0" i="0" u="none" strike="noStrike" kern="1200" spc="0" dirty="0" err="1">
-                <a:ln>
-                  <a:noFill/>
-                </a:ln>
-                <a:latin typeface="Arial" pitchFamily="18"/>
-                <a:ea typeface="DejaVu Sans" pitchFamily="2"/>
-                <a:cs typeface="DejaVu Sans" pitchFamily="2"/>
-              </a:rPr>
-              <a:t>Details</a:t>
-            </a:r>
-            <a:r>
-              <a:rPr lang="sv-SE" b="0" i="0" u="none" strike="noStrike" kern="1200" spc="0" dirty="0">
-                <a:ln>
-                  <a:noFill/>
-                </a:ln>
-                <a:latin typeface="Arial" pitchFamily="18"/>
-                <a:ea typeface="DejaVu Sans" pitchFamily="2"/>
-                <a:cs typeface="DejaVu Sans" pitchFamily="2"/>
-              </a:rPr>
-              <a:t> </a:t>
-            </a:r>
-            <a:r>
-              <a:rPr lang="sv-SE" b="0" i="0" u="none" strike="noStrike" kern="1200" spc="0" dirty="0" err="1">
-                <a:ln>
-                  <a:noFill/>
-                </a:ln>
-                <a:latin typeface="Arial" pitchFamily="18"/>
-                <a:ea typeface="DejaVu Sans" pitchFamily="2"/>
-                <a:cs typeface="DejaVu Sans" pitchFamily="2"/>
-              </a:rPr>
-              <a:t>should</a:t>
-            </a:r>
-            <a:r>
-              <a:rPr lang="sv-SE" b="0" i="0" u="none" strike="noStrike" kern="1200" spc="0" dirty="0">
-                <a:ln>
-                  <a:noFill/>
-                </a:ln>
-                <a:latin typeface="Arial" pitchFamily="18"/>
-                <a:ea typeface="DejaVu Sans" pitchFamily="2"/>
-                <a:cs typeface="DejaVu Sans" pitchFamily="2"/>
-              </a:rPr>
-              <a:t> </a:t>
-            </a:r>
-            <a:r>
-              <a:rPr lang="sv-SE" b="0" i="0" u="none" strike="noStrike" kern="1200" spc="0" dirty="0" err="1">
-                <a:ln>
-                  <a:noFill/>
-                </a:ln>
-                <a:latin typeface="Arial" pitchFamily="18"/>
-                <a:ea typeface="DejaVu Sans" pitchFamily="2"/>
-                <a:cs typeface="DejaVu Sans" pitchFamily="2"/>
-              </a:rPr>
-              <a:t>depend</a:t>
-            </a:r>
-            <a:r>
-              <a:rPr lang="sv-SE" b="0" i="0" u="none" strike="noStrike" kern="1200" spc="0" dirty="0">
-                <a:ln>
-                  <a:noFill/>
-                </a:ln>
-                <a:latin typeface="Arial" pitchFamily="18"/>
-                <a:ea typeface="DejaVu Sans" pitchFamily="2"/>
-                <a:cs typeface="DejaVu Sans" pitchFamily="2"/>
-              </a:rPr>
-              <a:t> on </a:t>
-            </a:r>
-            <a:r>
-              <a:rPr lang="sv-SE" b="0" i="0" u="none" strike="noStrike" kern="1200" spc="0" dirty="0" err="1">
-                <a:ln>
-                  <a:noFill/>
-                </a:ln>
-                <a:latin typeface="Arial" pitchFamily="18"/>
-                <a:ea typeface="DejaVu Sans" pitchFamily="2"/>
-                <a:cs typeface="DejaVu Sans" pitchFamily="2"/>
-              </a:rPr>
-              <a:t>abstractions</a:t>
-            </a:r>
-            <a:endParaRPr lang="sv-SE" b="0" i="0" u="none" strike="noStrike" kern="1200" spc="0" dirty="0">
-              <a:ln>
-                <a:noFill/>
-              </a:ln>
-              <a:latin typeface="Arial" pitchFamily="18"/>
-              <a:ea typeface="DejaVu Sans" pitchFamily="2"/>
-              <a:cs typeface="DejaVu Sans" pitchFamily="2"/>
-            </a:endParaRPr>
+              <a:rPr lang="sv-SE" dirty="0" err="1" smtClean="0"/>
+              <a:t>typing</a:t>
+            </a:r>
+            <a:endParaRPr lang="sv-SE" dirty="0" smtClean="0"/>
           </a:p>
         </p:txBody>
       </p:sp>
     </p:spTree>
+    <p:extLst>
+      <p:ext uri="{BB962C8B-B14F-4D97-AF65-F5344CB8AC3E}">
+        <p14:creationId xmlns:p14="http://schemas.microsoft.com/office/powerpoint/2010/main" val="932290057"/>
+      </p:ext>
+    </p:extLst>
   </p:cSld>
   <p:clrMapOvr>
     <a:masterClrMapping/>
   </p:clrMapOvr>
-  <mc:AlternateContent xmlns:mc="http://schemas.openxmlformats.org/markup-compatibility/2006">
-    <mc:Choice xmlns:p14="http://schemas.microsoft.com/office/powerpoint/2010/main" Requires="p14">
-      <p:transition p14:dur="0"/>
+  <mc:AlternateContent xmlns:mc="http://schemas.openxmlformats.org/markup-compatibility/2006" xmlns:p14="http://schemas.microsoft.com/office/powerpoint/2010/main">
+    <mc:Choice Requires="p14">
+      <p:transition spd="slow" p14:dur="2000"/>
     </mc:Choice>
-    <mc:Fallback>
-      <p:transition/>
+    <mc:Fallback xmlns="">
+      <p:transition spd="slow"/>
     </mc:Fallback>
   </mc:AlternateContent>
   <p:timing>
@@ -15560,6 +15574,55 @@
                                           <p:spTgt spid="3">
                                             <p:txEl>
                                               <p:pRg st="4" end="4"/>
+                                            </p:txEl>
+                                          </p:spTgt>
+                                        </p:tgtEl>
+                                        <p:attrNameLst>
+                                          <p:attrName>style.visibility</p:attrName>
+                                        </p:attrNameLst>
+                                      </p:cBhvr>
+                                      <p:to>
+                                        <p:strVal val="visible"/>
+                                      </p:to>
+                                    </p:set>
+                                  </p:childTnLst>
+                                </p:cTn>
+                              </p:par>
+                            </p:childTnLst>
+                          </p:cTn>
+                        </p:par>
+                      </p:childTnLst>
+                    </p:cTn>
+                  </p:par>
+                  <p:par>
+                    <p:cTn id="23" fill="hold">
+                      <p:stCondLst>
+                        <p:cond delay="indefinite"/>
+                      </p:stCondLst>
+                      <p:childTnLst>
+                        <p:par>
+                          <p:cTn id="24" fill="hold">
+                            <p:stCondLst>
+                              <p:cond delay="0"/>
+                            </p:stCondLst>
+                            <p:childTnLst>
+                              <p:par>
+                                <p:cTn id="25" presetID="1" presetClass="entr" presetSubtype="0" fill="hold" nodeType="clickEffect">
+                                  <p:stCondLst>
+                                    <p:cond delay="0"/>
+                                  </p:stCondLst>
+                                  <p:childTnLst>
+                                    <p:set>
+                                      <p:cBhvr>
+                                        <p:cTn id="26" dur="1" fill="hold">
+                                          <p:stCondLst>
+                                            <p:cond delay="0"/>
+                                          </p:stCondLst>
+                                        </p:cTn>
+                                        <p:tgtEl>
+                                          <p:spTgt spid="3">
+                                            <p:txEl>
+                                              <p:pRg st="5" end="5"/>
                                             </p:txEl>
                                           </p:spTgt>
                                         </p:tgtEl>

--- a/FSharp2.pptx
+++ b/FSharp2.pptx
@@ -21,10 +21,10 @@
     <p:sldId id="273" r:id="rId9"/>
     <p:sldId id="276" r:id="rId10"/>
     <p:sldId id="277" r:id="rId11"/>
-    <p:sldId id="260" r:id="rId12"/>
-    <p:sldId id="278" r:id="rId13"/>
-    <p:sldId id="280" r:id="rId14"/>
-    <p:sldId id="265" r:id="rId15"/>
+    <p:sldId id="278" r:id="rId12"/>
+    <p:sldId id="280" r:id="rId13"/>
+    <p:sldId id="265" r:id="rId14"/>
+    <p:sldId id="260" r:id="rId15"/>
     <p:sldId id="269" r:id="rId16"/>
     <p:sldId id="270" r:id="rId17"/>
     <p:sldId id="264" r:id="rId18"/>
@@ -925,8 +925,8 @@
         </p:nvSpPr>
         <p:spPr>
           <a:xfrm>
-            <a:off x="1144588" y="695325"/>
-            <a:ext cx="4568825" cy="3427413"/>
+            <a:off x="1143000" y="694800"/>
+            <a:ext cx="4571640" cy="3428639"/>
           </a:xfrm>
           <a:solidFill>
             <a:schemeClr val="accent1"/>
@@ -1002,8 +1002,8 @@
         </p:nvSpPr>
         <p:spPr>
           <a:xfrm>
-            <a:off x="1143000" y="694800"/>
-            <a:ext cx="4571640" cy="3428639"/>
+            <a:off x="1144588" y="695325"/>
+            <a:ext cx="4568825" cy="3427413"/>
           </a:xfrm>
           <a:solidFill>
             <a:schemeClr val="accent1"/>
@@ -6123,598 +6123,6 @@
 </file>
 
 <file path=ppt/slides/slide10.xml><?xml version="1.0" encoding="utf-8"?>
-<p:sld xmlns:a="http://schemas.openxmlformats.org/drawingml/2006/main" xmlns:r="http://schemas.openxmlformats.org/officeDocument/2006/relationships" xmlns:p="http://schemas.openxmlformats.org/presentationml/2006/main">
-  <p:cSld name="page5">
-    <p:spTree>
-      <p:nvGrpSpPr>
-        <p:cNvPr id="1" name=""/>
-        <p:cNvGrpSpPr/>
-        <p:nvPr/>
-      </p:nvGrpSpPr>
-      <p:grpSpPr>
-        <a:xfrm>
-          <a:off x="0" y="0"/>
-          <a:ext cx="0" cy="0"/>
-          <a:chOff x="0" y="0"/>
-          <a:chExt cx="0" cy="0"/>
-        </a:xfrm>
-      </p:grpSpPr>
-      <p:sp>
-        <p:nvSpPr>
-          <p:cNvPr id="2" name="TextShape 1"/>
-          <p:cNvSpPr/>
-          <p:nvPr/>
-        </p:nvSpPr>
-        <p:spPr>
-          <a:xfrm>
-            <a:off x="457200" y="169560"/>
-            <a:ext cx="8228880" cy="1603256"/>
-          </a:xfrm>
-          <a:custGeom>
-            <a:avLst/>
-            <a:gdLst>
-              <a:gd name="f0" fmla="val 0"/>
-              <a:gd name="f1" fmla="val 21600"/>
-            </a:gdLst>
-            <a:ahLst/>
-            <a:cxnLst>
-              <a:cxn ang="3cd4">
-                <a:pos x="hc" y="t"/>
-              </a:cxn>
-              <a:cxn ang="0">
-                <a:pos x="r" y="vc"/>
-              </a:cxn>
-              <a:cxn ang="cd4">
-                <a:pos x="hc" y="b"/>
-              </a:cxn>
-              <a:cxn ang="cd2">
-                <a:pos x="l" y="vc"/>
-              </a:cxn>
-            </a:cxnLst>
-            <a:rect l="l" t="t" r="r" b="b"/>
-            <a:pathLst>
-              <a:path w="21600" h="21600">
-                <a:moveTo>
-                  <a:pt x="f0" y="f0"/>
-                </a:moveTo>
-                <a:lnTo>
-                  <a:pt x="f1" y="f0"/>
-                </a:lnTo>
-                <a:lnTo>
-                  <a:pt x="f1" y="f1"/>
-                </a:lnTo>
-                <a:lnTo>
-                  <a:pt x="f0" y="f1"/>
-                </a:lnTo>
-                <a:lnTo>
-                  <a:pt x="f0" y="f0"/>
-                </a:lnTo>
-                <a:close/>
-              </a:path>
-            </a:pathLst>
-          </a:custGeom>
-          <a:noFill/>
-          <a:ln>
-            <a:noFill/>
-            <a:prstDash val="solid"/>
-          </a:ln>
-        </p:spPr>
-        <p:txBody>
-          <a:bodyPr vert="horz" wrap="square" lIns="90000" tIns="45000" rIns="90000" bIns="45000" anchor="t" compatLnSpc="0"/>
-          <a:lstStyle/>
-          <a:p>
-            <a:pPr lvl="0" algn="ctr" hangingPunct="0"/>
-            <a:r>
-              <a:rPr lang="sv-SE" sz="4400" dirty="0">
-                <a:solidFill>
-                  <a:srgbClr val="000000"/>
-                </a:solidFill>
-                <a:latin typeface="Calibri" pitchFamily="18"/>
-                <a:ea typeface="DejaVu Sans" pitchFamily="2"/>
-                <a:cs typeface="DejaVu Sans" pitchFamily="2"/>
-              </a:rPr>
-              <a:t>Linq is </a:t>
-            </a:r>
-            <a:r>
-              <a:rPr lang="sv-SE" sz="4400" dirty="0" err="1">
-                <a:solidFill>
-                  <a:srgbClr val="000000"/>
-                </a:solidFill>
-                <a:latin typeface="Calibri" pitchFamily="18"/>
-                <a:ea typeface="DejaVu Sans" pitchFamily="2"/>
-                <a:cs typeface="DejaVu Sans" pitchFamily="2"/>
-              </a:rPr>
-              <a:t>Functional</a:t>
-            </a:r>
-            <a:r>
-              <a:rPr lang="sv-SE" sz="4400" dirty="0">
-                <a:solidFill>
-                  <a:srgbClr val="000000"/>
-                </a:solidFill>
-                <a:latin typeface="Calibri" pitchFamily="18"/>
-                <a:ea typeface="DejaVu Sans" pitchFamily="2"/>
-                <a:cs typeface="DejaVu Sans" pitchFamily="2"/>
-              </a:rPr>
-              <a:t> </a:t>
-            </a:r>
-            <a:r>
-              <a:rPr lang="sv-SE" sz="4400" dirty="0" smtClean="0">
-                <a:solidFill>
-                  <a:srgbClr val="000000"/>
-                </a:solidFill>
-                <a:latin typeface="Calibri" pitchFamily="18"/>
-                <a:ea typeface="DejaVu Sans" pitchFamily="2"/>
-                <a:cs typeface="DejaVu Sans" pitchFamily="2"/>
-              </a:rPr>
-              <a:t>Style </a:t>
-            </a:r>
-            <a:r>
-              <a:rPr lang="sv-SE" sz="4400" dirty="0" err="1" smtClean="0">
-                <a:solidFill>
-                  <a:srgbClr val="000000"/>
-                </a:solidFill>
-                <a:latin typeface="Calibri" pitchFamily="18"/>
-                <a:ea typeface="DejaVu Sans" pitchFamily="2"/>
-                <a:cs typeface="DejaVu Sans" pitchFamily="2"/>
-              </a:rPr>
-              <a:t>Programming</a:t>
-            </a:r>
-            <a:endParaRPr lang="sv-SE" sz="4400" b="0" i="0" u="none" strike="noStrike" kern="1200" spc="0" dirty="0">
-              <a:ln>
-                <a:noFill/>
-              </a:ln>
-              <a:solidFill>
-                <a:srgbClr val="000000"/>
-              </a:solidFill>
-              <a:latin typeface="Calibri" pitchFamily="18"/>
-              <a:ea typeface="DejaVu Sans" pitchFamily="2"/>
-              <a:cs typeface="DejaVu Sans" pitchFamily="2"/>
-            </a:endParaRPr>
-          </a:p>
-        </p:txBody>
-      </p:sp>
-      <p:sp>
-        <p:nvSpPr>
-          <p:cNvPr id="3" name="TextShape 2"/>
-          <p:cNvSpPr/>
-          <p:nvPr/>
-        </p:nvSpPr>
-        <p:spPr>
-          <a:xfrm>
-            <a:off x="457200" y="2132856"/>
-            <a:ext cx="8228880" cy="4083264"/>
-          </a:xfrm>
-          <a:custGeom>
-            <a:avLst/>
-            <a:gdLst>
-              <a:gd name="f0" fmla="val 0"/>
-              <a:gd name="f1" fmla="val 21600"/>
-            </a:gdLst>
-            <a:ahLst/>
-            <a:cxnLst>
-              <a:cxn ang="3cd4">
-                <a:pos x="hc" y="t"/>
-              </a:cxn>
-              <a:cxn ang="0">
-                <a:pos x="r" y="vc"/>
-              </a:cxn>
-              <a:cxn ang="cd4">
-                <a:pos x="hc" y="b"/>
-              </a:cxn>
-              <a:cxn ang="cd2">
-                <a:pos x="l" y="vc"/>
-              </a:cxn>
-            </a:cxnLst>
-            <a:rect l="l" t="t" r="r" b="b"/>
-            <a:pathLst>
-              <a:path w="21600" h="21600">
-                <a:moveTo>
-                  <a:pt x="f0" y="f0"/>
-                </a:moveTo>
-                <a:lnTo>
-                  <a:pt x="f1" y="f0"/>
-                </a:lnTo>
-                <a:lnTo>
-                  <a:pt x="f1" y="f1"/>
-                </a:lnTo>
-                <a:lnTo>
-                  <a:pt x="f0" y="f1"/>
-                </a:lnTo>
-                <a:lnTo>
-                  <a:pt x="f0" y="f0"/>
-                </a:lnTo>
-                <a:close/>
-              </a:path>
-            </a:pathLst>
-          </a:custGeom>
-          <a:noFill/>
-          <a:ln>
-            <a:noFill/>
-            <a:prstDash val="solid"/>
-          </a:ln>
-        </p:spPr>
-        <p:txBody>
-          <a:bodyPr vert="horz" wrap="square" lIns="90000" tIns="45000" rIns="90000" bIns="45000" anchor="t" compatLnSpc="0"/>
-          <a:lstStyle/>
-          <a:p>
-            <a:pPr lvl="0" hangingPunct="0"/>
-            <a:r>
-              <a:rPr lang="sv-SE" sz="2000" dirty="0" err="1">
-                <a:solidFill>
-                  <a:srgbClr val="1F497D"/>
-                </a:solidFill>
-                <a:latin typeface="Arial" pitchFamily="18"/>
-                <a:ea typeface="DejaVu Sans" pitchFamily="2"/>
-                <a:cs typeface="DejaVu Sans" pitchFamily="2"/>
-              </a:rPr>
-              <a:t>IEnumerable</a:t>
-            </a:r>
-            <a:r>
-              <a:rPr lang="sv-SE" sz="2000" dirty="0">
-                <a:solidFill>
-                  <a:srgbClr val="1F497D"/>
-                </a:solidFill>
-                <a:latin typeface="Arial" pitchFamily="18"/>
-                <a:ea typeface="DejaVu Sans" pitchFamily="2"/>
-                <a:cs typeface="DejaVu Sans" pitchFamily="2"/>
-              </a:rPr>
-              <a:t>&lt;T&gt; and </a:t>
-            </a:r>
-            <a:r>
-              <a:rPr lang="sv-SE" sz="2000" dirty="0" err="1">
-                <a:solidFill>
-                  <a:srgbClr val="1F497D"/>
-                </a:solidFill>
-                <a:latin typeface="Arial" pitchFamily="18"/>
-                <a:ea typeface="DejaVu Sans" pitchFamily="2"/>
-                <a:cs typeface="DejaVu Sans" pitchFamily="2"/>
-              </a:rPr>
-              <a:t>IQueryable</a:t>
-            </a:r>
-            <a:r>
-              <a:rPr lang="sv-SE" sz="2000" dirty="0">
-                <a:solidFill>
-                  <a:srgbClr val="1F497D"/>
-                </a:solidFill>
-                <a:latin typeface="Arial" pitchFamily="18"/>
-                <a:ea typeface="DejaVu Sans" pitchFamily="2"/>
-                <a:cs typeface="DejaVu Sans" pitchFamily="2"/>
-              </a:rPr>
-              <a:t>&lt;T&gt; </a:t>
-            </a:r>
-            <a:r>
-              <a:rPr lang="sv-SE" sz="2000" dirty="0" err="1">
-                <a:solidFill>
-                  <a:srgbClr val="1F497D"/>
-                </a:solidFill>
-                <a:latin typeface="Arial" pitchFamily="18"/>
-                <a:ea typeface="DejaVu Sans" pitchFamily="2"/>
-                <a:cs typeface="DejaVu Sans" pitchFamily="2"/>
-              </a:rPr>
-              <a:t>are</a:t>
-            </a:r>
-            <a:r>
-              <a:rPr lang="sv-SE" sz="2000" b="0" i="0" u="none" strike="noStrike" kern="1200" spc="0" dirty="0" smtClean="0">
-                <a:ln>
-                  <a:noFill/>
-                </a:ln>
-                <a:solidFill>
-                  <a:srgbClr val="0070C0"/>
-                </a:solidFill>
-                <a:latin typeface="Arial" pitchFamily="18"/>
-                <a:ea typeface="DejaVu Sans" pitchFamily="2"/>
-                <a:cs typeface="DejaVu Sans" pitchFamily="2"/>
-              </a:rPr>
-              <a:t> </a:t>
-            </a:r>
-            <a:r>
-              <a:rPr lang="sv-SE" sz="2000" b="0" i="1" u="none" strike="noStrike" kern="1200" spc="0" dirty="0">
-                <a:ln>
-                  <a:noFill/>
-                </a:ln>
-                <a:solidFill>
-                  <a:srgbClr val="1F497D"/>
-                </a:solidFill>
-                <a:latin typeface="Arial" pitchFamily="18"/>
-                <a:ea typeface="DejaVu Sans" pitchFamily="2"/>
-                <a:cs typeface="DejaVu Sans" pitchFamily="2"/>
-              </a:rPr>
-              <a:t>immutable</a:t>
-            </a:r>
-            <a:r>
-              <a:rPr lang="sv-SE" sz="2000" b="0" i="0" u="none" strike="noStrike" kern="1200" spc="0" dirty="0">
-                <a:ln>
-                  <a:noFill/>
-                </a:ln>
-                <a:solidFill>
-                  <a:srgbClr val="1F497D"/>
-                </a:solidFill>
-                <a:latin typeface="Arial" pitchFamily="18"/>
-                <a:ea typeface="DejaVu Sans" pitchFamily="2"/>
-                <a:cs typeface="DejaVu Sans" pitchFamily="2"/>
-              </a:rPr>
-              <a:t> interfaces</a:t>
-            </a:r>
-          </a:p>
-          <a:p>
-            <a:pPr marL="0" marR="0" lvl="0" indent="0" rtl="0" hangingPunct="0">
-              <a:lnSpc>
-                <a:spcPct val="100000"/>
-              </a:lnSpc>
-              <a:spcBef>
-                <a:spcPts val="0"/>
-              </a:spcBef>
-              <a:spcAft>
-                <a:spcPts val="0"/>
-              </a:spcAft>
-              <a:buNone/>
-              <a:tabLst/>
-            </a:pPr>
-            <a:r>
-              <a:rPr lang="sv-SE" sz="2000" b="0" i="0" u="none" strike="noStrike" kern="1200" spc="0" dirty="0">
-                <a:ln>
-                  <a:noFill/>
-                </a:ln>
-                <a:solidFill>
-                  <a:srgbClr val="1F497D"/>
-                </a:solidFill>
-                <a:latin typeface="Arial" pitchFamily="18"/>
-                <a:ea typeface="DejaVu Sans" pitchFamily="2"/>
-                <a:cs typeface="DejaVu Sans" pitchFamily="2"/>
-              </a:rPr>
-              <a:t>IEnumerable&lt;T&gt; and IQueryable&lt;T&gt; are </a:t>
-            </a:r>
-            <a:r>
-              <a:rPr lang="sv-SE" sz="2000" b="0" i="1" u="none" strike="noStrike" kern="1200" spc="0" dirty="0">
-                <a:ln>
-                  <a:noFill/>
-                </a:ln>
-                <a:solidFill>
-                  <a:srgbClr val="1F497D"/>
-                </a:solidFill>
-                <a:latin typeface="Arial" pitchFamily="18"/>
-                <a:ea typeface="DejaVu Sans" pitchFamily="2"/>
-                <a:cs typeface="DejaVu Sans" pitchFamily="2"/>
-              </a:rPr>
-              <a:t>generic</a:t>
-            </a:r>
-            <a:r>
-              <a:rPr lang="sv-SE" sz="2000" b="0" i="0" u="none" strike="noStrike" kern="1200" spc="0" dirty="0">
-                <a:ln>
-                  <a:noFill/>
-                </a:ln>
-                <a:solidFill>
-                  <a:srgbClr val="1F497D"/>
-                </a:solidFill>
-                <a:latin typeface="Arial" pitchFamily="18"/>
-                <a:ea typeface="DejaVu Sans" pitchFamily="2"/>
-                <a:cs typeface="DejaVu Sans" pitchFamily="2"/>
-              </a:rPr>
-              <a:t> interfaces</a:t>
-            </a:r>
-          </a:p>
-          <a:p>
-            <a:pPr marL="0" marR="0" lvl="0" indent="0" rtl="0" hangingPunct="0">
-              <a:lnSpc>
-                <a:spcPct val="100000"/>
-              </a:lnSpc>
-              <a:spcBef>
-                <a:spcPts val="0"/>
-              </a:spcBef>
-              <a:spcAft>
-                <a:spcPts val="0"/>
-              </a:spcAft>
-              <a:buNone/>
-              <a:tabLst/>
-            </a:pPr>
-            <a:r>
-              <a:rPr lang="sv-SE" sz="2000" b="0" i="0" u="none" strike="noStrike" kern="1200" spc="0" dirty="0">
-                <a:ln>
-                  <a:noFill/>
-                </a:ln>
-                <a:solidFill>
-                  <a:srgbClr val="1F497D"/>
-                </a:solidFill>
-                <a:latin typeface="Arial" pitchFamily="18"/>
-                <a:ea typeface="DejaVu Sans" pitchFamily="2"/>
-                <a:cs typeface="DejaVu Sans" pitchFamily="2"/>
-              </a:rPr>
-              <a:t>Linq operators are </a:t>
-            </a:r>
-            <a:r>
-              <a:rPr lang="sv-SE" sz="2000" b="0" i="1" u="none" strike="noStrike" kern="1200" spc="0" dirty="0">
-                <a:ln>
-                  <a:noFill/>
-                </a:ln>
-                <a:solidFill>
-                  <a:srgbClr val="1F497D"/>
-                </a:solidFill>
-                <a:latin typeface="Arial" pitchFamily="18"/>
-                <a:ea typeface="DejaVu Sans" pitchFamily="2"/>
-                <a:cs typeface="DejaVu Sans" pitchFamily="2"/>
-              </a:rPr>
-              <a:t>pure functions</a:t>
-            </a:r>
-          </a:p>
-          <a:p>
-            <a:pPr marL="0" marR="0" lvl="0" indent="0" rtl="0" hangingPunct="0">
-              <a:lnSpc>
-                <a:spcPct val="100000"/>
-              </a:lnSpc>
-              <a:spcBef>
-                <a:spcPts val="0"/>
-              </a:spcBef>
-              <a:spcAft>
-                <a:spcPts val="0"/>
-              </a:spcAft>
-              <a:buNone/>
-              <a:tabLst/>
-            </a:pPr>
-            <a:r>
-              <a:rPr lang="sv-SE" sz="2000" b="0" i="0" u="none" strike="noStrike" kern="1200" spc="0" dirty="0">
-                <a:ln>
-                  <a:noFill/>
-                </a:ln>
-                <a:solidFill>
-                  <a:srgbClr val="1F497D"/>
-                </a:solidFill>
-                <a:latin typeface="Arial" pitchFamily="18"/>
-                <a:ea typeface="DejaVu Sans" pitchFamily="2"/>
-                <a:cs typeface="DejaVu Sans" pitchFamily="2"/>
-              </a:rPr>
-              <a:t>Many Linq operators are </a:t>
-            </a:r>
-            <a:r>
-              <a:rPr lang="sv-SE" sz="2000" b="0" i="1" u="none" strike="noStrike" kern="1200" spc="0" dirty="0">
-                <a:ln>
-                  <a:noFill/>
-                </a:ln>
-                <a:solidFill>
-                  <a:srgbClr val="1F497D"/>
-                </a:solidFill>
-                <a:latin typeface="Arial" pitchFamily="18"/>
-                <a:ea typeface="DejaVu Sans" pitchFamily="2"/>
-                <a:cs typeface="DejaVu Sans" pitchFamily="2"/>
-              </a:rPr>
-              <a:t>higher order functions</a:t>
-            </a:r>
-          </a:p>
-          <a:p>
-            <a:pPr marL="0" marR="0" lvl="0" indent="0" rtl="0" hangingPunct="0">
-              <a:lnSpc>
-                <a:spcPct val="100000"/>
-              </a:lnSpc>
-              <a:spcBef>
-                <a:spcPts val="0"/>
-              </a:spcBef>
-              <a:spcAft>
-                <a:spcPts val="0"/>
-              </a:spcAft>
-              <a:buNone/>
-              <a:tabLst/>
-            </a:pPr>
-            <a:r>
-              <a:rPr lang="sv-SE" sz="2000" b="0" i="0" u="none" strike="noStrike" kern="1200" spc="0" dirty="0">
-                <a:ln>
-                  <a:noFill/>
-                </a:ln>
-                <a:solidFill>
-                  <a:srgbClr val="1F497D"/>
-                </a:solidFill>
-                <a:latin typeface="Arial" pitchFamily="18"/>
-                <a:ea typeface="DejaVu Sans" pitchFamily="2"/>
-                <a:cs typeface="DejaVu Sans" pitchFamily="2"/>
-              </a:rPr>
-              <a:t>Many Linq operators are </a:t>
-            </a:r>
-            <a:r>
-              <a:rPr lang="sv-SE" sz="2000" b="0" i="1" u="none" strike="noStrike" kern="1200" spc="0" dirty="0">
-                <a:ln>
-                  <a:noFill/>
-                </a:ln>
-                <a:solidFill>
-                  <a:srgbClr val="1F497D"/>
-                </a:solidFill>
-                <a:latin typeface="Arial" pitchFamily="18"/>
-                <a:ea typeface="DejaVu Sans" pitchFamily="2"/>
-                <a:cs typeface="DejaVu Sans" pitchFamily="2"/>
-              </a:rPr>
-              <a:t>generic functions</a:t>
-            </a:r>
-          </a:p>
-          <a:p>
-            <a:pPr marL="0" marR="0" lvl="0" indent="0" rtl="0" hangingPunct="0">
-              <a:lnSpc>
-                <a:spcPct val="100000"/>
-              </a:lnSpc>
-              <a:spcBef>
-                <a:spcPts val="0"/>
-              </a:spcBef>
-              <a:spcAft>
-                <a:spcPts val="0"/>
-              </a:spcAft>
-              <a:buNone/>
-              <a:tabLst/>
-            </a:pPr>
-            <a:r>
-              <a:rPr lang="sv-SE" sz="2000" b="0" i="0" u="none" strike="noStrike" kern="1200" spc="0" dirty="0">
-                <a:ln>
-                  <a:noFill/>
-                </a:ln>
-                <a:solidFill>
-                  <a:srgbClr val="1F497D"/>
-                </a:solidFill>
-                <a:latin typeface="Arial" pitchFamily="18"/>
-                <a:ea typeface="DejaVu Sans" pitchFamily="2"/>
-                <a:cs typeface="DejaVu Sans" pitchFamily="2"/>
-              </a:rPr>
-              <a:t>Lambdas are </a:t>
-            </a:r>
-            <a:r>
-              <a:rPr lang="sv-SE" sz="2000" b="0" i="1" u="none" strike="noStrike" kern="1200" spc="0" dirty="0">
-                <a:ln>
-                  <a:noFill/>
-                </a:ln>
-                <a:solidFill>
-                  <a:srgbClr val="1F497D"/>
-                </a:solidFill>
-                <a:latin typeface="Arial" pitchFamily="18"/>
-                <a:ea typeface="DejaVu Sans" pitchFamily="2"/>
-                <a:cs typeface="DejaVu Sans" pitchFamily="2"/>
-              </a:rPr>
-              <a:t>closures</a:t>
-            </a:r>
-          </a:p>
-          <a:p>
-            <a:pPr marL="0" marR="0" lvl="0" indent="0" rtl="0" hangingPunct="0">
-              <a:lnSpc>
-                <a:spcPct val="100000"/>
-              </a:lnSpc>
-              <a:spcBef>
-                <a:spcPts val="0"/>
-              </a:spcBef>
-              <a:spcAft>
-                <a:spcPts val="0"/>
-              </a:spcAft>
-              <a:buNone/>
-              <a:tabLst/>
-            </a:pPr>
-            <a:r>
-              <a:rPr lang="sv-SE" sz="2000" b="0" i="1" u="none" strike="noStrike" kern="1200" spc="0" dirty="0">
-                <a:ln>
-                  <a:noFill/>
-                </a:ln>
-                <a:solidFill>
-                  <a:srgbClr val="1F497D"/>
-                </a:solidFill>
-                <a:latin typeface="Arial" pitchFamily="18"/>
-                <a:ea typeface="DejaVu Sans" pitchFamily="2"/>
-                <a:cs typeface="DejaVu Sans" pitchFamily="2"/>
-              </a:rPr>
-              <a:t>Comprehension syntax is syntactic sugar on functional programming</a:t>
-            </a:r>
-          </a:p>
-        </p:txBody>
-      </p:sp>
-    </p:spTree>
-  </p:cSld>
-  <p:clrMapOvr>
-    <a:masterClrMapping/>
-  </p:clrMapOvr>
-  <p:transition>
-    <p:wipe/>
-  </p:transition>
-  <p:timing>
-    <p:tnLst>
-      <p:par>
-        <p:cTn id="1" dur="indefinite" restart="never" nodeType="tmRoot"/>
-      </p:par>
-    </p:tnLst>
-  </p:timing>
-</p:sld>
-</file>
-
-<file path=ppt/slides/slide11.xml><?xml version="1.0" encoding="utf-8"?>
 <p:sld xmlns:a="http://schemas.openxmlformats.org/drawingml/2006/main" xmlns:r="http://schemas.openxmlformats.org/officeDocument/2006/relationships" xmlns:p="http://schemas.openxmlformats.org/presentationml/2006/main">
   <p:cSld>
     <p:spTree>
@@ -7206,7 +6614,7 @@
 </p:sld>
 </file>
 
-<file path=ppt/slides/slide12.xml><?xml version="1.0" encoding="utf-8"?>
+<file path=ppt/slides/slide11.xml><?xml version="1.0" encoding="utf-8"?>
 <p:sld xmlns:a="http://schemas.openxmlformats.org/drawingml/2006/main" xmlns:r="http://schemas.openxmlformats.org/officeDocument/2006/relationships" xmlns:p="http://schemas.openxmlformats.org/presentationml/2006/main">
   <p:cSld>
     <p:spTree>
@@ -7382,10 +6790,17 @@
       <p:transition spd="slow"/>
     </mc:Fallback>
   </mc:AlternateContent>
+  <p:timing>
+    <p:tnLst>
+      <p:par>
+        <p:cTn id="1" dur="indefinite" restart="never" nodeType="tmRoot"/>
+      </p:par>
+    </p:tnLst>
+  </p:timing>
 </p:sld>
 </file>
 
-<file path=ppt/slides/slide13.xml><?xml version="1.0" encoding="utf-8"?>
+<file path=ppt/slides/slide12.xml><?xml version="1.0" encoding="utf-8"?>
 <p:sld xmlns:a="http://schemas.openxmlformats.org/drawingml/2006/main" xmlns:r="http://schemas.openxmlformats.org/officeDocument/2006/relationships" xmlns:p="http://schemas.openxmlformats.org/presentationml/2006/main">
   <p:cSld name="page10">
     <p:spTree>
@@ -7509,6 +6924,650 @@
       <p:transition spd="slow"/>
     </mc:Fallback>
   </mc:AlternateContent>
+  <p:timing>
+    <p:tnLst>
+      <p:par>
+        <p:cTn id="1" dur="indefinite" restart="never" nodeType="tmRoot"/>
+      </p:par>
+    </p:tnLst>
+  </p:timing>
+</p:sld>
+</file>
+
+<file path=ppt/slides/slide13.xml><?xml version="1.0" encoding="utf-8"?>
+<p:sld xmlns:a="http://schemas.openxmlformats.org/drawingml/2006/main" xmlns:r="http://schemas.openxmlformats.org/officeDocument/2006/relationships" xmlns:p="http://schemas.openxmlformats.org/presentationml/2006/main">
+  <p:cSld name="page5">
+    <p:spTree>
+      <p:nvGrpSpPr>
+        <p:cNvPr id="1" name=""/>
+        <p:cNvGrpSpPr/>
+        <p:nvPr/>
+      </p:nvGrpSpPr>
+      <p:grpSpPr>
+        <a:xfrm>
+          <a:off x="0" y="0"/>
+          <a:ext cx="0" cy="0"/>
+          <a:chOff x="0" y="0"/>
+          <a:chExt cx="0" cy="0"/>
+        </a:xfrm>
+      </p:grpSpPr>
+      <p:sp>
+        <p:nvSpPr>
+          <p:cNvPr id="2" name="TextShape 1"/>
+          <p:cNvSpPr/>
+          <p:nvPr/>
+        </p:nvSpPr>
+        <p:spPr>
+          <a:xfrm>
+            <a:off x="457200" y="169560"/>
+            <a:ext cx="8228880" cy="1603256"/>
+          </a:xfrm>
+          <a:custGeom>
+            <a:avLst/>
+            <a:gdLst>
+              <a:gd name="f0" fmla="val 0"/>
+              <a:gd name="f1" fmla="val 21600"/>
+            </a:gdLst>
+            <a:ahLst/>
+            <a:cxnLst>
+              <a:cxn ang="3cd4">
+                <a:pos x="hc" y="t"/>
+              </a:cxn>
+              <a:cxn ang="0">
+                <a:pos x="r" y="vc"/>
+              </a:cxn>
+              <a:cxn ang="cd4">
+                <a:pos x="hc" y="b"/>
+              </a:cxn>
+              <a:cxn ang="cd2">
+                <a:pos x="l" y="vc"/>
+              </a:cxn>
+            </a:cxnLst>
+            <a:rect l="l" t="t" r="r" b="b"/>
+            <a:pathLst>
+              <a:path w="21600" h="21600">
+                <a:moveTo>
+                  <a:pt x="f0" y="f0"/>
+                </a:moveTo>
+                <a:lnTo>
+                  <a:pt x="f1" y="f0"/>
+                </a:lnTo>
+                <a:lnTo>
+                  <a:pt x="f1" y="f1"/>
+                </a:lnTo>
+                <a:lnTo>
+                  <a:pt x="f0" y="f1"/>
+                </a:lnTo>
+                <a:lnTo>
+                  <a:pt x="f0" y="f0"/>
+                </a:lnTo>
+                <a:close/>
+              </a:path>
+            </a:pathLst>
+          </a:custGeom>
+          <a:noFill/>
+          <a:ln>
+            <a:noFill/>
+            <a:prstDash val="solid"/>
+          </a:ln>
+        </p:spPr>
+        <p:txBody>
+          <a:bodyPr vert="horz" wrap="square" lIns="90000" tIns="45000" rIns="90000" bIns="45000" anchor="t" compatLnSpc="0"/>
+          <a:lstStyle/>
+          <a:p>
+            <a:pPr lvl="0" algn="ctr" hangingPunct="0"/>
+            <a:r>
+              <a:rPr lang="sv-SE" sz="4400" dirty="0">
+                <a:solidFill>
+                  <a:srgbClr val="000000"/>
+                </a:solidFill>
+                <a:latin typeface="Calibri" pitchFamily="18"/>
+                <a:ea typeface="DejaVu Sans" pitchFamily="2"/>
+                <a:cs typeface="DejaVu Sans" pitchFamily="2"/>
+              </a:rPr>
+              <a:t>Linq is </a:t>
+            </a:r>
+            <a:r>
+              <a:rPr lang="sv-SE" sz="4400" dirty="0" err="1">
+                <a:solidFill>
+                  <a:srgbClr val="000000"/>
+                </a:solidFill>
+                <a:latin typeface="Calibri" pitchFamily="18"/>
+                <a:ea typeface="DejaVu Sans" pitchFamily="2"/>
+                <a:cs typeface="DejaVu Sans" pitchFamily="2"/>
+              </a:rPr>
+              <a:t>Functional</a:t>
+            </a:r>
+            <a:r>
+              <a:rPr lang="sv-SE" sz="4400" dirty="0">
+                <a:solidFill>
+                  <a:srgbClr val="000000"/>
+                </a:solidFill>
+                <a:latin typeface="Calibri" pitchFamily="18"/>
+                <a:ea typeface="DejaVu Sans" pitchFamily="2"/>
+                <a:cs typeface="DejaVu Sans" pitchFamily="2"/>
+              </a:rPr>
+              <a:t> </a:t>
+            </a:r>
+            <a:r>
+              <a:rPr lang="sv-SE" sz="4400" dirty="0" smtClean="0">
+                <a:solidFill>
+                  <a:srgbClr val="000000"/>
+                </a:solidFill>
+                <a:latin typeface="Calibri" pitchFamily="18"/>
+                <a:ea typeface="DejaVu Sans" pitchFamily="2"/>
+                <a:cs typeface="DejaVu Sans" pitchFamily="2"/>
+              </a:rPr>
+              <a:t>Style </a:t>
+            </a:r>
+            <a:r>
+              <a:rPr lang="sv-SE" sz="4400" dirty="0" err="1" smtClean="0">
+                <a:solidFill>
+                  <a:srgbClr val="000000"/>
+                </a:solidFill>
+                <a:latin typeface="Calibri" pitchFamily="18"/>
+                <a:ea typeface="DejaVu Sans" pitchFamily="2"/>
+                <a:cs typeface="DejaVu Sans" pitchFamily="2"/>
+              </a:rPr>
+              <a:t>Programming</a:t>
+            </a:r>
+            <a:endParaRPr lang="sv-SE" sz="4400" b="0" i="0" u="none" strike="noStrike" kern="1200" spc="0" dirty="0">
+              <a:ln>
+                <a:noFill/>
+              </a:ln>
+              <a:solidFill>
+                <a:srgbClr val="000000"/>
+              </a:solidFill>
+              <a:latin typeface="Calibri" pitchFamily="18"/>
+              <a:ea typeface="DejaVu Sans" pitchFamily="2"/>
+              <a:cs typeface="DejaVu Sans" pitchFamily="2"/>
+            </a:endParaRPr>
+          </a:p>
+        </p:txBody>
+      </p:sp>
+      <p:sp>
+        <p:nvSpPr>
+          <p:cNvPr id="3" name="TextShape 2"/>
+          <p:cNvSpPr/>
+          <p:nvPr/>
+        </p:nvSpPr>
+        <p:spPr>
+          <a:xfrm>
+            <a:off x="457200" y="2132856"/>
+            <a:ext cx="8228880" cy="4083264"/>
+          </a:xfrm>
+          <a:custGeom>
+            <a:avLst/>
+            <a:gdLst>
+              <a:gd name="f0" fmla="val 0"/>
+              <a:gd name="f1" fmla="val 21600"/>
+            </a:gdLst>
+            <a:ahLst/>
+            <a:cxnLst>
+              <a:cxn ang="3cd4">
+                <a:pos x="hc" y="t"/>
+              </a:cxn>
+              <a:cxn ang="0">
+                <a:pos x="r" y="vc"/>
+              </a:cxn>
+              <a:cxn ang="cd4">
+                <a:pos x="hc" y="b"/>
+              </a:cxn>
+              <a:cxn ang="cd2">
+                <a:pos x="l" y="vc"/>
+              </a:cxn>
+            </a:cxnLst>
+            <a:rect l="l" t="t" r="r" b="b"/>
+            <a:pathLst>
+              <a:path w="21600" h="21600">
+                <a:moveTo>
+                  <a:pt x="f0" y="f0"/>
+                </a:moveTo>
+                <a:lnTo>
+                  <a:pt x="f1" y="f0"/>
+                </a:lnTo>
+                <a:lnTo>
+                  <a:pt x="f1" y="f1"/>
+                </a:lnTo>
+                <a:lnTo>
+                  <a:pt x="f0" y="f1"/>
+                </a:lnTo>
+                <a:lnTo>
+                  <a:pt x="f0" y="f0"/>
+                </a:lnTo>
+                <a:close/>
+              </a:path>
+            </a:pathLst>
+          </a:custGeom>
+          <a:noFill/>
+          <a:ln>
+            <a:noFill/>
+            <a:prstDash val="solid"/>
+          </a:ln>
+        </p:spPr>
+        <p:txBody>
+          <a:bodyPr vert="horz" wrap="square" lIns="90000" tIns="45000" rIns="90000" bIns="45000" anchor="t" compatLnSpc="0"/>
+          <a:lstStyle/>
+          <a:p>
+            <a:pPr lvl="0" hangingPunct="0"/>
+            <a:r>
+              <a:rPr lang="sv-SE" sz="2000" dirty="0" err="1">
+                <a:solidFill>
+                  <a:srgbClr val="1F497D"/>
+                </a:solidFill>
+                <a:latin typeface="Arial" pitchFamily="18"/>
+                <a:ea typeface="DejaVu Sans" pitchFamily="2"/>
+                <a:cs typeface="DejaVu Sans" pitchFamily="2"/>
+              </a:rPr>
+              <a:t>IEnumerable</a:t>
+            </a:r>
+            <a:r>
+              <a:rPr lang="sv-SE" sz="2000" dirty="0">
+                <a:solidFill>
+                  <a:srgbClr val="1F497D"/>
+                </a:solidFill>
+                <a:latin typeface="Arial" pitchFamily="18"/>
+                <a:ea typeface="DejaVu Sans" pitchFamily="2"/>
+                <a:cs typeface="DejaVu Sans" pitchFamily="2"/>
+              </a:rPr>
+              <a:t>&lt;T&gt; and </a:t>
+            </a:r>
+            <a:r>
+              <a:rPr lang="sv-SE" sz="2000" dirty="0" err="1">
+                <a:solidFill>
+                  <a:srgbClr val="1F497D"/>
+                </a:solidFill>
+                <a:latin typeface="Arial" pitchFamily="18"/>
+                <a:ea typeface="DejaVu Sans" pitchFamily="2"/>
+                <a:cs typeface="DejaVu Sans" pitchFamily="2"/>
+              </a:rPr>
+              <a:t>IQueryable</a:t>
+            </a:r>
+            <a:r>
+              <a:rPr lang="sv-SE" sz="2000" dirty="0">
+                <a:solidFill>
+                  <a:srgbClr val="1F497D"/>
+                </a:solidFill>
+                <a:latin typeface="Arial" pitchFamily="18"/>
+                <a:ea typeface="DejaVu Sans" pitchFamily="2"/>
+                <a:cs typeface="DejaVu Sans" pitchFamily="2"/>
+              </a:rPr>
+              <a:t>&lt;T&gt; </a:t>
+            </a:r>
+            <a:r>
+              <a:rPr lang="sv-SE" sz="2000" dirty="0" err="1">
+                <a:solidFill>
+                  <a:srgbClr val="1F497D"/>
+                </a:solidFill>
+                <a:latin typeface="Arial" pitchFamily="18"/>
+                <a:ea typeface="DejaVu Sans" pitchFamily="2"/>
+                <a:cs typeface="DejaVu Sans" pitchFamily="2"/>
+              </a:rPr>
+              <a:t>are</a:t>
+            </a:r>
+            <a:r>
+              <a:rPr lang="sv-SE" sz="2000" b="0" i="0" u="none" strike="noStrike" kern="1200" spc="0" dirty="0" smtClean="0">
+                <a:ln>
+                  <a:noFill/>
+                </a:ln>
+                <a:solidFill>
+                  <a:srgbClr val="0070C0"/>
+                </a:solidFill>
+                <a:latin typeface="Arial" pitchFamily="18"/>
+                <a:ea typeface="DejaVu Sans" pitchFamily="2"/>
+                <a:cs typeface="DejaVu Sans" pitchFamily="2"/>
+              </a:rPr>
+              <a:t> </a:t>
+            </a:r>
+            <a:r>
+              <a:rPr lang="sv-SE" sz="2000" b="0" i="1" u="none" strike="noStrike" kern="1200" spc="0" dirty="0" err="1">
+                <a:ln>
+                  <a:noFill/>
+                </a:ln>
+                <a:solidFill>
+                  <a:srgbClr val="1F497D"/>
+                </a:solidFill>
+                <a:latin typeface="Arial" pitchFamily="18"/>
+                <a:ea typeface="DejaVu Sans" pitchFamily="2"/>
+                <a:cs typeface="DejaVu Sans" pitchFamily="2"/>
+              </a:rPr>
+              <a:t>immutable</a:t>
+            </a:r>
+            <a:r>
+              <a:rPr lang="sv-SE" sz="2000" b="0" i="0" u="none" strike="noStrike" kern="1200" spc="0" dirty="0">
+                <a:ln>
+                  <a:noFill/>
+                </a:ln>
+                <a:solidFill>
+                  <a:srgbClr val="1F497D"/>
+                </a:solidFill>
+                <a:latin typeface="Arial" pitchFamily="18"/>
+                <a:ea typeface="DejaVu Sans" pitchFamily="2"/>
+                <a:cs typeface="DejaVu Sans" pitchFamily="2"/>
+              </a:rPr>
+              <a:t> </a:t>
+            </a:r>
+            <a:r>
+              <a:rPr lang="sv-SE" sz="2000" b="0" i="0" u="none" strike="noStrike" kern="1200" spc="0" dirty="0" smtClean="0">
+                <a:ln>
+                  <a:noFill/>
+                </a:ln>
+                <a:solidFill>
+                  <a:srgbClr val="1F497D"/>
+                </a:solidFill>
+                <a:latin typeface="Arial" pitchFamily="18"/>
+                <a:ea typeface="DejaVu Sans" pitchFamily="2"/>
+                <a:cs typeface="DejaVu Sans" pitchFamily="2"/>
+              </a:rPr>
+              <a:t>interfaces</a:t>
+            </a:r>
+          </a:p>
+          <a:p>
+            <a:pPr marL="0" marR="0" lvl="0" indent="0" rtl="0" hangingPunct="0">
+              <a:lnSpc>
+                <a:spcPct val="100000"/>
+              </a:lnSpc>
+              <a:spcBef>
+                <a:spcPts val="0"/>
+              </a:spcBef>
+              <a:spcAft>
+                <a:spcPts val="0"/>
+              </a:spcAft>
+              <a:buNone/>
+              <a:tabLst/>
+            </a:pPr>
+            <a:r>
+              <a:rPr lang="sv-SE" sz="2000" b="0" i="0" u="none" strike="noStrike" kern="1200" spc="0" dirty="0" err="1" smtClean="0">
+                <a:ln>
+                  <a:noFill/>
+                </a:ln>
+                <a:solidFill>
+                  <a:srgbClr val="1F497D"/>
+                </a:solidFill>
+                <a:latin typeface="Arial" pitchFamily="18"/>
+                <a:ea typeface="DejaVu Sans" pitchFamily="2"/>
+                <a:cs typeface="DejaVu Sans" pitchFamily="2"/>
+              </a:rPr>
+              <a:t>Linq</a:t>
+            </a:r>
+            <a:r>
+              <a:rPr lang="sv-SE" sz="2000" b="0" i="0" u="none" strike="noStrike" kern="1200" spc="0" dirty="0" smtClean="0">
+                <a:ln>
+                  <a:noFill/>
+                </a:ln>
+                <a:solidFill>
+                  <a:srgbClr val="1F497D"/>
+                </a:solidFill>
+                <a:latin typeface="Arial" pitchFamily="18"/>
+                <a:ea typeface="DejaVu Sans" pitchFamily="2"/>
+                <a:cs typeface="DejaVu Sans" pitchFamily="2"/>
+              </a:rPr>
+              <a:t> operators </a:t>
+            </a:r>
+            <a:r>
+              <a:rPr lang="sv-SE" sz="2000" b="0" i="0" u="none" strike="noStrike" kern="1200" spc="0" dirty="0" err="1" smtClean="0">
+                <a:ln>
+                  <a:noFill/>
+                </a:ln>
+                <a:solidFill>
+                  <a:srgbClr val="1F497D"/>
+                </a:solidFill>
+                <a:latin typeface="Arial" pitchFamily="18"/>
+                <a:ea typeface="DejaVu Sans" pitchFamily="2"/>
+                <a:cs typeface="DejaVu Sans" pitchFamily="2"/>
+              </a:rPr>
+              <a:t>are</a:t>
+            </a:r>
+            <a:r>
+              <a:rPr lang="sv-SE" sz="2000" b="0" i="0" u="none" strike="noStrike" kern="1200" spc="0" dirty="0" smtClean="0">
+                <a:ln>
+                  <a:noFill/>
+                </a:ln>
+                <a:solidFill>
+                  <a:srgbClr val="1F497D"/>
+                </a:solidFill>
+                <a:latin typeface="Arial" pitchFamily="18"/>
+                <a:ea typeface="DejaVu Sans" pitchFamily="2"/>
+                <a:cs typeface="DejaVu Sans" pitchFamily="2"/>
+              </a:rPr>
+              <a:t> </a:t>
+            </a:r>
+            <a:r>
+              <a:rPr lang="sv-SE" sz="2000" b="0" i="1" u="none" strike="noStrike" kern="1200" spc="0" dirty="0" smtClean="0">
+                <a:ln>
+                  <a:noFill/>
+                </a:ln>
+                <a:solidFill>
+                  <a:srgbClr val="1F497D"/>
+                </a:solidFill>
+                <a:latin typeface="Arial" pitchFamily="18"/>
+                <a:ea typeface="DejaVu Sans" pitchFamily="2"/>
+                <a:cs typeface="DejaVu Sans" pitchFamily="2"/>
+              </a:rPr>
+              <a:t>pure </a:t>
+            </a:r>
+            <a:r>
+              <a:rPr lang="sv-SE" sz="2000" b="0" i="1" u="none" strike="noStrike" kern="1200" spc="0" dirty="0" err="1" smtClean="0">
+                <a:ln>
+                  <a:noFill/>
+                </a:ln>
+                <a:solidFill>
+                  <a:srgbClr val="1F497D"/>
+                </a:solidFill>
+                <a:latin typeface="Arial" pitchFamily="18"/>
+                <a:ea typeface="DejaVu Sans" pitchFamily="2"/>
+                <a:cs typeface="DejaVu Sans" pitchFamily="2"/>
+              </a:rPr>
+              <a:t>functions</a:t>
+            </a:r>
+            <a:endParaRPr lang="sv-SE" sz="2000" b="0" i="1" u="none" strike="noStrike" kern="1200" spc="0" dirty="0" smtClean="0">
+              <a:ln>
+                <a:noFill/>
+              </a:ln>
+              <a:solidFill>
+                <a:srgbClr val="1F497D"/>
+              </a:solidFill>
+              <a:latin typeface="Arial" pitchFamily="18"/>
+              <a:ea typeface="DejaVu Sans" pitchFamily="2"/>
+              <a:cs typeface="DejaVu Sans" pitchFamily="2"/>
+            </a:endParaRPr>
+          </a:p>
+          <a:p>
+            <a:pPr marL="0" marR="0" lvl="0" indent="0" rtl="0" hangingPunct="0">
+              <a:lnSpc>
+                <a:spcPct val="100000"/>
+              </a:lnSpc>
+              <a:spcBef>
+                <a:spcPts val="0"/>
+              </a:spcBef>
+              <a:spcAft>
+                <a:spcPts val="0"/>
+              </a:spcAft>
+              <a:buNone/>
+              <a:tabLst/>
+            </a:pPr>
+            <a:r>
+              <a:rPr lang="sv-SE" sz="2000" b="0" i="0" u="none" strike="noStrike" kern="1200" spc="0" dirty="0" err="1" smtClean="0">
+                <a:ln>
+                  <a:noFill/>
+                </a:ln>
+                <a:solidFill>
+                  <a:srgbClr val="1F497D"/>
+                </a:solidFill>
+                <a:latin typeface="Arial" pitchFamily="18"/>
+                <a:ea typeface="DejaVu Sans" pitchFamily="2"/>
+                <a:cs typeface="DejaVu Sans" pitchFamily="2"/>
+              </a:rPr>
+              <a:t>Many</a:t>
+            </a:r>
+            <a:r>
+              <a:rPr lang="sv-SE" sz="2000" b="0" i="0" u="none" strike="noStrike" kern="1200" spc="0" dirty="0" smtClean="0">
+                <a:ln>
+                  <a:noFill/>
+                </a:ln>
+                <a:solidFill>
+                  <a:srgbClr val="1F497D"/>
+                </a:solidFill>
+                <a:latin typeface="Arial" pitchFamily="18"/>
+                <a:ea typeface="DejaVu Sans" pitchFamily="2"/>
+                <a:cs typeface="DejaVu Sans" pitchFamily="2"/>
+              </a:rPr>
+              <a:t> </a:t>
+            </a:r>
+            <a:r>
+              <a:rPr lang="sv-SE" sz="2000" b="0" i="0" u="none" strike="noStrike" kern="1200" spc="0" dirty="0">
+                <a:ln>
+                  <a:noFill/>
+                </a:ln>
+                <a:solidFill>
+                  <a:srgbClr val="1F497D"/>
+                </a:solidFill>
+                <a:latin typeface="Arial" pitchFamily="18"/>
+                <a:ea typeface="DejaVu Sans" pitchFamily="2"/>
+                <a:cs typeface="DejaVu Sans" pitchFamily="2"/>
+              </a:rPr>
+              <a:t>Linq operators are </a:t>
+            </a:r>
+            <a:r>
+              <a:rPr lang="sv-SE" sz="2000" b="0" i="1" u="none" strike="noStrike" kern="1200" spc="0" dirty="0">
+                <a:ln>
+                  <a:noFill/>
+                </a:ln>
+                <a:solidFill>
+                  <a:srgbClr val="1F497D"/>
+                </a:solidFill>
+                <a:latin typeface="Arial" pitchFamily="18"/>
+                <a:ea typeface="DejaVu Sans" pitchFamily="2"/>
+                <a:cs typeface="DejaVu Sans" pitchFamily="2"/>
+              </a:rPr>
+              <a:t>higher order functions</a:t>
+            </a:r>
+          </a:p>
+          <a:p>
+            <a:pPr marL="0" marR="0" lvl="0" indent="0" rtl="0" hangingPunct="0">
+              <a:lnSpc>
+                <a:spcPct val="100000"/>
+              </a:lnSpc>
+              <a:spcBef>
+                <a:spcPts val="0"/>
+              </a:spcBef>
+              <a:spcAft>
+                <a:spcPts val="0"/>
+              </a:spcAft>
+              <a:buNone/>
+              <a:tabLst/>
+            </a:pPr>
+            <a:r>
+              <a:rPr lang="sv-SE" sz="2000" b="0" i="0" u="none" strike="noStrike" kern="1200" spc="0" dirty="0">
+                <a:ln>
+                  <a:noFill/>
+                </a:ln>
+                <a:solidFill>
+                  <a:srgbClr val="1F497D"/>
+                </a:solidFill>
+                <a:latin typeface="Arial" pitchFamily="18"/>
+                <a:ea typeface="DejaVu Sans" pitchFamily="2"/>
+                <a:cs typeface="DejaVu Sans" pitchFamily="2"/>
+              </a:rPr>
+              <a:t>Many Linq operators are </a:t>
+            </a:r>
+            <a:r>
+              <a:rPr lang="sv-SE" sz="2000" b="0" i="1" u="none" strike="noStrike" kern="1200" spc="0" dirty="0">
+                <a:ln>
+                  <a:noFill/>
+                </a:ln>
+                <a:solidFill>
+                  <a:srgbClr val="1F497D"/>
+                </a:solidFill>
+                <a:latin typeface="Arial" pitchFamily="18"/>
+                <a:ea typeface="DejaVu Sans" pitchFamily="2"/>
+                <a:cs typeface="DejaVu Sans" pitchFamily="2"/>
+              </a:rPr>
+              <a:t>generic functions</a:t>
+            </a:r>
+          </a:p>
+          <a:p>
+            <a:pPr marL="0" marR="0" lvl="0" indent="0" rtl="0" hangingPunct="0">
+              <a:lnSpc>
+                <a:spcPct val="100000"/>
+              </a:lnSpc>
+              <a:spcBef>
+                <a:spcPts val="0"/>
+              </a:spcBef>
+              <a:spcAft>
+                <a:spcPts val="0"/>
+              </a:spcAft>
+              <a:buNone/>
+              <a:tabLst/>
+            </a:pPr>
+            <a:r>
+              <a:rPr lang="sv-SE" sz="2000" b="0" i="0" u="none" strike="noStrike" kern="1200" spc="0" dirty="0">
+                <a:ln>
+                  <a:noFill/>
+                </a:ln>
+                <a:solidFill>
+                  <a:srgbClr val="1F497D"/>
+                </a:solidFill>
+                <a:latin typeface="Arial" pitchFamily="18"/>
+                <a:ea typeface="DejaVu Sans" pitchFamily="2"/>
+                <a:cs typeface="DejaVu Sans" pitchFamily="2"/>
+              </a:rPr>
+              <a:t>Lambdas are </a:t>
+            </a:r>
+            <a:r>
+              <a:rPr lang="sv-SE" sz="2000" b="0" i="1" u="none" strike="noStrike" kern="1200" spc="0" dirty="0">
+                <a:ln>
+                  <a:noFill/>
+                </a:ln>
+                <a:solidFill>
+                  <a:srgbClr val="1F497D"/>
+                </a:solidFill>
+                <a:latin typeface="Arial" pitchFamily="18"/>
+                <a:ea typeface="DejaVu Sans" pitchFamily="2"/>
+                <a:cs typeface="DejaVu Sans" pitchFamily="2"/>
+              </a:rPr>
+              <a:t>closures</a:t>
+            </a:r>
+          </a:p>
+          <a:p>
+            <a:pPr marL="0" marR="0" lvl="0" indent="0" rtl="0" hangingPunct="0">
+              <a:lnSpc>
+                <a:spcPct val="100000"/>
+              </a:lnSpc>
+              <a:spcBef>
+                <a:spcPts val="0"/>
+              </a:spcBef>
+              <a:spcAft>
+                <a:spcPts val="0"/>
+              </a:spcAft>
+              <a:buNone/>
+              <a:tabLst/>
+            </a:pPr>
+            <a:r>
+              <a:rPr lang="sv-SE" sz="2000" b="0" i="1" u="none" strike="noStrike" kern="1200" spc="0" dirty="0">
+                <a:ln>
+                  <a:noFill/>
+                </a:ln>
+                <a:solidFill>
+                  <a:srgbClr val="1F497D"/>
+                </a:solidFill>
+                <a:latin typeface="Arial" pitchFamily="18"/>
+                <a:ea typeface="DejaVu Sans" pitchFamily="2"/>
+                <a:cs typeface="DejaVu Sans" pitchFamily="2"/>
+              </a:rPr>
+              <a:t>Comprehension syntax is syntactic sugar on functional programming</a:t>
+            </a:r>
+          </a:p>
+        </p:txBody>
+      </p:sp>
+    </p:spTree>
+  </p:cSld>
+  <p:clrMapOvr>
+    <a:masterClrMapping/>
+  </p:clrMapOvr>
+  <p:transition>
+    <p:wipe/>
+  </p:transition>
   <p:timing>
     <p:tnLst>
       <p:par>

--- a/FSharp2.pptx
+++ b/FSharp2.pptx
@@ -6,31 +6,32 @@
     <p:sldMasterId id="2147483660" r:id="rId2"/>
   </p:sldMasterIdLst>
   <p:notesMasterIdLst>
-    <p:notesMasterId r:id="rId22"/>
+    <p:notesMasterId r:id="rId23"/>
   </p:notesMasterIdLst>
   <p:handoutMasterIdLst>
-    <p:handoutMasterId r:id="rId23"/>
+    <p:handoutMasterId r:id="rId24"/>
   </p:handoutMasterIdLst>
   <p:sldIdLst>
     <p:sldId id="256" r:id="rId3"/>
-    <p:sldId id="281" r:id="rId4"/>
-    <p:sldId id="282" r:id="rId5"/>
-    <p:sldId id="264" r:id="rId6"/>
-    <p:sldId id="267" r:id="rId7"/>
-    <p:sldId id="257" r:id="rId8"/>
-    <p:sldId id="274" r:id="rId9"/>
-    <p:sldId id="275" r:id="rId10"/>
-    <p:sldId id="272" r:id="rId11"/>
-    <p:sldId id="273" r:id="rId12"/>
-    <p:sldId id="276" r:id="rId13"/>
-    <p:sldId id="283" r:id="rId14"/>
-    <p:sldId id="260" r:id="rId15"/>
-    <p:sldId id="284" r:id="rId16"/>
-    <p:sldId id="277" r:id="rId17"/>
-    <p:sldId id="278" r:id="rId18"/>
-    <p:sldId id="280" r:id="rId19"/>
-    <p:sldId id="265" r:id="rId20"/>
-    <p:sldId id="263" r:id="rId21"/>
+    <p:sldId id="286" r:id="rId4"/>
+    <p:sldId id="281" r:id="rId5"/>
+    <p:sldId id="282" r:id="rId6"/>
+    <p:sldId id="264" r:id="rId7"/>
+    <p:sldId id="267" r:id="rId8"/>
+    <p:sldId id="257" r:id="rId9"/>
+    <p:sldId id="274" r:id="rId10"/>
+    <p:sldId id="275" r:id="rId11"/>
+    <p:sldId id="272" r:id="rId12"/>
+    <p:sldId id="273" r:id="rId13"/>
+    <p:sldId id="276" r:id="rId14"/>
+    <p:sldId id="285" r:id="rId15"/>
+    <p:sldId id="260" r:id="rId16"/>
+    <p:sldId id="284" r:id="rId17"/>
+    <p:sldId id="277" r:id="rId18"/>
+    <p:sldId id="278" r:id="rId19"/>
+    <p:sldId id="280" r:id="rId20"/>
+    <p:sldId id="265" r:id="rId21"/>
+    <p:sldId id="263" r:id="rId22"/>
   </p:sldIdLst>
   <p:sldSz cx="9144000" cy="6858000" type="screen4x3"/>
   <p:notesSz cx="6858000" cy="9144000"/>
@@ -1254,7 +1255,7 @@
             </a:pPr>
             <a:fld id="{FCA4BF4E-6373-420E-A126-13CB492A8AC1}" type="slidenum">
               <a:rPr/>
-              <a:t>19</a:t>
+              <a:t>20</a:t>
             </a:fld>
             <a:endParaRPr lang="sv-SE" sz="1800" b="0" i="0" u="none" strike="noStrike" kern="1200" spc="0" dirty="0">
               <a:ln>
@@ -6051,19 +6052,7 @@
           <a:bodyPr vert="horz" wrap="square" lIns="90000" tIns="45000" rIns="90000" bIns="45000" anchor="t" compatLnSpc="0"/>
           <a:lstStyle/>
           <a:p>
-            <a:pPr marL="0" marR="0" lvl="0" indent="0" rtl="0" hangingPunct="0">
-              <a:lnSpc>
-                <a:spcPct val="100000"/>
-              </a:lnSpc>
-              <a:spcBef>
-                <a:spcPts val="0"/>
-              </a:spcBef>
-              <a:spcAft>
-                <a:spcPts val="0"/>
-              </a:spcAft>
-              <a:buNone/>
-              <a:tabLst/>
-            </a:pPr>
+            <a:pPr algn="ctr" hangingPunct="0"/>
             <a:r>
               <a:rPr lang="en-US" sz="4400" b="0" i="0" u="none" strike="noStrike" kern="1200" spc="0" dirty="0" smtClean="0">
                 <a:ln>
@@ -6076,7 +6065,83 @@
                 <a:ea typeface="DejaVu Sans" pitchFamily="2"/>
                 <a:cs typeface="DejaVu Sans" pitchFamily="2"/>
               </a:rPr>
-              <a:t>Introduction to functional programming and F#</a:t>
+              <a:t>Introduction </a:t>
+            </a:r>
+            <a:r>
+              <a:rPr lang="en-US" sz="4400" dirty="0">
+                <a:solidFill>
+                  <a:srgbClr val="000000"/>
+                </a:solidFill>
+                <a:latin typeface="Calibri" pitchFamily="18"/>
+                <a:ea typeface="DejaVu Sans" pitchFamily="2"/>
+                <a:cs typeface="DejaVu Sans" pitchFamily="2"/>
+              </a:rPr>
+              <a:t>to F</a:t>
+            </a:r>
+            <a:r>
+              <a:rPr lang="en-US" sz="4400" dirty="0" smtClean="0">
+                <a:solidFill>
+                  <a:srgbClr val="000000"/>
+                </a:solidFill>
+                <a:latin typeface="Calibri" pitchFamily="18"/>
+                <a:ea typeface="DejaVu Sans" pitchFamily="2"/>
+                <a:cs typeface="DejaVu Sans" pitchFamily="2"/>
+              </a:rPr>
+              <a:t>#</a:t>
+            </a:r>
+          </a:p>
+          <a:p>
+            <a:pPr algn="ctr" hangingPunct="0"/>
+            <a:r>
+              <a:rPr lang="en-US" sz="4400" dirty="0">
+                <a:solidFill>
+                  <a:srgbClr val="000000"/>
+                </a:solidFill>
+                <a:latin typeface="Calibri" pitchFamily="18"/>
+                <a:ea typeface="DejaVu Sans" pitchFamily="2"/>
+                <a:cs typeface="DejaVu Sans" pitchFamily="2"/>
+              </a:rPr>
+              <a:t>&amp;</a:t>
+            </a:r>
+          </a:p>
+          <a:p>
+            <a:pPr marL="0" marR="0" lvl="0" indent="0" algn="ctr" rtl="0" hangingPunct="0">
+              <a:lnSpc>
+                <a:spcPct val="100000"/>
+              </a:lnSpc>
+              <a:spcBef>
+                <a:spcPts val="0"/>
+              </a:spcBef>
+              <a:spcAft>
+                <a:spcPts val="0"/>
+              </a:spcAft>
+              <a:buNone/>
+              <a:tabLst/>
+            </a:pPr>
+            <a:r>
+              <a:rPr lang="en-US" sz="4400" dirty="0">
+                <a:solidFill>
+                  <a:srgbClr val="000000"/>
+                </a:solidFill>
+                <a:latin typeface="Calibri" pitchFamily="18"/>
+                <a:ea typeface="DejaVu Sans" pitchFamily="2"/>
+                <a:cs typeface="DejaVu Sans" pitchFamily="2"/>
+              </a:rPr>
+              <a:t>F</a:t>
+            </a:r>
+            <a:r>
+              <a:rPr lang="en-US" sz="4400" b="0" i="0" u="none" strike="noStrike" kern="1200" spc="0" dirty="0" smtClean="0">
+                <a:ln>
+                  <a:noFill/>
+                </a:ln>
+                <a:solidFill>
+                  <a:srgbClr val="000000"/>
+                </a:solidFill>
+                <a:latin typeface="Calibri" pitchFamily="18"/>
+                <a:ea typeface="DejaVu Sans" pitchFamily="2"/>
+                <a:cs typeface="DejaVu Sans" pitchFamily="2"/>
+              </a:rPr>
+              <a:t>unctional Programming</a:t>
             </a:r>
             <a:endParaRPr lang="en-US" sz="4400" b="0" i="0" u="none" strike="noStrike" kern="1200" spc="0" dirty="0">
               <a:ln>
@@ -6172,7 +6237,7 @@
             </a:pPr>
             <a:r>
               <a:rPr lang="en-US" smtClean="0"/>
-              <a:t>Functional threading</a:t>
+              <a:t>Imperative Threading</a:t>
             </a:r>
             <a:endParaRPr lang="en-US"/>
           </a:p>
@@ -6195,6 +6260,157 @@
           <a:p>
             <a:r>
               <a:rPr lang="en-US" dirty="0" smtClean="0"/>
+              <a:t>Fully specified algorithms</a:t>
+            </a:r>
+          </a:p>
+          <a:p>
+            <a:pPr lvl="1"/>
+            <a:r>
+              <a:rPr lang="en-US" dirty="0" smtClean="0"/>
+              <a:t>Can only be threaded by rewrite</a:t>
+            </a:r>
+          </a:p>
+          <a:p>
+            <a:r>
+              <a:rPr lang="en-US" dirty="0" smtClean="0"/>
+              <a:t>Shared mutable data</a:t>
+            </a:r>
+          </a:p>
+          <a:p>
+            <a:pPr lvl="1"/>
+            <a:r>
+              <a:rPr lang="en-US" dirty="0" smtClean="0"/>
+              <a:t>Requires locking</a:t>
+            </a:r>
+          </a:p>
+          <a:p>
+            <a:pPr lvl="2"/>
+            <a:r>
+              <a:rPr lang="en-US" dirty="0" smtClean="0"/>
+              <a:t>Unmanageable </a:t>
+            </a:r>
+            <a:r>
+              <a:rPr lang="en-US" dirty="0" smtClean="0"/>
+              <a:t>complexity</a:t>
+            </a:r>
+          </a:p>
+          <a:p>
+            <a:pPr lvl="3"/>
+            <a:r>
+              <a:rPr lang="en-US" dirty="0" smtClean="0"/>
+              <a:t>Deadlocks</a:t>
+            </a:r>
+          </a:p>
+          <a:p>
+            <a:pPr lvl="3"/>
+            <a:r>
+              <a:rPr lang="en-US" dirty="0" smtClean="0"/>
+              <a:t>Race conditions</a:t>
+            </a:r>
+          </a:p>
+          <a:p>
+            <a:pPr lvl="3"/>
+            <a:r>
+              <a:rPr lang="en-US" dirty="0" smtClean="0"/>
+              <a:t>Non deterministic behavior</a:t>
+            </a:r>
+            <a:endParaRPr lang="en-US" dirty="0" smtClean="0"/>
+          </a:p>
+        </p:txBody>
+      </p:sp>
+    </p:spTree>
+    <p:extLst>
+      <p:ext uri="{BB962C8B-B14F-4D97-AF65-F5344CB8AC3E}">
+        <p14:creationId xmlns:p14="http://schemas.microsoft.com/office/powerpoint/2010/main" val="944482395"/>
+      </p:ext>
+    </p:extLst>
+  </p:cSld>
+  <p:clrMapOvr>
+    <a:masterClrMapping/>
+  </p:clrMapOvr>
+  <mc:AlternateContent xmlns:mc="http://schemas.openxmlformats.org/markup-compatibility/2006" xmlns:p14="http://schemas.microsoft.com/office/powerpoint/2010/main">
+    <mc:Choice Requires="p14">
+      <p:transition spd="slow" p14:dur="2000"/>
+    </mc:Choice>
+    <mc:Fallback xmlns="">
+      <p:transition spd="slow"/>
+    </mc:Fallback>
+  </mc:AlternateContent>
+  <p:timing>
+    <p:tnLst>
+      <p:par>
+        <p:cTn id="1" dur="indefinite" restart="never" nodeType="tmRoot"/>
+      </p:par>
+    </p:tnLst>
+  </p:timing>
+</p:sld>
+</file>
+
+<file path=ppt/slides/slide11.xml><?xml version="1.0" encoding="utf-8"?>
+<p:sld xmlns:a="http://schemas.openxmlformats.org/drawingml/2006/main" xmlns:r="http://schemas.openxmlformats.org/officeDocument/2006/relationships" xmlns:p="http://schemas.openxmlformats.org/presentationml/2006/main">
+  <p:cSld>
+    <p:spTree>
+      <p:nvGrpSpPr>
+        <p:cNvPr id="1" name=""/>
+        <p:cNvGrpSpPr/>
+        <p:nvPr/>
+      </p:nvGrpSpPr>
+      <p:grpSpPr>
+        <a:xfrm>
+          <a:off x="0" y="0"/>
+          <a:ext cx="0" cy="0"/>
+          <a:chOff x="0" y="0"/>
+          <a:chExt cx="0" cy="0"/>
+        </a:xfrm>
+      </p:grpSpPr>
+      <p:sp>
+        <p:nvSpPr>
+          <p:cNvPr id="2" name="Title 1"/>
+          <p:cNvSpPr>
+            <a:spLocks noGrp="1"/>
+          </p:cNvSpPr>
+          <p:nvPr>
+            <p:ph type="title"/>
+          </p:nvPr>
+        </p:nvSpPr>
+        <p:spPr/>
+        <p:txBody>
+          <a:bodyPr/>
+          <a:lstStyle/>
+          <a:p>
+            <a:pPr>
+              <a:buNone/>
+            </a:pPr>
+            <a:r>
+              <a:rPr lang="en-US" smtClean="0"/>
+              <a:t>Functional threading</a:t>
+            </a:r>
+            <a:endParaRPr lang="en-US"/>
+          </a:p>
+        </p:txBody>
+      </p:sp>
+      <p:sp>
+        <p:nvSpPr>
+          <p:cNvPr id="3" name="Content Placeholder 2"/>
+          <p:cNvSpPr>
+            <a:spLocks noGrp="1"/>
+          </p:cNvSpPr>
+          <p:nvPr>
+            <p:ph idx="1"/>
+          </p:nvPr>
+        </p:nvSpPr>
+        <p:spPr>
+          <a:xfrm>
+            <a:off x="457200" y="1604520"/>
+            <a:ext cx="8229240" cy="4992832"/>
+          </a:xfrm>
+        </p:spPr>
+        <p:txBody>
+          <a:bodyPr/>
+          <a:lstStyle/>
+          <a:p>
+            <a:r>
+              <a:rPr lang="en-US" dirty="0" smtClean="0"/>
               <a:t>Partially </a:t>
             </a:r>
             <a:r>
@@ -6235,6 +6451,20 @@
             <a:r>
               <a:rPr lang="en-US" dirty="0" smtClean="0"/>
               <a:t>No need for locks</a:t>
+            </a:r>
+          </a:p>
+          <a:p>
+            <a:pPr lvl="1"/>
+            <a:r>
+              <a:rPr lang="en-US" dirty="0" smtClean="0"/>
+              <a:t>No race condition</a:t>
+            </a:r>
+          </a:p>
+          <a:p>
+            <a:pPr lvl="1"/>
+            <a:r>
+              <a:rPr lang="en-US" dirty="0" smtClean="0"/>
+              <a:t>Deterministic behavior</a:t>
             </a:r>
             <a:endParaRPr lang="en-US" dirty="0"/>
           </a:p>
@@ -6268,7 +6498,7 @@
 </p:sld>
 </file>
 
-<file path=ppt/slides/slide11.xml><?xml version="1.0" encoding="utf-8"?>
+<file path=ppt/slides/slide12.xml><?xml version="1.0" encoding="utf-8"?>
 <p:sld xmlns:a="http://schemas.openxmlformats.org/drawingml/2006/main" xmlns:r="http://schemas.openxmlformats.org/officeDocument/2006/relationships" xmlns:p="http://schemas.openxmlformats.org/presentationml/2006/main">
   <p:cSld>
     <p:spTree>
@@ -6324,31 +6554,60 @@
           <a:p>
             <a:pPr marL="108000"/>
             <a:r>
-              <a:rPr lang="en-US" sz="2800" smtClean="0"/>
-              <a:t>for emp in employees</a:t>
+              <a:rPr lang="en-US" sz="2400" dirty="0" smtClean="0"/>
+              <a:t>for </a:t>
+            </a:r>
+            <a:r>
+              <a:rPr lang="en-US" sz="2400" dirty="0" err="1" smtClean="0"/>
+              <a:t>emp</a:t>
+            </a:r>
+            <a:r>
+              <a:rPr lang="en-US" sz="2400" dirty="0" smtClean="0"/>
+              <a:t> in employees</a:t>
             </a:r>
           </a:p>
           <a:p>
             <a:pPr marL="108000"/>
             <a:r>
-              <a:rPr lang="en-US" sz="2800" smtClean="0"/>
-              <a:t>   if emp.isManager</a:t>
-            </a:r>
+              <a:rPr lang="en-US" sz="2400" dirty="0" smtClean="0"/>
+              <a:t>   if </a:t>
+            </a:r>
+            <a:r>
+              <a:rPr lang="en-US" sz="2400" dirty="0" err="1" smtClean="0"/>
+              <a:t>emp.isManager</a:t>
+            </a:r>
+            <a:endParaRPr lang="en-US" sz="2400" dirty="0" smtClean="0"/>
           </a:p>
           <a:p>
             <a:pPr marL="108000"/>
             <a:r>
-              <a:rPr lang="en-US" sz="2800" smtClean="0"/>
-              <a:t>      result.add(emp)</a:t>
+              <a:rPr lang="en-US" sz="2400" dirty="0" smtClean="0"/>
+              <a:t>      </a:t>
+            </a:r>
+            <a:r>
+              <a:rPr lang="en-US" sz="2400" dirty="0" err="1" smtClean="0"/>
+              <a:t>result.add</a:t>
+            </a:r>
+            <a:r>
+              <a:rPr lang="en-US" sz="2400" dirty="0" smtClean="0"/>
+              <a:t>(</a:t>
+            </a:r>
+            <a:r>
+              <a:rPr lang="en-US" sz="2400" dirty="0" err="1" smtClean="0"/>
+              <a:t>emp</a:t>
+            </a:r>
+            <a:r>
+              <a:rPr lang="en-US" sz="2400" dirty="0" smtClean="0"/>
+              <a:t>)</a:t>
             </a:r>
           </a:p>
           <a:p>
             <a:pPr marL="108000"/>
             <a:r>
-              <a:rPr lang="en-US" sz="2800" smtClean="0"/>
+              <a:rPr lang="en-US" sz="2400" dirty="0" smtClean="0"/>
               <a:t>return result</a:t>
             </a:r>
-            <a:endParaRPr lang="en-US" sz="2800"/>
+            <a:endParaRPr lang="en-US" sz="2400" dirty="0"/>
           </a:p>
         </p:txBody>
       </p:sp>
@@ -6391,10 +6650,30 @@
           <a:p>
             <a:pPr marL="108000"/>
             <a:r>
-              <a:rPr lang="en-US" sz="2800" smtClean="0"/>
-              <a:t>employees |&gt; filter isManager 	</a:t>
-            </a:r>
-            <a:endParaRPr lang="en-US" sz="2800"/>
+              <a:rPr lang="en-US" sz="2400" dirty="0" smtClean="0"/>
+              <a:t>employees |&gt; </a:t>
+            </a:r>
+            <a:r>
+              <a:rPr lang="en-US" sz="2400" dirty="0" err="1" smtClean="0"/>
+              <a:t>Seq.filter</a:t>
+            </a:r>
+            <a:r>
+              <a:rPr lang="en-US" sz="2400" dirty="0" smtClean="0"/>
+              <a:t> </a:t>
+            </a:r>
+            <a:r>
+              <a:rPr lang="en-US" sz="2400" dirty="0" err="1" smtClean="0"/>
+              <a:t>isManager</a:t>
+            </a:r>
+            <a:r>
+              <a:rPr lang="en-US" sz="2400" dirty="0" smtClean="0"/>
+              <a:t> </a:t>
+            </a:r>
+            <a:r>
+              <a:rPr lang="en-US" sz="2800" dirty="0" smtClean="0"/>
+              <a:t>	</a:t>
+            </a:r>
+            <a:endParaRPr lang="en-US" sz="2800" dirty="0"/>
           </a:p>
         </p:txBody>
       </p:sp>
@@ -6407,7 +6686,7 @@
         <p:spPr>
           <a:xfrm>
             <a:off x="4211960" y="2780928"/>
-            <a:ext cx="3528392" cy="646331"/>
+            <a:ext cx="4752528" cy="830997"/>
           </a:xfrm>
           <a:prstGeom prst="rect">
             <a:avLst/>
@@ -6421,9 +6700,37 @@
           <a:lstStyle/>
           <a:p>
             <a:r>
-              <a:rPr lang="en-US" smtClean="0"/>
-              <a:t>Change the library that supplies the filter method and you’re done</a:t>
-            </a:r>
+              <a:rPr lang="en-US" sz="2400" dirty="0"/>
+              <a:t>employees |&gt; </a:t>
+            </a:r>
+            <a:r>
+              <a:rPr lang="en-US" sz="2400" dirty="0" err="1" smtClean="0">
+                <a:solidFill>
+                  <a:srgbClr val="FF0000"/>
+                </a:solidFill>
+              </a:rPr>
+              <a:t>P</a:t>
+            </a:r>
+            <a:r>
+              <a:rPr lang="en-US" sz="2400" dirty="0" err="1" smtClean="0"/>
+              <a:t>Seq.filter</a:t>
+            </a:r>
+            <a:r>
+              <a:rPr lang="en-US" sz="2400" dirty="0" smtClean="0"/>
+              <a:t> </a:t>
+            </a:r>
+            <a:r>
+              <a:rPr lang="en-US" sz="2400" dirty="0" err="1" smtClean="0"/>
+              <a:t>isManager</a:t>
+            </a:r>
+            <a:endParaRPr lang="en-US" sz="2400" dirty="0" smtClean="0"/>
+          </a:p>
+          <a:p>
+            <a:r>
+              <a:rPr lang="en-US" sz="2400" dirty="0" smtClean="0"/>
+              <a:t>DONE!</a:t>
+            </a:r>
+            <a:endParaRPr lang="en-US" sz="2400" dirty="0" smtClean="0"/>
           </a:p>
         </p:txBody>
       </p:sp>
@@ -6436,7 +6743,7 @@
         <p:spPr>
           <a:xfrm>
             <a:off x="179512" y="2780928"/>
-            <a:ext cx="3816424" cy="646331"/>
+            <a:ext cx="3816424" cy="830997"/>
           </a:xfrm>
           <a:prstGeom prst="rect">
             <a:avLst/>
@@ -6450,10 +6757,10 @@
           <a:lstStyle/>
           <a:p>
             <a:r>
-              <a:rPr lang="en-US" dirty="0" smtClean="0"/>
+              <a:rPr lang="en-US" sz="2400" dirty="0" smtClean="0"/>
               <a:t>Rewrite every piece of similar code to thread</a:t>
             </a:r>
-            <a:endParaRPr lang="en-US" dirty="0"/>
+            <a:endParaRPr lang="en-US" sz="2400" dirty="0"/>
           </a:p>
         </p:txBody>
       </p:sp>
@@ -6602,7 +6909,7 @@
 </p:sld>
 </file>
 
-<file path=ppt/slides/slide12.xml><?xml version="1.0" encoding="utf-8"?>
+<file path=ppt/slides/slide13.xml><?xml version="1.0" encoding="utf-8"?>
 <p:sld xmlns:a="http://schemas.openxmlformats.org/drawingml/2006/main" xmlns:r="http://schemas.openxmlformats.org/officeDocument/2006/relationships" xmlns:p="http://schemas.openxmlformats.org/presentationml/2006/main">
   <p:cSld>
     <p:spTree>
@@ -6621,46 +6928,73 @@
       </p:grpSpPr>
       <p:sp>
         <p:nvSpPr>
-          <p:cNvPr id="2" name="Title 1"/>
-          <p:cNvSpPr>
-            <a:spLocks noGrp="1"/>
-          </p:cNvSpPr>
-          <p:nvPr>
-            <p:ph type="title"/>
-          </p:nvPr>
+          <p:cNvPr id="6" name="TextBox 5"/>
+          <p:cNvSpPr txBox="1"/>
+          <p:nvPr/>
         </p:nvSpPr>
         <p:spPr>
           <a:xfrm>
-            <a:off x="323528" y="2420888"/>
-            <a:ext cx="8229240" cy="1144800"/>
+            <a:off x="827584" y="332656"/>
+            <a:ext cx="7776864" cy="3170099"/>
           </a:xfrm>
+          <a:prstGeom prst="rect">
+            <a:avLst/>
+          </a:prstGeom>
+          <a:noFill/>
         </p:spPr>
         <p:txBody>
-          <a:bodyPr/>
+          <a:bodyPr wrap="square" rtlCol="0">
+            <a:spAutoFit/>
+          </a:bodyPr>
           <a:lstStyle/>
           <a:p>
-            <a:pPr>
-              <a:buNone/>
-            </a:pPr>
-            <a:r>
-              <a:rPr lang="en-US" dirty="0"/>
-              <a:t>Why is </a:t>
-            </a:r>
-            <a:r>
-              <a:rPr lang="en-US" dirty="0" smtClean="0"/>
-              <a:t>FP </a:t>
-            </a:r>
-            <a:r>
-              <a:rPr lang="en-US" dirty="0"/>
-              <a:t>not more popular?</a:t>
-            </a:r>
+            <a:pPr algn="ctr"/>
+            <a:r>
+              <a:rPr lang="en-US" sz="4000" dirty="0"/>
+              <a:t>OK, so FP is </a:t>
+            </a:r>
+            <a:r>
+              <a:rPr lang="en-US" sz="4000" dirty="0" smtClean="0"/>
+              <a:t>AMAZING</a:t>
+            </a:r>
+          </a:p>
+          <a:p>
+            <a:pPr algn="ctr"/>
+            <a:endParaRPr lang="en-US" sz="4000" dirty="0"/>
+          </a:p>
+          <a:p>
+            <a:pPr algn="ctr"/>
+            <a:r>
+              <a:rPr lang="en-US" sz="4000" dirty="0" smtClean="0"/>
+              <a:t>…</a:t>
+            </a:r>
+          </a:p>
+          <a:p>
+            <a:pPr algn="ctr"/>
+            <a:endParaRPr lang="en-US" sz="4000" dirty="0" smtClean="0"/>
+          </a:p>
+          <a:p>
+            <a:pPr algn="ctr"/>
+            <a:r>
+              <a:rPr lang="en-US" sz="4000" dirty="0" smtClean="0"/>
+              <a:t>Why </a:t>
+            </a:r>
+            <a:r>
+              <a:rPr lang="en-US" sz="4000" dirty="0"/>
+              <a:t>is FP not more </a:t>
+            </a:r>
+            <a:r>
+              <a:rPr lang="en-US" sz="4000" dirty="0" smtClean="0"/>
+              <a:t>popular then?</a:t>
+            </a:r>
+            <a:endParaRPr lang="en-US" sz="4000" dirty="0"/>
           </a:p>
         </p:txBody>
       </p:sp>
     </p:spTree>
     <p:extLst>
       <p:ext uri="{BB962C8B-B14F-4D97-AF65-F5344CB8AC3E}">
-        <p14:creationId xmlns:p14="http://schemas.microsoft.com/office/powerpoint/2010/main" val="1469239197"/>
+        <p14:creationId xmlns:p14="http://schemas.microsoft.com/office/powerpoint/2010/main" val="182680976"/>
       </p:ext>
     </p:extLst>
   </p:cSld>
@@ -6678,14 +7012,184 @@
   <p:timing>
     <p:tnLst>
       <p:par>
-        <p:cTn id="1" dur="indefinite" restart="never" nodeType="tmRoot"/>
+        <p:cTn id="1" dur="indefinite" restart="never" nodeType="tmRoot">
+          <p:childTnLst>
+            <p:seq concurrent="1" nextAc="seek">
+              <p:cTn id="2" dur="indefinite" nodeType="mainSeq">
+                <p:childTnLst>
+                  <p:par>
+                    <p:cTn id="3" fill="hold">
+                      <p:stCondLst>
+                        <p:cond delay="indefinite"/>
+                      </p:stCondLst>
+                      <p:childTnLst>
+                        <p:par>
+                          <p:cTn id="4" fill="hold">
+                            <p:stCondLst>
+                              <p:cond delay="0"/>
+                            </p:stCondLst>
+                            <p:childTnLst>
+                              <p:par>
+                                <p:cTn id="5" presetID="1" presetClass="entr" presetSubtype="0" fill="hold" nodeType="clickEffect">
+                                  <p:stCondLst>
+                                    <p:cond delay="0"/>
+                                  </p:stCondLst>
+                                  <p:childTnLst>
+                                    <p:set>
+                                      <p:cBhvr>
+                                        <p:cTn id="6" dur="1" fill="hold">
+                                          <p:stCondLst>
+                                            <p:cond delay="0"/>
+                                          </p:stCondLst>
+                                        </p:cTn>
+                                        <p:tgtEl>
+                                          <p:spTgt spid="6">
+                                            <p:txEl>
+                                              <p:pRg st="0" end="0"/>
+                                            </p:txEl>
+                                          </p:spTgt>
+                                        </p:tgtEl>
+                                        <p:attrNameLst>
+                                          <p:attrName>style.visibility</p:attrName>
+                                        </p:attrNameLst>
+                                      </p:cBhvr>
+                                      <p:to>
+                                        <p:strVal val="visible"/>
+                                      </p:to>
+                                    </p:set>
+                                  </p:childTnLst>
+                                </p:cTn>
+                              </p:par>
+                            </p:childTnLst>
+                          </p:cTn>
+                        </p:par>
+                      </p:childTnLst>
+                    </p:cTn>
+                  </p:par>
+                  <p:par>
+                    <p:cTn id="7" fill="hold">
+                      <p:stCondLst>
+                        <p:cond delay="indefinite"/>
+                      </p:stCondLst>
+                      <p:childTnLst>
+                        <p:par>
+                          <p:cTn id="8" fill="hold">
+                            <p:stCondLst>
+                              <p:cond delay="0"/>
+                            </p:stCondLst>
+                            <p:childTnLst>
+                              <p:par>
+                                <p:cTn id="9" presetID="1" presetClass="entr" presetSubtype="0" fill="hold" nodeType="clickEffect">
+                                  <p:stCondLst>
+                                    <p:cond delay="0"/>
+                                  </p:stCondLst>
+                                  <p:childTnLst>
+                                    <p:set>
+                                      <p:cBhvr>
+                                        <p:cTn id="10" dur="1" fill="hold">
+                                          <p:stCondLst>
+                                            <p:cond delay="0"/>
+                                          </p:stCondLst>
+                                        </p:cTn>
+                                        <p:tgtEl>
+                                          <p:spTgt spid="6">
+                                            <p:txEl>
+                                              <p:pRg st="2" end="2"/>
+                                            </p:txEl>
+                                          </p:spTgt>
+                                        </p:tgtEl>
+                                        <p:attrNameLst>
+                                          <p:attrName>style.visibility</p:attrName>
+                                        </p:attrNameLst>
+                                      </p:cBhvr>
+                                      <p:to>
+                                        <p:strVal val="visible"/>
+                                      </p:to>
+                                    </p:set>
+                                  </p:childTnLst>
+                                </p:cTn>
+                              </p:par>
+                            </p:childTnLst>
+                          </p:cTn>
+                        </p:par>
+                      </p:childTnLst>
+                    </p:cTn>
+                  </p:par>
+                  <p:par>
+                    <p:cTn id="11" fill="hold">
+                      <p:stCondLst>
+                        <p:cond delay="indefinite"/>
+                      </p:stCondLst>
+                      <p:childTnLst>
+                        <p:par>
+                          <p:cTn id="12" fill="hold">
+                            <p:stCondLst>
+                              <p:cond delay="0"/>
+                            </p:stCondLst>
+                            <p:childTnLst>
+                              <p:par>
+                                <p:cTn id="13" presetID="1" presetClass="entr" presetSubtype="0" fill="hold" nodeType="clickEffect">
+                                  <p:stCondLst>
+                                    <p:cond delay="0"/>
+                                  </p:stCondLst>
+                                  <p:childTnLst>
+                                    <p:set>
+                                      <p:cBhvr>
+                                        <p:cTn id="14" dur="1" fill="hold">
+                                          <p:stCondLst>
+                                            <p:cond delay="0"/>
+                                          </p:stCondLst>
+                                        </p:cTn>
+                                        <p:tgtEl>
+                                          <p:spTgt spid="6">
+                                            <p:txEl>
+                                              <p:pRg st="4" end="4"/>
+                                            </p:txEl>
+                                          </p:spTgt>
+                                        </p:tgtEl>
+                                        <p:attrNameLst>
+                                          <p:attrName>style.visibility</p:attrName>
+                                        </p:attrNameLst>
+                                      </p:cBhvr>
+                                      <p:to>
+                                        <p:strVal val="visible"/>
+                                      </p:to>
+                                    </p:set>
+                                  </p:childTnLst>
+                                </p:cTn>
+                              </p:par>
+                            </p:childTnLst>
+                          </p:cTn>
+                        </p:par>
+                      </p:childTnLst>
+                    </p:cTn>
+                  </p:par>
+                </p:childTnLst>
+              </p:cTn>
+              <p:prevCondLst>
+                <p:cond evt="onPrev" delay="0">
+                  <p:tgtEl>
+                    <p:sldTgt/>
+                  </p:tgtEl>
+                </p:cond>
+              </p:prevCondLst>
+              <p:nextCondLst>
+                <p:cond evt="onNext" delay="0">
+                  <p:tgtEl>
+                    <p:sldTgt/>
+                  </p:tgtEl>
+                </p:cond>
+              </p:nextCondLst>
+            </p:seq>
+          </p:childTnLst>
+        </p:cTn>
       </p:par>
     </p:tnLst>
   </p:timing>
 </p:sld>
 </file>
 
-<file path=ppt/slides/slide13.xml><?xml version="1.0" encoding="utf-8"?>
+<file path=ppt/slides/slide14.xml><?xml version="1.0" encoding="utf-8"?>
 <p:sld xmlns:a="http://schemas.openxmlformats.org/drawingml/2006/main" xmlns:r="http://schemas.openxmlformats.org/officeDocument/2006/relationships" xmlns:p="http://schemas.openxmlformats.org/presentationml/2006/main">
   <p:cSld name="page5">
     <p:spTree>
@@ -7465,7 +7969,7 @@
 </p:sld>
 </file>
 
-<file path=ppt/slides/slide14.xml><?xml version="1.0" encoding="utf-8"?>
+<file path=ppt/slides/slide15.xml><?xml version="1.0" encoding="utf-8"?>
 <p:sld xmlns:a="http://schemas.openxmlformats.org/drawingml/2006/main" xmlns:r="http://schemas.openxmlformats.org/officeDocument/2006/relationships" xmlns:p="http://schemas.openxmlformats.org/presentationml/2006/main">
   <p:cSld>
     <p:spTree>
@@ -7736,7 +8240,7 @@
 </p:sld>
 </file>
 
-<file path=ppt/slides/slide15.xml><?xml version="1.0" encoding="utf-8"?>
+<file path=ppt/slides/slide16.xml><?xml version="1.0" encoding="utf-8"?>
 <p:sld xmlns:a="http://schemas.openxmlformats.org/drawingml/2006/main" xmlns:r="http://schemas.openxmlformats.org/officeDocument/2006/relationships" xmlns:p="http://schemas.openxmlformats.org/presentationml/2006/main">
   <p:cSld>
     <p:spTree>
@@ -8186,7 +8690,7 @@
 </p:sld>
 </file>
 
-<file path=ppt/slides/slide16.xml><?xml version="1.0" encoding="utf-8"?>
+<file path=ppt/slides/slide17.xml><?xml version="1.0" encoding="utf-8"?>
 <p:sld xmlns:a="http://schemas.openxmlformats.org/drawingml/2006/main" xmlns:r="http://schemas.openxmlformats.org/officeDocument/2006/relationships" xmlns:p="http://schemas.openxmlformats.org/presentationml/2006/main">
   <p:cSld>
     <p:spTree>
@@ -8692,7 +9196,7 @@
 </p:sld>
 </file>
 
-<file path=ppt/slides/slide17.xml><?xml version="1.0" encoding="utf-8"?>
+<file path=ppt/slides/slide18.xml><?xml version="1.0" encoding="utf-8"?>
 <p:sld xmlns:a="http://schemas.openxmlformats.org/drawingml/2006/main" xmlns:r="http://schemas.openxmlformats.org/officeDocument/2006/relationships" xmlns:p="http://schemas.openxmlformats.org/presentationml/2006/main">
   <p:cSld>
     <p:spTree>
@@ -8816,7 +9320,7 @@
 </p:sld>
 </file>
 
-<file path=ppt/slides/slide18.xml><?xml version="1.0" encoding="utf-8"?>
+<file path=ppt/slides/slide19.xml><?xml version="1.0" encoding="utf-8"?>
 <p:sld xmlns:a="http://schemas.openxmlformats.org/drawingml/2006/main" xmlns:r="http://schemas.openxmlformats.org/officeDocument/2006/relationships" xmlns:p="http://schemas.openxmlformats.org/presentationml/2006/main">
   <p:cSld name="page10">
     <p:spTree>
@@ -8961,7 +9465,108 @@
 </p:sld>
 </file>
 
-<file path=ppt/slides/slide19.xml><?xml version="1.0" encoding="utf-8"?>
+<file path=ppt/slides/slide2.xml><?xml version="1.0" encoding="utf-8"?>
+<p:sld xmlns:a="http://schemas.openxmlformats.org/drawingml/2006/main" xmlns:r="http://schemas.openxmlformats.org/officeDocument/2006/relationships" xmlns:p="http://schemas.openxmlformats.org/presentationml/2006/main">
+  <p:cSld>
+    <p:spTree>
+      <p:nvGrpSpPr>
+        <p:cNvPr id="1" name=""/>
+        <p:cNvGrpSpPr/>
+        <p:nvPr/>
+      </p:nvGrpSpPr>
+      <p:grpSpPr>
+        <a:xfrm>
+          <a:off x="0" y="0"/>
+          <a:ext cx="0" cy="0"/>
+          <a:chOff x="0" y="0"/>
+          <a:chExt cx="0" cy="0"/>
+        </a:xfrm>
+      </p:grpSpPr>
+      <p:sp>
+        <p:nvSpPr>
+          <p:cNvPr id="2" name="TextBox 1"/>
+          <p:cNvSpPr txBox="1"/>
+          <p:nvPr/>
+        </p:nvSpPr>
+        <p:spPr>
+          <a:xfrm>
+            <a:off x="323528" y="561454"/>
+            <a:ext cx="8496944" cy="4154984"/>
+          </a:xfrm>
+          <a:prstGeom prst="rect">
+            <a:avLst/>
+          </a:prstGeom>
+          <a:noFill/>
+        </p:spPr>
+        <p:txBody>
+          <a:bodyPr wrap="square" rtlCol="0">
+            <a:spAutoFit/>
+          </a:bodyPr>
+          <a:lstStyle/>
+          <a:p>
+            <a:pPr algn="ctr"/>
+            <a:r>
+              <a:rPr lang="en-US" sz="4400" dirty="0" smtClean="0"/>
+              <a:t>Comprehension of basics</a:t>
+            </a:r>
+          </a:p>
+          <a:p>
+            <a:pPr algn="ctr"/>
+            <a:endParaRPr lang="en-US" sz="4400" dirty="0" smtClean="0"/>
+          </a:p>
+          <a:p>
+            <a:pPr algn="ctr"/>
+            <a:r>
+              <a:rPr lang="en-US" sz="4400" dirty="0" smtClean="0"/>
+              <a:t>not</a:t>
+            </a:r>
+          </a:p>
+          <a:p>
+            <a:pPr algn="ctr"/>
+            <a:endParaRPr lang="en-US" sz="4400" dirty="0" smtClean="0"/>
+          </a:p>
+          <a:p>
+            <a:pPr algn="ctr"/>
+            <a:r>
+              <a:rPr lang="en-US" sz="4400" dirty="0" smtClean="0"/>
+              <a:t>Comprehensive coverage</a:t>
+            </a:r>
+          </a:p>
+          <a:p>
+            <a:pPr algn="ctr"/>
+            <a:endParaRPr lang="en-US" sz="4400" dirty="0"/>
+          </a:p>
+        </p:txBody>
+      </p:sp>
+    </p:spTree>
+    <p:extLst>
+      <p:ext uri="{BB962C8B-B14F-4D97-AF65-F5344CB8AC3E}">
+        <p14:creationId xmlns:p14="http://schemas.microsoft.com/office/powerpoint/2010/main" val="3521152539"/>
+      </p:ext>
+    </p:extLst>
+  </p:cSld>
+  <p:clrMapOvr>
+    <a:masterClrMapping/>
+  </p:clrMapOvr>
+  <mc:AlternateContent xmlns:mc="http://schemas.openxmlformats.org/markup-compatibility/2006" xmlns:p14="http://schemas.microsoft.com/office/powerpoint/2010/main">
+    <mc:Choice Requires="p14">
+      <p:transition spd="slow" p14:dur="2000"/>
+    </mc:Choice>
+    <mc:Fallback xmlns="">
+      <p:transition spd="slow"/>
+    </mc:Fallback>
+  </mc:AlternateContent>
+  <p:timing>
+    <p:tnLst>
+      <p:par>
+        <p:cTn id="1" dur="indefinite" restart="never" nodeType="tmRoot"/>
+      </p:par>
+    </p:tnLst>
+  </p:timing>
+</p:sld>
+</file>
+
+<file path=ppt/slides/slide20.xml><?xml version="1.0" encoding="utf-8"?>
 <p:sld xmlns:a="http://schemas.openxmlformats.org/drawingml/2006/main" xmlns:r="http://schemas.openxmlformats.org/officeDocument/2006/relationships" xmlns:p="http://schemas.openxmlformats.org/presentationml/2006/main">
   <p:cSld name="page8">
     <p:spTree>
@@ -9849,7 +10454,7 @@
 </p:sld>
 </file>
 
-<file path=ppt/slides/slide2.xml><?xml version="1.0" encoding="utf-8"?>
+<file path=ppt/slides/slide3.xml><?xml version="1.0" encoding="utf-8"?>
 <p:sld xmlns:a="http://schemas.openxmlformats.org/drawingml/2006/main" xmlns:r="http://schemas.openxmlformats.org/officeDocument/2006/relationships" xmlns:p="http://schemas.openxmlformats.org/presentationml/2006/main">
   <p:cSld>
     <p:spTree>
@@ -10166,7 +10771,7 @@
 </p:sld>
 </file>
 
-<file path=ppt/slides/slide3.xml><?xml version="1.0" encoding="utf-8"?>
+<file path=ppt/slides/slide4.xml><?xml version="1.0" encoding="utf-8"?>
 <p:sld xmlns:a="http://schemas.openxmlformats.org/drawingml/2006/main" xmlns:r="http://schemas.openxmlformats.org/officeDocument/2006/relationships" xmlns:p="http://schemas.openxmlformats.org/presentationml/2006/main">
   <p:cSld>
     <p:spTree>
@@ -10203,7 +10808,19 @@
             </a:pPr>
             <a:r>
               <a:rPr lang="en-US" dirty="0" smtClean="0"/>
-              <a:t>So why the second choice when writing non SQL code?</a:t>
+              <a:t>So why the second choice when writing </a:t>
+            </a:r>
+            <a:r>
+              <a:rPr lang="en-US" dirty="0" smtClean="0"/>
+              <a:t>in </a:t>
+            </a:r>
+            <a:r>
+              <a:rPr lang="en-US" dirty="0" err="1" smtClean="0"/>
+              <a:t>Xlang</a:t>
+            </a:r>
+            <a:r>
+              <a:rPr lang="en-US" smtClean="0"/>
+              <a:t>?</a:t>
             </a:r>
             <a:endParaRPr lang="en-US" dirty="0"/>
           </a:p>
@@ -10237,7 +10854,7 @@
 </p:sld>
 </file>
 
-<file path=ppt/slides/slide4.xml><?xml version="1.0" encoding="utf-8"?>
+<file path=ppt/slides/slide5.xml><?xml version="1.0" encoding="utf-8"?>
 <p:sld xmlns:a="http://schemas.openxmlformats.org/drawingml/2006/main" xmlns:r="http://schemas.openxmlformats.org/officeDocument/2006/relationships" xmlns:p="http://schemas.openxmlformats.org/presentationml/2006/main">
   <p:cSld name="page9">
     <p:spTree>
@@ -10564,7 +11181,7 @@
                 <a:ea typeface="DejaVu Sans" pitchFamily="2"/>
                 <a:cs typeface="DejaVu Sans" pitchFamily="2"/>
               </a:rPr>
-              <a:t>Does provide Composable data structures</a:t>
+              <a:t>Does provide composable data structures</a:t>
             </a:r>
           </a:p>
           <a:p>
@@ -10674,7 +11291,29 @@
                 <a:ea typeface="DejaVu Sans" pitchFamily="2"/>
                 <a:cs typeface="DejaVu Sans" pitchFamily="2"/>
               </a:rPr>
-              <a:t>Enables SOLID FP and OO abstractions even when needing more concrete types than the abstraction knows about</a:t>
+              <a:t>Enables </a:t>
+            </a:r>
+            <a:r>
+              <a:rPr lang="en-US" sz="2000" b="0" i="0" u="none" strike="noStrike" kern="1200" spc="0" dirty="0" smtClean="0">
+                <a:ln>
+                  <a:noFill/>
+                </a:ln>
+                <a:latin typeface="Arial" pitchFamily="18"/>
+                <a:ea typeface="DejaVu Sans" pitchFamily="2"/>
+                <a:cs typeface="DejaVu Sans" pitchFamily="2"/>
+              </a:rPr>
+              <a:t>composable FP </a:t>
+            </a:r>
+            <a:r>
+              <a:rPr lang="en-US" sz="2000" b="0" i="0" u="none" strike="noStrike" kern="1200" spc="0" dirty="0" smtClean="0">
+                <a:ln>
+                  <a:noFill/>
+                </a:ln>
+                <a:latin typeface="Arial" pitchFamily="18"/>
+                <a:ea typeface="DejaVu Sans" pitchFamily="2"/>
+                <a:cs typeface="DejaVu Sans" pitchFamily="2"/>
+              </a:rPr>
+              <a:t>and OO abstractions even when needing more concrete types than the abstraction knows about</a:t>
             </a:r>
             <a:r>
               <a:rPr lang="en-US" sz="2000" b="0" i="0" u="none" strike="noStrike" kern="1200" spc="0" dirty="0" smtClean="0">
@@ -11082,7 +11721,7 @@
 </p:sld>
 </file>
 
-<file path=ppt/slides/slide5.xml><?xml version="1.0" encoding="utf-8"?>
+<file path=ppt/slides/slide6.xml><?xml version="1.0" encoding="utf-8"?>
 <p:sld xmlns:a="http://schemas.openxmlformats.org/drawingml/2006/main" xmlns:r="http://schemas.openxmlformats.org/officeDocument/2006/relationships" xmlns:p="http://schemas.openxmlformats.org/presentationml/2006/main">
   <p:cSld>
     <p:spTree>
@@ -11479,7 +12118,7 @@
 </p:sld>
 </file>
 
-<file path=ppt/slides/slide6.xml><?xml version="1.0" encoding="utf-8"?>
+<file path=ppt/slides/slide7.xml><?xml version="1.0" encoding="utf-8"?>
 <p:sld xmlns:a="http://schemas.openxmlformats.org/drawingml/2006/main" xmlns:r="http://schemas.openxmlformats.org/officeDocument/2006/relationships" xmlns:p="http://schemas.openxmlformats.org/presentationml/2006/main">
   <p:cSld name="page2">
     <p:spTree>
@@ -11574,7 +12213,7 @@
               <a:tabLst/>
             </a:pPr>
             <a:r>
-              <a:rPr lang="en-US" sz="4400" b="0" i="0" u="none" strike="noStrike" kern="1200" spc="0" smtClean="0">
+              <a:rPr lang="en-US" sz="4400" b="0" i="0" u="none" strike="noStrike" kern="1200" spc="0" dirty="0" smtClean="0">
                 <a:ln>
                   <a:noFill/>
                 </a:ln>
@@ -11585,9 +12224,9 @@
                 <a:ea typeface="DejaVu Sans" pitchFamily="2"/>
                 <a:cs typeface="DejaVu Sans" pitchFamily="2"/>
               </a:rPr>
-              <a:t>Functional programming</a:t>
-            </a:r>
-            <a:endParaRPr lang="en-US" sz="4400" b="0" i="0" u="none" strike="noStrike" kern="1200" spc="0">
+              <a:t>FP algorithm composition toolkit</a:t>
+            </a:r>
+            <a:endParaRPr lang="en-US" sz="4400" b="0" i="0" u="none" strike="noStrike" kern="1200" spc="0" dirty="0">
               <a:ln>
                 <a:noFill/>
               </a:ln>
@@ -12651,7 +13290,7 @@
 </p:sld>
 </file>
 
-<file path=ppt/slides/slide7.xml><?xml version="1.0" encoding="utf-8"?>
+<file path=ppt/slides/slide8.xml><?xml version="1.0" encoding="utf-8"?>
 <p:sld xmlns:a="http://schemas.openxmlformats.org/drawingml/2006/main" xmlns:r="http://schemas.openxmlformats.org/officeDocument/2006/relationships" xmlns:p="http://schemas.openxmlformats.org/presentationml/2006/main">
   <p:cSld>
     <p:spTree>
@@ -12687,10 +13326,14 @@
               <a:buNone/>
             </a:pPr>
             <a:r>
-              <a:rPr lang="en-US" smtClean="0"/>
-              <a:t>The free lunch is over</a:t>
-            </a:r>
-            <a:endParaRPr lang="en-US"/>
+              <a:rPr lang="en-US" dirty="0" smtClean="0"/>
+              <a:t>The </a:t>
+            </a:r>
+            <a:r>
+              <a:rPr lang="en-US" dirty="0" smtClean="0"/>
+              <a:t>free lunch is over</a:t>
+            </a:r>
+            <a:endParaRPr lang="en-US" dirty="0"/>
           </a:p>
         </p:txBody>
       </p:sp>
@@ -12734,19 +13377,6 @@
               <a:t>Because developers fail to utilize modern computers</a:t>
             </a:r>
             <a:endParaRPr lang="en-US" dirty="0" smtClean="0"/>
-          </a:p>
-          <a:p>
-            <a:r>
-              <a:rPr lang="en-US" dirty="0" smtClean="0"/>
-              <a:t>More’s law is still going strong</a:t>
-            </a:r>
-          </a:p>
-          <a:p>
-            <a:pPr lvl="1"/>
-            <a:r>
-              <a:rPr lang="en-US" dirty="0" smtClean="0"/>
-              <a:t>Cores(threads) not MHz</a:t>
-            </a:r>
           </a:p>
         </p:txBody>
       </p:sp>
@@ -12780,9 +13410,6 @@
                     <p:cTn id="3" fill="hold">
                       <p:stCondLst>
                         <p:cond delay="indefinite"/>
-                        <p:cond evt="onBegin" delay="0">
-                          <p:tn val="2"/>
-                        </p:cond>
                       </p:stCondLst>
                       <p:childTnLst>
                         <p:par>
@@ -12792,7 +13419,7 @@
                             </p:stCondLst>
                             <p:childTnLst>
                               <p:par>
-                                <p:cTn id="5" presetID="1" presetClass="entr" presetSubtype="0" fill="hold" nodeType="withEffect">
+                                <p:cTn id="5" presetID="1" presetClass="entr" presetSubtype="0" fill="hold" nodeType="clickEffect">
                                   <p:stCondLst>
                                     <p:cond delay="0"/>
                                   </p:stCondLst>
@@ -12853,39 +13480,26 @@
                                   </p:childTnLst>
                                 </p:cTn>
                               </p:par>
+                            </p:childTnLst>
+                          </p:cTn>
+                        </p:par>
+                      </p:childTnLst>
+                    </p:cTn>
+                  </p:par>
+                  <p:par>
+                    <p:cTn id="9" fill="hold">
+                      <p:stCondLst>
+                        <p:cond delay="indefinite"/>
+                      </p:stCondLst>
+                      <p:childTnLst>
+                        <p:par>
+                          <p:cTn id="10" fill="hold">
+                            <p:stCondLst>
+                              <p:cond delay="0"/>
+                            </p:stCondLst>
+                            <p:childTnLst>
                               <p:par>
-                                <p:cTn id="9" presetID="1" presetClass="entr" presetSubtype="0" fill="hold" nodeType="withEffect">
-                                  <p:stCondLst>
-                                    <p:cond delay="0"/>
-                                  </p:stCondLst>
-                                  <p:childTnLst>
-                                    <p:set>
-                                      <p:cBhvr>
-                                        <p:cTn id="10" dur="1" fill="hold">
-                                          <p:stCondLst>
-                                            <p:cond delay="0"/>
-                                          </p:stCondLst>
-                                        </p:cTn>
-                                        <p:tgtEl>
-                                          <p:spTgt spid="3">
-                                            <p:txEl>
-                                              <p:pRg st="2" end="2"/>
-                                            </p:txEl>
-                                          </p:spTgt>
-                                        </p:tgtEl>
-                                        <p:attrNameLst>
-                                          <p:attrName>style.visibility</p:attrName>
-                                        </p:attrNameLst>
-                                      </p:cBhvr>
-                                      <p:to>
-                                        <p:strVal val="visible"/>
-                                      </p:to>
-                                    </p:set>
-                                  </p:childTnLst>
-                                </p:cTn>
-                              </p:par>
-                              <p:par>
-                                <p:cTn id="11" presetID="1" presetClass="entr" presetSubtype="0" fill="hold" nodeType="withEffect">
+                                <p:cTn id="11" presetID="1" presetClass="entr" presetSubtype="0" fill="hold" nodeType="clickEffect">
                                   <p:stCondLst>
                                     <p:cond delay="0"/>
                                   </p:stCondLst>
@@ -12900,7 +13514,7 @@
                                         <p:tgtEl>
                                           <p:spTgt spid="3">
                                             <p:txEl>
-                                              <p:pRg st="3" end="3"/>
+                                              <p:pRg st="2" end="2"/>
                                             </p:txEl>
                                           </p:spTgt>
                                         </p:tgtEl>
@@ -12931,38 +13545,7 @@
                                         <p:tgtEl>
                                           <p:spTgt spid="3">
                                             <p:txEl>
-                                              <p:pRg st="4" end="4"/>
-                                            </p:txEl>
-                                          </p:spTgt>
-                                        </p:tgtEl>
-                                        <p:attrNameLst>
-                                          <p:attrName>style.visibility</p:attrName>
-                                        </p:attrNameLst>
-                                      </p:cBhvr>
-                                      <p:to>
-                                        <p:strVal val="visible"/>
-                                      </p:to>
-                                    </p:set>
-                                  </p:childTnLst>
-                                </p:cTn>
-                              </p:par>
-                              <p:par>
-                                <p:cTn id="15" presetID="1" presetClass="entr" presetSubtype="0" fill="hold" nodeType="withEffect">
-                                  <p:stCondLst>
-                                    <p:cond delay="0"/>
-                                  </p:stCondLst>
-                                  <p:childTnLst>
-                                    <p:set>
-                                      <p:cBhvr>
-                                        <p:cTn id="16" dur="1" fill="hold">
-                                          <p:stCondLst>
-                                            <p:cond delay="0"/>
-                                          </p:stCondLst>
-                                        </p:cTn>
-                                        <p:tgtEl>
-                                          <p:spTgt spid="3">
-                                            <p:txEl>
-                                              <p:pRg st="5" end="5"/>
+                                              <p:pRg st="3" end="3"/>
                                             </p:txEl>
                                           </p:spTgt>
                                         </p:tgtEl>
@@ -13008,138 +13591,6 @@
 </p:sld>
 </file>
 
-<file path=ppt/slides/slide8.xml><?xml version="1.0" encoding="utf-8"?>
-<p:sld xmlns:a="http://schemas.openxmlformats.org/drawingml/2006/main" xmlns:r="http://schemas.openxmlformats.org/officeDocument/2006/relationships" xmlns:p="http://schemas.openxmlformats.org/presentationml/2006/main">
-  <p:cSld>
-    <p:spTree>
-      <p:nvGrpSpPr>
-        <p:cNvPr id="1" name=""/>
-        <p:cNvGrpSpPr/>
-        <p:nvPr/>
-      </p:nvGrpSpPr>
-      <p:grpSpPr>
-        <a:xfrm>
-          <a:off x="0" y="0"/>
-          <a:ext cx="0" cy="0"/>
-          <a:chOff x="0" y="0"/>
-          <a:chExt cx="0" cy="0"/>
-        </a:xfrm>
-      </p:grpSpPr>
-      <p:sp>
-        <p:nvSpPr>
-          <p:cNvPr id="2" name="Title 1"/>
-          <p:cNvSpPr>
-            <a:spLocks noGrp="1"/>
-          </p:cNvSpPr>
-          <p:nvPr>
-            <p:ph type="title"/>
-          </p:nvPr>
-        </p:nvSpPr>
-        <p:spPr/>
-        <p:txBody>
-          <a:bodyPr/>
-          <a:lstStyle/>
-          <a:p>
-            <a:pPr>
-              <a:buNone/>
-            </a:pPr>
-            <a:r>
-              <a:rPr lang="en-US" smtClean="0"/>
-              <a:t>Threading and the future</a:t>
-            </a:r>
-            <a:endParaRPr lang="en-US"/>
-          </a:p>
-        </p:txBody>
-      </p:sp>
-      <p:sp>
-        <p:nvSpPr>
-          <p:cNvPr id="3" name="Content Placeholder 2"/>
-          <p:cNvSpPr>
-            <a:spLocks noGrp="1"/>
-          </p:cNvSpPr>
-          <p:nvPr>
-            <p:ph idx="1"/>
-          </p:nvPr>
-        </p:nvSpPr>
-        <p:spPr/>
-        <p:txBody>
-          <a:bodyPr/>
-          <a:lstStyle/>
-          <a:p>
-            <a:r>
-              <a:rPr lang="en-US" smtClean="0"/>
-              <a:t>Most programs today single threaded</a:t>
-            </a:r>
-          </a:p>
-          <a:p>
-            <a:r>
-              <a:rPr lang="en-US" smtClean="0"/>
-              <a:t>Mainstream CPUs today 2-6 cores</a:t>
-            </a:r>
-          </a:p>
-          <a:p>
-            <a:pPr lvl="1"/>
-            <a:r>
-              <a:rPr lang="en-US" smtClean="0"/>
-              <a:t>Server CPUs 12 cores</a:t>
-            </a:r>
-          </a:p>
-          <a:p>
-            <a:r>
-              <a:rPr lang="en-US" smtClean="0"/>
-              <a:t>Within a few years it will be 32, 64 </a:t>
-            </a:r>
-            <a:r>
-              <a:rPr lang="en-US" err="1" smtClean="0"/>
-              <a:t>etc</a:t>
-            </a:r>
-            <a:endParaRPr lang="en-US" smtClean="0"/>
-          </a:p>
-          <a:p>
-            <a:r>
-              <a:rPr lang="en-US" smtClean="0"/>
-              <a:t>How much can a single threaded program do for a user of a 64 core machine?</a:t>
-            </a:r>
-          </a:p>
-          <a:p>
-            <a:r>
-              <a:rPr lang="en-US" smtClean="0"/>
-              <a:t>How about a program that uses all cores?</a:t>
-            </a:r>
-          </a:p>
-          <a:p>
-            <a:endParaRPr lang="en-US" smtClean="0"/>
-          </a:p>
-        </p:txBody>
-      </p:sp>
-    </p:spTree>
-    <p:extLst>
-      <p:ext uri="{BB962C8B-B14F-4D97-AF65-F5344CB8AC3E}">
-        <p14:creationId xmlns:p14="http://schemas.microsoft.com/office/powerpoint/2010/main" val="837650438"/>
-      </p:ext>
-    </p:extLst>
-  </p:cSld>
-  <p:clrMapOvr>
-    <a:masterClrMapping/>
-  </p:clrMapOvr>
-  <mc:AlternateContent xmlns:mc="http://schemas.openxmlformats.org/markup-compatibility/2006" xmlns:p14="http://schemas.microsoft.com/office/powerpoint/2010/main">
-    <mc:Choice Requires="p14">
-      <p:transition spd="slow" p14:dur="2000"/>
-    </mc:Choice>
-    <mc:Fallback xmlns="">
-      <p:transition spd="slow"/>
-    </mc:Fallback>
-  </mc:AlternateContent>
-  <p:timing>
-    <p:tnLst>
-      <p:par>
-        <p:cTn id="1" dur="indefinite" restart="never" nodeType="tmRoot"/>
-      </p:par>
-    </p:tnLst>
-  </p:timing>
-</p:sld>
-</file>
-
 <file path=ppt/slides/slide9.xml><?xml version="1.0" encoding="utf-8"?>
 <p:sld xmlns:a="http://schemas.openxmlformats.org/drawingml/2006/main" xmlns:r="http://schemas.openxmlformats.org/officeDocument/2006/relationships" xmlns:p="http://schemas.openxmlformats.org/presentationml/2006/main">
   <p:cSld>
@@ -13177,7 +13628,7 @@
             </a:pPr>
             <a:r>
               <a:rPr lang="en-US" smtClean="0"/>
-              <a:t>Imperative Threading</a:t>
+              <a:t>Threading and the future</a:t>
             </a:r>
             <a:endParaRPr lang="en-US"/>
           </a:p>
@@ -13200,49 +13651,54 @@
           <a:p>
             <a:r>
               <a:rPr lang="en-US" smtClean="0"/>
-              <a:t>Fully specified algorithms</a:t>
+              <a:t>Most programs today single threaded</a:t>
+            </a:r>
+          </a:p>
+          <a:p>
+            <a:r>
+              <a:rPr lang="en-US" smtClean="0"/>
+              <a:t>Mainstream CPUs today 2-6 cores</a:t>
             </a:r>
           </a:p>
           <a:p>
             <a:pPr lvl="1"/>
             <a:r>
               <a:rPr lang="en-US" smtClean="0"/>
-              <a:t>Can only be threaded by rewrite</a:t>
+              <a:t>Server CPUs 12 cores</a:t>
             </a:r>
           </a:p>
           <a:p>
             <a:r>
               <a:rPr lang="en-US" smtClean="0"/>
-              <a:t>Shared mutable data</a:t>
-            </a:r>
-          </a:p>
-          <a:p>
-            <a:pPr lvl="1"/>
+              <a:t>Within a few years it will be 32, 64 </a:t>
+            </a:r>
+            <a:r>
+              <a:rPr lang="en-US" err="1" smtClean="0"/>
+              <a:t>etc</a:t>
+            </a:r>
+            <a:endParaRPr lang="en-US" smtClean="0"/>
+          </a:p>
+          <a:p>
             <a:r>
               <a:rPr lang="en-US" smtClean="0"/>
-              <a:t>Requires locking</a:t>
-            </a:r>
-          </a:p>
-          <a:p>
-            <a:pPr lvl="2"/>
+              <a:t>How much can a single threaded program do for a user of a 64 core machine?</a:t>
+            </a:r>
+          </a:p>
+          <a:p>
             <a:r>
               <a:rPr lang="en-US" smtClean="0"/>
-              <a:t>Unmanageble complexity</a:t>
-            </a:r>
-          </a:p>
-          <a:p>
-            <a:pPr lvl="2"/>
-            <a:r>
-              <a:rPr lang="en-US" smtClean="0"/>
-              <a:t>Deadlocks</a:t>
-            </a:r>
+              <a:t>How about a program that uses all cores?</a:t>
+            </a:r>
+          </a:p>
+          <a:p>
+            <a:endParaRPr lang="en-US" smtClean="0"/>
           </a:p>
         </p:txBody>
       </p:sp>
     </p:spTree>
     <p:extLst>
       <p:ext uri="{BB962C8B-B14F-4D97-AF65-F5344CB8AC3E}">
-        <p14:creationId xmlns:p14="http://schemas.microsoft.com/office/powerpoint/2010/main" val="944482395"/>
+        <p14:creationId xmlns:p14="http://schemas.microsoft.com/office/powerpoint/2010/main" val="837650438"/>
       </p:ext>
     </p:extLst>
   </p:cSld>

--- a/FSharp2.pptx
+++ b/FSharp2.pptx
@@ -6287,11 +6287,7 @@
             <a:pPr lvl="2"/>
             <a:r>
               <a:rPr lang="en-US" dirty="0" smtClean="0"/>
-              <a:t>Unmanageable </a:t>
-            </a:r>
-            <a:r>
-              <a:rPr lang="en-US" dirty="0" smtClean="0"/>
-              <a:t>complexity</a:t>
+              <a:t>Unmanageable complexity</a:t>
             </a:r>
           </a:p>
           <a:p>
@@ -6314,7 +6310,6 @@
               <a:rPr lang="en-US" dirty="0" smtClean="0"/>
               <a:t>Non deterministic behavior</a:t>
             </a:r>
-            <a:endParaRPr lang="en-US" dirty="0" smtClean="0"/>
           </a:p>
         </p:txBody>
       </p:sp>
@@ -6411,26 +6406,14 @@
           <a:p>
             <a:r>
               <a:rPr lang="en-US" dirty="0" smtClean="0"/>
-              <a:t>Partially </a:t>
-            </a:r>
+              <a:t>Partially specified algorithms</a:t>
+            </a:r>
+          </a:p>
+          <a:p>
+            <a:pPr lvl="1"/>
             <a:r>
               <a:rPr lang="en-US" dirty="0" smtClean="0"/>
-              <a:t>specified algorithms</a:t>
-            </a:r>
-          </a:p>
-          <a:p>
-            <a:pPr lvl="1"/>
-            <a:r>
-              <a:rPr lang="en-US" dirty="0" smtClean="0"/>
-              <a:t>Libraries are </a:t>
-            </a:r>
-            <a:r>
-              <a:rPr lang="en-US" dirty="0" smtClean="0"/>
-              <a:t>free to change to multithreaded implementations</a:t>
-            </a:r>
-            <a:r>
-              <a:rPr lang="en-US" dirty="0" smtClean="0"/>
-              <a:t>.</a:t>
+              <a:t>Libraries are free to change to multithreaded implementations.</a:t>
             </a:r>
           </a:p>
           <a:p>
@@ -6730,7 +6713,6 @@
               <a:rPr lang="en-US" sz="2400" dirty="0" smtClean="0"/>
               <a:t>DONE!</a:t>
             </a:r>
-            <a:endParaRPr lang="en-US" sz="2400" dirty="0" smtClean="0"/>
           </a:p>
         </p:txBody>
       </p:sp>
@@ -7447,18 +7429,7 @@
                 <a:ea typeface="DejaVu Sans" pitchFamily="2"/>
                 <a:cs typeface="DejaVu Sans" pitchFamily="2"/>
               </a:rPr>
-              <a:t>All Linq </a:t>
-            </a:r>
-            <a:r>
-              <a:rPr lang="en-US" sz="2000" b="0" i="0" u="none" strike="noStrike" kern="1200" spc="0" dirty="0" smtClean="0">
-                <a:ln>
-                  <a:noFill/>
-                </a:ln>
-                <a:latin typeface="Arial" pitchFamily="18"/>
-                <a:ea typeface="DejaVu Sans" pitchFamily="2"/>
-                <a:cs typeface="DejaVu Sans" pitchFamily="2"/>
-              </a:rPr>
-              <a:t>operators are </a:t>
+              <a:t>All Linq operators are </a:t>
             </a:r>
             <a:r>
               <a:rPr lang="en-US" sz="2000" b="0" i="1" u="none" strike="noStrike" kern="1200" spc="0" dirty="0" smtClean="0">
@@ -7496,18 +7467,7 @@
                 <a:ea typeface="DejaVu Sans" pitchFamily="2"/>
                 <a:cs typeface="DejaVu Sans" pitchFamily="2"/>
               </a:rPr>
-              <a:t>Many </a:t>
-            </a:r>
-            <a:r>
-              <a:rPr lang="en-US" sz="2000" b="0" i="0" u="none" strike="noStrike" kern="1200" spc="0" dirty="0" smtClean="0">
-                <a:ln>
-                  <a:noFill/>
-                </a:ln>
-                <a:latin typeface="Arial" pitchFamily="18"/>
-                <a:ea typeface="DejaVu Sans" pitchFamily="2"/>
-                <a:cs typeface="DejaVu Sans" pitchFamily="2"/>
-              </a:rPr>
-              <a:t>Linq operators are </a:t>
+              <a:t>Many Linq operators are </a:t>
             </a:r>
             <a:r>
               <a:rPr lang="en-US" sz="2000" b="0" i="1" u="none" strike="noStrike" kern="1200" spc="0" dirty="0" smtClean="0">
@@ -7518,18 +7478,7 @@
                 <a:ea typeface="DejaVu Sans" pitchFamily="2"/>
                 <a:cs typeface="DejaVu Sans" pitchFamily="2"/>
               </a:rPr>
-              <a:t>higher order </a:t>
-            </a:r>
-            <a:r>
-              <a:rPr lang="en-US" sz="2000" b="0" i="1" u="none" strike="noStrike" kern="1200" spc="0" dirty="0" smtClean="0">
-                <a:ln>
-                  <a:noFill/>
-                </a:ln>
-                <a:latin typeface="Arial" pitchFamily="18"/>
-                <a:ea typeface="DejaVu Sans" pitchFamily="2"/>
-                <a:cs typeface="DejaVu Sans" pitchFamily="2"/>
-              </a:rPr>
-              <a:t>functions</a:t>
+              <a:t>higher order functions</a:t>
             </a:r>
           </a:p>
           <a:p>
@@ -7556,18 +7505,7 @@
                 <a:ea typeface="DejaVu Sans" pitchFamily="2"/>
                 <a:cs typeface="DejaVu Sans" pitchFamily="2"/>
               </a:rPr>
-              <a:t>Lambdas </a:t>
-            </a:r>
-            <a:r>
-              <a:rPr lang="en-US" sz="2000" b="0" i="0" u="none" strike="noStrike" kern="1200" spc="0" dirty="0" smtClean="0">
-                <a:ln>
-                  <a:noFill/>
-                </a:ln>
-                <a:latin typeface="Arial" pitchFamily="18"/>
-                <a:ea typeface="DejaVu Sans" pitchFamily="2"/>
-                <a:cs typeface="DejaVu Sans" pitchFamily="2"/>
-              </a:rPr>
-              <a:t>are </a:t>
+              <a:t>Lambdas are </a:t>
             </a:r>
             <a:r>
               <a:rPr lang="en-US" sz="2000" b="0" i="1" u="none" strike="noStrike" kern="1200" spc="0" dirty="0" smtClean="0">
@@ -7605,18 +7543,7 @@
                 <a:ea typeface="DejaVu Sans" pitchFamily="2"/>
                 <a:cs typeface="DejaVu Sans" pitchFamily="2"/>
               </a:rPr>
-              <a:t>Comprehension syntax is syntactic sugar </a:t>
-            </a:r>
-            <a:r>
-              <a:rPr lang="en-US" sz="2000" b="0" i="1" u="none" strike="noStrike" kern="1200" spc="0" dirty="0" smtClean="0">
-                <a:ln>
-                  <a:noFill/>
-                </a:ln>
-                <a:latin typeface="Arial" pitchFamily="18"/>
-                <a:ea typeface="DejaVu Sans" pitchFamily="2"/>
-                <a:cs typeface="DejaVu Sans" pitchFamily="2"/>
-              </a:rPr>
-              <a:t>on functions and lambdas</a:t>
+              <a:t>Comprehension syntax is syntactic sugar on functions and lambdas</a:t>
             </a:r>
             <a:endParaRPr lang="en-US" sz="2000" b="0" i="1" u="none" strike="noStrike" kern="1200" spc="0" dirty="0">
               <a:ln>
@@ -8324,16 +8251,11 @@
               <a:rPr lang="en-US" dirty="0" smtClean="0"/>
               <a:t>Training / Abstraction level</a:t>
             </a:r>
-            <a:endParaRPr lang="en-US" dirty="0" smtClean="0"/>
           </a:p>
           <a:p>
             <a:r>
               <a:rPr lang="en-US" dirty="0" smtClean="0"/>
-              <a:t>No </a:t>
-            </a:r>
-            <a:r>
-              <a:rPr lang="en-US" dirty="0" smtClean="0"/>
-              <a:t>multiparadigm</a:t>
+              <a:t>No multiparadigm</a:t>
             </a:r>
           </a:p>
           <a:p>
@@ -8341,7 +8263,6 @@
               <a:rPr lang="en-US" dirty="0" smtClean="0"/>
               <a:t>Performance of duck typing</a:t>
             </a:r>
-            <a:endParaRPr lang="en-US" dirty="0" smtClean="0"/>
           </a:p>
         </p:txBody>
       </p:sp>
@@ -8768,11 +8689,7 @@
           <a:p>
             <a:r>
               <a:rPr lang="en-US" dirty="0" smtClean="0"/>
-              <a:t>Visual Studio </a:t>
-            </a:r>
-            <a:r>
-              <a:rPr lang="en-US" dirty="0" smtClean="0"/>
-              <a:t>support</a:t>
+              <a:t>Visual Studio support</a:t>
             </a:r>
           </a:p>
           <a:p>
@@ -8781,18 +8698,12 @@
               <a:rPr lang="en-US" dirty="0" smtClean="0"/>
               <a:t>Mostly…</a:t>
             </a:r>
-            <a:endParaRPr lang="en-US" dirty="0" smtClean="0"/>
           </a:p>
           <a:p>
             <a:r>
               <a:rPr lang="en-US" dirty="0" smtClean="0"/>
-              <a:t>Multiparadigm( FP / </a:t>
-            </a:r>
-            <a:r>
-              <a:rPr lang="en-US" dirty="0" smtClean="0"/>
-              <a:t>OO )</a:t>
-            </a:r>
-            <a:endParaRPr lang="en-US" dirty="0" smtClean="0"/>
+              <a:t>Multiparadigm( FP / OO )</a:t>
+            </a:r>
           </a:p>
           <a:p>
             <a:r>
@@ -9806,27 +9717,8 @@
                 <a:ea typeface="DejaVu Sans" pitchFamily="2"/>
                 <a:cs typeface="DejaVu Sans" pitchFamily="2"/>
               </a:rPr>
-              <a:t>*classes, interfaces, functions, </a:t>
-            </a:r>
-            <a:r>
-              <a:rPr lang="en-US" b="0" i="0" u="none" strike="noStrike" kern="1200" spc="0" dirty="0" smtClean="0">
-                <a:ln>
-                  <a:noFill/>
-                </a:ln>
-                <a:latin typeface="Arial" pitchFamily="18"/>
-                <a:ea typeface="DejaVu Sans" pitchFamily="2"/>
-                <a:cs typeface="DejaVu Sans" pitchFamily="2"/>
-              </a:rPr>
-              <a:t>etc.</a:t>
-            </a:r>
-            <a:endParaRPr lang="en-US" b="0" i="0" u="none" strike="noStrike" kern="1200" spc="0" dirty="0" smtClean="0">
-              <a:ln>
-                <a:noFill/>
-              </a:ln>
-              <a:latin typeface="Arial" pitchFamily="18"/>
-              <a:ea typeface="DejaVu Sans" pitchFamily="2"/>
-              <a:cs typeface="DejaVu Sans" pitchFamily="2"/>
-            </a:endParaRPr>
+              <a:t>*classes, interfaces, functions, etc.</a:t>
+            </a:r>
           </a:p>
           <a:p>
             <a:pPr marL="342900" marR="0" lvl="0" indent="-342900" rtl="0" hangingPunct="0">
@@ -10517,19 +10409,7 @@
             </a:pPr>
             <a:r>
               <a:rPr lang="en-US" dirty="0" smtClean="0"/>
-              <a:t>SELECT, JOIN, WHERE</a:t>
-            </a:r>
-            <a:r>
-              <a:rPr lang="en-US" dirty="0" smtClean="0"/>
-              <a:t>, GROUP </a:t>
-            </a:r>
-            <a:r>
-              <a:rPr lang="en-US" dirty="0" smtClean="0"/>
-              <a:t>BY, </a:t>
-            </a:r>
-            <a:r>
-              <a:rPr lang="en-US" dirty="0" smtClean="0"/>
-              <a:t>SUM</a:t>
+              <a:t>SELECT, JOIN, WHERE, GROUP BY, SUM</a:t>
             </a:r>
           </a:p>
           <a:p>
@@ -10559,15 +10439,7 @@
             </a:pPr>
             <a:r>
               <a:rPr lang="en-US" dirty="0" smtClean="0"/>
-              <a:t>DECLARE CURSOR, TEMP TABLE, </a:t>
-            </a:r>
-            <a:r>
-              <a:rPr lang="en-US" dirty="0" smtClean="0"/>
-              <a:t>LOOPS, IF, ADDITION, </a:t>
-            </a:r>
-            <a:r>
-              <a:rPr lang="en-US" dirty="0" smtClean="0"/>
-              <a:t>AGGREGATION VARIABLES</a:t>
+              <a:t>DECLARE CURSOR, TEMP TABLE, LOOPS, IF, ADDITION, AGGREGATION VARIABLES</a:t>
             </a:r>
             <a:endParaRPr lang="en-US" dirty="0"/>
           </a:p>
@@ -10808,11 +10680,7 @@
             </a:pPr>
             <a:r>
               <a:rPr lang="en-US" dirty="0" smtClean="0"/>
-              <a:t>So why the second choice when writing </a:t>
-            </a:r>
-            <a:r>
-              <a:rPr lang="en-US" dirty="0" smtClean="0"/>
-              <a:t>in </a:t>
+              <a:t>So why the second choice when writing in </a:t>
             </a:r>
             <a:r>
               <a:rPr lang="en-US" dirty="0" err="1" smtClean="0"/>
@@ -11141,14 +11009,6 @@
               </a:rPr>
               <a:t>Object Oriented Programming</a:t>
             </a:r>
-            <a:endParaRPr lang="en-US" sz="2000" b="0" i="0" u="none" strike="noStrike" kern="1200" spc="0" dirty="0" smtClean="0">
-              <a:ln>
-                <a:noFill/>
-              </a:ln>
-              <a:latin typeface="Arial" pitchFamily="18"/>
-              <a:ea typeface="DejaVu Sans" pitchFamily="2"/>
-              <a:cs typeface="DejaVu Sans" pitchFamily="2"/>
-            </a:endParaRPr>
           </a:p>
           <a:p>
             <a:pPr marL="742950" lvl="1" indent="-285750" hangingPunct="0">
@@ -11208,8 +11068,14 @@
                 <a:ea typeface="DejaVu Sans" pitchFamily="2"/>
                 <a:cs typeface="DejaVu Sans" pitchFamily="2"/>
               </a:rPr>
-              <a:t>Functional </a:t>
-            </a:r>
+              <a:t>Functional programming</a:t>
+            </a:r>
+          </a:p>
+          <a:p>
+            <a:pPr marL="742950" lvl="1" indent="-285750" hangingPunct="0">
+              <a:buFont typeface="Arial" pitchFamily="34" charset="0"/>
+              <a:buChar char="•"/>
+            </a:pPr>
             <a:r>
               <a:rPr lang="en-US" sz="2000" b="0" i="0" u="none" strike="noStrike" kern="1200" spc="0" dirty="0" smtClean="0">
                 <a:ln>
@@ -11219,35 +11085,7 @@
                 <a:ea typeface="DejaVu Sans" pitchFamily="2"/>
                 <a:cs typeface="DejaVu Sans" pitchFamily="2"/>
               </a:rPr>
-              <a:t>programming</a:t>
-            </a:r>
-          </a:p>
-          <a:p>
-            <a:pPr marL="742950" lvl="1" indent="-285750" hangingPunct="0">
-              <a:buFont typeface="Arial" pitchFamily="34" charset="0"/>
-              <a:buChar char="•"/>
-            </a:pPr>
-            <a:r>
-              <a:rPr lang="en-US" sz="2000" b="0" i="0" u="none" strike="noStrike" kern="1200" spc="0" dirty="0" smtClean="0">
-                <a:ln>
-                  <a:noFill/>
-                </a:ln>
-                <a:latin typeface="Arial" pitchFamily="18"/>
-                <a:ea typeface="DejaVu Sans" pitchFamily="2"/>
-                <a:cs typeface="DejaVu Sans" pitchFamily="2"/>
-              </a:rPr>
-              <a:t>Does provide composable </a:t>
-            </a:r>
-            <a:r>
-              <a:rPr lang="en-US" sz="2000" b="0" i="0" u="none" strike="noStrike" kern="1200" spc="0" dirty="0" smtClean="0">
-                <a:ln>
-                  <a:noFill/>
-                </a:ln>
-                <a:latin typeface="Arial" pitchFamily="18"/>
-                <a:ea typeface="DejaVu Sans" pitchFamily="2"/>
-                <a:cs typeface="DejaVu Sans" pitchFamily="2"/>
-              </a:rPr>
-              <a:t>algorithms</a:t>
+              <a:t>Does provide composable algorithms</a:t>
             </a:r>
           </a:p>
           <a:p>
@@ -11291,49 +11129,8 @@
                 <a:ea typeface="DejaVu Sans" pitchFamily="2"/>
                 <a:cs typeface="DejaVu Sans" pitchFamily="2"/>
               </a:rPr>
-              <a:t>Enables </a:t>
-            </a:r>
-            <a:r>
-              <a:rPr lang="en-US" sz="2000" b="0" i="0" u="none" strike="noStrike" kern="1200" spc="0" dirty="0" smtClean="0">
-                <a:ln>
-                  <a:noFill/>
-                </a:ln>
-                <a:latin typeface="Arial" pitchFamily="18"/>
-                <a:ea typeface="DejaVu Sans" pitchFamily="2"/>
-                <a:cs typeface="DejaVu Sans" pitchFamily="2"/>
-              </a:rPr>
-              <a:t>composable FP </a:t>
-            </a:r>
-            <a:r>
-              <a:rPr lang="en-US" sz="2000" b="0" i="0" u="none" strike="noStrike" kern="1200" spc="0" dirty="0" smtClean="0">
-                <a:ln>
-                  <a:noFill/>
-                </a:ln>
-                <a:latin typeface="Arial" pitchFamily="18"/>
-                <a:ea typeface="DejaVu Sans" pitchFamily="2"/>
-                <a:cs typeface="DejaVu Sans" pitchFamily="2"/>
-              </a:rPr>
-              <a:t>and OO abstractions even when needing more concrete types than the abstraction knows about</a:t>
-            </a:r>
-            <a:r>
-              <a:rPr lang="en-US" sz="2000" b="0" i="0" u="none" strike="noStrike" kern="1200" spc="0" dirty="0" smtClean="0">
-                <a:ln>
-                  <a:noFill/>
-                </a:ln>
-                <a:latin typeface="Arial" pitchFamily="18"/>
-                <a:ea typeface="DejaVu Sans" pitchFamily="2"/>
-                <a:cs typeface="DejaVu Sans" pitchFamily="2"/>
-              </a:rPr>
-              <a:t>.</a:t>
-            </a:r>
-            <a:endParaRPr lang="en-US" sz="2000" b="0" i="0" u="none" strike="noStrike" kern="1200" spc="0" dirty="0" smtClean="0">
-              <a:ln>
-                <a:noFill/>
-              </a:ln>
-              <a:latin typeface="Arial" pitchFamily="18"/>
-              <a:ea typeface="DejaVu Sans" pitchFamily="2"/>
-              <a:cs typeface="DejaVu Sans" pitchFamily="2"/>
-            </a:endParaRPr>
+              <a:t>Enables composable FP and OO abstractions even when needing more concrete types than the abstraction knows about.</a:t>
+            </a:r>
           </a:p>
         </p:txBody>
       </p:sp>
@@ -11768,10 +11565,6 @@
             <a:r>
               <a:rPr lang="en-US" smtClean="0"/>
               <a:t>vs Functional</a:t>
-            </a:r>
-            <a:r>
-              <a:rPr lang="en-US" smtClean="0"/>
-              <a:t/>
             </a:r>
             <a:br>
               <a:rPr lang="en-US" smtClean="0"/>
@@ -13327,11 +13120,7 @@
             </a:pPr>
             <a:r>
               <a:rPr lang="en-US" dirty="0" smtClean="0"/>
-              <a:t>The </a:t>
-            </a:r>
-            <a:r>
-              <a:rPr lang="en-US" dirty="0" smtClean="0"/>
-              <a:t>free lunch is over</a:t>
+              <a:t>The free lunch is over</a:t>
             </a:r>
             <a:endParaRPr lang="en-US" dirty="0"/>
           </a:p>
@@ -13376,7 +13165,6 @@
               <a:rPr lang="en-US" dirty="0" smtClean="0"/>
               <a:t>Because developers fail to utilize modern computers</a:t>
             </a:r>
-            <a:endParaRPr lang="en-US" dirty="0" smtClean="0"/>
           </a:p>
         </p:txBody>
       </p:sp>

--- a/FSharp2.pptx
+++ b/FSharp2.pptx
@@ -6,10 +6,10 @@
     <p:sldMasterId id="2147483660" r:id="rId2"/>
   </p:sldMasterIdLst>
   <p:notesMasterIdLst>
-    <p:notesMasterId r:id="rId23"/>
+    <p:notesMasterId r:id="rId21"/>
   </p:notesMasterIdLst>
   <p:handoutMasterIdLst>
-    <p:handoutMasterId r:id="rId24"/>
+    <p:handoutMasterId r:id="rId22"/>
   </p:handoutMasterIdLst>
   <p:sldIdLst>
     <p:sldId id="256" r:id="rId3"/>
@@ -17,8 +17,8 @@
     <p:sldId id="281" r:id="rId5"/>
     <p:sldId id="282" r:id="rId6"/>
     <p:sldId id="264" r:id="rId7"/>
-    <p:sldId id="267" r:id="rId8"/>
-    <p:sldId id="257" r:id="rId9"/>
+    <p:sldId id="257" r:id="rId8"/>
+    <p:sldId id="267" r:id="rId9"/>
     <p:sldId id="274" r:id="rId10"/>
     <p:sldId id="275" r:id="rId11"/>
     <p:sldId id="272" r:id="rId12"/>
@@ -29,9 +29,7 @@
     <p:sldId id="284" r:id="rId17"/>
     <p:sldId id="277" r:id="rId18"/>
     <p:sldId id="278" r:id="rId19"/>
-    <p:sldId id="280" r:id="rId20"/>
-    <p:sldId id="265" r:id="rId21"/>
-    <p:sldId id="263" r:id="rId22"/>
+    <p:sldId id="265" r:id="rId20"/>
   </p:sldIdLst>
   <p:sldSz cx="9144000" cy="6858000" type="screen4x3"/>
   <p:notesSz cx="6858000" cy="9144000"/>
@@ -1124,150 +1122,6 @@
           <a:lstStyle/>
           <a:p>
             <a:endParaRPr lang="sv-SE" dirty="0"/>
-          </a:p>
-        </p:txBody>
-      </p:sp>
-    </p:spTree>
-  </p:cSld>
-  <p:clrMapOvr>
-    <a:masterClrMapping/>
-  </p:clrMapOvr>
-</p:notes>
-</file>
-
-<file path=ppt/notesSlides/notesSlide6.xml><?xml version="1.0" encoding="utf-8"?>
-<p:notes xmlns:a="http://schemas.openxmlformats.org/drawingml/2006/main" xmlns:r="http://schemas.openxmlformats.org/officeDocument/2006/relationships" xmlns:p="http://schemas.openxmlformats.org/presentationml/2006/main">
-  <p:cSld>
-    <p:spTree>
-      <p:nvGrpSpPr>
-        <p:cNvPr id="1" name=""/>
-        <p:cNvGrpSpPr/>
-        <p:nvPr/>
-      </p:nvGrpSpPr>
-      <p:grpSpPr>
-        <a:xfrm>
-          <a:off x="0" y="0"/>
-          <a:ext cx="0" cy="0"/>
-          <a:chOff x="0" y="0"/>
-          <a:chExt cx="0" cy="0"/>
-        </a:xfrm>
-      </p:grpSpPr>
-      <p:sp>
-        <p:nvSpPr>
-          <p:cNvPr id="2" name="PlaceHolder 1"/>
-          <p:cNvSpPr txBox="1">
-            <a:spLocks noGrp="1"/>
-          </p:cNvSpPr>
-          <p:nvPr>
-            <p:ph type="body" sz="quarter" idx="1"/>
-          </p:nvPr>
-        </p:nvSpPr>
-        <p:spPr>
-          <a:xfrm>
-            <a:off x="0" y="0"/>
-            <a:ext cx="360" cy="4204440"/>
-          </a:xfrm>
-        </p:spPr>
-        <p:txBody>
-          <a:bodyPr wrap="square" lIns="90000" tIns="45000" rIns="90000" bIns="45000"/>
-          <a:lstStyle/>
-          <a:p>
-            <a:endParaRPr lang="sv-SE" dirty="0"/>
-          </a:p>
-        </p:txBody>
-      </p:sp>
-      <p:sp>
-        <p:nvSpPr>
-          <p:cNvPr id="3" name="TextShape 2"/>
-          <p:cNvSpPr/>
-          <p:nvPr/>
-        </p:nvSpPr>
-        <p:spPr>
-          <a:xfrm>
-            <a:off x="0" y="0"/>
-            <a:ext cx="360" cy="360"/>
-          </a:xfrm>
-          <a:custGeom>
-            <a:avLst/>
-            <a:gdLst>
-              <a:gd name="f0" fmla="val 0"/>
-              <a:gd name="f1" fmla="val 21600"/>
-            </a:gdLst>
-            <a:ahLst/>
-            <a:cxnLst>
-              <a:cxn ang="3cd4">
-                <a:pos x="hc" y="t"/>
-              </a:cxn>
-              <a:cxn ang="0">
-                <a:pos x="r" y="vc"/>
-              </a:cxn>
-              <a:cxn ang="cd4">
-                <a:pos x="hc" y="b"/>
-              </a:cxn>
-              <a:cxn ang="cd2">
-                <a:pos x="l" y="vc"/>
-              </a:cxn>
-            </a:cxnLst>
-            <a:rect l="l" t="t" r="r" b="b"/>
-            <a:pathLst>
-              <a:path w="21600" h="21600">
-                <a:moveTo>
-                  <a:pt x="f0" y="f0"/>
-                </a:moveTo>
-                <a:lnTo>
-                  <a:pt x="f1" y="f0"/>
-                </a:lnTo>
-                <a:lnTo>
-                  <a:pt x="f1" y="f1"/>
-                </a:lnTo>
-                <a:lnTo>
-                  <a:pt x="f0" y="f1"/>
-                </a:lnTo>
-                <a:lnTo>
-                  <a:pt x="f0" y="f0"/>
-                </a:lnTo>
-                <a:close/>
-              </a:path>
-            </a:pathLst>
-          </a:custGeom>
-          <a:noFill/>
-          <a:ln>
-            <a:noFill/>
-            <a:prstDash val="solid"/>
-          </a:ln>
-        </p:spPr>
-        <p:txBody>
-          <a:bodyPr vert="horz" wrap="square" lIns="90000" tIns="45000" rIns="90000" bIns="45000" anchor="t" compatLnSpc="0"/>
-          <a:lstStyle/>
-          <a:p>
-            <a:pPr marL="0" marR="0" lvl="0" indent="0" rtl="0" hangingPunct="0">
-              <a:lnSpc>
-                <a:spcPct val="100000"/>
-              </a:lnSpc>
-              <a:spcBef>
-                <a:spcPts val="0"/>
-              </a:spcBef>
-              <a:spcAft>
-                <a:spcPts val="0"/>
-              </a:spcAft>
-              <a:buNone/>
-              <a:tabLst/>
-            </a:pPr>
-            <a:fld id="{FCA4BF4E-6373-420E-A126-13CB492A8AC1}" type="slidenum">
-              <a:rPr/>
-              <a:t>20</a:t>
-            </a:fld>
-            <a:endParaRPr lang="sv-SE" sz="1800" b="0" i="0" u="none" strike="noStrike" kern="1200" spc="0" dirty="0">
-              <a:ln>
-                <a:noFill/>
-              </a:ln>
-              <a:solidFill>
-                <a:srgbClr val="000000"/>
-              </a:solidFill>
-              <a:latin typeface="+mn-lt" pitchFamily="18"/>
-              <a:ea typeface="+mn-ea" pitchFamily="2"/>
-              <a:cs typeface="DejaVu Sans" pitchFamily="2"/>
-            </a:endParaRPr>
           </a:p>
         </p:txBody>
       </p:sp>
@@ -6916,7 +6770,7 @@
         </p:nvSpPr>
         <p:spPr>
           <a:xfrm>
-            <a:off x="827584" y="332656"/>
+            <a:off x="683568" y="1928460"/>
             <a:ext cx="7776864" cy="3170099"/>
           </a:xfrm>
           <a:prstGeom prst="rect">
@@ -8261,7 +8115,15 @@
           <a:p>
             <a:r>
               <a:rPr lang="en-US" dirty="0" smtClean="0"/>
-              <a:t>Performance of duck typing</a:t>
+              <a:t>Performance of </a:t>
+            </a:r>
+            <a:r>
+              <a:rPr lang="en-US" dirty="0" smtClean="0"/>
+              <a:t>dynamic </a:t>
+            </a:r>
+            <a:r>
+              <a:rPr lang="en-US" dirty="0" smtClean="0"/>
+              <a:t>typing</a:t>
             </a:r>
           </a:p>
         </p:txBody>
@@ -8682,8 +8544,16 @@
           </a:p>
           <a:p>
             <a:r>
+              <a:rPr lang="en-US" dirty="0" err="1" smtClean="0"/>
+              <a:t>Staticly</a:t>
+            </a:r>
+            <a:r>
               <a:rPr lang="en-US" dirty="0" smtClean="0"/>
-              <a:t>.Net performance</a:t>
+              <a:t> typed .Net </a:t>
+            </a:r>
+            <a:r>
+              <a:rPr lang="en-US" dirty="0" smtClean="0"/>
+              <a:t>performance</a:t>
             </a:r>
           </a:p>
           <a:p>
@@ -9109,130 +8979,6 @@
 
 <file path=ppt/slides/slide18.xml><?xml version="1.0" encoding="utf-8"?>
 <p:sld xmlns:a="http://schemas.openxmlformats.org/drawingml/2006/main" xmlns:r="http://schemas.openxmlformats.org/officeDocument/2006/relationships" xmlns:p="http://schemas.openxmlformats.org/presentationml/2006/main">
-  <p:cSld>
-    <p:spTree>
-      <p:nvGrpSpPr>
-        <p:cNvPr id="1" name=""/>
-        <p:cNvGrpSpPr/>
-        <p:nvPr/>
-      </p:nvGrpSpPr>
-      <p:grpSpPr>
-        <a:xfrm>
-          <a:off x="0" y="0"/>
-          <a:ext cx="0" cy="0"/>
-          <a:chOff x="0" y="0"/>
-          <a:chExt cx="0" cy="0"/>
-        </a:xfrm>
-      </p:grpSpPr>
-      <p:sp>
-        <p:nvSpPr>
-          <p:cNvPr id="2" name="Title 1"/>
-          <p:cNvSpPr>
-            <a:spLocks noGrp="1"/>
-          </p:cNvSpPr>
-          <p:nvPr>
-            <p:ph type="title"/>
-          </p:nvPr>
-        </p:nvSpPr>
-        <p:spPr/>
-        <p:txBody>
-          <a:bodyPr/>
-          <a:lstStyle/>
-          <a:p>
-            <a:pPr>
-              <a:buNone/>
-            </a:pPr>
-            <a:r>
-              <a:rPr lang="en-US" dirty="0" smtClean="0"/>
-              <a:t>F# not fully covered</a:t>
-            </a:r>
-            <a:endParaRPr lang="en-US" dirty="0"/>
-          </a:p>
-        </p:txBody>
-      </p:sp>
-      <p:sp>
-        <p:nvSpPr>
-          <p:cNvPr id="3" name="Content Placeholder 2"/>
-          <p:cNvSpPr>
-            <a:spLocks noGrp="1"/>
-          </p:cNvSpPr>
-          <p:nvPr>
-            <p:ph idx="1"/>
-          </p:nvPr>
-        </p:nvSpPr>
-        <p:spPr>
-          <a:xfrm>
-            <a:off x="457200" y="1412776"/>
-            <a:ext cx="8229240" cy="4525920"/>
-          </a:xfrm>
-        </p:spPr>
-        <p:txBody>
-          <a:bodyPr/>
-          <a:lstStyle/>
-          <a:p>
-            <a:r>
-              <a:rPr lang="en-US" dirty="0" smtClean="0"/>
-              <a:t>Object Oriented Programming</a:t>
-            </a:r>
-          </a:p>
-          <a:p>
-            <a:r>
-              <a:rPr lang="en-US" dirty="0" smtClean="0"/>
-              <a:t>Mutability</a:t>
-            </a:r>
-          </a:p>
-          <a:p>
-            <a:pPr lvl="1"/>
-            <a:r>
-              <a:rPr lang="en-US" dirty="0" smtClean="0"/>
-              <a:t>Iteration</a:t>
-            </a:r>
-          </a:p>
-          <a:p>
-            <a:r>
-              <a:rPr lang="en-US" dirty="0" smtClean="0"/>
-              <a:t>If, else </a:t>
-            </a:r>
-          </a:p>
-          <a:p>
-            <a:r>
-              <a:rPr lang="en-US" dirty="0" smtClean="0"/>
-              <a:t>Etcetera, etcetera, etcetera…..</a:t>
-            </a:r>
-            <a:endParaRPr lang="en-US" dirty="0"/>
-          </a:p>
-        </p:txBody>
-      </p:sp>
-    </p:spTree>
-    <p:extLst>
-      <p:ext uri="{BB962C8B-B14F-4D97-AF65-F5344CB8AC3E}">
-        <p14:creationId xmlns:p14="http://schemas.microsoft.com/office/powerpoint/2010/main" val="2994381931"/>
-      </p:ext>
-    </p:extLst>
-  </p:cSld>
-  <p:clrMapOvr>
-    <a:masterClrMapping/>
-  </p:clrMapOvr>
-  <mc:AlternateContent xmlns:mc="http://schemas.openxmlformats.org/markup-compatibility/2006" xmlns:p14="http://schemas.microsoft.com/office/powerpoint/2010/main">
-    <mc:Choice Requires="p14">
-      <p:transition spd="slow" p14:dur="2000"/>
-    </mc:Choice>
-    <mc:Fallback xmlns="">
-      <p:transition spd="slow"/>
-    </mc:Fallback>
-  </mc:AlternateContent>
-  <p:timing>
-    <p:tnLst>
-      <p:par>
-        <p:cTn id="1" dur="indefinite" restart="never" nodeType="tmRoot"/>
-      </p:par>
-    </p:tnLst>
-  </p:timing>
-</p:sld>
-</file>
-
-<file path=ppt/slides/slide19.xml><?xml version="1.0" encoding="utf-8"?>
-<p:sld xmlns:a="http://schemas.openxmlformats.org/drawingml/2006/main" xmlns:r="http://schemas.openxmlformats.org/officeDocument/2006/relationships" xmlns:p="http://schemas.openxmlformats.org/presentationml/2006/main">
   <p:cSld name="page10">
     <p:spTree>
       <p:nvGrpSpPr>
@@ -9257,7 +9003,7 @@
         <p:spPr>
           <a:xfrm>
             <a:off x="457200" y="274680"/>
-            <a:ext cx="8228880" cy="1142280"/>
+            <a:ext cx="8228880" cy="922072"/>
           </a:xfrm>
           <a:custGeom>
             <a:avLst/>
@@ -9337,19 +9083,50 @@
                 <a:ea typeface="DejaVu Sans" pitchFamily="2"/>
                 <a:cs typeface="DejaVu Sans" pitchFamily="2"/>
               </a:rPr>
-              <a:t>Lets look at some code</a:t>
-            </a:r>
-            <a:endParaRPr lang="en-US" sz="4400" b="0" i="0" u="none" strike="noStrike" kern="1200" spc="0" dirty="0">
-              <a:ln>
-                <a:noFill/>
-              </a:ln>
-              <a:solidFill>
-                <a:srgbClr val="000000"/>
-              </a:solidFill>
-              <a:latin typeface="Calibri" pitchFamily="18"/>
-              <a:ea typeface="DejaVu Sans" pitchFamily="2"/>
-              <a:cs typeface="DejaVu Sans" pitchFamily="2"/>
-            </a:endParaRPr>
+              <a:t>Lets </a:t>
+            </a:r>
+            <a:r>
+              <a:rPr lang="en-US" sz="4400" b="0" i="0" u="none" strike="noStrike" kern="1200" spc="0" dirty="0" smtClean="0">
+                <a:ln>
+                  <a:noFill/>
+                </a:ln>
+                <a:solidFill>
+                  <a:srgbClr val="000000"/>
+                </a:solidFill>
+                <a:latin typeface="Calibri" pitchFamily="18"/>
+                <a:ea typeface="DejaVu Sans" pitchFamily="2"/>
+                <a:cs typeface="DejaVu Sans" pitchFamily="2"/>
+              </a:rPr>
+              <a:t>look </a:t>
+            </a:r>
+            <a:r>
+              <a:rPr lang="en-US" sz="4400" b="0" i="0" u="none" strike="noStrike" kern="1200" spc="0" dirty="0" smtClean="0">
+                <a:ln>
+                  <a:noFill/>
+                </a:ln>
+                <a:solidFill>
+                  <a:srgbClr val="000000"/>
+                </a:solidFill>
+                <a:latin typeface="Calibri" pitchFamily="18"/>
+                <a:ea typeface="DejaVu Sans" pitchFamily="2"/>
+                <a:cs typeface="DejaVu Sans" pitchFamily="2"/>
+              </a:rPr>
+              <a:t>at some </a:t>
+            </a:r>
+            <a:r>
+              <a:rPr lang="en-US" sz="4400" b="0" i="0" u="none" strike="noStrike" kern="1200" spc="0" dirty="0" smtClean="0">
+                <a:ln>
+                  <a:noFill/>
+                </a:ln>
+                <a:solidFill>
+                  <a:srgbClr val="000000"/>
+                </a:solidFill>
+                <a:latin typeface="Calibri" pitchFamily="18"/>
+                <a:ea typeface="DejaVu Sans" pitchFamily="2"/>
+                <a:cs typeface="DejaVu Sans" pitchFamily="2"/>
+              </a:rPr>
+              <a:t>code</a:t>
+            </a:r>
           </a:p>
         </p:txBody>
       </p:sp>
@@ -9471,875 +9248,6 @@
     <p:tnLst>
       <p:par>
         <p:cTn id="1" dur="indefinite" restart="never" nodeType="tmRoot"/>
-      </p:par>
-    </p:tnLst>
-  </p:timing>
-</p:sld>
-</file>
-
-<file path=ppt/slides/slide20.xml><?xml version="1.0" encoding="utf-8"?>
-<p:sld xmlns:a="http://schemas.openxmlformats.org/drawingml/2006/main" xmlns:r="http://schemas.openxmlformats.org/officeDocument/2006/relationships" xmlns:p="http://schemas.openxmlformats.org/presentationml/2006/main">
-  <p:cSld name="page8">
-    <p:spTree>
-      <p:nvGrpSpPr>
-        <p:cNvPr id="1" name=""/>
-        <p:cNvGrpSpPr/>
-        <p:nvPr/>
-      </p:nvGrpSpPr>
-      <p:grpSpPr>
-        <a:xfrm>
-          <a:off x="0" y="0"/>
-          <a:ext cx="0" cy="0"/>
-          <a:chOff x="0" y="0"/>
-          <a:chExt cx="0" cy="0"/>
-        </a:xfrm>
-      </p:grpSpPr>
-      <p:sp>
-        <p:nvSpPr>
-          <p:cNvPr id="2" name="TextShape 1"/>
-          <p:cNvSpPr/>
-          <p:nvPr/>
-        </p:nvSpPr>
-        <p:spPr>
-          <a:xfrm>
-            <a:off x="457200" y="274680"/>
-            <a:ext cx="8228880" cy="1142280"/>
-          </a:xfrm>
-          <a:custGeom>
-            <a:avLst/>
-            <a:gdLst>
-              <a:gd name="f0" fmla="val 0"/>
-              <a:gd name="f1" fmla="val 21600"/>
-            </a:gdLst>
-            <a:ahLst/>
-            <a:cxnLst>
-              <a:cxn ang="3cd4">
-                <a:pos x="hc" y="t"/>
-              </a:cxn>
-              <a:cxn ang="0">
-                <a:pos x="r" y="vc"/>
-              </a:cxn>
-              <a:cxn ang="cd4">
-                <a:pos x="hc" y="b"/>
-              </a:cxn>
-              <a:cxn ang="cd2">
-                <a:pos x="l" y="vc"/>
-              </a:cxn>
-            </a:cxnLst>
-            <a:rect l="l" t="t" r="r" b="b"/>
-            <a:pathLst>
-              <a:path w="21600" h="21600">
-                <a:moveTo>
-                  <a:pt x="f0" y="f0"/>
-                </a:moveTo>
-                <a:lnTo>
-                  <a:pt x="f1" y="f0"/>
-                </a:lnTo>
-                <a:lnTo>
-                  <a:pt x="f1" y="f1"/>
-                </a:lnTo>
-                <a:lnTo>
-                  <a:pt x="f0" y="f1"/>
-                </a:lnTo>
-                <a:lnTo>
-                  <a:pt x="f0" y="f0"/>
-                </a:lnTo>
-                <a:close/>
-              </a:path>
-            </a:pathLst>
-          </a:custGeom>
-          <a:noFill/>
-          <a:ln>
-            <a:noFill/>
-            <a:prstDash val="solid"/>
-          </a:ln>
-        </p:spPr>
-        <p:txBody>
-          <a:bodyPr vert="horz" wrap="square" lIns="90000" tIns="45000" rIns="90000" bIns="45000" anchor="t" compatLnSpc="0"/>
-          <a:lstStyle/>
-          <a:p>
-            <a:pPr marL="0" marR="0" lvl="0" indent="0" algn="ctr" rtl="0" hangingPunct="0">
-              <a:lnSpc>
-                <a:spcPct val="100000"/>
-              </a:lnSpc>
-              <a:spcBef>
-                <a:spcPts val="0"/>
-              </a:spcBef>
-              <a:spcAft>
-                <a:spcPts val="0"/>
-              </a:spcAft>
-              <a:buNone/>
-              <a:tabLst/>
-            </a:pPr>
-            <a:r>
-              <a:rPr lang="en-US" sz="4400" b="0" i="0" u="none" strike="noStrike" kern="1200" spc="0" dirty="0" smtClean="0">
-                <a:ln>
-                  <a:noFill/>
-                </a:ln>
-                <a:solidFill>
-                  <a:srgbClr val="000000"/>
-                </a:solidFill>
-                <a:latin typeface="Calibri" pitchFamily="18"/>
-                <a:ea typeface="DejaVu Sans" pitchFamily="2"/>
-                <a:cs typeface="DejaVu Sans" pitchFamily="2"/>
-              </a:rPr>
-              <a:t>SOLID</a:t>
-            </a:r>
-            <a:endParaRPr lang="en-US" sz="4400" b="0" i="0" u="none" strike="noStrike" kern="1200" spc="0" dirty="0">
-              <a:ln>
-                <a:noFill/>
-              </a:ln>
-              <a:solidFill>
-                <a:srgbClr val="000000"/>
-              </a:solidFill>
-              <a:latin typeface="Calibri" pitchFamily="18"/>
-              <a:ea typeface="DejaVu Sans" pitchFamily="2"/>
-              <a:cs typeface="DejaVu Sans" pitchFamily="2"/>
-            </a:endParaRPr>
-          </a:p>
-        </p:txBody>
-      </p:sp>
-      <p:sp>
-        <p:nvSpPr>
-          <p:cNvPr id="3" name="TextShape 2"/>
-          <p:cNvSpPr/>
-          <p:nvPr/>
-        </p:nvSpPr>
-        <p:spPr>
-          <a:xfrm>
-            <a:off x="457200" y="1600201"/>
-            <a:ext cx="8228880" cy="4997152"/>
-          </a:xfrm>
-          <a:custGeom>
-            <a:avLst/>
-            <a:gdLst>
-              <a:gd name="f0" fmla="val 0"/>
-              <a:gd name="f1" fmla="val 21600"/>
-            </a:gdLst>
-            <a:ahLst/>
-            <a:cxnLst>
-              <a:cxn ang="3cd4">
-                <a:pos x="hc" y="t"/>
-              </a:cxn>
-              <a:cxn ang="0">
-                <a:pos x="r" y="vc"/>
-              </a:cxn>
-              <a:cxn ang="cd4">
-                <a:pos x="hc" y="b"/>
-              </a:cxn>
-              <a:cxn ang="cd2">
-                <a:pos x="l" y="vc"/>
-              </a:cxn>
-            </a:cxnLst>
-            <a:rect l="l" t="t" r="r" b="b"/>
-            <a:pathLst>
-              <a:path w="21600" h="21600">
-                <a:moveTo>
-                  <a:pt x="f0" y="f0"/>
-                </a:moveTo>
-                <a:lnTo>
-                  <a:pt x="f1" y="f0"/>
-                </a:lnTo>
-                <a:lnTo>
-                  <a:pt x="f1" y="f1"/>
-                </a:lnTo>
-                <a:lnTo>
-                  <a:pt x="f0" y="f1"/>
-                </a:lnTo>
-                <a:lnTo>
-                  <a:pt x="f0" y="f0"/>
-                </a:lnTo>
-                <a:close/>
-              </a:path>
-            </a:pathLst>
-          </a:custGeom>
-          <a:noFill/>
-          <a:ln>
-            <a:noFill/>
-            <a:prstDash val="solid"/>
-          </a:ln>
-        </p:spPr>
-        <p:txBody>
-          <a:bodyPr vert="horz" wrap="square" lIns="90000" tIns="45000" rIns="90000" bIns="45000" anchor="t" compatLnSpc="0"/>
-          <a:lstStyle/>
-          <a:p>
-            <a:pPr marL="285750" lvl="0" indent="-285750" hangingPunct="0">
-              <a:buFont typeface="Arial" pitchFamily="34" charset="0"/>
-              <a:buChar char="•"/>
-            </a:pPr>
-            <a:r>
-              <a:rPr lang="en-US" dirty="0" smtClean="0">
-                <a:latin typeface="Arial" pitchFamily="18"/>
-                <a:ea typeface="DejaVu Sans" pitchFamily="2"/>
-                <a:cs typeface="DejaVu Sans" pitchFamily="2"/>
-              </a:rPr>
-              <a:t>The single responsibility principle</a:t>
-            </a:r>
-            <a:br>
-              <a:rPr lang="en-US" dirty="0" smtClean="0">
-                <a:latin typeface="Arial" pitchFamily="18"/>
-                <a:ea typeface="DejaVu Sans" pitchFamily="2"/>
-                <a:cs typeface="DejaVu Sans" pitchFamily="2"/>
-              </a:rPr>
-            </a:br>
-            <a:r>
-              <a:rPr lang="en-US" b="0" i="0" u="none" strike="noStrike" kern="1200" spc="0" dirty="0" smtClean="0">
-                <a:ln>
-                  <a:noFill/>
-                </a:ln>
-                <a:latin typeface="Arial" pitchFamily="18"/>
-                <a:ea typeface="DejaVu Sans" pitchFamily="2"/>
-                <a:cs typeface="DejaVu Sans" pitchFamily="2"/>
-              </a:rPr>
-              <a:t>Software entities* should have only one reason to change</a:t>
-            </a:r>
-            <a:r>
-              <a:rPr lang="en-US" dirty="0" smtClean="0">
-                <a:latin typeface="Arial" pitchFamily="18"/>
-                <a:ea typeface="DejaVu Sans" pitchFamily="2"/>
-                <a:cs typeface="DejaVu Sans" pitchFamily="2"/>
-              </a:rPr>
-              <a:t/>
-            </a:r>
-            <a:br>
-              <a:rPr lang="en-US" dirty="0" smtClean="0">
-                <a:latin typeface="Arial" pitchFamily="18"/>
-                <a:ea typeface="DejaVu Sans" pitchFamily="2"/>
-                <a:cs typeface="DejaVu Sans" pitchFamily="2"/>
-              </a:rPr>
-            </a:br>
-            <a:r>
-              <a:rPr lang="en-US" b="0" i="0" u="none" strike="noStrike" kern="1200" spc="0" dirty="0" smtClean="0">
-                <a:ln>
-                  <a:noFill/>
-                </a:ln>
-                <a:latin typeface="Arial" pitchFamily="18"/>
-                <a:ea typeface="DejaVu Sans" pitchFamily="2"/>
-                <a:cs typeface="DejaVu Sans" pitchFamily="2"/>
-              </a:rPr>
-              <a:t>*classes, interfaces, functions, etc.</a:t>
-            </a:r>
-          </a:p>
-          <a:p>
-            <a:pPr marL="342900" marR="0" lvl="0" indent="-342900" rtl="0" hangingPunct="0">
-              <a:lnSpc>
-                <a:spcPct val="100000"/>
-              </a:lnSpc>
-              <a:spcBef>
-                <a:spcPts val="0"/>
-              </a:spcBef>
-              <a:spcAft>
-                <a:spcPts val="0"/>
-              </a:spcAft>
-              <a:buFont typeface="Arial" pitchFamily="34" charset="0"/>
-              <a:buChar char="•"/>
-              <a:tabLst/>
-            </a:pPr>
-            <a:r>
-              <a:rPr lang="en-US" b="0" i="0" u="none" strike="noStrike" kern="1200" spc="0" dirty="0" smtClean="0">
-                <a:ln>
-                  <a:noFill/>
-                </a:ln>
-                <a:latin typeface="Arial" pitchFamily="18"/>
-                <a:ea typeface="DejaVu Sans" pitchFamily="2"/>
-                <a:cs typeface="DejaVu Sans" pitchFamily="2"/>
-              </a:rPr>
-              <a:t>The </a:t>
-            </a:r>
-            <a:r>
-              <a:rPr lang="en-US" b="0" i="0" u="sng" strike="noStrike" kern="1200" spc="0" dirty="0" smtClean="0">
-                <a:ln>
-                  <a:noFill/>
-                </a:ln>
-                <a:uFillTx/>
-                <a:latin typeface="Arial" pitchFamily="18"/>
-                <a:ea typeface="DejaVu Sans" pitchFamily="2"/>
-                <a:cs typeface="DejaVu Sans" pitchFamily="2"/>
-              </a:rPr>
-              <a:t>O</a:t>
-            </a:r>
-            <a:r>
-              <a:rPr lang="en-US" b="0" i="0" u="none" strike="noStrike" kern="1200" spc="0" dirty="0" smtClean="0">
-                <a:ln>
-                  <a:noFill/>
-                </a:ln>
-                <a:latin typeface="Arial" pitchFamily="18"/>
-                <a:ea typeface="DejaVu Sans" pitchFamily="2"/>
-                <a:cs typeface="DejaVu Sans" pitchFamily="2"/>
-              </a:rPr>
-              <a:t>pen Closed Principle</a:t>
-            </a:r>
-            <a:r>
-              <a:rPr lang="en-US" dirty="0" smtClean="0">
-                <a:latin typeface="Arial" pitchFamily="18"/>
-                <a:ea typeface="DejaVu Sans" pitchFamily="2"/>
-                <a:cs typeface="DejaVu Sans" pitchFamily="2"/>
-              </a:rPr>
-              <a:t>*</a:t>
-            </a:r>
-            <a:br>
-              <a:rPr lang="en-US" dirty="0" smtClean="0">
-                <a:latin typeface="Arial" pitchFamily="18"/>
-                <a:ea typeface="DejaVu Sans" pitchFamily="2"/>
-                <a:cs typeface="DejaVu Sans" pitchFamily="2"/>
-              </a:rPr>
-            </a:br>
-            <a:r>
-              <a:rPr lang="en-US" b="0" i="0" u="none" strike="noStrike" kern="1200" spc="0" dirty="0" smtClean="0">
-                <a:ln>
-                  <a:noFill/>
-                </a:ln>
-                <a:latin typeface="Arial" pitchFamily="18"/>
-                <a:ea typeface="DejaVu Sans" pitchFamily="2"/>
-                <a:cs typeface="DejaVu Sans" pitchFamily="2"/>
-              </a:rPr>
-              <a:t>Software entities should be open for extension but closed for modification</a:t>
-            </a:r>
-          </a:p>
-          <a:p>
-            <a:pPr marL="342900" marR="0" lvl="0" indent="-342900" rtl="0" hangingPunct="0">
-              <a:lnSpc>
-                <a:spcPct val="100000"/>
-              </a:lnSpc>
-              <a:spcBef>
-                <a:spcPts val="0"/>
-              </a:spcBef>
-              <a:spcAft>
-                <a:spcPts val="0"/>
-              </a:spcAft>
-              <a:buFont typeface="Arial" pitchFamily="34" charset="0"/>
-              <a:buChar char="•"/>
-              <a:tabLst/>
-            </a:pPr>
-            <a:r>
-              <a:rPr lang="en-US" b="0" i="0" u="none" strike="noStrike" kern="1200" spc="0" dirty="0" smtClean="0">
-                <a:ln>
-                  <a:noFill/>
-                </a:ln>
-                <a:latin typeface="Arial" pitchFamily="18"/>
-                <a:ea typeface="DejaVu Sans" pitchFamily="2"/>
-                <a:cs typeface="DejaVu Sans" pitchFamily="2"/>
-              </a:rPr>
-              <a:t>The </a:t>
-            </a:r>
-            <a:r>
-              <a:rPr lang="en-US" b="0" i="0" u="sng" strike="noStrike" kern="1200" spc="0" dirty="0" smtClean="0">
-                <a:ln>
-                  <a:noFill/>
-                </a:ln>
-                <a:uFillTx/>
-                <a:latin typeface="Arial" pitchFamily="18"/>
-                <a:ea typeface="DejaVu Sans" pitchFamily="2"/>
-                <a:cs typeface="DejaVu Sans" pitchFamily="2"/>
-              </a:rPr>
-              <a:t>L</a:t>
-            </a:r>
-            <a:r>
-              <a:rPr lang="en-US" b="0" i="0" u="none" strike="noStrike" kern="1200" spc="0" dirty="0" smtClean="0">
-                <a:ln>
-                  <a:noFill/>
-                </a:ln>
-                <a:latin typeface="Arial" pitchFamily="18"/>
-                <a:ea typeface="DejaVu Sans" pitchFamily="2"/>
-                <a:cs typeface="DejaVu Sans" pitchFamily="2"/>
-              </a:rPr>
-              <a:t>iskov Substitution Principle</a:t>
-            </a:r>
-            <a:r>
-              <a:rPr lang="en-US" dirty="0" smtClean="0">
-                <a:latin typeface="Arial" pitchFamily="18"/>
-                <a:ea typeface="DejaVu Sans" pitchFamily="2"/>
-                <a:cs typeface="DejaVu Sans" pitchFamily="2"/>
-              </a:rPr>
-              <a:t/>
-            </a:r>
-            <a:br>
-              <a:rPr lang="en-US" dirty="0" smtClean="0">
-                <a:latin typeface="Arial" pitchFamily="18"/>
-                <a:ea typeface="DejaVu Sans" pitchFamily="2"/>
-                <a:cs typeface="DejaVu Sans" pitchFamily="2"/>
-              </a:rPr>
-            </a:br>
-            <a:r>
-              <a:rPr lang="en-US" b="0" i="0" u="none" strike="noStrike" kern="1200" spc="0" dirty="0" smtClean="0">
-                <a:ln>
-                  <a:noFill/>
-                </a:ln>
-                <a:latin typeface="Arial" pitchFamily="18"/>
-                <a:ea typeface="DejaVu Sans" pitchFamily="2"/>
-                <a:cs typeface="DejaVu Sans" pitchFamily="2"/>
-              </a:rPr>
-              <a:t>Derived classes must be substitutable for their base classes/interfaces</a:t>
-            </a:r>
-          </a:p>
-          <a:p>
-            <a:pPr marL="342900" marR="0" lvl="0" indent="-342900" rtl="0" hangingPunct="0">
-              <a:lnSpc>
-                <a:spcPct val="100000"/>
-              </a:lnSpc>
-              <a:spcBef>
-                <a:spcPts val="0"/>
-              </a:spcBef>
-              <a:spcAft>
-                <a:spcPts val="0"/>
-              </a:spcAft>
-              <a:buFont typeface="Arial" pitchFamily="34" charset="0"/>
-              <a:buChar char="•"/>
-              <a:tabLst/>
-            </a:pPr>
-            <a:r>
-              <a:rPr lang="en-US" b="0" i="0" u="none" strike="noStrike" kern="1200" spc="0" dirty="0" smtClean="0">
-                <a:ln>
-                  <a:noFill/>
-                </a:ln>
-                <a:latin typeface="Arial" pitchFamily="18"/>
-                <a:ea typeface="DejaVu Sans" pitchFamily="2"/>
-                <a:cs typeface="DejaVu Sans" pitchFamily="2"/>
-              </a:rPr>
-              <a:t>The </a:t>
-            </a:r>
-            <a:r>
-              <a:rPr lang="en-US" b="0" i="0" u="sng" strike="noStrike" kern="1200" spc="0" dirty="0" smtClean="0">
-                <a:ln>
-                  <a:noFill/>
-                </a:ln>
-                <a:uFillTx/>
-                <a:latin typeface="Arial" pitchFamily="18"/>
-                <a:ea typeface="DejaVu Sans" pitchFamily="2"/>
-                <a:cs typeface="DejaVu Sans" pitchFamily="2"/>
-              </a:rPr>
-              <a:t>I</a:t>
-            </a:r>
-            <a:r>
-              <a:rPr lang="en-US" b="0" i="0" u="none" strike="noStrike" kern="1200" spc="0" dirty="0" smtClean="0">
-                <a:ln>
-                  <a:noFill/>
-                </a:ln>
-                <a:latin typeface="Arial" pitchFamily="18"/>
-                <a:ea typeface="DejaVu Sans" pitchFamily="2"/>
-                <a:cs typeface="DejaVu Sans" pitchFamily="2"/>
-              </a:rPr>
-              <a:t>nterface Segregation Principle</a:t>
-            </a:r>
-            <a:r>
-              <a:rPr lang="en-US" dirty="0" smtClean="0">
-                <a:latin typeface="Arial" pitchFamily="18"/>
-                <a:ea typeface="DejaVu Sans" pitchFamily="2"/>
-                <a:cs typeface="DejaVu Sans" pitchFamily="2"/>
-              </a:rPr>
-              <a:t/>
-            </a:r>
-            <a:br>
-              <a:rPr lang="en-US" dirty="0" smtClean="0">
-                <a:latin typeface="Arial" pitchFamily="18"/>
-                <a:ea typeface="DejaVu Sans" pitchFamily="2"/>
-                <a:cs typeface="DejaVu Sans" pitchFamily="2"/>
-              </a:rPr>
-            </a:br>
-            <a:r>
-              <a:rPr lang="en-US" b="0" i="0" u="none" strike="noStrike" kern="1200" spc="0" dirty="0" smtClean="0">
-                <a:ln>
-                  <a:noFill/>
-                </a:ln>
-                <a:latin typeface="Arial" pitchFamily="18"/>
-                <a:ea typeface="DejaVu Sans" pitchFamily="2"/>
-                <a:cs typeface="DejaVu Sans" pitchFamily="2"/>
-              </a:rPr>
-              <a:t>Clients should not be forced to depend on methods they do not use</a:t>
-            </a:r>
-          </a:p>
-          <a:p>
-            <a:pPr marL="342900" marR="0" lvl="0" indent="-342900" rtl="0" hangingPunct="0">
-              <a:lnSpc>
-                <a:spcPct val="100000"/>
-              </a:lnSpc>
-              <a:spcBef>
-                <a:spcPts val="0"/>
-              </a:spcBef>
-              <a:spcAft>
-                <a:spcPts val="0"/>
-              </a:spcAft>
-              <a:buFont typeface="Arial" pitchFamily="34" charset="0"/>
-              <a:buChar char="•"/>
-              <a:tabLst/>
-            </a:pPr>
-            <a:r>
-              <a:rPr lang="en-US" b="0" i="0" u="none" strike="noStrike" kern="1200" spc="0" dirty="0" smtClean="0">
-                <a:ln>
-                  <a:noFill/>
-                </a:ln>
-                <a:latin typeface="Arial" pitchFamily="18"/>
-                <a:ea typeface="DejaVu Sans" pitchFamily="2"/>
-                <a:cs typeface="DejaVu Sans" pitchFamily="2"/>
-              </a:rPr>
-              <a:t>The </a:t>
-            </a:r>
-            <a:r>
-              <a:rPr lang="en-US" b="0" i="0" u="sng" strike="noStrike" kern="1200" spc="0" dirty="0" smtClean="0">
-                <a:ln>
-                  <a:noFill/>
-                </a:ln>
-                <a:uFillTx/>
-                <a:latin typeface="Arial" pitchFamily="18"/>
-                <a:ea typeface="DejaVu Sans" pitchFamily="2"/>
-                <a:cs typeface="DejaVu Sans" pitchFamily="2"/>
-              </a:rPr>
-              <a:t>D</a:t>
-            </a:r>
-            <a:r>
-              <a:rPr lang="en-US" b="0" i="0" u="none" strike="noStrike" kern="1200" spc="0" dirty="0" smtClean="0">
-                <a:ln>
-                  <a:noFill/>
-                </a:ln>
-                <a:latin typeface="Arial" pitchFamily="18"/>
-                <a:ea typeface="DejaVu Sans" pitchFamily="2"/>
-                <a:cs typeface="DejaVu Sans" pitchFamily="2"/>
-              </a:rPr>
-              <a:t>ependency Inversion Principle</a:t>
-            </a:r>
-            <a:r>
-              <a:rPr lang="en-US" dirty="0" smtClean="0">
-                <a:latin typeface="Arial" pitchFamily="18"/>
-                <a:ea typeface="DejaVu Sans" pitchFamily="2"/>
-                <a:cs typeface="DejaVu Sans" pitchFamily="2"/>
-              </a:rPr>
-              <a:t/>
-            </a:r>
-            <a:br>
-              <a:rPr lang="en-US" dirty="0" smtClean="0">
-                <a:latin typeface="Arial" pitchFamily="18"/>
-                <a:ea typeface="DejaVu Sans" pitchFamily="2"/>
-                <a:cs typeface="DejaVu Sans" pitchFamily="2"/>
-              </a:rPr>
-            </a:br>
-            <a:r>
-              <a:rPr lang="en-US" b="0" i="0" u="none" strike="noStrike" kern="1200" spc="0" dirty="0" smtClean="0">
-                <a:ln>
-                  <a:noFill/>
-                </a:ln>
-                <a:latin typeface="Arial" pitchFamily="18"/>
-                <a:ea typeface="DejaVu Sans" pitchFamily="2"/>
-                <a:cs typeface="DejaVu Sans" pitchFamily="2"/>
-              </a:rPr>
-              <a:t>High level modules should not depend on low level modules. Both should depend on abstractions.</a:t>
-            </a:r>
-            <a:br>
-              <a:rPr lang="en-US" b="0" i="0" u="none" strike="noStrike" kern="1200" spc="0" dirty="0" smtClean="0">
-                <a:ln>
-                  <a:noFill/>
-                </a:ln>
-                <a:latin typeface="Arial" pitchFamily="18"/>
-                <a:ea typeface="DejaVu Sans" pitchFamily="2"/>
-                <a:cs typeface="DejaVu Sans" pitchFamily="2"/>
-              </a:rPr>
-            </a:br>
-            <a:r>
-              <a:rPr lang="en-US" b="0" i="0" u="none" strike="noStrike" kern="1200" spc="0" dirty="0" smtClean="0">
-                <a:ln>
-                  <a:noFill/>
-                </a:ln>
-                <a:latin typeface="Arial" pitchFamily="18"/>
-                <a:ea typeface="DejaVu Sans" pitchFamily="2"/>
-                <a:cs typeface="DejaVu Sans" pitchFamily="2"/>
-              </a:rPr>
-              <a:t>Abstractions should not depend on details. Details should depend on abstractions</a:t>
-            </a:r>
-            <a:endParaRPr lang="en-US" b="0" i="0" u="none" strike="noStrike" kern="1200" spc="0" dirty="0">
-              <a:ln>
-                <a:noFill/>
-              </a:ln>
-              <a:latin typeface="Arial" pitchFamily="18"/>
-              <a:ea typeface="DejaVu Sans" pitchFamily="2"/>
-              <a:cs typeface="DejaVu Sans" pitchFamily="2"/>
-            </a:endParaRPr>
-          </a:p>
-        </p:txBody>
-      </p:sp>
-    </p:spTree>
-  </p:cSld>
-  <p:clrMapOvr>
-    <a:masterClrMapping/>
-  </p:clrMapOvr>
-  <mc:AlternateContent xmlns:mc="http://schemas.openxmlformats.org/markup-compatibility/2006" xmlns:p14="http://schemas.microsoft.com/office/powerpoint/2010/main">
-    <mc:Choice Requires="p14">
-      <p:transition p14:dur="0"/>
-    </mc:Choice>
-    <mc:Fallback xmlns="">
-      <p:transition/>
-    </mc:Fallback>
-  </mc:AlternateContent>
-  <p:timing>
-    <p:tnLst>
-      <p:par>
-        <p:cTn id="1" dur="indefinite" restart="never" nodeType="tmRoot">
-          <p:childTnLst>
-            <p:seq concurrent="1" nextAc="seek">
-              <p:cTn id="2" dur="indefinite" nodeType="mainSeq">
-                <p:childTnLst>
-                  <p:par>
-                    <p:cTn id="3" fill="hold">
-                      <p:stCondLst>
-                        <p:cond delay="indefinite"/>
-                      </p:stCondLst>
-                      <p:childTnLst>
-                        <p:par>
-                          <p:cTn id="4" fill="hold">
-                            <p:stCondLst>
-                              <p:cond delay="0"/>
-                            </p:stCondLst>
-                            <p:childTnLst>
-                              <p:par>
-                                <p:cTn id="5" presetID="1" presetClass="entr" presetSubtype="0" fill="hold" nodeType="clickEffect">
-                                  <p:stCondLst>
-                                    <p:cond delay="0"/>
-                                  </p:stCondLst>
-                                  <p:childTnLst>
-                                    <p:set>
-                                      <p:cBhvr>
-                                        <p:cTn id="6" dur="1" fill="hold">
-                                          <p:stCondLst>
-                                            <p:cond delay="0"/>
-                                          </p:stCondLst>
-                                        </p:cTn>
-                                        <p:tgtEl>
-                                          <p:spTgt spid="3">
-                                            <p:txEl>
-                                              <p:pRg st="0" end="0"/>
-                                            </p:txEl>
-                                          </p:spTgt>
-                                        </p:tgtEl>
-                                        <p:attrNameLst>
-                                          <p:attrName>style.visibility</p:attrName>
-                                        </p:attrNameLst>
-                                      </p:cBhvr>
-                                      <p:to>
-                                        <p:strVal val="visible"/>
-                                      </p:to>
-                                    </p:set>
-                                  </p:childTnLst>
-                                </p:cTn>
-                              </p:par>
-                            </p:childTnLst>
-                          </p:cTn>
-                        </p:par>
-                      </p:childTnLst>
-                    </p:cTn>
-                  </p:par>
-                  <p:par>
-                    <p:cTn id="7" fill="hold">
-                      <p:stCondLst>
-                        <p:cond delay="indefinite"/>
-                      </p:stCondLst>
-                      <p:childTnLst>
-                        <p:par>
-                          <p:cTn id="8" fill="hold">
-                            <p:stCondLst>
-                              <p:cond delay="0"/>
-                            </p:stCondLst>
-                            <p:childTnLst>
-                              <p:par>
-                                <p:cTn id="9" presetID="1" presetClass="entr" presetSubtype="0" fill="hold" nodeType="clickEffect">
-                                  <p:stCondLst>
-                                    <p:cond delay="0"/>
-                                  </p:stCondLst>
-                                  <p:childTnLst>
-                                    <p:set>
-                                      <p:cBhvr>
-                                        <p:cTn id="10" dur="1" fill="hold">
-                                          <p:stCondLst>
-                                            <p:cond delay="0"/>
-                                          </p:stCondLst>
-                                        </p:cTn>
-                                        <p:tgtEl>
-                                          <p:spTgt spid="3">
-                                            <p:txEl>
-                                              <p:pRg st="1" end="1"/>
-                                            </p:txEl>
-                                          </p:spTgt>
-                                        </p:tgtEl>
-                                        <p:attrNameLst>
-                                          <p:attrName>style.visibility</p:attrName>
-                                        </p:attrNameLst>
-                                      </p:cBhvr>
-                                      <p:to>
-                                        <p:strVal val="visible"/>
-                                      </p:to>
-                                    </p:set>
-                                  </p:childTnLst>
-                                </p:cTn>
-                              </p:par>
-                            </p:childTnLst>
-                          </p:cTn>
-                        </p:par>
-                      </p:childTnLst>
-                    </p:cTn>
-                  </p:par>
-                  <p:par>
-                    <p:cTn id="11" fill="hold">
-                      <p:stCondLst>
-                        <p:cond delay="indefinite"/>
-                      </p:stCondLst>
-                      <p:childTnLst>
-                        <p:par>
-                          <p:cTn id="12" fill="hold">
-                            <p:stCondLst>
-                              <p:cond delay="0"/>
-                            </p:stCondLst>
-                            <p:childTnLst>
-                              <p:par>
-                                <p:cTn id="13" presetID="1" presetClass="entr" presetSubtype="0" fill="hold" nodeType="clickEffect">
-                                  <p:stCondLst>
-                                    <p:cond delay="0"/>
-                                  </p:stCondLst>
-                                  <p:childTnLst>
-                                    <p:set>
-                                      <p:cBhvr>
-                                        <p:cTn id="14" dur="1" fill="hold">
-                                          <p:stCondLst>
-                                            <p:cond delay="0"/>
-                                          </p:stCondLst>
-                                        </p:cTn>
-                                        <p:tgtEl>
-                                          <p:spTgt spid="3">
-                                            <p:txEl>
-                                              <p:pRg st="2" end="2"/>
-                                            </p:txEl>
-                                          </p:spTgt>
-                                        </p:tgtEl>
-                                        <p:attrNameLst>
-                                          <p:attrName>style.visibility</p:attrName>
-                                        </p:attrNameLst>
-                                      </p:cBhvr>
-                                      <p:to>
-                                        <p:strVal val="visible"/>
-                                      </p:to>
-                                    </p:set>
-                                  </p:childTnLst>
-                                </p:cTn>
-                              </p:par>
-                            </p:childTnLst>
-                          </p:cTn>
-                        </p:par>
-                      </p:childTnLst>
-                    </p:cTn>
-                  </p:par>
-                  <p:par>
-                    <p:cTn id="15" fill="hold">
-                      <p:stCondLst>
-                        <p:cond delay="indefinite"/>
-                      </p:stCondLst>
-                      <p:childTnLst>
-                        <p:par>
-                          <p:cTn id="16" fill="hold">
-                            <p:stCondLst>
-                              <p:cond delay="0"/>
-                            </p:stCondLst>
-                            <p:childTnLst>
-                              <p:par>
-                                <p:cTn id="17" presetID="1" presetClass="entr" presetSubtype="0" fill="hold" nodeType="clickEffect">
-                                  <p:stCondLst>
-                                    <p:cond delay="0"/>
-                                  </p:stCondLst>
-                                  <p:childTnLst>
-                                    <p:set>
-                                      <p:cBhvr>
-                                        <p:cTn id="18" dur="1" fill="hold">
-                                          <p:stCondLst>
-                                            <p:cond delay="0"/>
-                                          </p:stCondLst>
-                                        </p:cTn>
-                                        <p:tgtEl>
-                                          <p:spTgt spid="3">
-                                            <p:txEl>
-                                              <p:pRg st="3" end="3"/>
-                                            </p:txEl>
-                                          </p:spTgt>
-                                        </p:tgtEl>
-                                        <p:attrNameLst>
-                                          <p:attrName>style.visibility</p:attrName>
-                                        </p:attrNameLst>
-                                      </p:cBhvr>
-                                      <p:to>
-                                        <p:strVal val="visible"/>
-                                      </p:to>
-                                    </p:set>
-                                  </p:childTnLst>
-                                </p:cTn>
-                              </p:par>
-                            </p:childTnLst>
-                          </p:cTn>
-                        </p:par>
-                      </p:childTnLst>
-                    </p:cTn>
-                  </p:par>
-                  <p:par>
-                    <p:cTn id="19" fill="hold">
-                      <p:stCondLst>
-                        <p:cond delay="indefinite"/>
-                      </p:stCondLst>
-                      <p:childTnLst>
-                        <p:par>
-                          <p:cTn id="20" fill="hold">
-                            <p:stCondLst>
-                              <p:cond delay="0"/>
-                            </p:stCondLst>
-                            <p:childTnLst>
-                              <p:par>
-                                <p:cTn id="21" presetID="1" presetClass="entr" presetSubtype="0" fill="hold" nodeType="clickEffect">
-                                  <p:stCondLst>
-                                    <p:cond delay="0"/>
-                                  </p:stCondLst>
-                                  <p:childTnLst>
-                                    <p:set>
-                                      <p:cBhvr>
-                                        <p:cTn id="22" dur="1" fill="hold">
-                                          <p:stCondLst>
-                                            <p:cond delay="0"/>
-                                          </p:stCondLst>
-                                        </p:cTn>
-                                        <p:tgtEl>
-                                          <p:spTgt spid="3">
-                                            <p:txEl>
-                                              <p:pRg st="4" end="4"/>
-                                            </p:txEl>
-                                          </p:spTgt>
-                                        </p:tgtEl>
-                                        <p:attrNameLst>
-                                          <p:attrName>style.visibility</p:attrName>
-                                        </p:attrNameLst>
-                                      </p:cBhvr>
-                                      <p:to>
-                                        <p:strVal val="visible"/>
-                                      </p:to>
-                                    </p:set>
-                                  </p:childTnLst>
-                                </p:cTn>
-                              </p:par>
-                            </p:childTnLst>
-                          </p:cTn>
-                        </p:par>
-                      </p:childTnLst>
-                    </p:cTn>
-                  </p:par>
-                </p:childTnLst>
-              </p:cTn>
-              <p:prevCondLst>
-                <p:cond evt="onPrev" delay="0">
-                  <p:tgtEl>
-                    <p:sldTgt/>
-                  </p:tgtEl>
-                </p:cond>
-              </p:prevCondLst>
-              <p:nextCondLst>
-                <p:cond evt="onNext" delay="0">
-                  <p:tgtEl>
-                    <p:sldTgt/>
-                  </p:tgtEl>
-                </p:cond>
-              </p:nextCondLst>
-            </p:seq>
-          </p:childTnLst>
-        </p:cTn>
       </p:par>
     </p:tnLst>
   </p:timing>
@@ -11520,399 +10428,6 @@
 
 <file path=ppt/slides/slide6.xml><?xml version="1.0" encoding="utf-8"?>
 <p:sld xmlns:a="http://schemas.openxmlformats.org/drawingml/2006/main" xmlns:r="http://schemas.openxmlformats.org/officeDocument/2006/relationships" xmlns:p="http://schemas.openxmlformats.org/presentationml/2006/main">
-  <p:cSld>
-    <p:spTree>
-      <p:nvGrpSpPr>
-        <p:cNvPr id="1" name=""/>
-        <p:cNvGrpSpPr/>
-        <p:nvPr/>
-      </p:nvGrpSpPr>
-      <p:grpSpPr>
-        <a:xfrm>
-          <a:off x="0" y="0"/>
-          <a:ext cx="0" cy="0"/>
-          <a:chOff x="0" y="0"/>
-          <a:chExt cx="0" cy="0"/>
-        </a:xfrm>
-      </p:grpSpPr>
-      <p:sp>
-        <p:nvSpPr>
-          <p:cNvPr id="2" name="Title 1"/>
-          <p:cNvSpPr>
-            <a:spLocks noGrp="1"/>
-          </p:cNvSpPr>
-          <p:nvPr>
-            <p:ph type="title"/>
-          </p:nvPr>
-        </p:nvSpPr>
-        <p:spPr>
-          <a:xfrm>
-            <a:off x="457200" y="274638"/>
-            <a:ext cx="8229600" cy="1282154"/>
-          </a:xfrm>
-        </p:spPr>
-        <p:txBody>
-          <a:bodyPr/>
-          <a:lstStyle/>
-          <a:p>
-            <a:pPr>
-              <a:buNone/>
-            </a:pPr>
-            <a:r>
-              <a:rPr lang="en-US"/>
-              <a:t>Imperative </a:t>
-            </a:r>
-            <a:r>
-              <a:rPr lang="en-US" smtClean="0"/>
-              <a:t>vs Functional</a:t>
-            </a:r>
-            <a:br>
-              <a:rPr lang="en-US" smtClean="0"/>
-            </a:br>
-            <a:r>
-              <a:rPr lang="en-US"/>
-              <a:t>How </a:t>
-            </a:r>
-            <a:r>
-              <a:rPr lang="en-US" smtClean="0"/>
-              <a:t>vs What</a:t>
-            </a:r>
-            <a:endParaRPr lang="en-US"/>
-          </a:p>
-        </p:txBody>
-      </p:sp>
-      <p:sp>
-        <p:nvSpPr>
-          <p:cNvPr id="4" name="Content Placeholder 3"/>
-          <p:cNvSpPr>
-            <a:spLocks noGrp="1"/>
-          </p:cNvSpPr>
-          <p:nvPr>
-            <p:ph sz="half" idx="2"/>
-          </p:nvPr>
-        </p:nvSpPr>
-        <p:spPr/>
-        <p:txBody>
-          <a:bodyPr/>
-          <a:lstStyle/>
-          <a:p>
-            <a:pPr marL="108000" indent="0">
-              <a:buNone/>
-            </a:pPr>
-            <a:r>
-              <a:rPr lang="en-US" smtClean="0"/>
-              <a:t>for emp in employees</a:t>
-            </a:r>
-          </a:p>
-          <a:p>
-            <a:pPr marL="108000" indent="0">
-              <a:buNone/>
-            </a:pPr>
-            <a:r>
-              <a:rPr lang="en-US" smtClean="0"/>
-              <a:t>   if emp.isManager</a:t>
-            </a:r>
-          </a:p>
-          <a:p>
-            <a:pPr marL="108000" indent="0">
-              <a:buNone/>
-            </a:pPr>
-            <a:r>
-              <a:rPr lang="en-US" smtClean="0"/>
-              <a:t>      result.add(emp)</a:t>
-            </a:r>
-          </a:p>
-          <a:p>
-            <a:pPr marL="108000" indent="0">
-              <a:buNone/>
-            </a:pPr>
-            <a:r>
-              <a:rPr lang="en-US" smtClean="0"/>
-              <a:t>return result</a:t>
-            </a:r>
-            <a:endParaRPr lang="en-US"/>
-          </a:p>
-        </p:txBody>
-      </p:sp>
-      <p:sp>
-        <p:nvSpPr>
-          <p:cNvPr id="6" name="Content Placeholder 5"/>
-          <p:cNvSpPr>
-            <a:spLocks noGrp="1"/>
-          </p:cNvSpPr>
-          <p:nvPr>
-            <p:ph sz="quarter" idx="4"/>
-          </p:nvPr>
-        </p:nvSpPr>
-        <p:spPr>
-          <a:xfrm>
-            <a:off x="4572000" y="2174875"/>
-            <a:ext cx="4464496" cy="3951288"/>
-          </a:xfrm>
-        </p:spPr>
-        <p:txBody>
-          <a:bodyPr/>
-          <a:lstStyle/>
-          <a:p>
-            <a:pPr marL="108000" indent="0">
-              <a:buNone/>
-            </a:pPr>
-            <a:r>
-              <a:rPr lang="en-US" smtClean="0"/>
-              <a:t>employees |&gt; filter isManager 	</a:t>
-            </a:r>
-            <a:endParaRPr lang="en-US"/>
-          </a:p>
-        </p:txBody>
-      </p:sp>
-    </p:spTree>
-    <p:extLst>
-      <p:ext uri="{BB962C8B-B14F-4D97-AF65-F5344CB8AC3E}">
-        <p14:creationId xmlns:p14="http://schemas.microsoft.com/office/powerpoint/2010/main" val="1587520631"/>
-      </p:ext>
-    </p:extLst>
-  </p:cSld>
-  <p:clrMapOvr>
-    <a:masterClrMapping/>
-  </p:clrMapOvr>
-  <mc:AlternateContent xmlns:mc="http://schemas.openxmlformats.org/markup-compatibility/2006" xmlns:p14="http://schemas.microsoft.com/office/powerpoint/2010/main">
-    <mc:Choice Requires="p14">
-      <p:transition spd="slow" p14:dur="2000"/>
-    </mc:Choice>
-    <mc:Fallback xmlns="">
-      <p:transition spd="slow"/>
-    </mc:Fallback>
-  </mc:AlternateContent>
-  <p:timing>
-    <p:tnLst>
-      <p:par>
-        <p:cTn id="1" dur="indefinite" restart="never" nodeType="tmRoot">
-          <p:childTnLst>
-            <p:seq concurrent="1" nextAc="seek">
-              <p:cTn id="2" dur="indefinite" nodeType="mainSeq">
-                <p:childTnLst>
-                  <p:par>
-                    <p:cTn id="3" fill="hold">
-                      <p:stCondLst>
-                        <p:cond delay="indefinite"/>
-                      </p:stCondLst>
-                      <p:childTnLst>
-                        <p:par>
-                          <p:cTn id="4" fill="hold">
-                            <p:stCondLst>
-                              <p:cond delay="0"/>
-                            </p:stCondLst>
-                            <p:childTnLst>
-                              <p:par>
-                                <p:cTn id="5" presetID="1" presetClass="entr" presetSubtype="0" fill="hold" grpId="0" nodeType="clickEffect">
-                                  <p:stCondLst>
-                                    <p:cond delay="0"/>
-                                  </p:stCondLst>
-                                  <p:childTnLst>
-                                    <p:set>
-                                      <p:cBhvr>
-                                        <p:cTn id="6" dur="1" fill="hold">
-                                          <p:stCondLst>
-                                            <p:cond delay="0"/>
-                                          </p:stCondLst>
-                                        </p:cTn>
-                                        <p:tgtEl>
-                                          <p:spTgt spid="4">
-                                            <p:txEl>
-                                              <p:pRg st="0" end="0"/>
-                                            </p:txEl>
-                                          </p:spTgt>
-                                        </p:tgtEl>
-                                        <p:attrNameLst>
-                                          <p:attrName>style.visibility</p:attrName>
-                                        </p:attrNameLst>
-                                      </p:cBhvr>
-                                      <p:to>
-                                        <p:strVal val="visible"/>
-                                      </p:to>
-                                    </p:set>
-                                  </p:childTnLst>
-                                </p:cTn>
-                              </p:par>
-                              <p:par>
-                                <p:cTn id="7" presetID="1" presetClass="entr" presetSubtype="0" fill="hold" grpId="0" nodeType="withEffect">
-                                  <p:stCondLst>
-                                    <p:cond delay="0"/>
-                                  </p:stCondLst>
-                                  <p:childTnLst>
-                                    <p:set>
-                                      <p:cBhvr>
-                                        <p:cTn id="8" dur="1" fill="hold">
-                                          <p:stCondLst>
-                                            <p:cond delay="0"/>
-                                          </p:stCondLst>
-                                        </p:cTn>
-                                        <p:tgtEl>
-                                          <p:spTgt spid="4">
-                                            <p:txEl>
-                                              <p:pRg st="1" end="1"/>
-                                            </p:txEl>
-                                          </p:spTgt>
-                                        </p:tgtEl>
-                                        <p:attrNameLst>
-                                          <p:attrName>style.visibility</p:attrName>
-                                        </p:attrNameLst>
-                                      </p:cBhvr>
-                                      <p:to>
-                                        <p:strVal val="visible"/>
-                                      </p:to>
-                                    </p:set>
-                                  </p:childTnLst>
-                                </p:cTn>
-                              </p:par>
-                              <p:par>
-                                <p:cTn id="9" presetID="1" presetClass="entr" presetSubtype="0" fill="hold" grpId="0" nodeType="withEffect">
-                                  <p:stCondLst>
-                                    <p:cond delay="0"/>
-                                  </p:stCondLst>
-                                  <p:childTnLst>
-                                    <p:set>
-                                      <p:cBhvr>
-                                        <p:cTn id="10" dur="1" fill="hold">
-                                          <p:stCondLst>
-                                            <p:cond delay="0"/>
-                                          </p:stCondLst>
-                                        </p:cTn>
-                                        <p:tgtEl>
-                                          <p:spTgt spid="4">
-                                            <p:txEl>
-                                              <p:pRg st="2" end="2"/>
-                                            </p:txEl>
-                                          </p:spTgt>
-                                        </p:tgtEl>
-                                        <p:attrNameLst>
-                                          <p:attrName>style.visibility</p:attrName>
-                                        </p:attrNameLst>
-                                      </p:cBhvr>
-                                      <p:to>
-                                        <p:strVal val="visible"/>
-                                      </p:to>
-                                    </p:set>
-                                  </p:childTnLst>
-                                </p:cTn>
-                              </p:par>
-                              <p:par>
-                                <p:cTn id="11" presetID="1" presetClass="entr" presetSubtype="0" fill="hold" grpId="0" nodeType="withEffect">
-                                  <p:stCondLst>
-                                    <p:cond delay="0"/>
-                                  </p:stCondLst>
-                                  <p:childTnLst>
-                                    <p:set>
-                                      <p:cBhvr>
-                                        <p:cTn id="12" dur="1" fill="hold">
-                                          <p:stCondLst>
-                                            <p:cond delay="0"/>
-                                          </p:stCondLst>
-                                        </p:cTn>
-                                        <p:tgtEl>
-                                          <p:spTgt spid="4">
-                                            <p:txEl>
-                                              <p:pRg st="3" end="3"/>
-                                            </p:txEl>
-                                          </p:spTgt>
-                                        </p:tgtEl>
-                                        <p:attrNameLst>
-                                          <p:attrName>style.visibility</p:attrName>
-                                        </p:attrNameLst>
-                                      </p:cBhvr>
-                                      <p:to>
-                                        <p:strVal val="visible"/>
-                                      </p:to>
-                                    </p:set>
-                                  </p:childTnLst>
-                                </p:cTn>
-                              </p:par>
-                            </p:childTnLst>
-                          </p:cTn>
-                        </p:par>
-                      </p:childTnLst>
-                    </p:cTn>
-                  </p:par>
-                  <p:par>
-                    <p:cTn id="13" fill="hold">
-                      <p:stCondLst>
-                        <p:cond delay="indefinite"/>
-                      </p:stCondLst>
-                      <p:childTnLst>
-                        <p:par>
-                          <p:cTn id="14" fill="hold">
-                            <p:stCondLst>
-                              <p:cond delay="0"/>
-                            </p:stCondLst>
-                            <p:childTnLst>
-                              <p:par>
-                                <p:cTn id="15" presetID="1" presetClass="entr" presetSubtype="0" fill="hold" grpId="0" nodeType="clickEffect">
-                                  <p:stCondLst>
-                                    <p:cond delay="0"/>
-                                  </p:stCondLst>
-                                  <p:childTnLst>
-                                    <p:set>
-                                      <p:cBhvr>
-                                        <p:cTn id="16" dur="1" fill="hold">
-                                          <p:stCondLst>
-                                            <p:cond delay="0"/>
-                                          </p:stCondLst>
-                                        </p:cTn>
-                                        <p:tgtEl>
-                                          <p:spTgt spid="6">
-                                            <p:txEl>
-                                              <p:pRg st="0" end="0"/>
-                                            </p:txEl>
-                                          </p:spTgt>
-                                        </p:tgtEl>
-                                        <p:attrNameLst>
-                                          <p:attrName>style.visibility</p:attrName>
-                                        </p:attrNameLst>
-                                      </p:cBhvr>
-                                      <p:to>
-                                        <p:strVal val="visible"/>
-                                      </p:to>
-                                    </p:set>
-                                  </p:childTnLst>
-                                </p:cTn>
-                              </p:par>
-                            </p:childTnLst>
-                          </p:cTn>
-                        </p:par>
-                      </p:childTnLst>
-                    </p:cTn>
-                  </p:par>
-                </p:childTnLst>
-              </p:cTn>
-              <p:prevCondLst>
-                <p:cond evt="onPrev" delay="0">
-                  <p:tgtEl>
-                    <p:sldTgt/>
-                  </p:tgtEl>
-                </p:cond>
-              </p:prevCondLst>
-              <p:nextCondLst>
-                <p:cond evt="onNext" delay="0">
-                  <p:tgtEl>
-                    <p:sldTgt/>
-                  </p:tgtEl>
-                </p:cond>
-              </p:nextCondLst>
-            </p:seq>
-          </p:childTnLst>
-        </p:cTn>
-      </p:par>
-    </p:tnLst>
-    <p:bldLst>
-      <p:bldP spid="4" grpId="0" uiExpand="1" build="p"/>
-      <p:bldP spid="6" grpId="0" build="p"/>
-    </p:bldLst>
-  </p:timing>
-</p:sld>
-</file>
-
-<file path=ppt/slides/slide7.xml><?xml version="1.0" encoding="utf-8"?>
-<p:sld xmlns:a="http://schemas.openxmlformats.org/drawingml/2006/main" xmlns:r="http://schemas.openxmlformats.org/officeDocument/2006/relationships" xmlns:p="http://schemas.openxmlformats.org/presentationml/2006/main">
   <p:cSld name="page2">
     <p:spTree>
       <p:nvGrpSpPr>
@@ -12181,7 +10696,29 @@
                 <a:ea typeface="DejaVu Sans" pitchFamily="2"/>
                 <a:cs typeface="DejaVu Sans" pitchFamily="2"/>
               </a:rPr>
-              <a:t>	Functions are dependent only on their parameters</a:t>
+              <a:t>	</a:t>
+            </a:r>
+            <a:r>
+              <a:rPr lang="en-US" sz="2000" b="0" i="0" u="none" strike="noStrike" kern="1200" spc="0" dirty="0" smtClean="0">
+                <a:ln>
+                  <a:noFill/>
+                </a:ln>
+                <a:latin typeface="Arial" pitchFamily="18"/>
+                <a:ea typeface="DejaVu Sans" pitchFamily="2"/>
+                <a:cs typeface="DejaVu Sans" pitchFamily="2"/>
+              </a:rPr>
+              <a:t>Pure Functions </a:t>
+            </a:r>
+            <a:r>
+              <a:rPr lang="en-US" sz="2000" b="0" i="0" u="none" strike="noStrike" kern="1200" spc="0" dirty="0" smtClean="0">
+                <a:ln>
+                  <a:noFill/>
+                </a:ln>
+                <a:latin typeface="Arial" pitchFamily="18"/>
+                <a:ea typeface="DejaVu Sans" pitchFamily="2"/>
+                <a:cs typeface="DejaVu Sans" pitchFamily="2"/>
+              </a:rPr>
+              <a:t>are dependent only on their parameters</a:t>
             </a:r>
           </a:p>
           <a:p>
@@ -13083,6 +11620,399 @@
 </p:sld>
 </file>
 
+<file path=ppt/slides/slide7.xml><?xml version="1.0" encoding="utf-8"?>
+<p:sld xmlns:a="http://schemas.openxmlformats.org/drawingml/2006/main" xmlns:r="http://schemas.openxmlformats.org/officeDocument/2006/relationships" xmlns:p="http://schemas.openxmlformats.org/presentationml/2006/main">
+  <p:cSld>
+    <p:spTree>
+      <p:nvGrpSpPr>
+        <p:cNvPr id="1" name=""/>
+        <p:cNvGrpSpPr/>
+        <p:nvPr/>
+      </p:nvGrpSpPr>
+      <p:grpSpPr>
+        <a:xfrm>
+          <a:off x="0" y="0"/>
+          <a:ext cx="0" cy="0"/>
+          <a:chOff x="0" y="0"/>
+          <a:chExt cx="0" cy="0"/>
+        </a:xfrm>
+      </p:grpSpPr>
+      <p:sp>
+        <p:nvSpPr>
+          <p:cNvPr id="2" name="Title 1"/>
+          <p:cNvSpPr>
+            <a:spLocks noGrp="1"/>
+          </p:cNvSpPr>
+          <p:nvPr>
+            <p:ph type="title"/>
+          </p:nvPr>
+        </p:nvSpPr>
+        <p:spPr>
+          <a:xfrm>
+            <a:off x="457200" y="274638"/>
+            <a:ext cx="8229600" cy="1282154"/>
+          </a:xfrm>
+        </p:spPr>
+        <p:txBody>
+          <a:bodyPr/>
+          <a:lstStyle/>
+          <a:p>
+            <a:pPr>
+              <a:buNone/>
+            </a:pPr>
+            <a:r>
+              <a:rPr lang="en-US"/>
+              <a:t>Imperative </a:t>
+            </a:r>
+            <a:r>
+              <a:rPr lang="en-US" smtClean="0"/>
+              <a:t>vs Functional</a:t>
+            </a:r>
+            <a:br>
+              <a:rPr lang="en-US" smtClean="0"/>
+            </a:br>
+            <a:r>
+              <a:rPr lang="en-US"/>
+              <a:t>How </a:t>
+            </a:r>
+            <a:r>
+              <a:rPr lang="en-US" smtClean="0"/>
+              <a:t>vs What</a:t>
+            </a:r>
+            <a:endParaRPr lang="en-US"/>
+          </a:p>
+        </p:txBody>
+      </p:sp>
+      <p:sp>
+        <p:nvSpPr>
+          <p:cNvPr id="4" name="Content Placeholder 3"/>
+          <p:cNvSpPr>
+            <a:spLocks noGrp="1"/>
+          </p:cNvSpPr>
+          <p:nvPr>
+            <p:ph sz="half" idx="2"/>
+          </p:nvPr>
+        </p:nvSpPr>
+        <p:spPr/>
+        <p:txBody>
+          <a:bodyPr/>
+          <a:lstStyle/>
+          <a:p>
+            <a:pPr marL="108000" indent="0">
+              <a:buNone/>
+            </a:pPr>
+            <a:r>
+              <a:rPr lang="en-US" smtClean="0"/>
+              <a:t>for emp in employees</a:t>
+            </a:r>
+          </a:p>
+          <a:p>
+            <a:pPr marL="108000" indent="0">
+              <a:buNone/>
+            </a:pPr>
+            <a:r>
+              <a:rPr lang="en-US" smtClean="0"/>
+              <a:t>   if emp.isManager</a:t>
+            </a:r>
+          </a:p>
+          <a:p>
+            <a:pPr marL="108000" indent="0">
+              <a:buNone/>
+            </a:pPr>
+            <a:r>
+              <a:rPr lang="en-US" smtClean="0"/>
+              <a:t>      result.add(emp)</a:t>
+            </a:r>
+          </a:p>
+          <a:p>
+            <a:pPr marL="108000" indent="0">
+              <a:buNone/>
+            </a:pPr>
+            <a:r>
+              <a:rPr lang="en-US" smtClean="0"/>
+              <a:t>return result</a:t>
+            </a:r>
+            <a:endParaRPr lang="en-US"/>
+          </a:p>
+        </p:txBody>
+      </p:sp>
+      <p:sp>
+        <p:nvSpPr>
+          <p:cNvPr id="6" name="Content Placeholder 5"/>
+          <p:cNvSpPr>
+            <a:spLocks noGrp="1"/>
+          </p:cNvSpPr>
+          <p:nvPr>
+            <p:ph sz="quarter" idx="4"/>
+          </p:nvPr>
+        </p:nvSpPr>
+        <p:spPr>
+          <a:xfrm>
+            <a:off x="4572000" y="2174875"/>
+            <a:ext cx="4464496" cy="3951288"/>
+          </a:xfrm>
+        </p:spPr>
+        <p:txBody>
+          <a:bodyPr/>
+          <a:lstStyle/>
+          <a:p>
+            <a:pPr marL="108000" indent="0">
+              <a:buNone/>
+            </a:pPr>
+            <a:r>
+              <a:rPr lang="en-US" smtClean="0"/>
+              <a:t>employees |&gt; filter isManager 	</a:t>
+            </a:r>
+            <a:endParaRPr lang="en-US"/>
+          </a:p>
+        </p:txBody>
+      </p:sp>
+    </p:spTree>
+    <p:extLst>
+      <p:ext uri="{BB962C8B-B14F-4D97-AF65-F5344CB8AC3E}">
+        <p14:creationId xmlns:p14="http://schemas.microsoft.com/office/powerpoint/2010/main" val="1587520631"/>
+      </p:ext>
+    </p:extLst>
+  </p:cSld>
+  <p:clrMapOvr>
+    <a:masterClrMapping/>
+  </p:clrMapOvr>
+  <mc:AlternateContent xmlns:mc="http://schemas.openxmlformats.org/markup-compatibility/2006" xmlns:p14="http://schemas.microsoft.com/office/powerpoint/2010/main">
+    <mc:Choice Requires="p14">
+      <p:transition spd="slow" p14:dur="2000"/>
+    </mc:Choice>
+    <mc:Fallback xmlns="">
+      <p:transition spd="slow"/>
+    </mc:Fallback>
+  </mc:AlternateContent>
+  <p:timing>
+    <p:tnLst>
+      <p:par>
+        <p:cTn id="1" dur="indefinite" restart="never" nodeType="tmRoot">
+          <p:childTnLst>
+            <p:seq concurrent="1" nextAc="seek">
+              <p:cTn id="2" dur="indefinite" nodeType="mainSeq">
+                <p:childTnLst>
+                  <p:par>
+                    <p:cTn id="3" fill="hold">
+                      <p:stCondLst>
+                        <p:cond delay="indefinite"/>
+                      </p:stCondLst>
+                      <p:childTnLst>
+                        <p:par>
+                          <p:cTn id="4" fill="hold">
+                            <p:stCondLst>
+                              <p:cond delay="0"/>
+                            </p:stCondLst>
+                            <p:childTnLst>
+                              <p:par>
+                                <p:cTn id="5" presetID="1" presetClass="entr" presetSubtype="0" fill="hold" grpId="0" nodeType="clickEffect">
+                                  <p:stCondLst>
+                                    <p:cond delay="0"/>
+                                  </p:stCondLst>
+                                  <p:childTnLst>
+                                    <p:set>
+                                      <p:cBhvr>
+                                        <p:cTn id="6" dur="1" fill="hold">
+                                          <p:stCondLst>
+                                            <p:cond delay="0"/>
+                                          </p:stCondLst>
+                                        </p:cTn>
+                                        <p:tgtEl>
+                                          <p:spTgt spid="4">
+                                            <p:txEl>
+                                              <p:pRg st="0" end="0"/>
+                                            </p:txEl>
+                                          </p:spTgt>
+                                        </p:tgtEl>
+                                        <p:attrNameLst>
+                                          <p:attrName>style.visibility</p:attrName>
+                                        </p:attrNameLst>
+                                      </p:cBhvr>
+                                      <p:to>
+                                        <p:strVal val="visible"/>
+                                      </p:to>
+                                    </p:set>
+                                  </p:childTnLst>
+                                </p:cTn>
+                              </p:par>
+                              <p:par>
+                                <p:cTn id="7" presetID="1" presetClass="entr" presetSubtype="0" fill="hold" grpId="0" nodeType="withEffect">
+                                  <p:stCondLst>
+                                    <p:cond delay="0"/>
+                                  </p:stCondLst>
+                                  <p:childTnLst>
+                                    <p:set>
+                                      <p:cBhvr>
+                                        <p:cTn id="8" dur="1" fill="hold">
+                                          <p:stCondLst>
+                                            <p:cond delay="0"/>
+                                          </p:stCondLst>
+                                        </p:cTn>
+                                        <p:tgtEl>
+                                          <p:spTgt spid="4">
+                                            <p:txEl>
+                                              <p:pRg st="1" end="1"/>
+                                            </p:txEl>
+                                          </p:spTgt>
+                                        </p:tgtEl>
+                                        <p:attrNameLst>
+                                          <p:attrName>style.visibility</p:attrName>
+                                        </p:attrNameLst>
+                                      </p:cBhvr>
+                                      <p:to>
+                                        <p:strVal val="visible"/>
+                                      </p:to>
+                                    </p:set>
+                                  </p:childTnLst>
+                                </p:cTn>
+                              </p:par>
+                              <p:par>
+                                <p:cTn id="9" presetID="1" presetClass="entr" presetSubtype="0" fill="hold" grpId="0" nodeType="withEffect">
+                                  <p:stCondLst>
+                                    <p:cond delay="0"/>
+                                  </p:stCondLst>
+                                  <p:childTnLst>
+                                    <p:set>
+                                      <p:cBhvr>
+                                        <p:cTn id="10" dur="1" fill="hold">
+                                          <p:stCondLst>
+                                            <p:cond delay="0"/>
+                                          </p:stCondLst>
+                                        </p:cTn>
+                                        <p:tgtEl>
+                                          <p:spTgt spid="4">
+                                            <p:txEl>
+                                              <p:pRg st="2" end="2"/>
+                                            </p:txEl>
+                                          </p:spTgt>
+                                        </p:tgtEl>
+                                        <p:attrNameLst>
+                                          <p:attrName>style.visibility</p:attrName>
+                                        </p:attrNameLst>
+                                      </p:cBhvr>
+                                      <p:to>
+                                        <p:strVal val="visible"/>
+                                      </p:to>
+                                    </p:set>
+                                  </p:childTnLst>
+                                </p:cTn>
+                              </p:par>
+                              <p:par>
+                                <p:cTn id="11" presetID="1" presetClass="entr" presetSubtype="0" fill="hold" grpId="0" nodeType="withEffect">
+                                  <p:stCondLst>
+                                    <p:cond delay="0"/>
+                                  </p:stCondLst>
+                                  <p:childTnLst>
+                                    <p:set>
+                                      <p:cBhvr>
+                                        <p:cTn id="12" dur="1" fill="hold">
+                                          <p:stCondLst>
+                                            <p:cond delay="0"/>
+                                          </p:stCondLst>
+                                        </p:cTn>
+                                        <p:tgtEl>
+                                          <p:spTgt spid="4">
+                                            <p:txEl>
+                                              <p:pRg st="3" end="3"/>
+                                            </p:txEl>
+                                          </p:spTgt>
+                                        </p:tgtEl>
+                                        <p:attrNameLst>
+                                          <p:attrName>style.visibility</p:attrName>
+                                        </p:attrNameLst>
+                                      </p:cBhvr>
+                                      <p:to>
+                                        <p:strVal val="visible"/>
+                                      </p:to>
+                                    </p:set>
+                                  </p:childTnLst>
+                                </p:cTn>
+                              </p:par>
+                            </p:childTnLst>
+                          </p:cTn>
+                        </p:par>
+                      </p:childTnLst>
+                    </p:cTn>
+                  </p:par>
+                  <p:par>
+                    <p:cTn id="13" fill="hold">
+                      <p:stCondLst>
+                        <p:cond delay="indefinite"/>
+                      </p:stCondLst>
+                      <p:childTnLst>
+                        <p:par>
+                          <p:cTn id="14" fill="hold">
+                            <p:stCondLst>
+                              <p:cond delay="0"/>
+                            </p:stCondLst>
+                            <p:childTnLst>
+                              <p:par>
+                                <p:cTn id="15" presetID="1" presetClass="entr" presetSubtype="0" fill="hold" grpId="0" nodeType="clickEffect">
+                                  <p:stCondLst>
+                                    <p:cond delay="0"/>
+                                  </p:stCondLst>
+                                  <p:childTnLst>
+                                    <p:set>
+                                      <p:cBhvr>
+                                        <p:cTn id="16" dur="1" fill="hold">
+                                          <p:stCondLst>
+                                            <p:cond delay="0"/>
+                                          </p:stCondLst>
+                                        </p:cTn>
+                                        <p:tgtEl>
+                                          <p:spTgt spid="6">
+                                            <p:txEl>
+                                              <p:pRg st="0" end="0"/>
+                                            </p:txEl>
+                                          </p:spTgt>
+                                        </p:tgtEl>
+                                        <p:attrNameLst>
+                                          <p:attrName>style.visibility</p:attrName>
+                                        </p:attrNameLst>
+                                      </p:cBhvr>
+                                      <p:to>
+                                        <p:strVal val="visible"/>
+                                      </p:to>
+                                    </p:set>
+                                  </p:childTnLst>
+                                </p:cTn>
+                              </p:par>
+                            </p:childTnLst>
+                          </p:cTn>
+                        </p:par>
+                      </p:childTnLst>
+                    </p:cTn>
+                  </p:par>
+                </p:childTnLst>
+              </p:cTn>
+              <p:prevCondLst>
+                <p:cond evt="onPrev" delay="0">
+                  <p:tgtEl>
+                    <p:sldTgt/>
+                  </p:tgtEl>
+                </p:cond>
+              </p:prevCondLst>
+              <p:nextCondLst>
+                <p:cond evt="onNext" delay="0">
+                  <p:tgtEl>
+                    <p:sldTgt/>
+                  </p:tgtEl>
+                </p:cond>
+              </p:nextCondLst>
+            </p:seq>
+          </p:childTnLst>
+        </p:cTn>
+      </p:par>
+    </p:tnLst>
+    <p:bldLst>
+      <p:bldP spid="4" grpId="0" uiExpand="1" build="p"/>
+      <p:bldP spid="6" grpId="0" build="p"/>
+    </p:bldLst>
+  </p:timing>
+</p:sld>
+</file>
+
 <file path=ppt/slides/slide8.xml><?xml version="1.0" encoding="utf-8"?>
 <p:sld xmlns:a="http://schemas.openxmlformats.org/drawingml/2006/main" xmlns:r="http://schemas.openxmlformats.org/officeDocument/2006/relationships" xmlns:p="http://schemas.openxmlformats.org/presentationml/2006/main">
   <p:cSld>
@@ -13438,48 +12368,52 @@
           <a:lstStyle/>
           <a:p>
             <a:r>
-              <a:rPr lang="en-US" smtClean="0"/>
-              <a:t>Most programs today single threaded</a:t>
-            </a:r>
-          </a:p>
-          <a:p>
-            <a:r>
-              <a:rPr lang="en-US" smtClean="0"/>
+              <a:rPr lang="en-US" dirty="0" smtClean="0"/>
+              <a:t>Most programs </a:t>
+            </a:r>
+            <a:r>
+              <a:rPr lang="en-US" dirty="0" smtClean="0"/>
+              <a:t>today </a:t>
+            </a:r>
+            <a:r>
+              <a:rPr lang="en-US" dirty="0" smtClean="0"/>
+              <a:t>single threaded</a:t>
+            </a:r>
+          </a:p>
+          <a:p>
+            <a:r>
+              <a:rPr lang="en-US" dirty="0" smtClean="0"/>
               <a:t>Mainstream CPUs today 2-6 cores</a:t>
             </a:r>
           </a:p>
           <a:p>
             <a:pPr lvl="1"/>
             <a:r>
-              <a:rPr lang="en-US" smtClean="0"/>
+              <a:rPr lang="en-US" dirty="0" smtClean="0"/>
               <a:t>Server CPUs 12 cores</a:t>
             </a:r>
           </a:p>
           <a:p>
             <a:r>
-              <a:rPr lang="en-US" smtClean="0"/>
+              <a:rPr lang="en-US" dirty="0" smtClean="0"/>
               <a:t>Within a few years it will be 32, 64 </a:t>
             </a:r>
             <a:r>
-              <a:rPr lang="en-US" err="1" smtClean="0"/>
+              <a:rPr lang="en-US" dirty="0" err="1" smtClean="0"/>
               <a:t>etc</a:t>
             </a:r>
-            <a:endParaRPr lang="en-US" smtClean="0"/>
-          </a:p>
-          <a:p>
-            <a:r>
-              <a:rPr lang="en-US" smtClean="0"/>
-              <a:t>How much can a single threaded program do for a user of a 64 core machine?</a:t>
-            </a:r>
-          </a:p>
-          <a:p>
-            <a:r>
-              <a:rPr lang="en-US" smtClean="0"/>
-              <a:t>How about a program that uses all cores?</a:t>
-            </a:r>
-          </a:p>
-          <a:p>
-            <a:endParaRPr lang="en-US" smtClean="0"/>
+            <a:endParaRPr lang="en-US" dirty="0" smtClean="0"/>
+          </a:p>
+          <a:p>
+            <a:r>
+              <a:rPr lang="en-US" dirty="0" smtClean="0"/>
+              <a:t>How much can a single threaded program do for a user of a 64 core machine</a:t>
+            </a:r>
+            <a:r>
+              <a:rPr lang="en-US" dirty="0" smtClean="0"/>
+              <a:t>?</a:t>
+            </a:r>
+            <a:endParaRPr lang="en-US" dirty="0" smtClean="0"/>
           </a:p>
         </p:txBody>
       </p:sp>

--- a/FSharp2.pptx
+++ b/FSharp2.pptx
@@ -8115,15 +8115,7 @@
           <a:p>
             <a:r>
               <a:rPr lang="en-US" dirty="0" smtClean="0"/>
-              <a:t>Performance of </a:t>
-            </a:r>
-            <a:r>
-              <a:rPr lang="en-US" dirty="0" smtClean="0"/>
-              <a:t>dynamic </a:t>
-            </a:r>
-            <a:r>
-              <a:rPr lang="en-US" dirty="0" smtClean="0"/>
-              <a:t>typing</a:t>
+              <a:t>Performance of dynamic typing</a:t>
             </a:r>
           </a:p>
         </p:txBody>
@@ -8526,7 +8518,12 @@
             <p:ph idx="1"/>
           </p:nvPr>
         </p:nvSpPr>
-        <p:spPr/>
+        <p:spPr>
+          <a:xfrm>
+            <a:off x="457200" y="1268760"/>
+            <a:ext cx="8229240" cy="5256584"/>
+          </a:xfrm>
+        </p:spPr>
         <p:txBody>
           <a:bodyPr/>
           <a:lstStyle/>
@@ -8544,16 +8541,8 @@
           </a:p>
           <a:p>
             <a:r>
-              <a:rPr lang="en-US" dirty="0" err="1" smtClean="0"/>
-              <a:t>Staticly</a:t>
-            </a:r>
-            <a:r>
               <a:rPr lang="en-US" dirty="0" smtClean="0"/>
-              <a:t> typed .Net </a:t>
-            </a:r>
-            <a:r>
-              <a:rPr lang="en-US" dirty="0" smtClean="0"/>
-              <a:t>performance</a:t>
+              <a:t>Statically typed .Net performance</a:t>
             </a:r>
           </a:p>
           <a:p>
@@ -8566,7 +8555,7 @@
             <a:pPr lvl="1"/>
             <a:r>
               <a:rPr lang="en-US" dirty="0" smtClean="0"/>
-              <a:t>Mostly…</a:t>
+              <a:t>No refactoring…</a:t>
             </a:r>
           </a:p>
           <a:p>
@@ -8580,6 +8569,13 @@
               <a:rPr lang="en-US" dirty="0" smtClean="0"/>
               <a:t>Automatic generalization</a:t>
             </a:r>
+          </a:p>
+          <a:p>
+            <a:r>
+              <a:rPr lang="en-US" dirty="0" smtClean="0"/>
+              <a:t>Gorgeous extremely concise syntax</a:t>
+            </a:r>
+            <a:endParaRPr lang="en-US" dirty="0" smtClean="0"/>
           </a:p>
         </p:txBody>
       </p:sp>
@@ -8952,6 +8948,55 @@
                       </p:childTnLst>
                     </p:cTn>
                   </p:par>
+                  <p:par>
+                    <p:cTn id="31" fill="hold">
+                      <p:stCondLst>
+                        <p:cond delay="indefinite"/>
+                      </p:stCondLst>
+                      <p:childTnLst>
+                        <p:par>
+                          <p:cTn id="32" fill="hold">
+                            <p:stCondLst>
+                              <p:cond delay="0"/>
+                            </p:stCondLst>
+                            <p:childTnLst>
+                              <p:par>
+                                <p:cTn id="33" presetID="1" presetClass="entr" presetSubtype="0" fill="hold" nodeType="clickEffect">
+                                  <p:stCondLst>
+                                    <p:cond delay="0"/>
+                                  </p:stCondLst>
+                                  <p:childTnLst>
+                                    <p:set>
+                                      <p:cBhvr>
+                                        <p:cTn id="34" dur="1" fill="hold">
+                                          <p:stCondLst>
+                                            <p:cond delay="0"/>
+                                          </p:stCondLst>
+                                        </p:cTn>
+                                        <p:tgtEl>
+                                          <p:spTgt spid="3">
+                                            <p:txEl>
+                                              <p:pRg st="7" end="7"/>
+                                            </p:txEl>
+                                          </p:spTgt>
+                                        </p:tgtEl>
+                                        <p:attrNameLst>
+                                          <p:attrName>style.visibility</p:attrName>
+                                        </p:attrNameLst>
+                                      </p:cBhvr>
+                                      <p:to>
+                                        <p:strVal val="visible"/>
+                                      </p:to>
+                                    </p:set>
+                                  </p:childTnLst>
+                                </p:cTn>
+                              </p:par>
+                            </p:childTnLst>
+                          </p:cTn>
+                        </p:par>
+                      </p:childTnLst>
+                    </p:cTn>
+                  </p:par>
                 </p:childTnLst>
               </p:cTn>
               <p:prevCondLst>
@@ -9083,49 +9128,7 @@
                 <a:ea typeface="DejaVu Sans" pitchFamily="2"/>
                 <a:cs typeface="DejaVu Sans" pitchFamily="2"/>
               </a:rPr>
-              <a:t>Lets </a:t>
-            </a:r>
-            <a:r>
-              <a:rPr lang="en-US" sz="4400" b="0" i="0" u="none" strike="noStrike" kern="1200" spc="0" dirty="0" smtClean="0">
-                <a:ln>
-                  <a:noFill/>
-                </a:ln>
-                <a:solidFill>
-                  <a:srgbClr val="000000"/>
-                </a:solidFill>
-                <a:latin typeface="Calibri" pitchFamily="18"/>
-                <a:ea typeface="DejaVu Sans" pitchFamily="2"/>
-                <a:cs typeface="DejaVu Sans" pitchFamily="2"/>
-              </a:rPr>
-              <a:t>look </a:t>
-            </a:r>
-            <a:r>
-              <a:rPr lang="en-US" sz="4400" b="0" i="0" u="none" strike="noStrike" kern="1200" spc="0" dirty="0" smtClean="0">
-                <a:ln>
-                  <a:noFill/>
-                </a:ln>
-                <a:solidFill>
-                  <a:srgbClr val="000000"/>
-                </a:solidFill>
-                <a:latin typeface="Calibri" pitchFamily="18"/>
-                <a:ea typeface="DejaVu Sans" pitchFamily="2"/>
-                <a:cs typeface="DejaVu Sans" pitchFamily="2"/>
-              </a:rPr>
-              <a:t>at some </a:t>
-            </a:r>
-            <a:r>
-              <a:rPr lang="en-US" sz="4400" b="0" i="0" u="none" strike="noStrike" kern="1200" spc="0" dirty="0" smtClean="0">
-                <a:ln>
-                  <a:noFill/>
-                </a:ln>
-                <a:solidFill>
-                  <a:srgbClr val="000000"/>
-                </a:solidFill>
-                <a:latin typeface="Calibri" pitchFamily="18"/>
-                <a:ea typeface="DejaVu Sans" pitchFamily="2"/>
-                <a:cs typeface="DejaVu Sans" pitchFamily="2"/>
-              </a:rPr>
-              <a:t>code</a:t>
+              <a:t>Lets look at some code</a:t>
             </a:r>
           </a:p>
         </p:txBody>
@@ -10696,29 +10699,7 @@
                 <a:ea typeface="DejaVu Sans" pitchFamily="2"/>
                 <a:cs typeface="DejaVu Sans" pitchFamily="2"/>
               </a:rPr>
-              <a:t>	</a:t>
-            </a:r>
-            <a:r>
-              <a:rPr lang="en-US" sz="2000" b="0" i="0" u="none" strike="noStrike" kern="1200" spc="0" dirty="0" smtClean="0">
-                <a:ln>
-                  <a:noFill/>
-                </a:ln>
-                <a:latin typeface="Arial" pitchFamily="18"/>
-                <a:ea typeface="DejaVu Sans" pitchFamily="2"/>
-                <a:cs typeface="DejaVu Sans" pitchFamily="2"/>
-              </a:rPr>
-              <a:t>Pure Functions </a:t>
-            </a:r>
-            <a:r>
-              <a:rPr lang="en-US" sz="2000" b="0" i="0" u="none" strike="noStrike" kern="1200" spc="0" dirty="0" smtClean="0">
-                <a:ln>
-                  <a:noFill/>
-                </a:ln>
-                <a:latin typeface="Arial" pitchFamily="18"/>
-                <a:ea typeface="DejaVu Sans" pitchFamily="2"/>
-                <a:cs typeface="DejaVu Sans" pitchFamily="2"/>
-              </a:rPr>
-              <a:t>are dependent only on their parameters</a:t>
+              <a:t>	Pure Functions are dependent only on their parameters</a:t>
             </a:r>
           </a:p>
           <a:p>
@@ -12369,15 +12350,7 @@
           <a:p>
             <a:r>
               <a:rPr lang="en-US" dirty="0" smtClean="0"/>
-              <a:t>Most programs </a:t>
-            </a:r>
-            <a:r>
-              <a:rPr lang="en-US" dirty="0" smtClean="0"/>
-              <a:t>today </a:t>
-            </a:r>
-            <a:r>
-              <a:rPr lang="en-US" dirty="0" smtClean="0"/>
-              <a:t>single threaded</a:t>
+              <a:t>Most programs today single threaded</a:t>
             </a:r>
           </a:p>
           <a:p>
@@ -12407,13 +12380,8 @@
           <a:p>
             <a:r>
               <a:rPr lang="en-US" dirty="0" smtClean="0"/>
-              <a:t>How much can a single threaded program do for a user of a 64 core machine</a:t>
-            </a:r>
-            <a:r>
-              <a:rPr lang="en-US" dirty="0" smtClean="0"/>
-              <a:t>?</a:t>
-            </a:r>
-            <a:endParaRPr lang="en-US" dirty="0" smtClean="0"/>
+              <a:t>How much can a single threaded program do for a user of a 64 core machine?</a:t>
+            </a:r>
           </a:p>
         </p:txBody>
       </p:sp>
